--- a/docs/PubSub Messenger.pptx
+++ b/docs/PubSub Messenger.pptx
@@ -10,6 +10,7 @@
     <p:sldId id="257" r:id="rId4"/>
     <p:sldId id="258" r:id="rId5"/>
     <p:sldId id="259" r:id="rId6"/>
+    <p:sldId id="262" r:id="rId7"/>
   </p:sldIdLst>
   <p:sldSz cx="9144000" cy="6858000" type="screen4x3"/>
   <p:notesSz cx="6858000" cy="9144000"/>
@@ -128,7 +129,7 @@
 </file>
 
 <file path=ppt/slideLayouts/slideLayout1.xml><?xml version="1.0" encoding="utf-8"?>
-<p:sldLayout xmlns:a="http://schemas.openxmlformats.org/drawingml/2006/main" xmlns:r="http://schemas.openxmlformats.org/officeDocument/2006/relationships" xmlns:p="http://schemas.openxmlformats.org/presentationml/2006/main" type="title" preserve="1">
+<p:sldLayout xmlns:a="http://schemas.openxmlformats.org/drawingml/2006/main" xmlns:r="http://schemas.openxmlformats.org/officeDocument/2006/relationships" xmlns:p="http://schemas.openxmlformats.org/presentationml/2006/main" showMasterSp="0" type="title" preserve="1">
   <p:cSld name="Title Slide">
     <p:spTree>
       <p:nvGrpSpPr>
@@ -313,7 +314,7 @@
           <a:p>
             <a:fld id="{F86244D8-AB35-4C32-B857-A19335E4DDAB}" type="datetimeFigureOut">
               <a:rPr lang="he-IL" smtClean="0"/>
-              <a:t>כ"ז.אלול.תשע"ט</a:t>
+              <a:t>ה'.טבת.תש"פ</a:t>
             </a:fld>
             <a:endParaRPr lang="he-IL"/>
           </a:p>
@@ -370,7 +371,7 @@
 </file>
 
 <file path=ppt/slideLayouts/slideLayout10.xml><?xml version="1.0" encoding="utf-8"?>
-<p:sldLayout xmlns:a="http://schemas.openxmlformats.org/drawingml/2006/main" xmlns:r="http://schemas.openxmlformats.org/officeDocument/2006/relationships" xmlns:p="http://schemas.openxmlformats.org/presentationml/2006/main" type="vertTx" preserve="1">
+<p:sldLayout xmlns:a="http://schemas.openxmlformats.org/drawingml/2006/main" xmlns:r="http://schemas.openxmlformats.org/officeDocument/2006/relationships" xmlns:p="http://schemas.openxmlformats.org/presentationml/2006/main" showMasterSp="0" type="vertTx" preserve="1">
   <p:cSld name="Title and Vertical Text">
     <p:spTree>
       <p:nvGrpSpPr>
@@ -476,7 +477,7 @@
           <a:p>
             <a:fld id="{F86244D8-AB35-4C32-B857-A19335E4DDAB}" type="datetimeFigureOut">
               <a:rPr lang="he-IL" smtClean="0"/>
-              <a:t>כ"ז.אלול.תשע"ט</a:t>
+              <a:t>ה'.טבת.תש"פ</a:t>
             </a:fld>
             <a:endParaRPr lang="he-IL"/>
           </a:p>
@@ -533,7 +534,7 @@
 </file>
 
 <file path=ppt/slideLayouts/slideLayout11.xml><?xml version="1.0" encoding="utf-8"?>
-<p:sldLayout xmlns:a="http://schemas.openxmlformats.org/drawingml/2006/main" xmlns:r="http://schemas.openxmlformats.org/officeDocument/2006/relationships" xmlns:p="http://schemas.openxmlformats.org/presentationml/2006/main" type="vertTitleAndTx" preserve="1">
+<p:sldLayout xmlns:a="http://schemas.openxmlformats.org/drawingml/2006/main" xmlns:r="http://schemas.openxmlformats.org/officeDocument/2006/relationships" xmlns:p="http://schemas.openxmlformats.org/presentationml/2006/main" showMasterSp="0" type="vertTitleAndTx" preserve="1">
   <p:cSld name="Vertical Title and Text">
     <p:spTree>
       <p:nvGrpSpPr>
@@ -649,7 +650,7 @@
           <a:p>
             <a:fld id="{F86244D8-AB35-4C32-B857-A19335E4DDAB}" type="datetimeFigureOut">
               <a:rPr lang="he-IL" smtClean="0"/>
-              <a:t>כ"ז.אלול.תשע"ט</a:t>
+              <a:t>ה'.טבת.תש"פ</a:t>
             </a:fld>
             <a:endParaRPr lang="he-IL"/>
           </a:p>
@@ -706,7 +707,7 @@
 </file>
 
 <file path=ppt/slideLayouts/slideLayout2.xml><?xml version="1.0" encoding="utf-8"?>
-<p:sldLayout xmlns:a="http://schemas.openxmlformats.org/drawingml/2006/main" xmlns:r="http://schemas.openxmlformats.org/officeDocument/2006/relationships" xmlns:p="http://schemas.openxmlformats.org/presentationml/2006/main" type="obj" preserve="1">
+<p:sldLayout xmlns:a="http://schemas.openxmlformats.org/drawingml/2006/main" xmlns:r="http://schemas.openxmlformats.org/officeDocument/2006/relationships" xmlns:p="http://schemas.openxmlformats.org/presentationml/2006/main" showMasterSp="0" type="obj" preserve="1">
   <p:cSld name="Title and Content">
     <p:spTree>
       <p:nvGrpSpPr>
@@ -813,7 +814,7 @@
           <a:p>
             <a:fld id="{F86244D8-AB35-4C32-B857-A19335E4DDAB}" type="datetimeFigureOut">
               <a:rPr lang="he-IL" smtClean="0"/>
-              <a:t>כ"ז.אלול.תשע"ט</a:t>
+              <a:t>ה'.טבת.תש"פ</a:t>
             </a:fld>
             <a:endParaRPr lang="he-IL"/>
           </a:p>
@@ -870,7 +871,7 @@
 </file>
 
 <file path=ppt/slideLayouts/slideLayout3.xml><?xml version="1.0" encoding="utf-8"?>
-<p:sldLayout xmlns:a="http://schemas.openxmlformats.org/drawingml/2006/main" xmlns:r="http://schemas.openxmlformats.org/officeDocument/2006/relationships" xmlns:p="http://schemas.openxmlformats.org/presentationml/2006/main" type="secHead" preserve="1">
+<p:sldLayout xmlns:a="http://schemas.openxmlformats.org/drawingml/2006/main" xmlns:r="http://schemas.openxmlformats.org/officeDocument/2006/relationships" xmlns:p="http://schemas.openxmlformats.org/presentationml/2006/main" showMasterSp="0" type="secHead" preserve="1">
   <p:cSld name="Section Header">
     <p:spTree>
       <p:nvGrpSpPr>
@@ -1051,7 +1052,7 @@
           <a:p>
             <a:fld id="{F86244D8-AB35-4C32-B857-A19335E4DDAB}" type="datetimeFigureOut">
               <a:rPr lang="he-IL" smtClean="0"/>
-              <a:t>כ"ז.אלול.תשע"ט</a:t>
+              <a:t>ה'.טבת.תש"פ</a:t>
             </a:fld>
             <a:endParaRPr lang="he-IL"/>
           </a:p>
@@ -1108,7 +1109,7 @@
 </file>
 
 <file path=ppt/slideLayouts/slideLayout4.xml><?xml version="1.0" encoding="utf-8"?>
-<p:sldLayout xmlns:a="http://schemas.openxmlformats.org/drawingml/2006/main" xmlns:r="http://schemas.openxmlformats.org/officeDocument/2006/relationships" xmlns:p="http://schemas.openxmlformats.org/presentationml/2006/main" type="twoObj" preserve="1">
+<p:sldLayout xmlns:a="http://schemas.openxmlformats.org/drawingml/2006/main" xmlns:r="http://schemas.openxmlformats.org/officeDocument/2006/relationships" xmlns:p="http://schemas.openxmlformats.org/presentationml/2006/main" showMasterSp="0" type="twoObj" preserve="1">
   <p:cSld name="Two Content">
     <p:spTree>
       <p:nvGrpSpPr>
@@ -1141,7 +1142,7 @@
           <a:p>
             <a:fld id="{F86244D8-AB35-4C32-B857-A19335E4DDAB}" type="datetimeFigureOut">
               <a:rPr lang="he-IL" smtClean="0"/>
-              <a:t>כ"ז.אלול.תשע"ט</a:t>
+              <a:t>ה'.טבת.תש"פ</a:t>
             </a:fld>
             <a:endParaRPr lang="he-IL"/>
           </a:p>
@@ -1337,7 +1338,7 @@
 </file>
 
 <file path=ppt/slideLayouts/slideLayout5.xml><?xml version="1.0" encoding="utf-8"?>
-<p:sldLayout xmlns:a="http://schemas.openxmlformats.org/drawingml/2006/main" xmlns:r="http://schemas.openxmlformats.org/officeDocument/2006/relationships" xmlns:p="http://schemas.openxmlformats.org/presentationml/2006/main" type="twoTxTwoObj" preserve="1">
+<p:sldLayout xmlns:a="http://schemas.openxmlformats.org/drawingml/2006/main" xmlns:r="http://schemas.openxmlformats.org/officeDocument/2006/relationships" xmlns:p="http://schemas.openxmlformats.org/presentationml/2006/main" showMasterSp="0" type="twoTxTwoObj" preserve="1">
   <p:cSld name="Comparison">
     <p:spTree>
       <p:nvGrpSpPr>
@@ -1512,7 +1513,7 @@
           <a:p>
             <a:fld id="{F86244D8-AB35-4C32-B857-A19335E4DDAB}" type="datetimeFigureOut">
               <a:rPr lang="he-IL" smtClean="0"/>
-              <a:t>כ"ז.אלול.תשע"ט</a:t>
+              <a:t>ה'.טבת.תש"פ</a:t>
             </a:fld>
             <a:endParaRPr lang="he-IL"/>
           </a:p>
@@ -1711,7 +1712,7 @@
 </file>
 
 <file path=ppt/slideLayouts/slideLayout6.xml><?xml version="1.0" encoding="utf-8"?>
-<p:sldLayout xmlns:a="http://schemas.openxmlformats.org/drawingml/2006/main" xmlns:r="http://schemas.openxmlformats.org/officeDocument/2006/relationships" xmlns:p="http://schemas.openxmlformats.org/presentationml/2006/main" type="titleOnly" preserve="1">
+<p:sldLayout xmlns:a="http://schemas.openxmlformats.org/drawingml/2006/main" xmlns:r="http://schemas.openxmlformats.org/officeDocument/2006/relationships" xmlns:p="http://schemas.openxmlformats.org/presentationml/2006/main" showMasterSp="0" type="titleOnly" preserve="1">
   <p:cSld name="Title Only">
     <p:spTree>
       <p:nvGrpSpPr>
@@ -1766,7 +1767,7 @@
           <a:p>
             <a:fld id="{F86244D8-AB35-4C32-B857-A19335E4DDAB}" type="datetimeFigureOut">
               <a:rPr lang="he-IL" smtClean="0"/>
-              <a:t>כ"ז.אלול.תשע"ט</a:t>
+              <a:t>ה'.טבת.תש"פ</a:t>
             </a:fld>
             <a:endParaRPr lang="he-IL"/>
           </a:p>
@@ -1823,7 +1824,7 @@
 </file>
 
 <file path=ppt/slideLayouts/slideLayout7.xml><?xml version="1.0" encoding="utf-8"?>
-<p:sldLayout xmlns:a="http://schemas.openxmlformats.org/drawingml/2006/main" xmlns:r="http://schemas.openxmlformats.org/officeDocument/2006/relationships" xmlns:p="http://schemas.openxmlformats.org/presentationml/2006/main" type="blank" preserve="1">
+<p:sldLayout xmlns:a="http://schemas.openxmlformats.org/drawingml/2006/main" xmlns:r="http://schemas.openxmlformats.org/officeDocument/2006/relationships" xmlns:p="http://schemas.openxmlformats.org/presentationml/2006/main" showMasterSp="0" type="blank" preserve="1">
   <p:cSld name="Blank">
     <p:spTree>
       <p:nvGrpSpPr>
@@ -1856,7 +1857,7 @@
           <a:p>
             <a:fld id="{F86244D8-AB35-4C32-B857-A19335E4DDAB}" type="datetimeFigureOut">
               <a:rPr lang="he-IL" smtClean="0"/>
-              <a:t>כ"ז.אלול.תשע"ט</a:t>
+              <a:t>ה'.טבת.תש"פ</a:t>
             </a:fld>
             <a:endParaRPr lang="he-IL"/>
           </a:p>
@@ -1913,7 +1914,7 @@
 </file>
 
 <file path=ppt/slideLayouts/slideLayout8.xml><?xml version="1.0" encoding="utf-8"?>
-<p:sldLayout xmlns:a="http://schemas.openxmlformats.org/drawingml/2006/main" xmlns:r="http://schemas.openxmlformats.org/officeDocument/2006/relationships" xmlns:p="http://schemas.openxmlformats.org/presentationml/2006/main" type="objTx" preserve="1">
+<p:sldLayout xmlns:a="http://schemas.openxmlformats.org/drawingml/2006/main" xmlns:r="http://schemas.openxmlformats.org/officeDocument/2006/relationships" xmlns:p="http://schemas.openxmlformats.org/presentationml/2006/main" showMasterSp="0" type="objTx" preserve="1">
   <p:cSld name="Content with Caption">
     <p:spTree>
       <p:nvGrpSpPr>
@@ -2130,7 +2131,7 @@
           <a:p>
             <a:fld id="{F86244D8-AB35-4C32-B857-A19335E4DDAB}" type="datetimeFigureOut">
               <a:rPr lang="he-IL" smtClean="0"/>
-              <a:t>כ"ז.אלול.תשע"ט</a:t>
+              <a:t>ה'.טבת.תש"פ</a:t>
             </a:fld>
             <a:endParaRPr lang="he-IL"/>
           </a:p>
@@ -2187,7 +2188,7 @@
 </file>
 
 <file path=ppt/slideLayouts/slideLayout9.xml><?xml version="1.0" encoding="utf-8"?>
-<p:sldLayout xmlns:a="http://schemas.openxmlformats.org/drawingml/2006/main" xmlns:r="http://schemas.openxmlformats.org/officeDocument/2006/relationships" xmlns:p="http://schemas.openxmlformats.org/presentationml/2006/main" type="picTx" preserve="1">
+<p:sldLayout xmlns:a="http://schemas.openxmlformats.org/drawingml/2006/main" xmlns:r="http://schemas.openxmlformats.org/officeDocument/2006/relationships" xmlns:p="http://schemas.openxmlformats.org/presentationml/2006/main" showMasterSp="0" type="picTx" preserve="1">
   <p:cSld name="Picture with Caption">
     <p:spTree>
       <p:nvGrpSpPr>
@@ -2402,7 +2403,7 @@
           <a:p>
             <a:fld id="{F86244D8-AB35-4C32-B857-A19335E4DDAB}" type="datetimeFigureOut">
               <a:rPr lang="he-IL" smtClean="0"/>
-              <a:t>כ"ז.אלול.תשע"ט</a:t>
+              <a:t>ה'.טבת.תש"פ</a:t>
             </a:fld>
             <a:endParaRPr lang="he-IL"/>
           </a:p>
@@ -2462,9 +2463,37 @@
 <p:sldMaster xmlns:a="http://schemas.openxmlformats.org/drawingml/2006/main" xmlns:r="http://schemas.openxmlformats.org/officeDocument/2006/relationships" xmlns:p="http://schemas.openxmlformats.org/presentationml/2006/main">
   <p:cSld>
     <p:bg>
-      <p:bgRef idx="1002">
-        <a:schemeClr val="bg2"/>
-      </p:bgRef>
+      <p:bgPr>
+        <a:gradFill flip="none" rotWithShape="1">
+          <a:gsLst>
+            <a:gs pos="0">
+              <a:schemeClr val="bg2">
+                <a:tint val="100000"/>
+                <a:shade val="80000"/>
+                <a:satMod val="100000"/>
+                <a:lumMod val="100000"/>
+              </a:schemeClr>
+            </a:gs>
+            <a:gs pos="65000">
+              <a:schemeClr val="bg2">
+                <a:tint val="100000"/>
+                <a:shade val="95000"/>
+                <a:satMod val="100000"/>
+                <a:lumMod val="100000"/>
+              </a:schemeClr>
+            </a:gs>
+            <a:gs pos="100000">
+              <a:schemeClr val="bg1">
+                <a:lumMod val="85000"/>
+                <a:lumOff val="15000"/>
+              </a:schemeClr>
+            </a:gs>
+          </a:gsLst>
+          <a:lin ang="5400000" scaled="0"/>
+          <a:tileRect/>
+        </a:gradFill>
+        <a:effectLst/>
+      </p:bgPr>
     </p:bg>
     <p:spTree>
       <p:nvGrpSpPr>
@@ -2702,7 +2731,7 @@
           <a:p>
             <a:fld id="{F86244D8-AB35-4C32-B857-A19335E4DDAB}" type="datetimeFigureOut">
               <a:rPr lang="he-IL" smtClean="0"/>
-              <a:t>כ"ז.אלול.תשע"ט</a:t>
+              <a:t>ה'.טבת.תש"פ</a:t>
             </a:fld>
             <a:endParaRPr lang="he-IL"/>
           </a:p>
@@ -3135,7 +3164,7 @@
 </file>
 
 <file path=ppt/slides/slide1.xml><?xml version="1.0" encoding="utf-8"?>
-<p:sld xmlns:a="http://schemas.openxmlformats.org/drawingml/2006/main" xmlns:r="http://schemas.openxmlformats.org/officeDocument/2006/relationships" xmlns:p="http://schemas.openxmlformats.org/presentationml/2006/main">
+<p:sld xmlns:a="http://schemas.openxmlformats.org/drawingml/2006/main" xmlns:r="http://schemas.openxmlformats.org/officeDocument/2006/relationships" xmlns:p="http://schemas.openxmlformats.org/presentationml/2006/main" showMasterSp="0">
   <p:cSld>
     <p:spTree>
       <p:nvGrpSpPr>
@@ -3151,6 +3180,44 @@
           <a:chExt cx="0" cy="0"/>
         </a:xfrm>
       </p:grpSpPr>
+      <p:pic>
+        <p:nvPicPr>
+          <p:cNvPr id="4" name="Picture 3" descr="A close up of a logo&#10;&#10;Description automatically generated">
+            <a:extLst>
+              <a:ext uri="{FF2B5EF4-FFF2-40B4-BE49-F238E27FC236}">
+                <a16:creationId xmlns:a16="http://schemas.microsoft.com/office/drawing/2014/main" id="{113DBB63-2FE1-4249-8A13-F17AEF078087}"/>
+              </a:ext>
+            </a:extLst>
+          </p:cNvPr>
+          <p:cNvPicPr>
+            <a:picLocks noChangeAspect="1"/>
+          </p:cNvPicPr>
+          <p:nvPr/>
+        </p:nvPicPr>
+        <p:blipFill>
+          <a:blip r:embed="rId2">
+            <a:alphaModFix amt="80000"/>
+            <a:extLst>
+              <a:ext uri="{28A0092B-C50C-407E-A947-70E740481C1C}">
+                <a14:useLocalDpi xmlns:a14="http://schemas.microsoft.com/office/drawing/2010/main" val="0"/>
+              </a:ext>
+            </a:extLst>
+          </a:blip>
+          <a:stretch>
+            <a:fillRect/>
+          </a:stretch>
+        </p:blipFill>
+        <p:spPr>
+          <a:xfrm>
+            <a:off x="0" y="0"/>
+            <a:ext cx="9144000" cy="6098507"/>
+          </a:xfrm>
+          <a:prstGeom prst="rect">
+            <a:avLst/>
+          </a:prstGeom>
+          <a:noFill/>
+        </p:spPr>
+      </p:pic>
       <p:sp>
         <p:nvSpPr>
           <p:cNvPr id="2" name="Title 1"/>
@@ -3161,7 +3228,12 @@
             <p:ph type="title"/>
           </p:nvPr>
         </p:nvSpPr>
-        <p:spPr/>
+        <p:spPr>
+          <a:xfrm>
+            <a:off x="914400" y="5517232"/>
+            <a:ext cx="7315200" cy="793932"/>
+          </a:xfrm>
+        </p:spPr>
         <p:txBody>
           <a:bodyPr/>
           <a:lstStyle/>
@@ -3169,9 +3241,153 @@
             <a:pPr rtl="0"/>
             <a:r>
               <a:rPr lang="en-US" dirty="0"/>
-              <a:t>Pub\Sub Messenger</a:t>
+              <a:t>Pub\Sub Messenger for Unity</a:t>
             </a:r>
             <a:endParaRPr lang="he-IL" dirty="0"/>
+          </a:p>
+        </p:txBody>
+      </p:sp>
+      <p:sp>
+        <p:nvSpPr>
+          <p:cNvPr id="5" name="TextBox 4">
+            <a:hlinkClick r:id="rId3" tooltip="Publisher Website"/>
+            <a:extLst>
+              <a:ext uri="{FF2B5EF4-FFF2-40B4-BE49-F238E27FC236}">
+                <a16:creationId xmlns:a16="http://schemas.microsoft.com/office/drawing/2014/main" id="{B3074461-4CEE-FA41-8A73-97B9C26A59BB}"/>
+              </a:ext>
+            </a:extLst>
+          </p:cNvPr>
+          <p:cNvSpPr txBox="1"/>
+          <p:nvPr/>
+        </p:nvSpPr>
+        <p:spPr>
+          <a:xfrm>
+            <a:off x="6804249" y="121188"/>
+            <a:ext cx="2217440" cy="369332"/>
+          </a:xfrm>
+          <a:prstGeom prst="rect">
+            <a:avLst/>
+          </a:prstGeom>
+          <a:noFill/>
+        </p:spPr>
+        <p:txBody>
+          <a:bodyPr wrap="square" rtlCol="0">
+            <a:spAutoFit/>
+          </a:bodyPr>
+          <a:lstStyle/>
+          <a:p>
+            <a:pPr marL="0" defTabSz="914400" rtl="0" eaLnBrk="1" latinLnBrk="0" hangingPunct="1"/>
+            <a:r>
+              <a:rPr lang="en-US" dirty="0" err="1">
+                <a:effectLst>
+                  <a:outerShdw blurRad="50800" dist="38100" dir="2700000" algn="tl" rotWithShape="0">
+                    <a:prstClr val="black">
+                      <a:alpha val="40000"/>
+                    </a:prstClr>
+                  </a:outerShdw>
+                </a:effectLst>
+              </a:rPr>
+              <a:t>SuperMaxim.com</a:t>
+            </a:r>
+            <a:endParaRPr lang="en-US" dirty="0">
+              <a:effectLst>
+                <a:outerShdw blurRad="50800" dist="38100" dir="2700000" algn="tl" rotWithShape="0">
+                  <a:prstClr val="black">
+                    <a:alpha val="40000"/>
+                  </a:prstClr>
+                </a:outerShdw>
+              </a:effectLst>
+            </a:endParaRPr>
+          </a:p>
+        </p:txBody>
+      </p:sp>
+      <p:sp>
+        <p:nvSpPr>
+          <p:cNvPr id="6" name="TextBox 5">
+            <a:hlinkClick r:id="rId4" tooltip="Framework Sources - Github"/>
+            <a:extLst>
+              <a:ext uri="{FF2B5EF4-FFF2-40B4-BE49-F238E27FC236}">
+                <a16:creationId xmlns:a16="http://schemas.microsoft.com/office/drawing/2014/main" id="{F8F02031-F8B1-2140-95E3-9509540AB691}"/>
+              </a:ext>
+            </a:extLst>
+          </p:cNvPr>
+          <p:cNvSpPr txBox="1"/>
+          <p:nvPr/>
+        </p:nvSpPr>
+        <p:spPr>
+          <a:xfrm>
+            <a:off x="122312" y="111598"/>
+            <a:ext cx="3729607" cy="369332"/>
+          </a:xfrm>
+          <a:prstGeom prst="rect">
+            <a:avLst/>
+          </a:prstGeom>
+          <a:noFill/>
+        </p:spPr>
+        <p:txBody>
+          <a:bodyPr wrap="square" rtlCol="0">
+            <a:spAutoFit/>
+          </a:bodyPr>
+          <a:lstStyle/>
+          <a:p>
+            <a:pPr algn="l" rtl="0"/>
+            <a:r>
+              <a:rPr lang="en-US" dirty="0">
+                <a:effectLst>
+                  <a:outerShdw blurRad="50800" dist="38100" dir="2700000" algn="tl" rotWithShape="0">
+                    <a:prstClr val="black">
+                      <a:alpha val="40000"/>
+                    </a:prstClr>
+                  </a:outerShdw>
+                </a:effectLst>
+              </a:rPr>
+              <a:t>https://</a:t>
+            </a:r>
+            <a:r>
+              <a:rPr lang="en-US" dirty="0" err="1">
+                <a:effectLst>
+                  <a:outerShdw blurRad="50800" dist="38100" dir="2700000" algn="tl" rotWithShape="0">
+                    <a:prstClr val="black">
+                      <a:alpha val="40000"/>
+                    </a:prstClr>
+                  </a:outerShdw>
+                </a:effectLst>
+              </a:rPr>
+              <a:t>supermax.github.io</a:t>
+            </a:r>
+            <a:r>
+              <a:rPr lang="en-US" dirty="0">
+                <a:effectLst>
+                  <a:outerShdw blurRad="50800" dist="38100" dir="2700000" algn="tl" rotWithShape="0">
+                    <a:prstClr val="black">
+                      <a:alpha val="40000"/>
+                    </a:prstClr>
+                  </a:outerShdw>
+                </a:effectLst>
+              </a:rPr>
+              <a:t>/</a:t>
+            </a:r>
+            <a:r>
+              <a:rPr lang="en-US" dirty="0" err="1">
+                <a:effectLst>
+                  <a:outerShdw blurRad="50800" dist="38100" dir="2700000" algn="tl" rotWithShape="0">
+                    <a:prstClr val="black">
+                      <a:alpha val="40000"/>
+                    </a:prstClr>
+                  </a:outerShdw>
+                </a:effectLst>
+              </a:rPr>
+              <a:t>pubsub</a:t>
+            </a:r>
+            <a:endParaRPr lang="en-US" dirty="0">
+              <a:effectLst>
+                <a:outerShdw blurRad="50800" dist="38100" dir="2700000" algn="tl" rotWithShape="0">
+                  <a:prstClr val="black">
+                    <a:alpha val="40000"/>
+                  </a:prstClr>
+                </a:outerShdw>
+              </a:effectLst>
+            </a:endParaRPr>
           </a:p>
         </p:txBody>
       </p:sp>
@@ -4169,158 +4385,189 @@
           </a:p>
         </p:txBody>
       </p:sp>
-      <p:sp>
-        <p:nvSpPr>
-          <p:cNvPr id="10" name="Freeform 9"/>
-          <p:cNvSpPr/>
+      <p:grpSp>
+        <p:nvGrpSpPr>
+          <p:cNvPr id="2" name="Group 1">
+            <a:extLst>
+              <a:ext uri="{FF2B5EF4-FFF2-40B4-BE49-F238E27FC236}">
+                <a16:creationId xmlns:a16="http://schemas.microsoft.com/office/drawing/2014/main" id="{1755BF6C-030A-7B47-8EAD-04655E08BE67}"/>
+              </a:ext>
+            </a:extLst>
+          </p:cNvPr>
+          <p:cNvGrpSpPr/>
           <p:nvPr/>
-        </p:nvSpPr>
-        <p:spPr>
+        </p:nvGrpSpPr>
+        <p:grpSpPr>
           <a:xfrm>
-            <a:off x="3851919" y="3140966"/>
-            <a:ext cx="1584396" cy="1369505"/>
+            <a:off x="1835806" y="1376097"/>
+            <a:ext cx="5472388" cy="4825885"/>
+            <a:chOff x="1907813" y="1376097"/>
+            <a:chExt cx="5472388" cy="4825885"/>
           </a:xfrm>
-          <a:custGeom>
-            <a:avLst/>
-            <a:gdLst>
-              <a:gd name="connsiteX0" fmla="*/ 0 w 1584396"/>
-              <a:gd name="connsiteY0" fmla="*/ 228255 h 1369505"/>
-              <a:gd name="connsiteX1" fmla="*/ 228255 w 1584396"/>
-              <a:gd name="connsiteY1" fmla="*/ 0 h 1369505"/>
-              <a:gd name="connsiteX2" fmla="*/ 1356141 w 1584396"/>
-              <a:gd name="connsiteY2" fmla="*/ 0 h 1369505"/>
-              <a:gd name="connsiteX3" fmla="*/ 1584396 w 1584396"/>
-              <a:gd name="connsiteY3" fmla="*/ 228255 h 1369505"/>
-              <a:gd name="connsiteX4" fmla="*/ 1584396 w 1584396"/>
-              <a:gd name="connsiteY4" fmla="*/ 1141250 h 1369505"/>
-              <a:gd name="connsiteX5" fmla="*/ 1356141 w 1584396"/>
-              <a:gd name="connsiteY5" fmla="*/ 1369505 h 1369505"/>
-              <a:gd name="connsiteX6" fmla="*/ 228255 w 1584396"/>
-              <a:gd name="connsiteY6" fmla="*/ 1369505 h 1369505"/>
-              <a:gd name="connsiteX7" fmla="*/ 0 w 1584396"/>
-              <a:gd name="connsiteY7" fmla="*/ 1141250 h 1369505"/>
-              <a:gd name="connsiteX8" fmla="*/ 0 w 1584396"/>
-              <a:gd name="connsiteY8" fmla="*/ 228255 h 1369505"/>
-            </a:gdLst>
-            <a:ahLst/>
-            <a:cxnLst>
-              <a:cxn ang="0">
-                <a:pos x="connsiteX0" y="connsiteY0"/>
-              </a:cxn>
-              <a:cxn ang="0">
-                <a:pos x="connsiteX1" y="connsiteY1"/>
-              </a:cxn>
-              <a:cxn ang="0">
-                <a:pos x="connsiteX2" y="connsiteY2"/>
-              </a:cxn>
-              <a:cxn ang="0">
-                <a:pos x="connsiteX3" y="connsiteY3"/>
-              </a:cxn>
-              <a:cxn ang="0">
-                <a:pos x="connsiteX4" y="connsiteY4"/>
-              </a:cxn>
-              <a:cxn ang="0">
-                <a:pos x="connsiteX5" y="connsiteY5"/>
-              </a:cxn>
-              <a:cxn ang="0">
-                <a:pos x="connsiteX6" y="connsiteY6"/>
-              </a:cxn>
-              <a:cxn ang="0">
-                <a:pos x="connsiteX7" y="connsiteY7"/>
-              </a:cxn>
-              <a:cxn ang="0">
-                <a:pos x="connsiteX8" y="connsiteY8"/>
-              </a:cxn>
-            </a:cxnLst>
-            <a:rect l="l" t="t" r="r" b="b"/>
-            <a:pathLst>
-              <a:path w="1584396" h="1369505">
-                <a:moveTo>
-                  <a:pt x="0" y="228255"/>
-                </a:moveTo>
-                <a:cubicBezTo>
-                  <a:pt x="0" y="102193"/>
-                  <a:pt x="102193" y="0"/>
-                  <a:pt x="228255" y="0"/>
-                </a:cubicBezTo>
-                <a:lnTo>
-                  <a:pt x="1356141" y="0"/>
-                </a:lnTo>
-                <a:cubicBezTo>
-                  <a:pt x="1482203" y="0"/>
-                  <a:pt x="1584396" y="102193"/>
-                  <a:pt x="1584396" y="228255"/>
-                </a:cubicBezTo>
-                <a:lnTo>
-                  <a:pt x="1584396" y="1141250"/>
-                </a:lnTo>
-                <a:cubicBezTo>
-                  <a:pt x="1584396" y="1267312"/>
-                  <a:pt x="1482203" y="1369505"/>
-                  <a:pt x="1356141" y="1369505"/>
-                </a:cubicBezTo>
-                <a:lnTo>
-                  <a:pt x="228255" y="1369505"/>
-                </a:lnTo>
-                <a:cubicBezTo>
-                  <a:pt x="102193" y="1369505"/>
-                  <a:pt x="0" y="1267312"/>
-                  <a:pt x="0" y="1141250"/>
-                </a:cubicBezTo>
-                <a:lnTo>
-                  <a:pt x="0" y="228255"/>
-                </a:lnTo>
-                <a:close/>
-              </a:path>
-            </a:pathLst>
-          </a:custGeom>
-          <a:solidFill>
-            <a:srgbClr val="00B050"/>
-          </a:solidFill>
-        </p:spPr>
-        <p:style>
-          <a:lnRef idx="0">
-            <a:schemeClr val="lt1">
-              <a:hueOff val="0"/>
-              <a:satOff val="0"/>
-              <a:lumOff val="0"/>
-              <a:alphaOff val="0"/>
-            </a:schemeClr>
-          </a:lnRef>
-          <a:fillRef idx="3">
-            <a:scrgbClr r="0" g="0" b="0"/>
-          </a:fillRef>
-          <a:effectRef idx="2">
-            <a:schemeClr val="accent2">
-              <a:hueOff val="0"/>
-              <a:satOff val="0"/>
-              <a:lumOff val="0"/>
-              <a:alphaOff val="0"/>
-            </a:schemeClr>
-          </a:effectRef>
-          <a:fontRef idx="minor">
-            <a:schemeClr val="lt1"/>
-          </a:fontRef>
-        </p:style>
-        <p:txBody>
-          <a:bodyPr spcFirstLastPara="0" vert="horz" wrap="square" lIns="107494" tIns="107494" rIns="107494" bIns="107494" numCol="1" spcCol="1270" anchor="ctr" anchorCtr="0">
-            <a:noAutofit/>
-          </a:bodyPr>
-          <a:lstStyle/>
-          <a:p>
-            <a:pPr lvl="0" algn="ctr" defTabSz="711200" rtl="1">
-              <a:lnSpc>
-                <a:spcPct val="90000"/>
-              </a:lnSpc>
-              <a:spcBef>
-                <a:spcPct val="0"/>
-              </a:spcBef>
-              <a:spcAft>
-                <a:spcPct val="35000"/>
-              </a:spcAft>
-            </a:pPr>
-            <a:r>
-              <a:rPr lang="en-US" sz="1600" b="1" kern="1200" dirty="0">
+        </p:grpSpPr>
+        <p:sp>
+          <p:nvSpPr>
+            <p:cNvPr id="10" name="Freeform 9"/>
+            <p:cNvSpPr/>
+            <p:nvPr/>
+          </p:nvSpPr>
+          <p:spPr>
+            <a:xfrm>
+              <a:off x="3851919" y="3140966"/>
+              <a:ext cx="1584396" cy="1369505"/>
+            </a:xfrm>
+            <a:custGeom>
+              <a:avLst/>
+              <a:gdLst>
+                <a:gd name="connsiteX0" fmla="*/ 0 w 1584396"/>
+                <a:gd name="connsiteY0" fmla="*/ 228255 h 1369505"/>
+                <a:gd name="connsiteX1" fmla="*/ 228255 w 1584396"/>
+                <a:gd name="connsiteY1" fmla="*/ 0 h 1369505"/>
+                <a:gd name="connsiteX2" fmla="*/ 1356141 w 1584396"/>
+                <a:gd name="connsiteY2" fmla="*/ 0 h 1369505"/>
+                <a:gd name="connsiteX3" fmla="*/ 1584396 w 1584396"/>
+                <a:gd name="connsiteY3" fmla="*/ 228255 h 1369505"/>
+                <a:gd name="connsiteX4" fmla="*/ 1584396 w 1584396"/>
+                <a:gd name="connsiteY4" fmla="*/ 1141250 h 1369505"/>
+                <a:gd name="connsiteX5" fmla="*/ 1356141 w 1584396"/>
+                <a:gd name="connsiteY5" fmla="*/ 1369505 h 1369505"/>
+                <a:gd name="connsiteX6" fmla="*/ 228255 w 1584396"/>
+                <a:gd name="connsiteY6" fmla="*/ 1369505 h 1369505"/>
+                <a:gd name="connsiteX7" fmla="*/ 0 w 1584396"/>
+                <a:gd name="connsiteY7" fmla="*/ 1141250 h 1369505"/>
+                <a:gd name="connsiteX8" fmla="*/ 0 w 1584396"/>
+                <a:gd name="connsiteY8" fmla="*/ 228255 h 1369505"/>
+              </a:gdLst>
+              <a:ahLst/>
+              <a:cxnLst>
+                <a:cxn ang="0">
+                  <a:pos x="connsiteX0" y="connsiteY0"/>
+                </a:cxn>
+                <a:cxn ang="0">
+                  <a:pos x="connsiteX1" y="connsiteY1"/>
+                </a:cxn>
+                <a:cxn ang="0">
+                  <a:pos x="connsiteX2" y="connsiteY2"/>
+                </a:cxn>
+                <a:cxn ang="0">
+                  <a:pos x="connsiteX3" y="connsiteY3"/>
+                </a:cxn>
+                <a:cxn ang="0">
+                  <a:pos x="connsiteX4" y="connsiteY4"/>
+                </a:cxn>
+                <a:cxn ang="0">
+                  <a:pos x="connsiteX5" y="connsiteY5"/>
+                </a:cxn>
+                <a:cxn ang="0">
+                  <a:pos x="connsiteX6" y="connsiteY6"/>
+                </a:cxn>
+                <a:cxn ang="0">
+                  <a:pos x="connsiteX7" y="connsiteY7"/>
+                </a:cxn>
+                <a:cxn ang="0">
+                  <a:pos x="connsiteX8" y="connsiteY8"/>
+                </a:cxn>
+              </a:cxnLst>
+              <a:rect l="l" t="t" r="r" b="b"/>
+              <a:pathLst>
+                <a:path w="1584396" h="1369505">
+                  <a:moveTo>
+                    <a:pt x="0" y="228255"/>
+                  </a:moveTo>
+                  <a:cubicBezTo>
+                    <a:pt x="0" y="102193"/>
+                    <a:pt x="102193" y="0"/>
+                    <a:pt x="228255" y="0"/>
+                  </a:cubicBezTo>
+                  <a:lnTo>
+                    <a:pt x="1356141" y="0"/>
+                  </a:lnTo>
+                  <a:cubicBezTo>
+                    <a:pt x="1482203" y="0"/>
+                    <a:pt x="1584396" y="102193"/>
+                    <a:pt x="1584396" y="228255"/>
+                  </a:cubicBezTo>
+                  <a:lnTo>
+                    <a:pt x="1584396" y="1141250"/>
+                  </a:lnTo>
+                  <a:cubicBezTo>
+                    <a:pt x="1584396" y="1267312"/>
+                    <a:pt x="1482203" y="1369505"/>
+                    <a:pt x="1356141" y="1369505"/>
+                  </a:cubicBezTo>
+                  <a:lnTo>
+                    <a:pt x="228255" y="1369505"/>
+                  </a:lnTo>
+                  <a:cubicBezTo>
+                    <a:pt x="102193" y="1369505"/>
+                    <a:pt x="0" y="1267312"/>
+                    <a:pt x="0" y="1141250"/>
+                  </a:cubicBezTo>
+                  <a:lnTo>
+                    <a:pt x="0" y="228255"/>
+                  </a:lnTo>
+                  <a:close/>
+                </a:path>
+              </a:pathLst>
+            </a:custGeom>
+            <a:solidFill>
+              <a:srgbClr val="00B050"/>
+            </a:solidFill>
+          </p:spPr>
+          <p:style>
+            <a:lnRef idx="0">
+              <a:schemeClr val="lt1">
+                <a:hueOff val="0"/>
+                <a:satOff val="0"/>
+                <a:lumOff val="0"/>
+                <a:alphaOff val="0"/>
+              </a:schemeClr>
+            </a:lnRef>
+            <a:fillRef idx="3">
+              <a:scrgbClr r="0" g="0" b="0"/>
+            </a:fillRef>
+            <a:effectRef idx="2">
+              <a:schemeClr val="accent2">
+                <a:hueOff val="0"/>
+                <a:satOff val="0"/>
+                <a:lumOff val="0"/>
+                <a:alphaOff val="0"/>
+              </a:schemeClr>
+            </a:effectRef>
+            <a:fontRef idx="minor">
+              <a:schemeClr val="lt1"/>
+            </a:fontRef>
+          </p:style>
+          <p:txBody>
+            <a:bodyPr spcFirstLastPara="0" vert="horz" wrap="square" lIns="107494" tIns="107494" rIns="107494" bIns="107494" numCol="1" spcCol="1270" anchor="ctr" anchorCtr="0">
+              <a:noAutofit/>
+            </a:bodyPr>
+            <a:lstStyle/>
+            <a:p>
+              <a:pPr lvl="0" algn="ctr" defTabSz="711200" rtl="1">
+                <a:lnSpc>
+                  <a:spcPct val="90000"/>
+                </a:lnSpc>
+                <a:spcBef>
+                  <a:spcPct val="0"/>
+                </a:spcBef>
+                <a:spcAft>
+                  <a:spcPct val="35000"/>
+                </a:spcAft>
+              </a:pPr>
+              <a:r>
+                <a:rPr lang="en-US" sz="1600" b="1" kern="1200" dirty="0">
+                  <a:effectLst>
+                    <a:outerShdw blurRad="38100" dist="38100" dir="2700000" algn="tl">
+                      <a:srgbClr val="000000">
+                        <a:alpha val="43137"/>
+                      </a:srgbClr>
+                    </a:outerShdw>
+                  </a:effectLst>
+                </a:rPr>
+                <a:t>Event Messenger</a:t>
+              </a:r>
+              <a:endParaRPr lang="he-IL" sz="1600" b="1" kern="1200" dirty="0">
                 <a:effectLst>
                   <a:outerShdw blurRad="38100" dist="38100" dir="2700000" algn="tl">
                     <a:srgbClr val="000000">
@@ -4328,236 +4575,236 @@
                     </a:srgbClr>
                   </a:outerShdw>
                 </a:effectLst>
-              </a:rPr>
-              <a:t>Event Messenger</a:t>
-            </a:r>
-            <a:endParaRPr lang="he-IL" sz="1600" b="1" kern="1200" dirty="0">
-              <a:effectLst>
-                <a:outerShdw blurRad="38100" dist="38100" dir="2700000" algn="tl">
-                  <a:srgbClr val="000000">
-                    <a:alpha val="43137"/>
-                  </a:srgbClr>
-                </a:outerShdw>
-              </a:effectLst>
-            </a:endParaRPr>
-          </a:p>
-        </p:txBody>
-      </p:sp>
-      <p:sp>
-        <p:nvSpPr>
-          <p:cNvPr id="11" name="Freeform 10"/>
-          <p:cNvSpPr/>
-          <p:nvPr/>
-        </p:nvSpPr>
-        <p:spPr>
-          <a:xfrm rot="16200000">
-            <a:off x="4140512" y="2637361"/>
-            <a:ext cx="1007210" cy="0"/>
-          </a:xfrm>
-          <a:custGeom>
-            <a:avLst/>
-            <a:gdLst/>
-            <a:ahLst/>
-            <a:cxnLst/>
-            <a:rect l="0" t="0" r="0" b="0"/>
-            <a:pathLst>
-              <a:path>
-                <a:moveTo>
-                  <a:pt x="0" y="0"/>
-                </a:moveTo>
-                <a:lnTo>
-                  <a:pt x="1007210" y="0"/>
-                </a:lnTo>
-              </a:path>
-            </a:pathLst>
-          </a:custGeom>
-          <a:noFill/>
-          <a:ln w="28575">
+              </a:endParaRPr>
+            </a:p>
+          </p:txBody>
+        </p:sp>
+        <p:sp>
+          <p:nvSpPr>
+            <p:cNvPr id="11" name="Freeform 10"/>
+            <p:cNvSpPr/>
+            <p:nvPr/>
+          </p:nvSpPr>
+          <p:spPr>
+            <a:xfrm rot="16200000">
+              <a:off x="4140512" y="2637361"/>
+              <a:ext cx="1007210" cy="0"/>
+            </a:xfrm>
+            <a:custGeom>
+              <a:avLst/>
+              <a:gdLst/>
+              <a:ahLst/>
+              <a:cxnLst/>
+              <a:rect l="0" t="0" r="0" b="0"/>
+              <a:pathLst>
+                <a:path>
+                  <a:moveTo>
+                    <a:pt x="0" y="0"/>
+                  </a:moveTo>
+                  <a:lnTo>
+                    <a:pt x="1007210" y="0"/>
+                  </a:lnTo>
+                </a:path>
+              </a:pathLst>
+            </a:custGeom>
+            <a:noFill/>
+            <a:ln w="28575">
+              <a:solidFill>
+                <a:srgbClr val="FFC000"/>
+              </a:solidFill>
+              <a:headEnd type="triangle" w="med" len="med"/>
+              <a:tailEnd type="none" w="med" len="med"/>
+            </a:ln>
+          </p:spPr>
+          <p:style>
+            <a:lnRef idx="1">
+              <a:scrgbClr r="0" g="0" b="0"/>
+            </a:lnRef>
+            <a:fillRef idx="0">
+              <a:scrgbClr r="0" g="0" b="0"/>
+            </a:fillRef>
+            <a:effectRef idx="0">
+              <a:schemeClr val="accent3">
+                <a:tint val="90000"/>
+                <a:hueOff val="0"/>
+                <a:satOff val="0"/>
+                <a:lumOff val="0"/>
+                <a:alphaOff val="0"/>
+              </a:schemeClr>
+            </a:effectRef>
+            <a:fontRef idx="minor">
+              <a:schemeClr val="tx1">
+                <a:hueOff val="0"/>
+                <a:satOff val="0"/>
+                <a:lumOff val="0"/>
+                <a:alphaOff val="0"/>
+              </a:schemeClr>
+            </a:fontRef>
+          </p:style>
+        </p:sp>
+        <p:sp>
+          <p:nvSpPr>
+            <p:cNvPr id="12" name="Freeform 11"/>
+            <p:cNvSpPr/>
+            <p:nvPr/>
+          </p:nvSpPr>
+          <p:spPr>
+            <a:xfrm>
+              <a:off x="3996155" y="1376097"/>
+              <a:ext cx="1295924" cy="757658"/>
+            </a:xfrm>
+            <a:custGeom>
+              <a:avLst/>
+              <a:gdLst>
+                <a:gd name="connsiteX0" fmla="*/ 0 w 1295924"/>
+                <a:gd name="connsiteY0" fmla="*/ 126279 h 757658"/>
+                <a:gd name="connsiteX1" fmla="*/ 126279 w 1295924"/>
+                <a:gd name="connsiteY1" fmla="*/ 0 h 757658"/>
+                <a:gd name="connsiteX2" fmla="*/ 1169645 w 1295924"/>
+                <a:gd name="connsiteY2" fmla="*/ 0 h 757658"/>
+                <a:gd name="connsiteX3" fmla="*/ 1295924 w 1295924"/>
+                <a:gd name="connsiteY3" fmla="*/ 126279 h 757658"/>
+                <a:gd name="connsiteX4" fmla="*/ 1295924 w 1295924"/>
+                <a:gd name="connsiteY4" fmla="*/ 631379 h 757658"/>
+                <a:gd name="connsiteX5" fmla="*/ 1169645 w 1295924"/>
+                <a:gd name="connsiteY5" fmla="*/ 757658 h 757658"/>
+                <a:gd name="connsiteX6" fmla="*/ 126279 w 1295924"/>
+                <a:gd name="connsiteY6" fmla="*/ 757658 h 757658"/>
+                <a:gd name="connsiteX7" fmla="*/ 0 w 1295924"/>
+                <a:gd name="connsiteY7" fmla="*/ 631379 h 757658"/>
+                <a:gd name="connsiteX8" fmla="*/ 0 w 1295924"/>
+                <a:gd name="connsiteY8" fmla="*/ 126279 h 757658"/>
+              </a:gdLst>
+              <a:ahLst/>
+              <a:cxnLst>
+                <a:cxn ang="0">
+                  <a:pos x="connsiteX0" y="connsiteY0"/>
+                </a:cxn>
+                <a:cxn ang="0">
+                  <a:pos x="connsiteX1" y="connsiteY1"/>
+                </a:cxn>
+                <a:cxn ang="0">
+                  <a:pos x="connsiteX2" y="connsiteY2"/>
+                </a:cxn>
+                <a:cxn ang="0">
+                  <a:pos x="connsiteX3" y="connsiteY3"/>
+                </a:cxn>
+                <a:cxn ang="0">
+                  <a:pos x="connsiteX4" y="connsiteY4"/>
+                </a:cxn>
+                <a:cxn ang="0">
+                  <a:pos x="connsiteX5" y="connsiteY5"/>
+                </a:cxn>
+                <a:cxn ang="0">
+                  <a:pos x="connsiteX6" y="connsiteY6"/>
+                </a:cxn>
+                <a:cxn ang="0">
+                  <a:pos x="connsiteX7" y="connsiteY7"/>
+                </a:cxn>
+                <a:cxn ang="0">
+                  <a:pos x="connsiteX8" y="connsiteY8"/>
+                </a:cxn>
+              </a:cxnLst>
+              <a:rect l="l" t="t" r="r" b="b"/>
+              <a:pathLst>
+                <a:path w="1295924" h="757658">
+                  <a:moveTo>
+                    <a:pt x="0" y="126279"/>
+                  </a:moveTo>
+                  <a:cubicBezTo>
+                    <a:pt x="0" y="56537"/>
+                    <a:pt x="56537" y="0"/>
+                    <a:pt x="126279" y="0"/>
+                  </a:cubicBezTo>
+                  <a:lnTo>
+                    <a:pt x="1169645" y="0"/>
+                  </a:lnTo>
+                  <a:cubicBezTo>
+                    <a:pt x="1239387" y="0"/>
+                    <a:pt x="1295924" y="56537"/>
+                    <a:pt x="1295924" y="126279"/>
+                  </a:cubicBezTo>
+                  <a:lnTo>
+                    <a:pt x="1295924" y="631379"/>
+                  </a:lnTo>
+                  <a:cubicBezTo>
+                    <a:pt x="1295924" y="701121"/>
+                    <a:pt x="1239387" y="757658"/>
+                    <a:pt x="1169645" y="757658"/>
+                  </a:cubicBezTo>
+                  <a:lnTo>
+                    <a:pt x="126279" y="757658"/>
+                  </a:lnTo>
+                  <a:cubicBezTo>
+                    <a:pt x="56537" y="757658"/>
+                    <a:pt x="0" y="701121"/>
+                    <a:pt x="0" y="631379"/>
+                  </a:cubicBezTo>
+                  <a:lnTo>
+                    <a:pt x="0" y="126279"/>
+                  </a:lnTo>
+                  <a:close/>
+                </a:path>
+              </a:pathLst>
+            </a:custGeom>
             <a:solidFill>
-              <a:srgbClr val="FFC000"/>
+              <a:srgbClr val="FF0000"/>
             </a:solidFill>
-            <a:headEnd type="triangle" w="med" len="med"/>
-            <a:tailEnd type="none" w="med" len="med"/>
-          </a:ln>
-        </p:spPr>
-        <p:style>
-          <a:lnRef idx="1">
-            <a:scrgbClr r="0" g="0" b="0"/>
-          </a:lnRef>
-          <a:fillRef idx="0">
-            <a:scrgbClr r="0" g="0" b="0"/>
-          </a:fillRef>
-          <a:effectRef idx="0">
-            <a:schemeClr val="accent3">
-              <a:tint val="90000"/>
-              <a:hueOff val="0"/>
-              <a:satOff val="0"/>
-              <a:lumOff val="0"/>
-              <a:alphaOff val="0"/>
-            </a:schemeClr>
-          </a:effectRef>
-          <a:fontRef idx="minor">
-            <a:schemeClr val="tx1">
-              <a:hueOff val="0"/>
-              <a:satOff val="0"/>
-              <a:lumOff val="0"/>
-              <a:alphaOff val="0"/>
-            </a:schemeClr>
-          </a:fontRef>
-        </p:style>
-      </p:sp>
-      <p:sp>
-        <p:nvSpPr>
-          <p:cNvPr id="12" name="Freeform 11"/>
-          <p:cNvSpPr/>
-          <p:nvPr/>
-        </p:nvSpPr>
-        <p:spPr>
-          <a:xfrm>
-            <a:off x="3996155" y="1376097"/>
-            <a:ext cx="1295924" cy="757658"/>
-          </a:xfrm>
-          <a:custGeom>
-            <a:avLst/>
-            <a:gdLst>
-              <a:gd name="connsiteX0" fmla="*/ 0 w 1295924"/>
-              <a:gd name="connsiteY0" fmla="*/ 126279 h 757658"/>
-              <a:gd name="connsiteX1" fmla="*/ 126279 w 1295924"/>
-              <a:gd name="connsiteY1" fmla="*/ 0 h 757658"/>
-              <a:gd name="connsiteX2" fmla="*/ 1169645 w 1295924"/>
-              <a:gd name="connsiteY2" fmla="*/ 0 h 757658"/>
-              <a:gd name="connsiteX3" fmla="*/ 1295924 w 1295924"/>
-              <a:gd name="connsiteY3" fmla="*/ 126279 h 757658"/>
-              <a:gd name="connsiteX4" fmla="*/ 1295924 w 1295924"/>
-              <a:gd name="connsiteY4" fmla="*/ 631379 h 757658"/>
-              <a:gd name="connsiteX5" fmla="*/ 1169645 w 1295924"/>
-              <a:gd name="connsiteY5" fmla="*/ 757658 h 757658"/>
-              <a:gd name="connsiteX6" fmla="*/ 126279 w 1295924"/>
-              <a:gd name="connsiteY6" fmla="*/ 757658 h 757658"/>
-              <a:gd name="connsiteX7" fmla="*/ 0 w 1295924"/>
-              <a:gd name="connsiteY7" fmla="*/ 631379 h 757658"/>
-              <a:gd name="connsiteX8" fmla="*/ 0 w 1295924"/>
-              <a:gd name="connsiteY8" fmla="*/ 126279 h 757658"/>
-            </a:gdLst>
-            <a:ahLst/>
-            <a:cxnLst>
-              <a:cxn ang="0">
-                <a:pos x="connsiteX0" y="connsiteY0"/>
-              </a:cxn>
-              <a:cxn ang="0">
-                <a:pos x="connsiteX1" y="connsiteY1"/>
-              </a:cxn>
-              <a:cxn ang="0">
-                <a:pos x="connsiteX2" y="connsiteY2"/>
-              </a:cxn>
-              <a:cxn ang="0">
-                <a:pos x="connsiteX3" y="connsiteY3"/>
-              </a:cxn>
-              <a:cxn ang="0">
-                <a:pos x="connsiteX4" y="connsiteY4"/>
-              </a:cxn>
-              <a:cxn ang="0">
-                <a:pos x="connsiteX5" y="connsiteY5"/>
-              </a:cxn>
-              <a:cxn ang="0">
-                <a:pos x="connsiteX6" y="connsiteY6"/>
-              </a:cxn>
-              <a:cxn ang="0">
-                <a:pos x="connsiteX7" y="connsiteY7"/>
-              </a:cxn>
-              <a:cxn ang="0">
-                <a:pos x="connsiteX8" y="connsiteY8"/>
-              </a:cxn>
-            </a:cxnLst>
-            <a:rect l="l" t="t" r="r" b="b"/>
-            <a:pathLst>
-              <a:path w="1295924" h="757658">
-                <a:moveTo>
-                  <a:pt x="0" y="126279"/>
-                </a:moveTo>
-                <a:cubicBezTo>
-                  <a:pt x="0" y="56537"/>
-                  <a:pt x="56537" y="0"/>
-                  <a:pt x="126279" y="0"/>
-                </a:cubicBezTo>
-                <a:lnTo>
-                  <a:pt x="1169645" y="0"/>
-                </a:lnTo>
-                <a:cubicBezTo>
-                  <a:pt x="1239387" y="0"/>
-                  <a:pt x="1295924" y="56537"/>
-                  <a:pt x="1295924" y="126279"/>
-                </a:cubicBezTo>
-                <a:lnTo>
-                  <a:pt x="1295924" y="631379"/>
-                </a:lnTo>
-                <a:cubicBezTo>
-                  <a:pt x="1295924" y="701121"/>
-                  <a:pt x="1239387" y="757658"/>
-                  <a:pt x="1169645" y="757658"/>
-                </a:cubicBezTo>
-                <a:lnTo>
-                  <a:pt x="126279" y="757658"/>
-                </a:lnTo>
-                <a:cubicBezTo>
-                  <a:pt x="56537" y="757658"/>
-                  <a:pt x="0" y="701121"/>
-                  <a:pt x="0" y="631379"/>
-                </a:cubicBezTo>
-                <a:lnTo>
-                  <a:pt x="0" y="126279"/>
-                </a:lnTo>
-                <a:close/>
-              </a:path>
-            </a:pathLst>
-          </a:custGeom>
-          <a:solidFill>
-            <a:srgbClr val="FF0000"/>
-          </a:solidFill>
-        </p:spPr>
-        <p:style>
-          <a:lnRef idx="0">
-            <a:schemeClr val="lt1">
-              <a:hueOff val="0"/>
-              <a:satOff val="0"/>
-              <a:lumOff val="0"/>
-              <a:alphaOff val="0"/>
-            </a:schemeClr>
-          </a:lnRef>
-          <a:fillRef idx="3">
-            <a:scrgbClr r="0" g="0" b="0"/>
-          </a:fillRef>
-          <a:effectRef idx="2">
-            <a:schemeClr val="accent3">
-              <a:hueOff val="0"/>
-              <a:satOff val="0"/>
-              <a:lumOff val="0"/>
-              <a:alphaOff val="0"/>
-            </a:schemeClr>
-          </a:effectRef>
-          <a:fontRef idx="minor">
-            <a:schemeClr val="lt1"/>
-          </a:fontRef>
-        </p:style>
-        <p:txBody>
-          <a:bodyPr spcFirstLastPara="0" vert="horz" wrap="square" lIns="67466" tIns="67466" rIns="67466" bIns="67466" numCol="1" spcCol="1270" anchor="ctr" anchorCtr="0">
-            <a:noAutofit/>
-          </a:bodyPr>
-          <a:lstStyle/>
-          <a:p>
-            <a:pPr lvl="0" algn="ctr" defTabSz="533400" rtl="1">
-              <a:lnSpc>
-                <a:spcPct val="90000"/>
-              </a:lnSpc>
-              <a:spcBef>
-                <a:spcPct val="0"/>
-              </a:spcBef>
-              <a:spcAft>
-                <a:spcPct val="35000"/>
-              </a:spcAft>
-            </a:pPr>
-            <a:r>
-              <a:rPr lang="en-US" sz="1200" b="1" kern="1200" dirty="0">
+          </p:spPr>
+          <p:style>
+            <a:lnRef idx="0">
+              <a:schemeClr val="lt1">
+                <a:hueOff val="0"/>
+                <a:satOff val="0"/>
+                <a:lumOff val="0"/>
+                <a:alphaOff val="0"/>
+              </a:schemeClr>
+            </a:lnRef>
+            <a:fillRef idx="3">
+              <a:scrgbClr r="0" g="0" b="0"/>
+            </a:fillRef>
+            <a:effectRef idx="2">
+              <a:schemeClr val="accent3">
+                <a:hueOff val="0"/>
+                <a:satOff val="0"/>
+                <a:lumOff val="0"/>
+                <a:alphaOff val="0"/>
+              </a:schemeClr>
+            </a:effectRef>
+            <a:fontRef idx="minor">
+              <a:schemeClr val="lt1"/>
+            </a:fontRef>
+          </p:style>
+          <p:txBody>
+            <a:bodyPr spcFirstLastPara="0" vert="horz" wrap="square" lIns="67466" tIns="67466" rIns="67466" bIns="67466" numCol="1" spcCol="1270" anchor="ctr" anchorCtr="0">
+              <a:noAutofit/>
+            </a:bodyPr>
+            <a:lstStyle/>
+            <a:p>
+              <a:pPr lvl="0" algn="ctr" defTabSz="533400" rtl="1">
+                <a:lnSpc>
+                  <a:spcPct val="90000"/>
+                </a:lnSpc>
+                <a:spcBef>
+                  <a:spcPct val="0"/>
+                </a:spcBef>
+                <a:spcAft>
+                  <a:spcPct val="35000"/>
+                </a:spcAft>
+              </a:pPr>
+              <a:r>
+                <a:rPr lang="en-US" sz="1200" b="1" kern="1200" dirty="0">
+                  <a:effectLst>
+                    <a:outerShdw blurRad="38100" dist="38100" dir="2700000" algn="tl">
+                      <a:srgbClr val="000000">
+                        <a:alpha val="43137"/>
+                      </a:srgbClr>
+                    </a:outerShdw>
+                  </a:effectLst>
+                </a:rPr>
+                <a:t>Publisher</a:t>
+              </a:r>
+              <a:endParaRPr lang="he-IL" sz="1200" b="1" kern="1200" dirty="0">
                 <a:effectLst>
                   <a:outerShdw blurRad="38100" dist="38100" dir="2700000" algn="tl">
                     <a:srgbClr val="000000">
@@ -4565,238 +4812,238 @@
                     </a:srgbClr>
                   </a:outerShdw>
                 </a:effectLst>
-              </a:rPr>
-              <a:t>Publisher</a:t>
-            </a:r>
-            <a:endParaRPr lang="he-IL" sz="1200" b="1" kern="1200" dirty="0">
-              <a:effectLst>
-                <a:outerShdw blurRad="38100" dist="38100" dir="2700000" algn="tl">
-                  <a:srgbClr val="000000">
-                    <a:alpha val="43137"/>
-                  </a:srgbClr>
-                </a:outerShdw>
-              </a:effectLst>
-            </a:endParaRPr>
-          </a:p>
-        </p:txBody>
-      </p:sp>
-      <p:sp>
-        <p:nvSpPr>
-          <p:cNvPr id="13" name="Freeform 12"/>
-          <p:cNvSpPr/>
-          <p:nvPr/>
-        </p:nvSpPr>
-        <p:spPr>
-          <a:xfrm>
-            <a:off x="5436315" y="3825719"/>
-            <a:ext cx="613302" cy="0"/>
-          </a:xfrm>
-          <a:custGeom>
-            <a:avLst/>
-            <a:gdLst/>
-            <a:ahLst/>
-            <a:cxnLst/>
-            <a:rect l="0" t="0" r="0" b="0"/>
-            <a:pathLst>
-              <a:path>
-                <a:moveTo>
-                  <a:pt x="0" y="0"/>
-                </a:moveTo>
-                <a:lnTo>
-                  <a:pt x="613302" y="0"/>
-                </a:lnTo>
-              </a:path>
-            </a:pathLst>
-          </a:custGeom>
-          <a:noFill/>
-          <a:ln w="28575">
-            <a:solidFill>
-              <a:srgbClr val="FFC000"/>
-            </a:solidFill>
-            <a:headEnd type="none" w="med" len="med"/>
-            <a:tailEnd type="triangle" w="med" len="med"/>
-          </a:ln>
-        </p:spPr>
-        <p:style>
-          <a:lnRef idx="1">
-            <a:scrgbClr r="0" g="0" b="0"/>
-          </a:lnRef>
-          <a:fillRef idx="0">
-            <a:scrgbClr r="0" g="0" b="0"/>
-          </a:fillRef>
-          <a:effectRef idx="0">
-            <a:schemeClr val="accent3">
-              <a:tint val="90000"/>
-              <a:hueOff val="0"/>
-              <a:satOff val="0"/>
-              <a:lumOff val="0"/>
-              <a:alphaOff val="0"/>
-            </a:schemeClr>
-          </a:effectRef>
-          <a:fontRef idx="minor">
-            <a:schemeClr val="tx1">
-              <a:hueOff val="0"/>
-              <a:satOff val="0"/>
-              <a:lumOff val="0"/>
-              <a:alphaOff val="0"/>
-            </a:schemeClr>
-          </a:fontRef>
-        </p:style>
-      </p:sp>
-      <p:sp>
-        <p:nvSpPr>
-          <p:cNvPr id="14" name="Freeform 13"/>
-          <p:cNvSpPr/>
-          <p:nvPr/>
-        </p:nvSpPr>
-        <p:spPr>
-          <a:xfrm>
-            <a:off x="6049617" y="3502355"/>
-            <a:ext cx="1330584" cy="646727"/>
-          </a:xfrm>
-          <a:custGeom>
-            <a:avLst/>
-            <a:gdLst>
-              <a:gd name="connsiteX0" fmla="*/ 0 w 1330584"/>
-              <a:gd name="connsiteY0" fmla="*/ 107790 h 646727"/>
-              <a:gd name="connsiteX1" fmla="*/ 107790 w 1330584"/>
-              <a:gd name="connsiteY1" fmla="*/ 0 h 646727"/>
-              <a:gd name="connsiteX2" fmla="*/ 1222794 w 1330584"/>
-              <a:gd name="connsiteY2" fmla="*/ 0 h 646727"/>
-              <a:gd name="connsiteX3" fmla="*/ 1330584 w 1330584"/>
-              <a:gd name="connsiteY3" fmla="*/ 107790 h 646727"/>
-              <a:gd name="connsiteX4" fmla="*/ 1330584 w 1330584"/>
-              <a:gd name="connsiteY4" fmla="*/ 538937 h 646727"/>
-              <a:gd name="connsiteX5" fmla="*/ 1222794 w 1330584"/>
-              <a:gd name="connsiteY5" fmla="*/ 646727 h 646727"/>
-              <a:gd name="connsiteX6" fmla="*/ 107790 w 1330584"/>
-              <a:gd name="connsiteY6" fmla="*/ 646727 h 646727"/>
-              <a:gd name="connsiteX7" fmla="*/ 0 w 1330584"/>
-              <a:gd name="connsiteY7" fmla="*/ 538937 h 646727"/>
-              <a:gd name="connsiteX8" fmla="*/ 0 w 1330584"/>
-              <a:gd name="connsiteY8" fmla="*/ 107790 h 646727"/>
-            </a:gdLst>
-            <a:ahLst/>
-            <a:cxnLst>
-              <a:cxn ang="0">
-                <a:pos x="connsiteX0" y="connsiteY0"/>
-              </a:cxn>
-              <a:cxn ang="0">
-                <a:pos x="connsiteX1" y="connsiteY1"/>
-              </a:cxn>
-              <a:cxn ang="0">
-                <a:pos x="connsiteX2" y="connsiteY2"/>
-              </a:cxn>
-              <a:cxn ang="0">
-                <a:pos x="connsiteX3" y="connsiteY3"/>
-              </a:cxn>
-              <a:cxn ang="0">
-                <a:pos x="connsiteX4" y="connsiteY4"/>
-              </a:cxn>
-              <a:cxn ang="0">
-                <a:pos x="connsiteX5" y="connsiteY5"/>
-              </a:cxn>
-              <a:cxn ang="0">
-                <a:pos x="connsiteX6" y="connsiteY6"/>
-              </a:cxn>
-              <a:cxn ang="0">
-                <a:pos x="connsiteX7" y="connsiteY7"/>
-              </a:cxn>
-              <a:cxn ang="0">
-                <a:pos x="connsiteX8" y="connsiteY8"/>
-              </a:cxn>
-            </a:cxnLst>
-            <a:rect l="l" t="t" r="r" b="b"/>
-            <a:pathLst>
-              <a:path w="1330584" h="646727">
-                <a:moveTo>
-                  <a:pt x="0" y="107790"/>
-                </a:moveTo>
-                <a:cubicBezTo>
-                  <a:pt x="0" y="48259"/>
-                  <a:pt x="48259" y="0"/>
-                  <a:pt x="107790" y="0"/>
-                </a:cubicBezTo>
-                <a:lnTo>
-                  <a:pt x="1222794" y="0"/>
-                </a:lnTo>
-                <a:cubicBezTo>
-                  <a:pt x="1282325" y="0"/>
-                  <a:pt x="1330584" y="48259"/>
-                  <a:pt x="1330584" y="107790"/>
-                </a:cubicBezTo>
-                <a:lnTo>
-                  <a:pt x="1330584" y="538937"/>
-                </a:lnTo>
-                <a:cubicBezTo>
-                  <a:pt x="1330584" y="598468"/>
-                  <a:pt x="1282325" y="646727"/>
-                  <a:pt x="1222794" y="646727"/>
-                </a:cubicBezTo>
-                <a:lnTo>
-                  <a:pt x="107790" y="646727"/>
-                </a:lnTo>
-                <a:cubicBezTo>
-                  <a:pt x="48259" y="646727"/>
-                  <a:pt x="0" y="598468"/>
-                  <a:pt x="0" y="538937"/>
-                </a:cubicBezTo>
-                <a:lnTo>
-                  <a:pt x="0" y="107790"/>
-                </a:lnTo>
-                <a:close/>
-              </a:path>
-            </a:pathLst>
-          </a:custGeom>
-        </p:spPr>
-        <p:style>
-          <a:lnRef idx="0">
-            <a:schemeClr val="lt1">
-              <a:hueOff val="0"/>
-              <a:satOff val="0"/>
-              <a:lumOff val="0"/>
-              <a:alphaOff val="0"/>
-            </a:schemeClr>
-          </a:lnRef>
-          <a:fillRef idx="3">
-            <a:schemeClr val="accent4">
-              <a:hueOff val="0"/>
-              <a:satOff val="0"/>
-              <a:lumOff val="0"/>
-              <a:alphaOff val="0"/>
-            </a:schemeClr>
-          </a:fillRef>
-          <a:effectRef idx="2">
-            <a:schemeClr val="accent4">
-              <a:hueOff val="0"/>
-              <a:satOff val="0"/>
-              <a:lumOff val="0"/>
-              <a:alphaOff val="0"/>
-            </a:schemeClr>
-          </a:effectRef>
-          <a:fontRef idx="minor">
-            <a:schemeClr val="lt1"/>
-          </a:fontRef>
-        </p:style>
-        <p:txBody>
-          <a:bodyPr spcFirstLastPara="0" vert="horz" wrap="square" lIns="62051" tIns="62051" rIns="62051" bIns="62051" numCol="1" spcCol="1270" anchor="ctr" anchorCtr="0">
-            <a:noAutofit/>
-          </a:bodyPr>
-          <a:lstStyle/>
-          <a:p>
-            <a:pPr lvl="0" algn="ctr" defTabSz="533400" rtl="1">
-              <a:lnSpc>
-                <a:spcPct val="90000"/>
-              </a:lnSpc>
-              <a:spcBef>
-                <a:spcPct val="0"/>
-              </a:spcBef>
-              <a:spcAft>
-                <a:spcPct val="35000"/>
-              </a:spcAft>
-            </a:pPr>
-            <a:r>
-              <a:rPr lang="en-US" sz="1200" b="1" kern="1200" dirty="0">
+              </a:endParaRPr>
+            </a:p>
+          </p:txBody>
+        </p:sp>
+        <p:sp>
+          <p:nvSpPr>
+            <p:cNvPr id="13" name="Freeform 12"/>
+            <p:cNvSpPr/>
+            <p:nvPr/>
+          </p:nvSpPr>
+          <p:spPr>
+            <a:xfrm>
+              <a:off x="5436315" y="3825719"/>
+              <a:ext cx="613302" cy="0"/>
+            </a:xfrm>
+            <a:custGeom>
+              <a:avLst/>
+              <a:gdLst/>
+              <a:ahLst/>
+              <a:cxnLst/>
+              <a:rect l="0" t="0" r="0" b="0"/>
+              <a:pathLst>
+                <a:path>
+                  <a:moveTo>
+                    <a:pt x="0" y="0"/>
+                  </a:moveTo>
+                  <a:lnTo>
+                    <a:pt x="613302" y="0"/>
+                  </a:lnTo>
+                </a:path>
+              </a:pathLst>
+            </a:custGeom>
+            <a:noFill/>
+            <a:ln w="28575">
+              <a:solidFill>
+                <a:srgbClr val="FFC000"/>
+              </a:solidFill>
+              <a:headEnd type="none" w="med" len="med"/>
+              <a:tailEnd type="triangle" w="med" len="med"/>
+            </a:ln>
+          </p:spPr>
+          <p:style>
+            <a:lnRef idx="1">
+              <a:scrgbClr r="0" g="0" b="0"/>
+            </a:lnRef>
+            <a:fillRef idx="0">
+              <a:scrgbClr r="0" g="0" b="0"/>
+            </a:fillRef>
+            <a:effectRef idx="0">
+              <a:schemeClr val="accent3">
+                <a:tint val="90000"/>
+                <a:hueOff val="0"/>
+                <a:satOff val="0"/>
+                <a:lumOff val="0"/>
+                <a:alphaOff val="0"/>
+              </a:schemeClr>
+            </a:effectRef>
+            <a:fontRef idx="minor">
+              <a:schemeClr val="tx1">
+                <a:hueOff val="0"/>
+                <a:satOff val="0"/>
+                <a:lumOff val="0"/>
+                <a:alphaOff val="0"/>
+              </a:schemeClr>
+            </a:fontRef>
+          </p:style>
+        </p:sp>
+        <p:sp>
+          <p:nvSpPr>
+            <p:cNvPr id="14" name="Freeform 13"/>
+            <p:cNvSpPr/>
+            <p:nvPr/>
+          </p:nvSpPr>
+          <p:spPr>
+            <a:xfrm>
+              <a:off x="6049617" y="3502355"/>
+              <a:ext cx="1330584" cy="646727"/>
+            </a:xfrm>
+            <a:custGeom>
+              <a:avLst/>
+              <a:gdLst>
+                <a:gd name="connsiteX0" fmla="*/ 0 w 1330584"/>
+                <a:gd name="connsiteY0" fmla="*/ 107790 h 646727"/>
+                <a:gd name="connsiteX1" fmla="*/ 107790 w 1330584"/>
+                <a:gd name="connsiteY1" fmla="*/ 0 h 646727"/>
+                <a:gd name="connsiteX2" fmla="*/ 1222794 w 1330584"/>
+                <a:gd name="connsiteY2" fmla="*/ 0 h 646727"/>
+                <a:gd name="connsiteX3" fmla="*/ 1330584 w 1330584"/>
+                <a:gd name="connsiteY3" fmla="*/ 107790 h 646727"/>
+                <a:gd name="connsiteX4" fmla="*/ 1330584 w 1330584"/>
+                <a:gd name="connsiteY4" fmla="*/ 538937 h 646727"/>
+                <a:gd name="connsiteX5" fmla="*/ 1222794 w 1330584"/>
+                <a:gd name="connsiteY5" fmla="*/ 646727 h 646727"/>
+                <a:gd name="connsiteX6" fmla="*/ 107790 w 1330584"/>
+                <a:gd name="connsiteY6" fmla="*/ 646727 h 646727"/>
+                <a:gd name="connsiteX7" fmla="*/ 0 w 1330584"/>
+                <a:gd name="connsiteY7" fmla="*/ 538937 h 646727"/>
+                <a:gd name="connsiteX8" fmla="*/ 0 w 1330584"/>
+                <a:gd name="connsiteY8" fmla="*/ 107790 h 646727"/>
+              </a:gdLst>
+              <a:ahLst/>
+              <a:cxnLst>
+                <a:cxn ang="0">
+                  <a:pos x="connsiteX0" y="connsiteY0"/>
+                </a:cxn>
+                <a:cxn ang="0">
+                  <a:pos x="connsiteX1" y="connsiteY1"/>
+                </a:cxn>
+                <a:cxn ang="0">
+                  <a:pos x="connsiteX2" y="connsiteY2"/>
+                </a:cxn>
+                <a:cxn ang="0">
+                  <a:pos x="connsiteX3" y="connsiteY3"/>
+                </a:cxn>
+                <a:cxn ang="0">
+                  <a:pos x="connsiteX4" y="connsiteY4"/>
+                </a:cxn>
+                <a:cxn ang="0">
+                  <a:pos x="connsiteX5" y="connsiteY5"/>
+                </a:cxn>
+                <a:cxn ang="0">
+                  <a:pos x="connsiteX6" y="connsiteY6"/>
+                </a:cxn>
+                <a:cxn ang="0">
+                  <a:pos x="connsiteX7" y="connsiteY7"/>
+                </a:cxn>
+                <a:cxn ang="0">
+                  <a:pos x="connsiteX8" y="connsiteY8"/>
+                </a:cxn>
+              </a:cxnLst>
+              <a:rect l="l" t="t" r="r" b="b"/>
+              <a:pathLst>
+                <a:path w="1330584" h="646727">
+                  <a:moveTo>
+                    <a:pt x="0" y="107790"/>
+                  </a:moveTo>
+                  <a:cubicBezTo>
+                    <a:pt x="0" y="48259"/>
+                    <a:pt x="48259" y="0"/>
+                    <a:pt x="107790" y="0"/>
+                  </a:cubicBezTo>
+                  <a:lnTo>
+                    <a:pt x="1222794" y="0"/>
+                  </a:lnTo>
+                  <a:cubicBezTo>
+                    <a:pt x="1282325" y="0"/>
+                    <a:pt x="1330584" y="48259"/>
+                    <a:pt x="1330584" y="107790"/>
+                  </a:cubicBezTo>
+                  <a:lnTo>
+                    <a:pt x="1330584" y="538937"/>
+                  </a:lnTo>
+                  <a:cubicBezTo>
+                    <a:pt x="1330584" y="598468"/>
+                    <a:pt x="1282325" y="646727"/>
+                    <a:pt x="1222794" y="646727"/>
+                  </a:cubicBezTo>
+                  <a:lnTo>
+                    <a:pt x="107790" y="646727"/>
+                  </a:lnTo>
+                  <a:cubicBezTo>
+                    <a:pt x="48259" y="646727"/>
+                    <a:pt x="0" y="598468"/>
+                    <a:pt x="0" y="538937"/>
+                  </a:cubicBezTo>
+                  <a:lnTo>
+                    <a:pt x="0" y="107790"/>
+                  </a:lnTo>
+                  <a:close/>
+                </a:path>
+              </a:pathLst>
+            </a:custGeom>
+          </p:spPr>
+          <p:style>
+            <a:lnRef idx="0">
+              <a:schemeClr val="lt1">
+                <a:hueOff val="0"/>
+                <a:satOff val="0"/>
+                <a:lumOff val="0"/>
+                <a:alphaOff val="0"/>
+              </a:schemeClr>
+            </a:lnRef>
+            <a:fillRef idx="3">
+              <a:schemeClr val="accent4">
+                <a:hueOff val="0"/>
+                <a:satOff val="0"/>
+                <a:lumOff val="0"/>
+                <a:alphaOff val="0"/>
+              </a:schemeClr>
+            </a:fillRef>
+            <a:effectRef idx="2">
+              <a:schemeClr val="accent4">
+                <a:hueOff val="0"/>
+                <a:satOff val="0"/>
+                <a:lumOff val="0"/>
+                <a:alphaOff val="0"/>
+              </a:schemeClr>
+            </a:effectRef>
+            <a:fontRef idx="minor">
+              <a:schemeClr val="lt1"/>
+            </a:fontRef>
+          </p:style>
+          <p:txBody>
+            <a:bodyPr spcFirstLastPara="0" vert="horz" wrap="square" lIns="62051" tIns="62051" rIns="62051" bIns="62051" numCol="1" spcCol="1270" anchor="ctr" anchorCtr="0">
+              <a:noAutofit/>
+            </a:bodyPr>
+            <a:lstStyle/>
+            <a:p>
+              <a:pPr lvl="0" algn="ctr" defTabSz="533400" rtl="1">
+                <a:lnSpc>
+                  <a:spcPct val="90000"/>
+                </a:lnSpc>
+                <a:spcBef>
+                  <a:spcPct val="0"/>
+                </a:spcBef>
+                <a:spcAft>
+                  <a:spcPct val="35000"/>
+                </a:spcAft>
+              </a:pPr>
+              <a:r>
+                <a:rPr lang="en-US" sz="1200" b="1" kern="1200" dirty="0">
+                  <a:effectLst>
+                    <a:outerShdw blurRad="38100" dist="38100" dir="2700000" algn="tl">
+                      <a:srgbClr val="000000">
+                        <a:alpha val="43137"/>
+                      </a:srgbClr>
+                    </a:outerShdw>
+                  </a:effectLst>
+                </a:rPr>
+                <a:t>Subscriber 1</a:t>
+              </a:r>
+              <a:endParaRPr lang="he-IL" sz="1200" b="1" kern="1200" dirty="0">
                 <a:effectLst>
                   <a:outerShdw blurRad="38100" dist="38100" dir="2700000" algn="tl">
                     <a:srgbClr val="000000">
@@ -4804,239 +5051,239 @@
                     </a:srgbClr>
                   </a:outerShdw>
                 </a:effectLst>
-              </a:rPr>
-              <a:t>Subscriber 1</a:t>
-            </a:r>
-            <a:endParaRPr lang="he-IL" sz="1200" b="1" kern="1200" dirty="0">
-              <a:effectLst>
-                <a:outerShdw blurRad="38100" dist="38100" dir="2700000" algn="tl">
-                  <a:srgbClr val="000000">
-                    <a:alpha val="43137"/>
-                  </a:srgbClr>
-                </a:outerShdw>
-              </a:effectLst>
-            </a:endParaRPr>
-          </a:p>
-        </p:txBody>
-      </p:sp>
-      <p:sp>
-        <p:nvSpPr>
-          <p:cNvPr id="15" name="Freeform 14"/>
-          <p:cNvSpPr/>
-          <p:nvPr/>
-        </p:nvSpPr>
-        <p:spPr>
-          <a:xfrm rot="5400000">
-            <a:off x="4103832" y="5050756"/>
-            <a:ext cx="1080568" cy="0"/>
-          </a:xfrm>
-          <a:custGeom>
-            <a:avLst/>
-            <a:gdLst/>
-            <a:ahLst/>
-            <a:cxnLst/>
-            <a:rect l="0" t="0" r="0" b="0"/>
-            <a:pathLst>
-              <a:path>
-                <a:moveTo>
-                  <a:pt x="0" y="0"/>
-                </a:moveTo>
-                <a:lnTo>
-                  <a:pt x="1080568" y="0"/>
-                </a:lnTo>
-              </a:path>
-            </a:pathLst>
-          </a:custGeom>
-          <a:noFill/>
-          <a:ln w="28575">
+              </a:endParaRPr>
+            </a:p>
+          </p:txBody>
+        </p:sp>
+        <p:sp>
+          <p:nvSpPr>
+            <p:cNvPr id="15" name="Freeform 14"/>
+            <p:cNvSpPr/>
+            <p:nvPr/>
+          </p:nvSpPr>
+          <p:spPr>
+            <a:xfrm rot="5400000">
+              <a:off x="4103832" y="5050756"/>
+              <a:ext cx="1080568" cy="0"/>
+            </a:xfrm>
+            <a:custGeom>
+              <a:avLst/>
+              <a:gdLst/>
+              <a:ahLst/>
+              <a:cxnLst/>
+              <a:rect l="0" t="0" r="0" b="0"/>
+              <a:pathLst>
+                <a:path>
+                  <a:moveTo>
+                    <a:pt x="0" y="0"/>
+                  </a:moveTo>
+                  <a:lnTo>
+                    <a:pt x="1080568" y="0"/>
+                  </a:lnTo>
+                </a:path>
+              </a:pathLst>
+            </a:custGeom>
+            <a:noFill/>
+            <a:ln w="28575">
+              <a:solidFill>
+                <a:srgbClr val="FFC000"/>
+              </a:solidFill>
+              <a:prstDash val="dash"/>
+              <a:headEnd type="none" w="med" len="med"/>
+              <a:tailEnd type="triangle" w="med" len="med"/>
+            </a:ln>
+          </p:spPr>
+          <p:style>
+            <a:lnRef idx="1">
+              <a:scrgbClr r="0" g="0" b="0"/>
+            </a:lnRef>
+            <a:fillRef idx="0">
+              <a:scrgbClr r="0" g="0" b="0"/>
+            </a:fillRef>
+            <a:effectRef idx="0">
+              <a:schemeClr val="accent3">
+                <a:tint val="90000"/>
+                <a:hueOff val="0"/>
+                <a:satOff val="0"/>
+                <a:lumOff val="0"/>
+                <a:alphaOff val="0"/>
+              </a:schemeClr>
+            </a:effectRef>
+            <a:fontRef idx="minor">
+              <a:schemeClr val="tx1">
+                <a:hueOff val="0"/>
+                <a:satOff val="0"/>
+                <a:lumOff val="0"/>
+                <a:alphaOff val="0"/>
+              </a:schemeClr>
+            </a:fontRef>
+          </p:style>
+        </p:sp>
+        <p:sp>
+          <p:nvSpPr>
+            <p:cNvPr id="16" name="Freeform 15"/>
+            <p:cNvSpPr/>
+            <p:nvPr/>
+          </p:nvSpPr>
+          <p:spPr>
+            <a:xfrm>
+              <a:off x="3996155" y="5591041"/>
+              <a:ext cx="1295924" cy="610941"/>
+            </a:xfrm>
+            <a:custGeom>
+              <a:avLst/>
+              <a:gdLst>
+                <a:gd name="connsiteX0" fmla="*/ 0 w 1295924"/>
+                <a:gd name="connsiteY0" fmla="*/ 101826 h 610941"/>
+                <a:gd name="connsiteX1" fmla="*/ 101826 w 1295924"/>
+                <a:gd name="connsiteY1" fmla="*/ 0 h 610941"/>
+                <a:gd name="connsiteX2" fmla="*/ 1194098 w 1295924"/>
+                <a:gd name="connsiteY2" fmla="*/ 0 h 610941"/>
+                <a:gd name="connsiteX3" fmla="*/ 1295924 w 1295924"/>
+                <a:gd name="connsiteY3" fmla="*/ 101826 h 610941"/>
+                <a:gd name="connsiteX4" fmla="*/ 1295924 w 1295924"/>
+                <a:gd name="connsiteY4" fmla="*/ 509115 h 610941"/>
+                <a:gd name="connsiteX5" fmla="*/ 1194098 w 1295924"/>
+                <a:gd name="connsiteY5" fmla="*/ 610941 h 610941"/>
+                <a:gd name="connsiteX6" fmla="*/ 101826 w 1295924"/>
+                <a:gd name="connsiteY6" fmla="*/ 610941 h 610941"/>
+                <a:gd name="connsiteX7" fmla="*/ 0 w 1295924"/>
+                <a:gd name="connsiteY7" fmla="*/ 509115 h 610941"/>
+                <a:gd name="connsiteX8" fmla="*/ 0 w 1295924"/>
+                <a:gd name="connsiteY8" fmla="*/ 101826 h 610941"/>
+              </a:gdLst>
+              <a:ahLst/>
+              <a:cxnLst>
+                <a:cxn ang="0">
+                  <a:pos x="connsiteX0" y="connsiteY0"/>
+                </a:cxn>
+                <a:cxn ang="0">
+                  <a:pos x="connsiteX1" y="connsiteY1"/>
+                </a:cxn>
+                <a:cxn ang="0">
+                  <a:pos x="connsiteX2" y="connsiteY2"/>
+                </a:cxn>
+                <a:cxn ang="0">
+                  <a:pos x="connsiteX3" y="connsiteY3"/>
+                </a:cxn>
+                <a:cxn ang="0">
+                  <a:pos x="connsiteX4" y="connsiteY4"/>
+                </a:cxn>
+                <a:cxn ang="0">
+                  <a:pos x="connsiteX5" y="connsiteY5"/>
+                </a:cxn>
+                <a:cxn ang="0">
+                  <a:pos x="connsiteX6" y="connsiteY6"/>
+                </a:cxn>
+                <a:cxn ang="0">
+                  <a:pos x="connsiteX7" y="connsiteY7"/>
+                </a:cxn>
+                <a:cxn ang="0">
+                  <a:pos x="connsiteX8" y="connsiteY8"/>
+                </a:cxn>
+              </a:cxnLst>
+              <a:rect l="l" t="t" r="r" b="b"/>
+              <a:pathLst>
+                <a:path w="1295924" h="610941">
+                  <a:moveTo>
+                    <a:pt x="0" y="101826"/>
+                  </a:moveTo>
+                  <a:cubicBezTo>
+                    <a:pt x="0" y="45589"/>
+                    <a:pt x="45589" y="0"/>
+                    <a:pt x="101826" y="0"/>
+                  </a:cubicBezTo>
+                  <a:lnTo>
+                    <a:pt x="1194098" y="0"/>
+                  </a:lnTo>
+                  <a:cubicBezTo>
+                    <a:pt x="1250335" y="0"/>
+                    <a:pt x="1295924" y="45589"/>
+                    <a:pt x="1295924" y="101826"/>
+                  </a:cubicBezTo>
+                  <a:lnTo>
+                    <a:pt x="1295924" y="509115"/>
+                  </a:lnTo>
+                  <a:cubicBezTo>
+                    <a:pt x="1295924" y="565352"/>
+                    <a:pt x="1250335" y="610941"/>
+                    <a:pt x="1194098" y="610941"/>
+                  </a:cubicBezTo>
+                  <a:lnTo>
+                    <a:pt x="101826" y="610941"/>
+                  </a:lnTo>
+                  <a:cubicBezTo>
+                    <a:pt x="45589" y="610941"/>
+                    <a:pt x="0" y="565352"/>
+                    <a:pt x="0" y="509115"/>
+                  </a:cubicBezTo>
+                  <a:lnTo>
+                    <a:pt x="0" y="101826"/>
+                  </a:lnTo>
+                  <a:close/>
+                </a:path>
+              </a:pathLst>
+            </a:custGeom>
             <a:solidFill>
-              <a:srgbClr val="FFC000"/>
+              <a:schemeClr val="tx2">
+                <a:lumMod val="75000"/>
+              </a:schemeClr>
             </a:solidFill>
-            <a:prstDash val="dash"/>
-            <a:headEnd type="none" w="med" len="med"/>
-            <a:tailEnd type="triangle" w="med" len="med"/>
-          </a:ln>
-        </p:spPr>
-        <p:style>
-          <a:lnRef idx="1">
-            <a:scrgbClr r="0" g="0" b="0"/>
-          </a:lnRef>
-          <a:fillRef idx="0">
-            <a:scrgbClr r="0" g="0" b="0"/>
-          </a:fillRef>
-          <a:effectRef idx="0">
-            <a:schemeClr val="accent3">
-              <a:tint val="90000"/>
-              <a:hueOff val="0"/>
-              <a:satOff val="0"/>
-              <a:lumOff val="0"/>
-              <a:alphaOff val="0"/>
-            </a:schemeClr>
-          </a:effectRef>
-          <a:fontRef idx="minor">
-            <a:schemeClr val="tx1">
-              <a:hueOff val="0"/>
-              <a:satOff val="0"/>
-              <a:lumOff val="0"/>
-              <a:alphaOff val="0"/>
-            </a:schemeClr>
-          </a:fontRef>
-        </p:style>
-      </p:sp>
-      <p:sp>
-        <p:nvSpPr>
-          <p:cNvPr id="16" name="Freeform 15"/>
-          <p:cNvSpPr/>
-          <p:nvPr/>
-        </p:nvSpPr>
-        <p:spPr>
-          <a:xfrm>
-            <a:off x="3996155" y="5591041"/>
-            <a:ext cx="1295924" cy="610941"/>
-          </a:xfrm>
-          <a:custGeom>
-            <a:avLst/>
-            <a:gdLst>
-              <a:gd name="connsiteX0" fmla="*/ 0 w 1295924"/>
-              <a:gd name="connsiteY0" fmla="*/ 101826 h 610941"/>
-              <a:gd name="connsiteX1" fmla="*/ 101826 w 1295924"/>
-              <a:gd name="connsiteY1" fmla="*/ 0 h 610941"/>
-              <a:gd name="connsiteX2" fmla="*/ 1194098 w 1295924"/>
-              <a:gd name="connsiteY2" fmla="*/ 0 h 610941"/>
-              <a:gd name="connsiteX3" fmla="*/ 1295924 w 1295924"/>
-              <a:gd name="connsiteY3" fmla="*/ 101826 h 610941"/>
-              <a:gd name="connsiteX4" fmla="*/ 1295924 w 1295924"/>
-              <a:gd name="connsiteY4" fmla="*/ 509115 h 610941"/>
-              <a:gd name="connsiteX5" fmla="*/ 1194098 w 1295924"/>
-              <a:gd name="connsiteY5" fmla="*/ 610941 h 610941"/>
-              <a:gd name="connsiteX6" fmla="*/ 101826 w 1295924"/>
-              <a:gd name="connsiteY6" fmla="*/ 610941 h 610941"/>
-              <a:gd name="connsiteX7" fmla="*/ 0 w 1295924"/>
-              <a:gd name="connsiteY7" fmla="*/ 509115 h 610941"/>
-              <a:gd name="connsiteX8" fmla="*/ 0 w 1295924"/>
-              <a:gd name="connsiteY8" fmla="*/ 101826 h 610941"/>
-            </a:gdLst>
-            <a:ahLst/>
-            <a:cxnLst>
-              <a:cxn ang="0">
-                <a:pos x="connsiteX0" y="connsiteY0"/>
-              </a:cxn>
-              <a:cxn ang="0">
-                <a:pos x="connsiteX1" y="connsiteY1"/>
-              </a:cxn>
-              <a:cxn ang="0">
-                <a:pos x="connsiteX2" y="connsiteY2"/>
-              </a:cxn>
-              <a:cxn ang="0">
-                <a:pos x="connsiteX3" y="connsiteY3"/>
-              </a:cxn>
-              <a:cxn ang="0">
-                <a:pos x="connsiteX4" y="connsiteY4"/>
-              </a:cxn>
-              <a:cxn ang="0">
-                <a:pos x="connsiteX5" y="connsiteY5"/>
-              </a:cxn>
-              <a:cxn ang="0">
-                <a:pos x="connsiteX6" y="connsiteY6"/>
-              </a:cxn>
-              <a:cxn ang="0">
-                <a:pos x="connsiteX7" y="connsiteY7"/>
-              </a:cxn>
-              <a:cxn ang="0">
-                <a:pos x="connsiteX8" y="connsiteY8"/>
-              </a:cxn>
-            </a:cxnLst>
-            <a:rect l="l" t="t" r="r" b="b"/>
-            <a:pathLst>
-              <a:path w="1295924" h="610941">
-                <a:moveTo>
-                  <a:pt x="0" y="101826"/>
-                </a:moveTo>
-                <a:cubicBezTo>
-                  <a:pt x="0" y="45589"/>
-                  <a:pt x="45589" y="0"/>
-                  <a:pt x="101826" y="0"/>
-                </a:cubicBezTo>
-                <a:lnTo>
-                  <a:pt x="1194098" y="0"/>
-                </a:lnTo>
-                <a:cubicBezTo>
-                  <a:pt x="1250335" y="0"/>
-                  <a:pt x="1295924" y="45589"/>
-                  <a:pt x="1295924" y="101826"/>
-                </a:cubicBezTo>
-                <a:lnTo>
-                  <a:pt x="1295924" y="509115"/>
-                </a:lnTo>
-                <a:cubicBezTo>
-                  <a:pt x="1295924" y="565352"/>
-                  <a:pt x="1250335" y="610941"/>
-                  <a:pt x="1194098" y="610941"/>
-                </a:cubicBezTo>
-                <a:lnTo>
-                  <a:pt x="101826" y="610941"/>
-                </a:lnTo>
-                <a:cubicBezTo>
-                  <a:pt x="45589" y="610941"/>
-                  <a:pt x="0" y="565352"/>
-                  <a:pt x="0" y="509115"/>
-                </a:cubicBezTo>
-                <a:lnTo>
-                  <a:pt x="0" y="101826"/>
-                </a:lnTo>
-                <a:close/>
-              </a:path>
-            </a:pathLst>
-          </a:custGeom>
-          <a:solidFill>
-            <a:schemeClr val="tx2">
-              <a:lumMod val="75000"/>
-            </a:schemeClr>
-          </a:solidFill>
-        </p:spPr>
-        <p:style>
-          <a:lnRef idx="0">
-            <a:schemeClr val="lt1">
-              <a:hueOff val="0"/>
-              <a:satOff val="0"/>
-              <a:lumOff val="0"/>
-              <a:alphaOff val="0"/>
-            </a:schemeClr>
-          </a:lnRef>
-          <a:fillRef idx="3">
-            <a:scrgbClr r="0" g="0" b="0"/>
-          </a:fillRef>
-          <a:effectRef idx="2">
-            <a:schemeClr val="accent5">
-              <a:hueOff val="0"/>
-              <a:satOff val="0"/>
-              <a:lumOff val="0"/>
-              <a:alphaOff val="0"/>
-            </a:schemeClr>
-          </a:effectRef>
-          <a:fontRef idx="minor">
-            <a:schemeClr val="lt1"/>
-          </a:fontRef>
-        </p:style>
-        <p:txBody>
-          <a:bodyPr spcFirstLastPara="0" vert="horz" wrap="square" lIns="60304" tIns="60304" rIns="60304" bIns="60304" numCol="1" spcCol="1270" anchor="ctr" anchorCtr="0">
-            <a:noAutofit/>
-          </a:bodyPr>
-          <a:lstStyle/>
-          <a:p>
-            <a:pPr lvl="0" algn="ctr" defTabSz="533400" rtl="1">
-              <a:lnSpc>
-                <a:spcPct val="90000"/>
-              </a:lnSpc>
-              <a:spcBef>
-                <a:spcPct val="0"/>
-              </a:spcBef>
-              <a:spcAft>
-                <a:spcPct val="35000"/>
-              </a:spcAft>
-            </a:pPr>
-            <a:r>
-              <a:rPr lang="en-US" sz="1200" b="1" kern="1200" dirty="0">
+          </p:spPr>
+          <p:style>
+            <a:lnRef idx="0">
+              <a:schemeClr val="lt1">
+                <a:hueOff val="0"/>
+                <a:satOff val="0"/>
+                <a:lumOff val="0"/>
+                <a:alphaOff val="0"/>
+              </a:schemeClr>
+            </a:lnRef>
+            <a:fillRef idx="3">
+              <a:scrgbClr r="0" g="0" b="0"/>
+            </a:fillRef>
+            <a:effectRef idx="2">
+              <a:schemeClr val="accent5">
+                <a:hueOff val="0"/>
+                <a:satOff val="0"/>
+                <a:lumOff val="0"/>
+                <a:alphaOff val="0"/>
+              </a:schemeClr>
+            </a:effectRef>
+            <a:fontRef idx="minor">
+              <a:schemeClr val="lt1"/>
+            </a:fontRef>
+          </p:style>
+          <p:txBody>
+            <a:bodyPr spcFirstLastPara="0" vert="horz" wrap="square" lIns="60304" tIns="60304" rIns="60304" bIns="60304" numCol="1" spcCol="1270" anchor="ctr" anchorCtr="0">
+              <a:noAutofit/>
+            </a:bodyPr>
+            <a:lstStyle/>
+            <a:p>
+              <a:pPr lvl="0" algn="ctr" defTabSz="533400" rtl="1">
+                <a:lnSpc>
+                  <a:spcPct val="90000"/>
+                </a:lnSpc>
+                <a:spcBef>
+                  <a:spcPct val="0"/>
+                </a:spcBef>
+                <a:spcAft>
+                  <a:spcPct val="35000"/>
+                </a:spcAft>
+              </a:pPr>
+              <a:r>
+                <a:rPr lang="en-US" sz="1200" b="1" kern="1200" dirty="0">
+                  <a:effectLst>
+                    <a:outerShdw blurRad="38100" dist="38100" dir="2700000" algn="tl">
+                      <a:srgbClr val="000000">
+                        <a:alpha val="43137"/>
+                      </a:srgbClr>
+                    </a:outerShdw>
+                  </a:effectLst>
+                </a:rPr>
+                <a:t>Subscriber 3</a:t>
+              </a:r>
+              <a:endParaRPr lang="he-IL" sz="1200" b="1" kern="1200" dirty="0">
                 <a:effectLst>
                   <a:outerShdw blurRad="38100" dist="38100" dir="2700000" algn="tl">
                     <a:srgbClr val="000000">
@@ -5044,236 +5291,236 @@
                     </a:srgbClr>
                   </a:outerShdw>
                 </a:effectLst>
-              </a:rPr>
-              <a:t>Subscriber 3</a:t>
-            </a:r>
-            <a:endParaRPr lang="he-IL" sz="1200" b="1" kern="1200" dirty="0">
-              <a:effectLst>
-                <a:outerShdw blurRad="38100" dist="38100" dir="2700000" algn="tl">
-                  <a:srgbClr val="000000">
-                    <a:alpha val="43137"/>
-                  </a:srgbClr>
-                </a:outerShdw>
-              </a:effectLst>
-            </a:endParaRPr>
-          </a:p>
-        </p:txBody>
-      </p:sp>
-      <p:sp>
-        <p:nvSpPr>
-          <p:cNvPr id="17" name="Freeform 16"/>
-          <p:cNvSpPr/>
-          <p:nvPr/>
-        </p:nvSpPr>
-        <p:spPr>
-          <a:xfrm rot="10800000">
-            <a:off x="3238835" y="3825719"/>
-            <a:ext cx="613083" cy="0"/>
-          </a:xfrm>
-          <a:custGeom>
-            <a:avLst/>
-            <a:gdLst/>
-            <a:ahLst/>
-            <a:cxnLst/>
-            <a:rect l="0" t="0" r="0" b="0"/>
-            <a:pathLst>
-              <a:path>
-                <a:moveTo>
-                  <a:pt x="0" y="0"/>
-                </a:moveTo>
-                <a:lnTo>
-                  <a:pt x="613083" y="0"/>
-                </a:lnTo>
-              </a:path>
-            </a:pathLst>
-          </a:custGeom>
-          <a:noFill/>
-          <a:ln w="28575">
+              </a:endParaRPr>
+            </a:p>
+          </p:txBody>
+        </p:sp>
+        <p:sp>
+          <p:nvSpPr>
+            <p:cNvPr id="17" name="Freeform 16"/>
+            <p:cNvSpPr/>
+            <p:nvPr/>
+          </p:nvSpPr>
+          <p:spPr>
+            <a:xfrm rot="10800000">
+              <a:off x="3238835" y="3825719"/>
+              <a:ext cx="613083" cy="0"/>
+            </a:xfrm>
+            <a:custGeom>
+              <a:avLst/>
+              <a:gdLst/>
+              <a:ahLst/>
+              <a:cxnLst/>
+              <a:rect l="0" t="0" r="0" b="0"/>
+              <a:pathLst>
+                <a:path>
+                  <a:moveTo>
+                    <a:pt x="0" y="0"/>
+                  </a:moveTo>
+                  <a:lnTo>
+                    <a:pt x="613083" y="0"/>
+                  </a:lnTo>
+                </a:path>
+              </a:pathLst>
+            </a:custGeom>
+            <a:noFill/>
+            <a:ln w="28575">
+              <a:solidFill>
+                <a:srgbClr val="FFC000"/>
+              </a:solidFill>
+              <a:headEnd type="none" w="med" len="med"/>
+              <a:tailEnd type="triangle" w="med" len="med"/>
+            </a:ln>
+          </p:spPr>
+          <p:style>
+            <a:lnRef idx="1">
+              <a:scrgbClr r="0" g="0" b="0"/>
+            </a:lnRef>
+            <a:fillRef idx="0">
+              <a:scrgbClr r="0" g="0" b="0"/>
+            </a:fillRef>
+            <a:effectRef idx="0">
+              <a:schemeClr val="accent3">
+                <a:tint val="90000"/>
+                <a:hueOff val="0"/>
+                <a:satOff val="0"/>
+                <a:lumOff val="0"/>
+                <a:alphaOff val="0"/>
+              </a:schemeClr>
+            </a:effectRef>
+            <a:fontRef idx="minor">
+              <a:schemeClr val="tx1">
+                <a:hueOff val="0"/>
+                <a:satOff val="0"/>
+                <a:lumOff val="0"/>
+                <a:alphaOff val="0"/>
+              </a:schemeClr>
+            </a:fontRef>
+          </p:style>
+        </p:sp>
+        <p:sp>
+          <p:nvSpPr>
+            <p:cNvPr id="18" name="Freeform 17"/>
+            <p:cNvSpPr/>
+            <p:nvPr/>
+          </p:nvSpPr>
+          <p:spPr>
+            <a:xfrm>
+              <a:off x="1907813" y="3501459"/>
+              <a:ext cx="1331021" cy="648519"/>
+            </a:xfrm>
+            <a:custGeom>
+              <a:avLst/>
+              <a:gdLst>
+                <a:gd name="connsiteX0" fmla="*/ 0 w 1331021"/>
+                <a:gd name="connsiteY0" fmla="*/ 108089 h 648519"/>
+                <a:gd name="connsiteX1" fmla="*/ 108089 w 1331021"/>
+                <a:gd name="connsiteY1" fmla="*/ 0 h 648519"/>
+                <a:gd name="connsiteX2" fmla="*/ 1222932 w 1331021"/>
+                <a:gd name="connsiteY2" fmla="*/ 0 h 648519"/>
+                <a:gd name="connsiteX3" fmla="*/ 1331021 w 1331021"/>
+                <a:gd name="connsiteY3" fmla="*/ 108089 h 648519"/>
+                <a:gd name="connsiteX4" fmla="*/ 1331021 w 1331021"/>
+                <a:gd name="connsiteY4" fmla="*/ 540430 h 648519"/>
+                <a:gd name="connsiteX5" fmla="*/ 1222932 w 1331021"/>
+                <a:gd name="connsiteY5" fmla="*/ 648519 h 648519"/>
+                <a:gd name="connsiteX6" fmla="*/ 108089 w 1331021"/>
+                <a:gd name="connsiteY6" fmla="*/ 648519 h 648519"/>
+                <a:gd name="connsiteX7" fmla="*/ 0 w 1331021"/>
+                <a:gd name="connsiteY7" fmla="*/ 540430 h 648519"/>
+                <a:gd name="connsiteX8" fmla="*/ 0 w 1331021"/>
+                <a:gd name="connsiteY8" fmla="*/ 108089 h 648519"/>
+              </a:gdLst>
+              <a:ahLst/>
+              <a:cxnLst>
+                <a:cxn ang="0">
+                  <a:pos x="connsiteX0" y="connsiteY0"/>
+                </a:cxn>
+                <a:cxn ang="0">
+                  <a:pos x="connsiteX1" y="connsiteY1"/>
+                </a:cxn>
+                <a:cxn ang="0">
+                  <a:pos x="connsiteX2" y="connsiteY2"/>
+                </a:cxn>
+                <a:cxn ang="0">
+                  <a:pos x="connsiteX3" y="connsiteY3"/>
+                </a:cxn>
+                <a:cxn ang="0">
+                  <a:pos x="connsiteX4" y="connsiteY4"/>
+                </a:cxn>
+                <a:cxn ang="0">
+                  <a:pos x="connsiteX5" y="connsiteY5"/>
+                </a:cxn>
+                <a:cxn ang="0">
+                  <a:pos x="connsiteX6" y="connsiteY6"/>
+                </a:cxn>
+                <a:cxn ang="0">
+                  <a:pos x="connsiteX7" y="connsiteY7"/>
+                </a:cxn>
+                <a:cxn ang="0">
+                  <a:pos x="connsiteX8" y="connsiteY8"/>
+                </a:cxn>
+              </a:cxnLst>
+              <a:rect l="l" t="t" r="r" b="b"/>
+              <a:pathLst>
+                <a:path w="1331021" h="648519">
+                  <a:moveTo>
+                    <a:pt x="0" y="108089"/>
+                  </a:moveTo>
+                  <a:cubicBezTo>
+                    <a:pt x="0" y="48393"/>
+                    <a:pt x="48393" y="0"/>
+                    <a:pt x="108089" y="0"/>
+                  </a:cubicBezTo>
+                  <a:lnTo>
+                    <a:pt x="1222932" y="0"/>
+                  </a:lnTo>
+                  <a:cubicBezTo>
+                    <a:pt x="1282628" y="0"/>
+                    <a:pt x="1331021" y="48393"/>
+                    <a:pt x="1331021" y="108089"/>
+                  </a:cubicBezTo>
+                  <a:lnTo>
+                    <a:pt x="1331021" y="540430"/>
+                  </a:lnTo>
+                  <a:cubicBezTo>
+                    <a:pt x="1331021" y="600126"/>
+                    <a:pt x="1282628" y="648519"/>
+                    <a:pt x="1222932" y="648519"/>
+                  </a:cubicBezTo>
+                  <a:lnTo>
+                    <a:pt x="108089" y="648519"/>
+                  </a:lnTo>
+                  <a:cubicBezTo>
+                    <a:pt x="48393" y="648519"/>
+                    <a:pt x="0" y="600126"/>
+                    <a:pt x="0" y="540430"/>
+                  </a:cubicBezTo>
+                  <a:lnTo>
+                    <a:pt x="0" y="108089"/>
+                  </a:lnTo>
+                  <a:close/>
+                </a:path>
+              </a:pathLst>
+            </a:custGeom>
             <a:solidFill>
-              <a:srgbClr val="FFC000"/>
+              <a:srgbClr val="00B0F0"/>
             </a:solidFill>
-            <a:headEnd type="none" w="med" len="med"/>
-            <a:tailEnd type="triangle" w="med" len="med"/>
-          </a:ln>
-        </p:spPr>
-        <p:style>
-          <a:lnRef idx="1">
-            <a:scrgbClr r="0" g="0" b="0"/>
-          </a:lnRef>
-          <a:fillRef idx="0">
-            <a:scrgbClr r="0" g="0" b="0"/>
-          </a:fillRef>
-          <a:effectRef idx="0">
-            <a:schemeClr val="accent3">
-              <a:tint val="90000"/>
-              <a:hueOff val="0"/>
-              <a:satOff val="0"/>
-              <a:lumOff val="0"/>
-              <a:alphaOff val="0"/>
-            </a:schemeClr>
-          </a:effectRef>
-          <a:fontRef idx="minor">
-            <a:schemeClr val="tx1">
-              <a:hueOff val="0"/>
-              <a:satOff val="0"/>
-              <a:lumOff val="0"/>
-              <a:alphaOff val="0"/>
-            </a:schemeClr>
-          </a:fontRef>
-        </p:style>
-      </p:sp>
-      <p:sp>
-        <p:nvSpPr>
-          <p:cNvPr id="18" name="Freeform 17"/>
-          <p:cNvSpPr/>
-          <p:nvPr/>
-        </p:nvSpPr>
-        <p:spPr>
-          <a:xfrm>
-            <a:off x="1907813" y="3501459"/>
-            <a:ext cx="1331021" cy="648519"/>
-          </a:xfrm>
-          <a:custGeom>
-            <a:avLst/>
-            <a:gdLst>
-              <a:gd name="connsiteX0" fmla="*/ 0 w 1331021"/>
-              <a:gd name="connsiteY0" fmla="*/ 108089 h 648519"/>
-              <a:gd name="connsiteX1" fmla="*/ 108089 w 1331021"/>
-              <a:gd name="connsiteY1" fmla="*/ 0 h 648519"/>
-              <a:gd name="connsiteX2" fmla="*/ 1222932 w 1331021"/>
-              <a:gd name="connsiteY2" fmla="*/ 0 h 648519"/>
-              <a:gd name="connsiteX3" fmla="*/ 1331021 w 1331021"/>
-              <a:gd name="connsiteY3" fmla="*/ 108089 h 648519"/>
-              <a:gd name="connsiteX4" fmla="*/ 1331021 w 1331021"/>
-              <a:gd name="connsiteY4" fmla="*/ 540430 h 648519"/>
-              <a:gd name="connsiteX5" fmla="*/ 1222932 w 1331021"/>
-              <a:gd name="connsiteY5" fmla="*/ 648519 h 648519"/>
-              <a:gd name="connsiteX6" fmla="*/ 108089 w 1331021"/>
-              <a:gd name="connsiteY6" fmla="*/ 648519 h 648519"/>
-              <a:gd name="connsiteX7" fmla="*/ 0 w 1331021"/>
-              <a:gd name="connsiteY7" fmla="*/ 540430 h 648519"/>
-              <a:gd name="connsiteX8" fmla="*/ 0 w 1331021"/>
-              <a:gd name="connsiteY8" fmla="*/ 108089 h 648519"/>
-            </a:gdLst>
-            <a:ahLst/>
-            <a:cxnLst>
-              <a:cxn ang="0">
-                <a:pos x="connsiteX0" y="connsiteY0"/>
-              </a:cxn>
-              <a:cxn ang="0">
-                <a:pos x="connsiteX1" y="connsiteY1"/>
-              </a:cxn>
-              <a:cxn ang="0">
-                <a:pos x="connsiteX2" y="connsiteY2"/>
-              </a:cxn>
-              <a:cxn ang="0">
-                <a:pos x="connsiteX3" y="connsiteY3"/>
-              </a:cxn>
-              <a:cxn ang="0">
-                <a:pos x="connsiteX4" y="connsiteY4"/>
-              </a:cxn>
-              <a:cxn ang="0">
-                <a:pos x="connsiteX5" y="connsiteY5"/>
-              </a:cxn>
-              <a:cxn ang="0">
-                <a:pos x="connsiteX6" y="connsiteY6"/>
-              </a:cxn>
-              <a:cxn ang="0">
-                <a:pos x="connsiteX7" y="connsiteY7"/>
-              </a:cxn>
-              <a:cxn ang="0">
-                <a:pos x="connsiteX8" y="connsiteY8"/>
-              </a:cxn>
-            </a:cxnLst>
-            <a:rect l="l" t="t" r="r" b="b"/>
-            <a:pathLst>
-              <a:path w="1331021" h="648519">
-                <a:moveTo>
-                  <a:pt x="0" y="108089"/>
-                </a:moveTo>
-                <a:cubicBezTo>
-                  <a:pt x="0" y="48393"/>
-                  <a:pt x="48393" y="0"/>
-                  <a:pt x="108089" y="0"/>
-                </a:cubicBezTo>
-                <a:lnTo>
-                  <a:pt x="1222932" y="0"/>
-                </a:lnTo>
-                <a:cubicBezTo>
-                  <a:pt x="1282628" y="0"/>
-                  <a:pt x="1331021" y="48393"/>
-                  <a:pt x="1331021" y="108089"/>
-                </a:cubicBezTo>
-                <a:lnTo>
-                  <a:pt x="1331021" y="540430"/>
-                </a:lnTo>
-                <a:cubicBezTo>
-                  <a:pt x="1331021" y="600126"/>
-                  <a:pt x="1282628" y="648519"/>
-                  <a:pt x="1222932" y="648519"/>
-                </a:cubicBezTo>
-                <a:lnTo>
-                  <a:pt x="108089" y="648519"/>
-                </a:lnTo>
-                <a:cubicBezTo>
-                  <a:pt x="48393" y="648519"/>
-                  <a:pt x="0" y="600126"/>
-                  <a:pt x="0" y="540430"/>
-                </a:cubicBezTo>
-                <a:lnTo>
-                  <a:pt x="0" y="108089"/>
-                </a:lnTo>
-                <a:close/>
-              </a:path>
-            </a:pathLst>
-          </a:custGeom>
-          <a:solidFill>
-            <a:srgbClr val="00B0F0"/>
-          </a:solidFill>
-        </p:spPr>
-        <p:style>
-          <a:lnRef idx="0">
-            <a:schemeClr val="lt1">
-              <a:hueOff val="0"/>
-              <a:satOff val="0"/>
-              <a:lumOff val="0"/>
-              <a:alphaOff val="0"/>
-            </a:schemeClr>
-          </a:lnRef>
-          <a:fillRef idx="3">
-            <a:scrgbClr r="0" g="0" b="0"/>
-          </a:fillRef>
-          <a:effectRef idx="2">
-            <a:schemeClr val="accent6">
-              <a:hueOff val="0"/>
-              <a:satOff val="0"/>
-              <a:lumOff val="0"/>
-              <a:alphaOff val="0"/>
-            </a:schemeClr>
-          </a:effectRef>
-          <a:fontRef idx="minor">
-            <a:schemeClr val="lt1"/>
-          </a:fontRef>
-        </p:style>
-        <p:txBody>
-          <a:bodyPr spcFirstLastPara="0" vert="horz" wrap="square" lIns="62138" tIns="62138" rIns="62138" bIns="62138" numCol="1" spcCol="1270" anchor="ctr" anchorCtr="0">
-            <a:noAutofit/>
-          </a:bodyPr>
-          <a:lstStyle/>
-          <a:p>
-            <a:pPr lvl="0" algn="ctr" defTabSz="533400" rtl="1">
-              <a:lnSpc>
-                <a:spcPct val="90000"/>
-              </a:lnSpc>
-              <a:spcBef>
-                <a:spcPct val="0"/>
-              </a:spcBef>
-              <a:spcAft>
-                <a:spcPct val="35000"/>
-              </a:spcAft>
-            </a:pPr>
-            <a:r>
-              <a:rPr lang="en-US" sz="1200" b="1" kern="1200" dirty="0">
+          </p:spPr>
+          <p:style>
+            <a:lnRef idx="0">
+              <a:schemeClr val="lt1">
+                <a:hueOff val="0"/>
+                <a:satOff val="0"/>
+                <a:lumOff val="0"/>
+                <a:alphaOff val="0"/>
+              </a:schemeClr>
+            </a:lnRef>
+            <a:fillRef idx="3">
+              <a:scrgbClr r="0" g="0" b="0"/>
+            </a:fillRef>
+            <a:effectRef idx="2">
+              <a:schemeClr val="accent6">
+                <a:hueOff val="0"/>
+                <a:satOff val="0"/>
+                <a:lumOff val="0"/>
+                <a:alphaOff val="0"/>
+              </a:schemeClr>
+            </a:effectRef>
+            <a:fontRef idx="minor">
+              <a:schemeClr val="lt1"/>
+            </a:fontRef>
+          </p:style>
+          <p:txBody>
+            <a:bodyPr spcFirstLastPara="0" vert="horz" wrap="square" lIns="62138" tIns="62138" rIns="62138" bIns="62138" numCol="1" spcCol="1270" anchor="ctr" anchorCtr="0">
+              <a:noAutofit/>
+            </a:bodyPr>
+            <a:lstStyle/>
+            <a:p>
+              <a:pPr lvl="0" algn="ctr" defTabSz="533400" rtl="1">
+                <a:lnSpc>
+                  <a:spcPct val="90000"/>
+                </a:lnSpc>
+                <a:spcBef>
+                  <a:spcPct val="0"/>
+                </a:spcBef>
+                <a:spcAft>
+                  <a:spcPct val="35000"/>
+                </a:spcAft>
+              </a:pPr>
+              <a:r>
+                <a:rPr lang="en-US" sz="1200" b="1" kern="1200" dirty="0">
+                  <a:effectLst>
+                    <a:outerShdw blurRad="38100" dist="38100" dir="2700000" algn="tl">
+                      <a:srgbClr val="000000">
+                        <a:alpha val="43137"/>
+                      </a:srgbClr>
+                    </a:outerShdw>
+                  </a:effectLst>
+                </a:rPr>
+                <a:t>Subscriber 2</a:t>
+              </a:r>
+              <a:endParaRPr lang="he-IL" sz="1200" b="1" kern="1200" dirty="0">
                 <a:effectLst>
                   <a:outerShdw blurRad="38100" dist="38100" dir="2700000" algn="tl">
                     <a:srgbClr val="000000">
@@ -5281,68 +5528,139 @@
                     </a:srgbClr>
                   </a:outerShdw>
                 </a:effectLst>
-              </a:rPr>
-              <a:t>Subscriber 2</a:t>
-            </a:r>
-            <a:endParaRPr lang="he-IL" sz="1200" b="1" kern="1200" dirty="0">
-              <a:effectLst>
-                <a:outerShdw blurRad="38100" dist="38100" dir="2700000" algn="tl">
-                  <a:srgbClr val="000000">
-                    <a:alpha val="43137"/>
-                  </a:srgbClr>
-                </a:outerShdw>
-              </a:effectLst>
-            </a:endParaRPr>
-          </a:p>
-        </p:txBody>
-      </p:sp>
-      <p:grpSp>
-        <p:nvGrpSpPr>
-          <p:cNvPr id="8" name="Group 7"/>
-          <p:cNvGrpSpPr/>
-          <p:nvPr/>
-        </p:nvGrpSpPr>
-        <p:grpSpPr>
-          <a:xfrm>
-            <a:off x="4436148" y="4725144"/>
-            <a:ext cx="412372" cy="456050"/>
-            <a:chOff x="755576" y="4149080"/>
-            <a:chExt cx="1008112" cy="1728192"/>
-          </a:xfrm>
-          <a:solidFill>
-            <a:schemeClr val="accent1">
-              <a:alpha val="80000"/>
-            </a:schemeClr>
-          </a:solidFill>
-        </p:grpSpPr>
+              </a:endParaRPr>
+            </a:p>
+          </p:txBody>
+        </p:sp>
+        <p:grpSp>
+          <p:nvGrpSpPr>
+            <p:cNvPr id="8" name="Group 7"/>
+            <p:cNvGrpSpPr/>
+            <p:nvPr/>
+          </p:nvGrpSpPr>
+          <p:grpSpPr>
+            <a:xfrm>
+              <a:off x="4436148" y="4725144"/>
+              <a:ext cx="412372" cy="456050"/>
+              <a:chOff x="755576" y="4149080"/>
+              <a:chExt cx="1008112" cy="1728192"/>
+            </a:xfrm>
+            <a:solidFill>
+              <a:schemeClr val="accent1">
+                <a:alpha val="80000"/>
+              </a:schemeClr>
+            </a:solidFill>
+          </p:grpSpPr>
+          <p:sp>
+            <p:nvSpPr>
+              <p:cNvPr id="6" name="Flowchart: Manual Operation 5"/>
+              <p:cNvSpPr/>
+              <p:nvPr/>
+            </p:nvSpPr>
+            <p:spPr>
+              <a:xfrm>
+                <a:off x="755576" y="4149080"/>
+                <a:ext cx="1008112" cy="1008112"/>
+              </a:xfrm>
+              <a:prstGeom prst="flowChartManualOperation">
+                <a:avLst/>
+              </a:prstGeom>
+              <a:grpFill/>
+            </p:spPr>
+            <p:style>
+              <a:lnRef idx="1">
+                <a:schemeClr val="accent6"/>
+              </a:lnRef>
+              <a:fillRef idx="3">
+                <a:schemeClr val="accent6"/>
+              </a:fillRef>
+              <a:effectRef idx="2">
+                <a:schemeClr val="accent6"/>
+              </a:effectRef>
+              <a:fontRef idx="minor">
+                <a:schemeClr val="lt1"/>
+              </a:fontRef>
+            </p:style>
+            <p:txBody>
+              <a:bodyPr rtlCol="1" anchor="ctr"/>
+              <a:lstStyle/>
+              <a:p>
+                <a:pPr algn="ctr"/>
+                <a:endParaRPr lang="he-IL"/>
+              </a:p>
+            </p:txBody>
+          </p:sp>
+          <p:sp>
+            <p:nvSpPr>
+              <p:cNvPr id="7" name="Rectangle 6"/>
+              <p:cNvSpPr/>
+              <p:nvPr/>
+            </p:nvSpPr>
+            <p:spPr>
+              <a:xfrm>
+                <a:off x="1076264" y="5157192"/>
+                <a:ext cx="360040" cy="720080"/>
+              </a:xfrm>
+              <a:prstGeom prst="rect">
+                <a:avLst/>
+              </a:prstGeom>
+              <a:grpFill/>
+            </p:spPr>
+            <p:style>
+              <a:lnRef idx="1">
+                <a:schemeClr val="accent6"/>
+              </a:lnRef>
+              <a:fillRef idx="3">
+                <a:schemeClr val="accent6"/>
+              </a:fillRef>
+              <a:effectRef idx="2">
+                <a:schemeClr val="accent6"/>
+              </a:effectRef>
+              <a:fontRef idx="minor">
+                <a:schemeClr val="lt1"/>
+              </a:fontRef>
+            </p:style>
+            <p:txBody>
+              <a:bodyPr rtlCol="1" anchor="ctr"/>
+              <a:lstStyle/>
+              <a:p>
+                <a:pPr algn="ctr"/>
+                <a:endParaRPr lang="he-IL"/>
+              </a:p>
+            </p:txBody>
+          </p:sp>
+        </p:grpSp>
         <p:sp>
           <p:nvSpPr>
-            <p:cNvPr id="6" name="Flowchart: Manual Operation 5"/>
+            <p:cNvPr id="19" name="Rounded Rectangular Callout 18"/>
             <p:cNvSpPr/>
             <p:nvPr/>
           </p:nvSpPr>
           <p:spPr>
             <a:xfrm>
-              <a:off x="755576" y="4149080"/>
-              <a:ext cx="1008112" cy="1008112"/>
+              <a:off x="5652120" y="5321446"/>
+              <a:ext cx="1656184" cy="575065"/>
             </a:xfrm>
-            <a:prstGeom prst="flowChartManualOperation">
-              <a:avLst/>
+            <a:prstGeom prst="wedgeRoundRectCallout">
+              <a:avLst>
+                <a:gd name="adj1" fmla="val -108087"/>
+                <a:gd name="adj2" fmla="val -130581"/>
+                <a:gd name="adj3" fmla="val 16667"/>
+              </a:avLst>
             </a:prstGeom>
-            <a:grpFill/>
           </p:spPr>
           <p:style>
             <a:lnRef idx="1">
-              <a:schemeClr val="accent6"/>
+              <a:schemeClr val="accent2"/>
             </a:lnRef>
-            <a:fillRef idx="3">
-              <a:schemeClr val="accent6"/>
+            <a:fillRef idx="2">
+              <a:schemeClr val="accent2"/>
             </a:fillRef>
-            <a:effectRef idx="2">
-              <a:schemeClr val="accent6"/>
+            <a:effectRef idx="1">
+              <a:schemeClr val="accent2"/>
             </a:effectRef>
             <a:fontRef idx="minor">
-              <a:schemeClr val="lt1"/>
+              <a:schemeClr val="dk1"/>
             </a:fontRef>
           </p:style>
           <p:txBody>
@@ -5350,90 +5668,19 @@
             <a:lstStyle/>
             <a:p>
               <a:pPr algn="ctr"/>
-              <a:endParaRPr lang="he-IL"/>
-            </a:p>
-          </p:txBody>
-        </p:sp>
-        <p:sp>
-          <p:nvSpPr>
-            <p:cNvPr id="7" name="Rectangle 6"/>
-            <p:cNvSpPr/>
-            <p:nvPr/>
-          </p:nvSpPr>
-          <p:spPr>
-            <a:xfrm>
-              <a:off x="1076264" y="5157192"/>
-              <a:ext cx="360040" cy="720080"/>
-            </a:xfrm>
-            <a:prstGeom prst="rect">
-              <a:avLst/>
-            </a:prstGeom>
-            <a:grpFill/>
-          </p:spPr>
-          <p:style>
-            <a:lnRef idx="1">
-              <a:schemeClr val="accent6"/>
-            </a:lnRef>
-            <a:fillRef idx="3">
-              <a:schemeClr val="accent6"/>
-            </a:fillRef>
-            <a:effectRef idx="2">
-              <a:schemeClr val="accent6"/>
-            </a:effectRef>
-            <a:fontRef idx="minor">
-              <a:schemeClr val="lt1"/>
-            </a:fontRef>
-          </p:style>
-          <p:txBody>
-            <a:bodyPr rtlCol="1" anchor="ctr"/>
-            <a:lstStyle/>
-            <a:p>
-              <a:pPr algn="ctr"/>
-              <a:endParaRPr lang="he-IL"/>
-            </a:p>
-          </p:txBody>
-        </p:sp>
-      </p:grpSp>
-      <p:sp>
-        <p:nvSpPr>
-          <p:cNvPr id="19" name="Rounded Rectangular Callout 18"/>
-          <p:cNvSpPr/>
-          <p:nvPr/>
-        </p:nvSpPr>
-        <p:spPr>
-          <a:xfrm>
-            <a:off x="5652120" y="5321446"/>
-            <a:ext cx="1656184" cy="575065"/>
-          </a:xfrm>
-          <a:prstGeom prst="wedgeRoundRectCallout">
-            <a:avLst>
-              <a:gd name="adj1" fmla="val -108087"/>
-              <a:gd name="adj2" fmla="val -130581"/>
-              <a:gd name="adj3" fmla="val 16667"/>
-            </a:avLst>
-          </a:prstGeom>
-        </p:spPr>
-        <p:style>
-          <a:lnRef idx="1">
-            <a:schemeClr val="accent2"/>
-          </a:lnRef>
-          <a:fillRef idx="2">
-            <a:schemeClr val="accent2"/>
-          </a:fillRef>
-          <a:effectRef idx="1">
-            <a:schemeClr val="accent2"/>
-          </a:effectRef>
-          <a:fontRef idx="minor">
-            <a:schemeClr val="dk1"/>
-          </a:fontRef>
-        </p:style>
-        <p:txBody>
-          <a:bodyPr rtlCol="1" anchor="ctr"/>
-          <a:lstStyle/>
-          <a:p>
-            <a:pPr algn="ctr"/>
-            <a:r>
-              <a:rPr lang="en-US" sz="1200" dirty="0">
+              <a:r>
+                <a:rPr lang="en-US" sz="1200" dirty="0">
+                  <a:effectLst>
+                    <a:outerShdw blurRad="38100" dist="38100" dir="2700000" algn="tl">
+                      <a:srgbClr val="000000">
+                        <a:alpha val="43137"/>
+                      </a:srgbClr>
+                    </a:outerShdw>
+                  </a:effectLst>
+                </a:rPr>
+                <a:t>Filtered Subscription</a:t>
+              </a:r>
+              <a:endParaRPr lang="he-IL" sz="1200" dirty="0">
                 <a:effectLst>
                   <a:outerShdw blurRad="38100" dist="38100" dir="2700000" algn="tl">
                     <a:srgbClr val="000000">
@@ -5441,261 +5688,11 @@
                     </a:srgbClr>
                   </a:outerShdw>
                 </a:effectLst>
-              </a:rPr>
-              <a:t>Filtered Subscription</a:t>
-            </a:r>
-            <a:endParaRPr lang="he-IL" sz="1200" dirty="0">
-              <a:effectLst>
-                <a:outerShdw blurRad="38100" dist="38100" dir="2700000" algn="tl">
-                  <a:srgbClr val="000000">
-                    <a:alpha val="43137"/>
-                  </a:srgbClr>
-                </a:outerShdw>
-              </a:effectLst>
-            </a:endParaRPr>
-          </a:p>
-        </p:txBody>
-      </p:sp>
-      <p:sp>
-        <p:nvSpPr>
-          <p:cNvPr id="21" name="Vertical Scroll 20"/>
-          <p:cNvSpPr/>
-          <p:nvPr/>
-        </p:nvSpPr>
-        <p:spPr>
-          <a:xfrm>
-            <a:off x="4316929" y="3609694"/>
-            <a:ext cx="648072" cy="432048"/>
-          </a:xfrm>
-          <a:prstGeom prst="verticalScroll">
-            <a:avLst/>
-          </a:prstGeom>
-        </p:spPr>
-        <p:style>
-          <a:lnRef idx="2">
-            <a:schemeClr val="accent6"/>
-          </a:lnRef>
-          <a:fillRef idx="1">
-            <a:schemeClr val="lt1"/>
-          </a:fillRef>
-          <a:effectRef idx="0">
-            <a:schemeClr val="accent6"/>
-          </a:effectRef>
-          <a:fontRef idx="minor">
-            <a:schemeClr val="dk1"/>
-          </a:fontRef>
-        </p:style>
-        <p:txBody>
-          <a:bodyPr rtlCol="1" anchor="ctr"/>
-          <a:lstStyle/>
-          <a:p>
-            <a:pPr algn="ctr"/>
-            <a:r>
-              <a:rPr lang="en-US" sz="1000" b="1" dirty="0">
-                <a:effectLst>
-                  <a:outerShdw blurRad="38100" dist="38100" dir="2700000" algn="tl">
-                    <a:srgbClr val="000000">
-                      <a:alpha val="43137"/>
-                    </a:srgbClr>
-                  </a:outerShdw>
-                </a:effectLst>
-                <a:latin typeface="Arial Black" pitchFamily="34" charset="0"/>
-              </a:rPr>
-              <a:t>MSG</a:t>
-            </a:r>
-            <a:endParaRPr lang="he-IL" sz="1000" b="1" dirty="0">
-              <a:effectLst>
-                <a:outerShdw blurRad="38100" dist="38100" dir="2700000" algn="tl">
-                  <a:srgbClr val="000000">
-                    <a:alpha val="43137"/>
-                  </a:srgbClr>
-                </a:outerShdw>
-              </a:effectLst>
-              <a:latin typeface="Arial Black" pitchFamily="34" charset="0"/>
-            </a:endParaRPr>
-          </a:p>
-        </p:txBody>
-      </p:sp>
-      <p:sp>
-        <p:nvSpPr>
-          <p:cNvPr id="23" name="Vertical Scroll 22"/>
-          <p:cNvSpPr/>
-          <p:nvPr/>
-        </p:nvSpPr>
-        <p:spPr>
-          <a:xfrm>
-            <a:off x="6390873" y="3613294"/>
-            <a:ext cx="648072" cy="432048"/>
-          </a:xfrm>
-          <a:prstGeom prst="verticalScroll">
-            <a:avLst/>
-          </a:prstGeom>
-        </p:spPr>
-        <p:style>
-          <a:lnRef idx="2">
-            <a:schemeClr val="accent6"/>
-          </a:lnRef>
-          <a:fillRef idx="1">
-            <a:schemeClr val="lt1"/>
-          </a:fillRef>
-          <a:effectRef idx="0">
-            <a:schemeClr val="accent6"/>
-          </a:effectRef>
-          <a:fontRef idx="minor">
-            <a:schemeClr val="dk1"/>
-          </a:fontRef>
-        </p:style>
-        <p:txBody>
-          <a:bodyPr rtlCol="1" anchor="ctr"/>
-          <a:lstStyle/>
-          <a:p>
-            <a:pPr algn="ctr"/>
-            <a:r>
-              <a:rPr lang="en-US" sz="1000" b="1" dirty="0">
-                <a:effectLst>
-                  <a:outerShdw blurRad="38100" dist="38100" dir="2700000" algn="tl">
-                    <a:srgbClr val="000000">
-                      <a:alpha val="43137"/>
-                    </a:srgbClr>
-                  </a:outerShdw>
-                </a:effectLst>
-                <a:latin typeface="Arial Black" pitchFamily="34" charset="0"/>
-              </a:rPr>
-              <a:t>MSG</a:t>
-            </a:r>
-            <a:endParaRPr lang="he-IL" sz="1000" b="1" dirty="0">
-              <a:effectLst>
-                <a:outerShdw blurRad="38100" dist="38100" dir="2700000" algn="tl">
-                  <a:srgbClr val="000000">
-                    <a:alpha val="43137"/>
-                  </a:srgbClr>
-                </a:outerShdw>
-              </a:effectLst>
-              <a:latin typeface="Arial Black" pitchFamily="34" charset="0"/>
-            </a:endParaRPr>
-          </a:p>
-        </p:txBody>
-      </p:sp>
-      <p:sp>
-        <p:nvSpPr>
-          <p:cNvPr id="24" name="Vertical Scroll 23"/>
-          <p:cNvSpPr/>
-          <p:nvPr/>
-        </p:nvSpPr>
-        <p:spPr>
-          <a:xfrm>
-            <a:off x="2249287" y="3609696"/>
-            <a:ext cx="648072" cy="432048"/>
-          </a:xfrm>
-          <a:prstGeom prst="verticalScroll">
-            <a:avLst/>
-          </a:prstGeom>
-        </p:spPr>
-        <p:style>
-          <a:lnRef idx="2">
-            <a:schemeClr val="accent6"/>
-          </a:lnRef>
-          <a:fillRef idx="1">
-            <a:schemeClr val="lt1"/>
-          </a:fillRef>
-          <a:effectRef idx="0">
-            <a:schemeClr val="accent6"/>
-          </a:effectRef>
-          <a:fontRef idx="minor">
-            <a:schemeClr val="dk1"/>
-          </a:fontRef>
-        </p:style>
-        <p:txBody>
-          <a:bodyPr rtlCol="1" anchor="ctr"/>
-          <a:lstStyle/>
-          <a:p>
-            <a:pPr algn="ctr"/>
-            <a:r>
-              <a:rPr lang="en-US" sz="1000" b="1" dirty="0">
-                <a:effectLst>
-                  <a:outerShdw blurRad="38100" dist="38100" dir="2700000" algn="tl">
-                    <a:srgbClr val="000000">
-                      <a:alpha val="43137"/>
-                    </a:srgbClr>
-                  </a:outerShdw>
-                </a:effectLst>
-                <a:latin typeface="Arial Black" pitchFamily="34" charset="0"/>
-              </a:rPr>
-              <a:t>MSG</a:t>
-            </a:r>
-            <a:endParaRPr lang="he-IL" sz="1000" b="1" dirty="0">
-              <a:effectLst>
-                <a:outerShdw blurRad="38100" dist="38100" dir="2700000" algn="tl">
-                  <a:srgbClr val="000000">
-                    <a:alpha val="43137"/>
-                  </a:srgbClr>
-                </a:outerShdw>
-              </a:effectLst>
-              <a:latin typeface="Arial Black" pitchFamily="34" charset="0"/>
-            </a:endParaRPr>
-          </a:p>
-        </p:txBody>
-      </p:sp>
-      <p:sp>
-        <p:nvSpPr>
-          <p:cNvPr id="25" name="Vertical Scroll 24"/>
-          <p:cNvSpPr/>
-          <p:nvPr/>
-        </p:nvSpPr>
-        <p:spPr>
-          <a:xfrm>
-            <a:off x="4324788" y="4365104"/>
-            <a:ext cx="648072" cy="432048"/>
-          </a:xfrm>
-          <a:prstGeom prst="verticalScroll">
-            <a:avLst/>
-          </a:prstGeom>
-        </p:spPr>
-        <p:style>
-          <a:lnRef idx="2">
-            <a:schemeClr val="accent6"/>
-          </a:lnRef>
-          <a:fillRef idx="1">
-            <a:schemeClr val="lt1"/>
-          </a:fillRef>
-          <a:effectRef idx="0">
-            <a:schemeClr val="accent6"/>
-          </a:effectRef>
-          <a:fontRef idx="minor">
-            <a:schemeClr val="dk1"/>
-          </a:fontRef>
-        </p:style>
-        <p:txBody>
-          <a:bodyPr rtlCol="1" anchor="ctr"/>
-          <a:lstStyle/>
-          <a:p>
-            <a:pPr algn="ctr"/>
-            <a:r>
-              <a:rPr lang="en-US" sz="1000" b="1" dirty="0">
-                <a:effectLst>
-                  <a:outerShdw blurRad="38100" dist="38100" dir="2700000" algn="tl">
-                    <a:srgbClr val="000000">
-                      <a:alpha val="43137"/>
-                    </a:srgbClr>
-                  </a:outerShdw>
-                </a:effectLst>
-                <a:latin typeface="Arial Black" pitchFamily="34" charset="0"/>
-              </a:rPr>
-              <a:t>MSG</a:t>
-            </a:r>
-            <a:endParaRPr lang="he-IL" sz="1000" b="1" dirty="0">
-              <a:effectLst>
-                <a:outerShdw blurRad="38100" dist="38100" dir="2700000" algn="tl">
-                  <a:srgbClr val="000000">
-                    <a:alpha val="43137"/>
-                  </a:srgbClr>
-                </a:outerShdw>
-              </a:effectLst>
-              <a:latin typeface="Arial Black" pitchFamily="34" charset="0"/>
-            </a:endParaRPr>
-          </a:p>
-        </p:txBody>
-      </p:sp>
+              </a:endParaRPr>
+            </a:p>
+          </p:txBody>
+        </p:sp>
+      </p:grpSp>
     </p:spTree>
     <p:extLst>
       <p:ext uri="{BB962C8B-B14F-4D97-AF65-F5344CB8AC3E}">
@@ -5718,1151 +5715,6 @@
       </p:transition>
     </mc:Fallback>
   </mc:AlternateContent>
-  <p:timing>
-    <p:tnLst>
-      <p:par>
-        <p:cTn id="1" dur="indefinite" restart="never" nodeType="tmRoot">
-          <p:childTnLst>
-            <p:seq concurrent="1" nextAc="seek">
-              <p:cTn id="2" dur="indefinite" nodeType="mainSeq">
-                <p:childTnLst>
-                  <p:par>
-                    <p:cTn id="3" fill="hold">
-                      <p:stCondLst>
-                        <p:cond delay="indefinite"/>
-                        <p:cond evt="onBegin" delay="0">
-                          <p:tn val="2"/>
-                        </p:cond>
-                      </p:stCondLst>
-                      <p:childTnLst>
-                        <p:par>
-                          <p:cTn id="4" fill="hold">
-                            <p:stCondLst>
-                              <p:cond delay="0"/>
-                            </p:stCondLst>
-                            <p:childTnLst>
-                              <p:par>
-                                <p:cTn id="5" presetID="53" presetClass="entr" presetSubtype="16" fill="hold" grpId="0" nodeType="afterEffect">
-                                  <p:stCondLst>
-                                    <p:cond delay="0"/>
-                                  </p:stCondLst>
-                                  <p:childTnLst>
-                                    <p:set>
-                                      <p:cBhvr>
-                                        <p:cTn id="6" dur="1" fill="hold">
-                                          <p:stCondLst>
-                                            <p:cond delay="0"/>
-                                          </p:stCondLst>
-                                        </p:cTn>
-                                        <p:tgtEl>
-                                          <p:spTgt spid="10"/>
-                                        </p:tgtEl>
-                                        <p:attrNameLst>
-                                          <p:attrName>style.visibility</p:attrName>
-                                        </p:attrNameLst>
-                                      </p:cBhvr>
-                                      <p:to>
-                                        <p:strVal val="visible"/>
-                                      </p:to>
-                                    </p:set>
-                                    <p:anim calcmode="lin" valueType="num">
-                                      <p:cBhvr>
-                                        <p:cTn id="7" dur="500" fill="hold"/>
-                                        <p:tgtEl>
-                                          <p:spTgt spid="10"/>
-                                        </p:tgtEl>
-                                        <p:attrNameLst>
-                                          <p:attrName>ppt_w</p:attrName>
-                                        </p:attrNameLst>
-                                      </p:cBhvr>
-                                      <p:tavLst>
-                                        <p:tav tm="0">
-                                          <p:val>
-                                            <p:fltVal val="0"/>
-                                          </p:val>
-                                        </p:tav>
-                                        <p:tav tm="100000">
-                                          <p:val>
-                                            <p:strVal val="#ppt_w"/>
-                                          </p:val>
-                                        </p:tav>
-                                      </p:tavLst>
-                                    </p:anim>
-                                    <p:anim calcmode="lin" valueType="num">
-                                      <p:cBhvr>
-                                        <p:cTn id="8" dur="500" fill="hold"/>
-                                        <p:tgtEl>
-                                          <p:spTgt spid="10"/>
-                                        </p:tgtEl>
-                                        <p:attrNameLst>
-                                          <p:attrName>ppt_h</p:attrName>
-                                        </p:attrNameLst>
-                                      </p:cBhvr>
-                                      <p:tavLst>
-                                        <p:tav tm="0">
-                                          <p:val>
-                                            <p:fltVal val="0"/>
-                                          </p:val>
-                                        </p:tav>
-                                        <p:tav tm="100000">
-                                          <p:val>
-                                            <p:strVal val="#ppt_h"/>
-                                          </p:val>
-                                        </p:tav>
-                                      </p:tavLst>
-                                    </p:anim>
-                                    <p:animEffect transition="in" filter="fade">
-                                      <p:cBhvr>
-                                        <p:cTn id="9" dur="500"/>
-                                        <p:tgtEl>
-                                          <p:spTgt spid="10"/>
-                                        </p:tgtEl>
-                                      </p:cBhvr>
-                                    </p:animEffect>
-                                  </p:childTnLst>
-                                </p:cTn>
-                              </p:par>
-                            </p:childTnLst>
-                          </p:cTn>
-                        </p:par>
-                      </p:childTnLst>
-                    </p:cTn>
-                  </p:par>
-                  <p:par>
-                    <p:cTn id="10" fill="hold">
-                      <p:stCondLst>
-                        <p:cond delay="indefinite"/>
-                      </p:stCondLst>
-                      <p:childTnLst>
-                        <p:par>
-                          <p:cTn id="11" fill="hold">
-                            <p:stCondLst>
-                              <p:cond delay="0"/>
-                            </p:stCondLst>
-                            <p:childTnLst>
-                              <p:par>
-                                <p:cTn id="12" presetID="22" presetClass="entr" presetSubtype="2" fill="hold" grpId="0" nodeType="clickEffect">
-                                  <p:stCondLst>
-                                    <p:cond delay="0"/>
-                                  </p:stCondLst>
-                                  <p:childTnLst>
-                                    <p:set>
-                                      <p:cBhvr>
-                                        <p:cTn id="13" dur="1" fill="hold">
-                                          <p:stCondLst>
-                                            <p:cond delay="0"/>
-                                          </p:stCondLst>
-                                        </p:cTn>
-                                        <p:tgtEl>
-                                          <p:spTgt spid="14"/>
-                                        </p:tgtEl>
-                                        <p:attrNameLst>
-                                          <p:attrName>style.visibility</p:attrName>
-                                        </p:attrNameLst>
-                                      </p:cBhvr>
-                                      <p:to>
-                                        <p:strVal val="visible"/>
-                                      </p:to>
-                                    </p:set>
-                                    <p:animEffect transition="in" filter="wipe(right)">
-                                      <p:cBhvr>
-                                        <p:cTn id="14" dur="500"/>
-                                        <p:tgtEl>
-                                          <p:spTgt spid="14"/>
-                                        </p:tgtEl>
-                                      </p:cBhvr>
-                                    </p:animEffect>
-                                  </p:childTnLst>
-                                </p:cTn>
-                              </p:par>
-                            </p:childTnLst>
-                          </p:cTn>
-                        </p:par>
-                        <p:par>
-                          <p:cTn id="15" fill="hold">
-                            <p:stCondLst>
-                              <p:cond delay="500"/>
-                            </p:stCondLst>
-                            <p:childTnLst>
-                              <p:par>
-                                <p:cTn id="16" presetID="22" presetClass="entr" presetSubtype="8" fill="hold" nodeType="afterEffect">
-                                  <p:stCondLst>
-                                    <p:cond delay="0"/>
-                                  </p:stCondLst>
-                                  <p:childTnLst>
-                                    <p:set>
-                                      <p:cBhvr>
-                                        <p:cTn id="17" dur="1" fill="hold">
-                                          <p:stCondLst>
-                                            <p:cond delay="0"/>
-                                          </p:stCondLst>
-                                        </p:cTn>
-                                        <p:tgtEl>
-                                          <p:spTgt spid="13"/>
-                                        </p:tgtEl>
-                                        <p:attrNameLst>
-                                          <p:attrName>style.visibility</p:attrName>
-                                        </p:attrNameLst>
-                                      </p:cBhvr>
-                                      <p:to>
-                                        <p:strVal val="visible"/>
-                                      </p:to>
-                                    </p:set>
-                                    <p:animEffect transition="in" filter="wipe(left)">
-                                      <p:cBhvr>
-                                        <p:cTn id="18" dur="500"/>
-                                        <p:tgtEl>
-                                          <p:spTgt spid="13"/>
-                                        </p:tgtEl>
-                                      </p:cBhvr>
-                                    </p:animEffect>
-                                  </p:childTnLst>
-                                </p:cTn>
-                              </p:par>
-                            </p:childTnLst>
-                          </p:cTn>
-                        </p:par>
-                      </p:childTnLst>
-                    </p:cTn>
-                  </p:par>
-                  <p:par>
-                    <p:cTn id="19" fill="hold">
-                      <p:stCondLst>
-                        <p:cond delay="indefinite"/>
-                      </p:stCondLst>
-                      <p:childTnLst>
-                        <p:par>
-                          <p:cTn id="20" fill="hold">
-                            <p:stCondLst>
-                              <p:cond delay="0"/>
-                            </p:stCondLst>
-                            <p:childTnLst>
-                              <p:par>
-                                <p:cTn id="21" presetID="22" presetClass="entr" presetSubtype="8" fill="hold" grpId="0" nodeType="clickEffect">
-                                  <p:stCondLst>
-                                    <p:cond delay="0"/>
-                                  </p:stCondLst>
-                                  <p:childTnLst>
-                                    <p:set>
-                                      <p:cBhvr>
-                                        <p:cTn id="22" dur="1" fill="hold">
-                                          <p:stCondLst>
-                                            <p:cond delay="0"/>
-                                          </p:stCondLst>
-                                        </p:cTn>
-                                        <p:tgtEl>
-                                          <p:spTgt spid="18"/>
-                                        </p:tgtEl>
-                                        <p:attrNameLst>
-                                          <p:attrName>style.visibility</p:attrName>
-                                        </p:attrNameLst>
-                                      </p:cBhvr>
-                                      <p:to>
-                                        <p:strVal val="visible"/>
-                                      </p:to>
-                                    </p:set>
-                                    <p:animEffect transition="in" filter="wipe(left)">
-                                      <p:cBhvr>
-                                        <p:cTn id="23" dur="500"/>
-                                        <p:tgtEl>
-                                          <p:spTgt spid="18"/>
-                                        </p:tgtEl>
-                                      </p:cBhvr>
-                                    </p:animEffect>
-                                  </p:childTnLst>
-                                </p:cTn>
-                              </p:par>
-                            </p:childTnLst>
-                          </p:cTn>
-                        </p:par>
-                        <p:par>
-                          <p:cTn id="24" fill="hold">
-                            <p:stCondLst>
-                              <p:cond delay="500"/>
-                            </p:stCondLst>
-                            <p:childTnLst>
-                              <p:par>
-                                <p:cTn id="25" presetID="22" presetClass="entr" presetSubtype="2" fill="hold" nodeType="afterEffect">
-                                  <p:stCondLst>
-                                    <p:cond delay="0"/>
-                                  </p:stCondLst>
-                                  <p:childTnLst>
-                                    <p:set>
-                                      <p:cBhvr>
-                                        <p:cTn id="26" dur="1" fill="hold">
-                                          <p:stCondLst>
-                                            <p:cond delay="0"/>
-                                          </p:stCondLst>
-                                        </p:cTn>
-                                        <p:tgtEl>
-                                          <p:spTgt spid="17"/>
-                                        </p:tgtEl>
-                                        <p:attrNameLst>
-                                          <p:attrName>style.visibility</p:attrName>
-                                        </p:attrNameLst>
-                                      </p:cBhvr>
-                                      <p:to>
-                                        <p:strVal val="visible"/>
-                                      </p:to>
-                                    </p:set>
-                                    <p:animEffect transition="in" filter="wipe(right)">
-                                      <p:cBhvr>
-                                        <p:cTn id="27" dur="500"/>
-                                        <p:tgtEl>
-                                          <p:spTgt spid="17"/>
-                                        </p:tgtEl>
-                                      </p:cBhvr>
-                                    </p:animEffect>
-                                  </p:childTnLst>
-                                </p:cTn>
-                              </p:par>
-                            </p:childTnLst>
-                          </p:cTn>
-                        </p:par>
-                      </p:childTnLst>
-                    </p:cTn>
-                  </p:par>
-                  <p:par>
-                    <p:cTn id="28" fill="hold">
-                      <p:stCondLst>
-                        <p:cond delay="indefinite"/>
-                      </p:stCondLst>
-                      <p:childTnLst>
-                        <p:par>
-                          <p:cTn id="29" fill="hold">
-                            <p:stCondLst>
-                              <p:cond delay="0"/>
-                            </p:stCondLst>
-                            <p:childTnLst>
-                              <p:par>
-                                <p:cTn id="30" presetID="22" presetClass="entr" presetSubtype="1" fill="hold" grpId="0" nodeType="clickEffect">
-                                  <p:stCondLst>
-                                    <p:cond delay="0"/>
-                                  </p:stCondLst>
-                                  <p:childTnLst>
-                                    <p:set>
-                                      <p:cBhvr>
-                                        <p:cTn id="31" dur="1" fill="hold">
-                                          <p:stCondLst>
-                                            <p:cond delay="0"/>
-                                          </p:stCondLst>
-                                        </p:cTn>
-                                        <p:tgtEl>
-                                          <p:spTgt spid="16"/>
-                                        </p:tgtEl>
-                                        <p:attrNameLst>
-                                          <p:attrName>style.visibility</p:attrName>
-                                        </p:attrNameLst>
-                                      </p:cBhvr>
-                                      <p:to>
-                                        <p:strVal val="visible"/>
-                                      </p:to>
-                                    </p:set>
-                                    <p:animEffect transition="in" filter="wipe(up)">
-                                      <p:cBhvr>
-                                        <p:cTn id="32" dur="500"/>
-                                        <p:tgtEl>
-                                          <p:spTgt spid="16"/>
-                                        </p:tgtEl>
-                                      </p:cBhvr>
-                                    </p:animEffect>
-                                  </p:childTnLst>
-                                </p:cTn>
-                              </p:par>
-                            </p:childTnLst>
-                          </p:cTn>
-                        </p:par>
-                        <p:par>
-                          <p:cTn id="33" fill="hold">
-                            <p:stCondLst>
-                              <p:cond delay="500"/>
-                            </p:stCondLst>
-                            <p:childTnLst>
-                              <p:par>
-                                <p:cTn id="34" presetID="22" presetClass="entr" presetSubtype="1" fill="hold" nodeType="afterEffect">
-                                  <p:stCondLst>
-                                    <p:cond delay="0"/>
-                                  </p:stCondLst>
-                                  <p:childTnLst>
-                                    <p:set>
-                                      <p:cBhvr>
-                                        <p:cTn id="35" dur="1" fill="hold">
-                                          <p:stCondLst>
-                                            <p:cond delay="0"/>
-                                          </p:stCondLst>
-                                        </p:cTn>
-                                        <p:tgtEl>
-                                          <p:spTgt spid="15"/>
-                                        </p:tgtEl>
-                                        <p:attrNameLst>
-                                          <p:attrName>style.visibility</p:attrName>
-                                        </p:attrNameLst>
-                                      </p:cBhvr>
-                                      <p:to>
-                                        <p:strVal val="visible"/>
-                                      </p:to>
-                                    </p:set>
-                                    <p:animEffect transition="in" filter="wipe(up)">
-                                      <p:cBhvr>
-                                        <p:cTn id="36" dur="500"/>
-                                        <p:tgtEl>
-                                          <p:spTgt spid="15"/>
-                                        </p:tgtEl>
-                                      </p:cBhvr>
-                                    </p:animEffect>
-                                  </p:childTnLst>
-                                </p:cTn>
-                              </p:par>
-                            </p:childTnLst>
-                          </p:cTn>
-                        </p:par>
-                      </p:childTnLst>
-                    </p:cTn>
-                  </p:par>
-                  <p:par>
-                    <p:cTn id="37" fill="hold">
-                      <p:stCondLst>
-                        <p:cond delay="indefinite"/>
-                      </p:stCondLst>
-                      <p:childTnLst>
-                        <p:par>
-                          <p:cTn id="38" fill="hold">
-                            <p:stCondLst>
-                              <p:cond delay="0"/>
-                            </p:stCondLst>
-                            <p:childTnLst>
-                              <p:par>
-                                <p:cTn id="39" presetID="10" presetClass="entr" presetSubtype="0" fill="hold" nodeType="clickEffect">
-                                  <p:stCondLst>
-                                    <p:cond delay="0"/>
-                                  </p:stCondLst>
-                                  <p:childTnLst>
-                                    <p:set>
-                                      <p:cBhvr>
-                                        <p:cTn id="40" dur="1" fill="hold">
-                                          <p:stCondLst>
-                                            <p:cond delay="0"/>
-                                          </p:stCondLst>
-                                        </p:cTn>
-                                        <p:tgtEl>
-                                          <p:spTgt spid="8"/>
-                                        </p:tgtEl>
-                                        <p:attrNameLst>
-                                          <p:attrName>style.visibility</p:attrName>
-                                        </p:attrNameLst>
-                                      </p:cBhvr>
-                                      <p:to>
-                                        <p:strVal val="visible"/>
-                                      </p:to>
-                                    </p:set>
-                                    <p:animEffect transition="in" filter="fade">
-                                      <p:cBhvr>
-                                        <p:cTn id="41" dur="250"/>
-                                        <p:tgtEl>
-                                          <p:spTgt spid="8"/>
-                                        </p:tgtEl>
-                                      </p:cBhvr>
-                                    </p:animEffect>
-                                  </p:childTnLst>
-                                </p:cTn>
-                              </p:par>
-                            </p:childTnLst>
-                          </p:cTn>
-                        </p:par>
-                        <p:par>
-                          <p:cTn id="42" fill="hold">
-                            <p:stCondLst>
-                              <p:cond delay="250"/>
-                            </p:stCondLst>
-                            <p:childTnLst>
-                              <p:par>
-                                <p:cTn id="43" presetID="22" presetClass="entr" presetSubtype="8" fill="hold" grpId="0" nodeType="afterEffect">
-                                  <p:stCondLst>
-                                    <p:cond delay="0"/>
-                                  </p:stCondLst>
-                                  <p:childTnLst>
-                                    <p:set>
-                                      <p:cBhvr>
-                                        <p:cTn id="44" dur="1" fill="hold">
-                                          <p:stCondLst>
-                                            <p:cond delay="0"/>
-                                          </p:stCondLst>
-                                        </p:cTn>
-                                        <p:tgtEl>
-                                          <p:spTgt spid="19"/>
-                                        </p:tgtEl>
-                                        <p:attrNameLst>
-                                          <p:attrName>style.visibility</p:attrName>
-                                        </p:attrNameLst>
-                                      </p:cBhvr>
-                                      <p:to>
-                                        <p:strVal val="visible"/>
-                                      </p:to>
-                                    </p:set>
-                                    <p:animEffect transition="in" filter="wipe(left)">
-                                      <p:cBhvr>
-                                        <p:cTn id="45" dur="500"/>
-                                        <p:tgtEl>
-                                          <p:spTgt spid="19"/>
-                                        </p:tgtEl>
-                                      </p:cBhvr>
-                                    </p:animEffect>
-                                  </p:childTnLst>
-                                </p:cTn>
-                              </p:par>
-                            </p:childTnLst>
-                          </p:cTn>
-                        </p:par>
-                      </p:childTnLst>
-                    </p:cTn>
-                  </p:par>
-                  <p:par>
-                    <p:cTn id="46" fill="hold">
-                      <p:stCondLst>
-                        <p:cond delay="indefinite"/>
-                      </p:stCondLst>
-                      <p:childTnLst>
-                        <p:par>
-                          <p:cTn id="47" fill="hold">
-                            <p:stCondLst>
-                              <p:cond delay="0"/>
-                            </p:stCondLst>
-                            <p:childTnLst>
-                              <p:par>
-                                <p:cTn id="48" presetID="22" presetClass="entr" presetSubtype="1" fill="hold" grpId="0" nodeType="clickEffect">
-                                  <p:stCondLst>
-                                    <p:cond delay="0"/>
-                                  </p:stCondLst>
-                                  <p:childTnLst>
-                                    <p:set>
-                                      <p:cBhvr>
-                                        <p:cTn id="49" dur="1" fill="hold">
-                                          <p:stCondLst>
-                                            <p:cond delay="0"/>
-                                          </p:stCondLst>
-                                        </p:cTn>
-                                        <p:tgtEl>
-                                          <p:spTgt spid="12"/>
-                                        </p:tgtEl>
-                                        <p:attrNameLst>
-                                          <p:attrName>style.visibility</p:attrName>
-                                        </p:attrNameLst>
-                                      </p:cBhvr>
-                                      <p:to>
-                                        <p:strVal val="visible"/>
-                                      </p:to>
-                                    </p:set>
-                                    <p:animEffect transition="in" filter="wipe(up)">
-                                      <p:cBhvr>
-                                        <p:cTn id="50" dur="500"/>
-                                        <p:tgtEl>
-                                          <p:spTgt spid="12"/>
-                                        </p:tgtEl>
-                                      </p:cBhvr>
-                                    </p:animEffect>
-                                  </p:childTnLst>
-                                </p:cTn>
-                              </p:par>
-                            </p:childTnLst>
-                          </p:cTn>
-                        </p:par>
-                        <p:par>
-                          <p:cTn id="51" fill="hold">
-                            <p:stCondLst>
-                              <p:cond delay="500"/>
-                            </p:stCondLst>
-                            <p:childTnLst>
-                              <p:par>
-                                <p:cTn id="52" presetID="22" presetClass="entr" presetSubtype="1" fill="hold" nodeType="afterEffect">
-                                  <p:stCondLst>
-                                    <p:cond delay="0"/>
-                                  </p:stCondLst>
-                                  <p:childTnLst>
-                                    <p:set>
-                                      <p:cBhvr>
-                                        <p:cTn id="53" dur="1" fill="hold">
-                                          <p:stCondLst>
-                                            <p:cond delay="0"/>
-                                          </p:stCondLst>
-                                        </p:cTn>
-                                        <p:tgtEl>
-                                          <p:spTgt spid="11"/>
-                                        </p:tgtEl>
-                                        <p:attrNameLst>
-                                          <p:attrName>style.visibility</p:attrName>
-                                        </p:attrNameLst>
-                                      </p:cBhvr>
-                                      <p:to>
-                                        <p:strVal val="visible"/>
-                                      </p:to>
-                                    </p:set>
-                                    <p:animEffect transition="in" filter="wipe(up)">
-                                      <p:cBhvr>
-                                        <p:cTn id="54" dur="500"/>
-                                        <p:tgtEl>
-                                          <p:spTgt spid="11"/>
-                                        </p:tgtEl>
-                                      </p:cBhvr>
-                                    </p:animEffect>
-                                  </p:childTnLst>
-                                </p:cTn>
-                              </p:par>
-                            </p:childTnLst>
-                          </p:cTn>
-                        </p:par>
-                        <p:par>
-                          <p:cTn id="55" fill="hold">
-                            <p:stCondLst>
-                              <p:cond delay="1000"/>
-                            </p:stCondLst>
-                            <p:childTnLst>
-                              <p:par>
-                                <p:cTn id="56" presetID="10" presetClass="exit" presetSubtype="0" fill="hold" grpId="1" nodeType="afterEffect">
-                                  <p:stCondLst>
-                                    <p:cond delay="0"/>
-                                  </p:stCondLst>
-                                  <p:childTnLst>
-                                    <p:animEffect transition="out" filter="fade">
-                                      <p:cBhvr>
-                                        <p:cTn id="57" dur="250"/>
-                                        <p:tgtEl>
-                                          <p:spTgt spid="19"/>
-                                        </p:tgtEl>
-                                      </p:cBhvr>
-                                    </p:animEffect>
-                                    <p:set>
-                                      <p:cBhvr>
-                                        <p:cTn id="58" dur="1" fill="hold">
-                                          <p:stCondLst>
-                                            <p:cond delay="249"/>
-                                          </p:stCondLst>
-                                        </p:cTn>
-                                        <p:tgtEl>
-                                          <p:spTgt spid="19"/>
-                                        </p:tgtEl>
-                                        <p:attrNameLst>
-                                          <p:attrName>style.visibility</p:attrName>
-                                        </p:attrNameLst>
-                                      </p:cBhvr>
-                                      <p:to>
-                                        <p:strVal val="hidden"/>
-                                      </p:to>
-                                    </p:set>
-                                  </p:childTnLst>
-                                </p:cTn>
-                              </p:par>
-                            </p:childTnLst>
-                          </p:cTn>
-                        </p:par>
-                      </p:childTnLst>
-                    </p:cTn>
-                  </p:par>
-                  <p:par>
-                    <p:cTn id="59" fill="hold">
-                      <p:stCondLst>
-                        <p:cond delay="indefinite"/>
-                      </p:stCondLst>
-                      <p:childTnLst>
-                        <p:par>
-                          <p:cTn id="60" fill="hold">
-                            <p:stCondLst>
-                              <p:cond delay="0"/>
-                            </p:stCondLst>
-                            <p:childTnLst>
-                              <p:par>
-                                <p:cTn id="61" presetID="1" presetClass="entr" presetSubtype="0" fill="hold" grpId="1" nodeType="clickEffect">
-                                  <p:stCondLst>
-                                    <p:cond delay="0"/>
-                                  </p:stCondLst>
-                                  <p:childTnLst>
-                                    <p:set>
-                                      <p:cBhvr>
-                                        <p:cTn id="62" dur="1" fill="hold">
-                                          <p:stCondLst>
-                                            <p:cond delay="0"/>
-                                          </p:stCondLst>
-                                        </p:cTn>
-                                        <p:tgtEl>
-                                          <p:spTgt spid="21"/>
-                                        </p:tgtEl>
-                                        <p:attrNameLst>
-                                          <p:attrName>style.visibility</p:attrName>
-                                        </p:attrNameLst>
-                                      </p:cBhvr>
-                                      <p:to>
-                                        <p:strVal val="visible"/>
-                                      </p:to>
-                                    </p:set>
-                                  </p:childTnLst>
-                                </p:cTn>
-                              </p:par>
-                            </p:childTnLst>
-                          </p:cTn>
-                        </p:par>
-                        <p:par>
-                          <p:cTn id="63" fill="hold">
-                            <p:stCondLst>
-                              <p:cond delay="0"/>
-                            </p:stCondLst>
-                            <p:childTnLst>
-                              <p:par>
-                                <p:cTn id="64" presetID="42" presetClass="path" presetSubtype="0" accel="50000" decel="50000" fill="hold" grpId="0" nodeType="afterEffect">
-                                  <p:stCondLst>
-                                    <p:cond delay="0"/>
-                                  </p:stCondLst>
-                                  <p:childTnLst>
-                                    <p:animMotion origin="layout" path="M 4.72222E-6 -0.3044 L 4.72222E-6 -2.96296E-6 " pathEditMode="relative" rAng="0" ptsTypes="AA">
-                                      <p:cBhvr>
-                                        <p:cTn id="65" dur="2000" fill="hold"/>
-                                        <p:tgtEl>
-                                          <p:spTgt spid="21"/>
-                                        </p:tgtEl>
-                                        <p:attrNameLst>
-                                          <p:attrName>ppt_x</p:attrName>
-                                          <p:attrName>ppt_y</p:attrName>
-                                        </p:attrNameLst>
-                                      </p:cBhvr>
-                                      <p:rCtr x="0" y="15208"/>
-                                    </p:animMotion>
-                                  </p:childTnLst>
-                                </p:cTn>
-                              </p:par>
-                            </p:childTnLst>
-                          </p:cTn>
-                        </p:par>
-                      </p:childTnLst>
-                    </p:cTn>
-                  </p:par>
-                  <p:par>
-                    <p:cTn id="66" fill="hold">
-                      <p:stCondLst>
-                        <p:cond delay="indefinite"/>
-                      </p:stCondLst>
-                      <p:childTnLst>
-                        <p:par>
-                          <p:cTn id="67" fill="hold">
-                            <p:stCondLst>
-                              <p:cond delay="0"/>
-                            </p:stCondLst>
-                            <p:childTnLst>
-                              <p:par>
-                                <p:cTn id="68" presetID="1" presetClass="entr" presetSubtype="0" fill="hold" grpId="1" nodeType="clickEffect">
-                                  <p:stCondLst>
-                                    <p:cond delay="0"/>
-                                  </p:stCondLst>
-                                  <p:childTnLst>
-                                    <p:set>
-                                      <p:cBhvr>
-                                        <p:cTn id="69" dur="1" fill="hold">
-                                          <p:stCondLst>
-                                            <p:cond delay="0"/>
-                                          </p:stCondLst>
-                                        </p:cTn>
-                                        <p:tgtEl>
-                                          <p:spTgt spid="23"/>
-                                        </p:tgtEl>
-                                        <p:attrNameLst>
-                                          <p:attrName>style.visibility</p:attrName>
-                                        </p:attrNameLst>
-                                      </p:cBhvr>
-                                      <p:to>
-                                        <p:strVal val="visible"/>
-                                      </p:to>
-                                    </p:set>
-                                  </p:childTnLst>
-                                </p:cTn>
-                              </p:par>
-                            </p:childTnLst>
-                          </p:cTn>
-                        </p:par>
-                        <p:par>
-                          <p:cTn id="70" fill="hold">
-                            <p:stCondLst>
-                              <p:cond delay="0"/>
-                            </p:stCondLst>
-                            <p:childTnLst>
-                              <p:par>
-                                <p:cTn id="71" presetID="42" presetClass="path" presetSubtype="0" accel="50000" decel="50000" fill="hold" grpId="0" nodeType="afterEffect">
-                                  <p:stCondLst>
-                                    <p:cond delay="0"/>
-                                  </p:stCondLst>
-                                  <p:childTnLst>
-                                    <p:animMotion origin="layout" path="M -0.22691 -0.00047 L -0.00034 -0.00047 " pathEditMode="relative" rAng="0" ptsTypes="AA">
-                                      <p:cBhvr>
-                                        <p:cTn id="72" dur="2000" fill="hold"/>
-                                        <p:tgtEl>
-                                          <p:spTgt spid="23"/>
-                                        </p:tgtEl>
-                                        <p:attrNameLst>
-                                          <p:attrName>ppt_x</p:attrName>
-                                          <p:attrName>ppt_y</p:attrName>
-                                        </p:attrNameLst>
-                                      </p:cBhvr>
-                                      <p:rCtr x="11319" y="0"/>
-                                    </p:animMotion>
-                                  </p:childTnLst>
-                                </p:cTn>
-                              </p:par>
-                            </p:childTnLst>
-                          </p:cTn>
-                        </p:par>
-                        <p:par>
-                          <p:cTn id="73" fill="hold">
-                            <p:stCondLst>
-                              <p:cond delay="2000"/>
-                            </p:stCondLst>
-                            <p:childTnLst>
-                              <p:par>
-                                <p:cTn id="74" presetID="1" presetClass="entr" presetSubtype="0" fill="hold" grpId="1" nodeType="afterEffect">
-                                  <p:stCondLst>
-                                    <p:cond delay="0"/>
-                                  </p:stCondLst>
-                                  <p:childTnLst>
-                                    <p:set>
-                                      <p:cBhvr>
-                                        <p:cTn id="75" dur="1" fill="hold">
-                                          <p:stCondLst>
-                                            <p:cond delay="0"/>
-                                          </p:stCondLst>
-                                        </p:cTn>
-                                        <p:tgtEl>
-                                          <p:spTgt spid="24"/>
-                                        </p:tgtEl>
-                                        <p:attrNameLst>
-                                          <p:attrName>style.visibility</p:attrName>
-                                        </p:attrNameLst>
-                                      </p:cBhvr>
-                                      <p:to>
-                                        <p:strVal val="visible"/>
-                                      </p:to>
-                                    </p:set>
-                                  </p:childTnLst>
-                                </p:cTn>
-                              </p:par>
-                            </p:childTnLst>
-                          </p:cTn>
-                        </p:par>
-                        <p:par>
-                          <p:cTn id="76" fill="hold">
-                            <p:stCondLst>
-                              <p:cond delay="2000"/>
-                            </p:stCondLst>
-                            <p:childTnLst>
-                              <p:par>
-                                <p:cTn id="77" presetID="42" presetClass="path" presetSubtype="0" accel="50000" decel="50000" fill="hold" grpId="0" nodeType="afterEffect">
-                                  <p:stCondLst>
-                                    <p:cond delay="0"/>
-                                  </p:stCondLst>
-                                  <p:childTnLst>
-                                    <p:animMotion origin="layout" path="M 0.22604 2.59259E-6 L -0.00069 2.59259E-6 " pathEditMode="relative" rAng="0" ptsTypes="AA">
-                                      <p:cBhvr>
-                                        <p:cTn id="78" dur="2000" fill="hold"/>
-                                        <p:tgtEl>
-                                          <p:spTgt spid="24"/>
-                                        </p:tgtEl>
-                                        <p:attrNameLst>
-                                          <p:attrName>ppt_x</p:attrName>
-                                          <p:attrName>ppt_y</p:attrName>
-                                        </p:attrNameLst>
-                                      </p:cBhvr>
-                                      <p:rCtr x="-11337" y="0"/>
-                                    </p:animMotion>
-                                  </p:childTnLst>
-                                </p:cTn>
-                              </p:par>
-                            </p:childTnLst>
-                          </p:cTn>
-                        </p:par>
-                      </p:childTnLst>
-                    </p:cTn>
-                  </p:par>
-                  <p:par>
-                    <p:cTn id="79" fill="hold">
-                      <p:stCondLst>
-                        <p:cond delay="indefinite"/>
-                      </p:stCondLst>
-                      <p:childTnLst>
-                        <p:par>
-                          <p:cTn id="80" fill="hold">
-                            <p:stCondLst>
-                              <p:cond delay="0"/>
-                            </p:stCondLst>
-                            <p:childTnLst>
-                              <p:par>
-                                <p:cTn id="81" presetID="1" presetClass="entr" presetSubtype="0" fill="hold" grpId="1" nodeType="clickEffect">
-                                  <p:stCondLst>
-                                    <p:cond delay="0"/>
-                                  </p:stCondLst>
-                                  <p:childTnLst>
-                                    <p:set>
-                                      <p:cBhvr>
-                                        <p:cTn id="82" dur="1" fill="hold">
-                                          <p:stCondLst>
-                                            <p:cond delay="0"/>
-                                          </p:stCondLst>
-                                        </p:cTn>
-                                        <p:tgtEl>
-                                          <p:spTgt spid="25"/>
-                                        </p:tgtEl>
-                                        <p:attrNameLst>
-                                          <p:attrName>style.visibility</p:attrName>
-                                        </p:attrNameLst>
-                                      </p:cBhvr>
-                                      <p:to>
-                                        <p:strVal val="visible"/>
-                                      </p:to>
-                                    </p:set>
-                                  </p:childTnLst>
-                                </p:cTn>
-                              </p:par>
-                            </p:childTnLst>
-                          </p:cTn>
-                        </p:par>
-                        <p:par>
-                          <p:cTn id="83" fill="hold">
-                            <p:stCondLst>
-                              <p:cond delay="0"/>
-                            </p:stCondLst>
-                            <p:childTnLst>
-                              <p:par>
-                                <p:cTn id="84" presetID="42" presetClass="path" presetSubtype="0" accel="50000" decel="50000" fill="hold" grpId="0" nodeType="afterEffect">
-                                  <p:stCondLst>
-                                    <p:cond delay="0"/>
-                                  </p:stCondLst>
-                                  <p:childTnLst>
-                                    <p:animMotion origin="layout" path="M -0.00087 -0.11019 L -0.00087 -0.00509 " pathEditMode="relative" rAng="0" ptsTypes="AA">
-                                      <p:cBhvr>
-                                        <p:cTn id="85" dur="2000" fill="hold"/>
-                                        <p:tgtEl>
-                                          <p:spTgt spid="25"/>
-                                        </p:tgtEl>
-                                        <p:attrNameLst>
-                                          <p:attrName>ppt_x</p:attrName>
-                                          <p:attrName>ppt_y</p:attrName>
-                                        </p:attrNameLst>
-                                      </p:cBhvr>
-                                      <p:rCtr x="0" y="5255"/>
-                                    </p:animMotion>
-                                  </p:childTnLst>
-                                </p:cTn>
-                              </p:par>
-                            </p:childTnLst>
-                          </p:cTn>
-                        </p:par>
-                        <p:par>
-                          <p:cTn id="86" fill="hold">
-                            <p:stCondLst>
-                              <p:cond delay="2000"/>
-                            </p:stCondLst>
-                            <p:childTnLst>
-                              <p:par>
-                                <p:cTn id="87" presetID="10" presetClass="exit" presetSubtype="0" fill="hold" grpId="2" nodeType="afterEffect">
-                                  <p:stCondLst>
-                                    <p:cond delay="0"/>
-                                  </p:stCondLst>
-                                  <p:childTnLst>
-                                    <p:animEffect transition="out" filter="fade">
-                                      <p:cBhvr>
-                                        <p:cTn id="88" dur="500"/>
-                                        <p:tgtEl>
-                                          <p:spTgt spid="21"/>
-                                        </p:tgtEl>
-                                      </p:cBhvr>
-                                    </p:animEffect>
-                                    <p:set>
-                                      <p:cBhvr>
-                                        <p:cTn id="89" dur="1" fill="hold">
-                                          <p:stCondLst>
-                                            <p:cond delay="499"/>
-                                          </p:stCondLst>
-                                        </p:cTn>
-                                        <p:tgtEl>
-                                          <p:spTgt spid="21"/>
-                                        </p:tgtEl>
-                                        <p:attrNameLst>
-                                          <p:attrName>style.visibility</p:attrName>
-                                        </p:attrNameLst>
-                                      </p:cBhvr>
-                                      <p:to>
-                                        <p:strVal val="hidden"/>
-                                      </p:to>
-                                    </p:set>
-                                  </p:childTnLst>
-                                </p:cTn>
-                              </p:par>
-                            </p:childTnLst>
-                          </p:cTn>
-                        </p:par>
-                      </p:childTnLst>
-                    </p:cTn>
-                  </p:par>
-                  <p:par>
-                    <p:cTn id="90" fill="hold">
-                      <p:stCondLst>
-                        <p:cond delay="indefinite"/>
-                      </p:stCondLst>
-                      <p:childTnLst>
-                        <p:par>
-                          <p:cTn id="91" fill="hold">
-                            <p:stCondLst>
-                              <p:cond delay="0"/>
-                            </p:stCondLst>
-                            <p:childTnLst>
-                              <p:par>
-                                <p:cTn id="92" presetID="6" presetClass="emph" presetSubtype="0" accel="20000" decel="20000" fill="hold" nodeType="clickEffect">
-                                  <p:stCondLst>
-                                    <p:cond delay="0"/>
-                                  </p:stCondLst>
-                                  <p:childTnLst>
-                                    <p:animScale>
-                                      <p:cBhvr>
-                                        <p:cTn id="93" dur="500" fill="hold"/>
-                                        <p:tgtEl>
-                                          <p:spTgt spid="8"/>
-                                        </p:tgtEl>
-                                      </p:cBhvr>
-                                      <p:by x="150000" y="150000"/>
-                                    </p:animScale>
-                                  </p:childTnLst>
-                                </p:cTn>
-                              </p:par>
-                            </p:childTnLst>
-                          </p:cTn>
-                        </p:par>
-                        <p:par>
-                          <p:cTn id="94" fill="hold">
-                            <p:stCondLst>
-                              <p:cond delay="500"/>
-                            </p:stCondLst>
-                            <p:childTnLst>
-                              <p:par>
-                                <p:cTn id="95" presetID="42" presetClass="exit" presetSubtype="0" fill="hold" grpId="2" nodeType="afterEffect">
-                                  <p:stCondLst>
-                                    <p:cond delay="0"/>
-                                  </p:stCondLst>
-                                  <p:childTnLst>
-                                    <p:animEffect transition="out" filter="fade">
-                                      <p:cBhvr>
-                                        <p:cTn id="96" dur="500"/>
-                                        <p:tgtEl>
-                                          <p:spTgt spid="25"/>
-                                        </p:tgtEl>
-                                      </p:cBhvr>
-                                    </p:animEffect>
-                                    <p:anim calcmode="lin" valueType="num">
-                                      <p:cBhvr>
-                                        <p:cTn id="97" dur="500"/>
-                                        <p:tgtEl>
-                                          <p:spTgt spid="25"/>
-                                        </p:tgtEl>
-                                        <p:attrNameLst>
-                                          <p:attrName>ppt_x</p:attrName>
-                                        </p:attrNameLst>
-                                      </p:cBhvr>
-                                      <p:tavLst>
-                                        <p:tav tm="0">
-                                          <p:val>
-                                            <p:strVal val="ppt_x"/>
-                                          </p:val>
-                                        </p:tav>
-                                        <p:tav tm="100000">
-                                          <p:val>
-                                            <p:strVal val="ppt_x"/>
-                                          </p:val>
-                                        </p:tav>
-                                      </p:tavLst>
-                                    </p:anim>
-                                    <p:anim calcmode="lin" valueType="num">
-                                      <p:cBhvr>
-                                        <p:cTn id="98" dur="500"/>
-                                        <p:tgtEl>
-                                          <p:spTgt spid="25"/>
-                                        </p:tgtEl>
-                                        <p:attrNameLst>
-                                          <p:attrName>ppt_y</p:attrName>
-                                        </p:attrNameLst>
-                                      </p:cBhvr>
-                                      <p:tavLst>
-                                        <p:tav tm="0">
-                                          <p:val>
-                                            <p:strVal val="ppt_y"/>
-                                          </p:val>
-                                        </p:tav>
-                                        <p:tav tm="100000">
-                                          <p:val>
-                                            <p:strVal val="ppt_y+.1"/>
-                                          </p:val>
-                                        </p:tav>
-                                      </p:tavLst>
-                                    </p:anim>
-                                    <p:set>
-                                      <p:cBhvr>
-                                        <p:cTn id="99" dur="1" fill="hold">
-                                          <p:stCondLst>
-                                            <p:cond delay="499"/>
-                                          </p:stCondLst>
-                                        </p:cTn>
-                                        <p:tgtEl>
-                                          <p:spTgt spid="25"/>
-                                        </p:tgtEl>
-                                        <p:attrNameLst>
-                                          <p:attrName>style.visibility</p:attrName>
-                                        </p:attrNameLst>
-                                      </p:cBhvr>
-                                      <p:to>
-                                        <p:strVal val="hidden"/>
-                                      </p:to>
-                                    </p:set>
-                                  </p:childTnLst>
-                                </p:cTn>
-                              </p:par>
-                            </p:childTnLst>
-                          </p:cTn>
-                        </p:par>
-                      </p:childTnLst>
-                    </p:cTn>
-                  </p:par>
-                </p:childTnLst>
-              </p:cTn>
-              <p:prevCondLst>
-                <p:cond evt="onPrev" delay="0">
-                  <p:tgtEl>
-                    <p:sldTgt/>
-                  </p:tgtEl>
-                </p:cond>
-              </p:prevCondLst>
-              <p:nextCondLst>
-                <p:cond evt="onNext" delay="0">
-                  <p:tgtEl>
-                    <p:sldTgt/>
-                  </p:tgtEl>
-                </p:cond>
-              </p:nextCondLst>
-            </p:seq>
-          </p:childTnLst>
-        </p:cTn>
-      </p:par>
-    </p:tnLst>
-    <p:bldLst>
-      <p:bldP spid="10" grpId="0" animBg="1"/>
-      <p:bldP spid="12" grpId="0" animBg="1"/>
-      <p:bldP spid="14" grpId="0" animBg="1"/>
-      <p:bldP spid="16" grpId="0" animBg="1"/>
-      <p:bldP spid="18" grpId="0" animBg="1"/>
-      <p:bldP spid="19" grpId="0" animBg="1"/>
-      <p:bldP spid="19" grpId="1" animBg="1"/>
-      <p:bldP spid="21" grpId="0" animBg="1"/>
-      <p:bldP spid="21" grpId="1" animBg="1"/>
-      <p:bldP spid="21" grpId="2" animBg="1"/>
-      <p:bldP spid="23" grpId="0" animBg="1"/>
-      <p:bldP spid="23" grpId="1" animBg="1"/>
-      <p:bldP spid="24" grpId="0" animBg="1"/>
-      <p:bldP spid="24" grpId="1" animBg="1"/>
-      <p:bldP spid="25" grpId="0" animBg="1"/>
-      <p:bldP spid="25" grpId="1" animBg="1"/>
-      <p:bldP spid="25" grpId="2" animBg="1"/>
-    </p:bldLst>
-  </p:timing>
 </p:sld>
 </file>
 
@@ -7545,7 +6397,7 @@
             </a:r>
             <a:r>
               <a:rPr lang="en-US" sz="2400" dirty="0"/>
-              <a:t>use Messenger if you have quick access to shared code parts to invoke events/commands;</a:t>
+              <a:t>use Messenger if you have quick access to shared code parts to invoke events/methods in same module/class;</a:t>
             </a:r>
           </a:p>
           <a:p>
@@ -7598,59 +6450,6 @@
               <a:rPr lang="en-US" sz="2400" dirty="0"/>
               <a:t> using Filtered subscriptions;</a:t>
             </a:r>
-          </a:p>
-          <a:p>
-            <a:pPr algn="l" rtl="0">
-              <a:spcAft>
-                <a:spcPts val="1200"/>
-              </a:spcAft>
-              <a:buFont typeface="Wingdings" pitchFamily="2" charset="2"/>
-              <a:buChar char="ü"/>
-            </a:pPr>
-            <a:r>
-              <a:rPr lang="en-US" sz="2400" b="1" dirty="0"/>
-              <a:t>USE</a:t>
-            </a:r>
-            <a:r>
-              <a:rPr lang="en-US" sz="2400" dirty="0"/>
-              <a:t> “</a:t>
-            </a:r>
-            <a:r>
-              <a:rPr lang="en-US" sz="2400" dirty="0" err="1"/>
-              <a:t>ThreadOption</a:t>
-            </a:r>
-            <a:r>
-              <a:rPr lang="en-US" sz="2400" dirty="0"/>
-              <a:t>” enum to define sync/</a:t>
-            </a:r>
-            <a:r>
-              <a:rPr lang="en-US" sz="2400" dirty="0" err="1"/>
-              <a:t>async</a:t>
-            </a:r>
-            <a:r>
-              <a:rPr lang="en-US" sz="2400" dirty="0"/>
-              <a:t> invocations’ behavior;</a:t>
-            </a:r>
-          </a:p>
-          <a:p>
-            <a:pPr algn="l" rtl="0">
-              <a:spcAft>
-                <a:spcPts val="1200"/>
-              </a:spcAft>
-              <a:buFont typeface="Wingdings" pitchFamily="2" charset="2"/>
-              <a:buChar char="ü"/>
-            </a:pPr>
-            <a:endParaRPr lang="en-US" sz="2400" dirty="0"/>
-          </a:p>
-          <a:p>
-            <a:pPr algn="l" rtl="0">
-              <a:spcAft>
-                <a:spcPts val="1200"/>
-              </a:spcAft>
-              <a:buFont typeface="Wingdings" pitchFamily="2" charset="2"/>
-              <a:buChar char="ü"/>
-            </a:pPr>
-            <a:endParaRPr lang="he-IL" sz="2400" dirty="0"/>
           </a:p>
         </p:txBody>
       </p:sp>
@@ -7984,27 +6783,228 @@
                       </p:childTnLst>
                     </p:cTn>
                   </p:par>
+                </p:childTnLst>
+              </p:cTn>
+              <p:prevCondLst>
+                <p:cond evt="onPrev" delay="0">
+                  <p:tgtEl>
+                    <p:sldTgt/>
+                  </p:tgtEl>
+                </p:cond>
+              </p:prevCondLst>
+              <p:nextCondLst>
+                <p:cond evt="onNext" delay="0">
+                  <p:tgtEl>
+                    <p:sldTgt/>
+                  </p:tgtEl>
+                </p:cond>
+              </p:nextCondLst>
+            </p:seq>
+          </p:childTnLst>
+        </p:cTn>
+      </p:par>
+    </p:tnLst>
+    <p:bldLst>
+      <p:bldP spid="4" grpId="0"/>
+      <p:bldP spid="5" grpId="0" build="p"/>
+    </p:bldLst>
+  </p:timing>
+</p:sld>
+</file>
+
+<file path=ppt/slides/slide6.xml><?xml version="1.0" encoding="utf-8"?>
+<p:sld xmlns:a="http://schemas.openxmlformats.org/drawingml/2006/main" xmlns:r="http://schemas.openxmlformats.org/officeDocument/2006/relationships" xmlns:p="http://schemas.openxmlformats.org/presentationml/2006/main" showMasterSp="0">
+  <p:cSld>
+    <p:spTree>
+      <p:nvGrpSpPr>
+        <p:cNvPr id="1" name=""/>
+        <p:cNvGrpSpPr/>
+        <p:nvPr/>
+      </p:nvGrpSpPr>
+      <p:grpSpPr>
+        <a:xfrm>
+          <a:off x="0" y="0"/>
+          <a:ext cx="0" cy="0"/>
+          <a:chOff x="0" y="0"/>
+          <a:chExt cx="0" cy="0"/>
+        </a:xfrm>
+      </p:grpSpPr>
+      <p:sp>
+        <p:nvSpPr>
+          <p:cNvPr id="4" name="Title 3"/>
+          <p:cNvSpPr>
+            <a:spLocks noGrp="1"/>
+          </p:cNvSpPr>
+          <p:nvPr>
+            <p:ph type="title"/>
+          </p:nvPr>
+        </p:nvSpPr>
+        <p:spPr>
+          <a:xfrm>
+            <a:off x="914400" y="332656"/>
+            <a:ext cx="7315200" cy="660149"/>
+          </a:xfrm>
+        </p:spPr>
+        <p:txBody>
+          <a:bodyPr anchor="t">
+            <a:normAutofit fontScale="90000"/>
+          </a:bodyPr>
+          <a:lstStyle/>
+          <a:p>
+            <a:pPr rtl="0"/>
+            <a:r>
+              <a:rPr lang="en-US" dirty="0"/>
+              <a:t>Messenger API:</a:t>
+            </a:r>
+            <a:endParaRPr lang="he-IL" dirty="0"/>
+          </a:p>
+        </p:txBody>
+      </p:sp>
+      <p:sp>
+        <p:nvSpPr>
+          <p:cNvPr id="5" name="Content Placeholder 4"/>
+          <p:cNvSpPr>
+            <a:spLocks noGrp="1"/>
+          </p:cNvSpPr>
+          <p:nvPr>
+            <p:ph idx="1"/>
+          </p:nvPr>
+        </p:nvSpPr>
+        <p:spPr>
+          <a:xfrm>
+            <a:off x="914400" y="1340767"/>
+            <a:ext cx="7315200" cy="4968593"/>
+          </a:xfrm>
+        </p:spPr>
+        <p:txBody>
+          <a:bodyPr tIns="72000" bIns="72000">
+            <a:noAutofit/>
+          </a:bodyPr>
+          <a:lstStyle/>
+          <a:p>
+            <a:pPr algn="l" rtl="0">
+              <a:spcAft>
+                <a:spcPts val="1200"/>
+              </a:spcAft>
+              <a:buFont typeface="Wingdings" pitchFamily="2" charset="2"/>
+              <a:buChar char="ü"/>
+            </a:pPr>
+            <a:endParaRPr lang="en-US" sz="2400" dirty="0"/>
+          </a:p>
+        </p:txBody>
+      </p:sp>
+    </p:spTree>
+    <p:extLst>
+      <p:ext uri="{BB962C8B-B14F-4D97-AF65-F5344CB8AC3E}">
+        <p14:creationId xmlns:p14="http://schemas.microsoft.com/office/powerpoint/2010/main" val="4192422307"/>
+      </p:ext>
+    </p:extLst>
+  </p:cSld>
+  <p:clrMapOvr>
+    <a:masterClrMapping/>
+  </p:clrMapOvr>
+  <mc:AlternateContent xmlns:mc="http://schemas.openxmlformats.org/markup-compatibility/2006" xmlns:p14="http://schemas.microsoft.com/office/powerpoint/2010/main">
+    <mc:Choice Requires="p14">
+      <p:transition p14:dur="250">
+        <p:fade/>
+      </p:transition>
+    </mc:Choice>
+    <mc:Fallback xmlns="">
+      <p:transition>
+        <p:fade/>
+      </p:transition>
+    </mc:Fallback>
+  </mc:AlternateContent>
+  <p:timing>
+    <p:tnLst>
+      <p:par>
+        <p:cTn id="1" dur="indefinite" restart="never" nodeType="tmRoot">
+          <p:childTnLst>
+            <p:seq concurrent="1" nextAc="seek">
+              <p:cTn id="2" dur="indefinite" nodeType="mainSeq">
+                <p:childTnLst>
                   <p:par>
-                    <p:cTn id="28" fill="hold">
+                    <p:cTn id="3" fill="hold">
                       <p:stCondLst>
                         <p:cond delay="indefinite"/>
+                        <p:cond evt="onBegin" delay="0">
+                          <p:tn val="2"/>
+                        </p:cond>
                       </p:stCondLst>
                       <p:childTnLst>
                         <p:par>
-                          <p:cTn id="29" fill="hold">
+                          <p:cTn id="4" fill="hold">
                             <p:stCondLst>
                               <p:cond delay="0"/>
                             </p:stCondLst>
                             <p:childTnLst>
                               <p:par>
-                                <p:cTn id="30" presetID="22" presetClass="entr" presetSubtype="8" fill="hold" grpId="0" nodeType="clickEffect">
+                                <p:cTn id="5" presetID="22" presetClass="entr" presetSubtype="1" fill="hold" grpId="0" nodeType="afterEffect">
                                   <p:stCondLst>
                                     <p:cond delay="0"/>
                                   </p:stCondLst>
                                   <p:childTnLst>
                                     <p:set>
                                       <p:cBhvr>
-                                        <p:cTn id="31" dur="1" fill="hold">
+                                        <p:cTn id="6" dur="1" fill="hold">
+                                          <p:stCondLst>
+                                            <p:cond delay="0"/>
+                                          </p:stCondLst>
+                                        </p:cTn>
+                                        <p:tgtEl>
+                                          <p:spTgt spid="4"/>
+                                        </p:tgtEl>
+                                        <p:attrNameLst>
+                                          <p:attrName>style.visibility</p:attrName>
+                                        </p:attrNameLst>
+                                      </p:cBhvr>
+                                      <p:to>
+                                        <p:strVal val="visible"/>
+                                      </p:to>
+                                    </p:set>
+                                    <p:animEffect transition="in" filter="wipe(up)">
+                                      <p:cBhvr>
+                                        <p:cTn id="7" dur="500"/>
+                                        <p:tgtEl>
+                                          <p:spTgt spid="4"/>
+                                        </p:tgtEl>
+                                      </p:cBhvr>
+                                    </p:animEffect>
+                                  </p:childTnLst>
+                                </p:cTn>
+                              </p:par>
+                            </p:childTnLst>
+                          </p:cTn>
+                        </p:par>
+                      </p:childTnLst>
+                    </p:cTn>
+                  </p:par>
+                  <p:par>
+                    <p:cTn id="8" fill="hold">
+                      <p:stCondLst>
+                        <p:cond delay="indefinite"/>
+                      </p:stCondLst>
+                      <p:childTnLst>
+                        <p:par>
+                          <p:cTn id="9" fill="hold">
+                            <p:stCondLst>
+                              <p:cond delay="0"/>
+                            </p:stCondLst>
+                            <p:childTnLst>
+                              <p:par>
+                                <p:cTn id="10" presetID="22" presetClass="entr" presetSubtype="8" fill="hold" grpId="0" nodeType="clickEffect" nodePh="1">
+                                  <p:stCondLst>
+                                    <p:cond delay="0"/>
+                                  </p:stCondLst>
+                                  <p:endCondLst>
+                                    <p:cond evt="begin" delay="0">
+                                      <p:tn val="10"/>
+                                    </p:cond>
+                                  </p:endCondLst>
+                                  <p:childTnLst>
+                                    <p:set>
+                                      <p:cBhvr>
+                                        <p:cTn id="11" dur="1" fill="hold">
                                           <p:stCondLst>
                                             <p:cond delay="0"/>
                                           </p:stCondLst>
@@ -8012,7 +7012,7 @@
                                         <p:tgtEl>
                                           <p:spTgt spid="5">
                                             <p:txEl>
-                                              <p:pRg st="4" end="4"/>
+                                              <p:pRg st="0" end="0"/>
                                             </p:txEl>
                                           </p:spTgt>
                                         </p:tgtEl>
@@ -8026,11 +7026,11 @@
                                     </p:set>
                                     <p:animEffect transition="in" filter="wipe(left)">
                                       <p:cBhvr>
-                                        <p:cTn id="32" dur="250"/>
+                                        <p:cTn id="12" dur="250"/>
                                         <p:tgtEl>
                                           <p:spTgt spid="5">
                                             <p:txEl>
-                                              <p:pRg st="4" end="4"/>
+                                              <p:pRg st="0" end="0"/>
                                             </p:txEl>
                                           </p:spTgt>
                                         </p:tgtEl>

--- a/docs/PubSub Messenger.pptx
+++ b/docs/PubSub Messenger.pptx
@@ -9,8 +9,11 @@
     <p:sldId id="260" r:id="rId3"/>
     <p:sldId id="257" r:id="rId4"/>
     <p:sldId id="258" r:id="rId5"/>
-    <p:sldId id="259" r:id="rId6"/>
-    <p:sldId id="262" r:id="rId7"/>
+    <p:sldId id="262" r:id="rId6"/>
+    <p:sldId id="264" r:id="rId7"/>
+    <p:sldId id="263" r:id="rId8"/>
+    <p:sldId id="265" r:id="rId9"/>
+    <p:sldId id="259" r:id="rId10"/>
   </p:sldIdLst>
   <p:sldSz cx="9144000" cy="6858000" type="screen4x3"/>
   <p:notesSz cx="6858000" cy="9144000"/>
@@ -314,7 +317,7 @@
           <a:p>
             <a:fld id="{F86244D8-AB35-4C32-B857-A19335E4DDAB}" type="datetimeFigureOut">
               <a:rPr lang="he-IL" smtClean="0"/>
-              <a:t>ה'.טבת.תש"פ</a:t>
+              <a:t>ו'.טבת.תש"פ</a:t>
             </a:fld>
             <a:endParaRPr lang="he-IL"/>
           </a:p>
@@ -477,7 +480,7 @@
           <a:p>
             <a:fld id="{F86244D8-AB35-4C32-B857-A19335E4DDAB}" type="datetimeFigureOut">
               <a:rPr lang="he-IL" smtClean="0"/>
-              <a:t>ה'.טבת.תש"פ</a:t>
+              <a:t>ו'.טבת.תש"פ</a:t>
             </a:fld>
             <a:endParaRPr lang="he-IL"/>
           </a:p>
@@ -650,7 +653,7 @@
           <a:p>
             <a:fld id="{F86244D8-AB35-4C32-B857-A19335E4DDAB}" type="datetimeFigureOut">
               <a:rPr lang="he-IL" smtClean="0"/>
-              <a:t>ה'.טבת.תש"פ</a:t>
+              <a:t>ו'.טבת.תש"פ</a:t>
             </a:fld>
             <a:endParaRPr lang="he-IL"/>
           </a:p>
@@ -814,7 +817,7 @@
           <a:p>
             <a:fld id="{F86244D8-AB35-4C32-B857-A19335E4DDAB}" type="datetimeFigureOut">
               <a:rPr lang="he-IL" smtClean="0"/>
-              <a:t>ה'.טבת.תש"פ</a:t>
+              <a:t>ו'.טבת.תש"פ</a:t>
             </a:fld>
             <a:endParaRPr lang="he-IL"/>
           </a:p>
@@ -1052,7 +1055,7 @@
           <a:p>
             <a:fld id="{F86244D8-AB35-4C32-B857-A19335E4DDAB}" type="datetimeFigureOut">
               <a:rPr lang="he-IL" smtClean="0"/>
-              <a:t>ה'.טבת.תש"פ</a:t>
+              <a:t>ו'.טבת.תש"פ</a:t>
             </a:fld>
             <a:endParaRPr lang="he-IL"/>
           </a:p>
@@ -1142,7 +1145,7 @@
           <a:p>
             <a:fld id="{F86244D8-AB35-4C32-B857-A19335E4DDAB}" type="datetimeFigureOut">
               <a:rPr lang="he-IL" smtClean="0"/>
-              <a:t>ה'.טבת.תש"פ</a:t>
+              <a:t>ו'.טבת.תש"פ</a:t>
             </a:fld>
             <a:endParaRPr lang="he-IL"/>
           </a:p>
@@ -1513,7 +1516,7 @@
           <a:p>
             <a:fld id="{F86244D8-AB35-4C32-B857-A19335E4DDAB}" type="datetimeFigureOut">
               <a:rPr lang="he-IL" smtClean="0"/>
-              <a:t>ה'.טבת.תש"פ</a:t>
+              <a:t>ו'.טבת.תש"פ</a:t>
             </a:fld>
             <a:endParaRPr lang="he-IL"/>
           </a:p>
@@ -1767,7 +1770,7 @@
           <a:p>
             <a:fld id="{F86244D8-AB35-4C32-B857-A19335E4DDAB}" type="datetimeFigureOut">
               <a:rPr lang="he-IL" smtClean="0"/>
-              <a:t>ה'.טבת.תש"פ</a:t>
+              <a:t>ו'.טבת.תש"פ</a:t>
             </a:fld>
             <a:endParaRPr lang="he-IL"/>
           </a:p>
@@ -1857,7 +1860,7 @@
           <a:p>
             <a:fld id="{F86244D8-AB35-4C32-B857-A19335E4DDAB}" type="datetimeFigureOut">
               <a:rPr lang="he-IL" smtClean="0"/>
-              <a:t>ה'.טבת.תש"פ</a:t>
+              <a:t>ו'.טבת.תש"פ</a:t>
             </a:fld>
             <a:endParaRPr lang="he-IL"/>
           </a:p>
@@ -2131,7 +2134,7 @@
           <a:p>
             <a:fld id="{F86244D8-AB35-4C32-B857-A19335E4DDAB}" type="datetimeFigureOut">
               <a:rPr lang="he-IL" smtClean="0"/>
-              <a:t>ה'.טבת.תש"פ</a:t>
+              <a:t>ו'.טבת.תש"פ</a:t>
             </a:fld>
             <a:endParaRPr lang="he-IL"/>
           </a:p>
@@ -2403,7 +2406,7 @@
           <a:p>
             <a:fld id="{F86244D8-AB35-4C32-B857-A19335E4DDAB}" type="datetimeFigureOut">
               <a:rPr lang="he-IL" smtClean="0"/>
-              <a:t>ה'.טבת.תש"פ</a:t>
+              <a:t>ו'.טבת.תש"פ</a:t>
             </a:fld>
             <a:endParaRPr lang="he-IL"/>
           </a:p>
@@ -2731,7 +2734,7 @@
           <a:p>
             <a:fld id="{F86244D8-AB35-4C32-B857-A19335E4DDAB}" type="datetimeFigureOut">
               <a:rPr lang="he-IL" smtClean="0"/>
-              <a:t>ה'.טבת.תש"פ</a:t>
+              <a:t>ו'.טבת.תש"פ</a:t>
             </a:fld>
             <a:endParaRPr lang="he-IL"/>
           </a:p>
@@ -3279,6 +3282,9 @@
             <a:pPr marL="0" defTabSz="914400" rtl="0" eaLnBrk="1" latinLnBrk="0" hangingPunct="1"/>
             <a:r>
               <a:rPr lang="en-US" dirty="0" err="1">
+                <a:solidFill>
+                  <a:srgbClr val="0070C0"/>
+                </a:solidFill>
                 <a:effectLst>
                   <a:outerShdw blurRad="50800" dist="38100" dir="2700000" algn="tl" rotWithShape="0">
                     <a:prstClr val="black">
@@ -3290,6 +3296,9 @@
               <a:t>SuperMaxim.com</a:t>
             </a:r>
             <a:endParaRPr lang="en-US" dirty="0">
+              <a:solidFill>
+                <a:srgbClr val="0070C0"/>
+              </a:solidFill>
               <a:effectLst>
                 <a:outerShdw blurRad="50800" dist="38100" dir="2700000" algn="tl" rotWithShape="0">
                   <a:prstClr val="black">
@@ -3304,7 +3313,7 @@
       <p:sp>
         <p:nvSpPr>
           <p:cNvPr id="6" name="TextBox 5">
-            <a:hlinkClick r:id="rId4" tooltip="Framework Sources - Github"/>
+            <a:hlinkClick r:id="rId4"/>
             <a:extLst>
               <a:ext uri="{FF2B5EF4-FFF2-40B4-BE49-F238E27FC236}">
                 <a16:creationId xmlns:a16="http://schemas.microsoft.com/office/drawing/2014/main" id="{F8F02031-F8B1-2140-95E3-9509540AB691}"/>
@@ -3333,6 +3342,9 @@
             <a:pPr algn="l" rtl="0"/>
             <a:r>
               <a:rPr lang="en-US" dirty="0">
+                <a:solidFill>
+                  <a:srgbClr val="0070C0"/>
+                </a:solidFill>
                 <a:effectLst>
                   <a:outerShdw blurRad="50800" dist="38100" dir="2700000" algn="tl" rotWithShape="0">
                     <a:prstClr val="black">
@@ -3345,6 +3357,9 @@
             </a:r>
             <a:r>
               <a:rPr lang="en-US" dirty="0" err="1">
+                <a:solidFill>
+                  <a:srgbClr val="0070C0"/>
+                </a:solidFill>
                 <a:effectLst>
                   <a:outerShdw blurRad="50800" dist="38100" dir="2700000" algn="tl" rotWithShape="0">
                     <a:prstClr val="black">
@@ -3357,6 +3372,9 @@
             </a:r>
             <a:r>
               <a:rPr lang="en-US" dirty="0">
+                <a:solidFill>
+                  <a:srgbClr val="0070C0"/>
+                </a:solidFill>
                 <a:effectLst>
                   <a:outerShdw blurRad="50800" dist="38100" dir="2700000" algn="tl" rotWithShape="0">
                     <a:prstClr val="black">
@@ -3369,6 +3387,9 @@
             </a:r>
             <a:r>
               <a:rPr lang="en-US" dirty="0" err="1">
+                <a:solidFill>
+                  <a:srgbClr val="0070C0"/>
+                </a:solidFill>
                 <a:effectLst>
                   <a:outerShdw blurRad="50800" dist="38100" dir="2700000" algn="tl" rotWithShape="0">
                     <a:prstClr val="black">
@@ -3380,6 +3401,9 @@
               <a:t>pubsub</a:t>
             </a:r>
             <a:endParaRPr lang="en-US" dirty="0">
+              <a:solidFill>
+                <a:srgbClr val="0070C0"/>
+              </a:solidFill>
               <a:effectLst>
                 <a:outerShdw blurRad="50800" dist="38100" dir="2700000" algn="tl" rotWithShape="0">
                   <a:prstClr val="black">
@@ -3401,9 +3425,6 @@
   <p:clrMapOvr>
     <a:masterClrMapping/>
   </p:clrMapOvr>
-  <p:transition spd="med">
-    <p:cover dir="r"/>
-  </p:transition>
 </p:sld>
 </file>
 
@@ -4020,320 +4041,6 @@
   <p:clrMapOvr>
     <a:masterClrMapping/>
   </p:clrMapOvr>
-  <p:transition spd="slow">
-    <p:wipe dir="r"/>
-  </p:transition>
-  <p:timing>
-    <p:tnLst>
-      <p:par>
-        <p:cTn id="1" dur="indefinite" restart="never" nodeType="tmRoot">
-          <p:childTnLst>
-            <p:seq concurrent="1" nextAc="seek">
-              <p:cTn id="2" dur="indefinite" nodeType="mainSeq">
-                <p:childTnLst>
-                  <p:par>
-                    <p:cTn id="3" fill="hold">
-                      <p:stCondLst>
-                        <p:cond delay="indefinite"/>
-                        <p:cond evt="onBegin" delay="0">
-                          <p:tn val="2"/>
-                        </p:cond>
-                      </p:stCondLst>
-                      <p:childTnLst>
-                        <p:par>
-                          <p:cTn id="4" fill="hold">
-                            <p:stCondLst>
-                              <p:cond delay="0"/>
-                            </p:stCondLst>
-                            <p:childTnLst>
-                              <p:par>
-                                <p:cTn id="5" presetID="22" presetClass="entr" presetSubtype="1" fill="hold" grpId="0" nodeType="afterEffect">
-                                  <p:stCondLst>
-                                    <p:cond delay="0"/>
-                                  </p:stCondLst>
-                                  <p:childTnLst>
-                                    <p:set>
-                                      <p:cBhvr>
-                                        <p:cTn id="6" dur="1" fill="hold">
-                                          <p:stCondLst>
-                                            <p:cond delay="0"/>
-                                          </p:stCondLst>
-                                        </p:cTn>
-                                        <p:tgtEl>
-                                          <p:spTgt spid="4"/>
-                                        </p:tgtEl>
-                                        <p:attrNameLst>
-                                          <p:attrName>style.visibility</p:attrName>
-                                        </p:attrNameLst>
-                                      </p:cBhvr>
-                                      <p:to>
-                                        <p:strVal val="visible"/>
-                                      </p:to>
-                                    </p:set>
-                                    <p:animEffect transition="in" filter="wipe(up)">
-                                      <p:cBhvr>
-                                        <p:cTn id="7" dur="500"/>
-                                        <p:tgtEl>
-                                          <p:spTgt spid="4"/>
-                                        </p:tgtEl>
-                                      </p:cBhvr>
-                                    </p:animEffect>
-                                  </p:childTnLst>
-                                </p:cTn>
-                              </p:par>
-                            </p:childTnLst>
-                          </p:cTn>
-                        </p:par>
-                      </p:childTnLst>
-                    </p:cTn>
-                  </p:par>
-                  <p:par>
-                    <p:cTn id="8" fill="hold">
-                      <p:stCondLst>
-                        <p:cond delay="indefinite"/>
-                      </p:stCondLst>
-                      <p:childTnLst>
-                        <p:par>
-                          <p:cTn id="9" fill="hold">
-                            <p:stCondLst>
-                              <p:cond delay="0"/>
-                            </p:stCondLst>
-                            <p:childTnLst>
-                              <p:par>
-                                <p:cTn id="10" presetID="22" presetClass="entr" presetSubtype="8" fill="hold" grpId="0" nodeType="clickEffect">
-                                  <p:stCondLst>
-                                    <p:cond delay="0"/>
-                                  </p:stCondLst>
-                                  <p:childTnLst>
-                                    <p:set>
-                                      <p:cBhvr>
-                                        <p:cTn id="11" dur="1" fill="hold">
-                                          <p:stCondLst>
-                                            <p:cond delay="0"/>
-                                          </p:stCondLst>
-                                        </p:cTn>
-                                        <p:tgtEl>
-                                          <p:spTgt spid="5">
-                                            <p:txEl>
-                                              <p:pRg st="0" end="0"/>
-                                            </p:txEl>
-                                          </p:spTgt>
-                                        </p:tgtEl>
-                                        <p:attrNameLst>
-                                          <p:attrName>style.visibility</p:attrName>
-                                        </p:attrNameLst>
-                                      </p:cBhvr>
-                                      <p:to>
-                                        <p:strVal val="visible"/>
-                                      </p:to>
-                                    </p:set>
-                                    <p:animEffect transition="in" filter="wipe(left)">
-                                      <p:cBhvr>
-                                        <p:cTn id="12" dur="250"/>
-                                        <p:tgtEl>
-                                          <p:spTgt spid="5">
-                                            <p:txEl>
-                                              <p:pRg st="0" end="0"/>
-                                            </p:txEl>
-                                          </p:spTgt>
-                                        </p:tgtEl>
-                                      </p:cBhvr>
-                                    </p:animEffect>
-                                  </p:childTnLst>
-                                </p:cTn>
-                              </p:par>
-                            </p:childTnLst>
-                          </p:cTn>
-                        </p:par>
-                      </p:childTnLst>
-                    </p:cTn>
-                  </p:par>
-                  <p:par>
-                    <p:cTn id="13" fill="hold">
-                      <p:stCondLst>
-                        <p:cond delay="indefinite"/>
-                      </p:stCondLst>
-                      <p:childTnLst>
-                        <p:par>
-                          <p:cTn id="14" fill="hold">
-                            <p:stCondLst>
-                              <p:cond delay="0"/>
-                            </p:stCondLst>
-                            <p:childTnLst>
-                              <p:par>
-                                <p:cTn id="15" presetID="22" presetClass="entr" presetSubtype="8" fill="hold" grpId="0" nodeType="clickEffect">
-                                  <p:stCondLst>
-                                    <p:cond delay="0"/>
-                                  </p:stCondLst>
-                                  <p:childTnLst>
-                                    <p:set>
-                                      <p:cBhvr>
-                                        <p:cTn id="16" dur="1" fill="hold">
-                                          <p:stCondLst>
-                                            <p:cond delay="0"/>
-                                          </p:stCondLst>
-                                        </p:cTn>
-                                        <p:tgtEl>
-                                          <p:spTgt spid="5">
-                                            <p:txEl>
-                                              <p:pRg st="2" end="2"/>
-                                            </p:txEl>
-                                          </p:spTgt>
-                                        </p:tgtEl>
-                                        <p:attrNameLst>
-                                          <p:attrName>style.visibility</p:attrName>
-                                        </p:attrNameLst>
-                                      </p:cBhvr>
-                                      <p:to>
-                                        <p:strVal val="visible"/>
-                                      </p:to>
-                                    </p:set>
-                                    <p:animEffect transition="in" filter="wipe(left)">
-                                      <p:cBhvr>
-                                        <p:cTn id="17" dur="250"/>
-                                        <p:tgtEl>
-                                          <p:spTgt spid="5">
-                                            <p:txEl>
-                                              <p:pRg st="2" end="2"/>
-                                            </p:txEl>
-                                          </p:spTgt>
-                                        </p:tgtEl>
-                                      </p:cBhvr>
-                                    </p:animEffect>
-                                  </p:childTnLst>
-                                </p:cTn>
-                              </p:par>
-                            </p:childTnLst>
-                          </p:cTn>
-                        </p:par>
-                      </p:childTnLst>
-                    </p:cTn>
-                  </p:par>
-                  <p:par>
-                    <p:cTn id="18" fill="hold">
-                      <p:stCondLst>
-                        <p:cond delay="indefinite"/>
-                      </p:stCondLst>
-                      <p:childTnLst>
-                        <p:par>
-                          <p:cTn id="19" fill="hold">
-                            <p:stCondLst>
-                              <p:cond delay="0"/>
-                            </p:stCondLst>
-                            <p:childTnLst>
-                              <p:par>
-                                <p:cTn id="20" presetID="22" presetClass="entr" presetSubtype="1" fill="hold" grpId="0" nodeType="clickEffect">
-                                  <p:stCondLst>
-                                    <p:cond delay="0"/>
-                                  </p:stCondLst>
-                                  <p:childTnLst>
-                                    <p:set>
-                                      <p:cBhvr>
-                                        <p:cTn id="21" dur="1" fill="hold">
-                                          <p:stCondLst>
-                                            <p:cond delay="0"/>
-                                          </p:stCondLst>
-                                        </p:cTn>
-                                        <p:tgtEl>
-                                          <p:spTgt spid="6"/>
-                                        </p:tgtEl>
-                                        <p:attrNameLst>
-                                          <p:attrName>style.visibility</p:attrName>
-                                        </p:attrNameLst>
-                                      </p:cBhvr>
-                                      <p:to>
-                                        <p:strVal val="visible"/>
-                                      </p:to>
-                                    </p:set>
-                                    <p:animEffect transition="in" filter="wipe(up)">
-                                      <p:cBhvr>
-                                        <p:cTn id="22" dur="500"/>
-                                        <p:tgtEl>
-                                          <p:spTgt spid="6"/>
-                                        </p:tgtEl>
-                                      </p:cBhvr>
-                                    </p:animEffect>
-                                  </p:childTnLst>
-                                </p:cTn>
-                              </p:par>
-                            </p:childTnLst>
-                          </p:cTn>
-                        </p:par>
-                        <p:par>
-                          <p:cTn id="23" fill="hold">
-                            <p:stCondLst>
-                              <p:cond delay="500"/>
-                            </p:stCondLst>
-                            <p:childTnLst>
-                              <p:par>
-                                <p:cTn id="24" presetID="22" presetClass="entr" presetSubtype="8" fill="hold" grpId="0" nodeType="afterEffect">
-                                  <p:stCondLst>
-                                    <p:cond delay="0"/>
-                                  </p:stCondLst>
-                                  <p:childTnLst>
-                                    <p:set>
-                                      <p:cBhvr>
-                                        <p:cTn id="25" dur="1" fill="hold">
-                                          <p:stCondLst>
-                                            <p:cond delay="0"/>
-                                          </p:stCondLst>
-                                        </p:cTn>
-                                        <p:tgtEl>
-                                          <p:spTgt spid="3"/>
-                                        </p:tgtEl>
-                                        <p:attrNameLst>
-                                          <p:attrName>style.visibility</p:attrName>
-                                        </p:attrNameLst>
-                                      </p:cBhvr>
-                                      <p:to>
-                                        <p:strVal val="visible"/>
-                                      </p:to>
-                                    </p:set>
-                                    <p:animEffect transition="in" filter="wipe(left)">
-                                      <p:cBhvr>
-                                        <p:cTn id="26" dur="500"/>
-                                        <p:tgtEl>
-                                          <p:spTgt spid="3"/>
-                                        </p:tgtEl>
-                                      </p:cBhvr>
-                                    </p:animEffect>
-                                  </p:childTnLst>
-                                </p:cTn>
-                              </p:par>
-                            </p:childTnLst>
-                          </p:cTn>
-                        </p:par>
-                      </p:childTnLst>
-                    </p:cTn>
-                  </p:par>
-                </p:childTnLst>
-              </p:cTn>
-              <p:prevCondLst>
-                <p:cond evt="onPrev" delay="0">
-                  <p:tgtEl>
-                    <p:sldTgt/>
-                  </p:tgtEl>
-                </p:cond>
-              </p:prevCondLst>
-              <p:nextCondLst>
-                <p:cond evt="onNext" delay="0">
-                  <p:tgtEl>
-                    <p:sldTgt/>
-                  </p:tgtEl>
-                </p:cond>
-              </p:nextCondLst>
-            </p:seq>
-          </p:childTnLst>
-        </p:cTn>
-      </p:par>
-    </p:tnLst>
-    <p:bldLst>
-      <p:bldP spid="4" grpId="0"/>
-      <p:bldP spid="5" grpId="0" build="p"/>
-      <p:bldP spid="3" grpId="0"/>
-      <p:bldP spid="6" grpId="0"/>
-    </p:bldLst>
-  </p:timing>
 </p:sld>
 </file>
 
@@ -5703,18 +5410,6 @@
   <p:clrMapOvr>
     <a:masterClrMapping/>
   </p:clrMapOvr>
-  <mc:AlternateContent xmlns:mc="http://schemas.openxmlformats.org/markup-compatibility/2006" xmlns:p14="http://schemas.microsoft.com/office/powerpoint/2010/main">
-    <mc:Choice Requires="p14">
-      <p:transition p14:dur="250">
-        <p:fade/>
-      </p:transition>
-    </mc:Choice>
-    <mc:Fallback xmlns="">
-      <p:transition>
-        <p:fade/>
-      </p:transition>
-    </mc:Fallback>
-  </mc:AlternateContent>
 </p:sld>
 </file>
 
@@ -5904,417 +5599,3327 @@
   <p:clrMapOvr>
     <a:masterClrMapping/>
   </p:clrMapOvr>
-  <mc:AlternateContent xmlns:mc="http://schemas.openxmlformats.org/markup-compatibility/2006" xmlns:p14="http://schemas.microsoft.com/office/powerpoint/2010/main">
-    <mc:Choice Requires="p14">
-      <p:transition p14:dur="250">
-        <p:fade/>
-      </p:transition>
-    </mc:Choice>
-    <mc:Fallback xmlns="">
-      <p:transition>
-        <p:fade/>
-      </p:transition>
-    </mc:Fallback>
-  </mc:AlternateContent>
-  <p:timing>
-    <p:tnLst>
-      <p:par>
-        <p:cTn id="1" dur="indefinite" restart="never" nodeType="tmRoot">
-          <p:childTnLst>
-            <p:seq concurrent="1" nextAc="seek">
-              <p:cTn id="2" dur="indefinite" nodeType="mainSeq">
-                <p:childTnLst>
-                  <p:par>
-                    <p:cTn id="3" fill="hold">
-                      <p:stCondLst>
-                        <p:cond delay="indefinite"/>
-                        <p:cond evt="onBegin" delay="0">
-                          <p:tn val="2"/>
-                        </p:cond>
-                      </p:stCondLst>
-                      <p:childTnLst>
-                        <p:par>
-                          <p:cTn id="4" fill="hold">
-                            <p:stCondLst>
-                              <p:cond delay="0"/>
-                            </p:stCondLst>
-                            <p:childTnLst>
-                              <p:par>
-                                <p:cTn id="5" presetID="22" presetClass="entr" presetSubtype="1" fill="hold" grpId="0" nodeType="afterEffect">
-                                  <p:stCondLst>
-                                    <p:cond delay="0"/>
-                                  </p:stCondLst>
-                                  <p:childTnLst>
-                                    <p:set>
-                                      <p:cBhvr>
-                                        <p:cTn id="6" dur="1" fill="hold">
-                                          <p:stCondLst>
-                                            <p:cond delay="0"/>
-                                          </p:stCondLst>
-                                        </p:cTn>
-                                        <p:tgtEl>
-                                          <p:spTgt spid="4"/>
-                                        </p:tgtEl>
-                                        <p:attrNameLst>
-                                          <p:attrName>style.visibility</p:attrName>
-                                        </p:attrNameLst>
-                                      </p:cBhvr>
-                                      <p:to>
-                                        <p:strVal val="visible"/>
-                                      </p:to>
-                                    </p:set>
-                                    <p:animEffect transition="in" filter="wipe(up)">
-                                      <p:cBhvr>
-                                        <p:cTn id="7" dur="500"/>
-                                        <p:tgtEl>
-                                          <p:spTgt spid="4"/>
-                                        </p:tgtEl>
-                                      </p:cBhvr>
-                                    </p:animEffect>
-                                  </p:childTnLst>
-                                </p:cTn>
-                              </p:par>
-                            </p:childTnLst>
-                          </p:cTn>
-                        </p:par>
-                      </p:childTnLst>
-                    </p:cTn>
-                  </p:par>
-                  <p:par>
-                    <p:cTn id="8" fill="hold">
-                      <p:stCondLst>
-                        <p:cond delay="indefinite"/>
-                      </p:stCondLst>
-                      <p:childTnLst>
-                        <p:par>
-                          <p:cTn id="9" fill="hold">
-                            <p:stCondLst>
-                              <p:cond delay="0"/>
-                            </p:stCondLst>
-                            <p:childTnLst>
-                              <p:par>
-                                <p:cTn id="10" presetID="22" presetClass="entr" presetSubtype="8" fill="hold" grpId="0" nodeType="clickEffect">
-                                  <p:stCondLst>
-                                    <p:cond delay="0"/>
-                                  </p:stCondLst>
-                                  <p:childTnLst>
-                                    <p:set>
-                                      <p:cBhvr>
-                                        <p:cTn id="11" dur="1" fill="hold">
-                                          <p:stCondLst>
-                                            <p:cond delay="0"/>
-                                          </p:stCondLst>
-                                        </p:cTn>
-                                        <p:tgtEl>
-                                          <p:spTgt spid="5">
-                                            <p:txEl>
-                                              <p:pRg st="0" end="0"/>
-                                            </p:txEl>
-                                          </p:spTgt>
-                                        </p:tgtEl>
-                                        <p:attrNameLst>
-                                          <p:attrName>style.visibility</p:attrName>
-                                        </p:attrNameLst>
-                                      </p:cBhvr>
-                                      <p:to>
-                                        <p:strVal val="visible"/>
-                                      </p:to>
-                                    </p:set>
-                                    <p:animEffect transition="in" filter="wipe(left)">
-                                      <p:cBhvr>
-                                        <p:cTn id="12" dur="250"/>
-                                        <p:tgtEl>
-                                          <p:spTgt spid="5">
-                                            <p:txEl>
-                                              <p:pRg st="0" end="0"/>
-                                            </p:txEl>
-                                          </p:spTgt>
-                                        </p:tgtEl>
-                                      </p:cBhvr>
-                                    </p:animEffect>
-                                  </p:childTnLst>
-                                </p:cTn>
-                              </p:par>
-                            </p:childTnLst>
-                          </p:cTn>
-                        </p:par>
-                      </p:childTnLst>
-                    </p:cTn>
-                  </p:par>
-                  <p:par>
-                    <p:cTn id="13" fill="hold">
-                      <p:stCondLst>
-                        <p:cond delay="indefinite"/>
-                      </p:stCondLst>
-                      <p:childTnLst>
-                        <p:par>
-                          <p:cTn id="14" fill="hold">
-                            <p:stCondLst>
-                              <p:cond delay="0"/>
-                            </p:stCondLst>
-                            <p:childTnLst>
-                              <p:par>
-                                <p:cTn id="15" presetID="22" presetClass="entr" presetSubtype="8" fill="hold" grpId="0" nodeType="clickEffect">
-                                  <p:stCondLst>
-                                    <p:cond delay="0"/>
-                                  </p:stCondLst>
-                                  <p:childTnLst>
-                                    <p:set>
-                                      <p:cBhvr>
-                                        <p:cTn id="16" dur="1" fill="hold">
-                                          <p:stCondLst>
-                                            <p:cond delay="0"/>
-                                          </p:stCondLst>
-                                        </p:cTn>
-                                        <p:tgtEl>
-                                          <p:spTgt spid="5">
-                                            <p:txEl>
-                                              <p:pRg st="1" end="1"/>
-                                            </p:txEl>
-                                          </p:spTgt>
-                                        </p:tgtEl>
-                                        <p:attrNameLst>
-                                          <p:attrName>style.visibility</p:attrName>
-                                        </p:attrNameLst>
-                                      </p:cBhvr>
-                                      <p:to>
-                                        <p:strVal val="visible"/>
-                                      </p:to>
-                                    </p:set>
-                                    <p:animEffect transition="in" filter="wipe(left)">
-                                      <p:cBhvr>
-                                        <p:cTn id="17" dur="250"/>
-                                        <p:tgtEl>
-                                          <p:spTgt spid="5">
-                                            <p:txEl>
-                                              <p:pRg st="1" end="1"/>
-                                            </p:txEl>
-                                          </p:spTgt>
-                                        </p:tgtEl>
-                                      </p:cBhvr>
-                                    </p:animEffect>
-                                  </p:childTnLst>
-                                </p:cTn>
-                              </p:par>
-                            </p:childTnLst>
-                          </p:cTn>
-                        </p:par>
-                      </p:childTnLst>
-                    </p:cTn>
-                  </p:par>
-                  <p:par>
-                    <p:cTn id="18" fill="hold">
-                      <p:stCondLst>
-                        <p:cond delay="indefinite"/>
-                      </p:stCondLst>
-                      <p:childTnLst>
-                        <p:par>
-                          <p:cTn id="19" fill="hold">
-                            <p:stCondLst>
-                              <p:cond delay="0"/>
-                            </p:stCondLst>
-                            <p:childTnLst>
-                              <p:par>
-                                <p:cTn id="20" presetID="22" presetClass="entr" presetSubtype="8" fill="hold" grpId="0" nodeType="clickEffect">
-                                  <p:stCondLst>
-                                    <p:cond delay="0"/>
-                                  </p:stCondLst>
-                                  <p:childTnLst>
-                                    <p:set>
-                                      <p:cBhvr>
-                                        <p:cTn id="21" dur="1" fill="hold">
-                                          <p:stCondLst>
-                                            <p:cond delay="0"/>
-                                          </p:stCondLst>
-                                        </p:cTn>
-                                        <p:tgtEl>
-                                          <p:spTgt spid="5">
-                                            <p:txEl>
-                                              <p:pRg st="2" end="2"/>
-                                            </p:txEl>
-                                          </p:spTgt>
-                                        </p:tgtEl>
-                                        <p:attrNameLst>
-                                          <p:attrName>style.visibility</p:attrName>
-                                        </p:attrNameLst>
-                                      </p:cBhvr>
-                                      <p:to>
-                                        <p:strVal val="visible"/>
-                                      </p:to>
-                                    </p:set>
-                                    <p:animEffect transition="in" filter="wipe(left)">
-                                      <p:cBhvr>
-                                        <p:cTn id="22" dur="250"/>
-                                        <p:tgtEl>
-                                          <p:spTgt spid="5">
-                                            <p:txEl>
-                                              <p:pRg st="2" end="2"/>
-                                            </p:txEl>
-                                          </p:spTgt>
-                                        </p:tgtEl>
-                                      </p:cBhvr>
-                                    </p:animEffect>
-                                  </p:childTnLst>
-                                </p:cTn>
-                              </p:par>
-                            </p:childTnLst>
-                          </p:cTn>
-                        </p:par>
-                      </p:childTnLst>
-                    </p:cTn>
-                  </p:par>
-                  <p:par>
-                    <p:cTn id="23" fill="hold">
-                      <p:stCondLst>
-                        <p:cond delay="indefinite"/>
-                      </p:stCondLst>
-                      <p:childTnLst>
-                        <p:par>
-                          <p:cTn id="24" fill="hold">
-                            <p:stCondLst>
-                              <p:cond delay="0"/>
-                            </p:stCondLst>
-                            <p:childTnLst>
-                              <p:par>
-                                <p:cTn id="25" presetID="22" presetClass="entr" presetSubtype="8" fill="hold" grpId="0" nodeType="clickEffect">
-                                  <p:stCondLst>
-                                    <p:cond delay="0"/>
-                                  </p:stCondLst>
-                                  <p:childTnLst>
-                                    <p:set>
-                                      <p:cBhvr>
-                                        <p:cTn id="26" dur="1" fill="hold">
-                                          <p:stCondLst>
-                                            <p:cond delay="0"/>
-                                          </p:stCondLst>
-                                        </p:cTn>
-                                        <p:tgtEl>
-                                          <p:spTgt spid="5">
-                                            <p:txEl>
-                                              <p:pRg st="3" end="3"/>
-                                            </p:txEl>
-                                          </p:spTgt>
-                                        </p:tgtEl>
-                                        <p:attrNameLst>
-                                          <p:attrName>style.visibility</p:attrName>
-                                        </p:attrNameLst>
-                                      </p:cBhvr>
-                                      <p:to>
-                                        <p:strVal val="visible"/>
-                                      </p:to>
-                                    </p:set>
-                                    <p:animEffect transition="in" filter="wipe(left)">
-                                      <p:cBhvr>
-                                        <p:cTn id="27" dur="250"/>
-                                        <p:tgtEl>
-                                          <p:spTgt spid="5">
-                                            <p:txEl>
-                                              <p:pRg st="3" end="3"/>
-                                            </p:txEl>
-                                          </p:spTgt>
-                                        </p:tgtEl>
-                                      </p:cBhvr>
-                                    </p:animEffect>
-                                  </p:childTnLst>
-                                </p:cTn>
-                              </p:par>
-                            </p:childTnLst>
-                          </p:cTn>
-                        </p:par>
-                      </p:childTnLst>
-                    </p:cTn>
-                  </p:par>
-                  <p:par>
-                    <p:cTn id="28" fill="hold">
-                      <p:stCondLst>
-                        <p:cond delay="indefinite"/>
-                      </p:stCondLst>
-                      <p:childTnLst>
-                        <p:par>
-                          <p:cTn id="29" fill="hold">
-                            <p:stCondLst>
-                              <p:cond delay="0"/>
-                            </p:stCondLst>
-                            <p:childTnLst>
-                              <p:par>
-                                <p:cTn id="30" presetID="22" presetClass="entr" presetSubtype="8" fill="hold" grpId="0" nodeType="clickEffect">
-                                  <p:stCondLst>
-                                    <p:cond delay="0"/>
-                                  </p:stCondLst>
-                                  <p:childTnLst>
-                                    <p:set>
-                                      <p:cBhvr>
-                                        <p:cTn id="31" dur="1" fill="hold">
-                                          <p:stCondLst>
-                                            <p:cond delay="0"/>
-                                          </p:stCondLst>
-                                        </p:cTn>
-                                        <p:tgtEl>
-                                          <p:spTgt spid="5">
-                                            <p:txEl>
-                                              <p:pRg st="4" end="4"/>
-                                            </p:txEl>
-                                          </p:spTgt>
-                                        </p:tgtEl>
-                                        <p:attrNameLst>
-                                          <p:attrName>style.visibility</p:attrName>
-                                        </p:attrNameLst>
-                                      </p:cBhvr>
-                                      <p:to>
-                                        <p:strVal val="visible"/>
-                                      </p:to>
-                                    </p:set>
-                                    <p:animEffect transition="in" filter="wipe(left)">
-                                      <p:cBhvr>
-                                        <p:cTn id="32" dur="250"/>
-                                        <p:tgtEl>
-                                          <p:spTgt spid="5">
-                                            <p:txEl>
-                                              <p:pRg st="4" end="4"/>
-                                            </p:txEl>
-                                          </p:spTgt>
-                                        </p:tgtEl>
-                                      </p:cBhvr>
-                                    </p:animEffect>
-                                  </p:childTnLst>
-                                </p:cTn>
-                              </p:par>
-                            </p:childTnLst>
-                          </p:cTn>
-                        </p:par>
-                      </p:childTnLst>
-                    </p:cTn>
-                  </p:par>
-                </p:childTnLst>
-              </p:cTn>
-              <p:prevCondLst>
-                <p:cond evt="onPrev" delay="0">
-                  <p:tgtEl>
-                    <p:sldTgt/>
-                  </p:tgtEl>
-                </p:cond>
-              </p:prevCondLst>
-              <p:nextCondLst>
-                <p:cond evt="onNext" delay="0">
-                  <p:tgtEl>
-                    <p:sldTgt/>
-                  </p:tgtEl>
-                </p:cond>
-              </p:nextCondLst>
-            </p:seq>
-          </p:childTnLst>
-        </p:cTn>
-      </p:par>
-    </p:tnLst>
-    <p:bldLst>
-      <p:bldP spid="4" grpId="0"/>
-      <p:bldP spid="5" grpId="0" build="p"/>
-    </p:bldLst>
-  </p:timing>
 </p:sld>
 </file>
 
 <file path=ppt/slides/slide5.xml><?xml version="1.0" encoding="utf-8"?>
+<p:sld xmlns:a="http://schemas.openxmlformats.org/drawingml/2006/main" xmlns:r="http://schemas.openxmlformats.org/officeDocument/2006/relationships" xmlns:p="http://schemas.openxmlformats.org/presentationml/2006/main" showMasterSp="0">
+  <p:cSld>
+    <p:spTree>
+      <p:nvGrpSpPr>
+        <p:cNvPr id="1" name=""/>
+        <p:cNvGrpSpPr/>
+        <p:nvPr/>
+      </p:nvGrpSpPr>
+      <p:grpSpPr>
+        <a:xfrm>
+          <a:off x="0" y="0"/>
+          <a:ext cx="0" cy="0"/>
+          <a:chOff x="0" y="0"/>
+          <a:chExt cx="0" cy="0"/>
+        </a:xfrm>
+      </p:grpSpPr>
+      <p:sp>
+        <p:nvSpPr>
+          <p:cNvPr id="4" name="Title 3"/>
+          <p:cNvSpPr>
+            <a:spLocks noGrp="1"/>
+          </p:cNvSpPr>
+          <p:nvPr>
+            <p:ph type="title"/>
+          </p:nvPr>
+        </p:nvSpPr>
+        <p:spPr>
+          <a:xfrm>
+            <a:off x="0" y="13874"/>
+            <a:ext cx="9144000" cy="534805"/>
+          </a:xfrm>
+        </p:spPr>
+        <p:txBody>
+          <a:bodyPr vert="horz" lIns="91440" tIns="45720" rIns="91440" bIns="45720" rtlCol="0" anchor="t">
+            <a:normAutofit fontScale="90000"/>
+          </a:bodyPr>
+          <a:lstStyle/>
+          <a:p>
+            <a:pPr rtl="0"/>
+            <a:r>
+              <a:rPr lang="en-US" sz="3200" dirty="0"/>
+              <a:t>Messenger API:</a:t>
+            </a:r>
+            <a:endParaRPr lang="he-IL" sz="3200" dirty="0"/>
+          </a:p>
+        </p:txBody>
+      </p:sp>
+      <p:sp>
+        <p:nvSpPr>
+          <p:cNvPr id="5" name="Content Placeholder 4"/>
+          <p:cNvSpPr>
+            <a:spLocks noGrp="1"/>
+          </p:cNvSpPr>
+          <p:nvPr>
+            <p:ph idx="1"/>
+          </p:nvPr>
+        </p:nvSpPr>
+        <p:spPr>
+          <a:xfrm>
+            <a:off x="107504" y="620688"/>
+            <a:ext cx="8928992" cy="6120680"/>
+          </a:xfrm>
+        </p:spPr>
+        <p:txBody>
+          <a:bodyPr tIns="72000" bIns="72000">
+            <a:noAutofit/>
+          </a:bodyPr>
+          <a:lstStyle/>
+          <a:p>
+            <a:pPr algn="l" rtl="0">
+              <a:spcAft>
+                <a:spcPts val="1200"/>
+              </a:spcAft>
+              <a:buFont typeface="Wingdings" pitchFamily="2" charset="2"/>
+              <a:buChar char="ü"/>
+            </a:pPr>
+            <a:r>
+              <a:rPr lang="en-US" sz="1400" b="1" dirty="0"/>
+              <a:t>Messenger</a:t>
+            </a:r>
+          </a:p>
+          <a:p>
+            <a:pPr marL="320040" lvl="1" indent="0" algn="l" rtl="0">
+              <a:buNone/>
+            </a:pPr>
+            <a:r>
+              <a:rPr lang="en-GB" sz="1200" dirty="0"/>
+              <a:t>Implements this basic interface:</a:t>
+            </a:r>
+          </a:p>
+          <a:p>
+            <a:pPr marL="45720" indent="0" algn="l" rtl="0">
+              <a:buNone/>
+            </a:pPr>
+            <a:endParaRPr lang="en-GB" sz="1400" dirty="0"/>
+          </a:p>
+          <a:p>
+            <a:pPr marL="502920" lvl="2" indent="0" algn="l" rtl="0">
+              <a:buNone/>
+            </a:pPr>
+            <a:r>
+              <a:rPr lang="en-GB" sz="1050" dirty="0">
+                <a:solidFill>
+                  <a:srgbClr val="6A9955"/>
+                </a:solidFill>
+                <a:latin typeface="Menlo" panose="020B0609030804020204" pitchFamily="49" charset="0"/>
+              </a:rPr>
+              <a:t>/// </a:t>
+            </a:r>
+            <a:r>
+              <a:rPr lang="en-GB" sz="1050" dirty="0">
+                <a:solidFill>
+                  <a:srgbClr val="808080"/>
+                </a:solidFill>
+                <a:latin typeface="Menlo" panose="020B0609030804020204" pitchFamily="49" charset="0"/>
+              </a:rPr>
+              <a:t>&lt;</a:t>
+            </a:r>
+            <a:r>
+              <a:rPr lang="en-GB" sz="1050" dirty="0">
+                <a:solidFill>
+                  <a:srgbClr val="569CD6"/>
+                </a:solidFill>
+                <a:latin typeface="Menlo" panose="020B0609030804020204" pitchFamily="49" charset="0"/>
+              </a:rPr>
+              <a:t>summary</a:t>
+            </a:r>
+            <a:r>
+              <a:rPr lang="en-GB" sz="1050" dirty="0">
+                <a:solidFill>
+                  <a:srgbClr val="808080"/>
+                </a:solidFill>
+                <a:latin typeface="Menlo" panose="020B0609030804020204" pitchFamily="49" charset="0"/>
+              </a:rPr>
+              <a:t>&gt;</a:t>
+            </a:r>
+            <a:endParaRPr lang="en-GB" sz="1050" dirty="0">
+              <a:solidFill>
+                <a:srgbClr val="D4D4D4"/>
+              </a:solidFill>
+              <a:latin typeface="Menlo" panose="020B0609030804020204" pitchFamily="49" charset="0"/>
+            </a:endParaRPr>
+          </a:p>
+          <a:p>
+            <a:pPr marL="502920" lvl="2" indent="0" algn="l" rtl="0">
+              <a:buNone/>
+            </a:pPr>
+            <a:r>
+              <a:rPr lang="en-GB" sz="1050" dirty="0">
+                <a:solidFill>
+                  <a:srgbClr val="6A9955"/>
+                </a:solidFill>
+                <a:latin typeface="Menlo" panose="020B0609030804020204" pitchFamily="49" charset="0"/>
+              </a:rPr>
+              <a:t>/// Interface for Pub/Sub Messenger</a:t>
+            </a:r>
+            <a:endParaRPr lang="en-GB" sz="1050" dirty="0">
+              <a:solidFill>
+                <a:srgbClr val="D4D4D4"/>
+              </a:solidFill>
+              <a:latin typeface="Menlo" panose="020B0609030804020204" pitchFamily="49" charset="0"/>
+            </a:endParaRPr>
+          </a:p>
+          <a:p>
+            <a:pPr marL="502920" lvl="2" indent="0" algn="l" rtl="0">
+              <a:buNone/>
+            </a:pPr>
+            <a:r>
+              <a:rPr lang="en-GB" sz="1050" dirty="0">
+                <a:solidFill>
+                  <a:srgbClr val="6A9955"/>
+                </a:solidFill>
+                <a:latin typeface="Menlo" panose="020B0609030804020204" pitchFamily="49" charset="0"/>
+              </a:rPr>
+              <a:t>/// </a:t>
+            </a:r>
+            <a:r>
+              <a:rPr lang="en-GB" sz="1050" dirty="0">
+                <a:solidFill>
+                  <a:srgbClr val="808080"/>
+                </a:solidFill>
+                <a:latin typeface="Menlo" panose="020B0609030804020204" pitchFamily="49" charset="0"/>
+              </a:rPr>
+              <a:t>&lt;/</a:t>
+            </a:r>
+            <a:r>
+              <a:rPr lang="en-GB" sz="1050" dirty="0">
+                <a:solidFill>
+                  <a:srgbClr val="569CD6"/>
+                </a:solidFill>
+                <a:latin typeface="Menlo" panose="020B0609030804020204" pitchFamily="49" charset="0"/>
+              </a:rPr>
+              <a:t>summary</a:t>
+            </a:r>
+            <a:r>
+              <a:rPr lang="en-GB" sz="1050" dirty="0">
+                <a:solidFill>
+                  <a:srgbClr val="808080"/>
+                </a:solidFill>
+                <a:latin typeface="Menlo" panose="020B0609030804020204" pitchFamily="49" charset="0"/>
+              </a:rPr>
+              <a:t>&gt;</a:t>
+            </a:r>
+            <a:endParaRPr lang="en-GB" sz="1050" dirty="0">
+              <a:solidFill>
+                <a:srgbClr val="D4D4D4"/>
+              </a:solidFill>
+              <a:latin typeface="Menlo" panose="020B0609030804020204" pitchFamily="49" charset="0"/>
+            </a:endParaRPr>
+          </a:p>
+          <a:p>
+            <a:pPr marL="502920" lvl="2" indent="0" algn="l" rtl="0">
+              <a:buNone/>
+            </a:pPr>
+            <a:r>
+              <a:rPr lang="en-GB" sz="1100" dirty="0">
+                <a:solidFill>
+                  <a:srgbClr val="569CD6"/>
+                </a:solidFill>
+                <a:latin typeface="Menlo" panose="020B0609030804020204" pitchFamily="49" charset="0"/>
+              </a:rPr>
+              <a:t>public</a:t>
+            </a:r>
+            <a:r>
+              <a:rPr lang="en-GB" sz="1100" dirty="0">
+                <a:solidFill>
+                  <a:srgbClr val="D4D4D4"/>
+                </a:solidFill>
+                <a:latin typeface="Menlo" panose="020B0609030804020204" pitchFamily="49" charset="0"/>
+              </a:rPr>
+              <a:t> </a:t>
+            </a:r>
+            <a:r>
+              <a:rPr lang="en-GB" sz="1100" dirty="0">
+                <a:solidFill>
+                  <a:srgbClr val="569CD6"/>
+                </a:solidFill>
+                <a:latin typeface="Menlo" panose="020B0609030804020204" pitchFamily="49" charset="0"/>
+              </a:rPr>
+              <a:t>interface</a:t>
+            </a:r>
+            <a:r>
+              <a:rPr lang="en-GB" sz="1100" dirty="0">
+                <a:solidFill>
+                  <a:srgbClr val="D4D4D4"/>
+                </a:solidFill>
+                <a:latin typeface="Menlo" panose="020B0609030804020204" pitchFamily="49" charset="0"/>
+              </a:rPr>
+              <a:t> </a:t>
+            </a:r>
+            <a:r>
+              <a:rPr lang="en-GB" sz="1100" dirty="0" err="1">
+                <a:solidFill>
+                  <a:srgbClr val="4EC9B0"/>
+                </a:solidFill>
+                <a:latin typeface="Menlo" panose="020B0609030804020204" pitchFamily="49" charset="0"/>
+              </a:rPr>
+              <a:t>IMessenger</a:t>
+            </a:r>
+            <a:endParaRPr lang="en-GB" sz="1100" dirty="0">
+              <a:solidFill>
+                <a:srgbClr val="D4D4D4"/>
+              </a:solidFill>
+              <a:latin typeface="Menlo" panose="020B0609030804020204" pitchFamily="49" charset="0"/>
+            </a:endParaRPr>
+          </a:p>
+          <a:p>
+            <a:pPr marL="502920" lvl="2" indent="0" algn="l" rtl="0">
+              <a:buNone/>
+            </a:pPr>
+            <a:r>
+              <a:rPr lang="en-GB" sz="1100" dirty="0">
+                <a:solidFill>
+                  <a:srgbClr val="D4D4D4"/>
+                </a:solidFill>
+                <a:latin typeface="Menlo" panose="020B0609030804020204" pitchFamily="49" charset="0"/>
+              </a:rPr>
+              <a:t>{</a:t>
+            </a:r>
+          </a:p>
+          <a:p>
+            <a:pPr marL="731520" lvl="3" indent="0" algn="l" rtl="0">
+              <a:buNone/>
+            </a:pPr>
+            <a:r>
+              <a:rPr lang="en-GB" sz="1050" dirty="0">
+                <a:solidFill>
+                  <a:srgbClr val="6A9955"/>
+                </a:solidFill>
+                <a:latin typeface="Menlo" panose="020B0609030804020204" pitchFamily="49" charset="0"/>
+              </a:rPr>
+              <a:t>/// </a:t>
+            </a:r>
+            <a:r>
+              <a:rPr lang="en-GB" sz="1050" dirty="0">
+                <a:solidFill>
+                  <a:srgbClr val="808080"/>
+                </a:solidFill>
+                <a:latin typeface="Menlo" panose="020B0609030804020204" pitchFamily="49" charset="0"/>
+              </a:rPr>
+              <a:t>&lt;</a:t>
+            </a:r>
+            <a:r>
+              <a:rPr lang="en-GB" sz="1050" dirty="0">
+                <a:solidFill>
+                  <a:srgbClr val="569CD6"/>
+                </a:solidFill>
+                <a:latin typeface="Menlo" panose="020B0609030804020204" pitchFamily="49" charset="0"/>
+              </a:rPr>
+              <a:t>summary</a:t>
+            </a:r>
+            <a:r>
+              <a:rPr lang="en-GB" sz="1050" dirty="0">
+                <a:solidFill>
+                  <a:srgbClr val="808080"/>
+                </a:solidFill>
+                <a:latin typeface="Menlo" panose="020B0609030804020204" pitchFamily="49" charset="0"/>
+              </a:rPr>
+              <a:t>&gt;</a:t>
+            </a:r>
+            <a:endParaRPr lang="en-GB" sz="1050" dirty="0">
+              <a:solidFill>
+                <a:srgbClr val="D4D4D4"/>
+              </a:solidFill>
+              <a:latin typeface="Menlo" panose="020B0609030804020204" pitchFamily="49" charset="0"/>
+            </a:endParaRPr>
+          </a:p>
+          <a:p>
+            <a:pPr marL="731520" lvl="3" indent="0" algn="l" rtl="0">
+              <a:buNone/>
+            </a:pPr>
+            <a:r>
+              <a:rPr lang="en-GB" sz="1050" dirty="0">
+                <a:solidFill>
+                  <a:srgbClr val="6A9955"/>
+                </a:solidFill>
+                <a:latin typeface="Menlo" panose="020B0609030804020204" pitchFamily="49" charset="0"/>
+              </a:rPr>
+              <a:t>/// Publish given payload to relevant subscribers</a:t>
+            </a:r>
+            <a:endParaRPr lang="en-GB" sz="1050" dirty="0">
+              <a:solidFill>
+                <a:srgbClr val="D4D4D4"/>
+              </a:solidFill>
+              <a:latin typeface="Menlo" panose="020B0609030804020204" pitchFamily="49" charset="0"/>
+            </a:endParaRPr>
+          </a:p>
+          <a:p>
+            <a:pPr marL="731520" lvl="3" indent="0" algn="l" rtl="0">
+              <a:buNone/>
+            </a:pPr>
+            <a:r>
+              <a:rPr lang="en-GB" sz="1050" dirty="0">
+                <a:solidFill>
+                  <a:srgbClr val="6A9955"/>
+                </a:solidFill>
+                <a:latin typeface="Menlo" panose="020B0609030804020204" pitchFamily="49" charset="0"/>
+              </a:rPr>
+              <a:t>/// </a:t>
+            </a:r>
+            <a:r>
+              <a:rPr lang="en-GB" sz="1050" dirty="0">
+                <a:solidFill>
+                  <a:srgbClr val="808080"/>
+                </a:solidFill>
+                <a:latin typeface="Menlo" panose="020B0609030804020204" pitchFamily="49" charset="0"/>
+              </a:rPr>
+              <a:t>&lt;/</a:t>
+            </a:r>
+            <a:r>
+              <a:rPr lang="en-GB" sz="1050" dirty="0">
+                <a:solidFill>
+                  <a:srgbClr val="569CD6"/>
+                </a:solidFill>
+                <a:latin typeface="Menlo" panose="020B0609030804020204" pitchFamily="49" charset="0"/>
+              </a:rPr>
+              <a:t>summary</a:t>
+            </a:r>
+            <a:r>
+              <a:rPr lang="en-GB" sz="1050" dirty="0">
+                <a:solidFill>
+                  <a:srgbClr val="808080"/>
+                </a:solidFill>
+                <a:latin typeface="Menlo" panose="020B0609030804020204" pitchFamily="49" charset="0"/>
+              </a:rPr>
+              <a:t>&gt;</a:t>
+            </a:r>
+            <a:endParaRPr lang="en-GB" sz="1050" dirty="0">
+              <a:solidFill>
+                <a:srgbClr val="D4D4D4"/>
+              </a:solidFill>
+              <a:latin typeface="Menlo" panose="020B0609030804020204" pitchFamily="49" charset="0"/>
+            </a:endParaRPr>
+          </a:p>
+          <a:p>
+            <a:pPr marL="731520" lvl="3" indent="0" algn="l" rtl="0">
+              <a:buNone/>
+            </a:pPr>
+            <a:r>
+              <a:rPr lang="en-GB" sz="1050" dirty="0">
+                <a:solidFill>
+                  <a:srgbClr val="6A9955"/>
+                </a:solidFill>
+                <a:latin typeface="Menlo" panose="020B0609030804020204" pitchFamily="49" charset="0"/>
+              </a:rPr>
+              <a:t>/// </a:t>
+            </a:r>
+            <a:r>
+              <a:rPr lang="en-GB" sz="1050" dirty="0">
+                <a:solidFill>
+                  <a:srgbClr val="808080"/>
+                </a:solidFill>
+                <a:latin typeface="Menlo" panose="020B0609030804020204" pitchFamily="49" charset="0"/>
+              </a:rPr>
+              <a:t>&lt;</a:t>
+            </a:r>
+            <a:r>
+              <a:rPr lang="en-GB" sz="1050" dirty="0">
+                <a:solidFill>
+                  <a:srgbClr val="569CD6"/>
+                </a:solidFill>
+                <a:latin typeface="Menlo" panose="020B0609030804020204" pitchFamily="49" charset="0"/>
+              </a:rPr>
+              <a:t>param</a:t>
+            </a:r>
+            <a:r>
+              <a:rPr lang="en-GB" sz="1050" dirty="0">
+                <a:solidFill>
+                  <a:srgbClr val="6A9955"/>
+                </a:solidFill>
+                <a:latin typeface="Menlo" panose="020B0609030804020204" pitchFamily="49" charset="0"/>
+              </a:rPr>
+              <a:t> </a:t>
+            </a:r>
+            <a:r>
+              <a:rPr lang="en-GB" sz="1050" dirty="0">
+                <a:solidFill>
+                  <a:srgbClr val="9CDCFE"/>
+                </a:solidFill>
+                <a:latin typeface="Menlo" panose="020B0609030804020204" pitchFamily="49" charset="0"/>
+              </a:rPr>
+              <a:t>name</a:t>
+            </a:r>
+            <a:r>
+              <a:rPr lang="en-GB" sz="1050" dirty="0">
+                <a:solidFill>
+                  <a:srgbClr val="6A9955"/>
+                </a:solidFill>
+                <a:latin typeface="Menlo" panose="020B0609030804020204" pitchFamily="49" charset="0"/>
+              </a:rPr>
+              <a:t>=</a:t>
+            </a:r>
+            <a:r>
+              <a:rPr lang="en-GB" sz="1050" dirty="0">
+                <a:solidFill>
+                  <a:srgbClr val="CE9178"/>
+                </a:solidFill>
+                <a:latin typeface="Menlo" panose="020B0609030804020204" pitchFamily="49" charset="0"/>
+              </a:rPr>
+              <a:t>"payload"</a:t>
+            </a:r>
+            <a:r>
+              <a:rPr lang="en-GB" sz="1050" dirty="0">
+                <a:solidFill>
+                  <a:srgbClr val="808080"/>
+                </a:solidFill>
+                <a:latin typeface="Menlo" panose="020B0609030804020204" pitchFamily="49" charset="0"/>
+              </a:rPr>
+              <a:t>&gt;</a:t>
+            </a:r>
+            <a:r>
+              <a:rPr lang="en-GB" sz="1050" dirty="0">
+                <a:solidFill>
+                  <a:srgbClr val="6A9955"/>
+                </a:solidFill>
+                <a:latin typeface="Menlo" panose="020B0609030804020204" pitchFamily="49" charset="0"/>
+              </a:rPr>
+              <a:t>Instance of payload to publish</a:t>
+            </a:r>
+            <a:r>
+              <a:rPr lang="en-GB" sz="1050" dirty="0">
+                <a:solidFill>
+                  <a:srgbClr val="808080"/>
+                </a:solidFill>
+                <a:latin typeface="Menlo" panose="020B0609030804020204" pitchFamily="49" charset="0"/>
+              </a:rPr>
+              <a:t>&lt;/</a:t>
+            </a:r>
+            <a:r>
+              <a:rPr lang="en-GB" sz="1050" dirty="0">
+                <a:solidFill>
+                  <a:srgbClr val="569CD6"/>
+                </a:solidFill>
+                <a:latin typeface="Menlo" panose="020B0609030804020204" pitchFamily="49" charset="0"/>
+              </a:rPr>
+              <a:t>param</a:t>
+            </a:r>
+            <a:r>
+              <a:rPr lang="en-GB" sz="1050" dirty="0">
+                <a:solidFill>
+                  <a:srgbClr val="808080"/>
+                </a:solidFill>
+                <a:latin typeface="Menlo" panose="020B0609030804020204" pitchFamily="49" charset="0"/>
+              </a:rPr>
+              <a:t>&gt;</a:t>
+            </a:r>
+            <a:endParaRPr lang="en-GB" sz="1050" dirty="0">
+              <a:solidFill>
+                <a:srgbClr val="D4D4D4"/>
+              </a:solidFill>
+              <a:latin typeface="Menlo" panose="020B0609030804020204" pitchFamily="49" charset="0"/>
+            </a:endParaRPr>
+          </a:p>
+          <a:p>
+            <a:pPr marL="731520" lvl="3" indent="0" algn="l" rtl="0">
+              <a:buNone/>
+            </a:pPr>
+            <a:r>
+              <a:rPr lang="en-GB" sz="1050" dirty="0">
+                <a:solidFill>
+                  <a:srgbClr val="6A9955"/>
+                </a:solidFill>
+                <a:latin typeface="Menlo" panose="020B0609030804020204" pitchFamily="49" charset="0"/>
+              </a:rPr>
+              <a:t>/// </a:t>
+            </a:r>
+            <a:r>
+              <a:rPr lang="en-GB" sz="1050" dirty="0">
+                <a:solidFill>
+                  <a:srgbClr val="808080"/>
+                </a:solidFill>
+                <a:latin typeface="Menlo" panose="020B0609030804020204" pitchFamily="49" charset="0"/>
+              </a:rPr>
+              <a:t>&lt;</a:t>
+            </a:r>
+            <a:r>
+              <a:rPr lang="en-GB" sz="1050" dirty="0" err="1">
+                <a:solidFill>
+                  <a:srgbClr val="569CD6"/>
+                </a:solidFill>
+                <a:latin typeface="Menlo" panose="020B0609030804020204" pitchFamily="49" charset="0"/>
+              </a:rPr>
+              <a:t>typeparam</a:t>
+            </a:r>
+            <a:r>
+              <a:rPr lang="en-GB" sz="1050" dirty="0">
+                <a:solidFill>
+                  <a:srgbClr val="6A9955"/>
+                </a:solidFill>
+                <a:latin typeface="Menlo" panose="020B0609030804020204" pitchFamily="49" charset="0"/>
+              </a:rPr>
+              <a:t> </a:t>
+            </a:r>
+            <a:r>
+              <a:rPr lang="en-GB" sz="1050" dirty="0">
+                <a:solidFill>
+                  <a:srgbClr val="9CDCFE"/>
+                </a:solidFill>
+                <a:latin typeface="Menlo" panose="020B0609030804020204" pitchFamily="49" charset="0"/>
+              </a:rPr>
+              <a:t>name</a:t>
+            </a:r>
+            <a:r>
+              <a:rPr lang="en-GB" sz="1050" dirty="0">
+                <a:solidFill>
+                  <a:srgbClr val="6A9955"/>
+                </a:solidFill>
+                <a:latin typeface="Menlo" panose="020B0609030804020204" pitchFamily="49" charset="0"/>
+              </a:rPr>
+              <a:t>=</a:t>
+            </a:r>
+            <a:r>
+              <a:rPr lang="en-GB" sz="1050" dirty="0">
+                <a:solidFill>
+                  <a:srgbClr val="CE9178"/>
+                </a:solidFill>
+                <a:latin typeface="Menlo" panose="020B0609030804020204" pitchFamily="49" charset="0"/>
+              </a:rPr>
+              <a:t>"T"</a:t>
+            </a:r>
+            <a:r>
+              <a:rPr lang="en-GB" sz="1050" dirty="0">
+                <a:solidFill>
+                  <a:srgbClr val="808080"/>
+                </a:solidFill>
+                <a:latin typeface="Menlo" panose="020B0609030804020204" pitchFamily="49" charset="0"/>
+              </a:rPr>
+              <a:t>&gt;</a:t>
+            </a:r>
+            <a:r>
+              <a:rPr lang="en-GB" sz="1050" dirty="0">
+                <a:solidFill>
+                  <a:srgbClr val="6A9955"/>
+                </a:solidFill>
+                <a:latin typeface="Menlo" panose="020B0609030804020204" pitchFamily="49" charset="0"/>
+              </a:rPr>
+              <a:t>The type of payload to publish</a:t>
+            </a:r>
+            <a:r>
+              <a:rPr lang="en-GB" sz="1050" dirty="0">
+                <a:solidFill>
+                  <a:srgbClr val="808080"/>
+                </a:solidFill>
+                <a:latin typeface="Menlo" panose="020B0609030804020204" pitchFamily="49" charset="0"/>
+              </a:rPr>
+              <a:t>&lt;/</a:t>
+            </a:r>
+            <a:r>
+              <a:rPr lang="en-GB" sz="1050" dirty="0" err="1">
+                <a:solidFill>
+                  <a:srgbClr val="569CD6"/>
+                </a:solidFill>
+                <a:latin typeface="Menlo" panose="020B0609030804020204" pitchFamily="49" charset="0"/>
+              </a:rPr>
+              <a:t>typeparam</a:t>
+            </a:r>
+            <a:r>
+              <a:rPr lang="en-GB" sz="1050" dirty="0">
+                <a:solidFill>
+                  <a:srgbClr val="808080"/>
+                </a:solidFill>
+                <a:latin typeface="Menlo" panose="020B0609030804020204" pitchFamily="49" charset="0"/>
+              </a:rPr>
+              <a:t>&gt;</a:t>
+            </a:r>
+            <a:endParaRPr lang="en-GB" sz="1050" dirty="0">
+              <a:solidFill>
+                <a:srgbClr val="D4D4D4"/>
+              </a:solidFill>
+              <a:latin typeface="Menlo" panose="020B0609030804020204" pitchFamily="49" charset="0"/>
+            </a:endParaRPr>
+          </a:p>
+          <a:p>
+            <a:pPr marL="731520" lvl="3" indent="0" algn="l" rtl="0">
+              <a:buNone/>
+            </a:pPr>
+            <a:r>
+              <a:rPr lang="en-GB" sz="1100" dirty="0">
+                <a:solidFill>
+                  <a:srgbClr val="569CD6"/>
+                </a:solidFill>
+                <a:latin typeface="Menlo" panose="020B0609030804020204" pitchFamily="49" charset="0"/>
+              </a:rPr>
+              <a:t>void</a:t>
+            </a:r>
+            <a:r>
+              <a:rPr lang="en-GB" sz="1100" dirty="0">
+                <a:solidFill>
+                  <a:srgbClr val="D4D4D4"/>
+                </a:solidFill>
+                <a:latin typeface="Menlo" panose="020B0609030804020204" pitchFamily="49" charset="0"/>
+              </a:rPr>
+              <a:t> </a:t>
+            </a:r>
+            <a:r>
+              <a:rPr lang="en-GB" sz="1100" dirty="0">
+                <a:solidFill>
+                  <a:srgbClr val="DCDCAA"/>
+                </a:solidFill>
+                <a:latin typeface="Menlo" panose="020B0609030804020204" pitchFamily="49" charset="0"/>
+              </a:rPr>
+              <a:t>Publish</a:t>
+            </a:r>
+            <a:r>
+              <a:rPr lang="en-GB" sz="1100" dirty="0">
+                <a:solidFill>
+                  <a:srgbClr val="D4D4D4"/>
+                </a:solidFill>
+                <a:latin typeface="Menlo" panose="020B0609030804020204" pitchFamily="49" charset="0"/>
+              </a:rPr>
+              <a:t>&lt;</a:t>
+            </a:r>
+            <a:r>
+              <a:rPr lang="en-GB" sz="1100" dirty="0">
+                <a:solidFill>
+                  <a:srgbClr val="4EC9B0"/>
+                </a:solidFill>
+                <a:latin typeface="Menlo" panose="020B0609030804020204" pitchFamily="49" charset="0"/>
+              </a:rPr>
+              <a:t>T</a:t>
+            </a:r>
+            <a:r>
+              <a:rPr lang="en-GB" sz="1100" dirty="0">
+                <a:solidFill>
+                  <a:srgbClr val="D4D4D4"/>
+                </a:solidFill>
+                <a:latin typeface="Menlo" panose="020B0609030804020204" pitchFamily="49" charset="0"/>
+              </a:rPr>
+              <a:t>&gt;(</a:t>
+            </a:r>
+            <a:r>
+              <a:rPr lang="en-GB" sz="1100" dirty="0">
+                <a:solidFill>
+                  <a:srgbClr val="4EC9B0"/>
+                </a:solidFill>
+                <a:latin typeface="Menlo" panose="020B0609030804020204" pitchFamily="49" charset="0"/>
+              </a:rPr>
+              <a:t>T</a:t>
+            </a:r>
+            <a:r>
+              <a:rPr lang="en-GB" sz="1100" dirty="0">
+                <a:solidFill>
+                  <a:srgbClr val="D4D4D4"/>
+                </a:solidFill>
+                <a:latin typeface="Menlo" panose="020B0609030804020204" pitchFamily="49" charset="0"/>
+              </a:rPr>
+              <a:t> </a:t>
+            </a:r>
+            <a:r>
+              <a:rPr lang="en-GB" sz="1100" dirty="0">
+                <a:solidFill>
+                  <a:srgbClr val="9CDCFE"/>
+                </a:solidFill>
+                <a:latin typeface="Menlo" panose="020B0609030804020204" pitchFamily="49" charset="0"/>
+              </a:rPr>
+              <a:t>payload</a:t>
+            </a:r>
+            <a:r>
+              <a:rPr lang="en-GB" sz="1100" dirty="0">
+                <a:solidFill>
+                  <a:srgbClr val="D4D4D4"/>
+                </a:solidFill>
+                <a:latin typeface="Menlo" panose="020B0609030804020204" pitchFamily="49" charset="0"/>
+              </a:rPr>
+              <a:t>);</a:t>
+            </a:r>
+          </a:p>
+          <a:p>
+            <a:pPr marL="731520" lvl="3" indent="0" algn="l" rtl="0">
+              <a:buNone/>
+            </a:pPr>
+            <a:br>
+              <a:rPr lang="en-GB" sz="1100" dirty="0">
+                <a:solidFill>
+                  <a:srgbClr val="D4D4D4"/>
+                </a:solidFill>
+                <a:latin typeface="Menlo" panose="020B0609030804020204" pitchFamily="49" charset="0"/>
+              </a:rPr>
+            </a:br>
+            <a:r>
+              <a:rPr lang="en-GB" sz="1050" dirty="0">
+                <a:solidFill>
+                  <a:srgbClr val="6A9955"/>
+                </a:solidFill>
+                <a:latin typeface="Menlo" panose="020B0609030804020204" pitchFamily="49" charset="0"/>
+              </a:rPr>
+              <a:t>/// </a:t>
+            </a:r>
+            <a:r>
+              <a:rPr lang="en-GB" sz="1050" dirty="0">
+                <a:solidFill>
+                  <a:srgbClr val="808080"/>
+                </a:solidFill>
+                <a:latin typeface="Menlo" panose="020B0609030804020204" pitchFamily="49" charset="0"/>
+              </a:rPr>
+              <a:t>&lt;</a:t>
+            </a:r>
+            <a:r>
+              <a:rPr lang="en-GB" sz="1050" dirty="0">
+                <a:solidFill>
+                  <a:srgbClr val="569CD6"/>
+                </a:solidFill>
+                <a:latin typeface="Menlo" panose="020B0609030804020204" pitchFamily="49" charset="0"/>
+              </a:rPr>
+              <a:t>summary</a:t>
+            </a:r>
+            <a:r>
+              <a:rPr lang="en-GB" sz="1050" dirty="0">
+                <a:solidFill>
+                  <a:srgbClr val="808080"/>
+                </a:solidFill>
+                <a:latin typeface="Menlo" panose="020B0609030804020204" pitchFamily="49" charset="0"/>
+              </a:rPr>
+              <a:t>&gt;</a:t>
+            </a:r>
+            <a:endParaRPr lang="en-GB" sz="1050" dirty="0">
+              <a:solidFill>
+                <a:srgbClr val="D4D4D4"/>
+              </a:solidFill>
+              <a:latin typeface="Menlo" panose="020B0609030804020204" pitchFamily="49" charset="0"/>
+            </a:endParaRPr>
+          </a:p>
+          <a:p>
+            <a:pPr marL="731520" lvl="3" indent="0" algn="l" rtl="0">
+              <a:buNone/>
+            </a:pPr>
+            <a:r>
+              <a:rPr lang="en-GB" sz="1050" dirty="0">
+                <a:solidFill>
+                  <a:srgbClr val="6A9955"/>
+                </a:solidFill>
+                <a:latin typeface="Menlo" panose="020B0609030804020204" pitchFamily="49" charset="0"/>
+              </a:rPr>
+              <a:t>/// Subscribe given callback to receive payload</a:t>
+            </a:r>
+            <a:endParaRPr lang="en-GB" sz="1050" dirty="0">
+              <a:solidFill>
+                <a:srgbClr val="D4D4D4"/>
+              </a:solidFill>
+              <a:latin typeface="Menlo" panose="020B0609030804020204" pitchFamily="49" charset="0"/>
+            </a:endParaRPr>
+          </a:p>
+          <a:p>
+            <a:pPr marL="731520" lvl="3" indent="0" algn="l" rtl="0">
+              <a:buNone/>
+            </a:pPr>
+            <a:r>
+              <a:rPr lang="en-GB" sz="1050" dirty="0">
+                <a:solidFill>
+                  <a:srgbClr val="6A9955"/>
+                </a:solidFill>
+                <a:latin typeface="Menlo" panose="020B0609030804020204" pitchFamily="49" charset="0"/>
+              </a:rPr>
+              <a:t>/// </a:t>
+            </a:r>
+            <a:r>
+              <a:rPr lang="en-GB" sz="1050" dirty="0">
+                <a:solidFill>
+                  <a:srgbClr val="808080"/>
+                </a:solidFill>
+                <a:latin typeface="Menlo" panose="020B0609030804020204" pitchFamily="49" charset="0"/>
+              </a:rPr>
+              <a:t>&lt;/</a:t>
+            </a:r>
+            <a:r>
+              <a:rPr lang="en-GB" sz="1050" dirty="0">
+                <a:solidFill>
+                  <a:srgbClr val="569CD6"/>
+                </a:solidFill>
+                <a:latin typeface="Menlo" panose="020B0609030804020204" pitchFamily="49" charset="0"/>
+              </a:rPr>
+              <a:t>summary</a:t>
+            </a:r>
+            <a:r>
+              <a:rPr lang="en-GB" sz="1050" dirty="0">
+                <a:solidFill>
+                  <a:srgbClr val="808080"/>
+                </a:solidFill>
+                <a:latin typeface="Menlo" panose="020B0609030804020204" pitchFamily="49" charset="0"/>
+              </a:rPr>
+              <a:t>&gt;</a:t>
+            </a:r>
+            <a:endParaRPr lang="en-GB" sz="1050" dirty="0">
+              <a:solidFill>
+                <a:srgbClr val="D4D4D4"/>
+              </a:solidFill>
+              <a:latin typeface="Menlo" panose="020B0609030804020204" pitchFamily="49" charset="0"/>
+            </a:endParaRPr>
+          </a:p>
+          <a:p>
+            <a:pPr marL="731520" lvl="3" indent="0" algn="l" rtl="0">
+              <a:buNone/>
+            </a:pPr>
+            <a:r>
+              <a:rPr lang="en-GB" sz="1050" dirty="0">
+                <a:solidFill>
+                  <a:srgbClr val="6A9955"/>
+                </a:solidFill>
+                <a:latin typeface="Menlo" panose="020B0609030804020204" pitchFamily="49" charset="0"/>
+              </a:rPr>
+              <a:t>/// </a:t>
+            </a:r>
+            <a:r>
+              <a:rPr lang="en-GB" sz="1050" dirty="0">
+                <a:solidFill>
+                  <a:srgbClr val="808080"/>
+                </a:solidFill>
+                <a:latin typeface="Menlo" panose="020B0609030804020204" pitchFamily="49" charset="0"/>
+              </a:rPr>
+              <a:t>&lt;</a:t>
+            </a:r>
+            <a:r>
+              <a:rPr lang="en-GB" sz="1050" dirty="0">
+                <a:solidFill>
+                  <a:srgbClr val="569CD6"/>
+                </a:solidFill>
+                <a:latin typeface="Menlo" panose="020B0609030804020204" pitchFamily="49" charset="0"/>
+              </a:rPr>
+              <a:t>param</a:t>
+            </a:r>
+            <a:r>
+              <a:rPr lang="en-GB" sz="1050" dirty="0">
+                <a:solidFill>
+                  <a:srgbClr val="6A9955"/>
+                </a:solidFill>
+                <a:latin typeface="Menlo" panose="020B0609030804020204" pitchFamily="49" charset="0"/>
+              </a:rPr>
+              <a:t> </a:t>
+            </a:r>
+            <a:r>
+              <a:rPr lang="en-GB" sz="1050" dirty="0">
+                <a:solidFill>
+                  <a:srgbClr val="9CDCFE"/>
+                </a:solidFill>
+                <a:latin typeface="Menlo" panose="020B0609030804020204" pitchFamily="49" charset="0"/>
+              </a:rPr>
+              <a:t>name</a:t>
+            </a:r>
+            <a:r>
+              <a:rPr lang="en-GB" sz="1050" dirty="0">
+                <a:solidFill>
+                  <a:srgbClr val="6A9955"/>
+                </a:solidFill>
+                <a:latin typeface="Menlo" panose="020B0609030804020204" pitchFamily="49" charset="0"/>
+              </a:rPr>
+              <a:t>=</a:t>
+            </a:r>
+            <a:r>
+              <a:rPr lang="en-GB" sz="1050" dirty="0">
+                <a:solidFill>
+                  <a:srgbClr val="CE9178"/>
+                </a:solidFill>
+                <a:latin typeface="Menlo" panose="020B0609030804020204" pitchFamily="49" charset="0"/>
+              </a:rPr>
+              <a:t>"callback"</a:t>
+            </a:r>
+            <a:r>
+              <a:rPr lang="en-GB" sz="1050" dirty="0">
+                <a:solidFill>
+                  <a:srgbClr val="808080"/>
+                </a:solidFill>
+                <a:latin typeface="Menlo" panose="020B0609030804020204" pitchFamily="49" charset="0"/>
+              </a:rPr>
+              <a:t>&gt;</a:t>
+            </a:r>
+            <a:r>
+              <a:rPr lang="en-GB" sz="1050" dirty="0">
+                <a:solidFill>
+                  <a:srgbClr val="6A9955"/>
+                </a:solidFill>
+                <a:latin typeface="Menlo" panose="020B0609030804020204" pitchFamily="49" charset="0"/>
+              </a:rPr>
+              <a:t>The callback that will receive the payload</a:t>
+            </a:r>
+            <a:r>
+              <a:rPr lang="en-GB" sz="1050" dirty="0">
+                <a:solidFill>
+                  <a:srgbClr val="808080"/>
+                </a:solidFill>
+                <a:latin typeface="Menlo" panose="020B0609030804020204" pitchFamily="49" charset="0"/>
+              </a:rPr>
+              <a:t>&lt;/</a:t>
+            </a:r>
+            <a:r>
+              <a:rPr lang="en-GB" sz="1050" dirty="0">
+                <a:solidFill>
+                  <a:srgbClr val="569CD6"/>
+                </a:solidFill>
+                <a:latin typeface="Menlo" panose="020B0609030804020204" pitchFamily="49" charset="0"/>
+              </a:rPr>
+              <a:t>param</a:t>
+            </a:r>
+            <a:r>
+              <a:rPr lang="en-GB" sz="1050" dirty="0">
+                <a:solidFill>
+                  <a:srgbClr val="808080"/>
+                </a:solidFill>
+                <a:latin typeface="Menlo" panose="020B0609030804020204" pitchFamily="49" charset="0"/>
+              </a:rPr>
+              <a:t>&gt;</a:t>
+            </a:r>
+            <a:endParaRPr lang="en-GB" sz="1050" dirty="0">
+              <a:solidFill>
+                <a:srgbClr val="D4D4D4"/>
+              </a:solidFill>
+              <a:latin typeface="Menlo" panose="020B0609030804020204" pitchFamily="49" charset="0"/>
+            </a:endParaRPr>
+          </a:p>
+          <a:p>
+            <a:pPr marL="731520" lvl="3" indent="0" algn="l" rtl="0">
+              <a:buNone/>
+            </a:pPr>
+            <a:r>
+              <a:rPr lang="en-GB" sz="1050" dirty="0">
+                <a:solidFill>
+                  <a:srgbClr val="6A9955"/>
+                </a:solidFill>
+                <a:latin typeface="Menlo" panose="020B0609030804020204" pitchFamily="49" charset="0"/>
+              </a:rPr>
+              <a:t>/// </a:t>
+            </a:r>
+            <a:r>
+              <a:rPr lang="en-GB" sz="1050" dirty="0">
+                <a:solidFill>
+                  <a:srgbClr val="808080"/>
+                </a:solidFill>
+                <a:latin typeface="Menlo" panose="020B0609030804020204" pitchFamily="49" charset="0"/>
+              </a:rPr>
+              <a:t>&lt;</a:t>
+            </a:r>
+            <a:r>
+              <a:rPr lang="en-GB" sz="1050" dirty="0">
+                <a:solidFill>
+                  <a:srgbClr val="569CD6"/>
+                </a:solidFill>
+                <a:latin typeface="Menlo" panose="020B0609030804020204" pitchFamily="49" charset="0"/>
+              </a:rPr>
+              <a:t>param</a:t>
+            </a:r>
+            <a:r>
+              <a:rPr lang="en-GB" sz="1050" dirty="0">
+                <a:solidFill>
+                  <a:srgbClr val="6A9955"/>
+                </a:solidFill>
+                <a:latin typeface="Menlo" panose="020B0609030804020204" pitchFamily="49" charset="0"/>
+              </a:rPr>
+              <a:t> </a:t>
+            </a:r>
+            <a:r>
+              <a:rPr lang="en-GB" sz="1050" dirty="0">
+                <a:solidFill>
+                  <a:srgbClr val="9CDCFE"/>
+                </a:solidFill>
+                <a:latin typeface="Menlo" panose="020B0609030804020204" pitchFamily="49" charset="0"/>
+              </a:rPr>
+              <a:t>name</a:t>
+            </a:r>
+            <a:r>
+              <a:rPr lang="en-GB" sz="1050" dirty="0">
+                <a:solidFill>
+                  <a:srgbClr val="6A9955"/>
+                </a:solidFill>
+                <a:latin typeface="Menlo" panose="020B0609030804020204" pitchFamily="49" charset="0"/>
+              </a:rPr>
+              <a:t>=</a:t>
+            </a:r>
+            <a:r>
+              <a:rPr lang="en-GB" sz="1050" dirty="0">
+                <a:solidFill>
+                  <a:srgbClr val="CE9178"/>
+                </a:solidFill>
+                <a:latin typeface="Menlo" panose="020B0609030804020204" pitchFamily="49" charset="0"/>
+              </a:rPr>
+              <a:t>"predicate"</a:t>
+            </a:r>
+            <a:r>
+              <a:rPr lang="en-GB" sz="1050" dirty="0">
+                <a:solidFill>
+                  <a:srgbClr val="808080"/>
+                </a:solidFill>
+                <a:latin typeface="Menlo" panose="020B0609030804020204" pitchFamily="49" charset="0"/>
+              </a:rPr>
+              <a:t>&gt;</a:t>
+            </a:r>
+            <a:r>
+              <a:rPr lang="en-GB" sz="1050" dirty="0">
+                <a:solidFill>
+                  <a:srgbClr val="6A9955"/>
+                </a:solidFill>
+                <a:latin typeface="Menlo" panose="020B0609030804020204" pitchFamily="49" charset="0"/>
+              </a:rPr>
+              <a:t>The predicate to filter irrelevant payloads (optional)</a:t>
+            </a:r>
+            <a:r>
+              <a:rPr lang="en-GB" sz="1050" dirty="0">
+                <a:solidFill>
+                  <a:srgbClr val="808080"/>
+                </a:solidFill>
+                <a:latin typeface="Menlo" panose="020B0609030804020204" pitchFamily="49" charset="0"/>
+              </a:rPr>
+              <a:t>&lt;/</a:t>
+            </a:r>
+            <a:r>
+              <a:rPr lang="en-GB" sz="1050" dirty="0">
+                <a:solidFill>
+                  <a:srgbClr val="569CD6"/>
+                </a:solidFill>
+                <a:latin typeface="Menlo" panose="020B0609030804020204" pitchFamily="49" charset="0"/>
+              </a:rPr>
+              <a:t>param</a:t>
+            </a:r>
+            <a:r>
+              <a:rPr lang="en-GB" sz="1050" dirty="0">
+                <a:solidFill>
+                  <a:srgbClr val="808080"/>
+                </a:solidFill>
+                <a:latin typeface="Menlo" panose="020B0609030804020204" pitchFamily="49" charset="0"/>
+              </a:rPr>
+              <a:t>&gt;</a:t>
+            </a:r>
+            <a:endParaRPr lang="en-GB" sz="1050" dirty="0">
+              <a:solidFill>
+                <a:srgbClr val="D4D4D4"/>
+              </a:solidFill>
+              <a:latin typeface="Menlo" panose="020B0609030804020204" pitchFamily="49" charset="0"/>
+            </a:endParaRPr>
+          </a:p>
+          <a:p>
+            <a:pPr marL="731520" lvl="3" indent="0" algn="l" rtl="0">
+              <a:buNone/>
+            </a:pPr>
+            <a:r>
+              <a:rPr lang="en-GB" sz="1050" dirty="0">
+                <a:solidFill>
+                  <a:srgbClr val="6A9955"/>
+                </a:solidFill>
+                <a:latin typeface="Menlo" panose="020B0609030804020204" pitchFamily="49" charset="0"/>
+              </a:rPr>
+              <a:t>/// </a:t>
+            </a:r>
+            <a:r>
+              <a:rPr lang="en-GB" sz="1050" dirty="0">
+                <a:solidFill>
+                  <a:srgbClr val="808080"/>
+                </a:solidFill>
+                <a:latin typeface="Menlo" panose="020B0609030804020204" pitchFamily="49" charset="0"/>
+              </a:rPr>
+              <a:t>&lt;</a:t>
+            </a:r>
+            <a:r>
+              <a:rPr lang="en-GB" sz="1050" dirty="0" err="1">
+                <a:solidFill>
+                  <a:srgbClr val="569CD6"/>
+                </a:solidFill>
+                <a:latin typeface="Menlo" panose="020B0609030804020204" pitchFamily="49" charset="0"/>
+              </a:rPr>
+              <a:t>typeparam</a:t>
+            </a:r>
+            <a:r>
+              <a:rPr lang="en-GB" sz="1050" dirty="0">
+                <a:solidFill>
+                  <a:srgbClr val="6A9955"/>
+                </a:solidFill>
+                <a:latin typeface="Menlo" panose="020B0609030804020204" pitchFamily="49" charset="0"/>
+              </a:rPr>
+              <a:t> </a:t>
+            </a:r>
+            <a:r>
+              <a:rPr lang="en-GB" sz="1050" dirty="0">
+                <a:solidFill>
+                  <a:srgbClr val="9CDCFE"/>
+                </a:solidFill>
+                <a:latin typeface="Menlo" panose="020B0609030804020204" pitchFamily="49" charset="0"/>
+              </a:rPr>
+              <a:t>name</a:t>
+            </a:r>
+            <a:r>
+              <a:rPr lang="en-GB" sz="1050" dirty="0">
+                <a:solidFill>
+                  <a:srgbClr val="6A9955"/>
+                </a:solidFill>
+                <a:latin typeface="Menlo" panose="020B0609030804020204" pitchFamily="49" charset="0"/>
+              </a:rPr>
+              <a:t>=</a:t>
+            </a:r>
+            <a:r>
+              <a:rPr lang="en-GB" sz="1050" dirty="0">
+                <a:solidFill>
+                  <a:srgbClr val="CE9178"/>
+                </a:solidFill>
+                <a:latin typeface="Menlo" panose="020B0609030804020204" pitchFamily="49" charset="0"/>
+              </a:rPr>
+              <a:t>"T"</a:t>
+            </a:r>
+            <a:r>
+              <a:rPr lang="en-GB" sz="1050" dirty="0">
+                <a:solidFill>
+                  <a:srgbClr val="808080"/>
+                </a:solidFill>
+                <a:latin typeface="Menlo" panose="020B0609030804020204" pitchFamily="49" charset="0"/>
+              </a:rPr>
+              <a:t>&gt;</a:t>
+            </a:r>
+            <a:r>
+              <a:rPr lang="en-GB" sz="1050" dirty="0">
+                <a:solidFill>
+                  <a:srgbClr val="6A9955"/>
+                </a:solidFill>
+                <a:latin typeface="Menlo" panose="020B0609030804020204" pitchFamily="49" charset="0"/>
+              </a:rPr>
+              <a:t>The type of payload to receive</a:t>
+            </a:r>
+            <a:r>
+              <a:rPr lang="en-GB" sz="1050" dirty="0">
+                <a:solidFill>
+                  <a:srgbClr val="808080"/>
+                </a:solidFill>
+                <a:latin typeface="Menlo" panose="020B0609030804020204" pitchFamily="49" charset="0"/>
+              </a:rPr>
+              <a:t>&lt;/</a:t>
+            </a:r>
+            <a:r>
+              <a:rPr lang="en-GB" sz="1050" dirty="0" err="1">
+                <a:solidFill>
+                  <a:srgbClr val="569CD6"/>
+                </a:solidFill>
+                <a:latin typeface="Menlo" panose="020B0609030804020204" pitchFamily="49" charset="0"/>
+              </a:rPr>
+              <a:t>typeparam</a:t>
+            </a:r>
+            <a:r>
+              <a:rPr lang="en-GB" sz="1050" dirty="0">
+                <a:solidFill>
+                  <a:srgbClr val="808080"/>
+                </a:solidFill>
+                <a:latin typeface="Menlo" panose="020B0609030804020204" pitchFamily="49" charset="0"/>
+              </a:rPr>
+              <a:t>&gt;</a:t>
+            </a:r>
+            <a:endParaRPr lang="en-GB" sz="1050" dirty="0">
+              <a:solidFill>
+                <a:srgbClr val="D4D4D4"/>
+              </a:solidFill>
+              <a:latin typeface="Menlo" panose="020B0609030804020204" pitchFamily="49" charset="0"/>
+            </a:endParaRPr>
+          </a:p>
+          <a:p>
+            <a:pPr marL="731520" lvl="3" indent="0" algn="l" rtl="0">
+              <a:buNone/>
+            </a:pPr>
+            <a:r>
+              <a:rPr lang="en-GB" sz="1100" dirty="0">
+                <a:solidFill>
+                  <a:srgbClr val="569CD6"/>
+                </a:solidFill>
+                <a:latin typeface="Menlo" panose="020B0609030804020204" pitchFamily="49" charset="0"/>
+              </a:rPr>
+              <a:t>void</a:t>
+            </a:r>
+            <a:r>
+              <a:rPr lang="en-GB" sz="1100" dirty="0">
+                <a:solidFill>
+                  <a:srgbClr val="D4D4D4"/>
+                </a:solidFill>
+                <a:latin typeface="Menlo" panose="020B0609030804020204" pitchFamily="49" charset="0"/>
+              </a:rPr>
+              <a:t> </a:t>
+            </a:r>
+            <a:r>
+              <a:rPr lang="en-GB" sz="1100" dirty="0">
+                <a:solidFill>
+                  <a:srgbClr val="DCDCAA"/>
+                </a:solidFill>
+                <a:latin typeface="Menlo" panose="020B0609030804020204" pitchFamily="49" charset="0"/>
+              </a:rPr>
+              <a:t>Subscribe</a:t>
+            </a:r>
+            <a:r>
+              <a:rPr lang="en-GB" sz="1100" dirty="0">
+                <a:solidFill>
+                  <a:srgbClr val="D4D4D4"/>
+                </a:solidFill>
+                <a:latin typeface="Menlo" panose="020B0609030804020204" pitchFamily="49" charset="0"/>
+              </a:rPr>
+              <a:t>&lt;</a:t>
+            </a:r>
+            <a:r>
+              <a:rPr lang="en-GB" sz="1100" dirty="0">
+                <a:solidFill>
+                  <a:srgbClr val="4EC9B0"/>
+                </a:solidFill>
+                <a:latin typeface="Menlo" panose="020B0609030804020204" pitchFamily="49" charset="0"/>
+              </a:rPr>
+              <a:t>T</a:t>
+            </a:r>
+            <a:r>
+              <a:rPr lang="en-GB" sz="1100" dirty="0">
+                <a:solidFill>
+                  <a:srgbClr val="D4D4D4"/>
+                </a:solidFill>
+                <a:latin typeface="Menlo" panose="020B0609030804020204" pitchFamily="49" charset="0"/>
+              </a:rPr>
+              <a:t>&gt;(</a:t>
+            </a:r>
+            <a:r>
+              <a:rPr lang="en-GB" sz="1100" dirty="0">
+                <a:solidFill>
+                  <a:srgbClr val="4EC9B0"/>
+                </a:solidFill>
+                <a:latin typeface="Menlo" panose="020B0609030804020204" pitchFamily="49" charset="0"/>
+              </a:rPr>
+              <a:t>Action</a:t>
+            </a:r>
+            <a:r>
+              <a:rPr lang="en-GB" sz="1100" dirty="0">
+                <a:solidFill>
+                  <a:srgbClr val="D4D4D4"/>
+                </a:solidFill>
+                <a:latin typeface="Menlo" panose="020B0609030804020204" pitchFamily="49" charset="0"/>
+              </a:rPr>
+              <a:t>&lt;</a:t>
+            </a:r>
+            <a:r>
+              <a:rPr lang="en-GB" sz="1100" dirty="0">
+                <a:solidFill>
+                  <a:srgbClr val="4EC9B0"/>
+                </a:solidFill>
+                <a:latin typeface="Menlo" panose="020B0609030804020204" pitchFamily="49" charset="0"/>
+              </a:rPr>
+              <a:t>T</a:t>
+            </a:r>
+            <a:r>
+              <a:rPr lang="en-GB" sz="1100" dirty="0">
+                <a:solidFill>
+                  <a:srgbClr val="D4D4D4"/>
+                </a:solidFill>
+                <a:latin typeface="Menlo" panose="020B0609030804020204" pitchFamily="49" charset="0"/>
+              </a:rPr>
+              <a:t>&gt; </a:t>
+            </a:r>
+            <a:r>
+              <a:rPr lang="en-GB" sz="1100" dirty="0">
+                <a:solidFill>
+                  <a:srgbClr val="9CDCFE"/>
+                </a:solidFill>
+                <a:latin typeface="Menlo" panose="020B0609030804020204" pitchFamily="49" charset="0"/>
+              </a:rPr>
+              <a:t>callback</a:t>
+            </a:r>
+            <a:r>
+              <a:rPr lang="en-GB" sz="1100" dirty="0">
+                <a:solidFill>
+                  <a:srgbClr val="D4D4D4"/>
+                </a:solidFill>
+                <a:latin typeface="Menlo" panose="020B0609030804020204" pitchFamily="49" charset="0"/>
+              </a:rPr>
+              <a:t>, </a:t>
+            </a:r>
+            <a:r>
+              <a:rPr lang="en-GB" sz="1100" dirty="0">
+                <a:solidFill>
+                  <a:srgbClr val="4EC9B0"/>
+                </a:solidFill>
+                <a:latin typeface="Menlo" panose="020B0609030804020204" pitchFamily="49" charset="0"/>
+              </a:rPr>
+              <a:t>Predicate</a:t>
+            </a:r>
+            <a:r>
+              <a:rPr lang="en-GB" sz="1100" dirty="0">
+                <a:solidFill>
+                  <a:srgbClr val="D4D4D4"/>
+                </a:solidFill>
+                <a:latin typeface="Menlo" panose="020B0609030804020204" pitchFamily="49" charset="0"/>
+              </a:rPr>
+              <a:t>&lt;</a:t>
+            </a:r>
+            <a:r>
+              <a:rPr lang="en-GB" sz="1100" dirty="0">
+                <a:solidFill>
+                  <a:srgbClr val="4EC9B0"/>
+                </a:solidFill>
+                <a:latin typeface="Menlo" panose="020B0609030804020204" pitchFamily="49" charset="0"/>
+              </a:rPr>
+              <a:t>T</a:t>
+            </a:r>
+            <a:r>
+              <a:rPr lang="en-GB" sz="1100" dirty="0">
+                <a:solidFill>
+                  <a:srgbClr val="D4D4D4"/>
+                </a:solidFill>
+                <a:latin typeface="Menlo" panose="020B0609030804020204" pitchFamily="49" charset="0"/>
+              </a:rPr>
+              <a:t>&gt; </a:t>
+            </a:r>
+            <a:r>
+              <a:rPr lang="en-GB" sz="1100" dirty="0">
+                <a:solidFill>
+                  <a:srgbClr val="9CDCFE"/>
+                </a:solidFill>
+                <a:latin typeface="Menlo" panose="020B0609030804020204" pitchFamily="49" charset="0"/>
+              </a:rPr>
+              <a:t>predicate</a:t>
+            </a:r>
+            <a:r>
+              <a:rPr lang="en-GB" sz="1100" dirty="0">
+                <a:solidFill>
+                  <a:srgbClr val="D4D4D4"/>
+                </a:solidFill>
+                <a:latin typeface="Menlo" panose="020B0609030804020204" pitchFamily="49" charset="0"/>
+              </a:rPr>
+              <a:t> = </a:t>
+            </a:r>
+            <a:r>
+              <a:rPr lang="en-GB" sz="1100" dirty="0">
+                <a:solidFill>
+                  <a:srgbClr val="569CD6"/>
+                </a:solidFill>
+                <a:latin typeface="Menlo" panose="020B0609030804020204" pitchFamily="49" charset="0"/>
+              </a:rPr>
+              <a:t>null</a:t>
+            </a:r>
+            <a:r>
+              <a:rPr lang="en-GB" sz="1100" dirty="0">
+                <a:solidFill>
+                  <a:srgbClr val="D4D4D4"/>
+                </a:solidFill>
+                <a:latin typeface="Menlo" panose="020B0609030804020204" pitchFamily="49" charset="0"/>
+              </a:rPr>
+              <a:t>);</a:t>
+            </a:r>
+          </a:p>
+          <a:p>
+            <a:pPr marL="731520" lvl="3" indent="0" algn="l" rtl="0">
+              <a:buNone/>
+            </a:pPr>
+            <a:br>
+              <a:rPr lang="en-GB" sz="1100" dirty="0">
+                <a:solidFill>
+                  <a:srgbClr val="D4D4D4"/>
+                </a:solidFill>
+                <a:latin typeface="Menlo" panose="020B0609030804020204" pitchFamily="49" charset="0"/>
+              </a:rPr>
+            </a:br>
+            <a:r>
+              <a:rPr lang="en-GB" sz="1050" dirty="0">
+                <a:solidFill>
+                  <a:srgbClr val="6A9955"/>
+                </a:solidFill>
+                <a:latin typeface="Menlo" panose="020B0609030804020204" pitchFamily="49" charset="0"/>
+              </a:rPr>
+              <a:t>/// </a:t>
+            </a:r>
+            <a:r>
+              <a:rPr lang="en-GB" sz="1050" dirty="0">
+                <a:solidFill>
+                  <a:srgbClr val="808080"/>
+                </a:solidFill>
+                <a:latin typeface="Menlo" panose="020B0609030804020204" pitchFamily="49" charset="0"/>
+              </a:rPr>
+              <a:t>&lt;</a:t>
+            </a:r>
+            <a:r>
+              <a:rPr lang="en-GB" sz="1050" dirty="0">
+                <a:solidFill>
+                  <a:srgbClr val="569CD6"/>
+                </a:solidFill>
+                <a:latin typeface="Menlo" panose="020B0609030804020204" pitchFamily="49" charset="0"/>
+              </a:rPr>
+              <a:t>summary</a:t>
+            </a:r>
+            <a:r>
+              <a:rPr lang="en-GB" sz="1050" dirty="0">
+                <a:solidFill>
+                  <a:srgbClr val="808080"/>
+                </a:solidFill>
+                <a:latin typeface="Menlo" panose="020B0609030804020204" pitchFamily="49" charset="0"/>
+              </a:rPr>
+              <a:t>&gt;</a:t>
+            </a:r>
+            <a:endParaRPr lang="en-GB" sz="1050" dirty="0">
+              <a:solidFill>
+                <a:srgbClr val="D4D4D4"/>
+              </a:solidFill>
+              <a:latin typeface="Menlo" panose="020B0609030804020204" pitchFamily="49" charset="0"/>
+            </a:endParaRPr>
+          </a:p>
+          <a:p>
+            <a:pPr marL="731520" lvl="3" indent="0" algn="l" rtl="0">
+              <a:buNone/>
+            </a:pPr>
+            <a:r>
+              <a:rPr lang="en-GB" sz="1050" dirty="0">
+                <a:solidFill>
+                  <a:srgbClr val="6A9955"/>
+                </a:solidFill>
+                <a:latin typeface="Menlo" panose="020B0609030804020204" pitchFamily="49" charset="0"/>
+              </a:rPr>
+              <a:t>/// Unsubscribe given callback from receiving payload </a:t>
+            </a:r>
+            <a:endParaRPr lang="en-GB" sz="1050" dirty="0">
+              <a:solidFill>
+                <a:srgbClr val="D4D4D4"/>
+              </a:solidFill>
+              <a:latin typeface="Menlo" panose="020B0609030804020204" pitchFamily="49" charset="0"/>
+            </a:endParaRPr>
+          </a:p>
+          <a:p>
+            <a:pPr marL="731520" lvl="3" indent="0" algn="l" rtl="0">
+              <a:buNone/>
+            </a:pPr>
+            <a:r>
+              <a:rPr lang="en-GB" sz="1050" dirty="0">
+                <a:solidFill>
+                  <a:srgbClr val="6A9955"/>
+                </a:solidFill>
+                <a:latin typeface="Menlo" panose="020B0609030804020204" pitchFamily="49" charset="0"/>
+              </a:rPr>
+              <a:t>/// </a:t>
+            </a:r>
+            <a:r>
+              <a:rPr lang="en-GB" sz="1050" dirty="0">
+                <a:solidFill>
+                  <a:srgbClr val="808080"/>
+                </a:solidFill>
+                <a:latin typeface="Menlo" panose="020B0609030804020204" pitchFamily="49" charset="0"/>
+              </a:rPr>
+              <a:t>&lt;/</a:t>
+            </a:r>
+            <a:r>
+              <a:rPr lang="en-GB" sz="1050" dirty="0">
+                <a:solidFill>
+                  <a:srgbClr val="569CD6"/>
+                </a:solidFill>
+                <a:latin typeface="Menlo" panose="020B0609030804020204" pitchFamily="49" charset="0"/>
+              </a:rPr>
+              <a:t>summary</a:t>
+            </a:r>
+            <a:r>
+              <a:rPr lang="en-GB" sz="1050" dirty="0">
+                <a:solidFill>
+                  <a:srgbClr val="808080"/>
+                </a:solidFill>
+                <a:latin typeface="Menlo" panose="020B0609030804020204" pitchFamily="49" charset="0"/>
+              </a:rPr>
+              <a:t>&gt;</a:t>
+            </a:r>
+            <a:endParaRPr lang="en-GB" sz="1050" dirty="0">
+              <a:solidFill>
+                <a:srgbClr val="D4D4D4"/>
+              </a:solidFill>
+              <a:latin typeface="Menlo" panose="020B0609030804020204" pitchFamily="49" charset="0"/>
+            </a:endParaRPr>
+          </a:p>
+          <a:p>
+            <a:pPr marL="731520" lvl="3" indent="0" algn="l" rtl="0">
+              <a:buNone/>
+            </a:pPr>
+            <a:r>
+              <a:rPr lang="en-GB" sz="1050" dirty="0">
+                <a:solidFill>
+                  <a:srgbClr val="6A9955"/>
+                </a:solidFill>
+                <a:latin typeface="Menlo" panose="020B0609030804020204" pitchFamily="49" charset="0"/>
+              </a:rPr>
+              <a:t>/// </a:t>
+            </a:r>
+            <a:r>
+              <a:rPr lang="en-GB" sz="1050" dirty="0">
+                <a:solidFill>
+                  <a:srgbClr val="808080"/>
+                </a:solidFill>
+                <a:latin typeface="Menlo" panose="020B0609030804020204" pitchFamily="49" charset="0"/>
+              </a:rPr>
+              <a:t>&lt;</a:t>
+            </a:r>
+            <a:r>
+              <a:rPr lang="en-GB" sz="1050" dirty="0">
+                <a:solidFill>
+                  <a:srgbClr val="569CD6"/>
+                </a:solidFill>
+                <a:latin typeface="Menlo" panose="020B0609030804020204" pitchFamily="49" charset="0"/>
+              </a:rPr>
+              <a:t>param</a:t>
+            </a:r>
+            <a:r>
+              <a:rPr lang="en-GB" sz="1050" dirty="0">
+                <a:solidFill>
+                  <a:srgbClr val="6A9955"/>
+                </a:solidFill>
+                <a:latin typeface="Menlo" panose="020B0609030804020204" pitchFamily="49" charset="0"/>
+              </a:rPr>
+              <a:t> </a:t>
+            </a:r>
+            <a:r>
+              <a:rPr lang="en-GB" sz="1050" dirty="0">
+                <a:solidFill>
+                  <a:srgbClr val="9CDCFE"/>
+                </a:solidFill>
+                <a:latin typeface="Menlo" panose="020B0609030804020204" pitchFamily="49" charset="0"/>
+              </a:rPr>
+              <a:t>name</a:t>
+            </a:r>
+            <a:r>
+              <a:rPr lang="en-GB" sz="1050" dirty="0">
+                <a:solidFill>
+                  <a:srgbClr val="6A9955"/>
+                </a:solidFill>
+                <a:latin typeface="Menlo" panose="020B0609030804020204" pitchFamily="49" charset="0"/>
+              </a:rPr>
+              <a:t>=</a:t>
+            </a:r>
+            <a:r>
+              <a:rPr lang="en-GB" sz="1050" dirty="0">
+                <a:solidFill>
+                  <a:srgbClr val="CE9178"/>
+                </a:solidFill>
+                <a:latin typeface="Menlo" panose="020B0609030804020204" pitchFamily="49" charset="0"/>
+              </a:rPr>
+              <a:t>"callback"</a:t>
+            </a:r>
+            <a:r>
+              <a:rPr lang="en-GB" sz="1050" dirty="0">
+                <a:solidFill>
+                  <a:srgbClr val="808080"/>
+                </a:solidFill>
+                <a:latin typeface="Menlo" panose="020B0609030804020204" pitchFamily="49" charset="0"/>
+              </a:rPr>
+              <a:t>&gt;</a:t>
+            </a:r>
+            <a:r>
+              <a:rPr lang="en-GB" sz="1050" dirty="0">
+                <a:solidFill>
+                  <a:srgbClr val="6A9955"/>
+                </a:solidFill>
+                <a:latin typeface="Menlo" panose="020B0609030804020204" pitchFamily="49" charset="0"/>
+              </a:rPr>
+              <a:t>The callback that subscribed to receive payload</a:t>
+            </a:r>
+            <a:r>
+              <a:rPr lang="en-GB" sz="1050" dirty="0">
+                <a:solidFill>
+                  <a:srgbClr val="808080"/>
+                </a:solidFill>
+                <a:latin typeface="Menlo" panose="020B0609030804020204" pitchFamily="49" charset="0"/>
+              </a:rPr>
+              <a:t>&lt;/</a:t>
+            </a:r>
+            <a:r>
+              <a:rPr lang="en-GB" sz="1050" dirty="0">
+                <a:solidFill>
+                  <a:srgbClr val="569CD6"/>
+                </a:solidFill>
+                <a:latin typeface="Menlo" panose="020B0609030804020204" pitchFamily="49" charset="0"/>
+              </a:rPr>
+              <a:t>param</a:t>
+            </a:r>
+            <a:r>
+              <a:rPr lang="en-GB" sz="1050" dirty="0">
+                <a:solidFill>
+                  <a:srgbClr val="808080"/>
+                </a:solidFill>
+                <a:latin typeface="Menlo" panose="020B0609030804020204" pitchFamily="49" charset="0"/>
+              </a:rPr>
+              <a:t>&gt;</a:t>
+            </a:r>
+            <a:endParaRPr lang="en-GB" sz="1050" dirty="0">
+              <a:solidFill>
+                <a:srgbClr val="D4D4D4"/>
+              </a:solidFill>
+              <a:latin typeface="Menlo" panose="020B0609030804020204" pitchFamily="49" charset="0"/>
+            </a:endParaRPr>
+          </a:p>
+          <a:p>
+            <a:pPr marL="731520" lvl="3" indent="0" algn="l" rtl="0">
+              <a:buNone/>
+            </a:pPr>
+            <a:r>
+              <a:rPr lang="en-GB" sz="1050" dirty="0">
+                <a:solidFill>
+                  <a:srgbClr val="6A9955"/>
+                </a:solidFill>
+                <a:latin typeface="Menlo" panose="020B0609030804020204" pitchFamily="49" charset="0"/>
+              </a:rPr>
+              <a:t>/// </a:t>
+            </a:r>
+            <a:r>
+              <a:rPr lang="en-GB" sz="1050" dirty="0">
+                <a:solidFill>
+                  <a:srgbClr val="808080"/>
+                </a:solidFill>
+                <a:latin typeface="Menlo" panose="020B0609030804020204" pitchFamily="49" charset="0"/>
+              </a:rPr>
+              <a:t>&lt;</a:t>
+            </a:r>
+            <a:r>
+              <a:rPr lang="en-GB" sz="1050" dirty="0" err="1">
+                <a:solidFill>
+                  <a:srgbClr val="569CD6"/>
+                </a:solidFill>
+                <a:latin typeface="Menlo" panose="020B0609030804020204" pitchFamily="49" charset="0"/>
+              </a:rPr>
+              <a:t>typeparam</a:t>
+            </a:r>
+            <a:r>
+              <a:rPr lang="en-GB" sz="1050" dirty="0">
+                <a:solidFill>
+                  <a:srgbClr val="6A9955"/>
+                </a:solidFill>
+                <a:latin typeface="Menlo" panose="020B0609030804020204" pitchFamily="49" charset="0"/>
+              </a:rPr>
+              <a:t> </a:t>
+            </a:r>
+            <a:r>
+              <a:rPr lang="en-GB" sz="1050" dirty="0">
+                <a:solidFill>
+                  <a:srgbClr val="9CDCFE"/>
+                </a:solidFill>
+                <a:latin typeface="Menlo" panose="020B0609030804020204" pitchFamily="49" charset="0"/>
+              </a:rPr>
+              <a:t>name</a:t>
+            </a:r>
+            <a:r>
+              <a:rPr lang="en-GB" sz="1050" dirty="0">
+                <a:solidFill>
+                  <a:srgbClr val="6A9955"/>
+                </a:solidFill>
+                <a:latin typeface="Menlo" panose="020B0609030804020204" pitchFamily="49" charset="0"/>
+              </a:rPr>
+              <a:t>=</a:t>
+            </a:r>
+            <a:r>
+              <a:rPr lang="en-GB" sz="1050" dirty="0">
+                <a:solidFill>
+                  <a:srgbClr val="CE9178"/>
+                </a:solidFill>
+                <a:latin typeface="Menlo" panose="020B0609030804020204" pitchFamily="49" charset="0"/>
+              </a:rPr>
+              <a:t>"T"</a:t>
+            </a:r>
+            <a:r>
+              <a:rPr lang="en-GB" sz="1050" dirty="0">
+                <a:solidFill>
+                  <a:srgbClr val="808080"/>
+                </a:solidFill>
+                <a:latin typeface="Menlo" panose="020B0609030804020204" pitchFamily="49" charset="0"/>
+              </a:rPr>
+              <a:t>&gt;</a:t>
+            </a:r>
+            <a:r>
+              <a:rPr lang="en-GB" sz="1050" dirty="0">
+                <a:solidFill>
+                  <a:srgbClr val="6A9955"/>
+                </a:solidFill>
+                <a:latin typeface="Menlo" panose="020B0609030804020204" pitchFamily="49" charset="0"/>
+              </a:rPr>
+              <a:t>Type of payload to unsubscribe from</a:t>
+            </a:r>
+            <a:r>
+              <a:rPr lang="en-GB" sz="1050" dirty="0">
+                <a:solidFill>
+                  <a:srgbClr val="808080"/>
+                </a:solidFill>
+                <a:latin typeface="Menlo" panose="020B0609030804020204" pitchFamily="49" charset="0"/>
+              </a:rPr>
+              <a:t>&lt;/</a:t>
+            </a:r>
+            <a:r>
+              <a:rPr lang="en-GB" sz="1050" dirty="0" err="1">
+                <a:solidFill>
+                  <a:srgbClr val="569CD6"/>
+                </a:solidFill>
+                <a:latin typeface="Menlo" panose="020B0609030804020204" pitchFamily="49" charset="0"/>
+              </a:rPr>
+              <a:t>typeparam</a:t>
+            </a:r>
+            <a:r>
+              <a:rPr lang="en-GB" sz="1050" dirty="0">
+                <a:solidFill>
+                  <a:srgbClr val="808080"/>
+                </a:solidFill>
+                <a:latin typeface="Menlo" panose="020B0609030804020204" pitchFamily="49" charset="0"/>
+              </a:rPr>
+              <a:t>&gt;</a:t>
+            </a:r>
+            <a:endParaRPr lang="en-GB" sz="1050" dirty="0">
+              <a:solidFill>
+                <a:srgbClr val="D4D4D4"/>
+              </a:solidFill>
+              <a:latin typeface="Menlo" panose="020B0609030804020204" pitchFamily="49" charset="0"/>
+            </a:endParaRPr>
+          </a:p>
+          <a:p>
+            <a:pPr marL="731520" lvl="3" indent="0" algn="l" rtl="0">
+              <a:buNone/>
+            </a:pPr>
+            <a:r>
+              <a:rPr lang="en-GB" sz="1100" dirty="0">
+                <a:solidFill>
+                  <a:srgbClr val="569CD6"/>
+                </a:solidFill>
+                <a:latin typeface="Menlo" panose="020B0609030804020204" pitchFamily="49" charset="0"/>
+              </a:rPr>
+              <a:t>void</a:t>
+            </a:r>
+            <a:r>
+              <a:rPr lang="en-GB" sz="1100" dirty="0">
+                <a:solidFill>
+                  <a:srgbClr val="D4D4D4"/>
+                </a:solidFill>
+                <a:latin typeface="Menlo" panose="020B0609030804020204" pitchFamily="49" charset="0"/>
+              </a:rPr>
+              <a:t> </a:t>
+            </a:r>
+            <a:r>
+              <a:rPr lang="en-GB" sz="1100" dirty="0">
+                <a:solidFill>
+                  <a:srgbClr val="DCDCAA"/>
+                </a:solidFill>
+                <a:latin typeface="Menlo" panose="020B0609030804020204" pitchFamily="49" charset="0"/>
+              </a:rPr>
+              <a:t>Unsubscribe</a:t>
+            </a:r>
+            <a:r>
+              <a:rPr lang="en-GB" sz="1100" dirty="0">
+                <a:solidFill>
+                  <a:srgbClr val="D4D4D4"/>
+                </a:solidFill>
+                <a:latin typeface="Menlo" panose="020B0609030804020204" pitchFamily="49" charset="0"/>
+              </a:rPr>
+              <a:t>&lt;</a:t>
+            </a:r>
+            <a:r>
+              <a:rPr lang="en-GB" sz="1100" dirty="0">
+                <a:solidFill>
+                  <a:srgbClr val="4EC9B0"/>
+                </a:solidFill>
+                <a:latin typeface="Menlo" panose="020B0609030804020204" pitchFamily="49" charset="0"/>
+              </a:rPr>
+              <a:t>T</a:t>
+            </a:r>
+            <a:r>
+              <a:rPr lang="en-GB" sz="1100" dirty="0">
+                <a:solidFill>
+                  <a:srgbClr val="D4D4D4"/>
+                </a:solidFill>
+                <a:latin typeface="Menlo" panose="020B0609030804020204" pitchFamily="49" charset="0"/>
+              </a:rPr>
+              <a:t>&gt;(</a:t>
+            </a:r>
+            <a:r>
+              <a:rPr lang="en-GB" sz="1100" dirty="0">
+                <a:solidFill>
+                  <a:srgbClr val="4EC9B0"/>
+                </a:solidFill>
+                <a:latin typeface="Menlo" panose="020B0609030804020204" pitchFamily="49" charset="0"/>
+              </a:rPr>
+              <a:t>Action</a:t>
+            </a:r>
+            <a:r>
+              <a:rPr lang="en-GB" sz="1100" dirty="0">
+                <a:solidFill>
+                  <a:srgbClr val="D4D4D4"/>
+                </a:solidFill>
+                <a:latin typeface="Menlo" panose="020B0609030804020204" pitchFamily="49" charset="0"/>
+              </a:rPr>
+              <a:t>&lt;</a:t>
+            </a:r>
+            <a:r>
+              <a:rPr lang="en-GB" sz="1100" dirty="0">
+                <a:solidFill>
+                  <a:srgbClr val="4EC9B0"/>
+                </a:solidFill>
+                <a:latin typeface="Menlo" panose="020B0609030804020204" pitchFamily="49" charset="0"/>
+              </a:rPr>
+              <a:t>T</a:t>
+            </a:r>
+            <a:r>
+              <a:rPr lang="en-GB" sz="1100" dirty="0">
+                <a:solidFill>
+                  <a:srgbClr val="D4D4D4"/>
+                </a:solidFill>
+                <a:latin typeface="Menlo" panose="020B0609030804020204" pitchFamily="49" charset="0"/>
+              </a:rPr>
+              <a:t>&gt; </a:t>
+            </a:r>
+            <a:r>
+              <a:rPr lang="en-GB" sz="1100" dirty="0">
+                <a:solidFill>
+                  <a:srgbClr val="9CDCFE"/>
+                </a:solidFill>
+                <a:latin typeface="Menlo" panose="020B0609030804020204" pitchFamily="49" charset="0"/>
+              </a:rPr>
+              <a:t>callback</a:t>
+            </a:r>
+            <a:r>
+              <a:rPr lang="en-GB" sz="1100" dirty="0">
+                <a:solidFill>
+                  <a:srgbClr val="D4D4D4"/>
+                </a:solidFill>
+                <a:latin typeface="Menlo" panose="020B0609030804020204" pitchFamily="49" charset="0"/>
+              </a:rPr>
+              <a:t>);</a:t>
+            </a:r>
+          </a:p>
+          <a:p>
+            <a:pPr marL="502920" lvl="2" indent="0" algn="l" rtl="0">
+              <a:buNone/>
+            </a:pPr>
+            <a:r>
+              <a:rPr lang="en-GB" sz="1100" dirty="0">
+                <a:solidFill>
+                  <a:srgbClr val="D4D4D4"/>
+                </a:solidFill>
+                <a:latin typeface="Menlo" panose="020B0609030804020204" pitchFamily="49" charset="0"/>
+              </a:rPr>
+              <a:t>}</a:t>
+            </a:r>
+            <a:endParaRPr lang="en-GB" sz="1000" dirty="0">
+              <a:solidFill>
+                <a:srgbClr val="D4D4D4"/>
+              </a:solidFill>
+              <a:latin typeface="Menlo" panose="020B0609030804020204" pitchFamily="49" charset="0"/>
+            </a:endParaRPr>
+          </a:p>
+        </p:txBody>
+      </p:sp>
+    </p:spTree>
+    <p:extLst>
+      <p:ext uri="{BB962C8B-B14F-4D97-AF65-F5344CB8AC3E}">
+        <p14:creationId xmlns:p14="http://schemas.microsoft.com/office/powerpoint/2010/main" val="4192422307"/>
+      </p:ext>
+    </p:extLst>
+  </p:cSld>
+  <p:clrMapOvr>
+    <a:masterClrMapping/>
+  </p:clrMapOvr>
+</p:sld>
+</file>
+
+<file path=ppt/slides/slide6.xml><?xml version="1.0" encoding="utf-8"?>
+<p:sld xmlns:a="http://schemas.openxmlformats.org/drawingml/2006/main" xmlns:r="http://schemas.openxmlformats.org/officeDocument/2006/relationships" xmlns:p="http://schemas.openxmlformats.org/presentationml/2006/main" showMasterSp="0">
+  <p:cSld>
+    <p:spTree>
+      <p:nvGrpSpPr>
+        <p:cNvPr id="1" name=""/>
+        <p:cNvGrpSpPr/>
+        <p:nvPr/>
+      </p:nvGrpSpPr>
+      <p:grpSpPr>
+        <a:xfrm>
+          <a:off x="0" y="0"/>
+          <a:ext cx="0" cy="0"/>
+          <a:chOff x="0" y="0"/>
+          <a:chExt cx="0" cy="0"/>
+        </a:xfrm>
+      </p:grpSpPr>
+      <p:sp>
+        <p:nvSpPr>
+          <p:cNvPr id="5" name="Content Placeholder 4"/>
+          <p:cNvSpPr>
+            <a:spLocks noGrp="1"/>
+          </p:cNvSpPr>
+          <p:nvPr>
+            <p:ph idx="1"/>
+          </p:nvPr>
+        </p:nvSpPr>
+        <p:spPr>
+          <a:xfrm>
+            <a:off x="107504" y="764704"/>
+            <a:ext cx="8928992" cy="5976664"/>
+          </a:xfrm>
+        </p:spPr>
+        <p:txBody>
+          <a:bodyPr tIns="72000" bIns="72000">
+            <a:noAutofit/>
+          </a:bodyPr>
+          <a:lstStyle/>
+          <a:p>
+            <a:pPr algn="l" rtl="0">
+              <a:spcAft>
+                <a:spcPts val="1200"/>
+              </a:spcAft>
+              <a:buFont typeface="Wingdings" pitchFamily="2" charset="2"/>
+              <a:buChar char="ü"/>
+            </a:pPr>
+            <a:r>
+              <a:rPr lang="en-US" sz="1400" b="1" dirty="0"/>
+              <a:t>Messenger</a:t>
+            </a:r>
+          </a:p>
+          <a:p>
+            <a:pPr marL="320040" lvl="1" indent="0" algn="l" rtl="0">
+              <a:buNone/>
+            </a:pPr>
+            <a:r>
+              <a:rPr lang="en-US" sz="1400" dirty="0"/>
+              <a:t>Access to default Messenger instance via: </a:t>
+            </a:r>
+            <a:r>
+              <a:rPr lang="en-GB" sz="1400" dirty="0" err="1">
+                <a:solidFill>
+                  <a:srgbClr val="9CDCFE"/>
+                </a:solidFill>
+                <a:latin typeface="Menlo" panose="020B0609030804020204" pitchFamily="49" charset="0"/>
+              </a:rPr>
+              <a:t>Messenger</a:t>
+            </a:r>
+            <a:r>
+              <a:rPr lang="en-GB" sz="1400" dirty="0" err="1">
+                <a:solidFill>
+                  <a:srgbClr val="D4D4D4"/>
+                </a:solidFill>
+                <a:latin typeface="Menlo" panose="020B0609030804020204" pitchFamily="49" charset="0"/>
+              </a:rPr>
+              <a:t>.</a:t>
+            </a:r>
+            <a:r>
+              <a:rPr lang="en-GB" sz="1400" dirty="0" err="1">
+                <a:solidFill>
+                  <a:srgbClr val="9CDCFE"/>
+                </a:solidFill>
+                <a:latin typeface="Menlo" panose="020B0609030804020204" pitchFamily="49" charset="0"/>
+              </a:rPr>
+              <a:t>Default</a:t>
+            </a:r>
+            <a:endParaRPr lang="en-GB" sz="1400" dirty="0">
+              <a:solidFill>
+                <a:srgbClr val="D4D4D4"/>
+              </a:solidFill>
+              <a:latin typeface="Menlo" panose="020B0609030804020204" pitchFamily="49" charset="0"/>
+            </a:endParaRPr>
+          </a:p>
+          <a:p>
+            <a:pPr algn="l" rtl="0">
+              <a:spcAft>
+                <a:spcPts val="1200"/>
+              </a:spcAft>
+              <a:buFont typeface="Wingdings" pitchFamily="2" charset="2"/>
+              <a:buChar char="ü"/>
+            </a:pPr>
+            <a:endParaRPr lang="ru-RU" sz="1400" b="1" dirty="0"/>
+          </a:p>
+          <a:p>
+            <a:pPr algn="l" rtl="0">
+              <a:spcAft>
+                <a:spcPts val="1200"/>
+              </a:spcAft>
+              <a:buFont typeface="Wingdings" pitchFamily="2" charset="2"/>
+              <a:buChar char="ü"/>
+            </a:pPr>
+            <a:r>
+              <a:rPr lang="en-US" sz="1400" b="1" dirty="0"/>
+              <a:t>Publish</a:t>
+            </a:r>
+            <a:endParaRPr lang="en-GB" sz="1400" dirty="0">
+              <a:solidFill>
+                <a:srgbClr val="9CDCFE"/>
+              </a:solidFill>
+              <a:latin typeface="Menlo" panose="020B0609030804020204" pitchFamily="49" charset="0"/>
+            </a:endParaRPr>
+          </a:p>
+          <a:p>
+            <a:pPr marL="320040" lvl="1" indent="0" algn="l" rtl="0">
+              <a:buNone/>
+            </a:pPr>
+            <a:r>
+              <a:rPr lang="en-GB" sz="1400" dirty="0" err="1">
+                <a:solidFill>
+                  <a:srgbClr val="9CDCFE"/>
+                </a:solidFill>
+                <a:latin typeface="Menlo" panose="020B0609030804020204" pitchFamily="49" charset="0"/>
+              </a:rPr>
+              <a:t>Messenger</a:t>
+            </a:r>
+            <a:r>
+              <a:rPr lang="en-GB" sz="1400" dirty="0" err="1">
+                <a:solidFill>
+                  <a:srgbClr val="D4D4D4"/>
+                </a:solidFill>
+                <a:latin typeface="Menlo" panose="020B0609030804020204" pitchFamily="49" charset="0"/>
+              </a:rPr>
+              <a:t>.</a:t>
+            </a:r>
+            <a:r>
+              <a:rPr lang="en-GB" sz="1400" dirty="0" err="1">
+                <a:solidFill>
+                  <a:srgbClr val="9CDCFE"/>
+                </a:solidFill>
+                <a:latin typeface="Menlo" panose="020B0609030804020204" pitchFamily="49" charset="0"/>
+              </a:rPr>
+              <a:t>Default</a:t>
+            </a:r>
+            <a:r>
+              <a:rPr lang="en-GB" sz="1400" dirty="0" err="1">
+                <a:solidFill>
+                  <a:srgbClr val="D4D4D4"/>
+                </a:solidFill>
+                <a:latin typeface="Menlo" panose="020B0609030804020204" pitchFamily="49" charset="0"/>
+              </a:rPr>
+              <a:t>.</a:t>
+            </a:r>
+            <a:r>
+              <a:rPr lang="en-GB" sz="1400" dirty="0" err="1">
+                <a:solidFill>
+                  <a:srgbClr val="DCDCAA"/>
+                </a:solidFill>
+                <a:latin typeface="Menlo" panose="020B0609030804020204" pitchFamily="49" charset="0"/>
+              </a:rPr>
+              <a:t>Publish</a:t>
+            </a:r>
+            <a:r>
+              <a:rPr lang="en-GB" sz="1400" dirty="0">
+                <a:solidFill>
+                  <a:srgbClr val="D4D4D4"/>
+                </a:solidFill>
+                <a:latin typeface="Menlo" panose="020B0609030804020204" pitchFamily="49" charset="0"/>
+              </a:rPr>
+              <a:t>&lt;</a:t>
+            </a:r>
+            <a:r>
+              <a:rPr lang="en-GB" sz="1400" dirty="0">
+                <a:solidFill>
+                  <a:srgbClr val="4EC9B0"/>
+                </a:solidFill>
+                <a:latin typeface="Menlo" panose="020B0609030804020204" pitchFamily="49" charset="0"/>
+              </a:rPr>
+              <a:t>Payload</a:t>
+            </a:r>
+            <a:r>
+              <a:rPr lang="en-GB" sz="1400" dirty="0">
+                <a:solidFill>
+                  <a:srgbClr val="D4D4D4"/>
+                </a:solidFill>
+                <a:latin typeface="Menlo" panose="020B0609030804020204" pitchFamily="49" charset="0"/>
+              </a:rPr>
+              <a:t>&gt;(</a:t>
+            </a:r>
+            <a:r>
+              <a:rPr lang="en-GB" sz="1400" dirty="0">
+                <a:solidFill>
+                  <a:srgbClr val="569CD6"/>
+                </a:solidFill>
+                <a:latin typeface="Menlo" panose="020B0609030804020204" pitchFamily="49" charset="0"/>
+              </a:rPr>
+              <a:t>new</a:t>
+            </a:r>
+            <a:r>
+              <a:rPr lang="en-GB" sz="1400" dirty="0">
+                <a:solidFill>
+                  <a:srgbClr val="D4D4D4"/>
+                </a:solidFill>
+                <a:latin typeface="Menlo" panose="020B0609030804020204" pitchFamily="49" charset="0"/>
+              </a:rPr>
+              <a:t> </a:t>
+            </a:r>
+            <a:r>
+              <a:rPr lang="en-GB" sz="1400" dirty="0">
+                <a:solidFill>
+                  <a:srgbClr val="4EC9B0"/>
+                </a:solidFill>
+                <a:latin typeface="Menlo" panose="020B0609030804020204" pitchFamily="49" charset="0"/>
+              </a:rPr>
+              <a:t>Payload</a:t>
+            </a:r>
+            <a:r>
+              <a:rPr lang="en-GB" sz="1400" dirty="0">
+                <a:solidFill>
+                  <a:srgbClr val="D4D4D4"/>
+                </a:solidFill>
+                <a:latin typeface="Menlo" panose="020B0609030804020204" pitchFamily="49" charset="0"/>
+              </a:rPr>
+              <a:t>{ </a:t>
+            </a:r>
+            <a:r>
+              <a:rPr lang="en-GB" sz="1400" dirty="0">
+                <a:solidFill>
+                  <a:srgbClr val="6A9955"/>
+                </a:solidFill>
+                <a:latin typeface="Menlo" panose="020B0609030804020204" pitchFamily="49" charset="0"/>
+              </a:rPr>
+              <a:t>/* payload params */</a:t>
+            </a:r>
+            <a:r>
+              <a:rPr lang="en-GB" sz="1400" dirty="0">
+                <a:solidFill>
+                  <a:srgbClr val="D4D4D4"/>
+                </a:solidFill>
+                <a:latin typeface="Menlo" panose="020B0609030804020204" pitchFamily="49" charset="0"/>
+              </a:rPr>
+              <a:t> });</a:t>
+            </a:r>
+            <a:endParaRPr lang="ru-RU" sz="1400" dirty="0">
+              <a:solidFill>
+                <a:srgbClr val="D4D4D4"/>
+              </a:solidFill>
+              <a:latin typeface="Menlo" panose="020B0609030804020204" pitchFamily="49" charset="0"/>
+            </a:endParaRPr>
+          </a:p>
+          <a:p>
+            <a:pPr marL="320040" lvl="1" indent="0" algn="l" rtl="0">
+              <a:buNone/>
+            </a:pPr>
+            <a:endParaRPr lang="ru-RU" sz="1200" dirty="0">
+              <a:solidFill>
+                <a:srgbClr val="D4D4D4"/>
+              </a:solidFill>
+              <a:latin typeface="Menlo" panose="020B0609030804020204" pitchFamily="49" charset="0"/>
+            </a:endParaRPr>
+          </a:p>
+          <a:p>
+            <a:pPr marL="320040" lvl="1" indent="0" algn="l" rtl="0">
+              <a:buNone/>
+            </a:pPr>
+            <a:r>
+              <a:rPr lang="en-GB" sz="1200" dirty="0">
+                <a:solidFill>
+                  <a:srgbClr val="4EC9B0"/>
+                </a:solidFill>
+                <a:latin typeface="Menlo" panose="020B0609030804020204" pitchFamily="49" charset="0"/>
+              </a:rPr>
+              <a:t>Payload – the payload that will be published to subscribers of this type</a:t>
+            </a:r>
+            <a:endParaRPr lang="ru-RU" sz="1200" dirty="0">
+              <a:solidFill>
+                <a:srgbClr val="D4D4D4"/>
+              </a:solidFill>
+              <a:latin typeface="Menlo" panose="020B0609030804020204" pitchFamily="49" charset="0"/>
+            </a:endParaRPr>
+          </a:p>
+          <a:p>
+            <a:pPr marL="320040" lvl="1" indent="0" algn="l" rtl="0">
+              <a:buNone/>
+            </a:pPr>
+            <a:endParaRPr lang="ru-RU" sz="1400" dirty="0">
+              <a:solidFill>
+                <a:srgbClr val="D4D4D4"/>
+              </a:solidFill>
+              <a:latin typeface="Menlo" panose="020B0609030804020204" pitchFamily="49" charset="0"/>
+            </a:endParaRPr>
+          </a:p>
+        </p:txBody>
+      </p:sp>
+      <p:sp>
+        <p:nvSpPr>
+          <p:cNvPr id="7" name="Title 3">
+            <a:extLst>
+              <a:ext uri="{FF2B5EF4-FFF2-40B4-BE49-F238E27FC236}">
+                <a16:creationId xmlns:a16="http://schemas.microsoft.com/office/drawing/2014/main" id="{A3F4BB3D-F021-1045-A55C-0D41A337F19A}"/>
+              </a:ext>
+            </a:extLst>
+          </p:cNvPr>
+          <p:cNvSpPr>
+            <a:spLocks noGrp="1"/>
+          </p:cNvSpPr>
+          <p:nvPr>
+            <p:ph type="title"/>
+          </p:nvPr>
+        </p:nvSpPr>
+        <p:spPr>
+          <a:xfrm>
+            <a:off x="0" y="13874"/>
+            <a:ext cx="9144000" cy="534805"/>
+          </a:xfrm>
+        </p:spPr>
+        <p:txBody>
+          <a:bodyPr vert="horz" lIns="91440" tIns="45720" rIns="91440" bIns="45720" rtlCol="0" anchor="t">
+            <a:normAutofit fontScale="90000"/>
+          </a:bodyPr>
+          <a:lstStyle/>
+          <a:p>
+            <a:pPr rtl="0"/>
+            <a:r>
+              <a:rPr lang="en-US" sz="3200" dirty="0"/>
+              <a:t>Messenger API:</a:t>
+            </a:r>
+            <a:endParaRPr lang="he-IL" sz="3200" dirty="0"/>
+          </a:p>
+        </p:txBody>
+      </p:sp>
+    </p:spTree>
+    <p:extLst>
+      <p:ext uri="{BB962C8B-B14F-4D97-AF65-F5344CB8AC3E}">
+        <p14:creationId xmlns:p14="http://schemas.microsoft.com/office/powerpoint/2010/main" val="1472539727"/>
+      </p:ext>
+    </p:extLst>
+  </p:cSld>
+  <p:clrMapOvr>
+    <a:masterClrMapping/>
+  </p:clrMapOvr>
+</p:sld>
+</file>
+
+<file path=ppt/slides/slide7.xml><?xml version="1.0" encoding="utf-8"?>
+<p:sld xmlns:a="http://schemas.openxmlformats.org/drawingml/2006/main" xmlns:r="http://schemas.openxmlformats.org/officeDocument/2006/relationships" xmlns:p="http://schemas.openxmlformats.org/presentationml/2006/main" showMasterSp="0">
+  <p:cSld>
+    <p:spTree>
+      <p:nvGrpSpPr>
+        <p:cNvPr id="1" name=""/>
+        <p:cNvGrpSpPr/>
+        <p:nvPr/>
+      </p:nvGrpSpPr>
+      <p:grpSpPr>
+        <a:xfrm>
+          <a:off x="0" y="0"/>
+          <a:ext cx="0" cy="0"/>
+          <a:chOff x="0" y="0"/>
+          <a:chExt cx="0" cy="0"/>
+        </a:xfrm>
+      </p:grpSpPr>
+      <p:sp>
+        <p:nvSpPr>
+          <p:cNvPr id="5" name="Content Placeholder 4"/>
+          <p:cNvSpPr>
+            <a:spLocks noGrp="1"/>
+          </p:cNvSpPr>
+          <p:nvPr>
+            <p:ph idx="1"/>
+          </p:nvPr>
+        </p:nvSpPr>
+        <p:spPr>
+          <a:xfrm>
+            <a:off x="107504" y="692696"/>
+            <a:ext cx="8928992" cy="6048672"/>
+          </a:xfrm>
+        </p:spPr>
+        <p:txBody>
+          <a:bodyPr tIns="72000" bIns="72000">
+            <a:noAutofit/>
+          </a:bodyPr>
+          <a:lstStyle/>
+          <a:p>
+            <a:pPr algn="l" rtl="0">
+              <a:spcAft>
+                <a:spcPts val="1200"/>
+              </a:spcAft>
+              <a:buFont typeface="Wingdings" pitchFamily="2" charset="2"/>
+              <a:buChar char="ü"/>
+            </a:pPr>
+            <a:r>
+              <a:rPr lang="en-US" sz="1400" b="1" dirty="0"/>
+              <a:t>Subscribe</a:t>
+            </a:r>
+            <a:endParaRPr lang="en-GB" sz="1400" dirty="0">
+              <a:solidFill>
+                <a:srgbClr val="9CDCFE"/>
+              </a:solidFill>
+              <a:latin typeface="Menlo" panose="020B0609030804020204" pitchFamily="49" charset="0"/>
+            </a:endParaRPr>
+          </a:p>
+          <a:p>
+            <a:pPr marL="320040" lvl="1" indent="0" algn="l" rtl="0">
+              <a:buNone/>
+            </a:pPr>
+            <a:r>
+              <a:rPr lang="en-GB" sz="1400" dirty="0" err="1">
+                <a:solidFill>
+                  <a:srgbClr val="9CDCFE"/>
+                </a:solidFill>
+                <a:latin typeface="Menlo" panose="020B0609030804020204" pitchFamily="49" charset="0"/>
+              </a:rPr>
+              <a:t>Messenger</a:t>
+            </a:r>
+            <a:r>
+              <a:rPr lang="en-GB" sz="1400" dirty="0" err="1">
+                <a:solidFill>
+                  <a:srgbClr val="D4D4D4"/>
+                </a:solidFill>
+                <a:latin typeface="Menlo" panose="020B0609030804020204" pitchFamily="49" charset="0"/>
+              </a:rPr>
+              <a:t>.</a:t>
+            </a:r>
+            <a:r>
+              <a:rPr lang="en-GB" sz="1400" dirty="0" err="1">
+                <a:solidFill>
+                  <a:srgbClr val="9CDCFE"/>
+                </a:solidFill>
+                <a:latin typeface="Menlo" panose="020B0609030804020204" pitchFamily="49" charset="0"/>
+              </a:rPr>
+              <a:t>Default</a:t>
+            </a:r>
+            <a:r>
+              <a:rPr lang="en-GB" sz="1400" dirty="0" err="1">
+                <a:solidFill>
+                  <a:srgbClr val="D4D4D4"/>
+                </a:solidFill>
+                <a:latin typeface="Menlo" panose="020B0609030804020204" pitchFamily="49" charset="0"/>
+              </a:rPr>
+              <a:t>.</a:t>
+            </a:r>
+            <a:r>
+              <a:rPr lang="en-GB" sz="1400" dirty="0" err="1">
+                <a:solidFill>
+                  <a:srgbClr val="DCDCAA"/>
+                </a:solidFill>
+                <a:latin typeface="Menlo" panose="020B0609030804020204" pitchFamily="49" charset="0"/>
+              </a:rPr>
+              <a:t>Subscribe</a:t>
+            </a:r>
+            <a:r>
+              <a:rPr lang="en-GB" sz="1400" dirty="0">
+                <a:solidFill>
+                  <a:srgbClr val="D4D4D4"/>
+                </a:solidFill>
+                <a:latin typeface="Menlo" panose="020B0609030804020204" pitchFamily="49" charset="0"/>
+              </a:rPr>
+              <a:t>&lt;</a:t>
+            </a:r>
+            <a:r>
+              <a:rPr lang="en-GB" sz="1400" dirty="0">
+                <a:solidFill>
+                  <a:srgbClr val="4EC9B0"/>
+                </a:solidFill>
+                <a:latin typeface="Menlo" panose="020B0609030804020204" pitchFamily="49" charset="0"/>
+              </a:rPr>
+              <a:t>Payload</a:t>
+            </a:r>
+            <a:r>
+              <a:rPr lang="en-GB" sz="1400" dirty="0">
+                <a:solidFill>
+                  <a:srgbClr val="D4D4D4"/>
+                </a:solidFill>
+                <a:latin typeface="Menlo" panose="020B0609030804020204" pitchFamily="49" charset="0"/>
+              </a:rPr>
+              <a:t>&gt;(</a:t>
+            </a:r>
+            <a:r>
+              <a:rPr lang="en-GB" sz="1400" dirty="0">
+                <a:solidFill>
+                  <a:srgbClr val="9CDCFE"/>
+                </a:solidFill>
+                <a:latin typeface="Menlo" panose="020B0609030804020204" pitchFamily="49" charset="0"/>
+              </a:rPr>
+              <a:t>Callback</a:t>
+            </a:r>
+            <a:r>
+              <a:rPr lang="en-GB" sz="1400" dirty="0">
+                <a:solidFill>
+                  <a:srgbClr val="D4D4D4"/>
+                </a:solidFill>
+                <a:latin typeface="Menlo" panose="020B0609030804020204" pitchFamily="49" charset="0"/>
+              </a:rPr>
+              <a:t>);</a:t>
+            </a:r>
+          </a:p>
+          <a:p>
+            <a:pPr marL="320040" lvl="1" indent="0" algn="l" rtl="0">
+              <a:buNone/>
+            </a:pPr>
+            <a:endParaRPr lang="en-GB" sz="1400" dirty="0">
+              <a:solidFill>
+                <a:srgbClr val="D4D4D4"/>
+              </a:solidFill>
+              <a:latin typeface="Menlo" panose="020B0609030804020204" pitchFamily="49" charset="0"/>
+            </a:endParaRPr>
+          </a:p>
+          <a:p>
+            <a:pPr marL="320040" lvl="1" indent="0" algn="l" rtl="0">
+              <a:buNone/>
+            </a:pPr>
+            <a:r>
+              <a:rPr lang="en-GB" sz="1200" dirty="0">
+                <a:solidFill>
+                  <a:srgbClr val="4EC9B0"/>
+                </a:solidFill>
+                <a:latin typeface="Menlo" panose="020B0609030804020204" pitchFamily="49" charset="0"/>
+              </a:rPr>
+              <a:t>Payload – the type of Callback parameter</a:t>
+            </a:r>
+          </a:p>
+          <a:p>
+            <a:pPr marL="320040" lvl="1" indent="0" algn="l" rtl="0">
+              <a:buNone/>
+            </a:pPr>
+            <a:r>
+              <a:rPr lang="en-GB" sz="1200" dirty="0">
+                <a:solidFill>
+                  <a:srgbClr val="9CDCFE"/>
+                </a:solidFill>
+                <a:latin typeface="Menlo" panose="020B0609030804020204" pitchFamily="49" charset="0"/>
+              </a:rPr>
+              <a:t>Callback – delegate (Method) that will receive payload</a:t>
+            </a:r>
+          </a:p>
+          <a:p>
+            <a:pPr marL="320040" lvl="1" indent="0" algn="l" rtl="0">
+              <a:buNone/>
+            </a:pPr>
+            <a:endParaRPr lang="en-GB" sz="1400" dirty="0">
+              <a:solidFill>
+                <a:srgbClr val="9CDCFE"/>
+              </a:solidFill>
+              <a:latin typeface="Menlo" panose="020B0609030804020204" pitchFamily="49" charset="0"/>
+            </a:endParaRPr>
+          </a:p>
+          <a:p>
+            <a:pPr marL="320040" lvl="1" indent="0" algn="l" rtl="0">
+              <a:buNone/>
+            </a:pPr>
+            <a:r>
+              <a:rPr lang="en-GB" sz="1200" dirty="0">
+                <a:solidFill>
+                  <a:srgbClr val="569CD6"/>
+                </a:solidFill>
+                <a:latin typeface="Menlo" panose="020B0609030804020204" pitchFamily="49" charset="0"/>
+              </a:rPr>
+              <a:t>private</a:t>
+            </a:r>
+            <a:r>
+              <a:rPr lang="en-GB" sz="1200" dirty="0">
+                <a:solidFill>
+                  <a:srgbClr val="D4D4D4"/>
+                </a:solidFill>
+                <a:latin typeface="Menlo" panose="020B0609030804020204" pitchFamily="49" charset="0"/>
+              </a:rPr>
+              <a:t> </a:t>
+            </a:r>
+            <a:r>
+              <a:rPr lang="en-GB" sz="1200" dirty="0">
+                <a:solidFill>
+                  <a:srgbClr val="569CD6"/>
+                </a:solidFill>
+                <a:latin typeface="Menlo" panose="020B0609030804020204" pitchFamily="49" charset="0"/>
+              </a:rPr>
+              <a:t>static</a:t>
+            </a:r>
+            <a:r>
+              <a:rPr lang="en-GB" sz="1200" dirty="0">
+                <a:solidFill>
+                  <a:srgbClr val="D4D4D4"/>
+                </a:solidFill>
+                <a:latin typeface="Menlo" panose="020B0609030804020204" pitchFamily="49" charset="0"/>
+              </a:rPr>
+              <a:t> </a:t>
+            </a:r>
+            <a:r>
+              <a:rPr lang="en-GB" sz="1200" dirty="0">
+                <a:solidFill>
+                  <a:srgbClr val="569CD6"/>
+                </a:solidFill>
+                <a:latin typeface="Menlo" panose="020B0609030804020204" pitchFamily="49" charset="0"/>
+              </a:rPr>
+              <a:t>void</a:t>
+            </a:r>
+            <a:r>
+              <a:rPr lang="en-GB" sz="1200" dirty="0">
+                <a:solidFill>
+                  <a:srgbClr val="D4D4D4"/>
+                </a:solidFill>
+                <a:latin typeface="Menlo" panose="020B0609030804020204" pitchFamily="49" charset="0"/>
+              </a:rPr>
+              <a:t> </a:t>
+            </a:r>
+            <a:r>
+              <a:rPr lang="en-GB" sz="1200" dirty="0">
+                <a:solidFill>
+                  <a:srgbClr val="DCDCAA"/>
+                </a:solidFill>
+                <a:latin typeface="Menlo" panose="020B0609030804020204" pitchFamily="49" charset="0"/>
+              </a:rPr>
+              <a:t>Callback</a:t>
+            </a:r>
+            <a:r>
+              <a:rPr lang="en-GB" sz="1200" dirty="0">
+                <a:solidFill>
+                  <a:srgbClr val="D4D4D4"/>
+                </a:solidFill>
+                <a:latin typeface="Menlo" panose="020B0609030804020204" pitchFamily="49" charset="0"/>
+              </a:rPr>
+              <a:t>(</a:t>
+            </a:r>
+            <a:r>
+              <a:rPr lang="en-GB" sz="1200" dirty="0">
+                <a:solidFill>
+                  <a:srgbClr val="4EC9B0"/>
+                </a:solidFill>
+                <a:latin typeface="Menlo" panose="020B0609030804020204" pitchFamily="49" charset="0"/>
+              </a:rPr>
+              <a:t>Payload</a:t>
+            </a:r>
+            <a:r>
+              <a:rPr lang="en-GB" sz="1200" dirty="0">
+                <a:solidFill>
+                  <a:srgbClr val="D4D4D4"/>
+                </a:solidFill>
+                <a:latin typeface="Menlo" panose="020B0609030804020204" pitchFamily="49" charset="0"/>
+              </a:rPr>
+              <a:t> </a:t>
+            </a:r>
+            <a:r>
+              <a:rPr lang="en-GB" sz="1200" dirty="0">
+                <a:solidFill>
+                  <a:srgbClr val="9CDCFE"/>
+                </a:solidFill>
+                <a:latin typeface="Menlo" panose="020B0609030804020204" pitchFamily="49" charset="0"/>
+              </a:rPr>
+              <a:t>payload</a:t>
+            </a:r>
+            <a:r>
+              <a:rPr lang="en-GB" sz="1200" dirty="0">
+                <a:solidFill>
+                  <a:srgbClr val="D4D4D4"/>
+                </a:solidFill>
+                <a:latin typeface="Menlo" panose="020B0609030804020204" pitchFamily="49" charset="0"/>
+              </a:rPr>
+              <a:t>)</a:t>
+            </a:r>
+          </a:p>
+          <a:p>
+            <a:pPr marL="320040" lvl="1" indent="0" algn="l" rtl="0">
+              <a:buNone/>
+            </a:pPr>
+            <a:r>
+              <a:rPr lang="en-GB" sz="1200" dirty="0">
+                <a:solidFill>
+                  <a:srgbClr val="D4D4D4"/>
+                </a:solidFill>
+                <a:latin typeface="Menlo" panose="020B0609030804020204" pitchFamily="49" charset="0"/>
+              </a:rPr>
+              <a:t>{</a:t>
+            </a:r>
+          </a:p>
+          <a:p>
+            <a:pPr marL="502920" lvl="2" indent="0" algn="l" rtl="0">
+              <a:buNone/>
+            </a:pPr>
+            <a:r>
+              <a:rPr lang="en-GB" sz="1100" dirty="0">
+                <a:solidFill>
+                  <a:srgbClr val="6A9955"/>
+                </a:solidFill>
+                <a:latin typeface="Menlo" panose="020B0609030804020204" pitchFamily="49" charset="0"/>
+              </a:rPr>
+              <a:t>// Callback logic</a:t>
+            </a:r>
+            <a:endParaRPr lang="en-GB" sz="600" dirty="0">
+              <a:solidFill>
+                <a:srgbClr val="D4D4D4"/>
+              </a:solidFill>
+              <a:latin typeface="Menlo" panose="020B0609030804020204" pitchFamily="49" charset="0"/>
+            </a:endParaRPr>
+          </a:p>
+          <a:p>
+            <a:pPr marL="320040" lvl="1" indent="0" algn="l" rtl="0">
+              <a:buNone/>
+            </a:pPr>
+            <a:r>
+              <a:rPr lang="en-GB" sz="1200" dirty="0">
+                <a:solidFill>
+                  <a:srgbClr val="D4D4D4"/>
+                </a:solidFill>
+                <a:latin typeface="Menlo" panose="020B0609030804020204" pitchFamily="49" charset="0"/>
+              </a:rPr>
+              <a:t>}</a:t>
+            </a:r>
+          </a:p>
+          <a:p>
+            <a:pPr marL="320040" lvl="1" indent="0" algn="l" rtl="0">
+              <a:buNone/>
+            </a:pPr>
+            <a:endParaRPr lang="en-US" sz="1400" dirty="0"/>
+          </a:p>
+          <a:p>
+            <a:pPr marL="320040" lvl="1" indent="0" algn="l" rtl="0">
+              <a:buNone/>
+            </a:pPr>
+            <a:endParaRPr lang="en-US" sz="1400" dirty="0">
+              <a:solidFill>
+                <a:srgbClr val="9CDCFE"/>
+              </a:solidFill>
+              <a:latin typeface="Menlo" panose="020B0609030804020204" pitchFamily="49" charset="0"/>
+            </a:endParaRPr>
+          </a:p>
+          <a:p>
+            <a:pPr algn="l" rtl="0">
+              <a:spcAft>
+                <a:spcPts val="1200"/>
+              </a:spcAft>
+              <a:buFont typeface="Wingdings" pitchFamily="2" charset="2"/>
+              <a:buChar char="ü"/>
+            </a:pPr>
+            <a:r>
+              <a:rPr lang="en-US" sz="1400" b="1" dirty="0"/>
+              <a:t>Subscribe with Predicate</a:t>
+            </a:r>
+          </a:p>
+          <a:p>
+            <a:pPr marL="320040" lvl="1" indent="0" algn="l" rtl="0">
+              <a:buNone/>
+            </a:pPr>
+            <a:r>
+              <a:rPr lang="en-GB" sz="1400" dirty="0" err="1">
+                <a:solidFill>
+                  <a:srgbClr val="9CDCFE"/>
+                </a:solidFill>
+                <a:latin typeface="Menlo" panose="020B0609030804020204" pitchFamily="49" charset="0"/>
+              </a:rPr>
+              <a:t>Messenger</a:t>
+            </a:r>
+            <a:r>
+              <a:rPr lang="en-GB" sz="1400" dirty="0" err="1">
+                <a:solidFill>
+                  <a:srgbClr val="D4D4D4"/>
+                </a:solidFill>
+                <a:latin typeface="Menlo" panose="020B0609030804020204" pitchFamily="49" charset="0"/>
+              </a:rPr>
+              <a:t>.</a:t>
+            </a:r>
+            <a:r>
+              <a:rPr lang="en-GB" sz="1400" dirty="0" err="1">
+                <a:solidFill>
+                  <a:srgbClr val="9CDCFE"/>
+                </a:solidFill>
+                <a:latin typeface="Menlo" panose="020B0609030804020204" pitchFamily="49" charset="0"/>
+              </a:rPr>
+              <a:t>Default</a:t>
+            </a:r>
+            <a:r>
+              <a:rPr lang="en-GB" sz="1400" dirty="0" err="1">
+                <a:solidFill>
+                  <a:srgbClr val="D4D4D4"/>
+                </a:solidFill>
+                <a:latin typeface="Menlo" panose="020B0609030804020204" pitchFamily="49" charset="0"/>
+              </a:rPr>
+              <a:t>.</a:t>
+            </a:r>
+            <a:r>
+              <a:rPr lang="en-GB" sz="1400" dirty="0" err="1">
+                <a:solidFill>
+                  <a:srgbClr val="DCDCAA"/>
+                </a:solidFill>
+                <a:latin typeface="Menlo" panose="020B0609030804020204" pitchFamily="49" charset="0"/>
+              </a:rPr>
+              <a:t>Subscribe</a:t>
+            </a:r>
+            <a:r>
+              <a:rPr lang="en-GB" sz="1400" dirty="0">
+                <a:solidFill>
+                  <a:srgbClr val="D4D4D4"/>
+                </a:solidFill>
+                <a:latin typeface="Menlo" panose="020B0609030804020204" pitchFamily="49" charset="0"/>
+              </a:rPr>
+              <a:t>&lt;</a:t>
+            </a:r>
+            <a:r>
+              <a:rPr lang="en-GB" sz="1400" dirty="0">
+                <a:solidFill>
+                  <a:srgbClr val="4EC9B0"/>
+                </a:solidFill>
+                <a:latin typeface="Menlo" panose="020B0609030804020204" pitchFamily="49" charset="0"/>
+              </a:rPr>
+              <a:t>Payload</a:t>
+            </a:r>
+            <a:r>
+              <a:rPr lang="en-GB" sz="1400" dirty="0">
+                <a:solidFill>
+                  <a:srgbClr val="D4D4D4"/>
+                </a:solidFill>
+                <a:latin typeface="Menlo" panose="020B0609030804020204" pitchFamily="49" charset="0"/>
+              </a:rPr>
+              <a:t>&gt;(</a:t>
+            </a:r>
+            <a:r>
+              <a:rPr lang="en-GB" sz="1400" dirty="0">
+                <a:solidFill>
+                  <a:srgbClr val="9CDCFE"/>
+                </a:solidFill>
+                <a:latin typeface="Menlo" panose="020B0609030804020204" pitchFamily="49" charset="0"/>
+              </a:rPr>
+              <a:t>Callback, Predicate</a:t>
+            </a:r>
+            <a:r>
+              <a:rPr lang="en-GB" sz="1400" dirty="0">
+                <a:solidFill>
+                  <a:srgbClr val="D4D4D4"/>
+                </a:solidFill>
+                <a:latin typeface="Menlo" panose="020B0609030804020204" pitchFamily="49" charset="0"/>
+              </a:rPr>
+              <a:t>);</a:t>
+            </a:r>
+          </a:p>
+          <a:p>
+            <a:pPr marL="320040" lvl="1" indent="0" algn="l" rtl="0">
+              <a:buNone/>
+            </a:pPr>
+            <a:endParaRPr lang="en-GB" sz="1400" dirty="0">
+              <a:solidFill>
+                <a:srgbClr val="D4D4D4"/>
+              </a:solidFill>
+              <a:latin typeface="Menlo" panose="020B0609030804020204" pitchFamily="49" charset="0"/>
+            </a:endParaRPr>
+          </a:p>
+          <a:p>
+            <a:pPr marL="320040" lvl="1" indent="0" algn="l" rtl="0">
+              <a:buNone/>
+            </a:pPr>
+            <a:r>
+              <a:rPr lang="en-GB" sz="1200" dirty="0">
+                <a:solidFill>
+                  <a:srgbClr val="9CDCFE"/>
+                </a:solidFill>
+                <a:latin typeface="Menlo" panose="020B0609030804020204" pitchFamily="49" charset="0"/>
+              </a:rPr>
+              <a:t>Predicate – delegate (Function) that will receive payload to filter</a:t>
+            </a:r>
+            <a:endParaRPr lang="en-US" sz="1200" dirty="0"/>
+          </a:p>
+          <a:p>
+            <a:pPr marL="320040" lvl="1" indent="0" algn="l" rtl="0">
+              <a:buNone/>
+            </a:pPr>
+            <a:endParaRPr lang="en-US" sz="1400" dirty="0">
+              <a:solidFill>
+                <a:srgbClr val="9CDCFE"/>
+              </a:solidFill>
+              <a:latin typeface="Menlo" panose="020B0609030804020204" pitchFamily="49" charset="0"/>
+            </a:endParaRPr>
+          </a:p>
+          <a:p>
+            <a:pPr marL="320040" lvl="1" indent="0" algn="l" rtl="0">
+              <a:buNone/>
+            </a:pPr>
+            <a:r>
+              <a:rPr lang="en-GB" sz="1200" dirty="0">
+                <a:solidFill>
+                  <a:srgbClr val="569CD6"/>
+                </a:solidFill>
+                <a:latin typeface="Menlo" panose="020B0609030804020204" pitchFamily="49" charset="0"/>
+              </a:rPr>
+              <a:t>private</a:t>
+            </a:r>
+            <a:r>
+              <a:rPr lang="en-GB" sz="1200" dirty="0">
+                <a:solidFill>
+                  <a:srgbClr val="D4D4D4"/>
+                </a:solidFill>
+                <a:latin typeface="Menlo" panose="020B0609030804020204" pitchFamily="49" charset="0"/>
+              </a:rPr>
+              <a:t> </a:t>
+            </a:r>
+            <a:r>
+              <a:rPr lang="en-GB" sz="1200" dirty="0">
+                <a:solidFill>
+                  <a:srgbClr val="569CD6"/>
+                </a:solidFill>
+                <a:latin typeface="Menlo" panose="020B0609030804020204" pitchFamily="49" charset="0"/>
+              </a:rPr>
+              <a:t>static</a:t>
+            </a:r>
+            <a:r>
+              <a:rPr lang="en-GB" sz="1200" dirty="0">
+                <a:solidFill>
+                  <a:srgbClr val="D4D4D4"/>
+                </a:solidFill>
+                <a:latin typeface="Menlo" panose="020B0609030804020204" pitchFamily="49" charset="0"/>
+              </a:rPr>
+              <a:t> </a:t>
+            </a:r>
+            <a:r>
+              <a:rPr lang="en-GB" sz="1200" dirty="0">
+                <a:solidFill>
+                  <a:srgbClr val="569CD6"/>
+                </a:solidFill>
+                <a:latin typeface="Menlo" panose="020B0609030804020204" pitchFamily="49" charset="0"/>
+              </a:rPr>
+              <a:t>bool</a:t>
+            </a:r>
+            <a:r>
+              <a:rPr lang="en-GB" sz="1200" dirty="0">
+                <a:solidFill>
+                  <a:srgbClr val="D4D4D4"/>
+                </a:solidFill>
+                <a:latin typeface="Menlo" panose="020B0609030804020204" pitchFamily="49" charset="0"/>
+              </a:rPr>
+              <a:t> </a:t>
+            </a:r>
+            <a:r>
+              <a:rPr lang="en-GB" sz="1200" dirty="0">
+                <a:solidFill>
+                  <a:srgbClr val="DCDCAA"/>
+                </a:solidFill>
+                <a:latin typeface="Menlo" panose="020B0609030804020204" pitchFamily="49" charset="0"/>
+              </a:rPr>
+              <a:t>Predicate</a:t>
+            </a:r>
+            <a:r>
+              <a:rPr lang="en-GB" sz="1200" dirty="0">
+                <a:solidFill>
+                  <a:srgbClr val="D4D4D4"/>
+                </a:solidFill>
+                <a:latin typeface="Menlo" panose="020B0609030804020204" pitchFamily="49" charset="0"/>
+              </a:rPr>
+              <a:t>(</a:t>
+            </a:r>
+            <a:r>
+              <a:rPr lang="en-GB" sz="1200" dirty="0">
+                <a:solidFill>
+                  <a:srgbClr val="4EC9B0"/>
+                </a:solidFill>
+                <a:latin typeface="Menlo" panose="020B0609030804020204" pitchFamily="49" charset="0"/>
+              </a:rPr>
+              <a:t>Payload</a:t>
+            </a:r>
+            <a:r>
+              <a:rPr lang="en-GB" sz="1200" dirty="0">
+                <a:solidFill>
+                  <a:srgbClr val="D4D4D4"/>
+                </a:solidFill>
+                <a:latin typeface="Menlo" panose="020B0609030804020204" pitchFamily="49" charset="0"/>
+              </a:rPr>
+              <a:t> </a:t>
+            </a:r>
+            <a:r>
+              <a:rPr lang="en-GB" sz="1200" dirty="0">
+                <a:solidFill>
+                  <a:srgbClr val="9CDCFE"/>
+                </a:solidFill>
+                <a:latin typeface="Menlo" panose="020B0609030804020204" pitchFamily="49" charset="0"/>
+              </a:rPr>
+              <a:t>payload</a:t>
+            </a:r>
+            <a:r>
+              <a:rPr lang="en-GB" sz="1200" dirty="0">
+                <a:solidFill>
+                  <a:srgbClr val="D4D4D4"/>
+                </a:solidFill>
+                <a:latin typeface="Menlo" panose="020B0609030804020204" pitchFamily="49" charset="0"/>
+              </a:rPr>
+              <a:t>)</a:t>
+            </a:r>
+          </a:p>
+          <a:p>
+            <a:pPr marL="320040" lvl="1" indent="0" algn="l" rtl="0">
+              <a:buNone/>
+            </a:pPr>
+            <a:r>
+              <a:rPr lang="en-GB" sz="1200" dirty="0">
+                <a:solidFill>
+                  <a:srgbClr val="D4D4D4"/>
+                </a:solidFill>
+                <a:latin typeface="Menlo" panose="020B0609030804020204" pitchFamily="49" charset="0"/>
+              </a:rPr>
+              <a:t>{</a:t>
+            </a:r>
+          </a:p>
+          <a:p>
+            <a:pPr marL="502920" lvl="2" indent="0" algn="l" rtl="0">
+              <a:buNone/>
+            </a:pPr>
+            <a:r>
+              <a:rPr lang="en-GB" sz="1100" dirty="0">
+                <a:solidFill>
+                  <a:srgbClr val="6A9955"/>
+                </a:solidFill>
+                <a:latin typeface="Menlo" panose="020B0609030804020204" pitchFamily="49" charset="0"/>
+              </a:rPr>
+              <a:t>// Predicate filter logic</a:t>
+            </a:r>
+            <a:endParaRPr lang="en-GB" sz="1200" dirty="0">
+              <a:solidFill>
+                <a:srgbClr val="D4D4D4"/>
+              </a:solidFill>
+              <a:latin typeface="Menlo" panose="020B0609030804020204" pitchFamily="49" charset="0"/>
+            </a:endParaRPr>
+          </a:p>
+          <a:p>
+            <a:pPr marL="502920" lvl="2" indent="0" algn="l" rtl="0">
+              <a:buNone/>
+            </a:pPr>
+            <a:r>
+              <a:rPr lang="en-GB" sz="1200" dirty="0">
+                <a:solidFill>
+                  <a:srgbClr val="6A9955"/>
+                </a:solidFill>
+                <a:latin typeface="Menlo" panose="020B0609030804020204" pitchFamily="49" charset="0"/>
+              </a:rPr>
+              <a:t>// if function will return ‘false’ value, the Callback will not be invoked</a:t>
+            </a:r>
+            <a:endParaRPr lang="ru-RU" sz="1200" dirty="0">
+              <a:solidFill>
+                <a:srgbClr val="6A9955"/>
+              </a:solidFill>
+              <a:latin typeface="Menlo" panose="020B0609030804020204" pitchFamily="49" charset="0"/>
+            </a:endParaRPr>
+          </a:p>
+          <a:p>
+            <a:pPr marL="502920" lvl="2" indent="0" algn="l" rtl="0">
+              <a:buNone/>
+            </a:pPr>
+            <a:r>
+              <a:rPr lang="en-GB" sz="1200" dirty="0">
+                <a:solidFill>
+                  <a:srgbClr val="C586C0"/>
+                </a:solidFill>
+                <a:latin typeface="Menlo" panose="020B0609030804020204" pitchFamily="49" charset="0"/>
+              </a:rPr>
+              <a:t>return</a:t>
+            </a:r>
+            <a:r>
+              <a:rPr lang="en-GB" sz="1200" dirty="0">
+                <a:solidFill>
+                  <a:srgbClr val="D4D4D4"/>
+                </a:solidFill>
+                <a:latin typeface="Menlo" panose="020B0609030804020204" pitchFamily="49" charset="0"/>
+              </a:rPr>
+              <a:t> </a:t>
+            </a:r>
+            <a:r>
+              <a:rPr lang="en-GB" sz="1200" dirty="0">
+                <a:solidFill>
+                  <a:srgbClr val="9CDCFE"/>
+                </a:solidFill>
+                <a:latin typeface="Menlo" panose="020B0609030804020204" pitchFamily="49" charset="0"/>
+              </a:rPr>
+              <a:t>accepted</a:t>
+            </a:r>
+            <a:r>
+              <a:rPr lang="en-GB" sz="1200" dirty="0">
+                <a:solidFill>
+                  <a:srgbClr val="D4D4D4"/>
+                </a:solidFill>
+                <a:latin typeface="Menlo" panose="020B0609030804020204" pitchFamily="49" charset="0"/>
+              </a:rPr>
+              <a:t>;</a:t>
+            </a:r>
+          </a:p>
+          <a:p>
+            <a:pPr marL="320040" lvl="1" indent="0" algn="l" rtl="0">
+              <a:buNone/>
+            </a:pPr>
+            <a:r>
+              <a:rPr lang="en-GB" sz="1200" dirty="0">
+                <a:solidFill>
+                  <a:srgbClr val="D4D4D4"/>
+                </a:solidFill>
+                <a:latin typeface="Menlo" panose="020B0609030804020204" pitchFamily="49" charset="0"/>
+              </a:rPr>
+              <a:t>}</a:t>
+            </a:r>
+          </a:p>
+          <a:p>
+            <a:pPr marL="320040" lvl="1" indent="0" algn="l" rtl="0">
+              <a:buNone/>
+            </a:pPr>
+            <a:endParaRPr lang="en-GB" sz="1400" dirty="0">
+              <a:solidFill>
+                <a:srgbClr val="9CDCFE"/>
+              </a:solidFill>
+              <a:latin typeface="Menlo" panose="020B0609030804020204" pitchFamily="49" charset="0"/>
+            </a:endParaRPr>
+          </a:p>
+        </p:txBody>
+      </p:sp>
+      <p:sp>
+        <p:nvSpPr>
+          <p:cNvPr id="9" name="Title 3">
+            <a:extLst>
+              <a:ext uri="{FF2B5EF4-FFF2-40B4-BE49-F238E27FC236}">
+                <a16:creationId xmlns:a16="http://schemas.microsoft.com/office/drawing/2014/main" id="{E3AF1E9C-6AD7-D747-AECE-D1640E67F83E}"/>
+              </a:ext>
+            </a:extLst>
+          </p:cNvPr>
+          <p:cNvSpPr>
+            <a:spLocks noGrp="1"/>
+          </p:cNvSpPr>
+          <p:nvPr>
+            <p:ph type="title"/>
+          </p:nvPr>
+        </p:nvSpPr>
+        <p:spPr>
+          <a:xfrm>
+            <a:off x="0" y="13874"/>
+            <a:ext cx="9144000" cy="534805"/>
+          </a:xfrm>
+        </p:spPr>
+        <p:txBody>
+          <a:bodyPr vert="horz" lIns="91440" tIns="45720" rIns="91440" bIns="45720" rtlCol="0" anchor="t">
+            <a:normAutofit fontScale="90000"/>
+          </a:bodyPr>
+          <a:lstStyle/>
+          <a:p>
+            <a:pPr rtl="0"/>
+            <a:r>
+              <a:rPr lang="en-US" sz="3200" dirty="0"/>
+              <a:t>Messenger API:</a:t>
+            </a:r>
+            <a:endParaRPr lang="he-IL" sz="3200" dirty="0"/>
+          </a:p>
+        </p:txBody>
+      </p:sp>
+    </p:spTree>
+    <p:extLst>
+      <p:ext uri="{BB962C8B-B14F-4D97-AF65-F5344CB8AC3E}">
+        <p14:creationId xmlns:p14="http://schemas.microsoft.com/office/powerpoint/2010/main" val="1257202512"/>
+      </p:ext>
+    </p:extLst>
+  </p:cSld>
+  <p:clrMapOvr>
+    <a:masterClrMapping/>
+  </p:clrMapOvr>
+</p:sld>
+</file>
+
+<file path=ppt/slides/slide8.xml><?xml version="1.0" encoding="utf-8"?>
+<p:sld xmlns:a="http://schemas.openxmlformats.org/drawingml/2006/main" xmlns:r="http://schemas.openxmlformats.org/officeDocument/2006/relationships" xmlns:p="http://schemas.openxmlformats.org/presentationml/2006/main" showMasterSp="0">
+  <p:cSld>
+    <p:spTree>
+      <p:nvGrpSpPr>
+        <p:cNvPr id="1" name=""/>
+        <p:cNvGrpSpPr/>
+        <p:nvPr/>
+      </p:nvGrpSpPr>
+      <p:grpSpPr>
+        <a:xfrm>
+          <a:off x="0" y="0"/>
+          <a:ext cx="0" cy="0"/>
+          <a:chOff x="0" y="0"/>
+          <a:chExt cx="0" cy="0"/>
+        </a:xfrm>
+      </p:grpSpPr>
+      <p:sp>
+        <p:nvSpPr>
+          <p:cNvPr id="5" name="Content Placeholder 4"/>
+          <p:cNvSpPr>
+            <a:spLocks noGrp="1"/>
+          </p:cNvSpPr>
+          <p:nvPr>
+            <p:ph idx="1"/>
+          </p:nvPr>
+        </p:nvSpPr>
+        <p:spPr>
+          <a:xfrm>
+            <a:off x="107504" y="692696"/>
+            <a:ext cx="8928992" cy="6048672"/>
+          </a:xfrm>
+        </p:spPr>
+        <p:txBody>
+          <a:bodyPr tIns="72000" bIns="72000">
+            <a:noAutofit/>
+          </a:bodyPr>
+          <a:lstStyle/>
+          <a:p>
+            <a:pPr algn="l" rtl="0">
+              <a:spcAft>
+                <a:spcPts val="1200"/>
+              </a:spcAft>
+              <a:buFont typeface="Wingdings" pitchFamily="2" charset="2"/>
+              <a:buChar char="ü"/>
+            </a:pPr>
+            <a:r>
+              <a:rPr lang="en-US" sz="1400" b="1" dirty="0"/>
+              <a:t>Subscribe</a:t>
+            </a:r>
+            <a:endParaRPr lang="en-GB" sz="1400" dirty="0">
+              <a:solidFill>
+                <a:srgbClr val="9CDCFE"/>
+              </a:solidFill>
+              <a:latin typeface="Menlo" panose="020B0609030804020204" pitchFamily="49" charset="0"/>
+            </a:endParaRPr>
+          </a:p>
+          <a:p>
+            <a:pPr marL="320040" lvl="1" indent="0" algn="l" rtl="0">
+              <a:buNone/>
+            </a:pPr>
+            <a:r>
+              <a:rPr lang="en-GB" sz="1400" dirty="0" err="1">
+                <a:solidFill>
+                  <a:srgbClr val="9CDCFE"/>
+                </a:solidFill>
+                <a:latin typeface="Menlo" panose="020B0609030804020204" pitchFamily="49" charset="0"/>
+              </a:rPr>
+              <a:t>Messenger</a:t>
+            </a:r>
+            <a:r>
+              <a:rPr lang="en-GB" sz="1400" dirty="0" err="1">
+                <a:solidFill>
+                  <a:srgbClr val="D4D4D4"/>
+                </a:solidFill>
+                <a:latin typeface="Menlo" panose="020B0609030804020204" pitchFamily="49" charset="0"/>
+              </a:rPr>
+              <a:t>.</a:t>
+            </a:r>
+            <a:r>
+              <a:rPr lang="en-GB" sz="1400" dirty="0" err="1">
+                <a:solidFill>
+                  <a:srgbClr val="9CDCFE"/>
+                </a:solidFill>
+                <a:latin typeface="Menlo" panose="020B0609030804020204" pitchFamily="49" charset="0"/>
+              </a:rPr>
+              <a:t>Default</a:t>
+            </a:r>
+            <a:r>
+              <a:rPr lang="en-GB" sz="1400" dirty="0" err="1">
+                <a:solidFill>
+                  <a:srgbClr val="D4D4D4"/>
+                </a:solidFill>
+                <a:latin typeface="Menlo" panose="020B0609030804020204" pitchFamily="49" charset="0"/>
+              </a:rPr>
+              <a:t>.Un</a:t>
+            </a:r>
+            <a:r>
+              <a:rPr lang="en-GB" sz="1400" dirty="0" err="1">
+                <a:solidFill>
+                  <a:srgbClr val="DCDCAA"/>
+                </a:solidFill>
+                <a:latin typeface="Menlo" panose="020B0609030804020204" pitchFamily="49" charset="0"/>
+              </a:rPr>
+              <a:t>subscribe</a:t>
+            </a:r>
+            <a:r>
+              <a:rPr lang="en-GB" sz="1400" dirty="0">
+                <a:solidFill>
+                  <a:srgbClr val="D4D4D4"/>
+                </a:solidFill>
+                <a:latin typeface="Menlo" panose="020B0609030804020204" pitchFamily="49" charset="0"/>
+              </a:rPr>
+              <a:t>&lt;</a:t>
+            </a:r>
+            <a:r>
+              <a:rPr lang="en-GB" sz="1400" dirty="0">
+                <a:solidFill>
+                  <a:srgbClr val="4EC9B0"/>
+                </a:solidFill>
+                <a:latin typeface="Menlo" panose="020B0609030804020204" pitchFamily="49" charset="0"/>
+              </a:rPr>
+              <a:t>Payload</a:t>
+            </a:r>
+            <a:r>
+              <a:rPr lang="en-GB" sz="1400" dirty="0">
+                <a:solidFill>
+                  <a:srgbClr val="D4D4D4"/>
+                </a:solidFill>
+                <a:latin typeface="Menlo" panose="020B0609030804020204" pitchFamily="49" charset="0"/>
+              </a:rPr>
+              <a:t>&gt;(</a:t>
+            </a:r>
+            <a:r>
+              <a:rPr lang="en-GB" sz="1400" dirty="0">
+                <a:solidFill>
+                  <a:srgbClr val="9CDCFE"/>
+                </a:solidFill>
+                <a:latin typeface="Menlo" panose="020B0609030804020204" pitchFamily="49" charset="0"/>
+              </a:rPr>
+              <a:t>Callback</a:t>
+            </a:r>
+            <a:r>
+              <a:rPr lang="en-GB" sz="1400" dirty="0">
+                <a:solidFill>
+                  <a:srgbClr val="D4D4D4"/>
+                </a:solidFill>
+                <a:latin typeface="Menlo" panose="020B0609030804020204" pitchFamily="49" charset="0"/>
+              </a:rPr>
+              <a:t>);</a:t>
+            </a:r>
+          </a:p>
+          <a:p>
+            <a:pPr marL="320040" lvl="1" indent="0" algn="l" rtl="0">
+              <a:buNone/>
+            </a:pPr>
+            <a:endParaRPr lang="en-GB" sz="1400" dirty="0">
+              <a:solidFill>
+                <a:srgbClr val="D4D4D4"/>
+              </a:solidFill>
+              <a:latin typeface="Menlo" panose="020B0609030804020204" pitchFamily="49" charset="0"/>
+            </a:endParaRPr>
+          </a:p>
+          <a:p>
+            <a:pPr marL="320040" lvl="1" indent="0" algn="l" rtl="0">
+              <a:buNone/>
+            </a:pPr>
+            <a:r>
+              <a:rPr lang="en-GB" sz="1200" dirty="0">
+                <a:solidFill>
+                  <a:srgbClr val="4EC9B0"/>
+                </a:solidFill>
+                <a:latin typeface="Menlo" panose="020B0609030804020204" pitchFamily="49" charset="0"/>
+              </a:rPr>
+              <a:t>Payload – the type of Callback parameter</a:t>
+            </a:r>
+          </a:p>
+          <a:p>
+            <a:pPr marL="320040" lvl="1" indent="0" algn="l" rtl="0">
+              <a:buNone/>
+            </a:pPr>
+            <a:r>
+              <a:rPr lang="en-GB" sz="1200" dirty="0">
+                <a:solidFill>
+                  <a:srgbClr val="9CDCFE"/>
+                </a:solidFill>
+                <a:latin typeface="Menlo" panose="020B0609030804020204" pitchFamily="49" charset="0"/>
+              </a:rPr>
+              <a:t>Callback – delegate (Method) that will be removed from subscribers</a:t>
+            </a:r>
+          </a:p>
+          <a:p>
+            <a:pPr marL="320040" lvl="1" indent="0" algn="l" rtl="0">
+              <a:buNone/>
+            </a:pPr>
+            <a:endParaRPr lang="en-GB" sz="1400" dirty="0">
+              <a:solidFill>
+                <a:srgbClr val="9CDCFE"/>
+              </a:solidFill>
+              <a:latin typeface="Menlo" panose="020B0609030804020204" pitchFamily="49" charset="0"/>
+            </a:endParaRPr>
+          </a:p>
+        </p:txBody>
+      </p:sp>
+      <p:sp>
+        <p:nvSpPr>
+          <p:cNvPr id="9" name="Title 3">
+            <a:extLst>
+              <a:ext uri="{FF2B5EF4-FFF2-40B4-BE49-F238E27FC236}">
+                <a16:creationId xmlns:a16="http://schemas.microsoft.com/office/drawing/2014/main" id="{E3AF1E9C-6AD7-D747-AECE-D1640E67F83E}"/>
+              </a:ext>
+            </a:extLst>
+          </p:cNvPr>
+          <p:cNvSpPr>
+            <a:spLocks noGrp="1"/>
+          </p:cNvSpPr>
+          <p:nvPr>
+            <p:ph type="title"/>
+          </p:nvPr>
+        </p:nvSpPr>
+        <p:spPr>
+          <a:xfrm>
+            <a:off x="0" y="13874"/>
+            <a:ext cx="9144000" cy="534805"/>
+          </a:xfrm>
+        </p:spPr>
+        <p:txBody>
+          <a:bodyPr vert="horz" lIns="91440" tIns="45720" rIns="91440" bIns="45720" rtlCol="0" anchor="t">
+            <a:normAutofit fontScale="90000"/>
+          </a:bodyPr>
+          <a:lstStyle/>
+          <a:p>
+            <a:pPr rtl="0"/>
+            <a:r>
+              <a:rPr lang="en-US" sz="3200" dirty="0"/>
+              <a:t>Messenger API:</a:t>
+            </a:r>
+            <a:endParaRPr lang="he-IL" sz="3200" dirty="0"/>
+          </a:p>
+        </p:txBody>
+      </p:sp>
+    </p:spTree>
+    <p:extLst>
+      <p:ext uri="{BB962C8B-B14F-4D97-AF65-F5344CB8AC3E}">
+        <p14:creationId xmlns:p14="http://schemas.microsoft.com/office/powerpoint/2010/main" val="4193273042"/>
+      </p:ext>
+    </p:extLst>
+  </p:cSld>
+  <p:clrMapOvr>
+    <a:masterClrMapping/>
+  </p:clrMapOvr>
+</p:sld>
+</file>
+
+<file path=ppt/slides/slide9.xml><?xml version="1.0" encoding="utf-8"?>
 <p:sld xmlns:a="http://schemas.openxmlformats.org/drawingml/2006/main" xmlns:r="http://schemas.openxmlformats.org/officeDocument/2006/relationships" xmlns:p="http://schemas.openxmlformats.org/presentationml/2006/main" showMasterSp="0">
   <p:cSld>
     <p:spTree>
@@ -6463,614 +9068,6 @@
   <p:clrMapOvr>
     <a:masterClrMapping/>
   </p:clrMapOvr>
-  <mc:AlternateContent xmlns:mc="http://schemas.openxmlformats.org/markup-compatibility/2006" xmlns:p14="http://schemas.microsoft.com/office/powerpoint/2010/main">
-    <mc:Choice Requires="p14">
-      <p:transition p14:dur="250">
-        <p:fade/>
-      </p:transition>
-    </mc:Choice>
-    <mc:Fallback xmlns="">
-      <p:transition>
-        <p:fade/>
-      </p:transition>
-    </mc:Fallback>
-  </mc:AlternateContent>
-  <p:timing>
-    <p:tnLst>
-      <p:par>
-        <p:cTn id="1" dur="indefinite" restart="never" nodeType="tmRoot">
-          <p:childTnLst>
-            <p:seq concurrent="1" nextAc="seek">
-              <p:cTn id="2" dur="indefinite" nodeType="mainSeq">
-                <p:childTnLst>
-                  <p:par>
-                    <p:cTn id="3" fill="hold">
-                      <p:stCondLst>
-                        <p:cond delay="indefinite"/>
-                        <p:cond evt="onBegin" delay="0">
-                          <p:tn val="2"/>
-                        </p:cond>
-                      </p:stCondLst>
-                      <p:childTnLst>
-                        <p:par>
-                          <p:cTn id="4" fill="hold">
-                            <p:stCondLst>
-                              <p:cond delay="0"/>
-                            </p:stCondLst>
-                            <p:childTnLst>
-                              <p:par>
-                                <p:cTn id="5" presetID="22" presetClass="entr" presetSubtype="1" fill="hold" grpId="0" nodeType="afterEffect">
-                                  <p:stCondLst>
-                                    <p:cond delay="0"/>
-                                  </p:stCondLst>
-                                  <p:childTnLst>
-                                    <p:set>
-                                      <p:cBhvr>
-                                        <p:cTn id="6" dur="1" fill="hold">
-                                          <p:stCondLst>
-                                            <p:cond delay="0"/>
-                                          </p:stCondLst>
-                                        </p:cTn>
-                                        <p:tgtEl>
-                                          <p:spTgt spid="4"/>
-                                        </p:tgtEl>
-                                        <p:attrNameLst>
-                                          <p:attrName>style.visibility</p:attrName>
-                                        </p:attrNameLst>
-                                      </p:cBhvr>
-                                      <p:to>
-                                        <p:strVal val="visible"/>
-                                      </p:to>
-                                    </p:set>
-                                    <p:animEffect transition="in" filter="wipe(up)">
-                                      <p:cBhvr>
-                                        <p:cTn id="7" dur="500"/>
-                                        <p:tgtEl>
-                                          <p:spTgt spid="4"/>
-                                        </p:tgtEl>
-                                      </p:cBhvr>
-                                    </p:animEffect>
-                                  </p:childTnLst>
-                                </p:cTn>
-                              </p:par>
-                            </p:childTnLst>
-                          </p:cTn>
-                        </p:par>
-                      </p:childTnLst>
-                    </p:cTn>
-                  </p:par>
-                  <p:par>
-                    <p:cTn id="8" fill="hold">
-                      <p:stCondLst>
-                        <p:cond delay="indefinite"/>
-                      </p:stCondLst>
-                      <p:childTnLst>
-                        <p:par>
-                          <p:cTn id="9" fill="hold">
-                            <p:stCondLst>
-                              <p:cond delay="0"/>
-                            </p:stCondLst>
-                            <p:childTnLst>
-                              <p:par>
-                                <p:cTn id="10" presetID="22" presetClass="entr" presetSubtype="8" fill="hold" grpId="0" nodeType="clickEffect">
-                                  <p:stCondLst>
-                                    <p:cond delay="0"/>
-                                  </p:stCondLst>
-                                  <p:childTnLst>
-                                    <p:set>
-                                      <p:cBhvr>
-                                        <p:cTn id="11" dur="1" fill="hold">
-                                          <p:stCondLst>
-                                            <p:cond delay="0"/>
-                                          </p:stCondLst>
-                                        </p:cTn>
-                                        <p:tgtEl>
-                                          <p:spTgt spid="5">
-                                            <p:txEl>
-                                              <p:pRg st="0" end="0"/>
-                                            </p:txEl>
-                                          </p:spTgt>
-                                        </p:tgtEl>
-                                        <p:attrNameLst>
-                                          <p:attrName>style.visibility</p:attrName>
-                                        </p:attrNameLst>
-                                      </p:cBhvr>
-                                      <p:to>
-                                        <p:strVal val="visible"/>
-                                      </p:to>
-                                    </p:set>
-                                    <p:animEffect transition="in" filter="wipe(left)">
-                                      <p:cBhvr>
-                                        <p:cTn id="12" dur="250"/>
-                                        <p:tgtEl>
-                                          <p:spTgt spid="5">
-                                            <p:txEl>
-                                              <p:pRg st="0" end="0"/>
-                                            </p:txEl>
-                                          </p:spTgt>
-                                        </p:tgtEl>
-                                      </p:cBhvr>
-                                    </p:animEffect>
-                                  </p:childTnLst>
-                                </p:cTn>
-                              </p:par>
-                            </p:childTnLst>
-                          </p:cTn>
-                        </p:par>
-                      </p:childTnLst>
-                    </p:cTn>
-                  </p:par>
-                  <p:par>
-                    <p:cTn id="13" fill="hold">
-                      <p:stCondLst>
-                        <p:cond delay="indefinite"/>
-                      </p:stCondLst>
-                      <p:childTnLst>
-                        <p:par>
-                          <p:cTn id="14" fill="hold">
-                            <p:stCondLst>
-                              <p:cond delay="0"/>
-                            </p:stCondLst>
-                            <p:childTnLst>
-                              <p:par>
-                                <p:cTn id="15" presetID="22" presetClass="entr" presetSubtype="8" fill="hold" grpId="0" nodeType="clickEffect">
-                                  <p:stCondLst>
-                                    <p:cond delay="0"/>
-                                  </p:stCondLst>
-                                  <p:childTnLst>
-                                    <p:set>
-                                      <p:cBhvr>
-                                        <p:cTn id="16" dur="1" fill="hold">
-                                          <p:stCondLst>
-                                            <p:cond delay="0"/>
-                                          </p:stCondLst>
-                                        </p:cTn>
-                                        <p:tgtEl>
-                                          <p:spTgt spid="5">
-                                            <p:txEl>
-                                              <p:pRg st="1" end="1"/>
-                                            </p:txEl>
-                                          </p:spTgt>
-                                        </p:tgtEl>
-                                        <p:attrNameLst>
-                                          <p:attrName>style.visibility</p:attrName>
-                                        </p:attrNameLst>
-                                      </p:cBhvr>
-                                      <p:to>
-                                        <p:strVal val="visible"/>
-                                      </p:to>
-                                    </p:set>
-                                    <p:animEffect transition="in" filter="wipe(left)">
-                                      <p:cBhvr>
-                                        <p:cTn id="17" dur="250"/>
-                                        <p:tgtEl>
-                                          <p:spTgt spid="5">
-                                            <p:txEl>
-                                              <p:pRg st="1" end="1"/>
-                                            </p:txEl>
-                                          </p:spTgt>
-                                        </p:tgtEl>
-                                      </p:cBhvr>
-                                    </p:animEffect>
-                                  </p:childTnLst>
-                                </p:cTn>
-                              </p:par>
-                            </p:childTnLst>
-                          </p:cTn>
-                        </p:par>
-                      </p:childTnLst>
-                    </p:cTn>
-                  </p:par>
-                  <p:par>
-                    <p:cTn id="18" fill="hold">
-                      <p:stCondLst>
-                        <p:cond delay="indefinite"/>
-                      </p:stCondLst>
-                      <p:childTnLst>
-                        <p:par>
-                          <p:cTn id="19" fill="hold">
-                            <p:stCondLst>
-                              <p:cond delay="0"/>
-                            </p:stCondLst>
-                            <p:childTnLst>
-                              <p:par>
-                                <p:cTn id="20" presetID="22" presetClass="entr" presetSubtype="8" fill="hold" grpId="0" nodeType="clickEffect">
-                                  <p:stCondLst>
-                                    <p:cond delay="0"/>
-                                  </p:stCondLst>
-                                  <p:childTnLst>
-                                    <p:set>
-                                      <p:cBhvr>
-                                        <p:cTn id="21" dur="1" fill="hold">
-                                          <p:stCondLst>
-                                            <p:cond delay="0"/>
-                                          </p:stCondLst>
-                                        </p:cTn>
-                                        <p:tgtEl>
-                                          <p:spTgt spid="5">
-                                            <p:txEl>
-                                              <p:pRg st="2" end="2"/>
-                                            </p:txEl>
-                                          </p:spTgt>
-                                        </p:tgtEl>
-                                        <p:attrNameLst>
-                                          <p:attrName>style.visibility</p:attrName>
-                                        </p:attrNameLst>
-                                      </p:cBhvr>
-                                      <p:to>
-                                        <p:strVal val="visible"/>
-                                      </p:to>
-                                    </p:set>
-                                    <p:animEffect transition="in" filter="wipe(left)">
-                                      <p:cBhvr>
-                                        <p:cTn id="22" dur="250"/>
-                                        <p:tgtEl>
-                                          <p:spTgt spid="5">
-                                            <p:txEl>
-                                              <p:pRg st="2" end="2"/>
-                                            </p:txEl>
-                                          </p:spTgt>
-                                        </p:tgtEl>
-                                      </p:cBhvr>
-                                    </p:animEffect>
-                                  </p:childTnLst>
-                                </p:cTn>
-                              </p:par>
-                            </p:childTnLst>
-                          </p:cTn>
-                        </p:par>
-                      </p:childTnLst>
-                    </p:cTn>
-                  </p:par>
-                  <p:par>
-                    <p:cTn id="23" fill="hold">
-                      <p:stCondLst>
-                        <p:cond delay="indefinite"/>
-                      </p:stCondLst>
-                      <p:childTnLst>
-                        <p:par>
-                          <p:cTn id="24" fill="hold">
-                            <p:stCondLst>
-                              <p:cond delay="0"/>
-                            </p:stCondLst>
-                            <p:childTnLst>
-                              <p:par>
-                                <p:cTn id="25" presetID="22" presetClass="entr" presetSubtype="8" fill="hold" grpId="0" nodeType="clickEffect">
-                                  <p:stCondLst>
-                                    <p:cond delay="0"/>
-                                  </p:stCondLst>
-                                  <p:childTnLst>
-                                    <p:set>
-                                      <p:cBhvr>
-                                        <p:cTn id="26" dur="1" fill="hold">
-                                          <p:stCondLst>
-                                            <p:cond delay="0"/>
-                                          </p:stCondLst>
-                                        </p:cTn>
-                                        <p:tgtEl>
-                                          <p:spTgt spid="5">
-                                            <p:txEl>
-                                              <p:pRg st="3" end="3"/>
-                                            </p:txEl>
-                                          </p:spTgt>
-                                        </p:tgtEl>
-                                        <p:attrNameLst>
-                                          <p:attrName>style.visibility</p:attrName>
-                                        </p:attrNameLst>
-                                      </p:cBhvr>
-                                      <p:to>
-                                        <p:strVal val="visible"/>
-                                      </p:to>
-                                    </p:set>
-                                    <p:animEffect transition="in" filter="wipe(left)">
-                                      <p:cBhvr>
-                                        <p:cTn id="27" dur="250"/>
-                                        <p:tgtEl>
-                                          <p:spTgt spid="5">
-                                            <p:txEl>
-                                              <p:pRg st="3" end="3"/>
-                                            </p:txEl>
-                                          </p:spTgt>
-                                        </p:tgtEl>
-                                      </p:cBhvr>
-                                    </p:animEffect>
-                                  </p:childTnLst>
-                                </p:cTn>
-                              </p:par>
-                            </p:childTnLst>
-                          </p:cTn>
-                        </p:par>
-                      </p:childTnLst>
-                    </p:cTn>
-                  </p:par>
-                </p:childTnLst>
-              </p:cTn>
-              <p:prevCondLst>
-                <p:cond evt="onPrev" delay="0">
-                  <p:tgtEl>
-                    <p:sldTgt/>
-                  </p:tgtEl>
-                </p:cond>
-              </p:prevCondLst>
-              <p:nextCondLst>
-                <p:cond evt="onNext" delay="0">
-                  <p:tgtEl>
-                    <p:sldTgt/>
-                  </p:tgtEl>
-                </p:cond>
-              </p:nextCondLst>
-            </p:seq>
-          </p:childTnLst>
-        </p:cTn>
-      </p:par>
-    </p:tnLst>
-    <p:bldLst>
-      <p:bldP spid="4" grpId="0"/>
-      <p:bldP spid="5" grpId="0" build="p"/>
-    </p:bldLst>
-  </p:timing>
-</p:sld>
-</file>
-
-<file path=ppt/slides/slide6.xml><?xml version="1.0" encoding="utf-8"?>
-<p:sld xmlns:a="http://schemas.openxmlformats.org/drawingml/2006/main" xmlns:r="http://schemas.openxmlformats.org/officeDocument/2006/relationships" xmlns:p="http://schemas.openxmlformats.org/presentationml/2006/main" showMasterSp="0">
-  <p:cSld>
-    <p:spTree>
-      <p:nvGrpSpPr>
-        <p:cNvPr id="1" name=""/>
-        <p:cNvGrpSpPr/>
-        <p:nvPr/>
-      </p:nvGrpSpPr>
-      <p:grpSpPr>
-        <a:xfrm>
-          <a:off x="0" y="0"/>
-          <a:ext cx="0" cy="0"/>
-          <a:chOff x="0" y="0"/>
-          <a:chExt cx="0" cy="0"/>
-        </a:xfrm>
-      </p:grpSpPr>
-      <p:sp>
-        <p:nvSpPr>
-          <p:cNvPr id="4" name="Title 3"/>
-          <p:cNvSpPr>
-            <a:spLocks noGrp="1"/>
-          </p:cNvSpPr>
-          <p:nvPr>
-            <p:ph type="title"/>
-          </p:nvPr>
-        </p:nvSpPr>
-        <p:spPr>
-          <a:xfrm>
-            <a:off x="914400" y="332656"/>
-            <a:ext cx="7315200" cy="660149"/>
-          </a:xfrm>
-        </p:spPr>
-        <p:txBody>
-          <a:bodyPr anchor="t">
-            <a:normAutofit fontScale="90000"/>
-          </a:bodyPr>
-          <a:lstStyle/>
-          <a:p>
-            <a:pPr rtl="0"/>
-            <a:r>
-              <a:rPr lang="en-US" dirty="0"/>
-              <a:t>Messenger API:</a:t>
-            </a:r>
-            <a:endParaRPr lang="he-IL" dirty="0"/>
-          </a:p>
-        </p:txBody>
-      </p:sp>
-      <p:sp>
-        <p:nvSpPr>
-          <p:cNvPr id="5" name="Content Placeholder 4"/>
-          <p:cNvSpPr>
-            <a:spLocks noGrp="1"/>
-          </p:cNvSpPr>
-          <p:nvPr>
-            <p:ph idx="1"/>
-          </p:nvPr>
-        </p:nvSpPr>
-        <p:spPr>
-          <a:xfrm>
-            <a:off x="914400" y="1340767"/>
-            <a:ext cx="7315200" cy="4968593"/>
-          </a:xfrm>
-        </p:spPr>
-        <p:txBody>
-          <a:bodyPr tIns="72000" bIns="72000">
-            <a:noAutofit/>
-          </a:bodyPr>
-          <a:lstStyle/>
-          <a:p>
-            <a:pPr algn="l" rtl="0">
-              <a:spcAft>
-                <a:spcPts val="1200"/>
-              </a:spcAft>
-              <a:buFont typeface="Wingdings" pitchFamily="2" charset="2"/>
-              <a:buChar char="ü"/>
-            </a:pPr>
-            <a:endParaRPr lang="en-US" sz="2400" dirty="0"/>
-          </a:p>
-        </p:txBody>
-      </p:sp>
-    </p:spTree>
-    <p:extLst>
-      <p:ext uri="{BB962C8B-B14F-4D97-AF65-F5344CB8AC3E}">
-        <p14:creationId xmlns:p14="http://schemas.microsoft.com/office/powerpoint/2010/main" val="4192422307"/>
-      </p:ext>
-    </p:extLst>
-  </p:cSld>
-  <p:clrMapOvr>
-    <a:masterClrMapping/>
-  </p:clrMapOvr>
-  <mc:AlternateContent xmlns:mc="http://schemas.openxmlformats.org/markup-compatibility/2006" xmlns:p14="http://schemas.microsoft.com/office/powerpoint/2010/main">
-    <mc:Choice Requires="p14">
-      <p:transition p14:dur="250">
-        <p:fade/>
-      </p:transition>
-    </mc:Choice>
-    <mc:Fallback xmlns="">
-      <p:transition>
-        <p:fade/>
-      </p:transition>
-    </mc:Fallback>
-  </mc:AlternateContent>
-  <p:timing>
-    <p:tnLst>
-      <p:par>
-        <p:cTn id="1" dur="indefinite" restart="never" nodeType="tmRoot">
-          <p:childTnLst>
-            <p:seq concurrent="1" nextAc="seek">
-              <p:cTn id="2" dur="indefinite" nodeType="mainSeq">
-                <p:childTnLst>
-                  <p:par>
-                    <p:cTn id="3" fill="hold">
-                      <p:stCondLst>
-                        <p:cond delay="indefinite"/>
-                        <p:cond evt="onBegin" delay="0">
-                          <p:tn val="2"/>
-                        </p:cond>
-                      </p:stCondLst>
-                      <p:childTnLst>
-                        <p:par>
-                          <p:cTn id="4" fill="hold">
-                            <p:stCondLst>
-                              <p:cond delay="0"/>
-                            </p:stCondLst>
-                            <p:childTnLst>
-                              <p:par>
-                                <p:cTn id="5" presetID="22" presetClass="entr" presetSubtype="1" fill="hold" grpId="0" nodeType="afterEffect">
-                                  <p:stCondLst>
-                                    <p:cond delay="0"/>
-                                  </p:stCondLst>
-                                  <p:childTnLst>
-                                    <p:set>
-                                      <p:cBhvr>
-                                        <p:cTn id="6" dur="1" fill="hold">
-                                          <p:stCondLst>
-                                            <p:cond delay="0"/>
-                                          </p:stCondLst>
-                                        </p:cTn>
-                                        <p:tgtEl>
-                                          <p:spTgt spid="4"/>
-                                        </p:tgtEl>
-                                        <p:attrNameLst>
-                                          <p:attrName>style.visibility</p:attrName>
-                                        </p:attrNameLst>
-                                      </p:cBhvr>
-                                      <p:to>
-                                        <p:strVal val="visible"/>
-                                      </p:to>
-                                    </p:set>
-                                    <p:animEffect transition="in" filter="wipe(up)">
-                                      <p:cBhvr>
-                                        <p:cTn id="7" dur="500"/>
-                                        <p:tgtEl>
-                                          <p:spTgt spid="4"/>
-                                        </p:tgtEl>
-                                      </p:cBhvr>
-                                    </p:animEffect>
-                                  </p:childTnLst>
-                                </p:cTn>
-                              </p:par>
-                            </p:childTnLst>
-                          </p:cTn>
-                        </p:par>
-                      </p:childTnLst>
-                    </p:cTn>
-                  </p:par>
-                  <p:par>
-                    <p:cTn id="8" fill="hold">
-                      <p:stCondLst>
-                        <p:cond delay="indefinite"/>
-                      </p:stCondLst>
-                      <p:childTnLst>
-                        <p:par>
-                          <p:cTn id="9" fill="hold">
-                            <p:stCondLst>
-                              <p:cond delay="0"/>
-                            </p:stCondLst>
-                            <p:childTnLst>
-                              <p:par>
-                                <p:cTn id="10" presetID="22" presetClass="entr" presetSubtype="8" fill="hold" grpId="0" nodeType="clickEffect" nodePh="1">
-                                  <p:stCondLst>
-                                    <p:cond delay="0"/>
-                                  </p:stCondLst>
-                                  <p:endCondLst>
-                                    <p:cond evt="begin" delay="0">
-                                      <p:tn val="10"/>
-                                    </p:cond>
-                                  </p:endCondLst>
-                                  <p:childTnLst>
-                                    <p:set>
-                                      <p:cBhvr>
-                                        <p:cTn id="11" dur="1" fill="hold">
-                                          <p:stCondLst>
-                                            <p:cond delay="0"/>
-                                          </p:stCondLst>
-                                        </p:cTn>
-                                        <p:tgtEl>
-                                          <p:spTgt spid="5">
-                                            <p:txEl>
-                                              <p:pRg st="0" end="0"/>
-                                            </p:txEl>
-                                          </p:spTgt>
-                                        </p:tgtEl>
-                                        <p:attrNameLst>
-                                          <p:attrName>style.visibility</p:attrName>
-                                        </p:attrNameLst>
-                                      </p:cBhvr>
-                                      <p:to>
-                                        <p:strVal val="visible"/>
-                                      </p:to>
-                                    </p:set>
-                                    <p:animEffect transition="in" filter="wipe(left)">
-                                      <p:cBhvr>
-                                        <p:cTn id="12" dur="250"/>
-                                        <p:tgtEl>
-                                          <p:spTgt spid="5">
-                                            <p:txEl>
-                                              <p:pRg st="0" end="0"/>
-                                            </p:txEl>
-                                          </p:spTgt>
-                                        </p:tgtEl>
-                                      </p:cBhvr>
-                                    </p:animEffect>
-                                  </p:childTnLst>
-                                </p:cTn>
-                              </p:par>
-                            </p:childTnLst>
-                          </p:cTn>
-                        </p:par>
-                      </p:childTnLst>
-                    </p:cTn>
-                  </p:par>
-                </p:childTnLst>
-              </p:cTn>
-              <p:prevCondLst>
-                <p:cond evt="onPrev" delay="0">
-                  <p:tgtEl>
-                    <p:sldTgt/>
-                  </p:tgtEl>
-                </p:cond>
-              </p:prevCondLst>
-              <p:nextCondLst>
-                <p:cond evt="onNext" delay="0">
-                  <p:tgtEl>
-                    <p:sldTgt/>
-                  </p:tgtEl>
-                </p:cond>
-              </p:nextCondLst>
-            </p:seq>
-          </p:childTnLst>
-        </p:cTn>
-      </p:par>
-    </p:tnLst>
-    <p:bldLst>
-      <p:bldP spid="4" grpId="0"/>
-      <p:bldP spid="5" grpId="0" build="p"/>
-    </p:bldLst>
-  </p:timing>
 </p:sld>
 </file>
 

--- a/docs/PubSub Messenger.pptx
+++ b/docs/PubSub Messenger.pptx
@@ -4875,7 +4875,7 @@
                         <a14:saturation sat="200000"/>
                       </a14:imgEffect>
                       <a14:imgEffect>
-                        <a14:brightnessContrast bright="-20000"/>
+                        <a14:brightnessContrast contrast="20000"/>
                       </a14:imgEffect>
                     </a14:imgLayer>
                   </a14:imgProps>
@@ -6554,6 +6554,9 @@
                       <a14:imgEffect>
                         <a14:saturation sat="200000"/>
                       </a14:imgEffect>
+                      <a14:imgEffect>
+                        <a14:brightnessContrast contrast="20000"/>
+                      </a14:imgEffect>
                     </a14:imgLayer>
                   </a14:imgProps>
                 </a:ext>
@@ -7061,36 +7064,6 @@
           <a:chExt cx="0" cy="0"/>
         </a:xfrm>
       </p:grpSpPr>
-      <p:pic>
-        <p:nvPicPr>
-          <p:cNvPr id="2" name="Picture 1">
-            <a:extLst>
-              <a:ext uri="{FF2B5EF4-FFF2-40B4-BE49-F238E27FC236}">
-                <a16:creationId xmlns:a16="http://schemas.microsoft.com/office/drawing/2014/main" id="{96F0D5C6-28DC-5E4D-88CE-7C0A714404E0}"/>
-              </a:ext>
-            </a:extLst>
-          </p:cNvPr>
-          <p:cNvPicPr>
-            <a:picLocks noChangeAspect="1"/>
-          </p:cNvPicPr>
-          <p:nvPr/>
-        </p:nvPicPr>
-        <p:blipFill>
-          <a:blip r:embed="rId2"/>
-          <a:stretch>
-            <a:fillRect/>
-          </a:stretch>
-        </p:blipFill>
-        <p:spPr>
-          <a:xfrm>
-            <a:off x="305064" y="1292643"/>
-            <a:ext cx="2895965" cy="2373497"/>
-          </a:xfrm>
-          <a:prstGeom prst="rect">
-            <a:avLst/>
-          </a:prstGeom>
-        </p:spPr>
-      </p:pic>
       <p:sp>
         <p:nvSpPr>
           <p:cNvPr id="4" name="Title 3"/>
@@ -7109,16 +7082,16 @@
         </p:spPr>
         <p:txBody>
           <a:bodyPr anchor="t">
-            <a:normAutofit fontScale="90000"/>
+            <a:normAutofit/>
           </a:bodyPr>
           <a:lstStyle/>
           <a:p>
             <a:pPr rtl="0"/>
             <a:r>
-              <a:rPr lang="en-US" dirty="0"/>
+              <a:rPr lang="en-US" sz="3200" dirty="0"/>
               <a:t>Demo Structure:</a:t>
             </a:r>
-            <a:endParaRPr lang="he-IL" dirty="0"/>
+            <a:endParaRPr lang="he-IL" sz="3200" dirty="0"/>
           </a:p>
         </p:txBody>
       </p:sp>
@@ -7136,8 +7109,8 @@
         </p:nvSpPr>
         <p:spPr>
           <a:xfrm>
-            <a:off x="64845" y="783311"/>
-            <a:ext cx="2584362" cy="369332"/>
+            <a:off x="64845" y="675543"/>
+            <a:ext cx="1007007" cy="369332"/>
           </a:xfrm>
           <a:prstGeom prst="rect">
             <a:avLst/>
@@ -7158,7 +7131,7 @@
             </a:pPr>
             <a:r>
               <a:rPr lang="en-US" b="1" dirty="0"/>
-              <a:t>Plugins / Messaging</a:t>
+              <a:t>Demo</a:t>
             </a:r>
           </a:p>
         </p:txBody>
@@ -7212,14 +7185,14 @@
           <p:nvPr>
             <p:extLst>
               <p:ext uri="{D42A27DB-BD31-4B8C-83A1-F6EECF244321}">
-                <p14:modId xmlns:p14="http://schemas.microsoft.com/office/powerpoint/2010/main" val="992868064"/>
+                <p14:modId xmlns:p14="http://schemas.microsoft.com/office/powerpoint/2010/main" val="919046535"/>
               </p:ext>
             </p:extLst>
           </p:nvPr>
         </p:nvGraphicFramePr>
         <p:xfrm>
-          <a:off x="3275856" y="1292643"/>
-          <a:ext cx="5688632" cy="3406168"/>
+          <a:off x="3005314" y="1109604"/>
+          <a:ext cx="5959174" cy="2607428"/>
         </p:xfrm>
         <a:graphic>
           <a:graphicData uri="http://schemas.openxmlformats.org/drawingml/2006/table">
@@ -7228,21 +7201,21 @@
                 <a:tableStyleId>{D03447BB-5D67-496B-8E87-E561075AD55C}</a:tableStyleId>
               </a:tblPr>
               <a:tblGrid>
-                <a:gridCol w="1080120">
+                <a:gridCol w="1131489">
                   <a:extLst>
                     <a:ext uri="{9D8B030D-6E8A-4147-A177-3AD203B41FA5}">
                       <a16:colId xmlns:a16="http://schemas.microsoft.com/office/drawing/2014/main" val="349504628"/>
                     </a:ext>
                   </a:extLst>
                 </a:gridCol>
-                <a:gridCol w="1944216">
+                <a:gridCol w="1565762">
                   <a:extLst>
                     <a:ext uri="{9D8B030D-6E8A-4147-A177-3AD203B41FA5}">
                       <a16:colId xmlns:a16="http://schemas.microsoft.com/office/drawing/2014/main" val="125230570"/>
                     </a:ext>
                   </a:extLst>
                 </a:gridCol>
-                <a:gridCol w="2664296">
+                <a:gridCol w="3261923">
                   <a:extLst>
                     <a:ext uri="{9D8B030D-6E8A-4147-A177-3AD203B41FA5}">
                       <a16:colId xmlns:a16="http://schemas.microsoft.com/office/drawing/2014/main" val="2383567160"/>
@@ -7250,7 +7223,7 @@
                   </a:extLst>
                 </a:gridCol>
               </a:tblGrid>
-              <a:tr h="358461">
+              <a:tr h="340938">
                 <a:tc>
                   <a:txBody>
                     <a:bodyPr/>
@@ -7258,7 +7231,7 @@
                     <a:p>
                       <a:pPr marL="0" algn="l" defTabSz="914400" rtl="0" eaLnBrk="1" latinLnBrk="0" hangingPunct="1"/>
                       <a:r>
-                        <a:rPr lang="en-US" sz="1000" b="0" dirty="0"/>
+                        <a:rPr lang="en-US" sz="900" b="0" dirty="0"/>
                         <a:t>Folder</a:t>
                       </a:r>
                     </a:p>
@@ -7279,7 +7252,7 @@
                     <a:p>
                       <a:pPr marL="0" algn="l" defTabSz="914400" rtl="0" eaLnBrk="1" latinLnBrk="0" hangingPunct="1"/>
                       <a:r>
-                        <a:rPr lang="en-US" sz="1000" b="0" dirty="0"/>
+                        <a:rPr lang="en-US" sz="900" b="0" dirty="0"/>
                         <a:t>File/Class/Script</a:t>
                       </a:r>
                     </a:p>
@@ -7300,7 +7273,7 @@
                     <a:p>
                       <a:pPr marL="0" algn="l" defTabSz="914400" rtl="0" eaLnBrk="1" latinLnBrk="0" hangingPunct="1"/>
                       <a:r>
-                        <a:rPr lang="en-US" sz="1000" b="0" dirty="0"/>
+                        <a:rPr lang="en-US" sz="900" b="0" dirty="0"/>
                         <a:t>Description</a:t>
                       </a:r>
                     </a:p>
@@ -7320,14 +7293,17 @@
                   </a:ext>
                 </a:extLst>
               </a:tr>
-              <a:tr h="358461">
+              <a:tr h="347880">
                 <a:tc>
                   <a:txBody>
                     <a:bodyPr/>
                     <a:lstStyle/>
                     <a:p>
                       <a:pPr marL="0" algn="l" defTabSz="914400" rtl="0" eaLnBrk="1" latinLnBrk="0" hangingPunct="1"/>
-                      <a:endParaRPr lang="en-US" sz="1000" b="0" dirty="0"/>
+                      <a:r>
+                        <a:rPr lang="en-US" sz="900" b="0" dirty="0"/>
+                        <a:t>Prefabs</a:t>
+                      </a:r>
                     </a:p>
                   </a:txBody>
                   <a:tcPr/>
@@ -7338,7 +7314,11 @@
                     <a:lstStyle/>
                     <a:p>
                       <a:pPr marL="0" algn="l" defTabSz="914400" rtl="0" eaLnBrk="1" latinLnBrk="0" hangingPunct="1"/>
-                      <a:endParaRPr lang="en-US" sz="1000" b="0" dirty="0"/>
+                      <a:r>
+                        <a:rPr lang="en-US" sz="900" b="0" dirty="0" err="1"/>
+                        <a:t>ChatPanelPrefab</a:t>
+                      </a:r>
+                      <a:endParaRPr lang="en-US" sz="900" b="0" dirty="0"/>
                     </a:p>
                   </a:txBody>
                   <a:tcPr/>
@@ -7349,7 +7329,10 @@
                     <a:lstStyle/>
                     <a:p>
                       <a:pPr marL="0" algn="l" defTabSz="914400" rtl="0" eaLnBrk="1" latinLnBrk="0" hangingPunct="1"/>
-                      <a:endParaRPr lang="en-US" sz="1000" b="0" dirty="0"/>
+                      <a:r>
+                        <a:rPr lang="en-US" sz="900" b="0" dirty="0"/>
+                        <a:t>Prefab that contains all elements for player chat UI (see prefab in editor)</a:t>
+                      </a:r>
                     </a:p>
                   </a:txBody>
                   <a:tcPr/>
@@ -7360,14 +7343,17 @@
                   </a:ext>
                 </a:extLst>
               </a:tr>
-              <a:tr h="358461">
+              <a:tr h="340938">
                 <a:tc>
                   <a:txBody>
                     <a:bodyPr/>
                     <a:lstStyle/>
                     <a:p>
                       <a:pPr marL="0" algn="l" defTabSz="914400" rtl="0" eaLnBrk="1" latinLnBrk="0" hangingPunct="1"/>
-                      <a:endParaRPr lang="en-US" sz="1000" b="0" dirty="0"/>
+                      <a:r>
+                        <a:rPr lang="en-US" sz="900" b="0" dirty="0"/>
+                        <a:t>Prefabs</a:t>
+                      </a:r>
                     </a:p>
                   </a:txBody>
                   <a:tcPr/>
@@ -7378,7 +7364,11 @@
                     <a:lstStyle/>
                     <a:p>
                       <a:pPr marL="0" algn="l" defTabSz="914400" rtl="0" eaLnBrk="1" latinLnBrk="0" hangingPunct="1"/>
-                      <a:endParaRPr lang="en-US" sz="1000" b="0" dirty="0"/>
+                      <a:r>
+                        <a:rPr lang="en-US" sz="900" b="0" dirty="0" err="1"/>
+                        <a:t>HubPanelPrefab</a:t>
+                      </a:r>
+                      <a:endParaRPr lang="en-US" sz="900" b="0" dirty="0"/>
                     </a:p>
                   </a:txBody>
                   <a:tcPr/>
@@ -7389,7 +7379,10 @@
                     <a:lstStyle/>
                     <a:p>
                       <a:pPr marL="0" algn="l" defTabSz="914400" rtl="0" eaLnBrk="1" latinLnBrk="0" hangingPunct="1"/>
-                      <a:endParaRPr lang="en-US" sz="1000" b="0" dirty="0"/>
+                      <a:r>
+                        <a:rPr lang="en-US" sz="900" b="0" dirty="0"/>
+                        <a:t>Prefab that contains top HUD elements (see prefab in editor)</a:t>
+                      </a:r>
                     </a:p>
                   </a:txBody>
                   <a:tcPr/>
@@ -7400,14 +7393,17 @@
                   </a:ext>
                 </a:extLst>
               </a:tr>
-              <a:tr h="358461">
+              <a:tr h="340938">
                 <a:tc>
                   <a:txBody>
                     <a:bodyPr/>
                     <a:lstStyle/>
                     <a:p>
                       <a:pPr marL="0" algn="l" defTabSz="914400" rtl="0" eaLnBrk="1" latinLnBrk="0" hangingPunct="1"/>
-                      <a:endParaRPr lang="en-US" sz="1000" b="0" dirty="0"/>
+                      <a:r>
+                        <a:rPr lang="en-US" sz="900" b="0" dirty="0"/>
+                        <a:t>Scenes</a:t>
+                      </a:r>
                     </a:p>
                   </a:txBody>
                   <a:tcPr/>
@@ -7418,7 +7414,11 @@
                     <a:lstStyle/>
                     <a:p>
                       <a:pPr marL="0" algn="l" defTabSz="914400" rtl="0" eaLnBrk="1" latinLnBrk="0" hangingPunct="1"/>
-                      <a:endParaRPr lang="en-US" sz="1000" b="0" dirty="0"/>
+                      <a:r>
+                        <a:rPr lang="en-US" sz="900" b="0" dirty="0" err="1"/>
+                        <a:t>ChatExampleScene</a:t>
+                      </a:r>
+                      <a:endParaRPr lang="en-US" sz="900" b="0" dirty="0"/>
                     </a:p>
                   </a:txBody>
                   <a:tcPr/>
@@ -7429,7 +7429,10 @@
                     <a:lstStyle/>
                     <a:p>
                       <a:pPr marL="0" algn="l" defTabSz="914400" rtl="0" eaLnBrk="1" latinLnBrk="0" hangingPunct="1"/>
-                      <a:endParaRPr lang="en-US" sz="1000" b="0" dirty="0"/>
+                      <a:r>
+                        <a:rPr lang="en-US" sz="900" b="0" dirty="0"/>
+                        <a:t>Example scene with chat UI (see scene in editor)</a:t>
+                      </a:r>
                     </a:p>
                   </a:txBody>
                   <a:tcPr/>
@@ -7440,14 +7443,17 @@
                   </a:ext>
                 </a:extLst>
               </a:tr>
-              <a:tr h="358461">
+              <a:tr h="347880">
                 <a:tc>
                   <a:txBody>
                     <a:bodyPr/>
                     <a:lstStyle/>
                     <a:p>
                       <a:pPr marL="0" algn="l" defTabSz="914400" rtl="0" eaLnBrk="1" latinLnBrk="0" hangingPunct="1"/>
-                      <a:endParaRPr lang="en-US" sz="1000" b="0" dirty="0"/>
+                      <a:r>
+                        <a:rPr lang="en-US" sz="900" b="0" dirty="0"/>
+                        <a:t>Scripts</a:t>
+                      </a:r>
                     </a:p>
                   </a:txBody>
                   <a:tcPr/>
@@ -7458,7 +7464,11 @@
                     <a:lstStyle/>
                     <a:p>
                       <a:pPr marL="0" algn="l" defTabSz="914400" rtl="0" eaLnBrk="1" latinLnBrk="0" hangingPunct="1"/>
-                      <a:endParaRPr lang="en-US" sz="1000" b="0" dirty="0"/>
+                      <a:r>
+                        <a:rPr lang="en-US" sz="900" b="0" dirty="0" err="1"/>
+                        <a:t>ChatController</a:t>
+                      </a:r>
+                      <a:endParaRPr lang="en-US" sz="900" b="0" dirty="0"/>
                     </a:p>
                   </a:txBody>
                   <a:tcPr/>
@@ -7469,7 +7479,18 @@
                     <a:lstStyle/>
                     <a:p>
                       <a:pPr marL="0" algn="l" defTabSz="914400" rtl="0" eaLnBrk="1" latinLnBrk="0" hangingPunct="1"/>
-                      <a:endParaRPr lang="en-US" sz="1000" b="0" dirty="0"/>
+                      <a:r>
+                        <a:rPr lang="en-US" sz="900" b="0" dirty="0"/>
+                        <a:t>Script that controls </a:t>
+                      </a:r>
+                      <a:r>
+                        <a:rPr lang="en-US" sz="900" b="0" dirty="0" err="1"/>
+                        <a:t>ChatPanelPrefab</a:t>
+                      </a:r>
+                      <a:r>
+                        <a:rPr lang="en-US" sz="900" b="0" dirty="0"/>
+                        <a:t> (message input, publish and subscribe)</a:t>
+                      </a:r>
                     </a:p>
                   </a:txBody>
                   <a:tcPr/>
@@ -7480,14 +7501,17 @@
                   </a:ext>
                 </a:extLst>
               </a:tr>
-              <a:tr h="462494">
+              <a:tr h="439885">
                 <a:tc>
                   <a:txBody>
                     <a:bodyPr/>
                     <a:lstStyle/>
                     <a:p>
                       <a:pPr marL="0" algn="l" defTabSz="914400" rtl="0" eaLnBrk="1" latinLnBrk="0" hangingPunct="1"/>
-                      <a:endParaRPr lang="en-US" sz="1000" b="0" dirty="0"/>
+                      <a:r>
+                        <a:rPr lang="en-US" sz="900" b="0" dirty="0"/>
+                        <a:t>Scripts</a:t>
+                      </a:r>
                     </a:p>
                   </a:txBody>
                   <a:tcPr/>
@@ -7514,7 +7538,11 @@
                         <a:tabLst/>
                         <a:defRPr/>
                       </a:pPr>
-                      <a:endParaRPr lang="en-US" sz="1000" b="0" i="0" dirty="0"/>
+                      <a:r>
+                        <a:rPr lang="en-US" sz="900" b="0" i="0" dirty="0" err="1"/>
+                        <a:t>ChatMsgCountController</a:t>
+                      </a:r>
+                      <a:endParaRPr lang="en-US" sz="900" b="0" i="0" dirty="0"/>
                     </a:p>
                   </a:txBody>
                   <a:tcPr/>
@@ -7525,7 +7553,10 @@
                     <a:lstStyle/>
                     <a:p>
                       <a:pPr marL="0" algn="l" defTabSz="914400" rtl="0" eaLnBrk="1" latinLnBrk="0" hangingPunct="1"/>
-                      <a:endParaRPr lang="en-US" sz="1000" b="0" dirty="0"/>
+                      <a:r>
+                        <a:rPr lang="en-US" sz="900" b="0" dirty="0"/>
+                        <a:t>Scripts that ‘listens’ to chat messages, counts them and displays count in HUD</a:t>
+                      </a:r>
                     </a:p>
                   </a:txBody>
                   <a:tcPr/>
@@ -7536,14 +7567,17 @@
                   </a:ext>
                 </a:extLst>
               </a:tr>
-              <a:tr h="434447">
+              <a:tr h="413209">
                 <a:tc>
                   <a:txBody>
                     <a:bodyPr/>
                     <a:lstStyle/>
                     <a:p>
                       <a:pPr marL="0" algn="l" defTabSz="914400" rtl="0" eaLnBrk="1" latinLnBrk="0" hangingPunct="1"/>
-                      <a:endParaRPr lang="en-US" sz="1000" b="0" dirty="0"/>
+                      <a:r>
+                        <a:rPr lang="en-US" sz="900" b="0" dirty="0"/>
+                        <a:t>Scripts</a:t>
+                      </a:r>
                     </a:p>
                   </a:txBody>
                   <a:tcPr/>
@@ -7554,7 +7588,11 @@
                     <a:lstStyle/>
                     <a:p>
                       <a:pPr algn="l" rtl="0"/>
-                      <a:endParaRPr lang="en-US" sz="1000" b="0" dirty="0"/>
+                      <a:r>
+                        <a:rPr lang="en-US" sz="900" b="0" dirty="0" err="1"/>
+                        <a:t>ChatPayload</a:t>
+                      </a:r>
+                      <a:endParaRPr lang="en-US" sz="900" b="0" dirty="0"/>
                     </a:p>
                   </a:txBody>
                   <a:tcPr/>
@@ -7565,7 +7603,10 @@
                     <a:lstStyle/>
                     <a:p>
                       <a:pPr algn="l" rtl="0"/>
-                      <a:endParaRPr lang="en-US" sz="1000" b="0" dirty="0"/>
+                      <a:r>
+                        <a:rPr lang="en-US" sz="900" b="0" dirty="0"/>
+                        <a:t>Payload class that is used to pass messages between chat panels</a:t>
+                      </a:r>
                     </a:p>
                   </a:txBody>
                   <a:tcPr/>
@@ -7576,322 +7617,458 @@
                   </a:ext>
                 </a:extLst>
               </a:tr>
-              <a:tr h="358461">
-                <a:tc>
-                  <a:txBody>
-                    <a:bodyPr/>
-                    <a:lstStyle/>
-                    <a:p>
-                      <a:pPr marL="0" algn="l" defTabSz="914400" rtl="0" eaLnBrk="1" latinLnBrk="0" hangingPunct="1"/>
-                      <a:endParaRPr lang="en-US" sz="1000" b="0" dirty="0"/>
-                    </a:p>
-                  </a:txBody>
-                  <a:tcPr/>
-                </a:tc>
-                <a:tc>
-                  <a:txBody>
-                    <a:bodyPr/>
-                    <a:lstStyle/>
-                    <a:p>
-                      <a:pPr marL="0" algn="l" defTabSz="914400" rtl="0" eaLnBrk="1" latinLnBrk="0" hangingPunct="1"/>
-                      <a:endParaRPr lang="en-US" sz="1000" b="0" dirty="0"/>
-                    </a:p>
-                  </a:txBody>
-                  <a:tcPr/>
-                </a:tc>
-                <a:tc>
-                  <a:txBody>
-                    <a:bodyPr/>
-                    <a:lstStyle/>
-                    <a:p>
-                      <a:pPr marL="0" algn="l" defTabSz="914400" rtl="0" eaLnBrk="1" latinLnBrk="0" hangingPunct="1"/>
-                      <a:endParaRPr lang="en-US" sz="1000" b="0" dirty="0"/>
-                    </a:p>
-                  </a:txBody>
-                  <a:tcPr/>
-                </a:tc>
-                <a:extLst>
-                  <a:ext uri="{0D108BD9-81ED-4DB2-BD59-A6C34878D82A}">
-                    <a16:rowId xmlns:a16="http://schemas.microsoft.com/office/drawing/2014/main" val="1625701481"/>
-                  </a:ext>
-                </a:extLst>
-              </a:tr>
-              <a:tr h="358461">
-                <a:tc>
-                  <a:txBody>
-                    <a:bodyPr/>
-                    <a:lstStyle/>
-                    <a:p>
-                      <a:pPr marL="0" algn="l" defTabSz="914400" rtl="0" eaLnBrk="1" latinLnBrk="0" hangingPunct="1"/>
-                      <a:endParaRPr lang="en-US" sz="1000" b="0" dirty="0"/>
-                    </a:p>
-                  </a:txBody>
-                  <a:tcPr/>
-                </a:tc>
-                <a:tc>
-                  <a:txBody>
-                    <a:bodyPr/>
-                    <a:lstStyle/>
-                    <a:p>
-                      <a:pPr marL="0" algn="l" defTabSz="914400" rtl="0" eaLnBrk="1" latinLnBrk="0" hangingPunct="1"/>
-                      <a:endParaRPr lang="en-US" sz="1000" b="0" dirty="0"/>
-                    </a:p>
-                  </a:txBody>
-                  <a:tcPr/>
-                </a:tc>
-                <a:tc>
-                  <a:txBody>
-                    <a:bodyPr/>
-                    <a:lstStyle/>
-                    <a:p>
-                      <a:pPr marL="0" marR="0" lvl="0" indent="0" algn="l" defTabSz="914400" rtl="0" eaLnBrk="1" fontAlgn="auto" latinLnBrk="0" hangingPunct="1">
-                        <a:lnSpc>
-                          <a:spcPct val="100000"/>
-                        </a:lnSpc>
-                        <a:spcBef>
-                          <a:spcPts val="0"/>
-                        </a:spcBef>
-                        <a:spcAft>
-                          <a:spcPts val="0"/>
-                        </a:spcAft>
-                        <a:buClrTx/>
-                        <a:buSzTx/>
-                        <a:buFontTx/>
-                        <a:buNone/>
-                        <a:tabLst/>
-                        <a:defRPr/>
-                      </a:pPr>
-                      <a:endParaRPr lang="en-US" sz="1000" b="0" dirty="0"/>
-                    </a:p>
-                  </a:txBody>
-                  <a:tcPr/>
-                </a:tc>
-                <a:extLst>
-                  <a:ext uri="{0D108BD9-81ED-4DB2-BD59-A6C34878D82A}">
-                    <a16:rowId xmlns:a16="http://schemas.microsoft.com/office/drawing/2014/main" val="1921921488"/>
-                  </a:ext>
-                </a:extLst>
-              </a:tr>
             </a:tbl>
           </a:graphicData>
         </a:graphic>
       </p:graphicFrame>
-      <p:sp>
-        <p:nvSpPr>
-          <p:cNvPr id="27" name="Rectangle 26">
+      <p:grpSp>
+        <p:nvGrpSpPr>
+          <p:cNvPr id="10" name="Group 9">
             <a:extLst>
               <a:ext uri="{FF2B5EF4-FFF2-40B4-BE49-F238E27FC236}">
-                <a16:creationId xmlns:a16="http://schemas.microsoft.com/office/drawing/2014/main" id="{CC95507C-107B-4141-BC5A-539349DE5039}"/>
+                <a16:creationId xmlns:a16="http://schemas.microsoft.com/office/drawing/2014/main" id="{1457132A-28BB-3D4C-9977-F2F700679BC3}"/>
               </a:ext>
             </a:extLst>
           </p:cNvPr>
-          <p:cNvSpPr/>
+          <p:cNvGrpSpPr/>
           <p:nvPr/>
-        </p:nvSpPr>
-        <p:spPr>
+        </p:nvGrpSpPr>
+        <p:grpSpPr>
           <a:xfrm>
-            <a:off x="484285" y="1499354"/>
-            <a:ext cx="2716744" cy="705510"/>
+            <a:off x="287455" y="1109604"/>
+            <a:ext cx="2625679" cy="2140938"/>
+            <a:chOff x="290137" y="1292643"/>
+            <a:chExt cx="2910892" cy="2373496"/>
           </a:xfrm>
-          <a:prstGeom prst="rect">
-            <a:avLst/>
-          </a:prstGeom>
-          <a:noFill/>
-          <a:ln w="12700"/>
-        </p:spPr>
-        <p:style>
-          <a:lnRef idx="2">
-            <a:schemeClr val="accent1">
-              <a:shade val="50000"/>
-            </a:schemeClr>
-          </a:lnRef>
-          <a:fillRef idx="1">
-            <a:schemeClr val="accent1"/>
-          </a:fillRef>
-          <a:effectRef idx="0">
-            <a:schemeClr val="accent1"/>
-          </a:effectRef>
-          <a:fontRef idx="minor">
-            <a:schemeClr val="lt1"/>
-          </a:fontRef>
-        </p:style>
-        <p:txBody>
-          <a:bodyPr rtlCol="0" anchor="ctr"/>
-          <a:lstStyle/>
-          <a:p>
-            <a:pPr marL="0" algn="ctr" defTabSz="914400" rtl="0" eaLnBrk="1" latinLnBrk="0" hangingPunct="1"/>
-            <a:endParaRPr lang="en-US"/>
-          </a:p>
-        </p:txBody>
-      </p:sp>
-      <p:sp>
-        <p:nvSpPr>
-          <p:cNvPr id="17" name="TextBox 16">
+        </p:grpSpPr>
+        <p:pic>
+          <p:nvPicPr>
+            <p:cNvPr id="8" name="Picture 7">
+              <a:extLst>
+                <a:ext uri="{FF2B5EF4-FFF2-40B4-BE49-F238E27FC236}">
+                  <a16:creationId xmlns:a16="http://schemas.microsoft.com/office/drawing/2014/main" id="{A4842D0D-C245-654B-877D-C0645977AD16}"/>
+                </a:ext>
+              </a:extLst>
+            </p:cNvPr>
+            <p:cNvPicPr>
+              <a:picLocks noChangeAspect="1"/>
+            </p:cNvPicPr>
+            <p:nvPr/>
+          </p:nvPicPr>
+          <p:blipFill>
+            <a:blip r:embed="rId2">
+              <a:extLst>
+                <a:ext uri="{BEBA8EAE-BF5A-486C-A8C5-ECC9F3942E4B}">
+                  <a14:imgProps xmlns:a14="http://schemas.microsoft.com/office/drawing/2010/main">
+                    <a14:imgLayer r:embed="rId3">
+                      <a14:imgEffect>
+                        <a14:brightnessContrast contrast="20000"/>
+                      </a14:imgEffect>
+                    </a14:imgLayer>
+                  </a14:imgProps>
+                </a:ext>
+              </a:extLst>
+            </a:blip>
+            <a:stretch>
+              <a:fillRect/>
+            </a:stretch>
+          </p:blipFill>
+          <p:spPr>
+            <a:xfrm>
+              <a:off x="290137" y="1292643"/>
+              <a:ext cx="2910891" cy="2373496"/>
+            </a:xfrm>
+            <a:prstGeom prst="rect">
+              <a:avLst/>
+            </a:prstGeom>
+          </p:spPr>
+        </p:pic>
+        <p:sp>
+          <p:nvSpPr>
+            <p:cNvPr id="27" name="Rectangle 26">
+              <a:extLst>
+                <a:ext uri="{FF2B5EF4-FFF2-40B4-BE49-F238E27FC236}">
+                  <a16:creationId xmlns:a16="http://schemas.microsoft.com/office/drawing/2014/main" id="{CC95507C-107B-4141-BC5A-539349DE5039}"/>
+                </a:ext>
+              </a:extLst>
+            </p:cNvPr>
+            <p:cNvSpPr/>
+            <p:nvPr/>
+          </p:nvSpPr>
+          <p:spPr>
+            <a:xfrm>
+              <a:off x="484285" y="1499354"/>
+              <a:ext cx="2716744" cy="705510"/>
+            </a:xfrm>
+            <a:prstGeom prst="rect">
+              <a:avLst/>
+            </a:prstGeom>
+            <a:noFill/>
+            <a:ln w="12700"/>
+          </p:spPr>
+          <p:style>
+            <a:lnRef idx="2">
+              <a:schemeClr val="accent1">
+                <a:shade val="50000"/>
+              </a:schemeClr>
+            </a:lnRef>
+            <a:fillRef idx="1">
+              <a:schemeClr val="accent1"/>
+            </a:fillRef>
+            <a:effectRef idx="0">
+              <a:schemeClr val="accent1"/>
+            </a:effectRef>
+            <a:fontRef idx="minor">
+              <a:schemeClr val="lt1"/>
+            </a:fontRef>
+          </p:style>
+          <p:txBody>
+            <a:bodyPr rtlCol="0" anchor="ctr"/>
+            <a:lstStyle/>
+            <a:p>
+              <a:pPr marL="0" algn="ctr" defTabSz="914400" rtl="0" eaLnBrk="1" latinLnBrk="0" hangingPunct="1"/>
+              <a:endParaRPr lang="en-US"/>
+            </a:p>
+          </p:txBody>
+        </p:sp>
+        <p:sp>
+          <p:nvSpPr>
+            <p:cNvPr id="15" name="Rectangle 14">
+              <a:extLst>
+                <a:ext uri="{FF2B5EF4-FFF2-40B4-BE49-F238E27FC236}">
+                  <a16:creationId xmlns:a16="http://schemas.microsoft.com/office/drawing/2014/main" id="{BECEA12C-6EA2-494D-8420-BD8E95540B8A}"/>
+                </a:ext>
+              </a:extLst>
+            </p:cNvPr>
+            <p:cNvSpPr/>
+            <p:nvPr/>
+          </p:nvSpPr>
+          <p:spPr>
+            <a:xfrm>
+              <a:off x="484285" y="2204864"/>
+              <a:ext cx="2716744" cy="504056"/>
+            </a:xfrm>
+            <a:prstGeom prst="rect">
+              <a:avLst/>
+            </a:prstGeom>
+            <a:noFill/>
+            <a:ln w="12700"/>
+          </p:spPr>
+          <p:style>
+            <a:lnRef idx="2">
+              <a:schemeClr val="accent1">
+                <a:shade val="50000"/>
+              </a:schemeClr>
+            </a:lnRef>
+            <a:fillRef idx="1">
+              <a:schemeClr val="accent1"/>
+            </a:fillRef>
+            <a:effectRef idx="0">
+              <a:schemeClr val="accent1"/>
+            </a:effectRef>
+            <a:fontRef idx="minor">
+              <a:schemeClr val="lt1"/>
+            </a:fontRef>
+          </p:style>
+          <p:txBody>
+            <a:bodyPr rtlCol="0" anchor="ctr"/>
+            <a:lstStyle/>
+            <a:p>
+              <a:pPr marL="0" algn="ctr" defTabSz="914400" rtl="0" eaLnBrk="1" latinLnBrk="0" hangingPunct="1"/>
+              <a:endParaRPr lang="en-US"/>
+            </a:p>
+          </p:txBody>
+        </p:sp>
+        <p:sp>
+          <p:nvSpPr>
+            <p:cNvPr id="19" name="Rectangle 18">
+              <a:extLst>
+                <a:ext uri="{FF2B5EF4-FFF2-40B4-BE49-F238E27FC236}">
+                  <a16:creationId xmlns:a16="http://schemas.microsoft.com/office/drawing/2014/main" id="{321F39DD-D666-274C-9F65-05CFFA521922}"/>
+                </a:ext>
+              </a:extLst>
+            </p:cNvPr>
+            <p:cNvSpPr/>
+            <p:nvPr/>
+          </p:nvSpPr>
+          <p:spPr>
+            <a:xfrm>
+              <a:off x="484284" y="2708042"/>
+              <a:ext cx="2716744" cy="958097"/>
+            </a:xfrm>
+            <a:prstGeom prst="rect">
+              <a:avLst/>
+            </a:prstGeom>
+            <a:noFill/>
+            <a:ln w="12700"/>
+          </p:spPr>
+          <p:style>
+            <a:lnRef idx="2">
+              <a:schemeClr val="accent1">
+                <a:shade val="50000"/>
+              </a:schemeClr>
+            </a:lnRef>
+            <a:fillRef idx="1">
+              <a:schemeClr val="accent1"/>
+            </a:fillRef>
+            <a:effectRef idx="0">
+              <a:schemeClr val="accent1"/>
+            </a:effectRef>
+            <a:fontRef idx="minor">
+              <a:schemeClr val="lt1"/>
+            </a:fontRef>
+          </p:style>
+          <p:txBody>
+            <a:bodyPr rtlCol="0" anchor="ctr"/>
+            <a:lstStyle/>
+            <a:p>
+              <a:pPr marL="0" algn="ctr" defTabSz="914400" rtl="0" eaLnBrk="1" latinLnBrk="0" hangingPunct="1"/>
+              <a:endParaRPr lang="en-US"/>
+            </a:p>
+          </p:txBody>
+        </p:sp>
+      </p:grpSp>
+      <p:grpSp>
+        <p:nvGrpSpPr>
+          <p:cNvPr id="11" name="Group 10">
             <a:extLst>
               <a:ext uri="{FF2B5EF4-FFF2-40B4-BE49-F238E27FC236}">
-                <a16:creationId xmlns:a16="http://schemas.microsoft.com/office/drawing/2014/main" id="{C3A43DAE-28F0-5844-9F22-412B272D504C}"/>
+                <a16:creationId xmlns:a16="http://schemas.microsoft.com/office/drawing/2014/main" id="{E97707DA-FC6B-5342-B462-4881514F9377}"/>
               </a:ext>
             </a:extLst>
           </p:cNvPr>
-          <p:cNvSpPr txBox="1"/>
+          <p:cNvGrpSpPr/>
           <p:nvPr/>
-        </p:nvSpPr>
-        <p:spPr>
+        </p:nvGrpSpPr>
+        <p:grpSpPr>
           <a:xfrm>
-            <a:off x="467778" y="6124642"/>
-            <a:ext cx="389850" cy="338554"/>
+            <a:off x="853844" y="3879878"/>
+            <a:ext cx="7888368" cy="2861490"/>
+            <a:chOff x="853844" y="3862520"/>
+            <a:chExt cx="7888368" cy="2861490"/>
           </a:xfrm>
-          <a:prstGeom prst="rect">
-            <a:avLst/>
-          </a:prstGeom>
-          <a:noFill/>
-        </p:spPr>
-        <p:txBody>
-          <a:bodyPr wrap="none" rtlCol="0">
-            <a:spAutoFit/>
-          </a:bodyPr>
-          <a:lstStyle/>
-          <a:p>
-            <a:pPr marL="0" algn="l" defTabSz="914400" rtl="0" eaLnBrk="1" latinLnBrk="0" hangingPunct="1"/>
-            <a:r>
-              <a:rPr lang="en-US" sz="1600" dirty="0"/>
-              <a:t>…</a:t>
-            </a:r>
-          </a:p>
-        </p:txBody>
-      </p:sp>
-      <p:sp>
-        <p:nvSpPr>
-          <p:cNvPr id="18" name="TextBox 17">
-            <a:extLst>
-              <a:ext uri="{FF2B5EF4-FFF2-40B4-BE49-F238E27FC236}">
-                <a16:creationId xmlns:a16="http://schemas.microsoft.com/office/drawing/2014/main" id="{647EC101-915F-BE4F-920A-05BE1F88DA88}"/>
-              </a:ext>
-            </a:extLst>
-          </p:cNvPr>
-          <p:cNvSpPr txBox="1"/>
-          <p:nvPr/>
-        </p:nvSpPr>
-        <p:spPr>
-          <a:xfrm>
-            <a:off x="107504" y="5817779"/>
-            <a:ext cx="1018227" cy="369332"/>
-          </a:xfrm>
-          <a:prstGeom prst="rect">
-            <a:avLst/>
-          </a:prstGeom>
-          <a:noFill/>
-        </p:spPr>
-        <p:txBody>
-          <a:bodyPr wrap="none" rtlCol="0">
-            <a:spAutoFit/>
-          </a:bodyPr>
-          <a:lstStyle/>
-          <a:p>
-            <a:pPr algn="l" rtl="0"/>
-            <a:r>
-              <a:rPr lang="en-US" dirty="0"/>
-              <a:t>Folders:</a:t>
-            </a:r>
-          </a:p>
-        </p:txBody>
-      </p:sp>
-      <p:sp>
-        <p:nvSpPr>
-          <p:cNvPr id="15" name="Rectangle 14">
-            <a:extLst>
-              <a:ext uri="{FF2B5EF4-FFF2-40B4-BE49-F238E27FC236}">
-                <a16:creationId xmlns:a16="http://schemas.microsoft.com/office/drawing/2014/main" id="{BECEA12C-6EA2-494D-8420-BD8E95540B8A}"/>
-              </a:ext>
-            </a:extLst>
-          </p:cNvPr>
-          <p:cNvSpPr/>
-          <p:nvPr/>
-        </p:nvSpPr>
-        <p:spPr>
-          <a:xfrm>
-            <a:off x="484285" y="2204864"/>
-            <a:ext cx="2716744" cy="504056"/>
-          </a:xfrm>
-          <a:prstGeom prst="rect">
-            <a:avLst/>
-          </a:prstGeom>
-          <a:noFill/>
-          <a:ln w="12700"/>
-        </p:spPr>
-        <p:style>
-          <a:lnRef idx="2">
-            <a:schemeClr val="accent1">
-              <a:shade val="50000"/>
-            </a:schemeClr>
-          </a:lnRef>
-          <a:fillRef idx="1">
-            <a:schemeClr val="accent1"/>
-          </a:fillRef>
-          <a:effectRef idx="0">
-            <a:schemeClr val="accent1"/>
-          </a:effectRef>
-          <a:fontRef idx="minor">
-            <a:schemeClr val="lt1"/>
-          </a:fontRef>
-        </p:style>
-        <p:txBody>
-          <a:bodyPr rtlCol="0" anchor="ctr"/>
-          <a:lstStyle/>
-          <a:p>
-            <a:pPr marL="0" algn="ctr" defTabSz="914400" rtl="0" eaLnBrk="1" latinLnBrk="0" hangingPunct="1"/>
-            <a:endParaRPr lang="en-US"/>
-          </a:p>
-        </p:txBody>
-      </p:sp>
-      <p:sp>
-        <p:nvSpPr>
-          <p:cNvPr id="19" name="Rectangle 18">
-            <a:extLst>
-              <a:ext uri="{FF2B5EF4-FFF2-40B4-BE49-F238E27FC236}">
-                <a16:creationId xmlns:a16="http://schemas.microsoft.com/office/drawing/2014/main" id="{321F39DD-D666-274C-9F65-05CFFA521922}"/>
-              </a:ext>
-            </a:extLst>
-          </p:cNvPr>
-          <p:cNvSpPr/>
-          <p:nvPr/>
-        </p:nvSpPr>
-        <p:spPr>
-          <a:xfrm>
-            <a:off x="484284" y="2708042"/>
-            <a:ext cx="2716744" cy="958097"/>
-          </a:xfrm>
-          <a:prstGeom prst="rect">
-            <a:avLst/>
-          </a:prstGeom>
-          <a:noFill/>
-          <a:ln w="12700"/>
-        </p:spPr>
-        <p:style>
-          <a:lnRef idx="2">
-            <a:schemeClr val="accent1">
-              <a:shade val="50000"/>
-            </a:schemeClr>
-          </a:lnRef>
-          <a:fillRef idx="1">
-            <a:schemeClr val="accent1"/>
-          </a:fillRef>
-          <a:effectRef idx="0">
-            <a:schemeClr val="accent1"/>
-          </a:effectRef>
-          <a:fontRef idx="minor">
-            <a:schemeClr val="lt1"/>
-          </a:fontRef>
-        </p:style>
-        <p:txBody>
-          <a:bodyPr rtlCol="0" anchor="ctr"/>
-          <a:lstStyle/>
-          <a:p>
-            <a:pPr marL="0" algn="ctr" defTabSz="914400" rtl="0" eaLnBrk="1" latinLnBrk="0" hangingPunct="1"/>
-            <a:endParaRPr lang="en-US"/>
-          </a:p>
-        </p:txBody>
-      </p:sp>
+        </p:grpSpPr>
+        <p:pic>
+          <p:nvPicPr>
+            <p:cNvPr id="20" name="Picture 19">
+              <a:extLst>
+                <a:ext uri="{FF2B5EF4-FFF2-40B4-BE49-F238E27FC236}">
+                  <a16:creationId xmlns:a16="http://schemas.microsoft.com/office/drawing/2014/main" id="{3D37B620-5166-D944-817C-C17EBC5AE3AF}"/>
+                </a:ext>
+              </a:extLst>
+            </p:cNvPr>
+            <p:cNvPicPr>
+              <a:picLocks noChangeAspect="1"/>
+            </p:cNvPicPr>
+            <p:nvPr/>
+          </p:nvPicPr>
+          <p:blipFill>
+            <a:blip r:embed="rId4"/>
+            <a:stretch>
+              <a:fillRect/>
+            </a:stretch>
+          </p:blipFill>
+          <p:spPr>
+            <a:xfrm>
+              <a:off x="2314485" y="3918881"/>
+              <a:ext cx="4515029" cy="2805129"/>
+            </a:xfrm>
+            <a:prstGeom prst="rect">
+              <a:avLst/>
+            </a:prstGeom>
+          </p:spPr>
+        </p:pic>
+        <p:sp>
+          <p:nvSpPr>
+            <p:cNvPr id="23" name="Right Brace 22">
+              <a:extLst>
+                <a:ext uri="{FF2B5EF4-FFF2-40B4-BE49-F238E27FC236}">
+                  <a16:creationId xmlns:a16="http://schemas.microsoft.com/office/drawing/2014/main" id="{6247221F-1E67-974E-AE9E-B06B88C19EFD}"/>
+                </a:ext>
+              </a:extLst>
+            </p:cNvPr>
+            <p:cNvSpPr/>
+            <p:nvPr/>
+          </p:nvSpPr>
+          <p:spPr>
+            <a:xfrm>
+              <a:off x="6829514" y="4149080"/>
+              <a:ext cx="363876" cy="2574930"/>
+            </a:xfrm>
+            <a:prstGeom prst="rightBrace">
+              <a:avLst/>
+            </a:prstGeom>
+          </p:spPr>
+          <p:style>
+            <a:lnRef idx="1">
+              <a:schemeClr val="accent1"/>
+            </a:lnRef>
+            <a:fillRef idx="0">
+              <a:schemeClr val="accent1"/>
+            </a:fillRef>
+            <a:effectRef idx="0">
+              <a:schemeClr val="accent1"/>
+            </a:effectRef>
+            <a:fontRef idx="minor">
+              <a:schemeClr val="tx1"/>
+            </a:fontRef>
+          </p:style>
+          <p:txBody>
+            <a:bodyPr rtlCol="0" anchor="ctr"/>
+            <a:lstStyle/>
+            <a:p>
+              <a:pPr marL="0" algn="ctr" defTabSz="914400" rtl="0" eaLnBrk="1" latinLnBrk="0" hangingPunct="1"/>
+              <a:endParaRPr lang="en-US"/>
+            </a:p>
+          </p:txBody>
+        </p:sp>
+        <p:sp>
+          <p:nvSpPr>
+            <p:cNvPr id="24" name="TextBox 23">
+              <a:extLst>
+                <a:ext uri="{FF2B5EF4-FFF2-40B4-BE49-F238E27FC236}">
+                  <a16:creationId xmlns:a16="http://schemas.microsoft.com/office/drawing/2014/main" id="{AA170B80-8478-7647-B1C8-589C9D25507A}"/>
+                </a:ext>
+              </a:extLst>
+            </p:cNvPr>
+            <p:cNvSpPr txBox="1"/>
+            <p:nvPr/>
+          </p:nvSpPr>
+          <p:spPr>
+            <a:xfrm>
+              <a:off x="7193390" y="5282656"/>
+              <a:ext cx="1548822" cy="307777"/>
+            </a:xfrm>
+            <a:prstGeom prst="rect">
+              <a:avLst/>
+            </a:prstGeom>
+            <a:noFill/>
+          </p:spPr>
+          <p:txBody>
+            <a:bodyPr wrap="none" rtlCol="0">
+              <a:spAutoFit/>
+            </a:bodyPr>
+            <a:lstStyle/>
+            <a:p>
+              <a:pPr marL="0" algn="l" defTabSz="914400" rtl="0" eaLnBrk="1" latinLnBrk="0" hangingPunct="1"/>
+              <a:r>
+                <a:rPr lang="en-US" sz="1400" dirty="0" err="1">
+                  <a:solidFill>
+                    <a:schemeClr val="accent6">
+                      <a:lumMod val="60000"/>
+                      <a:lumOff val="40000"/>
+                    </a:schemeClr>
+                  </a:solidFill>
+                </a:rPr>
+                <a:t>ChatPanelPrefab</a:t>
+              </a:r>
+              <a:endParaRPr lang="en-US" sz="1400" dirty="0">
+                <a:solidFill>
+                  <a:schemeClr val="accent6">
+                    <a:lumMod val="60000"/>
+                    <a:lumOff val="40000"/>
+                  </a:schemeClr>
+                </a:solidFill>
+              </a:endParaRPr>
+            </a:p>
+          </p:txBody>
+        </p:sp>
+        <p:sp>
+          <p:nvSpPr>
+            <p:cNvPr id="25" name="Left Brace 24">
+              <a:extLst>
+                <a:ext uri="{FF2B5EF4-FFF2-40B4-BE49-F238E27FC236}">
+                  <a16:creationId xmlns:a16="http://schemas.microsoft.com/office/drawing/2014/main" id="{B70002D2-1120-F54D-9584-B85F26CF58C6}"/>
+                </a:ext>
+              </a:extLst>
+            </p:cNvPr>
+            <p:cNvSpPr/>
+            <p:nvPr/>
+          </p:nvSpPr>
+          <p:spPr>
+            <a:xfrm>
+              <a:off x="2123727" y="3915533"/>
+              <a:ext cx="190757" cy="186457"/>
+            </a:xfrm>
+            <a:prstGeom prst="leftBrace">
+              <a:avLst/>
+            </a:prstGeom>
+          </p:spPr>
+          <p:style>
+            <a:lnRef idx="1">
+              <a:schemeClr val="accent1"/>
+            </a:lnRef>
+            <a:fillRef idx="0">
+              <a:schemeClr val="accent1"/>
+            </a:fillRef>
+            <a:effectRef idx="0">
+              <a:schemeClr val="accent1"/>
+            </a:effectRef>
+            <a:fontRef idx="minor">
+              <a:schemeClr val="tx1"/>
+            </a:fontRef>
+          </p:style>
+          <p:txBody>
+            <a:bodyPr rtlCol="0" anchor="ctr"/>
+            <a:lstStyle/>
+            <a:p>
+              <a:pPr marL="0" algn="ctr" defTabSz="914400" rtl="0" eaLnBrk="1" latinLnBrk="0" hangingPunct="1"/>
+              <a:endParaRPr lang="en-US"/>
+            </a:p>
+          </p:txBody>
+        </p:sp>
+        <p:sp>
+          <p:nvSpPr>
+            <p:cNvPr id="26" name="TextBox 25">
+              <a:extLst>
+                <a:ext uri="{FF2B5EF4-FFF2-40B4-BE49-F238E27FC236}">
+                  <a16:creationId xmlns:a16="http://schemas.microsoft.com/office/drawing/2014/main" id="{DA058B56-4EF4-994E-A2E9-E6BF5A19EBC8}"/>
+                </a:ext>
+              </a:extLst>
+            </p:cNvPr>
+            <p:cNvSpPr txBox="1"/>
+            <p:nvPr/>
+          </p:nvSpPr>
+          <p:spPr>
+            <a:xfrm>
+              <a:off x="853844" y="3862520"/>
+              <a:ext cx="1308371" cy="276999"/>
+            </a:xfrm>
+            <a:prstGeom prst="rect">
+              <a:avLst/>
+            </a:prstGeom>
+            <a:noFill/>
+          </p:spPr>
+          <p:txBody>
+            <a:bodyPr wrap="none" rtlCol="0">
+              <a:spAutoFit/>
+            </a:bodyPr>
+            <a:lstStyle/>
+            <a:p>
+              <a:pPr marL="0" algn="l" defTabSz="914400" rtl="0" eaLnBrk="1" latinLnBrk="0" hangingPunct="1"/>
+              <a:r>
+                <a:rPr lang="en-US" sz="1200" dirty="0" err="1">
+                  <a:solidFill>
+                    <a:schemeClr val="accent6">
+                      <a:lumMod val="60000"/>
+                      <a:lumOff val="40000"/>
+                    </a:schemeClr>
+                  </a:solidFill>
+                </a:rPr>
+                <a:t>HudPanelPrefab</a:t>
+              </a:r>
+              <a:endParaRPr lang="en-US" sz="1200" dirty="0">
+                <a:solidFill>
+                  <a:schemeClr val="accent6">
+                    <a:lumMod val="60000"/>
+                    <a:lumOff val="40000"/>
+                  </a:schemeClr>
+                </a:solidFill>
+              </a:endParaRPr>
+            </a:p>
+          </p:txBody>
+        </p:sp>
+      </p:grpSp>
     </p:spTree>
     <p:extLst>
       <p:ext uri="{BB962C8B-B14F-4D97-AF65-F5344CB8AC3E}">
@@ -7934,31 +8111,89 @@
         </p:nvSpPr>
         <p:spPr>
           <a:xfrm>
-            <a:off x="4120" y="0"/>
-            <a:ext cx="9139880" cy="660149"/>
+            <a:off x="0" y="13874"/>
+            <a:ext cx="9144000" cy="534805"/>
           </a:xfrm>
         </p:spPr>
         <p:txBody>
-          <a:bodyPr anchor="t">
+          <a:bodyPr vert="horz" lIns="91440" tIns="45720" rIns="91440" bIns="45720" rtlCol="0" anchor="t">
             <a:normAutofit fontScale="90000"/>
           </a:bodyPr>
           <a:lstStyle/>
           <a:p>
             <a:pPr rtl="0"/>
             <a:r>
-              <a:rPr lang="en-US" dirty="0"/>
-              <a:t>Demo Scene Structure:</a:t>
-            </a:r>
-            <a:endParaRPr lang="he-IL" dirty="0"/>
+              <a:rPr lang="en-US" sz="3200" dirty="0"/>
+              <a:t>Chat Controller:</a:t>
+            </a:r>
+            <a:endParaRPr lang="he-IL" sz="3200" dirty="0"/>
           </a:p>
         </p:txBody>
       </p:sp>
       <p:sp>
         <p:nvSpPr>
-          <p:cNvPr id="22" name="Slide Number Placeholder 21">
+          <p:cNvPr id="5" name="Content Placeholder 4"/>
+          <p:cNvSpPr>
+            <a:spLocks noGrp="1"/>
+          </p:cNvSpPr>
+          <p:nvPr>
+            <p:ph idx="1"/>
+          </p:nvPr>
+        </p:nvSpPr>
+        <p:spPr>
+          <a:xfrm>
+            <a:off x="107504" y="620688"/>
+            <a:ext cx="8928992" cy="6120680"/>
+          </a:xfrm>
+        </p:spPr>
+        <p:txBody>
+          <a:bodyPr tIns="72000" bIns="72000">
+            <a:noAutofit/>
+          </a:bodyPr>
+          <a:lstStyle/>
+          <a:p>
+            <a:pPr marL="320040" lvl="1" indent="0" algn="l" rtl="0">
+              <a:buNone/>
+            </a:pPr>
+            <a:r>
+              <a:rPr lang="en-GB" sz="1200" dirty="0"/>
+              <a:t>Implements this basic interface:</a:t>
+            </a:r>
+          </a:p>
+          <a:p>
+            <a:pPr marL="45720" indent="0" algn="l" rtl="0">
+              <a:buNone/>
+            </a:pPr>
+            <a:endParaRPr lang="en-GB" sz="1400" dirty="0"/>
+          </a:p>
+          <a:p>
+            <a:pPr marL="502920" lvl="2" indent="0" algn="l" rtl="0">
+              <a:buNone/>
+            </a:pPr>
+            <a:r>
+              <a:rPr lang="en-GB" sz="1050" dirty="0">
+                <a:solidFill>
+                  <a:srgbClr val="6A9955"/>
+                </a:solidFill>
+                <a:latin typeface="Menlo" panose="020B0609030804020204" pitchFamily="49" charset="0"/>
+              </a:rPr>
+              <a:t>TBD</a:t>
+            </a:r>
+            <a:endParaRPr lang="en-GB" sz="1000" dirty="0">
+              <a:solidFill>
+                <a:srgbClr val="D4D4D4"/>
+              </a:solidFill>
+              <a:latin typeface="Menlo" panose="020B0609030804020204" pitchFamily="49" charset="0"/>
+            </a:endParaRPr>
+          </a:p>
+        </p:txBody>
+      </p:sp>
+      <p:sp>
+        <p:nvSpPr>
+          <p:cNvPr id="6" name="Slide Number Placeholder 5">
             <a:extLst>
               <a:ext uri="{FF2B5EF4-FFF2-40B4-BE49-F238E27FC236}">
-                <a16:creationId xmlns:a16="http://schemas.microsoft.com/office/drawing/2014/main" id="{4B215F6A-04DC-9F40-91CD-8F69B55122F5}"/>
+                <a16:creationId xmlns:a16="http://schemas.microsoft.com/office/drawing/2014/main" id="{B0AC3C36-3423-B24D-A5A6-E199B6335F74}"/>
               </a:ext>
             </a:extLst>
           </p:cNvPr>
@@ -7987,40 +8222,10 @@
           </a:p>
         </p:txBody>
       </p:sp>
-      <p:pic>
-        <p:nvPicPr>
-          <p:cNvPr id="3" name="Picture 2">
-            <a:extLst>
-              <a:ext uri="{FF2B5EF4-FFF2-40B4-BE49-F238E27FC236}">
-                <a16:creationId xmlns:a16="http://schemas.microsoft.com/office/drawing/2014/main" id="{4667AE02-4E2A-5641-B5DC-8F979063CB87}"/>
-              </a:ext>
-            </a:extLst>
-          </p:cNvPr>
-          <p:cNvPicPr>
-            <a:picLocks noChangeAspect="1"/>
-          </p:cNvPicPr>
-          <p:nvPr/>
-        </p:nvPicPr>
-        <p:blipFill>
-          <a:blip r:embed="rId2"/>
-          <a:stretch>
-            <a:fillRect/>
-          </a:stretch>
-        </p:blipFill>
-        <p:spPr>
-          <a:xfrm>
-            <a:off x="179512" y="908720"/>
-            <a:ext cx="5130800" cy="3187700"/>
-          </a:xfrm>
-          <a:prstGeom prst="rect">
-            <a:avLst/>
-          </a:prstGeom>
-        </p:spPr>
-      </p:pic>
     </p:spTree>
     <p:extLst>
       <p:ext uri="{BB962C8B-B14F-4D97-AF65-F5344CB8AC3E}">
-        <p14:creationId xmlns:p14="http://schemas.microsoft.com/office/powerpoint/2010/main" val="2189356180"/>
+        <p14:creationId xmlns:p14="http://schemas.microsoft.com/office/powerpoint/2010/main" val="2966252774"/>
       </p:ext>
     </p:extLst>
   </p:cSld>

--- a/docs/PubSub Messenger.pptx
+++ b/docs/PubSub Messenger.pptx
@@ -1,32 +1,32 @@
 
 <file path=ppt/presentation.xml><?xml version="1.0" encoding="utf-8"?>
-<p:presentation xmlns:a="http://schemas.openxmlformats.org/drawingml/2006/main" xmlns:r="http://schemas.openxmlformats.org/officeDocument/2006/relationships" xmlns:p="http://schemas.openxmlformats.org/presentationml/2006/main" xmlns:m="http://schemas.openxmlformats.org/officeDocument/2006/math" xmlns:a14="http://schemas.microsoft.com/office/drawing/2010/main">
+<p:presentation xmlns:a="http://schemas.openxmlformats.org/drawingml/2006/main" xmlns:r="http://schemas.openxmlformats.org/officeDocument/2006/relationships" xmlns:p="http://schemas.openxmlformats.org/presentationml/2006/main">
   <p:sldMasterIdLst>
-    <p:sldMasterId id="2147483648" r:id="rId5"/>
+    <p:sldMasterId id="2147483648" r:id="rId1"/>
   </p:sldMasterIdLst>
   <p:notesMasterIdLst>
-    <p:notesMasterId r:id="rId7"/>
+    <p:notesMasterId r:id="rId21"/>
   </p:notesMasterIdLst>
   <p:sldIdLst>
-    <p:sldId id="256" r:id="rId8"/>
-    <p:sldId id="257" r:id="rId9"/>
-    <p:sldId id="258" r:id="rId10"/>
-    <p:sldId id="259" r:id="rId11"/>
-    <p:sldId id="260" r:id="rId12"/>
-    <p:sldId id="261" r:id="rId13"/>
-    <p:sldId id="262" r:id="rId14"/>
-    <p:sldId id="263" r:id="rId15"/>
-    <p:sldId id="264" r:id="rId16"/>
-    <p:sldId id="265" r:id="rId17"/>
-    <p:sldId id="266" r:id="rId18"/>
-    <p:sldId id="267" r:id="rId19"/>
-    <p:sldId id="268" r:id="rId20"/>
-    <p:sldId id="269" r:id="rId21"/>
-    <p:sldId id="270" r:id="rId22"/>
-    <p:sldId id="271" r:id="rId23"/>
-    <p:sldId id="272" r:id="rId24"/>
-    <p:sldId id="273" r:id="rId25"/>
-    <p:sldId id="274" r:id="rId26"/>
+    <p:sldId id="256" r:id="rId2"/>
+    <p:sldId id="257" r:id="rId3"/>
+    <p:sldId id="258" r:id="rId4"/>
+    <p:sldId id="259" r:id="rId5"/>
+    <p:sldId id="260" r:id="rId6"/>
+    <p:sldId id="261" r:id="rId7"/>
+    <p:sldId id="262" r:id="rId8"/>
+    <p:sldId id="263" r:id="rId9"/>
+    <p:sldId id="264" r:id="rId10"/>
+    <p:sldId id="265" r:id="rId11"/>
+    <p:sldId id="266" r:id="rId12"/>
+    <p:sldId id="267" r:id="rId13"/>
+    <p:sldId id="268" r:id="rId14"/>
+    <p:sldId id="269" r:id="rId15"/>
+    <p:sldId id="270" r:id="rId16"/>
+    <p:sldId id="271" r:id="rId17"/>
+    <p:sldId id="272" r:id="rId18"/>
+    <p:sldId id="273" r:id="rId19"/>
+    <p:sldId id="274" r:id="rId20"/>
   </p:sldIdLst>
   <p:sldSz cx="13004800" cy="9753600"/>
   <p:notesSz cx="6858000" cy="9144000"/>
@@ -46,7 +46,7 @@
       <a:buFontTx/>
       <a:buNone/>
       <a:tabLst/>
-      <a:defRPr b="0" baseline="0" cap="none" i="0" spc="0" strike="noStrike" sz="1800" u="none" kumimoji="0" normalizeH="0">
+      <a:defRPr kumimoji="0" sz="1800" b="0" i="0" u="none" strike="noStrike" cap="none" spc="0" normalizeH="0" baseline="0">
         <a:ln>
           <a:noFill/>
         </a:ln>
@@ -72,7 +72,7 @@
       <a:buFontTx/>
       <a:buNone/>
       <a:tabLst/>
-      <a:defRPr b="0" baseline="0" cap="none" i="0" spc="0" strike="noStrike" sz="2400" u="none" kumimoji="0" normalizeH="0">
+      <a:defRPr kumimoji="0" sz="2400" b="0" i="0" u="none" strike="noStrike" cap="none" spc="0" normalizeH="0" baseline="0">
         <a:ln>
           <a:noFill/>
         </a:ln>
@@ -102,7 +102,7 @@
       <a:buFontTx/>
       <a:buNone/>
       <a:tabLst/>
-      <a:defRPr b="0" baseline="0" cap="none" i="0" spc="0" strike="noStrike" sz="2400" u="none" kumimoji="0" normalizeH="0">
+      <a:defRPr kumimoji="0" sz="2400" b="0" i="0" u="none" strike="noStrike" cap="none" spc="0" normalizeH="0" baseline="0">
         <a:ln>
           <a:noFill/>
         </a:ln>
@@ -132,7 +132,7 @@
       <a:buFontTx/>
       <a:buNone/>
       <a:tabLst/>
-      <a:defRPr b="0" baseline="0" cap="none" i="0" spc="0" strike="noStrike" sz="2400" u="none" kumimoji="0" normalizeH="0">
+      <a:defRPr kumimoji="0" sz="2400" b="0" i="0" u="none" strike="noStrike" cap="none" spc="0" normalizeH="0" baseline="0">
         <a:ln>
           <a:noFill/>
         </a:ln>
@@ -162,7 +162,7 @@
       <a:buFontTx/>
       <a:buNone/>
       <a:tabLst/>
-      <a:defRPr b="0" baseline="0" cap="none" i="0" spc="0" strike="noStrike" sz="2400" u="none" kumimoji="0" normalizeH="0">
+      <a:defRPr kumimoji="0" sz="2400" b="0" i="0" u="none" strike="noStrike" cap="none" spc="0" normalizeH="0" baseline="0">
         <a:ln>
           <a:noFill/>
         </a:ln>
@@ -192,7 +192,7 @@
       <a:buFontTx/>
       <a:buNone/>
       <a:tabLst/>
-      <a:defRPr b="0" baseline="0" cap="none" i="0" spc="0" strike="noStrike" sz="2400" u="none" kumimoji="0" normalizeH="0">
+      <a:defRPr kumimoji="0" sz="2400" b="0" i="0" u="none" strike="noStrike" cap="none" spc="0" normalizeH="0" baseline="0">
         <a:ln>
           <a:noFill/>
         </a:ln>
@@ -222,7 +222,7 @@
       <a:buFontTx/>
       <a:buNone/>
       <a:tabLst/>
-      <a:defRPr b="0" baseline="0" cap="none" i="0" spc="0" strike="noStrike" sz="2400" u="none" kumimoji="0" normalizeH="0">
+      <a:defRPr kumimoji="0" sz="2400" b="0" i="0" u="none" strike="noStrike" cap="none" spc="0" normalizeH="0" baseline="0">
         <a:ln>
           <a:noFill/>
         </a:ln>
@@ -252,7 +252,7 @@
       <a:buFontTx/>
       <a:buNone/>
       <a:tabLst/>
-      <a:defRPr b="0" baseline="0" cap="none" i="0" spc="0" strike="noStrike" sz="2400" u="none" kumimoji="0" normalizeH="0">
+      <a:defRPr kumimoji="0" sz="2400" b="0" i="0" u="none" strike="noStrike" cap="none" spc="0" normalizeH="0" baseline="0">
         <a:ln>
           <a:noFill/>
         </a:ln>
@@ -282,7 +282,7 @@
       <a:buFontTx/>
       <a:buNone/>
       <a:tabLst/>
-      <a:defRPr b="0" baseline="0" cap="none" i="0" spc="0" strike="noStrike" sz="2400" u="none" kumimoji="0" normalizeH="0">
+      <a:defRPr kumimoji="0" sz="2400" b="0" i="0" u="none" strike="noStrike" cap="none" spc="0" normalizeH="0" baseline="0">
         <a:ln>
           <a:noFill/>
         </a:ln>
@@ -312,7 +312,7 @@
       <a:buFontTx/>
       <a:buNone/>
       <a:tabLst/>
-      <a:defRPr b="0" baseline="0" cap="none" i="0" spc="0" strike="noStrike" sz="2400" u="none" kumimoji="0" normalizeH="0">
+      <a:defRPr kumimoji="0" sz="2400" b="0" i="0" u="none" strike="noStrike" cap="none" spc="0" normalizeH="0" baseline="0">
         <a:ln>
           <a:noFill/>
         </a:ln>
@@ -331,13 +331,14 @@
 </p:presentation>
 </file>
 
-<file path=ppt/commentAuthors.xml><?xml version="1.0" encoding="utf-8"?>
-<p:cmAuthorLst xmlns:a="http://schemas.openxmlformats.org/drawingml/2006/main" xmlns:r="http://schemas.openxmlformats.org/officeDocument/2006/relationships" xmlns:p="http://schemas.openxmlformats.org/presentationml/2006/main" xmlns:m="http://schemas.openxmlformats.org/officeDocument/2006/math" xmlns:a14="http://schemas.microsoft.com/office/drawing/2010/main"/>
-</file>
-
 <file path=ppt/notesMasters/notesMaster1.xml><?xml version="1.0" encoding="utf-8"?>
-<p:notesMaster xmlns:a="http://schemas.openxmlformats.org/drawingml/2006/main" xmlns:r="http://schemas.openxmlformats.org/officeDocument/2006/relationships" xmlns:p="http://schemas.openxmlformats.org/presentationml/2006/main" xmlns:m="http://schemas.openxmlformats.org/officeDocument/2006/math" xmlns:a14="http://schemas.microsoft.com/office/drawing/2010/main">
+<p:notesMaster xmlns:a="http://schemas.openxmlformats.org/drawingml/2006/main" xmlns:r="http://schemas.openxmlformats.org/officeDocument/2006/relationships" xmlns:p="http://schemas.openxmlformats.org/presentationml/2006/main">
   <p:cSld>
+    <p:bg>
+      <p:bgRef idx="1001">
+        <a:schemeClr val="bg1"/>
+      </p:bgRef>
+    </p:bg>
     <p:spTree>
       <p:nvGrpSpPr>
         <p:cNvPr id="1" name=""/>
@@ -355,7 +356,9 @@
       <p:sp>
         <p:nvSpPr>
           <p:cNvPr id="117" name="Shape 117"/>
-          <p:cNvSpPr/>
+          <p:cNvSpPr>
+            <a:spLocks noGrp="1" noRot="1" noChangeAspect="1"/>
+          </p:cNvSpPr>
           <p:nvPr>
             <p:ph type="sldImg"/>
           </p:nvPr>
@@ -373,14 +376,16 @@
           <a:bodyPr/>
           <a:lstStyle/>
           <a:p>
-            <a:pPr/>
+            <a:endParaRPr/>
           </a:p>
         </p:txBody>
       </p:sp>
       <p:sp>
         <p:nvSpPr>
           <p:cNvPr id="118" name="Shape 118"/>
-          <p:cNvSpPr/>
+          <p:cNvSpPr>
+            <a:spLocks noGrp="1"/>
+          </p:cNvSpPr>
           <p:nvPr>
             <p:ph type="body" sz="quarter" idx="1"/>
           </p:nvPr>
@@ -398,7 +403,7 @@
           <a:bodyPr/>
           <a:lstStyle/>
           <a:p>
-            <a:pPr/>
+            <a:endParaRPr/>
           </a:p>
         </p:txBody>
       </p:sp>
@@ -483,7 +488,7 @@
 </file>
 
 <file path=ppt/slideLayouts/slideLayout1.xml><?xml version="1.0" encoding="utf-8"?>
-<p:sldLayout xmlns:a="http://schemas.openxmlformats.org/drawingml/2006/main" xmlns:r="http://schemas.openxmlformats.org/officeDocument/2006/relationships" xmlns:p="http://schemas.openxmlformats.org/presentationml/2006/main" xmlns:m="http://schemas.openxmlformats.org/officeDocument/2006/math" xmlns:a14="http://schemas.microsoft.com/office/drawing/2010/main" type="title" showMasterSp="1" showMasterPhAnim="1">
+<p:sldLayout xmlns:a="http://schemas.openxmlformats.org/drawingml/2006/main" xmlns:r="http://schemas.openxmlformats.org/officeDocument/2006/relationships" xmlns:p="http://schemas.openxmlformats.org/presentationml/2006/main" type="title">
   <p:cSld name="Title Slide">
     <p:spTree>
       <p:nvGrpSpPr>
@@ -502,7 +507,9 @@
       <p:sp>
         <p:nvSpPr>
           <p:cNvPr id="11" name="Title Text"/>
-          <p:cNvSpPr txBox="1"/>
+          <p:cNvSpPr txBox="1">
+            <a:spLocks noGrp="1"/>
+          </p:cNvSpPr>
           <p:nvPr>
             <p:ph type="title"/>
           </p:nvPr>
@@ -516,7 +523,6 @@
           <a:bodyPr/>
           <a:lstStyle/>
           <a:p>
-            <a:pPr/>
             <a:r>
               <a:t>Title Text</a:t>
             </a:r>
@@ -526,7 +532,9 @@
       <p:sp>
         <p:nvSpPr>
           <p:cNvPr id="12" name="Body Level One…"/>
-          <p:cNvSpPr txBox="1"/>
+          <p:cNvSpPr txBox="1">
+            <a:spLocks noGrp="1"/>
+          </p:cNvSpPr>
           <p:nvPr>
             <p:ph type="body" sz="quarter" idx="1"/>
           </p:nvPr>
@@ -540,7 +548,6 @@
           <a:bodyPr/>
           <a:lstStyle/>
           <a:p>
-            <a:pPr/>
             <a:r>
               <a:t>Body Level One</a:t>
             </a:r>
@@ -574,7 +581,9 @@
       <p:sp>
         <p:nvSpPr>
           <p:cNvPr id="13" name="Slide Number"/>
-          <p:cNvSpPr txBox="1"/>
+          <p:cNvSpPr txBox="1">
+            <a:spLocks noGrp="1"/>
+          </p:cNvSpPr>
           <p:nvPr>
             <p:ph type="sldNum" sz="quarter" idx="2"/>
           </p:nvPr>
@@ -588,8 +597,10 @@
           <a:bodyPr/>
           <a:lstStyle/>
           <a:p>
-            <a:pPr/>
-            <a:fld id="{86CB4B4D-7CA3-9044-876B-883B54F8677D}" type="slidenum"/>
+            <a:fld id="{86CB4B4D-7CA3-9044-876B-883B54F8677D}" type="slidenum">
+              <a:t>‹#›</a:t>
+            </a:fld>
+            <a:endParaRPr/>
           </a:p>
         </p:txBody>
       </p:sp>
@@ -598,12 +609,12 @@
   <p:clrMapOvr>
     <a:masterClrMapping/>
   </p:clrMapOvr>
-  <p:transition xmlns:p14="http://schemas.microsoft.com/office/powerpoint/2010/main" spd="med" advClick="1"/>
+  <p:transition spd="med"/>
 </p:sldLayout>
 </file>
 
 <file path=ppt/slideLayouts/slideLayout10.xml><?xml version="1.0" encoding="utf-8"?>
-<p:sldLayout xmlns:a="http://schemas.openxmlformats.org/drawingml/2006/main" xmlns:r="http://schemas.openxmlformats.org/officeDocument/2006/relationships" xmlns:p="http://schemas.openxmlformats.org/presentationml/2006/main" xmlns:m="http://schemas.openxmlformats.org/officeDocument/2006/math" xmlns:a14="http://schemas.microsoft.com/office/drawing/2010/main" type="tx" showMasterSp="1" showMasterPhAnim="1">
+<p:sldLayout xmlns:a="http://schemas.openxmlformats.org/drawingml/2006/main" xmlns:r="http://schemas.openxmlformats.org/officeDocument/2006/relationships" xmlns:p="http://schemas.openxmlformats.org/presentationml/2006/main" type="tx">
   <p:cSld name="Blank">
     <p:spTree>
       <p:nvGrpSpPr>
@@ -622,7 +633,9 @@
       <p:sp>
         <p:nvSpPr>
           <p:cNvPr id="91" name="Slide Number"/>
-          <p:cNvSpPr txBox="1"/>
+          <p:cNvSpPr txBox="1">
+            <a:spLocks noGrp="1"/>
+          </p:cNvSpPr>
           <p:nvPr>
             <p:ph type="sldNum" sz="quarter" idx="2"/>
           </p:nvPr>
@@ -636,8 +649,10 @@
           <a:bodyPr/>
           <a:lstStyle/>
           <a:p>
-            <a:pPr/>
-            <a:fld id="{86CB4B4D-7CA3-9044-876B-883B54F8677D}" type="slidenum"/>
+            <a:fld id="{86CB4B4D-7CA3-9044-876B-883B54F8677D}" type="slidenum">
+              <a:t>‹#›</a:t>
+            </a:fld>
+            <a:endParaRPr/>
           </a:p>
         </p:txBody>
       </p:sp>
@@ -646,12 +661,12 @@
   <p:clrMapOvr>
     <a:masterClrMapping/>
   </p:clrMapOvr>
-  <p:transition xmlns:p14="http://schemas.microsoft.com/office/powerpoint/2010/main" spd="med" advClick="1"/>
+  <p:transition spd="med"/>
 </p:sldLayout>
 </file>
 
 <file path=ppt/slideLayouts/slideLayout11.xml><?xml version="1.0" encoding="utf-8"?>
-<p:sldLayout xmlns:a="http://schemas.openxmlformats.org/drawingml/2006/main" xmlns:r="http://schemas.openxmlformats.org/officeDocument/2006/relationships" xmlns:p="http://schemas.openxmlformats.org/presentationml/2006/main" xmlns:m="http://schemas.openxmlformats.org/officeDocument/2006/math" xmlns:a14="http://schemas.microsoft.com/office/drawing/2010/main" type="tx" showMasterSp="1" showMasterPhAnim="1">
+<p:sldLayout xmlns:a="http://schemas.openxmlformats.org/drawingml/2006/main" xmlns:r="http://schemas.openxmlformats.org/officeDocument/2006/relationships" xmlns:p="http://schemas.openxmlformats.org/presentationml/2006/main" type="tx">
   <p:cSld name="Content with Caption">
     <p:spTree>
       <p:nvGrpSpPr>
@@ -670,7 +685,9 @@
       <p:sp>
         <p:nvSpPr>
           <p:cNvPr id="98" name="Title Text"/>
-          <p:cNvSpPr txBox="1"/>
+          <p:cNvSpPr txBox="1">
+            <a:spLocks noGrp="1"/>
+          </p:cNvSpPr>
           <p:nvPr>
             <p:ph type="title"/>
           </p:nvPr>
@@ -692,7 +709,6 @@
             </a:lvl1pPr>
           </a:lstStyle>
           <a:p>
-            <a:pPr/>
             <a:r>
               <a:t>Title Text</a:t>
             </a:r>
@@ -702,7 +718,9 @@
       <p:sp>
         <p:nvSpPr>
           <p:cNvPr id="99" name="Body Level One…"/>
-          <p:cNvSpPr txBox="1"/>
+          <p:cNvSpPr txBox="1">
+            <a:spLocks noGrp="1"/>
+          </p:cNvSpPr>
           <p:nvPr>
             <p:ph type="body" sz="half" idx="1"/>
           </p:nvPr>
@@ -776,7 +794,6 @@
             </a:lvl5pPr>
           </a:lstStyle>
           <a:p>
-            <a:pPr/>
             <a:r>
               <a:t>Body Level One</a:t>
             </a:r>
@@ -810,7 +827,9 @@
       <p:sp>
         <p:nvSpPr>
           <p:cNvPr id="100" name="Text Placeholder 3"/>
-          <p:cNvSpPr/>
+          <p:cNvSpPr>
+            <a:spLocks noGrp="1"/>
+          </p:cNvSpPr>
           <p:nvPr>
             <p:ph type="body" sz="quarter" idx="13"/>
           </p:nvPr>
@@ -839,13 +858,16 @@
               <a:buChar char="▪"/>
               <a:defRPr sz="2800"/>
             </a:pPr>
+            <a:endParaRPr/>
           </a:p>
         </p:txBody>
       </p:sp>
       <p:sp>
         <p:nvSpPr>
           <p:cNvPr id="101" name="Slide Number"/>
-          <p:cNvSpPr txBox="1"/>
+          <p:cNvSpPr txBox="1">
+            <a:spLocks noGrp="1"/>
+          </p:cNvSpPr>
           <p:nvPr>
             <p:ph type="sldNum" sz="quarter" idx="2"/>
           </p:nvPr>
@@ -859,8 +881,10 @@
           <a:bodyPr/>
           <a:lstStyle/>
           <a:p>
-            <a:pPr/>
-            <a:fld id="{86CB4B4D-7CA3-9044-876B-883B54F8677D}" type="slidenum"/>
+            <a:fld id="{86CB4B4D-7CA3-9044-876B-883B54F8677D}" type="slidenum">
+              <a:t>‹#›</a:t>
+            </a:fld>
+            <a:endParaRPr/>
           </a:p>
         </p:txBody>
       </p:sp>
@@ -869,12 +893,12 @@
   <p:clrMapOvr>
     <a:masterClrMapping/>
   </p:clrMapOvr>
-  <p:transition xmlns:p14="http://schemas.microsoft.com/office/powerpoint/2010/main" spd="med" advClick="1"/>
+  <p:transition spd="med"/>
 </p:sldLayout>
 </file>
 
 <file path=ppt/slideLayouts/slideLayout12.xml><?xml version="1.0" encoding="utf-8"?>
-<p:sldLayout xmlns:a="http://schemas.openxmlformats.org/drawingml/2006/main" xmlns:r="http://schemas.openxmlformats.org/officeDocument/2006/relationships" xmlns:p="http://schemas.openxmlformats.org/presentationml/2006/main" xmlns:m="http://schemas.openxmlformats.org/officeDocument/2006/math" xmlns:a14="http://schemas.microsoft.com/office/drawing/2010/main" type="tx" showMasterSp="1" showMasterPhAnim="1">
+<p:sldLayout xmlns:a="http://schemas.openxmlformats.org/drawingml/2006/main" xmlns:r="http://schemas.openxmlformats.org/officeDocument/2006/relationships" xmlns:p="http://schemas.openxmlformats.org/presentationml/2006/main" type="tx">
   <p:cSld name="Picture with Caption">
     <p:spTree>
       <p:nvGrpSpPr>
@@ -893,7 +917,9 @@
       <p:sp>
         <p:nvSpPr>
           <p:cNvPr id="108" name="Title Text"/>
-          <p:cNvSpPr txBox="1"/>
+          <p:cNvSpPr txBox="1">
+            <a:spLocks noGrp="1"/>
+          </p:cNvSpPr>
           <p:nvPr>
             <p:ph type="title"/>
           </p:nvPr>
@@ -915,7 +941,6 @@
             </a:lvl1pPr>
           </a:lstStyle>
           <a:p>
-            <a:pPr/>
             <a:r>
               <a:t>Title Text</a:t>
             </a:r>
@@ -925,7 +950,9 @@
       <p:sp>
         <p:nvSpPr>
           <p:cNvPr id="109" name="Picture Placeholder 2"/>
-          <p:cNvSpPr/>
+          <p:cNvSpPr>
+            <a:spLocks noGrp="1"/>
+          </p:cNvSpPr>
           <p:nvPr>
             <p:ph type="pic" sz="half" idx="13"/>
           </p:nvPr>
@@ -939,7 +966,7 @@
             <a:avLst/>
           </a:prstGeom>
           <a:effectLst>
-            <a:reflection blurRad="0" stA="30000" stPos="0" endA="0" endPos="40000" dist="0" dir="5400000" fadeDir="5400000" sx="100000" sy="-100000" kx="0" ky="0" algn="bl" rotWithShape="0"/>
+            <a:reflection stA="30000" endPos="40000" dir="5400000" sy="-100000" algn="bl" rotWithShape="0"/>
           </a:effectLst>
         </p:spPr>
         <p:txBody>
@@ -948,14 +975,16 @@
           </a:bodyPr>
           <a:lstStyle/>
           <a:p>
-            <a:pPr/>
+            <a:endParaRPr/>
           </a:p>
         </p:txBody>
       </p:sp>
       <p:sp>
         <p:nvSpPr>
           <p:cNvPr id="110" name="Body Level One…"/>
-          <p:cNvSpPr txBox="1"/>
+          <p:cNvSpPr txBox="1">
+            <a:spLocks noGrp="1"/>
+          </p:cNvSpPr>
           <p:nvPr>
             <p:ph type="body" sz="quarter" idx="1"/>
           </p:nvPr>
@@ -1004,7 +1033,6 @@
             </a:lvl5pPr>
           </a:lstStyle>
           <a:p>
-            <a:pPr/>
             <a:r>
               <a:t>Body Level One</a:t>
             </a:r>
@@ -1038,7 +1066,9 @@
       <p:sp>
         <p:nvSpPr>
           <p:cNvPr id="111" name="Slide Number"/>
-          <p:cNvSpPr txBox="1"/>
+          <p:cNvSpPr txBox="1">
+            <a:spLocks noGrp="1"/>
+          </p:cNvSpPr>
           <p:nvPr>
             <p:ph type="sldNum" sz="quarter" idx="2"/>
           </p:nvPr>
@@ -1052,8 +1082,10 @@
           <a:bodyPr/>
           <a:lstStyle/>
           <a:p>
-            <a:pPr/>
-            <a:fld id="{86CB4B4D-7CA3-9044-876B-883B54F8677D}" type="slidenum"/>
+            <a:fld id="{86CB4B4D-7CA3-9044-876B-883B54F8677D}" type="slidenum">
+              <a:t>‹#›</a:t>
+            </a:fld>
+            <a:endParaRPr/>
           </a:p>
         </p:txBody>
       </p:sp>
@@ -1062,12 +1094,12 @@
   <p:clrMapOvr>
     <a:masterClrMapping/>
   </p:clrMapOvr>
-  <p:transition xmlns:p14="http://schemas.microsoft.com/office/powerpoint/2010/main" spd="med" advClick="1"/>
+  <p:transition spd="med"/>
 </p:sldLayout>
 </file>
 
 <file path=ppt/slideLayouts/slideLayout2.xml><?xml version="1.0" encoding="utf-8"?>
-<p:sldLayout xmlns:a="http://schemas.openxmlformats.org/drawingml/2006/main" xmlns:r="http://schemas.openxmlformats.org/officeDocument/2006/relationships" xmlns:p="http://schemas.openxmlformats.org/presentationml/2006/main" xmlns:m="http://schemas.openxmlformats.org/officeDocument/2006/math" xmlns:a14="http://schemas.microsoft.com/office/drawing/2010/main" type="tx" showMasterSp="1" showMasterPhAnim="1">
+<p:sldLayout xmlns:a="http://schemas.openxmlformats.org/drawingml/2006/main" xmlns:r="http://schemas.openxmlformats.org/officeDocument/2006/relationships" xmlns:p="http://schemas.openxmlformats.org/presentationml/2006/main" type="tx">
   <p:cSld name="Title and Content">
     <p:spTree>
       <p:nvGrpSpPr>
@@ -1086,7 +1118,9 @@
       <p:sp>
         <p:nvSpPr>
           <p:cNvPr id="20" name="Title Text"/>
-          <p:cNvSpPr txBox="1"/>
+          <p:cNvSpPr txBox="1">
+            <a:spLocks noGrp="1"/>
+          </p:cNvSpPr>
           <p:nvPr>
             <p:ph type="title"/>
           </p:nvPr>
@@ -1108,7 +1142,6 @@
             </a:lvl1pPr>
           </a:lstStyle>
           <a:p>
-            <a:pPr/>
             <a:r>
               <a:t>Title Text</a:t>
             </a:r>
@@ -1118,7 +1151,9 @@
       <p:sp>
         <p:nvSpPr>
           <p:cNvPr id="21" name="Body Level One…"/>
-          <p:cNvSpPr txBox="1"/>
+          <p:cNvSpPr txBox="1">
+            <a:spLocks noGrp="1"/>
+          </p:cNvSpPr>
           <p:nvPr>
             <p:ph type="body" idx="1"/>
           </p:nvPr>
@@ -1192,7 +1227,6 @@
             </a:lvl5pPr>
           </a:lstStyle>
           <a:p>
-            <a:pPr/>
             <a:r>
               <a:t>Body Level One</a:t>
             </a:r>
@@ -1226,7 +1260,9 @@
       <p:sp>
         <p:nvSpPr>
           <p:cNvPr id="22" name="Slide Number"/>
-          <p:cNvSpPr txBox="1"/>
+          <p:cNvSpPr txBox="1">
+            <a:spLocks noGrp="1"/>
+          </p:cNvSpPr>
           <p:nvPr>
             <p:ph type="sldNum" sz="quarter" idx="2"/>
           </p:nvPr>
@@ -1240,8 +1276,10 @@
           <a:bodyPr/>
           <a:lstStyle/>
           <a:p>
-            <a:pPr/>
-            <a:fld id="{86CB4B4D-7CA3-9044-876B-883B54F8677D}" type="slidenum"/>
+            <a:fld id="{86CB4B4D-7CA3-9044-876B-883B54F8677D}" type="slidenum">
+              <a:t>‹#›</a:t>
+            </a:fld>
+            <a:endParaRPr/>
           </a:p>
         </p:txBody>
       </p:sp>
@@ -1250,12 +1288,12 @@
   <p:clrMapOvr>
     <a:masterClrMapping/>
   </p:clrMapOvr>
-  <p:transition xmlns:p14="http://schemas.microsoft.com/office/powerpoint/2010/main" spd="med" advClick="1"/>
+  <p:transition spd="med"/>
 </p:sldLayout>
 </file>
 
 <file path=ppt/slideLayouts/slideLayout3.xml><?xml version="1.0" encoding="utf-8"?>
-<p:sldLayout xmlns:a="http://schemas.openxmlformats.org/drawingml/2006/main" xmlns:r="http://schemas.openxmlformats.org/officeDocument/2006/relationships" xmlns:p="http://schemas.openxmlformats.org/presentationml/2006/main" xmlns:m="http://schemas.openxmlformats.org/officeDocument/2006/math" xmlns:a14="http://schemas.microsoft.com/office/drawing/2010/main" type="tx" showMasterSp="1" showMasterPhAnim="1">
+<p:sldLayout xmlns:a="http://schemas.openxmlformats.org/drawingml/2006/main" xmlns:r="http://schemas.openxmlformats.org/officeDocument/2006/relationships" xmlns:p="http://schemas.openxmlformats.org/presentationml/2006/main" type="tx">
   <p:cSld name="Title and Content 0">
     <p:spTree>
       <p:nvGrpSpPr>
@@ -1274,7 +1312,9 @@
       <p:sp>
         <p:nvSpPr>
           <p:cNvPr id="29" name="Title Text"/>
-          <p:cNvSpPr txBox="1"/>
+          <p:cNvSpPr txBox="1">
+            <a:spLocks noGrp="1"/>
+          </p:cNvSpPr>
           <p:nvPr>
             <p:ph type="title"/>
           </p:nvPr>
@@ -1296,7 +1336,6 @@
             </a:lvl1pPr>
           </a:lstStyle>
           <a:p>
-            <a:pPr/>
             <a:r>
               <a:t>Title Text</a:t>
             </a:r>
@@ -1306,7 +1345,9 @@
       <p:sp>
         <p:nvSpPr>
           <p:cNvPr id="30" name="Body Level One…"/>
-          <p:cNvSpPr txBox="1"/>
+          <p:cNvSpPr txBox="1">
+            <a:spLocks noGrp="1"/>
+          </p:cNvSpPr>
           <p:nvPr>
             <p:ph type="body" idx="1"/>
           </p:nvPr>
@@ -1380,7 +1421,6 @@
             </a:lvl5pPr>
           </a:lstStyle>
           <a:p>
-            <a:pPr/>
             <a:r>
               <a:t>Body Level One</a:t>
             </a:r>
@@ -1414,7 +1454,9 @@
       <p:sp>
         <p:nvSpPr>
           <p:cNvPr id="31" name="Slide Number"/>
-          <p:cNvSpPr txBox="1"/>
+          <p:cNvSpPr txBox="1">
+            <a:spLocks noGrp="1"/>
+          </p:cNvSpPr>
           <p:nvPr>
             <p:ph type="sldNum" sz="quarter" idx="2"/>
           </p:nvPr>
@@ -1428,8 +1470,10 @@
           <a:bodyPr/>
           <a:lstStyle/>
           <a:p>
-            <a:pPr/>
-            <a:fld id="{86CB4B4D-7CA3-9044-876B-883B54F8677D}" type="slidenum"/>
+            <a:fld id="{86CB4B4D-7CA3-9044-876B-883B54F8677D}" type="slidenum">
+              <a:t>‹#›</a:t>
+            </a:fld>
+            <a:endParaRPr/>
           </a:p>
         </p:txBody>
       </p:sp>
@@ -1438,12 +1482,12 @@
   <p:clrMapOvr>
     <a:masterClrMapping/>
   </p:clrMapOvr>
-  <p:transition xmlns:p14="http://schemas.microsoft.com/office/powerpoint/2010/main" spd="med" advClick="1"/>
+  <p:transition spd="med"/>
 </p:sldLayout>
 </file>
 
 <file path=ppt/slideLayouts/slideLayout4.xml><?xml version="1.0" encoding="utf-8"?>
-<p:sldLayout xmlns:a="http://schemas.openxmlformats.org/drawingml/2006/main" xmlns:r="http://schemas.openxmlformats.org/officeDocument/2006/relationships" xmlns:p="http://schemas.openxmlformats.org/presentationml/2006/main" xmlns:m="http://schemas.openxmlformats.org/officeDocument/2006/math" xmlns:a14="http://schemas.microsoft.com/office/drawing/2010/main" type="tx" showMasterSp="1" showMasterPhAnim="1">
+<p:sldLayout xmlns:a="http://schemas.openxmlformats.org/drawingml/2006/main" xmlns:r="http://schemas.openxmlformats.org/officeDocument/2006/relationships" xmlns:p="http://schemas.openxmlformats.org/presentationml/2006/main" type="tx">
   <p:cSld name="Section Header">
     <p:spTree>
       <p:nvGrpSpPr>
@@ -1462,7 +1506,9 @@
       <p:sp>
         <p:nvSpPr>
           <p:cNvPr id="38" name="Title Text"/>
-          <p:cNvSpPr txBox="1"/>
+          <p:cNvSpPr txBox="1">
+            <a:spLocks noGrp="1"/>
+          </p:cNvSpPr>
           <p:nvPr>
             <p:ph type="title"/>
           </p:nvPr>
@@ -1484,7 +1530,6 @@
             </a:lvl1pPr>
           </a:lstStyle>
           <a:p>
-            <a:pPr/>
             <a:r>
               <a:t>Title Text</a:t>
             </a:r>
@@ -1494,7 +1539,9 @@
       <p:sp>
         <p:nvSpPr>
           <p:cNvPr id="39" name="Body Level One…"/>
-          <p:cNvSpPr txBox="1"/>
+          <p:cNvSpPr txBox="1">
+            <a:spLocks noGrp="1"/>
+          </p:cNvSpPr>
           <p:nvPr>
             <p:ph type="body" sz="quarter" idx="1"/>
           </p:nvPr>
@@ -1543,7 +1590,6 @@
             </a:lvl5pPr>
           </a:lstStyle>
           <a:p>
-            <a:pPr/>
             <a:r>
               <a:t>Body Level One</a:t>
             </a:r>
@@ -1577,7 +1623,9 @@
       <p:sp>
         <p:nvSpPr>
           <p:cNvPr id="40" name="Slide Number"/>
-          <p:cNvSpPr txBox="1"/>
+          <p:cNvSpPr txBox="1">
+            <a:spLocks noGrp="1"/>
+          </p:cNvSpPr>
           <p:nvPr>
             <p:ph type="sldNum" sz="quarter" idx="2"/>
           </p:nvPr>
@@ -1591,8 +1639,10 @@
           <a:bodyPr/>
           <a:lstStyle/>
           <a:p>
-            <a:pPr/>
-            <a:fld id="{86CB4B4D-7CA3-9044-876B-883B54F8677D}" type="slidenum"/>
+            <a:fld id="{86CB4B4D-7CA3-9044-876B-883B54F8677D}" type="slidenum">
+              <a:t>‹#›</a:t>
+            </a:fld>
+            <a:endParaRPr/>
           </a:p>
         </p:txBody>
       </p:sp>
@@ -1601,12 +1651,12 @@
   <p:clrMapOvr>
     <a:masterClrMapping/>
   </p:clrMapOvr>
-  <p:transition xmlns:p14="http://schemas.microsoft.com/office/powerpoint/2010/main" spd="med" advClick="1"/>
+  <p:transition spd="med"/>
 </p:sldLayout>
 </file>
 
 <file path=ppt/slideLayouts/slideLayout5.xml><?xml version="1.0" encoding="utf-8"?>
-<p:sldLayout xmlns:a="http://schemas.openxmlformats.org/drawingml/2006/main" xmlns:r="http://schemas.openxmlformats.org/officeDocument/2006/relationships" xmlns:p="http://schemas.openxmlformats.org/presentationml/2006/main" xmlns:m="http://schemas.openxmlformats.org/officeDocument/2006/math" xmlns:a14="http://schemas.microsoft.com/office/drawing/2010/main" type="tx" showMasterSp="1" showMasterPhAnim="1">
+<p:sldLayout xmlns:a="http://schemas.openxmlformats.org/drawingml/2006/main" xmlns:r="http://schemas.openxmlformats.org/officeDocument/2006/relationships" xmlns:p="http://schemas.openxmlformats.org/presentationml/2006/main" type="tx">
   <p:cSld name="Section Header 0">
     <p:spTree>
       <p:nvGrpSpPr>
@@ -1625,7 +1675,9 @@
       <p:sp>
         <p:nvSpPr>
           <p:cNvPr id="47" name="Title Text"/>
-          <p:cNvSpPr txBox="1"/>
+          <p:cNvSpPr txBox="1">
+            <a:spLocks noGrp="1"/>
+          </p:cNvSpPr>
           <p:nvPr>
             <p:ph type="title"/>
           </p:nvPr>
@@ -1647,7 +1699,6 @@
             </a:lvl1pPr>
           </a:lstStyle>
           <a:p>
-            <a:pPr/>
             <a:r>
               <a:t>Title Text</a:t>
             </a:r>
@@ -1657,7 +1708,9 @@
       <p:sp>
         <p:nvSpPr>
           <p:cNvPr id="48" name="Body Level One…"/>
-          <p:cNvSpPr txBox="1"/>
+          <p:cNvSpPr txBox="1">
+            <a:spLocks noGrp="1"/>
+          </p:cNvSpPr>
           <p:nvPr>
             <p:ph type="body" sz="quarter" idx="1"/>
           </p:nvPr>
@@ -1706,7 +1759,6 @@
             </a:lvl5pPr>
           </a:lstStyle>
           <a:p>
-            <a:pPr/>
             <a:r>
               <a:t>Body Level One</a:t>
             </a:r>
@@ -1740,7 +1792,9 @@
       <p:sp>
         <p:nvSpPr>
           <p:cNvPr id="49" name="Slide Number"/>
-          <p:cNvSpPr txBox="1"/>
+          <p:cNvSpPr txBox="1">
+            <a:spLocks noGrp="1"/>
+          </p:cNvSpPr>
           <p:nvPr>
             <p:ph type="sldNum" sz="quarter" idx="2"/>
           </p:nvPr>
@@ -1754,8 +1808,10 @@
           <a:bodyPr/>
           <a:lstStyle/>
           <a:p>
-            <a:pPr/>
-            <a:fld id="{86CB4B4D-7CA3-9044-876B-883B54F8677D}" type="slidenum"/>
+            <a:fld id="{86CB4B4D-7CA3-9044-876B-883B54F8677D}" type="slidenum">
+              <a:t>‹#›</a:t>
+            </a:fld>
+            <a:endParaRPr/>
           </a:p>
         </p:txBody>
       </p:sp>
@@ -1764,12 +1820,12 @@
   <p:clrMapOvr>
     <a:masterClrMapping/>
   </p:clrMapOvr>
-  <p:transition xmlns:p14="http://schemas.microsoft.com/office/powerpoint/2010/main" spd="med" advClick="1"/>
+  <p:transition spd="med"/>
 </p:sldLayout>
 </file>
 
 <file path=ppt/slideLayouts/slideLayout6.xml><?xml version="1.0" encoding="utf-8"?>
-<p:sldLayout xmlns:a="http://schemas.openxmlformats.org/drawingml/2006/main" xmlns:r="http://schemas.openxmlformats.org/officeDocument/2006/relationships" xmlns:p="http://schemas.openxmlformats.org/presentationml/2006/main" xmlns:m="http://schemas.openxmlformats.org/officeDocument/2006/math" xmlns:a14="http://schemas.microsoft.com/office/drawing/2010/main" type="tx" showMasterSp="1" showMasterPhAnim="1">
+<p:sldLayout xmlns:a="http://schemas.openxmlformats.org/drawingml/2006/main" xmlns:r="http://schemas.openxmlformats.org/officeDocument/2006/relationships" xmlns:p="http://schemas.openxmlformats.org/presentationml/2006/main" type="tx">
   <p:cSld name="Two Content">
     <p:spTree>
       <p:nvGrpSpPr>
@@ -1788,7 +1844,9 @@
       <p:sp>
         <p:nvSpPr>
           <p:cNvPr id="56" name="Title Text"/>
-          <p:cNvSpPr txBox="1"/>
+          <p:cNvSpPr txBox="1">
+            <a:spLocks noGrp="1"/>
+          </p:cNvSpPr>
           <p:nvPr>
             <p:ph type="title"/>
           </p:nvPr>
@@ -1810,7 +1868,6 @@
             </a:lvl1pPr>
           </a:lstStyle>
           <a:p>
-            <a:pPr/>
             <a:r>
               <a:t>Title Text</a:t>
             </a:r>
@@ -1820,7 +1877,9 @@
       <p:sp>
         <p:nvSpPr>
           <p:cNvPr id="57" name="Body Level One…"/>
-          <p:cNvSpPr txBox="1"/>
+          <p:cNvSpPr txBox="1">
+            <a:spLocks noGrp="1"/>
+          </p:cNvSpPr>
           <p:nvPr>
             <p:ph type="body" sz="half" idx="1"/>
           </p:nvPr>
@@ -1894,7 +1953,6 @@
             </a:lvl5pPr>
           </a:lstStyle>
           <a:p>
-            <a:pPr/>
             <a:r>
               <a:t>Body Level One</a:t>
             </a:r>
@@ -1928,7 +1986,9 @@
       <p:sp>
         <p:nvSpPr>
           <p:cNvPr id="58" name="Slide Number"/>
-          <p:cNvSpPr txBox="1"/>
+          <p:cNvSpPr txBox="1">
+            <a:spLocks noGrp="1"/>
+          </p:cNvSpPr>
           <p:nvPr>
             <p:ph type="sldNum" sz="quarter" idx="2"/>
           </p:nvPr>
@@ -1942,8 +2002,10 @@
           <a:bodyPr/>
           <a:lstStyle/>
           <a:p>
-            <a:pPr/>
-            <a:fld id="{86CB4B4D-7CA3-9044-876B-883B54F8677D}" type="slidenum"/>
+            <a:fld id="{86CB4B4D-7CA3-9044-876B-883B54F8677D}" type="slidenum">
+              <a:t>‹#›</a:t>
+            </a:fld>
+            <a:endParaRPr/>
           </a:p>
         </p:txBody>
       </p:sp>
@@ -1952,12 +2014,12 @@
   <p:clrMapOvr>
     <a:masterClrMapping/>
   </p:clrMapOvr>
-  <p:transition xmlns:p14="http://schemas.microsoft.com/office/powerpoint/2010/main" spd="med" advClick="1"/>
+  <p:transition spd="med"/>
 </p:sldLayout>
 </file>
 
 <file path=ppt/slideLayouts/slideLayout7.xml><?xml version="1.0" encoding="utf-8"?>
-<p:sldLayout xmlns:a="http://schemas.openxmlformats.org/drawingml/2006/main" xmlns:r="http://schemas.openxmlformats.org/officeDocument/2006/relationships" xmlns:p="http://schemas.openxmlformats.org/presentationml/2006/main" xmlns:m="http://schemas.openxmlformats.org/officeDocument/2006/math" xmlns:a14="http://schemas.microsoft.com/office/drawing/2010/main" type="tx" showMasterSp="1" showMasterPhAnim="1">
+<p:sldLayout xmlns:a="http://schemas.openxmlformats.org/drawingml/2006/main" xmlns:r="http://schemas.openxmlformats.org/officeDocument/2006/relationships" xmlns:p="http://schemas.openxmlformats.org/presentationml/2006/main" type="tx">
   <p:cSld name="Comparison">
     <p:spTree>
       <p:nvGrpSpPr>
@@ -1976,7 +2038,9 @@
       <p:sp>
         <p:nvSpPr>
           <p:cNvPr id="65" name="Body Level One…"/>
-          <p:cNvSpPr txBox="1"/>
+          <p:cNvSpPr txBox="1">
+            <a:spLocks noGrp="1"/>
+          </p:cNvSpPr>
           <p:nvPr>
             <p:ph type="body" sz="quarter" idx="1"/>
           </p:nvPr>
@@ -1997,7 +2061,7 @@
               <a:spcBef>
                 <a:spcPts val="600"/>
               </a:spcBef>
-              <a:defRPr b="1" sz="2800">
+              <a:defRPr sz="2800" b="1">
                 <a:solidFill>
                   <a:srgbClr val="FF8600"/>
                 </a:solidFill>
@@ -2007,7 +2071,7 @@
               <a:spcBef>
                 <a:spcPts val="600"/>
               </a:spcBef>
-              <a:defRPr b="1" sz="2800">
+              <a:defRPr sz="2800" b="1">
                 <a:solidFill>
                   <a:srgbClr val="FF8600"/>
                 </a:solidFill>
@@ -2017,7 +2081,7 @@
               <a:spcBef>
                 <a:spcPts val="600"/>
               </a:spcBef>
-              <a:defRPr b="1" sz="2800">
+              <a:defRPr sz="2800" b="1">
                 <a:solidFill>
                   <a:srgbClr val="FF8600"/>
                 </a:solidFill>
@@ -2027,7 +2091,7 @@
               <a:spcBef>
                 <a:spcPts val="600"/>
               </a:spcBef>
-              <a:defRPr b="1" sz="2800">
+              <a:defRPr sz="2800" b="1">
                 <a:solidFill>
                   <a:srgbClr val="FF8600"/>
                 </a:solidFill>
@@ -2037,7 +2101,7 @@
               <a:spcBef>
                 <a:spcPts val="600"/>
               </a:spcBef>
-              <a:defRPr b="1" sz="2800">
+              <a:defRPr sz="2800" b="1">
                 <a:solidFill>
                   <a:srgbClr val="FF8600"/>
                 </a:solidFill>
@@ -2045,7 +2109,6 @@
             </a:lvl5pPr>
           </a:lstStyle>
           <a:p>
-            <a:pPr/>
             <a:r>
               <a:t>Body Level One</a:t>
             </a:r>
@@ -2079,7 +2142,9 @@
       <p:sp>
         <p:nvSpPr>
           <p:cNvPr id="66" name="Text Placeholder 4"/>
-          <p:cNvSpPr/>
+          <p:cNvSpPr>
+            <a:spLocks noGrp="1"/>
+          </p:cNvSpPr>
           <p:nvPr>
             <p:ph type="body" sz="quarter" idx="13"/>
           </p:nvPr>
@@ -2108,13 +2173,16 @@
               <a:buChar char="▪"/>
               <a:defRPr sz="2800"/>
             </a:pPr>
+            <a:endParaRPr/>
           </a:p>
         </p:txBody>
       </p:sp>
       <p:sp>
         <p:nvSpPr>
           <p:cNvPr id="67" name="Title Text"/>
-          <p:cNvSpPr txBox="1"/>
+          <p:cNvSpPr txBox="1">
+            <a:spLocks noGrp="1"/>
+          </p:cNvSpPr>
           <p:nvPr>
             <p:ph type="title"/>
           </p:nvPr>
@@ -2136,7 +2204,6 @@
             </a:lvl1pPr>
           </a:lstStyle>
           <a:p>
-            <a:pPr/>
             <a:r>
               <a:t>Title Text</a:t>
             </a:r>
@@ -2146,7 +2213,9 @@
       <p:sp>
         <p:nvSpPr>
           <p:cNvPr id="68" name="Slide Number"/>
-          <p:cNvSpPr txBox="1"/>
+          <p:cNvSpPr txBox="1">
+            <a:spLocks noGrp="1"/>
+          </p:cNvSpPr>
           <p:nvPr>
             <p:ph type="sldNum" sz="quarter" idx="2"/>
           </p:nvPr>
@@ -2160,8 +2229,10 @@
           <a:bodyPr/>
           <a:lstStyle/>
           <a:p>
-            <a:pPr/>
-            <a:fld id="{86CB4B4D-7CA3-9044-876B-883B54F8677D}" type="slidenum"/>
+            <a:fld id="{86CB4B4D-7CA3-9044-876B-883B54F8677D}" type="slidenum">
+              <a:t>‹#›</a:t>
+            </a:fld>
+            <a:endParaRPr/>
           </a:p>
         </p:txBody>
       </p:sp>
@@ -2170,12 +2241,12 @@
   <p:clrMapOvr>
     <a:masterClrMapping/>
   </p:clrMapOvr>
-  <p:transition xmlns:p14="http://schemas.microsoft.com/office/powerpoint/2010/main" spd="med" advClick="1"/>
+  <p:transition spd="med"/>
 </p:sldLayout>
 </file>
 
 <file path=ppt/slideLayouts/slideLayout8.xml><?xml version="1.0" encoding="utf-8"?>
-<p:sldLayout xmlns:a="http://schemas.openxmlformats.org/drawingml/2006/main" xmlns:r="http://schemas.openxmlformats.org/officeDocument/2006/relationships" xmlns:p="http://schemas.openxmlformats.org/presentationml/2006/main" xmlns:m="http://schemas.openxmlformats.org/officeDocument/2006/math" xmlns:a14="http://schemas.microsoft.com/office/drawing/2010/main" type="tx" showMasterSp="1" showMasterPhAnim="1">
+<p:sldLayout xmlns:a="http://schemas.openxmlformats.org/drawingml/2006/main" xmlns:r="http://schemas.openxmlformats.org/officeDocument/2006/relationships" xmlns:p="http://schemas.openxmlformats.org/presentationml/2006/main" type="tx">
   <p:cSld name="Title Only">
     <p:spTree>
       <p:nvGrpSpPr>
@@ -2194,7 +2265,9 @@
       <p:sp>
         <p:nvSpPr>
           <p:cNvPr id="75" name="Title Text"/>
-          <p:cNvSpPr txBox="1"/>
+          <p:cNvSpPr txBox="1">
+            <a:spLocks noGrp="1"/>
+          </p:cNvSpPr>
           <p:nvPr>
             <p:ph type="title"/>
           </p:nvPr>
@@ -2216,7 +2289,6 @@
             </a:lvl1pPr>
           </a:lstStyle>
           <a:p>
-            <a:pPr/>
             <a:r>
               <a:t>Title Text</a:t>
             </a:r>
@@ -2226,7 +2298,9 @@
       <p:sp>
         <p:nvSpPr>
           <p:cNvPr id="76" name="Slide Number"/>
-          <p:cNvSpPr txBox="1"/>
+          <p:cNvSpPr txBox="1">
+            <a:spLocks noGrp="1"/>
+          </p:cNvSpPr>
           <p:nvPr>
             <p:ph type="sldNum" sz="quarter" idx="2"/>
           </p:nvPr>
@@ -2240,8 +2314,10 @@
           <a:bodyPr/>
           <a:lstStyle/>
           <a:p>
-            <a:pPr/>
-            <a:fld id="{86CB4B4D-7CA3-9044-876B-883B54F8677D}" type="slidenum"/>
+            <a:fld id="{86CB4B4D-7CA3-9044-876B-883B54F8677D}" type="slidenum">
+              <a:t>‹#›</a:t>
+            </a:fld>
+            <a:endParaRPr/>
           </a:p>
         </p:txBody>
       </p:sp>
@@ -2250,12 +2326,12 @@
   <p:clrMapOvr>
     <a:masterClrMapping/>
   </p:clrMapOvr>
-  <p:transition xmlns:p14="http://schemas.microsoft.com/office/powerpoint/2010/main" spd="med" advClick="1"/>
+  <p:transition spd="med"/>
 </p:sldLayout>
 </file>
 
 <file path=ppt/slideLayouts/slideLayout9.xml><?xml version="1.0" encoding="utf-8"?>
-<p:sldLayout xmlns:a="http://schemas.openxmlformats.org/drawingml/2006/main" xmlns:r="http://schemas.openxmlformats.org/officeDocument/2006/relationships" xmlns:p="http://schemas.openxmlformats.org/presentationml/2006/main" xmlns:m="http://schemas.openxmlformats.org/officeDocument/2006/math" xmlns:a14="http://schemas.microsoft.com/office/drawing/2010/main" type="tx" showMasterSp="1" showMasterPhAnim="1">
+<p:sldLayout xmlns:a="http://schemas.openxmlformats.org/drawingml/2006/main" xmlns:r="http://schemas.openxmlformats.org/officeDocument/2006/relationships" xmlns:p="http://schemas.openxmlformats.org/presentationml/2006/main" type="tx">
   <p:cSld name="Title Only 0">
     <p:spTree>
       <p:nvGrpSpPr>
@@ -2274,7 +2350,9 @@
       <p:sp>
         <p:nvSpPr>
           <p:cNvPr id="83" name="Title Text"/>
-          <p:cNvSpPr txBox="1"/>
+          <p:cNvSpPr txBox="1">
+            <a:spLocks noGrp="1"/>
+          </p:cNvSpPr>
           <p:nvPr>
             <p:ph type="title"/>
           </p:nvPr>
@@ -2296,7 +2374,6 @@
             </a:lvl1pPr>
           </a:lstStyle>
           <a:p>
-            <a:pPr/>
             <a:r>
               <a:t>Title Text</a:t>
             </a:r>
@@ -2306,7 +2383,9 @@
       <p:sp>
         <p:nvSpPr>
           <p:cNvPr id="84" name="Slide Number"/>
-          <p:cNvSpPr txBox="1"/>
+          <p:cNvSpPr txBox="1">
+            <a:spLocks noGrp="1"/>
+          </p:cNvSpPr>
           <p:nvPr>
             <p:ph type="sldNum" sz="quarter" idx="2"/>
           </p:nvPr>
@@ -2320,8 +2399,10 @@
           <a:bodyPr/>
           <a:lstStyle/>
           <a:p>
-            <a:pPr/>
-            <a:fld id="{86CB4B4D-7CA3-9044-876B-883B54F8677D}" type="slidenum"/>
+            <a:fld id="{86CB4B4D-7CA3-9044-876B-883B54F8677D}" type="slidenum">
+              <a:t>‹#›</a:t>
+            </a:fld>
+            <a:endParaRPr/>
           </a:p>
         </p:txBody>
       </p:sp>
@@ -2330,12 +2411,12 @@
   <p:clrMapOvr>
     <a:masterClrMapping/>
   </p:clrMapOvr>
-  <p:transition xmlns:p14="http://schemas.microsoft.com/office/powerpoint/2010/main" spd="med" advClick="1"/>
+  <p:transition spd="med"/>
 </p:sldLayout>
 </file>
 
 <file path=ppt/slideMasters/slideMaster1.xml><?xml version="1.0" encoding="utf-8"?>
-<p:sldMaster xmlns:a="http://schemas.openxmlformats.org/drawingml/2006/main" xmlns:r="http://schemas.openxmlformats.org/officeDocument/2006/relationships" xmlns:p="http://schemas.openxmlformats.org/presentationml/2006/main" xmlns:m="http://schemas.openxmlformats.org/officeDocument/2006/math" xmlns:a14="http://schemas.microsoft.com/office/drawing/2010/main">
+<p:sldMaster xmlns:a="http://schemas.openxmlformats.org/drawingml/2006/main" xmlns:r="http://schemas.openxmlformats.org/officeDocument/2006/relationships" xmlns:p="http://schemas.openxmlformats.org/presentationml/2006/main">
   <p:cSld>
     <p:bg>
       <p:bgPr>
@@ -2353,6 +2434,7 @@
           </a:gsLst>
           <a:lin ang="5400000" scaled="0"/>
         </a:gradFill>
+        <a:effectLst/>
       </p:bgPr>
     </p:bg>
     <p:spTree>
@@ -2372,7 +2454,9 @@
       <p:sp>
         <p:nvSpPr>
           <p:cNvPr id="2" name="Title Text"/>
-          <p:cNvSpPr txBox="1"/>
+          <p:cNvSpPr txBox="1">
+            <a:spLocks noGrp="1"/>
+          </p:cNvSpPr>
           <p:nvPr>
             <p:ph type="title"/>
           </p:nvPr>
@@ -2390,17 +2474,16 @@
           </a:ln>
           <a:extLst>
             <a:ext uri="{C572A759-6A51-4108-AA02-DFA0A04FC94B}">
-              <ma14:wrappingTextBoxFlag xmlns:ma14="http://schemas.microsoft.com/office/mac/drawingml/2011/main" val="1"/>
+              <ma14:wrappingTextBoxFlag xmlns:ma14="http://schemas.microsoft.com/office/mac/drawingml/2011/main" xmlns:a14="http://schemas.microsoft.com/office/drawing/2010/main" xmlns:m="http://schemas.openxmlformats.org/officeDocument/2006/math" xmlns="" val="1"/>
             </a:ext>
           </a:extLst>
         </p:spPr>
         <p:txBody>
           <a:bodyPr lIns="65022" tIns="65022" rIns="65022" bIns="65022" anchor="b">
-            <a:normAutofit fontScale="100000" lnSpcReduction="0"/>
+            <a:normAutofit/>
           </a:bodyPr>
           <a:lstStyle/>
           <a:p>
-            <a:pPr/>
             <a:r>
               <a:t>Title Text</a:t>
             </a:r>
@@ -2410,7 +2493,9 @@
       <p:sp>
         <p:nvSpPr>
           <p:cNvPr id="3" name="Body Level One…"/>
-          <p:cNvSpPr txBox="1"/>
+          <p:cNvSpPr txBox="1">
+            <a:spLocks noGrp="1"/>
+          </p:cNvSpPr>
           <p:nvPr>
             <p:ph type="body" idx="1"/>
           </p:nvPr>
@@ -2428,17 +2513,16 @@
           </a:ln>
           <a:extLst>
             <a:ext uri="{C572A759-6A51-4108-AA02-DFA0A04FC94B}">
-              <ma14:wrappingTextBoxFlag xmlns:ma14="http://schemas.microsoft.com/office/mac/drawingml/2011/main" val="1"/>
+              <ma14:wrappingTextBoxFlag xmlns:ma14="http://schemas.microsoft.com/office/mac/drawingml/2011/main" xmlns:a14="http://schemas.microsoft.com/office/drawing/2010/main" xmlns:m="http://schemas.openxmlformats.org/officeDocument/2006/math" xmlns="" val="1"/>
             </a:ext>
           </a:extLst>
         </p:spPr>
         <p:txBody>
           <a:bodyPr lIns="65022" tIns="65022" rIns="65022" bIns="65022">
-            <a:normAutofit fontScale="100000" lnSpcReduction="0"/>
+            <a:normAutofit/>
           </a:bodyPr>
           <a:lstStyle/>
           <a:p>
-            <a:pPr/>
             <a:r>
               <a:t>Body Level One</a:t>
             </a:r>
@@ -2472,7 +2556,9 @@
       <p:sp>
         <p:nvSpPr>
           <p:cNvPr id="4" name="Slide Number"/>
-          <p:cNvSpPr txBox="1"/>
+          <p:cNvSpPr txBox="1">
+            <a:spLocks noGrp="1"/>
+          </p:cNvSpPr>
           <p:nvPr>
             <p:ph type="sldNum" sz="quarter" idx="2"/>
           </p:nvPr>
@@ -2507,8 +2593,10 @@
             </a:lvl1pPr>
           </a:lstStyle>
           <a:p>
-            <a:pPr/>
-            <a:fld id="{86CB4B4D-7CA3-9044-876B-883B54F8677D}" type="slidenum"/>
+            <a:fld id="{86CB4B4D-7CA3-9044-876B-883B54F8677D}" type="slidenum">
+              <a:t>‹#›</a:t>
+            </a:fld>
+            <a:endParaRPr/>
           </a:p>
         </p:txBody>
       </p:sp>
@@ -2516,20 +2604,20 @@
   </p:cSld>
   <p:clrMap bg1="lt1" tx1="dk1" bg2="lt2" tx2="dk2" accent1="accent1" accent2="accent2" accent3="accent3" accent4="accent4" accent5="accent5" accent6="accent6" hlink="hlink" folHlink="folHlink"/>
   <p:sldLayoutIdLst>
-    <p:sldLayoutId id="2147483649" r:id="rId2"/>
-    <p:sldLayoutId id="2147483650" r:id="rId3"/>
-    <p:sldLayoutId id="2147483651" r:id="rId4"/>
-    <p:sldLayoutId id="2147483652" r:id="rId5"/>
-    <p:sldLayoutId id="2147483653" r:id="rId6"/>
-    <p:sldLayoutId id="2147483654" r:id="rId7"/>
-    <p:sldLayoutId id="2147483655" r:id="rId8"/>
-    <p:sldLayoutId id="2147483656" r:id="rId9"/>
-    <p:sldLayoutId id="2147483657" r:id="rId10"/>
-    <p:sldLayoutId id="2147483658" r:id="rId11"/>
-    <p:sldLayoutId id="2147483659" r:id="rId12"/>
-    <p:sldLayoutId id="2147483660" r:id="rId13"/>
+    <p:sldLayoutId id="2147483649" r:id="rId1"/>
+    <p:sldLayoutId id="2147483650" r:id="rId2"/>
+    <p:sldLayoutId id="2147483651" r:id="rId3"/>
+    <p:sldLayoutId id="2147483652" r:id="rId4"/>
+    <p:sldLayoutId id="2147483653" r:id="rId5"/>
+    <p:sldLayoutId id="2147483654" r:id="rId6"/>
+    <p:sldLayoutId id="2147483655" r:id="rId7"/>
+    <p:sldLayoutId id="2147483656" r:id="rId8"/>
+    <p:sldLayoutId id="2147483657" r:id="rId9"/>
+    <p:sldLayoutId id="2147483658" r:id="rId10"/>
+    <p:sldLayoutId id="2147483659" r:id="rId11"/>
+    <p:sldLayoutId id="2147483660" r:id="rId12"/>
   </p:sldLayoutIdLst>
-  <p:transition xmlns:p14="http://schemas.microsoft.com/office/powerpoint/2010/main" spd="med" advClick="1"/>
+  <p:transition spd="med"/>
   <p:txStyles>
     <p:titleStyle>
       <a:lvl1pPr marL="0" marR="0" indent="0" algn="l" defTabSz="1300480" rtl="0" latinLnBrk="0">
@@ -2547,7 +2635,7 @@
         <a:buFontTx/>
         <a:buNone/>
         <a:tabLst/>
-        <a:defRPr b="0" baseline="0" cap="none" i="0" spc="0" strike="noStrike" sz="6800" u="none">
+        <a:defRPr sz="6800" b="0" i="0" u="none" strike="noStrike" cap="none" spc="0" baseline="0">
           <a:solidFill>
             <a:srgbClr val="FF8600"/>
           </a:solidFill>
@@ -2573,7 +2661,7 @@
         <a:buFontTx/>
         <a:buNone/>
         <a:tabLst/>
-        <a:defRPr b="0" baseline="0" cap="none" i="0" spc="0" strike="noStrike" sz="6800" u="none">
+        <a:defRPr sz="6800" b="0" i="0" u="none" strike="noStrike" cap="none" spc="0" baseline="0">
           <a:solidFill>
             <a:srgbClr val="FF8600"/>
           </a:solidFill>
@@ -2599,7 +2687,7 @@
         <a:buFontTx/>
         <a:buNone/>
         <a:tabLst/>
-        <a:defRPr b="0" baseline="0" cap="none" i="0" spc="0" strike="noStrike" sz="6800" u="none">
+        <a:defRPr sz="6800" b="0" i="0" u="none" strike="noStrike" cap="none" spc="0" baseline="0">
           <a:solidFill>
             <a:srgbClr val="FF8600"/>
           </a:solidFill>
@@ -2625,7 +2713,7 @@
         <a:buFontTx/>
         <a:buNone/>
         <a:tabLst/>
-        <a:defRPr b="0" baseline="0" cap="none" i="0" spc="0" strike="noStrike" sz="6800" u="none">
+        <a:defRPr sz="6800" b="0" i="0" u="none" strike="noStrike" cap="none" spc="0" baseline="0">
           <a:solidFill>
             <a:srgbClr val="FF8600"/>
           </a:solidFill>
@@ -2651,7 +2739,7 @@
         <a:buFontTx/>
         <a:buNone/>
         <a:tabLst/>
-        <a:defRPr b="0" baseline="0" cap="none" i="0" spc="0" strike="noStrike" sz="6800" u="none">
+        <a:defRPr sz="6800" b="0" i="0" u="none" strike="noStrike" cap="none" spc="0" baseline="0">
           <a:solidFill>
             <a:srgbClr val="FF8600"/>
           </a:solidFill>
@@ -2677,7 +2765,7 @@
         <a:buFontTx/>
         <a:buNone/>
         <a:tabLst/>
-        <a:defRPr b="0" baseline="0" cap="none" i="0" spc="0" strike="noStrike" sz="6800" u="none">
+        <a:defRPr sz="6800" b="0" i="0" u="none" strike="noStrike" cap="none" spc="0" baseline="0">
           <a:solidFill>
             <a:srgbClr val="FF8600"/>
           </a:solidFill>
@@ -2703,7 +2791,7 @@
         <a:buFontTx/>
         <a:buNone/>
         <a:tabLst/>
-        <a:defRPr b="0" baseline="0" cap="none" i="0" spc="0" strike="noStrike" sz="6800" u="none">
+        <a:defRPr sz="6800" b="0" i="0" u="none" strike="noStrike" cap="none" spc="0" baseline="0">
           <a:solidFill>
             <a:srgbClr val="FF8600"/>
           </a:solidFill>
@@ -2729,7 +2817,7 @@
         <a:buFontTx/>
         <a:buNone/>
         <a:tabLst/>
-        <a:defRPr b="0" baseline="0" cap="none" i="0" spc="0" strike="noStrike" sz="6800" u="none">
+        <a:defRPr sz="6800" b="0" i="0" u="none" strike="noStrike" cap="none" spc="0" baseline="0">
           <a:solidFill>
             <a:srgbClr val="FF8600"/>
           </a:solidFill>
@@ -2755,7 +2843,7 @@
         <a:buFontTx/>
         <a:buNone/>
         <a:tabLst/>
-        <a:defRPr b="0" baseline="0" cap="none" i="0" spc="0" strike="noStrike" sz="6800" u="none">
+        <a:defRPr sz="6800" b="0" i="0" u="none" strike="noStrike" cap="none" spc="0" baseline="0">
           <a:solidFill>
             <a:srgbClr val="FF8600"/>
           </a:solidFill>
@@ -2783,7 +2871,7 @@
         <a:buFontTx/>
         <a:buNone/>
         <a:tabLst/>
-        <a:defRPr b="0" baseline="0" cap="none" i="0" spc="0" strike="noStrike" sz="3000" u="none">
+        <a:defRPr sz="3000" b="0" i="0" u="none" strike="noStrike" cap="none" spc="0" baseline="0">
           <a:solidFill>
             <a:srgbClr val="FFFFFF"/>
           </a:solidFill>
@@ -2809,7 +2897,7 @@
         <a:buFontTx/>
         <a:buNone/>
         <a:tabLst/>
-        <a:defRPr b="0" baseline="0" cap="none" i="0" spc="0" strike="noStrike" sz="3000" u="none">
+        <a:defRPr sz="3000" b="0" i="0" u="none" strike="noStrike" cap="none" spc="0" baseline="0">
           <a:solidFill>
             <a:srgbClr val="FFFFFF"/>
           </a:solidFill>
@@ -2835,7 +2923,7 @@
         <a:buFontTx/>
         <a:buNone/>
         <a:tabLst/>
-        <a:defRPr b="0" baseline="0" cap="none" i="0" spc="0" strike="noStrike" sz="3000" u="none">
+        <a:defRPr sz="3000" b="0" i="0" u="none" strike="noStrike" cap="none" spc="0" baseline="0">
           <a:solidFill>
             <a:srgbClr val="FFFFFF"/>
           </a:solidFill>
@@ -2861,7 +2949,7 @@
         <a:buFontTx/>
         <a:buNone/>
         <a:tabLst/>
-        <a:defRPr b="0" baseline="0" cap="none" i="0" spc="0" strike="noStrike" sz="3000" u="none">
+        <a:defRPr sz="3000" b="0" i="0" u="none" strike="noStrike" cap="none" spc="0" baseline="0">
           <a:solidFill>
             <a:srgbClr val="FFFFFF"/>
           </a:solidFill>
@@ -2887,7 +2975,7 @@
         <a:buFontTx/>
         <a:buNone/>
         <a:tabLst/>
-        <a:defRPr b="0" baseline="0" cap="none" i="0" spc="0" strike="noStrike" sz="3000" u="none">
+        <a:defRPr sz="3000" b="0" i="0" u="none" strike="noStrike" cap="none" spc="0" baseline="0">
           <a:solidFill>
             <a:srgbClr val="FFFFFF"/>
           </a:solidFill>
@@ -2913,7 +3001,7 @@
         <a:buFontTx/>
         <a:buChar char="▪"/>
         <a:tabLst/>
-        <a:defRPr b="0" baseline="0" cap="none" i="0" spc="0" strike="noStrike" sz="3000" u="none">
+        <a:defRPr sz="3000" b="0" i="0" u="none" strike="noStrike" cap="none" spc="0" baseline="0">
           <a:solidFill>
             <a:srgbClr val="FFFFFF"/>
           </a:solidFill>
@@ -2939,7 +3027,7 @@
         <a:buFontTx/>
         <a:buChar char="▪"/>
         <a:tabLst/>
-        <a:defRPr b="0" baseline="0" cap="none" i="0" spc="0" strike="noStrike" sz="3000" u="none">
+        <a:defRPr sz="3000" b="0" i="0" u="none" strike="noStrike" cap="none" spc="0" baseline="0">
           <a:solidFill>
             <a:srgbClr val="FFFFFF"/>
           </a:solidFill>
@@ -2965,7 +3053,7 @@
         <a:buFontTx/>
         <a:buChar char="▪"/>
         <a:tabLst/>
-        <a:defRPr b="0" baseline="0" cap="none" i="0" spc="0" strike="noStrike" sz="3000" u="none">
+        <a:defRPr sz="3000" b="0" i="0" u="none" strike="noStrike" cap="none" spc="0" baseline="0">
           <a:solidFill>
             <a:srgbClr val="FFFFFF"/>
           </a:solidFill>
@@ -2991,7 +3079,7 @@
         <a:buFontTx/>
         <a:buChar char="▪"/>
         <a:tabLst/>
-        <a:defRPr b="0" baseline="0" cap="none" i="0" spc="0" strike="noStrike" sz="3000" u="none">
+        <a:defRPr sz="3000" b="0" i="0" u="none" strike="noStrike" cap="none" spc="0" baseline="0">
           <a:solidFill>
             <a:srgbClr val="FFFFFF"/>
           </a:solidFill>
@@ -3019,7 +3107,7 @@
         <a:buFontTx/>
         <a:buNone/>
         <a:tabLst/>
-        <a:defRPr b="0" baseline="0" cap="none" i="0" spc="0" strike="noStrike" sz="1600" u="none">
+        <a:defRPr sz="1600" b="0" i="0" u="none" strike="noStrike" cap="none" spc="0" baseline="0">
           <a:solidFill>
             <a:schemeClr val="tx1"/>
           </a:solidFill>
@@ -3045,7 +3133,7 @@
         <a:buFontTx/>
         <a:buNone/>
         <a:tabLst/>
-        <a:defRPr b="0" baseline="0" cap="none" i="0" spc="0" strike="noStrike" sz="1600" u="none">
+        <a:defRPr sz="1600" b="0" i="0" u="none" strike="noStrike" cap="none" spc="0" baseline="0">
           <a:solidFill>
             <a:schemeClr val="tx1"/>
           </a:solidFill>
@@ -3071,7 +3159,7 @@
         <a:buFontTx/>
         <a:buNone/>
         <a:tabLst/>
-        <a:defRPr b="0" baseline="0" cap="none" i="0" spc="0" strike="noStrike" sz="1600" u="none">
+        <a:defRPr sz="1600" b="0" i="0" u="none" strike="noStrike" cap="none" spc="0" baseline="0">
           <a:solidFill>
             <a:schemeClr val="tx1"/>
           </a:solidFill>
@@ -3097,7 +3185,7 @@
         <a:buFontTx/>
         <a:buNone/>
         <a:tabLst/>
-        <a:defRPr b="0" baseline="0" cap="none" i="0" spc="0" strike="noStrike" sz="1600" u="none">
+        <a:defRPr sz="1600" b="0" i="0" u="none" strike="noStrike" cap="none" spc="0" baseline="0">
           <a:solidFill>
             <a:schemeClr val="tx1"/>
           </a:solidFill>
@@ -3123,7 +3211,7 @@
         <a:buFontTx/>
         <a:buNone/>
         <a:tabLst/>
-        <a:defRPr b="0" baseline="0" cap="none" i="0" spc="0" strike="noStrike" sz="1600" u="none">
+        <a:defRPr sz="1600" b="0" i="0" u="none" strike="noStrike" cap="none" spc="0" baseline="0">
           <a:solidFill>
             <a:schemeClr val="tx1"/>
           </a:solidFill>
@@ -3149,7 +3237,7 @@
         <a:buFontTx/>
         <a:buNone/>
         <a:tabLst/>
-        <a:defRPr b="0" baseline="0" cap="none" i="0" spc="0" strike="noStrike" sz="1600" u="none">
+        <a:defRPr sz="1600" b="0" i="0" u="none" strike="noStrike" cap="none" spc="0" baseline="0">
           <a:solidFill>
             <a:schemeClr val="tx1"/>
           </a:solidFill>
@@ -3175,7 +3263,7 @@
         <a:buFontTx/>
         <a:buNone/>
         <a:tabLst/>
-        <a:defRPr b="0" baseline="0" cap="none" i="0" spc="0" strike="noStrike" sz="1600" u="none">
+        <a:defRPr sz="1600" b="0" i="0" u="none" strike="noStrike" cap="none" spc="0" baseline="0">
           <a:solidFill>
             <a:schemeClr val="tx1"/>
           </a:solidFill>
@@ -3201,7 +3289,7 @@
         <a:buFontTx/>
         <a:buNone/>
         <a:tabLst/>
-        <a:defRPr b="0" baseline="0" cap="none" i="0" spc="0" strike="noStrike" sz="1600" u="none">
+        <a:defRPr sz="1600" b="0" i="0" u="none" strike="noStrike" cap="none" spc="0" baseline="0">
           <a:solidFill>
             <a:schemeClr val="tx1"/>
           </a:solidFill>
@@ -3227,7 +3315,7 @@
         <a:buFontTx/>
         <a:buNone/>
         <a:tabLst/>
-        <a:defRPr b="0" baseline="0" cap="none" i="0" spc="0" strike="noStrike" sz="1600" u="none">
+        <a:defRPr sz="1600" b="0" i="0" u="none" strike="noStrike" cap="none" spc="0" baseline="0">
           <a:solidFill>
             <a:schemeClr val="tx1"/>
           </a:solidFill>
@@ -3244,7 +3332,7 @@
 </file>
 
 <file path=ppt/slides/slide1.xml><?xml version="1.0" encoding="utf-8"?>
-<p:sld xmlns:a="http://schemas.openxmlformats.org/drawingml/2006/main" xmlns:r="http://schemas.openxmlformats.org/officeDocument/2006/relationships" xmlns:p="http://schemas.openxmlformats.org/presentationml/2006/main" xmlns:m="http://schemas.openxmlformats.org/officeDocument/2006/math" xmlns:a14="http://schemas.microsoft.com/office/drawing/2010/main" showMasterSp="1" showMasterPhAnim="1">
+<p:sld xmlns:a="http://schemas.openxmlformats.org/drawingml/2006/main" xmlns:r="http://schemas.openxmlformats.org/officeDocument/2006/relationships" xmlns:p="http://schemas.openxmlformats.org/presentationml/2006/main">
   <p:cSld>
     <p:spTree>
       <p:nvGrpSpPr>
@@ -3271,7 +3359,6 @@
         <p:blipFill>
           <a:blip r:embed="rId2">
             <a:alphaModFix amt="80000"/>
-            <a:extLst/>
           </a:blip>
           <a:stretch>
             <a:fillRect/>
@@ -3293,7 +3380,9 @@
       <p:sp>
         <p:nvSpPr>
           <p:cNvPr id="121" name="Title 1"/>
-          <p:cNvSpPr txBox="1"/>
+          <p:cNvSpPr txBox="1">
+            <a:spLocks noGrp="1"/>
+          </p:cNvSpPr>
           <p:nvPr>
             <p:ph type="title"/>
           </p:nvPr>
@@ -3311,7 +3400,6 @@
           <a:bodyPr/>
           <a:lstStyle/>
           <a:p>
-            <a:pPr/>
             <a:r>
               <a:t>Pub\Sub Messenger for Unity</a:t>
             </a:r>
@@ -3321,7 +3409,7 @@
       <p:sp>
         <p:nvSpPr>
           <p:cNvPr id="122" name="TextBox 4">
-            <a:hlinkClick r:id="rId3" invalidUrl="" action="" tgtFrame="" tooltip="" history="1" highlightClick="0" endSnd="0"/>
+            <a:hlinkClick r:id="rId3"/>
           </p:cNvPr>
           <p:cNvSpPr txBox="1"/>
           <p:nvPr/>
@@ -3339,7 +3427,7 @@
           </a:ln>
           <a:extLst>
             <a:ext uri="{C572A759-6A51-4108-AA02-DFA0A04FC94B}">
-              <ma14:wrappingTextBoxFlag xmlns:ma14="http://schemas.microsoft.com/office/mac/drawingml/2011/main" val="1"/>
+              <ma14:wrappingTextBoxFlag xmlns:ma14="http://schemas.microsoft.com/office/mac/drawingml/2011/main" xmlns:a14="http://schemas.microsoft.com/office/drawing/2010/main" xmlns:m="http://schemas.openxmlformats.org/officeDocument/2006/math" xmlns="" val="1"/>
             </a:ext>
           </a:extLst>
         </p:spPr>
@@ -3354,7 +3442,7 @@
                   <a:srgbClr val="0070C0"/>
                 </a:solidFill>
                 <a:effectLst>
-                  <a:outerShdw sx="100000" sy="100000" kx="0" ky="0" algn="b" rotWithShape="0" blurRad="50800" dist="38100" dir="2700000">
+                  <a:outerShdw blurRad="50800" dist="38100" dir="2700000" rotWithShape="0">
                     <a:srgbClr val="000000">
                       <a:alpha val="40000"/>
                     </a:srgbClr>
@@ -3368,7 +3456,6 @@
             </a:lvl1pPr>
           </a:lstStyle>
           <a:p>
-            <a:pPr/>
             <a:r>
               <a:t>SuperMaxim.com</a:t>
             </a:r>
@@ -3378,7 +3465,7 @@
       <p:sp>
         <p:nvSpPr>
           <p:cNvPr id="123" name="TextBox 5">
-            <a:hlinkClick r:id="rId4" invalidUrl="" action="" tgtFrame="" tooltip="" history="1" highlightClick="0" endSnd="0"/>
+            <a:hlinkClick r:id="rId4"/>
           </p:cNvPr>
           <p:cNvSpPr txBox="1"/>
           <p:nvPr/>
@@ -3396,7 +3483,7 @@
           </a:ln>
           <a:extLst>
             <a:ext uri="{C572A759-6A51-4108-AA02-DFA0A04FC94B}">
-              <ma14:wrappingTextBoxFlag xmlns:ma14="http://schemas.microsoft.com/office/mac/drawingml/2011/main" val="1"/>
+              <ma14:wrappingTextBoxFlag xmlns:ma14="http://schemas.microsoft.com/office/mac/drawingml/2011/main" xmlns:a14="http://schemas.microsoft.com/office/drawing/2010/main" xmlns:m="http://schemas.openxmlformats.org/officeDocument/2006/math" xmlns="" val="1"/>
             </a:ext>
           </a:extLst>
         </p:spPr>
@@ -3411,7 +3498,7 @@
                   <a:srgbClr val="0070C0"/>
                 </a:solidFill>
                 <a:effectLst>
-                  <a:outerShdw sx="100000" sy="100000" kx="0" ky="0" algn="b" rotWithShape="0" blurRad="50800" dist="38100" dir="2700000">
+                  <a:outerShdw blurRad="50800" dist="38100" dir="2700000" rotWithShape="0">
                     <a:srgbClr val="000000">
                       <a:alpha val="40000"/>
                     </a:srgbClr>
@@ -3425,7 +3512,6 @@
             </a:lvl1pPr>
           </a:lstStyle>
           <a:p>
-            <a:pPr/>
             <a:r>
               <a:t>https://supermax.github.io/pubsub</a:t>
             </a:r>
@@ -3435,7 +3521,9 @@
       <p:sp>
         <p:nvSpPr>
           <p:cNvPr id="124" name="Slide Number Placeholder 2"/>
-          <p:cNvSpPr txBox="1"/>
+          <p:cNvSpPr txBox="1">
+            <a:spLocks noGrp="1"/>
+          </p:cNvSpPr>
           <p:nvPr>
             <p:ph type="sldNum" sz="quarter" idx="4294967295"/>
           </p:nvPr>
@@ -3450,7 +3538,7 @@
           </a:prstGeom>
           <a:extLst>
             <a:ext uri="{C572A759-6A51-4108-AA02-DFA0A04FC94B}">
-              <ma14:wrappingTextBoxFlag xmlns:ma14="http://schemas.microsoft.com/office/mac/drawingml/2011/main" val="1"/>
+              <ma14:wrappingTextBoxFlag xmlns:ma14="http://schemas.microsoft.com/office/mac/drawingml/2011/main" xmlns:a14="http://schemas.microsoft.com/office/drawing/2010/main" xmlns:m="http://schemas.openxmlformats.org/officeDocument/2006/math" xmlns="" val="1"/>
             </a:ext>
           </a:extLst>
         </p:spPr>
@@ -3458,8 +3546,10 @@
           <a:bodyPr/>
           <a:lstStyle/>
           <a:p>
-            <a:pPr/>
-            <a:fld id="{86CB4B4D-7CA3-9044-876B-883B54F8677D}" type="slidenum"/>
+            <a:fld id="{86CB4B4D-7CA3-9044-876B-883B54F8677D}" type="slidenum">
+              <a:t>1</a:t>
+            </a:fld>
+            <a:endParaRPr/>
           </a:p>
         </p:txBody>
       </p:sp>
@@ -3468,12 +3558,12 @@
   <p:clrMapOvr>
     <a:masterClrMapping/>
   </p:clrMapOvr>
-  <p:transition xmlns:p14="http://schemas.microsoft.com/office/powerpoint/2010/main" spd="med" advClick="1"/>
+  <p:transition spd="med"/>
 </p:sld>
 </file>
 
 <file path=ppt/slides/slide10.xml><?xml version="1.0" encoding="utf-8"?>
-<p:sld xmlns:a="http://schemas.openxmlformats.org/drawingml/2006/main" xmlns:r="http://schemas.openxmlformats.org/officeDocument/2006/relationships" xmlns:p="http://schemas.openxmlformats.org/presentationml/2006/main" xmlns:m="http://schemas.openxmlformats.org/officeDocument/2006/math" xmlns:a14="http://schemas.microsoft.com/office/drawing/2010/main" showMasterSp="1" showMasterPhAnim="1">
+<p:sld xmlns:a="http://schemas.openxmlformats.org/drawingml/2006/main" xmlns:r="http://schemas.openxmlformats.org/officeDocument/2006/relationships" xmlns:p="http://schemas.openxmlformats.org/presentationml/2006/main">
   <p:cSld>
     <p:spTree>
       <p:nvGrpSpPr>
@@ -3492,7 +3582,9 @@
       <p:sp>
         <p:nvSpPr>
           <p:cNvPr id="213" name="Content Placeholder 4"/>
-          <p:cNvSpPr txBox="1"/>
+          <p:cNvSpPr txBox="1">
+            <a:spLocks noGrp="1"/>
+          </p:cNvSpPr>
           <p:nvPr>
             <p:ph type="body" idx="1"/>
           </p:nvPr>
@@ -3516,7 +3608,7 @@
               </a:spcBef>
               <a:buFont typeface="Arial"/>
               <a:buChar char="✓"/>
-              <a:defRPr b="1" sz="1800"/>
+              <a:defRPr sz="1800" b="1"/>
             </a:pPr>
             <a:r>
               <a:t>Subscribe</a:t>
@@ -3533,7 +3625,7 @@
             </a:endParaRPr>
           </a:p>
           <a:p>
-            <a:pPr lvl="1" marL="0" indent="320040" algn="l">
+            <a:pPr marL="0" lvl="1" indent="320040" algn="l">
               <a:spcBef>
                 <a:spcPts val="400"/>
               </a:spcBef>
@@ -3617,7 +3709,7 @@
             <a:endParaRPr sz="2400"/>
           </a:p>
           <a:p>
-            <a:pPr lvl="1" marL="0" indent="320040" algn="l">
+            <a:pPr marL="0" lvl="1" indent="320040" algn="l">
               <a:buSzTx/>
               <a:buNone/>
               <a:defRPr sz="1800">
@@ -3630,9 +3722,10 @@
                 <a:sym typeface="Menlo Regular"/>
               </a:defRPr>
             </a:pPr>
-          </a:p>
-          <a:p>
-            <a:pPr lvl="1" marL="0" indent="320040" algn="l">
+            <a:endParaRPr sz="2400"/>
+          </a:p>
+          <a:p>
+            <a:pPr marL="0" lvl="1" indent="320040" algn="l">
               <a:spcBef>
                 <a:spcPts val="400"/>
               </a:spcBef>
@@ -3654,7 +3747,7 @@
             <a:endParaRPr sz="2400"/>
           </a:p>
           <a:p>
-            <a:pPr lvl="1" marL="0" indent="320040" algn="l">
+            <a:pPr marL="0" lvl="1" indent="320040" algn="l">
               <a:spcBef>
                 <a:spcPts val="400"/>
               </a:spcBef>
@@ -3676,7 +3769,7 @@
             <a:endParaRPr sz="2400"/>
           </a:p>
           <a:p>
-            <a:pPr lvl="1" marL="0" indent="320040" algn="l">
+            <a:pPr marL="0" lvl="1" indent="320040" algn="l">
               <a:buSzTx/>
               <a:buNone/>
               <a:defRPr sz="1800">
@@ -3689,9 +3782,10 @@
                 <a:sym typeface="Menlo Regular"/>
               </a:defRPr>
             </a:pPr>
-          </a:p>
-          <a:p>
-            <a:pPr lvl="1" marL="0" indent="320040" algn="l">
+            <a:endParaRPr sz="2400"/>
+          </a:p>
+          <a:p>
+            <a:pPr marL="0" lvl="1" indent="320040" algn="l">
               <a:spcBef>
                 <a:spcPts val="400"/>
               </a:spcBef>
@@ -3791,7 +3885,7 @@
             <a:endParaRPr sz="2400"/>
           </a:p>
           <a:p>
-            <a:pPr lvl="1" marL="0" indent="320040" algn="l">
+            <a:pPr marL="0" lvl="1" indent="320040" algn="l">
               <a:spcBef>
                 <a:spcPts val="400"/>
               </a:spcBef>
@@ -3813,7 +3907,7 @@
             <a:endParaRPr sz="2400"/>
           </a:p>
           <a:p>
-            <a:pPr lvl="2" marL="0" indent="502919" algn="l">
+            <a:pPr marL="0" lvl="2" indent="502919" algn="l">
               <a:spcBef>
                 <a:spcPts val="300"/>
               </a:spcBef>
@@ -3839,7 +3933,7 @@
             </a:endParaRPr>
           </a:p>
           <a:p>
-            <a:pPr lvl="1" marL="0" indent="320040" algn="l">
+            <a:pPr marL="0" lvl="1" indent="320040" algn="l">
               <a:spcBef>
                 <a:spcPts val="400"/>
               </a:spcBef>
@@ -3861,14 +3955,15 @@
             <a:endParaRPr sz="2400"/>
           </a:p>
           <a:p>
-            <a:pPr lvl="1" marL="0" indent="320040" algn="l">
+            <a:pPr marL="0" lvl="1" indent="320040" algn="l">
               <a:buSzTx/>
               <a:buNone/>
               <a:defRPr sz="1800"/>
             </a:pPr>
-          </a:p>
-          <a:p>
-            <a:pPr lvl="1" marL="0" indent="320040" algn="l">
+            <a:endParaRPr sz="2400"/>
+          </a:p>
+          <a:p>
+            <a:pPr marL="0" lvl="1" indent="320040" algn="l">
               <a:buSzTx/>
               <a:buNone/>
               <a:defRPr sz="1800">
@@ -3881,6 +3976,7 @@
                 <a:sym typeface="Menlo Regular"/>
               </a:defRPr>
             </a:pPr>
+            <a:endParaRPr sz="2400"/>
           </a:p>
           <a:p>
             <a:pPr marL="280851" indent="-235130" algn="l">
@@ -3889,15 +3985,16 @@
               </a:spcBef>
               <a:buFont typeface="Arial"/>
               <a:buChar char="✓"/>
-              <a:defRPr b="1" sz="1800"/>
+              <a:defRPr sz="1800" b="1"/>
             </a:pPr>
             <a:r>
               <a:t>Subscribe with Predicate</a:t>
             </a:r>
             <a:br/>
-          </a:p>
-          <a:p>
-            <a:pPr lvl="1" marL="0" indent="320040" algn="l">
+            <a:endParaRPr/>
+          </a:p>
+          <a:p>
+            <a:pPr marL="0" lvl="1" indent="320040" algn="l">
               <a:spcBef>
                 <a:spcPts val="400"/>
               </a:spcBef>
@@ -3981,7 +4078,7 @@
             <a:endParaRPr sz="2400"/>
           </a:p>
           <a:p>
-            <a:pPr lvl="1" marL="0" indent="320040" algn="l">
+            <a:pPr marL="0" lvl="1" indent="320040" algn="l">
               <a:buSzTx/>
               <a:buNone/>
               <a:defRPr sz="1800">
@@ -3994,9 +4091,10 @@
                 <a:sym typeface="Menlo Regular"/>
               </a:defRPr>
             </a:pPr>
-          </a:p>
-          <a:p>
-            <a:pPr lvl="1" marL="0" indent="320040" algn="l">
+            <a:endParaRPr sz="2400"/>
+          </a:p>
+          <a:p>
+            <a:pPr marL="0" lvl="1" indent="320040" algn="l">
               <a:spcBef>
                 <a:spcPts val="400"/>
               </a:spcBef>
@@ -4017,7 +4115,7 @@
             </a:r>
           </a:p>
           <a:p>
-            <a:pPr lvl="1" marL="0" indent="320040" algn="l">
+            <a:pPr marL="0" lvl="1" indent="320040" algn="l">
               <a:buSzTx/>
               <a:buNone/>
               <a:defRPr sz="1800">
@@ -4030,9 +4128,10 @@
                 <a:sym typeface="Menlo Regular"/>
               </a:defRPr>
             </a:pPr>
-          </a:p>
-          <a:p>
-            <a:pPr lvl="1" marL="0" indent="320040" algn="l">
+            <a:endParaRPr/>
+          </a:p>
+          <a:p>
+            <a:pPr marL="0" lvl="1" indent="320040" algn="l">
               <a:spcBef>
                 <a:spcPts val="400"/>
               </a:spcBef>
@@ -4132,7 +4231,7 @@
             <a:endParaRPr sz="2400"/>
           </a:p>
           <a:p>
-            <a:pPr lvl="1" marL="0" indent="320040" algn="l">
+            <a:pPr marL="0" lvl="1" indent="320040" algn="l">
               <a:spcBef>
                 <a:spcPts val="400"/>
               </a:spcBef>
@@ -4154,7 +4253,7 @@
             <a:endParaRPr sz="2400"/>
           </a:p>
           <a:p>
-            <a:pPr lvl="2" marL="0" indent="502919" algn="l">
+            <a:pPr marL="0" lvl="2" indent="502919" algn="l">
               <a:spcBef>
                 <a:spcPts val="300"/>
               </a:spcBef>
@@ -4180,7 +4279,7 @@
             </a:endParaRPr>
           </a:p>
           <a:p>
-            <a:pPr lvl="2" marL="0" indent="502919" algn="l">
+            <a:pPr marL="0" lvl="2" indent="502919" algn="l">
               <a:spcBef>
                 <a:spcPts val="400"/>
               </a:spcBef>
@@ -4201,7 +4300,7 @@
             </a:r>
           </a:p>
           <a:p>
-            <a:pPr lvl="2" marL="0" indent="502919" algn="l">
+            <a:pPr marL="0" lvl="2" indent="502919" algn="l">
               <a:spcBef>
                 <a:spcPts val="400"/>
               </a:spcBef>
@@ -4247,7 +4346,7 @@
             <a:endParaRPr sz="2200"/>
           </a:p>
           <a:p>
-            <a:pPr lvl="1" marL="0" indent="320040" algn="l">
+            <a:pPr marL="0" lvl="1" indent="320040" algn="l">
               <a:spcBef>
                 <a:spcPts val="400"/>
               </a:spcBef>
@@ -4272,7 +4371,9 @@
       <p:sp>
         <p:nvSpPr>
           <p:cNvPr id="214" name="Title 3"/>
-          <p:cNvSpPr txBox="1"/>
+          <p:cNvSpPr txBox="1">
+            <a:spLocks noGrp="1"/>
+          </p:cNvSpPr>
           <p:nvPr>
             <p:ph type="title"/>
           </p:nvPr>
@@ -4294,7 +4395,6 @@
             </a:lvl1pPr>
           </a:lstStyle>
           <a:p>
-            <a:pPr/>
             <a:r>
               <a:t>Messenger API:</a:t>
             </a:r>
@@ -4304,7 +4404,9 @@
       <p:sp>
         <p:nvSpPr>
           <p:cNvPr id="215" name="Slide Number Placeholder 9"/>
-          <p:cNvSpPr txBox="1"/>
+          <p:cNvSpPr txBox="1">
+            <a:spLocks noGrp="1"/>
+          </p:cNvSpPr>
           <p:nvPr>
             <p:ph type="sldNum" sz="quarter" idx="4294967295"/>
           </p:nvPr>
@@ -4319,7 +4421,7 @@
           </a:prstGeom>
           <a:extLst>
             <a:ext uri="{C572A759-6A51-4108-AA02-DFA0A04FC94B}">
-              <ma14:wrappingTextBoxFlag xmlns:ma14="http://schemas.microsoft.com/office/mac/drawingml/2011/main" val="1"/>
+              <ma14:wrappingTextBoxFlag xmlns:ma14="http://schemas.microsoft.com/office/mac/drawingml/2011/main" xmlns:a14="http://schemas.microsoft.com/office/drawing/2010/main" xmlns:m="http://schemas.openxmlformats.org/officeDocument/2006/math" xmlns="" val="1"/>
             </a:ext>
           </a:extLst>
         </p:spPr>
@@ -4327,8 +4429,10 @@
           <a:bodyPr/>
           <a:lstStyle/>
           <a:p>
-            <a:pPr/>
-            <a:fld id="{86CB4B4D-7CA3-9044-876B-883B54F8677D}" type="slidenum"/>
+            <a:fld id="{86CB4B4D-7CA3-9044-876B-883B54F8677D}" type="slidenum">
+              <a:t>10</a:t>
+            </a:fld>
+            <a:endParaRPr/>
           </a:p>
         </p:txBody>
       </p:sp>
@@ -4337,12 +4441,12 @@
   <p:clrMapOvr>
     <a:masterClrMapping/>
   </p:clrMapOvr>
-  <p:transition xmlns:p14="http://schemas.microsoft.com/office/powerpoint/2010/main" spd="med" advClick="1"/>
+  <p:transition spd="med"/>
 </p:sld>
 </file>
 
 <file path=ppt/slides/slide11.xml><?xml version="1.0" encoding="utf-8"?>
-<p:sld xmlns:a="http://schemas.openxmlformats.org/drawingml/2006/main" xmlns:r="http://schemas.openxmlformats.org/officeDocument/2006/relationships" xmlns:p="http://schemas.openxmlformats.org/presentationml/2006/main" xmlns:m="http://schemas.openxmlformats.org/officeDocument/2006/math" xmlns:a14="http://schemas.microsoft.com/office/drawing/2010/main" showMasterSp="1" showMasterPhAnim="1">
+<p:sld xmlns:a="http://schemas.openxmlformats.org/drawingml/2006/main" xmlns:r="http://schemas.openxmlformats.org/officeDocument/2006/relationships" xmlns:p="http://schemas.openxmlformats.org/presentationml/2006/main">
   <p:cSld>
     <p:spTree>
       <p:nvGrpSpPr>
@@ -4361,7 +4465,9 @@
       <p:sp>
         <p:nvSpPr>
           <p:cNvPr id="217" name="Content Placeholder 4"/>
-          <p:cNvSpPr txBox="1"/>
+          <p:cNvSpPr txBox="1">
+            <a:spLocks noGrp="1"/>
+          </p:cNvSpPr>
           <p:nvPr>
             <p:ph type="body" idx="1"/>
           </p:nvPr>
@@ -4385,7 +4491,7 @@
               </a:spcBef>
               <a:buFont typeface="Arial"/>
               <a:buChar char="✓"/>
-              <a:defRPr b="1" sz="1800"/>
+              <a:defRPr sz="1800" b="1"/>
             </a:pPr>
             <a:r>
               <a:t>Subscribe</a:t>
@@ -4402,7 +4508,7 @@
             </a:endParaRPr>
           </a:p>
           <a:p>
-            <a:pPr lvl="1" marL="0" indent="320040" algn="l">
+            <a:pPr marL="0" lvl="1" indent="320040" algn="l">
               <a:spcBef>
                 <a:spcPts val="400"/>
               </a:spcBef>
@@ -4486,7 +4592,7 @@
             <a:endParaRPr sz="2400"/>
           </a:p>
           <a:p>
-            <a:pPr lvl="1" marL="0" indent="320040" algn="l">
+            <a:pPr marL="0" lvl="1" indent="320040" algn="l">
               <a:buSzTx/>
               <a:buNone/>
               <a:defRPr sz="1800">
@@ -4499,9 +4605,10 @@
                 <a:sym typeface="Menlo Regular"/>
               </a:defRPr>
             </a:pPr>
-          </a:p>
-          <a:p>
-            <a:pPr lvl="1" marL="0" indent="320040" algn="l">
+            <a:endParaRPr sz="2400"/>
+          </a:p>
+          <a:p>
+            <a:pPr marL="0" lvl="1" indent="320040" algn="l">
               <a:spcBef>
                 <a:spcPts val="400"/>
               </a:spcBef>
@@ -4523,7 +4630,7 @@
             <a:endParaRPr sz="2400"/>
           </a:p>
           <a:p>
-            <a:pPr lvl="1" marL="0" indent="320040" algn="l">
+            <a:pPr marL="0" lvl="1" indent="320040" algn="l">
               <a:spcBef>
                 <a:spcPts val="400"/>
               </a:spcBef>
@@ -4548,7 +4655,9 @@
       <p:sp>
         <p:nvSpPr>
           <p:cNvPr id="218" name="Title 3"/>
-          <p:cNvSpPr txBox="1"/>
+          <p:cNvSpPr txBox="1">
+            <a:spLocks noGrp="1"/>
+          </p:cNvSpPr>
           <p:nvPr>
             <p:ph type="title"/>
           </p:nvPr>
@@ -4570,7 +4679,6 @@
             </a:lvl1pPr>
           </a:lstStyle>
           <a:p>
-            <a:pPr/>
             <a:r>
               <a:t>Messenger API:</a:t>
             </a:r>
@@ -4580,7 +4688,9 @@
       <p:sp>
         <p:nvSpPr>
           <p:cNvPr id="219" name="Slide Number Placeholder 1"/>
-          <p:cNvSpPr txBox="1"/>
+          <p:cNvSpPr txBox="1">
+            <a:spLocks noGrp="1"/>
+          </p:cNvSpPr>
           <p:nvPr>
             <p:ph type="sldNum" sz="quarter" idx="4294967295"/>
           </p:nvPr>
@@ -4595,7 +4705,7 @@
           </a:prstGeom>
           <a:extLst>
             <a:ext uri="{C572A759-6A51-4108-AA02-DFA0A04FC94B}">
-              <ma14:wrappingTextBoxFlag xmlns:ma14="http://schemas.microsoft.com/office/mac/drawingml/2011/main" val="1"/>
+              <ma14:wrappingTextBoxFlag xmlns:ma14="http://schemas.microsoft.com/office/mac/drawingml/2011/main" xmlns:a14="http://schemas.microsoft.com/office/drawing/2010/main" xmlns:m="http://schemas.openxmlformats.org/officeDocument/2006/math" xmlns="" val="1"/>
             </a:ext>
           </a:extLst>
         </p:spPr>
@@ -4603,8 +4713,10 @@
           <a:bodyPr/>
           <a:lstStyle/>
           <a:p>
-            <a:pPr/>
-            <a:fld id="{86CB4B4D-7CA3-9044-876B-883B54F8677D}" type="slidenum"/>
+            <a:fld id="{86CB4B4D-7CA3-9044-876B-883B54F8677D}" type="slidenum">
+              <a:t>11</a:t>
+            </a:fld>
+            <a:endParaRPr/>
           </a:p>
         </p:txBody>
       </p:sp>
@@ -4613,12 +4725,12 @@
   <p:clrMapOvr>
     <a:masterClrMapping/>
   </p:clrMapOvr>
-  <p:transition xmlns:p14="http://schemas.microsoft.com/office/powerpoint/2010/main" spd="med" advClick="1"/>
+  <p:transition spd="med"/>
 </p:sld>
 </file>
 
 <file path=ppt/slides/slide12.xml><?xml version="1.0" encoding="utf-8"?>
-<p:sld xmlns:a="http://schemas.openxmlformats.org/drawingml/2006/main" xmlns:r="http://schemas.openxmlformats.org/officeDocument/2006/relationships" xmlns:p="http://schemas.openxmlformats.org/presentationml/2006/main" xmlns:m="http://schemas.openxmlformats.org/officeDocument/2006/math" xmlns:a14="http://schemas.microsoft.com/office/drawing/2010/main" showMasterSp="1" showMasterPhAnim="1">
+<p:sld xmlns:a="http://schemas.openxmlformats.org/drawingml/2006/main" xmlns:r="http://schemas.openxmlformats.org/officeDocument/2006/relationships" xmlns:p="http://schemas.openxmlformats.org/presentationml/2006/main">
   <p:cSld>
     <p:spTree>
       <p:nvGrpSpPr>
@@ -4637,7 +4749,9 @@
       <p:sp>
         <p:nvSpPr>
           <p:cNvPr id="221" name="Title 3"/>
-          <p:cNvSpPr txBox="1"/>
+          <p:cNvSpPr txBox="1">
+            <a:spLocks noGrp="1"/>
+          </p:cNvSpPr>
           <p:nvPr>
             <p:ph type="title"/>
           </p:nvPr>
@@ -4659,7 +4773,6 @@
             </a:lvl1pPr>
           </a:lstStyle>
           <a:p>
-            <a:pPr/>
             <a:r>
               <a:t>Tips for Correct Usage:</a:t>
             </a:r>
@@ -4669,7 +4782,9 @@
       <p:sp>
         <p:nvSpPr>
           <p:cNvPr id="222" name="Content Placeholder 4"/>
-          <p:cNvSpPr txBox="1"/>
+          <p:cNvSpPr txBox="1">
+            <a:spLocks noGrp="1"/>
+          </p:cNvSpPr>
           <p:nvPr>
             <p:ph type="body" idx="1"/>
           </p:nvPr>
@@ -4696,7 +4811,7 @@
               </a:buClr>
               <a:buFont typeface="Arial"/>
               <a:buChar char="‣"/>
-              <a:defRPr b="1" sz="3400"/>
+              <a:defRPr sz="3400" b="1"/>
             </a:pPr>
             <a:r>
               <a:rPr>
@@ -4724,7 +4839,7 @@
               </a:buClr>
               <a:buFont typeface="Arial"/>
               <a:buChar char="✓"/>
-              <a:defRPr b="1" sz="3400"/>
+              <a:defRPr sz="3400" b="1"/>
             </a:pPr>
             <a:r>
               <a:rPr>
@@ -4752,7 +4867,7 @@
               </a:buClr>
               <a:buFont typeface="Arial"/>
               <a:buChar char="‣"/>
-              <a:defRPr b="1" sz="3400"/>
+              <a:defRPr sz="3400" b="1"/>
             </a:pPr>
             <a:r>
               <a:rPr>
@@ -4777,7 +4892,7 @@
               </a:buClr>
               <a:buFont typeface="Arial"/>
               <a:buChar char="✓"/>
-              <a:defRPr b="1" sz="3400"/>
+              <a:defRPr sz="3400" b="1"/>
             </a:pPr>
             <a:r>
               <a:rPr>
@@ -4797,7 +4912,9 @@
       <p:sp>
         <p:nvSpPr>
           <p:cNvPr id="223" name="Slide Number Placeholder 2"/>
-          <p:cNvSpPr txBox="1"/>
+          <p:cNvSpPr txBox="1">
+            <a:spLocks noGrp="1"/>
+          </p:cNvSpPr>
           <p:nvPr>
             <p:ph type="sldNum" sz="quarter" idx="4294967295"/>
           </p:nvPr>
@@ -4812,7 +4929,7 @@
           </a:prstGeom>
           <a:extLst>
             <a:ext uri="{C572A759-6A51-4108-AA02-DFA0A04FC94B}">
-              <ma14:wrappingTextBoxFlag xmlns:ma14="http://schemas.microsoft.com/office/mac/drawingml/2011/main" val="1"/>
+              <ma14:wrappingTextBoxFlag xmlns:ma14="http://schemas.microsoft.com/office/mac/drawingml/2011/main" xmlns:a14="http://schemas.microsoft.com/office/drawing/2010/main" xmlns:m="http://schemas.openxmlformats.org/officeDocument/2006/math" xmlns="" val="1"/>
             </a:ext>
           </a:extLst>
         </p:spPr>
@@ -4820,8 +4937,10 @@
           <a:bodyPr/>
           <a:lstStyle/>
           <a:p>
-            <a:pPr/>
-            <a:fld id="{86CB4B4D-7CA3-9044-876B-883B54F8677D}" type="slidenum"/>
+            <a:fld id="{86CB4B4D-7CA3-9044-876B-883B54F8677D}" type="slidenum">
+              <a:t>12</a:t>
+            </a:fld>
+            <a:endParaRPr/>
           </a:p>
         </p:txBody>
       </p:sp>
@@ -4830,12 +4949,12 @@
   <p:clrMapOvr>
     <a:masterClrMapping/>
   </p:clrMapOvr>
-  <p:transition xmlns:p14="http://schemas.microsoft.com/office/powerpoint/2010/main" spd="med" advClick="1"/>
+  <p:transition spd="med"/>
 </p:sld>
 </file>
 
 <file path=ppt/slides/slide13.xml><?xml version="1.0" encoding="utf-8"?>
-<p:sld xmlns:a="http://schemas.openxmlformats.org/drawingml/2006/main" xmlns:r="http://schemas.openxmlformats.org/officeDocument/2006/relationships" xmlns:p="http://schemas.openxmlformats.org/presentationml/2006/main" xmlns:m="http://schemas.openxmlformats.org/officeDocument/2006/math" xmlns:a14="http://schemas.microsoft.com/office/drawing/2010/main" showMasterSp="1" showMasterPhAnim="1">
+<p:sld xmlns:a="http://schemas.openxmlformats.org/drawingml/2006/main" xmlns:r="http://schemas.openxmlformats.org/officeDocument/2006/relationships" xmlns:p="http://schemas.openxmlformats.org/presentationml/2006/main">
   <p:cSld>
     <p:spTree>
       <p:nvGrpSpPr>
@@ -4854,7 +4973,9 @@
       <p:sp>
         <p:nvSpPr>
           <p:cNvPr id="225" name="Title 3"/>
-          <p:cNvSpPr txBox="1"/>
+          <p:cNvSpPr txBox="1">
+            <a:spLocks noGrp="1"/>
+          </p:cNvSpPr>
           <p:nvPr>
             <p:ph type="title"/>
           </p:nvPr>
@@ -4876,7 +4997,6 @@
             </a:lvl1pPr>
           </a:lstStyle>
           <a:p>
-            <a:pPr/>
             <a:r>
               <a:t>Package Structure:</a:t>
             </a:r>
@@ -4902,7 +5022,7 @@
           </a:ln>
           <a:extLst>
             <a:ext uri="{C572A759-6A51-4108-AA02-DFA0A04FC94B}">
-              <ma14:wrappingTextBoxFlag xmlns:ma14="http://schemas.microsoft.com/office/mac/drawingml/2011/main" val="1"/>
+              <ma14:wrappingTextBoxFlag xmlns:ma14="http://schemas.microsoft.com/office/mac/drawingml/2011/main" xmlns:a14="http://schemas.microsoft.com/office/drawing/2010/main" xmlns:m="http://schemas.openxmlformats.org/officeDocument/2006/math" xmlns="" val="1"/>
             </a:ext>
           </a:extLst>
         </p:spPr>
@@ -4930,7 +5050,6 @@
             </a:lvl1pPr>
           </a:lstStyle>
           <a:p>
-            <a:pPr/>
             <a:r>
               <a:t>Folders</a:t>
             </a:r>
@@ -4960,9 +5079,7 @@
             <p:nvPr/>
           </p:nvPicPr>
           <p:blipFill>
-            <a:blip r:embed="rId2">
-              <a:extLst/>
-            </a:blip>
+            <a:blip r:embed="rId2"/>
             <a:stretch>
               <a:fillRect/>
             </a:stretch>
@@ -5023,6 +5140,7 @@
                   <a:sym typeface="Arial"/>
                 </a:defRPr>
               </a:pPr>
+              <a:endParaRPr/>
             </a:p>
           </p:txBody>
         </p:sp>
@@ -5067,6 +5185,7 @@
                   <a:sym typeface="Arial"/>
                 </a:defRPr>
               </a:pPr>
+              <a:endParaRPr/>
             </a:p>
           </p:txBody>
         </p:sp>
@@ -5111,6 +5230,7 @@
                   <a:sym typeface="Arial"/>
                 </a:defRPr>
               </a:pPr>
+              <a:endParaRPr/>
             </a:p>
           </p:txBody>
         </p:sp>
@@ -5145,7 +5265,7 @@
               </a:cxnLst>
               <a:rect l="0" t="0" r="r" b="b"/>
               <a:pathLst>
-                <a:path w="21600" h="21600" fill="norm" stroke="1" extrusionOk="0">
+                <a:path w="21600" h="21600" extrusionOk="0">
                   <a:moveTo>
                     <a:pt x="21600" y="21600"/>
                   </a:moveTo>
@@ -5205,6 +5325,7 @@
                   <a:sym typeface="Arial"/>
                 </a:defRPr>
               </a:pPr>
+              <a:endParaRPr/>
             </a:p>
           </p:txBody>
         </p:sp>
@@ -5239,7 +5360,7 @@
               </a:cxnLst>
               <a:rect l="0" t="0" r="r" b="b"/>
               <a:pathLst>
-                <a:path w="21600" h="21600" fill="norm" stroke="1" extrusionOk="0">
+                <a:path w="21600" h="21600" extrusionOk="0">
                   <a:moveTo>
                     <a:pt x="0" y="0"/>
                   </a:moveTo>
@@ -5299,6 +5420,7 @@
                   <a:sym typeface="Arial"/>
                 </a:defRPr>
               </a:pPr>
+              <a:endParaRPr/>
             </a:p>
           </p:txBody>
         </p:sp>
@@ -5333,7 +5455,7 @@
               </a:cxnLst>
               <a:rect l="0" t="0" r="r" b="b"/>
               <a:pathLst>
-                <a:path w="21600" h="21600" fill="norm" stroke="1" extrusionOk="0">
+                <a:path w="21600" h="21600" extrusionOk="0">
                   <a:moveTo>
                     <a:pt x="21600" y="21600"/>
                   </a:moveTo>
@@ -5393,6 +5515,7 @@
                   <a:sym typeface="Arial"/>
                 </a:defRPr>
               </a:pPr>
+              <a:endParaRPr/>
             </a:p>
           </p:txBody>
         </p:sp>
@@ -5418,7 +5541,7 @@
             <a:effectLst/>
             <a:extLst>
               <a:ext uri="{C572A759-6A51-4108-AA02-DFA0A04FC94B}">
-                <ma14:wrappingTextBoxFlag xmlns:ma14="http://schemas.microsoft.com/office/mac/drawingml/2011/main" val="1"/>
+                <ma14:wrappingTextBoxFlag xmlns:ma14="http://schemas.microsoft.com/office/mac/drawingml/2011/main" xmlns:a14="http://schemas.microsoft.com/office/drawing/2010/main" xmlns:m="http://schemas.openxmlformats.org/officeDocument/2006/math" xmlns="" val="1"/>
               </a:ext>
             </a:extLst>
           </p:spPr>
@@ -5440,7 +5563,6 @@
               </a:lvl1pPr>
             </a:lstStyle>
             <a:p>
-              <a:pPr/>
               <a:r>
                 <a:t>Demo (sample) files</a:t>
               </a:r>
@@ -5469,7 +5591,7 @@
             <a:effectLst/>
             <a:extLst>
               <a:ext uri="{C572A759-6A51-4108-AA02-DFA0A04FC94B}">
-                <ma14:wrappingTextBoxFlag xmlns:ma14="http://schemas.microsoft.com/office/mac/drawingml/2011/main" val="1"/>
+                <ma14:wrappingTextBoxFlag xmlns:ma14="http://schemas.microsoft.com/office/mac/drawingml/2011/main" xmlns:a14="http://schemas.microsoft.com/office/drawing/2010/main" xmlns:m="http://schemas.openxmlformats.org/officeDocument/2006/math" xmlns="" val="1"/>
               </a:ext>
             </a:extLst>
           </p:spPr>
@@ -5491,7 +5613,6 @@
               </a:lvl1pPr>
             </a:lstStyle>
             <a:p>
-              <a:pPr/>
               <a:r>
                 <a:t>Editor scripts</a:t>
               </a:r>
@@ -5520,7 +5641,7 @@
             <a:effectLst/>
             <a:extLst>
               <a:ext uri="{C572A759-6A51-4108-AA02-DFA0A04FC94B}">
-                <ma14:wrappingTextBoxFlag xmlns:ma14="http://schemas.microsoft.com/office/mac/drawingml/2011/main" val="1"/>
+                <ma14:wrappingTextBoxFlag xmlns:ma14="http://schemas.microsoft.com/office/mac/drawingml/2011/main" xmlns:a14="http://schemas.microsoft.com/office/drawing/2010/main" xmlns:m="http://schemas.openxmlformats.org/officeDocument/2006/math" xmlns="" val="1"/>
               </a:ext>
             </a:extLst>
           </p:spPr>
@@ -5542,7 +5663,6 @@
               </a:lvl1pPr>
             </a:lstStyle>
             <a:p>
-              <a:pPr/>
               <a:r>
                 <a:t>Runtime scripts</a:t>
               </a:r>
@@ -5569,7 +5689,7 @@
           </a:ln>
           <a:extLst>
             <a:ext uri="{C572A759-6A51-4108-AA02-DFA0A04FC94B}">
-              <ma14:wrappingTextBoxFlag xmlns:ma14="http://schemas.microsoft.com/office/mac/drawingml/2011/main" val="1"/>
+              <ma14:wrappingTextBoxFlag xmlns:ma14="http://schemas.microsoft.com/office/mac/drawingml/2011/main" xmlns:a14="http://schemas.microsoft.com/office/drawing/2010/main" xmlns:m="http://schemas.openxmlformats.org/officeDocument/2006/math" xmlns="" val="1"/>
             </a:ext>
           </a:extLst>
         </p:spPr>
@@ -5631,7 +5751,7 @@
           </a:ln>
           <a:extLst>
             <a:ext uri="{C572A759-6A51-4108-AA02-DFA0A04FC94B}">
-              <ma14:wrappingTextBoxFlag xmlns:ma14="http://schemas.microsoft.com/office/mac/drawingml/2011/main" val="1"/>
+              <ma14:wrappingTextBoxFlag xmlns:ma14="http://schemas.microsoft.com/office/mac/drawingml/2011/main" xmlns:a14="http://schemas.microsoft.com/office/drawing/2010/main" xmlns:m="http://schemas.openxmlformats.org/officeDocument/2006/math" xmlns="" val="1"/>
             </a:ext>
           </a:extLst>
         </p:spPr>
@@ -5653,7 +5773,6 @@
             </a:lvl1pPr>
           </a:lstStyle>
           <a:p>
-            <a:pPr/>
             <a:r>
               <a:t>Folders:</a:t>
             </a:r>
@@ -5663,7 +5782,9 @@
       <p:sp>
         <p:nvSpPr>
           <p:cNvPr id="240" name="Slide Number Placeholder 21"/>
-          <p:cNvSpPr txBox="1"/>
+          <p:cNvSpPr txBox="1">
+            <a:spLocks noGrp="1"/>
+          </p:cNvSpPr>
           <p:nvPr>
             <p:ph type="sldNum" sz="quarter" idx="4294967295"/>
           </p:nvPr>
@@ -5678,7 +5799,7 @@
           </a:prstGeom>
           <a:extLst>
             <a:ext uri="{C572A759-6A51-4108-AA02-DFA0A04FC94B}">
-              <ma14:wrappingTextBoxFlag xmlns:ma14="http://schemas.microsoft.com/office/mac/drawingml/2011/main" val="1"/>
+              <ma14:wrappingTextBoxFlag xmlns:ma14="http://schemas.microsoft.com/office/mac/drawingml/2011/main" xmlns:a14="http://schemas.microsoft.com/office/drawing/2010/main" xmlns:m="http://schemas.openxmlformats.org/officeDocument/2006/math" xmlns="" val="1"/>
             </a:ext>
           </a:extLst>
         </p:spPr>
@@ -5686,8 +5807,10 @@
           <a:bodyPr/>
           <a:lstStyle/>
           <a:p>
-            <a:pPr/>
-            <a:fld id="{86CB4B4D-7CA3-9044-876B-883B54F8677D}" type="slidenum"/>
+            <a:fld id="{86CB4B4D-7CA3-9044-876B-883B54F8677D}" type="slidenum">
+              <a:t>13</a:t>
+            </a:fld>
+            <a:endParaRPr/>
           </a:p>
         </p:txBody>
       </p:sp>
@@ -5696,12 +5819,12 @@
   <p:clrMapOvr>
     <a:masterClrMapping/>
   </p:clrMapOvr>
-  <p:transition xmlns:p14="http://schemas.microsoft.com/office/powerpoint/2010/main" spd="med" advClick="1"/>
+  <p:transition spd="med"/>
 </p:sld>
 </file>
 
 <file path=ppt/slides/slide14.xml><?xml version="1.0" encoding="utf-8"?>
-<p:sld xmlns:a="http://schemas.openxmlformats.org/drawingml/2006/main" xmlns:r="http://schemas.openxmlformats.org/officeDocument/2006/relationships" xmlns:p="http://schemas.openxmlformats.org/presentationml/2006/main" xmlns:m="http://schemas.openxmlformats.org/officeDocument/2006/math" xmlns:a14="http://schemas.microsoft.com/office/drawing/2010/main" showMasterSp="1" showMasterPhAnim="1">
+<p:sld xmlns:a="http://schemas.openxmlformats.org/drawingml/2006/main" xmlns:r="http://schemas.openxmlformats.org/officeDocument/2006/relationships" xmlns:p="http://schemas.openxmlformats.org/presentationml/2006/main">
   <p:cSld>
     <p:spTree>
       <p:nvGrpSpPr>
@@ -5720,7 +5843,9 @@
       <p:sp>
         <p:nvSpPr>
           <p:cNvPr id="242" name="Title 3"/>
-          <p:cNvSpPr txBox="1"/>
+          <p:cNvSpPr txBox="1">
+            <a:spLocks noGrp="1"/>
+          </p:cNvSpPr>
           <p:nvPr>
             <p:ph type="title"/>
           </p:nvPr>
@@ -5742,7 +5867,6 @@
             </a:lvl1pPr>
           </a:lstStyle>
           <a:p>
-            <a:pPr/>
             <a:r>
               <a:t>Package Structure:</a:t>
             </a:r>
@@ -5768,7 +5892,7 @@
           </a:ln>
           <a:extLst>
             <a:ext uri="{C572A759-6A51-4108-AA02-DFA0A04FC94B}">
-              <ma14:wrappingTextBoxFlag xmlns:ma14="http://schemas.microsoft.com/office/mac/drawingml/2011/main" val="1"/>
+              <ma14:wrappingTextBoxFlag xmlns:ma14="http://schemas.microsoft.com/office/mac/drawingml/2011/main" xmlns:a14="http://schemas.microsoft.com/office/drawing/2010/main" xmlns:m="http://schemas.openxmlformats.org/officeDocument/2006/math" xmlns="" val="1"/>
             </a:ext>
           </a:extLst>
         </p:spPr>
@@ -5796,7 +5920,6 @@
             </a:lvl1pPr>
           </a:lstStyle>
           <a:p>
-            <a:pPr/>
             <a:r>
               <a:t>Plugins / Core</a:t>
             </a:r>
@@ -5806,7 +5929,9 @@
       <p:sp>
         <p:nvSpPr>
           <p:cNvPr id="244" name="Slide Number Placeholder 21"/>
-          <p:cNvSpPr txBox="1"/>
+          <p:cNvSpPr txBox="1">
+            <a:spLocks noGrp="1"/>
+          </p:cNvSpPr>
           <p:nvPr>
             <p:ph type="sldNum" sz="quarter" idx="4294967295"/>
           </p:nvPr>
@@ -5821,7 +5946,7 @@
           </a:prstGeom>
           <a:extLst>
             <a:ext uri="{C572A759-6A51-4108-AA02-DFA0A04FC94B}">
-              <ma14:wrappingTextBoxFlag xmlns:ma14="http://schemas.microsoft.com/office/mac/drawingml/2011/main" val="1"/>
+              <ma14:wrappingTextBoxFlag xmlns:ma14="http://schemas.microsoft.com/office/mac/drawingml/2011/main" xmlns:a14="http://schemas.microsoft.com/office/drawing/2010/main" xmlns:m="http://schemas.openxmlformats.org/officeDocument/2006/math" xmlns="" val="1"/>
             </a:ext>
           </a:extLst>
         </p:spPr>
@@ -5829,8 +5954,10 @@
           <a:bodyPr/>
           <a:lstStyle/>
           <a:p>
-            <a:pPr/>
-            <a:fld id="{86CB4B4D-7CA3-9044-876B-883B54F8677D}" type="slidenum"/>
+            <a:fld id="{86CB4B4D-7CA3-9044-876B-883B54F8677D}" type="slidenum">
+              <a:t>14</a:t>
+            </a:fld>
+            <a:endParaRPr/>
           </a:p>
         </p:txBody>
       </p:sp>
@@ -5857,10 +5984,8 @@
             <p:nvPr/>
           </p:nvPicPr>
           <p:blipFill>
-            <a:blip r:embed="rId2">
-              <a:extLst/>
-            </a:blip>
-            <a:srcRect l="0" t="1" r="0" b="798"/>
+            <a:blip r:embed="rId2"/>
+            <a:srcRect t="1" b="798"/>
             <a:stretch>
               <a:fillRect/>
             </a:stretch>
@@ -5921,6 +6046,7 @@
                   <a:sym typeface="Arial"/>
                 </a:defRPr>
               </a:pPr>
+              <a:endParaRPr/>
             </a:p>
           </p:txBody>
         </p:sp>
@@ -5965,6 +6091,7 @@
                   <a:sym typeface="Arial"/>
                 </a:defRPr>
               </a:pPr>
+              <a:endParaRPr/>
             </a:p>
           </p:txBody>
         </p:sp>
@@ -6009,6 +6136,7 @@
                   <a:sym typeface="Arial"/>
                 </a:defRPr>
               </a:pPr>
+              <a:endParaRPr/>
             </a:p>
           </p:txBody>
         </p:sp>
@@ -6053,6 +6181,7 @@
                   <a:sym typeface="Arial"/>
                 </a:defRPr>
               </a:pPr>
+              <a:endParaRPr/>
             </a:p>
           </p:txBody>
         </p:sp>
@@ -6067,16 +6196,34 @@
           <a:off x="4454171" y="1906869"/>
           <a:ext cx="8077800" cy="4892884"/>
         </p:xfrm>
-        <a:graphic xmlns:a="http://schemas.openxmlformats.org/drawingml/2006/main">
+        <a:graphic>
           <a:graphicData uri="http://schemas.openxmlformats.org/drawingml/2006/table">
             <a:tbl>
-              <a:tblPr firstCol="0" firstRow="1" lastCol="0" lastRow="0" bandCol="0" bandRow="1" rtl="0">
+              <a:tblPr firstRow="1" bandRow="1">
                 <a:tableStyleId>{4C3C2611-4C71-4FC5-86AE-919BDF0F9419}</a:tableStyleId>
               </a:tblPr>
               <a:tblGrid>
-                <a:gridCol w="1329258"/>
-                <a:gridCol w="2556265"/>
-                <a:gridCol w="4192275"/>
+                <a:gridCol w="1329258">
+                  <a:extLst>
+                    <a:ext uri="{9D8B030D-6E8A-4147-A177-3AD203B41FA5}">
+                      <a16:colId xmlns:a16="http://schemas.microsoft.com/office/drawing/2014/main" val="20000"/>
+                    </a:ext>
+                  </a:extLst>
+                </a:gridCol>
+                <a:gridCol w="2556265">
+                  <a:extLst>
+                    <a:ext uri="{9D8B030D-6E8A-4147-A177-3AD203B41FA5}">
+                      <a16:colId xmlns:a16="http://schemas.microsoft.com/office/drawing/2014/main" val="20001"/>
+                    </a:ext>
+                  </a:extLst>
+                </a:gridCol>
+                <a:gridCol w="4192275">
+                  <a:extLst>
+                    <a:ext uri="{9D8B030D-6E8A-4147-A177-3AD203B41FA5}">
+                      <a16:colId xmlns:a16="http://schemas.microsoft.com/office/drawing/2014/main" val="20002"/>
+                    </a:ext>
+                  </a:extLst>
+                </a:gridCol>
               </a:tblGrid>
               <a:tr h="508491">
                 <a:tc>
@@ -6085,7 +6232,7 @@
                     <a:lstStyle/>
                     <a:p>
                       <a:pPr algn="l">
-                        <a:defRPr b="0" sz="1800">
+                        <a:defRPr sz="1800" b="0">
                           <a:solidFill>
                             <a:srgbClr val="000000"/>
                           </a:solidFill>
@@ -6102,7 +6249,7 @@
                       </a:r>
                     </a:p>
                   </a:txBody>
-                  <a:tcPr marL="45720" marR="45720" marT="45720" marB="45720" anchor="t" anchorCtr="0" horzOverflow="overflow">
+                  <a:tcPr marL="45720" marR="45720" horzOverflow="overflow">
                     <a:solidFill>
                       <a:srgbClr val="404040"/>
                     </a:solidFill>
@@ -6114,7 +6261,7 @@
                     <a:lstStyle/>
                     <a:p>
                       <a:pPr algn="l">
-                        <a:defRPr b="0" sz="1800">
+                        <a:defRPr sz="1800" b="0">
                           <a:solidFill>
                             <a:srgbClr val="000000"/>
                           </a:solidFill>
@@ -6131,7 +6278,7 @@
                       </a:r>
                     </a:p>
                   </a:txBody>
-                  <a:tcPr marL="45720" marR="45720" marT="45720" marB="45720" anchor="t" anchorCtr="0" horzOverflow="overflow">
+                  <a:tcPr marL="45720" marR="45720" horzOverflow="overflow">
                     <a:solidFill>
                       <a:srgbClr val="404040"/>
                     </a:solidFill>
@@ -6143,7 +6290,7 @@
                     <a:lstStyle/>
                     <a:p>
                       <a:pPr algn="l">
-                        <a:defRPr b="0" sz="1800">
+                        <a:defRPr sz="1800" b="0">
                           <a:solidFill>
                             <a:srgbClr val="000000"/>
                           </a:solidFill>
@@ -6160,12 +6307,17 @@
                       </a:r>
                     </a:p>
                   </a:txBody>
-                  <a:tcPr marL="45720" marR="45720" marT="45720" marB="45720" anchor="t" anchorCtr="0" horzOverflow="overflow">
+                  <a:tcPr marL="45720" marR="45720" horzOverflow="overflow">
                     <a:solidFill>
                       <a:srgbClr val="404040"/>
                     </a:solidFill>
                   </a:tcPr>
                 </a:tc>
+                <a:extLst>
+                  <a:ext uri="{0D108BD9-81ED-4DB2-BD59-A6C34878D82A}">
+                    <a16:rowId xmlns:a16="http://schemas.microsoft.com/office/drawing/2014/main" val="10000"/>
+                  </a:ext>
+                </a:extLst>
               </a:tr>
               <a:tr h="508491">
                 <a:tc>
@@ -6191,7 +6343,7 @@
                       </a:r>
                     </a:p>
                   </a:txBody>
-                  <a:tcPr marL="45720" marR="45720" marT="45720" marB="45720" anchor="t" anchorCtr="0" horzOverflow="overflow"/>
+                  <a:tcPr marL="45720" marR="45720" horzOverflow="overflow"/>
                 </a:tc>
                 <a:tc>
                   <a:txBody>
@@ -6216,7 +6368,7 @@
                       </a:r>
                     </a:p>
                   </a:txBody>
-                  <a:tcPr marL="45720" marR="45720" marT="45720" marB="45720" anchor="t" anchorCtr="0" horzOverflow="overflow"/>
+                  <a:tcPr marL="45720" marR="45720" horzOverflow="overflow"/>
                 </a:tc>
                 <a:tc>
                   <a:txBody>
@@ -6241,8 +6393,13 @@
                       </a:r>
                     </a:p>
                   </a:txBody>
-                  <a:tcPr marL="45720" marR="45720" marT="45720" marB="45720" anchor="t" anchorCtr="0" horzOverflow="overflow"/>
+                  <a:tcPr marL="45720" marR="45720" horzOverflow="overflow"/>
                 </a:tc>
+                <a:extLst>
+                  <a:ext uri="{0D108BD9-81ED-4DB2-BD59-A6C34878D82A}">
+                    <a16:rowId xmlns:a16="http://schemas.microsoft.com/office/drawing/2014/main" val="10001"/>
+                  </a:ext>
+                </a:extLst>
               </a:tr>
               <a:tr h="508491">
                 <a:tc>
@@ -6268,7 +6425,7 @@
                       </a:r>
                     </a:p>
                   </a:txBody>
-                  <a:tcPr marL="45720" marR="45720" marT="45720" marB="45720" anchor="t" anchorCtr="0" horzOverflow="overflow"/>
+                  <a:tcPr marL="45720" marR="45720" horzOverflow="overflow"/>
                 </a:tc>
                 <a:tc>
                   <a:txBody>
@@ -6293,7 +6450,7 @@
                       </a:r>
                     </a:p>
                   </a:txBody>
-                  <a:tcPr marL="45720" marR="45720" marT="45720" marB="45720" anchor="t" anchorCtr="0" horzOverflow="overflow"/>
+                  <a:tcPr marL="45720" marR="45720" horzOverflow="overflow"/>
                 </a:tc>
                 <a:tc>
                   <a:txBody>
@@ -6318,8 +6475,13 @@
                       </a:r>
                     </a:p>
                   </a:txBody>
-                  <a:tcPr marL="45720" marR="45720" marT="45720" marB="45720" anchor="t" anchorCtr="0" horzOverflow="overflow"/>
+                  <a:tcPr marL="45720" marR="45720" horzOverflow="overflow"/>
                 </a:tc>
+                <a:extLst>
+                  <a:ext uri="{0D108BD9-81ED-4DB2-BD59-A6C34878D82A}">
+                    <a16:rowId xmlns:a16="http://schemas.microsoft.com/office/drawing/2014/main" val="10002"/>
+                  </a:ext>
+                </a:extLst>
               </a:tr>
               <a:tr h="508491">
                 <a:tc>
@@ -6345,7 +6507,7 @@
                       </a:r>
                     </a:p>
                   </a:txBody>
-                  <a:tcPr marL="45720" marR="45720" marT="45720" marB="45720" anchor="t" anchorCtr="0" horzOverflow="overflow"/>
+                  <a:tcPr marL="45720" marR="45720" horzOverflow="overflow"/>
                 </a:tc>
                 <a:tc>
                   <a:txBody>
@@ -6370,7 +6532,7 @@
                       </a:r>
                     </a:p>
                   </a:txBody>
-                  <a:tcPr marL="45720" marR="45720" marT="45720" marB="45720" anchor="t" anchorCtr="0" horzOverflow="overflow"/>
+                  <a:tcPr marL="45720" marR="45720" horzOverflow="overflow"/>
                 </a:tc>
                 <a:tc>
                   <a:txBody>
@@ -6395,8 +6557,13 @@
                       </a:r>
                     </a:p>
                   </a:txBody>
-                  <a:tcPr marL="45720" marR="45720" marT="45720" marB="45720" anchor="t" anchorCtr="0" horzOverflow="overflow"/>
+                  <a:tcPr marL="45720" marR="45720" horzOverflow="overflow"/>
                 </a:tc>
+                <a:extLst>
+                  <a:ext uri="{0D108BD9-81ED-4DB2-BD59-A6C34878D82A}">
+                    <a16:rowId xmlns:a16="http://schemas.microsoft.com/office/drawing/2014/main" val="10003"/>
+                  </a:ext>
+                </a:extLst>
               </a:tr>
               <a:tr h="508491">
                 <a:tc>
@@ -6422,7 +6589,7 @@
                       </a:r>
                     </a:p>
                   </a:txBody>
-                  <a:tcPr marL="45720" marR="45720" marT="45720" marB="45720" anchor="t" anchorCtr="0" horzOverflow="overflow"/>
+                  <a:tcPr marL="45720" marR="45720" horzOverflow="overflow"/>
                 </a:tc>
                 <a:tc>
                   <a:txBody>
@@ -6447,7 +6614,7 @@
                       </a:r>
                     </a:p>
                   </a:txBody>
-                  <a:tcPr marL="45720" marR="45720" marT="45720" marB="45720" anchor="t" anchorCtr="0" horzOverflow="overflow"/>
+                  <a:tcPr marL="45720" marR="45720" horzOverflow="overflow"/>
                 </a:tc>
                 <a:tc>
                   <a:txBody>
@@ -6472,8 +6639,13 @@
                       </a:r>
                     </a:p>
                   </a:txBody>
-                  <a:tcPr marL="45720" marR="45720" marT="45720" marB="45720" anchor="t" anchorCtr="0" horzOverflow="overflow"/>
+                  <a:tcPr marL="45720" marR="45720" horzOverflow="overflow"/>
                 </a:tc>
+                <a:extLst>
+                  <a:ext uri="{0D108BD9-81ED-4DB2-BD59-A6C34878D82A}">
+                    <a16:rowId xmlns:a16="http://schemas.microsoft.com/office/drawing/2014/main" val="10004"/>
+                  </a:ext>
+                </a:extLst>
               </a:tr>
               <a:tr h="555179">
                 <a:tc>
@@ -6499,7 +6671,7 @@
                       </a:r>
                     </a:p>
                   </a:txBody>
-                  <a:tcPr marL="45720" marR="45720" marT="45720" marB="45720" anchor="t" anchorCtr="0" horzOverflow="overflow"/>
+                  <a:tcPr marL="45720" marR="45720" horzOverflow="overflow"/>
                 </a:tc>
                 <a:tc>
                   <a:txBody>
@@ -6524,7 +6696,7 @@
                       </a:r>
                     </a:p>
                   </a:txBody>
-                  <a:tcPr marL="45720" marR="45720" marT="45720" marB="45720" anchor="t" anchorCtr="0" horzOverflow="overflow"/>
+                  <a:tcPr marL="45720" marR="45720" horzOverflow="overflow"/>
                 </a:tc>
                 <a:tc>
                   <a:txBody>
@@ -6549,8 +6721,13 @@
                       </a:r>
                     </a:p>
                   </a:txBody>
-                  <a:tcPr marL="45720" marR="45720" marT="45720" marB="45720" anchor="t" anchorCtr="0" horzOverflow="overflow"/>
+                  <a:tcPr marL="45720" marR="45720" horzOverflow="overflow"/>
                 </a:tc>
+                <a:extLst>
+                  <a:ext uri="{0D108BD9-81ED-4DB2-BD59-A6C34878D82A}">
+                    <a16:rowId xmlns:a16="http://schemas.microsoft.com/office/drawing/2014/main" val="10005"/>
+                  </a:ext>
+                </a:extLst>
               </a:tr>
               <a:tr h="778267">
                 <a:tc>
@@ -6576,7 +6753,7 @@
                       </a:r>
                     </a:p>
                   </a:txBody>
-                  <a:tcPr marL="45720" marR="45720" marT="45720" marB="45720" anchor="t" anchorCtr="0" horzOverflow="overflow"/>
+                  <a:tcPr marL="45720" marR="45720" horzOverflow="overflow"/>
                 </a:tc>
                 <a:tc>
                   <a:txBody>
@@ -6601,7 +6778,7 @@
                       </a:r>
                     </a:p>
                   </a:txBody>
-                  <a:tcPr marL="45720" marR="45720" marT="45720" marB="45720" anchor="t" anchorCtr="0" horzOverflow="overflow"/>
+                  <a:tcPr marL="45720" marR="45720" horzOverflow="overflow"/>
                 </a:tc>
                 <a:tc>
                   <a:txBody>
@@ -6626,8 +6803,13 @@
                       </a:r>
                     </a:p>
                   </a:txBody>
-                  <a:tcPr marL="45720" marR="45720" marT="45720" marB="45720" anchor="t" anchorCtr="0" horzOverflow="overflow"/>
+                  <a:tcPr marL="45720" marR="45720" horzOverflow="overflow"/>
                 </a:tc>
+                <a:extLst>
+                  <a:ext uri="{0D108BD9-81ED-4DB2-BD59-A6C34878D82A}">
+                    <a16:rowId xmlns:a16="http://schemas.microsoft.com/office/drawing/2014/main" val="10006"/>
+                  </a:ext>
+                </a:extLst>
               </a:tr>
               <a:tr h="508491">
                 <a:tc>
@@ -6653,7 +6835,7 @@
                       </a:r>
                     </a:p>
                   </a:txBody>
-                  <a:tcPr marL="45720" marR="45720" marT="45720" marB="45720" anchor="t" anchorCtr="0" horzOverflow="overflow"/>
+                  <a:tcPr marL="45720" marR="45720" horzOverflow="overflow"/>
                 </a:tc>
                 <a:tc>
                   <a:txBody>
@@ -6678,7 +6860,7 @@
                       </a:r>
                     </a:p>
                   </a:txBody>
-                  <a:tcPr marL="45720" marR="45720" marT="45720" marB="45720" anchor="t" anchorCtr="0" horzOverflow="overflow"/>
+                  <a:tcPr marL="45720" marR="45720" horzOverflow="overflow"/>
                 </a:tc>
                 <a:tc>
                   <a:txBody>
@@ -6703,8 +6885,13 @@
                       </a:r>
                     </a:p>
                   </a:txBody>
-                  <a:tcPr marL="45720" marR="45720" marT="45720" marB="45720" anchor="t" anchorCtr="0" horzOverflow="overflow"/>
+                  <a:tcPr marL="45720" marR="45720" horzOverflow="overflow"/>
                 </a:tc>
+                <a:extLst>
+                  <a:ext uri="{0D108BD9-81ED-4DB2-BD59-A6C34878D82A}">
+                    <a16:rowId xmlns:a16="http://schemas.microsoft.com/office/drawing/2014/main" val="10007"/>
+                  </a:ext>
+                </a:extLst>
               </a:tr>
               <a:tr h="508491">
                 <a:tc>
@@ -6730,7 +6917,7 @@
                       </a:r>
                     </a:p>
                   </a:txBody>
-                  <a:tcPr marL="45720" marR="45720" marT="45720" marB="45720" anchor="t" anchorCtr="0" horzOverflow="overflow"/>
+                  <a:tcPr marL="45720" marR="45720" horzOverflow="overflow"/>
                 </a:tc>
                 <a:tc>
                   <a:txBody>
@@ -6755,7 +6942,7 @@
                       </a:r>
                     </a:p>
                   </a:txBody>
-                  <a:tcPr marL="45720" marR="45720" marT="45720" marB="45720" anchor="t" anchorCtr="0" horzOverflow="overflow"/>
+                  <a:tcPr marL="45720" marR="45720" horzOverflow="overflow"/>
                 </a:tc>
                 <a:tc>
                   <a:txBody>
@@ -6780,8 +6967,13 @@
                       </a:r>
                     </a:p>
                   </a:txBody>
-                  <a:tcPr marL="45720" marR="45720" marT="45720" marB="45720" anchor="t" anchorCtr="0" horzOverflow="overflow"/>
+                  <a:tcPr marL="45720" marR="45720" horzOverflow="overflow"/>
                 </a:tc>
+                <a:extLst>
+                  <a:ext uri="{0D108BD9-81ED-4DB2-BD59-A6C34878D82A}">
+                    <a16:rowId xmlns:a16="http://schemas.microsoft.com/office/drawing/2014/main" val="10008"/>
+                  </a:ext>
+                </a:extLst>
               </a:tr>
             </a:tbl>
           </a:graphicData>
@@ -6806,7 +6998,7 @@
           </a:ln>
           <a:extLst>
             <a:ext uri="{C572A759-6A51-4108-AA02-DFA0A04FC94B}">
-              <ma14:wrappingTextBoxFlag xmlns:ma14="http://schemas.microsoft.com/office/mac/drawingml/2011/main" val="1"/>
+              <ma14:wrappingTextBoxFlag xmlns:ma14="http://schemas.microsoft.com/office/mac/drawingml/2011/main" xmlns:a14="http://schemas.microsoft.com/office/drawing/2010/main" xmlns:m="http://schemas.openxmlformats.org/officeDocument/2006/math" xmlns="" val="1"/>
             </a:ext>
           </a:extLst>
         </p:spPr>
@@ -6900,7 +7092,7 @@
           </a:ln>
           <a:extLst>
             <a:ext uri="{C572A759-6A51-4108-AA02-DFA0A04FC94B}">
-              <ma14:wrappingTextBoxFlag xmlns:ma14="http://schemas.microsoft.com/office/mac/drawingml/2011/main" val="1"/>
+              <ma14:wrappingTextBoxFlag xmlns:ma14="http://schemas.microsoft.com/office/mac/drawingml/2011/main" xmlns:a14="http://schemas.microsoft.com/office/drawing/2010/main" xmlns:m="http://schemas.openxmlformats.org/officeDocument/2006/math" xmlns="" val="1"/>
             </a:ext>
           </a:extLst>
         </p:spPr>
@@ -6922,7 +7114,6 @@
             </a:lvl1pPr>
           </a:lstStyle>
           <a:p>
-            <a:pPr/>
             <a:r>
               <a:t>Folders:</a:t>
             </a:r>
@@ -6934,12 +7125,12 @@
   <p:clrMapOvr>
     <a:masterClrMapping/>
   </p:clrMapOvr>
-  <p:transition xmlns:p14="http://schemas.microsoft.com/office/powerpoint/2010/main" spd="med" advClick="1"/>
+  <p:transition spd="med"/>
 </p:sld>
 </file>
 
 <file path=ppt/slides/slide15.xml><?xml version="1.0" encoding="utf-8"?>
-<p:sld xmlns:a="http://schemas.openxmlformats.org/drawingml/2006/main" xmlns:r="http://schemas.openxmlformats.org/officeDocument/2006/relationships" xmlns:p="http://schemas.openxmlformats.org/presentationml/2006/main" xmlns:m="http://schemas.openxmlformats.org/officeDocument/2006/math" xmlns:a14="http://schemas.microsoft.com/office/drawing/2010/main" showMasterSp="1" showMasterPhAnim="1">
+<p:sld xmlns:a="http://schemas.openxmlformats.org/drawingml/2006/main" xmlns:r="http://schemas.openxmlformats.org/officeDocument/2006/relationships" xmlns:p="http://schemas.openxmlformats.org/presentationml/2006/main">
   <p:cSld>
     <p:spTree>
       <p:nvGrpSpPr>
@@ -6958,7 +7149,9 @@
       <p:sp>
         <p:nvSpPr>
           <p:cNvPr id="255" name="Title 3"/>
-          <p:cNvSpPr txBox="1"/>
+          <p:cNvSpPr txBox="1">
+            <a:spLocks noGrp="1"/>
+          </p:cNvSpPr>
           <p:nvPr>
             <p:ph type="title"/>
           </p:nvPr>
@@ -6980,7 +7173,6 @@
             </a:lvl1pPr>
           </a:lstStyle>
           <a:p>
-            <a:pPr/>
             <a:r>
               <a:t>Package Structure:</a:t>
             </a:r>
@@ -7006,7 +7198,7 @@
           </a:ln>
           <a:extLst>
             <a:ext uri="{C572A759-6A51-4108-AA02-DFA0A04FC94B}">
-              <ma14:wrappingTextBoxFlag xmlns:ma14="http://schemas.microsoft.com/office/mac/drawingml/2011/main" val="1"/>
+              <ma14:wrappingTextBoxFlag xmlns:ma14="http://schemas.microsoft.com/office/mac/drawingml/2011/main" xmlns:a14="http://schemas.microsoft.com/office/drawing/2010/main" xmlns:m="http://schemas.openxmlformats.org/officeDocument/2006/math" xmlns="" val="1"/>
             </a:ext>
           </a:extLst>
         </p:spPr>
@@ -7034,7 +7226,6 @@
             </a:lvl1pPr>
           </a:lstStyle>
           <a:p>
-            <a:pPr/>
             <a:r>
               <a:t>Plugins / Messaging</a:t>
             </a:r>
@@ -7044,7 +7235,9 @@
       <p:sp>
         <p:nvSpPr>
           <p:cNvPr id="257" name="Slide Number Placeholder 21"/>
-          <p:cNvSpPr txBox="1"/>
+          <p:cNvSpPr txBox="1">
+            <a:spLocks noGrp="1"/>
+          </p:cNvSpPr>
           <p:nvPr>
             <p:ph type="sldNum" sz="quarter" idx="4294967295"/>
           </p:nvPr>
@@ -7059,7 +7252,7 @@
           </a:prstGeom>
           <a:extLst>
             <a:ext uri="{C572A759-6A51-4108-AA02-DFA0A04FC94B}">
-              <ma14:wrappingTextBoxFlag xmlns:ma14="http://schemas.microsoft.com/office/mac/drawingml/2011/main" val="1"/>
+              <ma14:wrappingTextBoxFlag xmlns:ma14="http://schemas.microsoft.com/office/mac/drawingml/2011/main" xmlns:a14="http://schemas.microsoft.com/office/drawing/2010/main" xmlns:m="http://schemas.openxmlformats.org/officeDocument/2006/math" xmlns="" val="1"/>
             </a:ext>
           </a:extLst>
         </p:spPr>
@@ -7067,8 +7260,10 @@
           <a:bodyPr/>
           <a:lstStyle/>
           <a:p>
-            <a:pPr/>
-            <a:fld id="{86CB4B4D-7CA3-9044-876B-883B54F8677D}" type="slidenum"/>
+            <a:fld id="{86CB4B4D-7CA3-9044-876B-883B54F8677D}" type="slidenum">
+              <a:t>15</a:t>
+            </a:fld>
+            <a:endParaRPr/>
           </a:p>
         </p:txBody>
       </p:sp>
@@ -7082,16 +7277,34 @@
           <a:off x="4658993" y="1838424"/>
           <a:ext cx="8077800" cy="4850259"/>
         </p:xfrm>
-        <a:graphic xmlns:a="http://schemas.openxmlformats.org/drawingml/2006/main">
+        <a:graphic>
           <a:graphicData uri="http://schemas.openxmlformats.org/drawingml/2006/table">
             <a:tbl>
-              <a:tblPr firstCol="0" firstRow="1" lastCol="0" lastRow="0" bandCol="0" bandRow="1" rtl="0">
+              <a:tblPr firstRow="1" bandRow="1">
                 <a:tableStyleId>{4C3C2611-4C71-4FC5-86AE-919BDF0F9419}</a:tableStyleId>
               </a:tblPr>
               <a:tblGrid>
-                <a:gridCol w="1533759"/>
-                <a:gridCol w="2760766"/>
-                <a:gridCol w="3783273"/>
+                <a:gridCol w="1533759">
+                  <a:extLst>
+                    <a:ext uri="{9D8B030D-6E8A-4147-A177-3AD203B41FA5}">
+                      <a16:colId xmlns:a16="http://schemas.microsoft.com/office/drawing/2014/main" val="20000"/>
+                    </a:ext>
+                  </a:extLst>
+                </a:gridCol>
+                <a:gridCol w="2760766">
+                  <a:extLst>
+                    <a:ext uri="{9D8B030D-6E8A-4147-A177-3AD203B41FA5}">
+                      <a16:colId xmlns:a16="http://schemas.microsoft.com/office/drawing/2014/main" val="20001"/>
+                    </a:ext>
+                  </a:extLst>
+                </a:gridCol>
+                <a:gridCol w="3783273">
+                  <a:extLst>
+                    <a:ext uri="{9D8B030D-6E8A-4147-A177-3AD203B41FA5}">
+                      <a16:colId xmlns:a16="http://schemas.microsoft.com/office/drawing/2014/main" val="20002"/>
+                    </a:ext>
+                  </a:extLst>
+                </a:gridCol>
               </a:tblGrid>
               <a:tr h="463650">
                 <a:tc>
@@ -7100,7 +7313,7 @@
                     <a:lstStyle/>
                     <a:p>
                       <a:pPr algn="l">
-                        <a:defRPr b="0" sz="1800">
+                        <a:defRPr sz="1800" b="0">
                           <a:solidFill>
                             <a:srgbClr val="000000"/>
                           </a:solidFill>
@@ -7117,7 +7330,7 @@
                       </a:r>
                     </a:p>
                   </a:txBody>
-                  <a:tcPr marL="45720" marR="45720" marT="45720" marB="45720" anchor="t" anchorCtr="0" horzOverflow="overflow">
+                  <a:tcPr marL="45720" marR="45720" horzOverflow="overflow">
                     <a:solidFill>
                       <a:srgbClr val="404040"/>
                     </a:solidFill>
@@ -7129,7 +7342,7 @@
                     <a:lstStyle/>
                     <a:p>
                       <a:pPr algn="l">
-                        <a:defRPr b="0" sz="1800">
+                        <a:defRPr sz="1800" b="0">
                           <a:solidFill>
                             <a:srgbClr val="000000"/>
                           </a:solidFill>
@@ -7146,7 +7359,7 @@
                       </a:r>
                     </a:p>
                   </a:txBody>
-                  <a:tcPr marL="45720" marR="45720" marT="45720" marB="45720" anchor="t" anchorCtr="0" horzOverflow="overflow">
+                  <a:tcPr marL="45720" marR="45720" horzOverflow="overflow">
                     <a:solidFill>
                       <a:srgbClr val="404040"/>
                     </a:solidFill>
@@ -7158,7 +7371,7 @@
                     <a:lstStyle/>
                     <a:p>
                       <a:pPr algn="l">
-                        <a:defRPr b="0" sz="1800">
+                        <a:defRPr sz="1800" b="0">
                           <a:solidFill>
                             <a:srgbClr val="000000"/>
                           </a:solidFill>
@@ -7175,12 +7388,17 @@
                       </a:r>
                     </a:p>
                   </a:txBody>
-                  <a:tcPr marL="45720" marR="45720" marT="45720" marB="45720" anchor="t" anchorCtr="0" horzOverflow="overflow">
+                  <a:tcPr marL="45720" marR="45720" horzOverflow="overflow">
                     <a:solidFill>
                       <a:srgbClr val="404040"/>
                     </a:solidFill>
                   </a:tcPr>
                 </a:tc>
+                <a:extLst>
+                  <a:ext uri="{0D108BD9-81ED-4DB2-BD59-A6C34878D82A}">
+                    <a16:rowId xmlns:a16="http://schemas.microsoft.com/office/drawing/2014/main" val="10000"/>
+                  </a:ext>
+                </a:extLst>
               </a:tr>
               <a:tr h="490715">
                 <a:tc>
@@ -7206,7 +7424,7 @@
                       </a:r>
                     </a:p>
                   </a:txBody>
-                  <a:tcPr marL="45720" marR="45720" marT="45720" marB="45720" anchor="t" anchorCtr="0" horzOverflow="overflow"/>
+                  <a:tcPr marL="45720" marR="45720" horzOverflow="overflow"/>
                 </a:tc>
                 <a:tc>
                   <a:txBody>
@@ -7231,7 +7449,7 @@
                       </a:r>
                     </a:p>
                   </a:txBody>
-                  <a:tcPr marL="45720" marR="45720" marT="45720" marB="45720" anchor="t" anchorCtr="0" horzOverflow="overflow"/>
+                  <a:tcPr marL="45720" marR="45720" horzOverflow="overflow"/>
                 </a:tc>
                 <a:tc>
                   <a:txBody>
@@ -7256,8 +7474,13 @@
                       </a:r>
                     </a:p>
                   </a:txBody>
-                  <a:tcPr marL="45720" marR="45720" marT="45720" marB="45720" anchor="t" anchorCtr="0" horzOverflow="overflow"/>
+                  <a:tcPr marL="45720" marR="45720" horzOverflow="overflow"/>
                 </a:tc>
+                <a:extLst>
+                  <a:ext uri="{0D108BD9-81ED-4DB2-BD59-A6C34878D82A}">
+                    <a16:rowId xmlns:a16="http://schemas.microsoft.com/office/drawing/2014/main" val="10001"/>
+                  </a:ext>
+                </a:extLst>
               </a:tr>
               <a:tr h="490715">
                 <a:tc>
@@ -7283,7 +7506,7 @@
                       </a:r>
                     </a:p>
                   </a:txBody>
-                  <a:tcPr marL="45720" marR="45720" marT="45720" marB="45720" anchor="t" anchorCtr="0" horzOverflow="overflow"/>
+                  <a:tcPr marL="45720" marR="45720" horzOverflow="overflow"/>
                 </a:tc>
                 <a:tc>
                   <a:txBody>
@@ -7308,7 +7531,7 @@
                       </a:r>
                     </a:p>
                   </a:txBody>
-                  <a:tcPr marL="45720" marR="45720" marT="45720" marB="45720" anchor="t" anchorCtr="0" horzOverflow="overflow"/>
+                  <a:tcPr marL="45720" marR="45720" horzOverflow="overflow"/>
                 </a:tc>
                 <a:tc>
                   <a:txBody>
@@ -7333,8 +7556,13 @@
                       </a:r>
                     </a:p>
                   </a:txBody>
-                  <a:tcPr marL="45720" marR="45720" marT="45720" marB="45720" anchor="t" anchorCtr="0" horzOverflow="overflow"/>
+                  <a:tcPr marL="45720" marR="45720" horzOverflow="overflow"/>
                 </a:tc>
+                <a:extLst>
+                  <a:ext uri="{0D108BD9-81ED-4DB2-BD59-A6C34878D82A}">
+                    <a16:rowId xmlns:a16="http://schemas.microsoft.com/office/drawing/2014/main" val="10002"/>
+                  </a:ext>
+                </a:extLst>
               </a:tr>
               <a:tr h="671409">
                 <a:tc>
@@ -7360,7 +7588,7 @@
                       </a:r>
                     </a:p>
                   </a:txBody>
-                  <a:tcPr marL="45720" marR="45720" marT="45720" marB="45720" anchor="t" anchorCtr="0" horzOverflow="overflow"/>
+                  <a:tcPr marL="45720" marR="45720" horzOverflow="overflow"/>
                 </a:tc>
                 <a:tc>
                   <a:txBody>
@@ -7385,7 +7613,7 @@
                       </a:r>
                     </a:p>
                   </a:txBody>
-                  <a:tcPr marL="45720" marR="45720" marT="45720" marB="45720" anchor="t" anchorCtr="0" horzOverflow="overflow"/>
+                  <a:tcPr marL="45720" marR="45720" horzOverflow="overflow"/>
                 </a:tc>
                 <a:tc>
                   <a:txBody>
@@ -7410,8 +7638,13 @@
                       </a:r>
                     </a:p>
                   </a:txBody>
-                  <a:tcPr marL="45720" marR="45720" marT="45720" marB="45720" anchor="t" anchorCtr="0" horzOverflow="overflow"/>
+                  <a:tcPr marL="45720" marR="45720" horzOverflow="overflow"/>
                 </a:tc>
+                <a:extLst>
+                  <a:ext uri="{0D108BD9-81ED-4DB2-BD59-A6C34878D82A}">
+                    <a16:rowId xmlns:a16="http://schemas.microsoft.com/office/drawing/2014/main" val="10003"/>
+                  </a:ext>
+                </a:extLst>
               </a:tr>
               <a:tr h="463650">
                 <a:tc>
@@ -7437,7 +7670,7 @@
                       </a:r>
                     </a:p>
                   </a:txBody>
-                  <a:tcPr marL="45720" marR="45720" marT="45720" marB="45720" anchor="t" anchorCtr="0" horzOverflow="overflow"/>
+                  <a:tcPr marL="45720" marR="45720" horzOverflow="overflow"/>
                 </a:tc>
                 <a:tc>
                   <a:txBody>
@@ -7462,7 +7695,7 @@
                       </a:r>
                     </a:p>
                   </a:txBody>
-                  <a:tcPr marL="45720" marR="45720" marT="45720" marB="45720" anchor="t" anchorCtr="0" horzOverflow="overflow"/>
+                  <a:tcPr marL="45720" marR="45720" horzOverflow="overflow"/>
                 </a:tc>
                 <a:tc>
                   <a:txBody>
@@ -7487,8 +7720,13 @@
                       </a:r>
                     </a:p>
                   </a:txBody>
-                  <a:tcPr marL="45720" marR="45720" marT="45720" marB="45720" anchor="t" anchorCtr="0" horzOverflow="overflow"/>
+                  <a:tcPr marL="45720" marR="45720" horzOverflow="overflow"/>
                 </a:tc>
+                <a:extLst>
+                  <a:ext uri="{0D108BD9-81ED-4DB2-BD59-A6C34878D82A}">
+                    <a16:rowId xmlns:a16="http://schemas.microsoft.com/office/drawing/2014/main" val="10004"/>
+                  </a:ext>
+                </a:extLst>
               </a:tr>
               <a:tr h="671409">
                 <a:tc>
@@ -7514,7 +7752,7 @@
                       </a:r>
                     </a:p>
                   </a:txBody>
-                  <a:tcPr marL="45720" marR="45720" marT="45720" marB="45720" anchor="t" anchorCtr="0" horzOverflow="overflow"/>
+                  <a:tcPr marL="45720" marR="45720" horzOverflow="overflow"/>
                 </a:tc>
                 <a:tc>
                   <a:txBody>
@@ -7539,7 +7777,7 @@
                       </a:r>
                     </a:p>
                   </a:txBody>
-                  <a:tcPr marL="45720" marR="45720" marT="45720" marB="45720" anchor="t" anchorCtr="0" horzOverflow="overflow"/>
+                  <a:tcPr marL="45720" marR="45720" horzOverflow="overflow"/>
                 </a:tc>
                 <a:tc>
                   <a:txBody>
@@ -7564,8 +7802,13 @@
                       </a:r>
                     </a:p>
                   </a:txBody>
-                  <a:tcPr marL="45720" marR="45720" marT="45720" marB="45720" anchor="t" anchorCtr="0" horzOverflow="overflow"/>
+                  <a:tcPr marL="45720" marR="45720" horzOverflow="overflow"/>
                 </a:tc>
+                <a:extLst>
+                  <a:ext uri="{0D108BD9-81ED-4DB2-BD59-A6C34878D82A}">
+                    <a16:rowId xmlns:a16="http://schemas.microsoft.com/office/drawing/2014/main" val="10005"/>
+                  </a:ext>
+                </a:extLst>
               </a:tr>
               <a:tr h="671409">
                 <a:tc>
@@ -7591,7 +7834,7 @@
                       </a:r>
                     </a:p>
                   </a:txBody>
-                  <a:tcPr marL="45720" marR="45720" marT="45720" marB="45720" anchor="t" anchorCtr="0" horzOverflow="overflow"/>
+                  <a:tcPr marL="45720" marR="45720" horzOverflow="overflow"/>
                 </a:tc>
                 <a:tc>
                   <a:txBody>
@@ -7616,7 +7859,7 @@
                       </a:r>
                     </a:p>
                   </a:txBody>
-                  <a:tcPr marL="45720" marR="45720" marT="45720" marB="45720" anchor="t" anchorCtr="0" horzOverflow="overflow"/>
+                  <a:tcPr marL="45720" marR="45720" horzOverflow="overflow"/>
                 </a:tc>
                 <a:tc>
                   <a:txBody>
@@ -7641,8 +7884,13 @@
                       </a:r>
                     </a:p>
                   </a:txBody>
-                  <a:tcPr marL="45720" marR="45720" marT="45720" marB="45720" anchor="t" anchorCtr="0" horzOverflow="overflow"/>
+                  <a:tcPr marL="45720" marR="45720" horzOverflow="overflow"/>
                 </a:tc>
+                <a:extLst>
+                  <a:ext uri="{0D108BD9-81ED-4DB2-BD59-A6C34878D82A}">
+                    <a16:rowId xmlns:a16="http://schemas.microsoft.com/office/drawing/2014/main" val="10006"/>
+                  </a:ext>
+                </a:extLst>
               </a:tr>
               <a:tr h="463650">
                 <a:tc>
@@ -7668,7 +7916,7 @@
                       </a:r>
                     </a:p>
                   </a:txBody>
-                  <a:tcPr marL="45720" marR="45720" marT="45720" marB="45720" anchor="t" anchorCtr="0" horzOverflow="overflow"/>
+                  <a:tcPr marL="45720" marR="45720" horzOverflow="overflow"/>
                 </a:tc>
                 <a:tc>
                   <a:txBody>
@@ -7693,7 +7941,7 @@
                       </a:r>
                     </a:p>
                   </a:txBody>
-                  <a:tcPr marL="45720" marR="45720" marT="45720" marB="45720" anchor="t" anchorCtr="0" horzOverflow="overflow"/>
+                  <a:tcPr marL="45720" marR="45720" horzOverflow="overflow"/>
                 </a:tc>
                 <a:tc>
                   <a:txBody>
@@ -7718,8 +7966,13 @@
                       </a:r>
                     </a:p>
                   </a:txBody>
-                  <a:tcPr marL="45720" marR="45720" marT="45720" marB="45720" anchor="t" anchorCtr="0" horzOverflow="overflow"/>
+                  <a:tcPr marL="45720" marR="45720" horzOverflow="overflow"/>
                 </a:tc>
+                <a:extLst>
+                  <a:ext uri="{0D108BD9-81ED-4DB2-BD59-A6C34878D82A}">
+                    <a16:rowId xmlns:a16="http://schemas.microsoft.com/office/drawing/2014/main" val="10007"/>
+                  </a:ext>
+                </a:extLst>
               </a:tr>
               <a:tr h="463650">
                 <a:tc>
@@ -7745,7 +7998,7 @@
                       </a:r>
                     </a:p>
                   </a:txBody>
-                  <a:tcPr marL="45720" marR="45720" marT="45720" marB="45720" anchor="t" anchorCtr="0" horzOverflow="overflow"/>
+                  <a:tcPr marL="45720" marR="45720" horzOverflow="overflow"/>
                 </a:tc>
                 <a:tc>
                   <a:txBody>
@@ -7770,7 +8023,7 @@
                       </a:r>
                     </a:p>
                   </a:txBody>
-                  <a:tcPr marL="45720" marR="45720" marT="45720" marB="45720" anchor="t" anchorCtr="0" horzOverflow="overflow"/>
+                  <a:tcPr marL="45720" marR="45720" horzOverflow="overflow"/>
                 </a:tc>
                 <a:tc>
                   <a:txBody>
@@ -7795,8 +8048,13 @@
                       </a:r>
                     </a:p>
                   </a:txBody>
-                  <a:tcPr marL="45720" marR="45720" marT="45720" marB="45720" anchor="t" anchorCtr="0" horzOverflow="overflow"/>
+                  <a:tcPr marL="45720" marR="45720" horzOverflow="overflow"/>
                 </a:tc>
+                <a:extLst>
+                  <a:ext uri="{0D108BD9-81ED-4DB2-BD59-A6C34878D82A}">
+                    <a16:rowId xmlns:a16="http://schemas.microsoft.com/office/drawing/2014/main" val="10008"/>
+                  </a:ext>
+                </a:extLst>
               </a:tr>
             </a:tbl>
           </a:graphicData>
@@ -7825,9 +8083,7 @@
             <p:nvPr/>
           </p:nvPicPr>
           <p:blipFill>
-            <a:blip r:embed="rId2">
-              <a:extLst/>
-            </a:blip>
+            <a:blip r:embed="rId2"/>
             <a:stretch>
               <a:fillRect/>
             </a:stretch>
@@ -7888,6 +8144,7 @@
                   <a:sym typeface="Arial"/>
                 </a:defRPr>
               </a:pPr>
+              <a:endParaRPr/>
             </a:p>
           </p:txBody>
         </p:sp>
@@ -7932,6 +8189,7 @@
                   <a:sym typeface="Arial"/>
                 </a:defRPr>
               </a:pPr>
+              <a:endParaRPr/>
             </a:p>
           </p:txBody>
         </p:sp>
@@ -7976,6 +8234,7 @@
                   <a:sym typeface="Arial"/>
                 </a:defRPr>
               </a:pPr>
+              <a:endParaRPr/>
             </a:p>
           </p:txBody>
         </p:sp>
@@ -8020,6 +8279,7 @@
                   <a:sym typeface="Arial"/>
                 </a:defRPr>
               </a:pPr>
+              <a:endParaRPr/>
             </a:p>
           </p:txBody>
         </p:sp>
@@ -8043,7 +8303,7 @@
           </a:ln>
           <a:extLst>
             <a:ext uri="{C572A759-6A51-4108-AA02-DFA0A04FC94B}">
-              <ma14:wrappingTextBoxFlag xmlns:ma14="http://schemas.microsoft.com/office/mac/drawingml/2011/main" val="1"/>
+              <ma14:wrappingTextBoxFlag xmlns:ma14="http://schemas.microsoft.com/office/mac/drawingml/2011/main" xmlns:a14="http://schemas.microsoft.com/office/drawing/2010/main" xmlns:m="http://schemas.openxmlformats.org/officeDocument/2006/math" xmlns="" val="1"/>
             </a:ext>
           </a:extLst>
         </p:spPr>
@@ -8105,7 +8365,7 @@
           </a:ln>
           <a:extLst>
             <a:ext uri="{C572A759-6A51-4108-AA02-DFA0A04FC94B}">
-              <ma14:wrappingTextBoxFlag xmlns:ma14="http://schemas.microsoft.com/office/mac/drawingml/2011/main" val="1"/>
+              <ma14:wrappingTextBoxFlag xmlns:ma14="http://schemas.microsoft.com/office/mac/drawingml/2011/main" xmlns:a14="http://schemas.microsoft.com/office/drawing/2010/main" xmlns:m="http://schemas.openxmlformats.org/officeDocument/2006/math" xmlns="" val="1"/>
             </a:ext>
           </a:extLst>
         </p:spPr>
@@ -8127,7 +8387,6 @@
             </a:lvl1pPr>
           </a:lstStyle>
           <a:p>
-            <a:pPr/>
             <a:r>
               <a:t>Folders:</a:t>
             </a:r>
@@ -8139,12 +8398,12 @@
   <p:clrMapOvr>
     <a:masterClrMapping/>
   </p:clrMapOvr>
-  <p:transition xmlns:p14="http://schemas.microsoft.com/office/powerpoint/2010/main" spd="med" advClick="1"/>
+  <p:transition spd="med"/>
 </p:sld>
 </file>
 
 <file path=ppt/slides/slide16.xml><?xml version="1.0" encoding="utf-8"?>
-<p:sld xmlns:a="http://schemas.openxmlformats.org/drawingml/2006/main" xmlns:r="http://schemas.openxmlformats.org/officeDocument/2006/relationships" xmlns:p="http://schemas.openxmlformats.org/presentationml/2006/main" xmlns:m="http://schemas.openxmlformats.org/officeDocument/2006/math" xmlns:a14="http://schemas.microsoft.com/office/drawing/2010/main" showMasterSp="1" showMasterPhAnim="1">
+<p:sld xmlns:a="http://schemas.openxmlformats.org/drawingml/2006/main" xmlns:r="http://schemas.openxmlformats.org/officeDocument/2006/relationships" xmlns:p="http://schemas.openxmlformats.org/presentationml/2006/main">
   <p:cSld>
     <p:spTree>
       <p:nvGrpSpPr>
@@ -8163,7 +8422,9 @@
       <p:sp>
         <p:nvSpPr>
           <p:cNvPr id="268" name="Title 3"/>
-          <p:cNvSpPr txBox="1"/>
+          <p:cNvSpPr txBox="1">
+            <a:spLocks noGrp="1"/>
+          </p:cNvSpPr>
           <p:nvPr>
             <p:ph type="title"/>
           </p:nvPr>
@@ -8185,7 +8446,6 @@
             </a:lvl1pPr>
           </a:lstStyle>
           <a:p>
-            <a:pPr/>
             <a:r>
               <a:t>DEMO – Game Chat:</a:t>
             </a:r>
@@ -8195,7 +8455,9 @@
       <p:sp>
         <p:nvSpPr>
           <p:cNvPr id="269" name="Content Placeholder 4"/>
-          <p:cNvSpPr txBox="1"/>
+          <p:cNvSpPr txBox="1">
+            <a:spLocks noGrp="1"/>
+          </p:cNvSpPr>
           <p:nvPr>
             <p:ph type="body" idx="1"/>
           </p:nvPr>
@@ -8286,7 +8548,9 @@
       <p:sp>
         <p:nvSpPr>
           <p:cNvPr id="270" name="Slide Number Placeholder 2"/>
-          <p:cNvSpPr txBox="1"/>
+          <p:cNvSpPr txBox="1">
+            <a:spLocks noGrp="1"/>
+          </p:cNvSpPr>
           <p:nvPr>
             <p:ph type="sldNum" sz="quarter" idx="4294967295"/>
           </p:nvPr>
@@ -8301,7 +8565,7 @@
           </a:prstGeom>
           <a:extLst>
             <a:ext uri="{C572A759-6A51-4108-AA02-DFA0A04FC94B}">
-              <ma14:wrappingTextBoxFlag xmlns:ma14="http://schemas.microsoft.com/office/mac/drawingml/2011/main" val="1"/>
+              <ma14:wrappingTextBoxFlag xmlns:ma14="http://schemas.microsoft.com/office/mac/drawingml/2011/main" xmlns:a14="http://schemas.microsoft.com/office/drawing/2010/main" xmlns:m="http://schemas.openxmlformats.org/officeDocument/2006/math" xmlns="" val="1"/>
             </a:ext>
           </a:extLst>
         </p:spPr>
@@ -8309,8 +8573,10 @@
           <a:bodyPr/>
           <a:lstStyle/>
           <a:p>
-            <a:pPr/>
-            <a:fld id="{86CB4B4D-7CA3-9044-876B-883B54F8677D}" type="slidenum"/>
+            <a:fld id="{86CB4B4D-7CA3-9044-876B-883B54F8677D}" type="slidenum">
+              <a:t>16</a:t>
+            </a:fld>
+            <a:endParaRPr/>
           </a:p>
         </p:txBody>
       </p:sp>
@@ -8319,12 +8585,12 @@
   <p:clrMapOvr>
     <a:masterClrMapping/>
   </p:clrMapOvr>
-  <p:transition xmlns:p14="http://schemas.microsoft.com/office/powerpoint/2010/main" spd="med" advClick="1"/>
+  <p:transition spd="med"/>
 </p:sld>
 </file>
 
 <file path=ppt/slides/slide17.xml><?xml version="1.0" encoding="utf-8"?>
-<p:sld xmlns:a="http://schemas.openxmlformats.org/drawingml/2006/main" xmlns:r="http://schemas.openxmlformats.org/officeDocument/2006/relationships" xmlns:p="http://schemas.openxmlformats.org/presentationml/2006/main" xmlns:m="http://schemas.openxmlformats.org/officeDocument/2006/math" xmlns:a14="http://schemas.microsoft.com/office/drawing/2010/main" showMasterSp="1" showMasterPhAnim="1">
+<p:sld xmlns:a="http://schemas.openxmlformats.org/drawingml/2006/main" xmlns:r="http://schemas.openxmlformats.org/officeDocument/2006/relationships" xmlns:p="http://schemas.openxmlformats.org/presentationml/2006/main">
   <p:cSld>
     <p:spTree>
       <p:nvGrpSpPr>
@@ -8343,7 +8609,9 @@
       <p:sp>
         <p:nvSpPr>
           <p:cNvPr id="272" name="Title 3"/>
-          <p:cNvSpPr txBox="1"/>
+          <p:cNvSpPr txBox="1">
+            <a:spLocks noGrp="1"/>
+          </p:cNvSpPr>
           <p:nvPr>
             <p:ph type="title"/>
           </p:nvPr>
@@ -8365,7 +8633,6 @@
             </a:lvl1pPr>
           </a:lstStyle>
           <a:p>
-            <a:pPr/>
             <a:r>
               <a:t>Demo Structure:</a:t>
             </a:r>
@@ -8391,7 +8658,7 @@
           </a:ln>
           <a:extLst>
             <a:ext uri="{C572A759-6A51-4108-AA02-DFA0A04FC94B}">
-              <ma14:wrappingTextBoxFlag xmlns:ma14="http://schemas.microsoft.com/office/mac/drawingml/2011/main" val="1"/>
+              <ma14:wrappingTextBoxFlag xmlns:ma14="http://schemas.microsoft.com/office/mac/drawingml/2011/main" xmlns:a14="http://schemas.microsoft.com/office/drawing/2010/main" xmlns:m="http://schemas.openxmlformats.org/officeDocument/2006/math" xmlns="" val="1"/>
             </a:ext>
           </a:extLst>
         </p:spPr>
@@ -8419,7 +8686,6 @@
             </a:lvl1pPr>
           </a:lstStyle>
           <a:p>
-            <a:pPr/>
             <a:r>
               <a:t>Demo</a:t>
             </a:r>
@@ -8429,7 +8695,9 @@
       <p:sp>
         <p:nvSpPr>
           <p:cNvPr id="274" name="Slide Number Placeholder 21"/>
-          <p:cNvSpPr txBox="1"/>
+          <p:cNvSpPr txBox="1">
+            <a:spLocks noGrp="1"/>
+          </p:cNvSpPr>
           <p:nvPr>
             <p:ph type="sldNum" sz="quarter" idx="4294967295"/>
           </p:nvPr>
@@ -8444,7 +8712,7 @@
           </a:prstGeom>
           <a:extLst>
             <a:ext uri="{C572A759-6A51-4108-AA02-DFA0A04FC94B}">
-              <ma14:wrappingTextBoxFlag xmlns:ma14="http://schemas.microsoft.com/office/mac/drawingml/2011/main" val="1"/>
+              <ma14:wrappingTextBoxFlag xmlns:ma14="http://schemas.microsoft.com/office/mac/drawingml/2011/main" xmlns:a14="http://schemas.microsoft.com/office/drawing/2010/main" xmlns:m="http://schemas.openxmlformats.org/officeDocument/2006/math" xmlns="" val="1"/>
             </a:ext>
           </a:extLst>
         </p:spPr>
@@ -8452,8 +8720,10 @@
           <a:bodyPr/>
           <a:lstStyle/>
           <a:p>
-            <a:pPr/>
-            <a:fld id="{86CB4B4D-7CA3-9044-876B-883B54F8677D}" type="slidenum"/>
+            <a:fld id="{86CB4B4D-7CA3-9044-876B-883B54F8677D}" type="slidenum">
+              <a:t>17</a:t>
+            </a:fld>
+            <a:endParaRPr/>
           </a:p>
         </p:txBody>
       </p:sp>
@@ -8467,16 +8737,34 @@
           <a:off x="4274223" y="1578102"/>
           <a:ext cx="8462569" cy="3644779"/>
         </p:xfrm>
-        <a:graphic xmlns:a="http://schemas.openxmlformats.org/drawingml/2006/main">
+        <a:graphic>
           <a:graphicData uri="http://schemas.openxmlformats.org/drawingml/2006/table">
             <a:tbl>
-              <a:tblPr firstCol="0" firstRow="1" lastCol="0" lastRow="0" bandCol="0" bandRow="1" rtl="0">
+              <a:tblPr firstRow="1" bandRow="1">
                 <a:tableStyleId>{4C3C2611-4C71-4FC5-86AE-919BDF0F9419}</a:tableStyleId>
               </a:tblPr>
               <a:tblGrid>
-                <a:gridCol w="1606817"/>
-                <a:gridCol w="2223524"/>
-                <a:gridCol w="4632227"/>
+                <a:gridCol w="1606817">
+                  <a:extLst>
+                    <a:ext uri="{9D8B030D-6E8A-4147-A177-3AD203B41FA5}">
+                      <a16:colId xmlns:a16="http://schemas.microsoft.com/office/drawing/2014/main" val="20000"/>
+                    </a:ext>
+                  </a:extLst>
+                </a:gridCol>
+                <a:gridCol w="2223524">
+                  <a:extLst>
+                    <a:ext uri="{9D8B030D-6E8A-4147-A177-3AD203B41FA5}">
+                      <a16:colId xmlns:a16="http://schemas.microsoft.com/office/drawing/2014/main" val="20001"/>
+                    </a:ext>
+                  </a:extLst>
+                </a:gridCol>
+                <a:gridCol w="4632227">
+                  <a:extLst>
+                    <a:ext uri="{9D8B030D-6E8A-4147-A177-3AD203B41FA5}">
+                      <a16:colId xmlns:a16="http://schemas.microsoft.com/office/drawing/2014/main" val="20002"/>
+                    </a:ext>
+                  </a:extLst>
+                </a:gridCol>
               </a:tblGrid>
               <a:tr h="483205">
                 <a:tc>
@@ -8485,7 +8773,7 @@
                     <a:lstStyle/>
                     <a:p>
                       <a:pPr algn="l">
-                        <a:defRPr b="0" sz="1800">
+                        <a:defRPr sz="1800" b="0">
                           <a:solidFill>
                             <a:srgbClr val="000000"/>
                           </a:solidFill>
@@ -8502,7 +8790,7 @@
                       </a:r>
                     </a:p>
                   </a:txBody>
-                  <a:tcPr marL="45720" marR="45720" marT="45720" marB="45720" anchor="t" anchorCtr="0" horzOverflow="overflow">
+                  <a:tcPr marL="45720" marR="45720" horzOverflow="overflow">
                     <a:solidFill>
                       <a:srgbClr val="404040"/>
                     </a:solidFill>
@@ -8514,7 +8802,7 @@
                     <a:lstStyle/>
                     <a:p>
                       <a:pPr algn="l">
-                        <a:defRPr b="0" sz="1800">
+                        <a:defRPr sz="1800" b="0">
                           <a:solidFill>
                             <a:srgbClr val="000000"/>
                           </a:solidFill>
@@ -8531,7 +8819,7 @@
                       </a:r>
                     </a:p>
                   </a:txBody>
-                  <a:tcPr marL="45720" marR="45720" marT="45720" marB="45720" anchor="t" anchorCtr="0" horzOverflow="overflow">
+                  <a:tcPr marL="45720" marR="45720" horzOverflow="overflow">
                     <a:solidFill>
                       <a:srgbClr val="404040"/>
                     </a:solidFill>
@@ -8543,7 +8831,7 @@
                     <a:lstStyle/>
                     <a:p>
                       <a:pPr algn="l">
-                        <a:defRPr b="0" sz="1800">
+                        <a:defRPr sz="1800" b="0">
                           <a:solidFill>
                             <a:srgbClr val="000000"/>
                           </a:solidFill>
@@ -8560,12 +8848,17 @@
                       </a:r>
                     </a:p>
                   </a:txBody>
-                  <a:tcPr marL="45720" marR="45720" marT="45720" marB="45720" anchor="t" anchorCtr="0" horzOverflow="overflow">
+                  <a:tcPr marL="45720" marR="45720" horzOverflow="overflow">
                     <a:solidFill>
                       <a:srgbClr val="404040"/>
                     </a:solidFill>
                   </a:tcPr>
                 </a:tc>
+                <a:extLst>
+                  <a:ext uri="{0D108BD9-81ED-4DB2-BD59-A6C34878D82A}">
+                    <a16:rowId xmlns:a16="http://schemas.microsoft.com/office/drawing/2014/main" val="10000"/>
+                  </a:ext>
+                </a:extLst>
               </a:tr>
               <a:tr h="493044">
                 <a:tc>
@@ -8591,7 +8884,7 @@
                       </a:r>
                     </a:p>
                   </a:txBody>
-                  <a:tcPr marL="45720" marR="45720" marT="45720" marB="45720" anchor="t" anchorCtr="0" horzOverflow="overflow"/>
+                  <a:tcPr marL="45720" marR="45720" horzOverflow="overflow"/>
                 </a:tc>
                 <a:tc>
                   <a:txBody>
@@ -8616,7 +8909,7 @@
                       </a:r>
                     </a:p>
                   </a:txBody>
-                  <a:tcPr marL="45720" marR="45720" marT="45720" marB="45720" anchor="t" anchorCtr="0" horzOverflow="overflow"/>
+                  <a:tcPr marL="45720" marR="45720" horzOverflow="overflow"/>
                 </a:tc>
                 <a:tc>
                   <a:txBody>
@@ -8641,8 +8934,13 @@
                       </a:r>
                     </a:p>
                   </a:txBody>
-                  <a:tcPr marL="45720" marR="45720" marT="45720" marB="45720" anchor="t" anchorCtr="0" horzOverflow="overflow"/>
+                  <a:tcPr marL="45720" marR="45720" horzOverflow="overflow"/>
                 </a:tc>
+                <a:extLst>
+                  <a:ext uri="{0D108BD9-81ED-4DB2-BD59-A6C34878D82A}">
+                    <a16:rowId xmlns:a16="http://schemas.microsoft.com/office/drawing/2014/main" val="10001"/>
+                  </a:ext>
+                </a:extLst>
               </a:tr>
               <a:tr h="483205">
                 <a:tc>
@@ -8668,7 +8966,7 @@
                       </a:r>
                     </a:p>
                   </a:txBody>
-                  <a:tcPr marL="45720" marR="45720" marT="45720" marB="45720" anchor="t" anchorCtr="0" horzOverflow="overflow"/>
+                  <a:tcPr marL="45720" marR="45720" horzOverflow="overflow"/>
                 </a:tc>
                 <a:tc>
                   <a:txBody>
@@ -8693,7 +8991,7 @@
                       </a:r>
                     </a:p>
                   </a:txBody>
-                  <a:tcPr marL="45720" marR="45720" marT="45720" marB="45720" anchor="t" anchorCtr="0" horzOverflow="overflow"/>
+                  <a:tcPr marL="45720" marR="45720" horzOverflow="overflow"/>
                 </a:tc>
                 <a:tc>
                   <a:txBody>
@@ -8718,8 +9016,13 @@
                       </a:r>
                     </a:p>
                   </a:txBody>
-                  <a:tcPr marL="45720" marR="45720" marT="45720" marB="45720" anchor="t" anchorCtr="0" horzOverflow="overflow"/>
+                  <a:tcPr marL="45720" marR="45720" horzOverflow="overflow"/>
                 </a:tc>
+                <a:extLst>
+                  <a:ext uri="{0D108BD9-81ED-4DB2-BD59-A6C34878D82A}">
+                    <a16:rowId xmlns:a16="http://schemas.microsoft.com/office/drawing/2014/main" val="10002"/>
+                  </a:ext>
+                </a:extLst>
               </a:tr>
               <a:tr h="483205">
                 <a:tc>
@@ -8745,7 +9048,7 @@
                       </a:r>
                     </a:p>
                   </a:txBody>
-                  <a:tcPr marL="45720" marR="45720" marT="45720" marB="45720" anchor="t" anchorCtr="0" horzOverflow="overflow"/>
+                  <a:tcPr marL="45720" marR="45720" horzOverflow="overflow"/>
                 </a:tc>
                 <a:tc>
                   <a:txBody>
@@ -8770,7 +9073,7 @@
                       </a:r>
                     </a:p>
                   </a:txBody>
-                  <a:tcPr marL="45720" marR="45720" marT="45720" marB="45720" anchor="t" anchorCtr="0" horzOverflow="overflow"/>
+                  <a:tcPr marL="45720" marR="45720" horzOverflow="overflow"/>
                 </a:tc>
                 <a:tc>
                   <a:txBody>
@@ -8795,8 +9098,13 @@
                       </a:r>
                     </a:p>
                   </a:txBody>
-                  <a:tcPr marL="45720" marR="45720" marT="45720" marB="45720" anchor="t" anchorCtr="0" horzOverflow="overflow"/>
+                  <a:tcPr marL="45720" marR="45720" horzOverflow="overflow"/>
                 </a:tc>
+                <a:extLst>
+                  <a:ext uri="{0D108BD9-81ED-4DB2-BD59-A6C34878D82A}">
+                    <a16:rowId xmlns:a16="http://schemas.microsoft.com/office/drawing/2014/main" val="10003"/>
+                  </a:ext>
+                </a:extLst>
               </a:tr>
               <a:tr h="493044">
                 <a:tc>
@@ -8822,7 +9130,7 @@
                       </a:r>
                     </a:p>
                   </a:txBody>
-                  <a:tcPr marL="45720" marR="45720" marT="45720" marB="45720" anchor="t" anchorCtr="0" horzOverflow="overflow"/>
+                  <a:tcPr marL="45720" marR="45720" horzOverflow="overflow"/>
                 </a:tc>
                 <a:tc>
                   <a:txBody>
@@ -8847,7 +9155,7 @@
                       </a:r>
                     </a:p>
                   </a:txBody>
-                  <a:tcPr marL="45720" marR="45720" marT="45720" marB="45720" anchor="t" anchorCtr="0" horzOverflow="overflow"/>
+                  <a:tcPr marL="45720" marR="45720" horzOverflow="overflow"/>
                 </a:tc>
                 <a:tc>
                   <a:txBody>
@@ -8872,8 +9180,13 @@
                       </a:r>
                     </a:p>
                   </a:txBody>
-                  <a:tcPr marL="45720" marR="45720" marT="45720" marB="45720" anchor="t" anchorCtr="0" horzOverflow="overflow"/>
+                  <a:tcPr marL="45720" marR="45720" horzOverflow="overflow"/>
                 </a:tc>
+                <a:extLst>
+                  <a:ext uri="{0D108BD9-81ED-4DB2-BD59-A6C34878D82A}">
+                    <a16:rowId xmlns:a16="http://schemas.microsoft.com/office/drawing/2014/main" val="10004"/>
+                  </a:ext>
+                </a:extLst>
               </a:tr>
               <a:tr h="623441">
                 <a:tc>
@@ -8899,7 +9212,7 @@
                       </a:r>
                     </a:p>
                   </a:txBody>
-                  <a:tcPr marL="45720" marR="45720" marT="45720" marB="45720" anchor="t" anchorCtr="0" horzOverflow="overflow"/>
+                  <a:tcPr marL="45720" marR="45720" horzOverflow="overflow"/>
                 </a:tc>
                 <a:tc>
                   <a:txBody>
@@ -8924,7 +9237,7 @@
                       </a:r>
                     </a:p>
                   </a:txBody>
-                  <a:tcPr marL="45720" marR="45720" marT="45720" marB="45720" anchor="t" anchorCtr="0" horzOverflow="overflow"/>
+                  <a:tcPr marL="45720" marR="45720" horzOverflow="overflow"/>
                 </a:tc>
                 <a:tc>
                   <a:txBody>
@@ -8949,8 +9262,13 @@
                       </a:r>
                     </a:p>
                   </a:txBody>
-                  <a:tcPr marL="45720" marR="45720" marT="45720" marB="45720" anchor="t" anchorCtr="0" horzOverflow="overflow"/>
+                  <a:tcPr marL="45720" marR="45720" horzOverflow="overflow"/>
                 </a:tc>
+                <a:extLst>
+                  <a:ext uri="{0D108BD9-81ED-4DB2-BD59-A6C34878D82A}">
+                    <a16:rowId xmlns:a16="http://schemas.microsoft.com/office/drawing/2014/main" val="10005"/>
+                  </a:ext>
+                </a:extLst>
               </a:tr>
               <a:tr h="585634">
                 <a:tc>
@@ -8976,7 +9294,7 @@
                       </a:r>
                     </a:p>
                   </a:txBody>
-                  <a:tcPr marL="45720" marR="45720" marT="45720" marB="45720" anchor="t" anchorCtr="0" horzOverflow="overflow"/>
+                  <a:tcPr marL="45720" marR="45720" horzOverflow="overflow"/>
                 </a:tc>
                 <a:tc>
                   <a:txBody>
@@ -9001,7 +9319,7 @@
                       </a:r>
                     </a:p>
                   </a:txBody>
-                  <a:tcPr marL="45720" marR="45720" marT="45720" marB="45720" anchor="t" anchorCtr="0" horzOverflow="overflow"/>
+                  <a:tcPr marL="45720" marR="45720" horzOverflow="overflow"/>
                 </a:tc>
                 <a:tc>
                   <a:txBody>
@@ -9026,8 +9344,13 @@
                       </a:r>
                     </a:p>
                   </a:txBody>
-                  <a:tcPr marL="45720" marR="45720" marT="45720" marB="45720" anchor="t" anchorCtr="0" horzOverflow="overflow"/>
+                  <a:tcPr marL="45720" marR="45720" horzOverflow="overflow"/>
                 </a:tc>
+                <a:extLst>
+                  <a:ext uri="{0D108BD9-81ED-4DB2-BD59-A6C34878D82A}">
+                    <a16:rowId xmlns:a16="http://schemas.microsoft.com/office/drawing/2014/main" val="10006"/>
+                  </a:ext>
+                </a:extLst>
               </a:tr>
             </a:tbl>
           </a:graphicData>
@@ -9056,9 +9379,7 @@
             <p:nvPr/>
           </p:nvPicPr>
           <p:blipFill>
-            <a:blip r:embed="rId2">
-              <a:extLst/>
-            </a:blip>
+            <a:blip r:embed="rId2"/>
             <a:stretch>
               <a:fillRect/>
             </a:stretch>
@@ -9119,6 +9440,7 @@
                   <a:sym typeface="Arial"/>
                 </a:defRPr>
               </a:pPr>
+              <a:endParaRPr/>
             </a:p>
           </p:txBody>
         </p:sp>
@@ -9163,6 +9485,7 @@
                   <a:sym typeface="Arial"/>
                 </a:defRPr>
               </a:pPr>
+              <a:endParaRPr/>
             </a:p>
           </p:txBody>
         </p:sp>
@@ -9207,6 +9530,7 @@
                   <a:sym typeface="Arial"/>
                 </a:defRPr>
               </a:pPr>
+              <a:endParaRPr/>
             </a:p>
           </p:txBody>
         </p:sp>
@@ -9234,9 +9558,7 @@
             <p:nvPr/>
           </p:nvPicPr>
           <p:blipFill>
-            <a:blip r:embed="rId3">
-              <a:extLst/>
-            </a:blip>
+            <a:blip r:embed="rId3"/>
             <a:stretch>
               <a:fillRect/>
             </a:stretch>
@@ -9287,7 +9609,7 @@
               </a:cxnLst>
               <a:rect l="0" t="0" r="r" b="b"/>
               <a:pathLst>
-                <a:path w="21600" h="21600" fill="norm" stroke="1" extrusionOk="0">
+                <a:path w="21600" h="21600" extrusionOk="0">
                   <a:moveTo>
                     <a:pt x="0" y="0"/>
                   </a:moveTo>
@@ -9347,6 +9669,7 @@
                   <a:sym typeface="Arial"/>
                 </a:defRPr>
               </a:pPr>
+              <a:endParaRPr/>
             </a:p>
           </p:txBody>
         </p:sp>
@@ -9372,7 +9695,7 @@
             <a:effectLst/>
             <a:extLst>
               <a:ext uri="{C572A759-6A51-4108-AA02-DFA0A04FC94B}">
-                <ma14:wrappingTextBoxFlag xmlns:ma14="http://schemas.microsoft.com/office/mac/drawingml/2011/main" val="1"/>
+                <ma14:wrappingTextBoxFlag xmlns:ma14="http://schemas.microsoft.com/office/mac/drawingml/2011/main" xmlns:a14="http://schemas.microsoft.com/office/drawing/2010/main" xmlns:m="http://schemas.openxmlformats.org/officeDocument/2006/math" xmlns="" val="1"/>
               </a:ext>
             </a:extLst>
           </p:spPr>
@@ -9394,7 +9717,6 @@
               </a:lvl1pPr>
             </a:lstStyle>
             <a:p>
-              <a:pPr/>
               <a:r>
                 <a:t>ChatPanelPrefab</a:t>
               </a:r>
@@ -9432,7 +9754,7 @@
               </a:cxnLst>
               <a:rect l="0" t="0" r="r" b="b"/>
               <a:pathLst>
-                <a:path w="21600" h="21600" fill="norm" stroke="1" extrusionOk="0">
+                <a:path w="21600" h="21600" extrusionOk="0">
                   <a:moveTo>
                     <a:pt x="21600" y="21600"/>
                   </a:moveTo>
@@ -9492,6 +9814,7 @@
                   <a:sym typeface="Arial"/>
                 </a:defRPr>
               </a:pPr>
+              <a:endParaRPr/>
             </a:p>
           </p:txBody>
         </p:sp>
@@ -9517,7 +9840,7 @@
             <a:effectLst/>
             <a:extLst>
               <a:ext uri="{C572A759-6A51-4108-AA02-DFA0A04FC94B}">
-                <ma14:wrappingTextBoxFlag xmlns:ma14="http://schemas.microsoft.com/office/mac/drawingml/2011/main" val="1"/>
+                <ma14:wrappingTextBoxFlag xmlns:ma14="http://schemas.microsoft.com/office/mac/drawingml/2011/main" xmlns:a14="http://schemas.microsoft.com/office/drawing/2010/main" xmlns:m="http://schemas.openxmlformats.org/officeDocument/2006/math" xmlns="" val="1"/>
               </a:ext>
             </a:extLst>
           </p:spPr>
@@ -9539,7 +9862,6 @@
               </a:lvl1pPr>
             </a:lstStyle>
             <a:p>
-              <a:pPr/>
               <a:r>
                 <a:t>HudPanelPrefab</a:t>
               </a:r>
@@ -9552,12 +9874,12 @@
   <p:clrMapOvr>
     <a:masterClrMapping/>
   </p:clrMapOvr>
-  <p:transition xmlns:p14="http://schemas.microsoft.com/office/powerpoint/2010/main" spd="med" advClick="1"/>
+  <p:transition spd="med"/>
 </p:sld>
 </file>
 
 <file path=ppt/slides/slide18.xml><?xml version="1.0" encoding="utf-8"?>
-<p:sld xmlns:a="http://schemas.openxmlformats.org/drawingml/2006/main" xmlns:r="http://schemas.openxmlformats.org/officeDocument/2006/relationships" xmlns:p="http://schemas.openxmlformats.org/presentationml/2006/main" xmlns:m="http://schemas.openxmlformats.org/officeDocument/2006/math" xmlns:a14="http://schemas.microsoft.com/office/drawing/2010/main" showMasterSp="1" showMasterPhAnim="1">
+<p:sld xmlns:a="http://schemas.openxmlformats.org/drawingml/2006/main" xmlns:r="http://schemas.openxmlformats.org/officeDocument/2006/relationships" xmlns:p="http://schemas.openxmlformats.org/presentationml/2006/main">
   <p:cSld>
     <p:spTree>
       <p:nvGrpSpPr>
@@ -9576,7 +9898,9 @@
       <p:sp>
         <p:nvSpPr>
           <p:cNvPr id="288" name="Title 3"/>
-          <p:cNvSpPr txBox="1"/>
+          <p:cNvSpPr txBox="1">
+            <a:spLocks noGrp="1"/>
+          </p:cNvSpPr>
           <p:nvPr>
             <p:ph type="title"/>
           </p:nvPr>
@@ -9598,7 +9922,6 @@
             </a:lvl1pPr>
           </a:lstStyle>
           <a:p>
-            <a:pPr/>
             <a:r>
               <a:t>Chat Controller:</a:t>
             </a:r>
@@ -9608,7 +9931,9 @@
       <p:sp>
         <p:nvSpPr>
           <p:cNvPr id="289" name="Content Placeholder 4"/>
-          <p:cNvSpPr txBox="1"/>
+          <p:cNvSpPr txBox="1">
+            <a:spLocks noGrp="1"/>
+          </p:cNvSpPr>
           <p:nvPr>
             <p:ph type="body" idx="1"/>
           </p:nvPr>
@@ -9626,7 +9951,7 @@
           <a:bodyPr lIns="102398" tIns="102398" rIns="102398" bIns="102398"/>
           <a:lstStyle/>
           <a:p>
-            <a:pPr lvl="1" marL="0" indent="320040" algn="l">
+            <a:pPr marL="0" lvl="1" indent="320040" algn="l">
               <a:spcBef>
                 <a:spcPts val="400"/>
               </a:spcBef>
@@ -9645,9 +9970,10 @@
               <a:buNone/>
               <a:defRPr sz="1800"/>
             </a:pPr>
-          </a:p>
-          <a:p>
-            <a:pPr lvl="2" marL="0" indent="502919" algn="l">
+            <a:endParaRPr sz="2400"/>
+          </a:p>
+          <a:p>
+            <a:pPr marL="0" lvl="2" indent="502919" algn="l">
               <a:spcBef>
                 <a:spcPts val="300"/>
               </a:spcBef>
@@ -9672,7 +9998,9 @@
       <p:sp>
         <p:nvSpPr>
           <p:cNvPr id="290" name="Slide Number Placeholder 5"/>
-          <p:cNvSpPr txBox="1"/>
+          <p:cNvSpPr txBox="1">
+            <a:spLocks noGrp="1"/>
+          </p:cNvSpPr>
           <p:nvPr>
             <p:ph type="sldNum" sz="quarter" idx="4294967295"/>
           </p:nvPr>
@@ -9687,7 +10015,7 @@
           </a:prstGeom>
           <a:extLst>
             <a:ext uri="{C572A759-6A51-4108-AA02-DFA0A04FC94B}">
-              <ma14:wrappingTextBoxFlag xmlns:ma14="http://schemas.microsoft.com/office/mac/drawingml/2011/main" val="1"/>
+              <ma14:wrappingTextBoxFlag xmlns:ma14="http://schemas.microsoft.com/office/mac/drawingml/2011/main" xmlns:a14="http://schemas.microsoft.com/office/drawing/2010/main" xmlns:m="http://schemas.openxmlformats.org/officeDocument/2006/math" xmlns="" val="1"/>
             </a:ext>
           </a:extLst>
         </p:spPr>
@@ -9695,8 +10023,10 @@
           <a:bodyPr/>
           <a:lstStyle/>
           <a:p>
-            <a:pPr/>
-            <a:fld id="{86CB4B4D-7CA3-9044-876B-883B54F8677D}" type="slidenum"/>
+            <a:fld id="{86CB4B4D-7CA3-9044-876B-883B54F8677D}" type="slidenum">
+              <a:t>18</a:t>
+            </a:fld>
+            <a:endParaRPr/>
           </a:p>
         </p:txBody>
       </p:sp>
@@ -9705,12 +10035,12 @@
   <p:clrMapOvr>
     <a:masterClrMapping/>
   </p:clrMapOvr>
-  <p:transition xmlns:p14="http://schemas.microsoft.com/office/powerpoint/2010/main" spd="med" advClick="1"/>
+  <p:transition spd="med"/>
 </p:sld>
 </file>
 
 <file path=ppt/slides/slide19.xml><?xml version="1.0" encoding="utf-8"?>
-<p:sld xmlns:a="http://schemas.openxmlformats.org/drawingml/2006/main" xmlns:r="http://schemas.openxmlformats.org/officeDocument/2006/relationships" xmlns:p="http://schemas.openxmlformats.org/presentationml/2006/main" xmlns:m="http://schemas.openxmlformats.org/officeDocument/2006/math" xmlns:a14="http://schemas.microsoft.com/office/drawing/2010/main" showMasterSp="1" showMasterPhAnim="1">
+<p:sld xmlns:a="http://schemas.openxmlformats.org/drawingml/2006/main" xmlns:r="http://schemas.openxmlformats.org/officeDocument/2006/relationships" xmlns:p="http://schemas.openxmlformats.org/presentationml/2006/main">
   <p:cSld>
     <p:spTree>
       <p:nvGrpSpPr>
@@ -9729,7 +10059,9 @@
       <p:sp>
         <p:nvSpPr>
           <p:cNvPr id="292" name="Title 3"/>
-          <p:cNvSpPr txBox="1"/>
+          <p:cNvSpPr txBox="1">
+            <a:spLocks noGrp="1"/>
+          </p:cNvSpPr>
           <p:nvPr>
             <p:ph type="title"/>
           </p:nvPr>
@@ -9751,7 +10083,6 @@
             </a:lvl1pPr>
           </a:lstStyle>
           <a:p>
-            <a:pPr/>
             <a:r>
               <a:t>Unit Tests:</a:t>
             </a:r>
@@ -9761,7 +10092,9 @@
       <p:sp>
         <p:nvSpPr>
           <p:cNvPr id="293" name="Content Placeholder 4"/>
-          <p:cNvSpPr txBox="1"/>
+          <p:cNvSpPr txBox="1">
+            <a:spLocks noGrp="1"/>
+          </p:cNvSpPr>
           <p:nvPr>
             <p:ph type="body" idx="1"/>
           </p:nvPr>
@@ -9852,7 +10185,9 @@
       <p:sp>
         <p:nvSpPr>
           <p:cNvPr id="294" name="Slide Number Placeholder 2"/>
-          <p:cNvSpPr txBox="1"/>
+          <p:cNvSpPr txBox="1">
+            <a:spLocks noGrp="1"/>
+          </p:cNvSpPr>
           <p:nvPr>
             <p:ph type="sldNum" sz="quarter" idx="4294967295"/>
           </p:nvPr>
@@ -9867,7 +10202,7 @@
           </a:prstGeom>
           <a:extLst>
             <a:ext uri="{C572A759-6A51-4108-AA02-DFA0A04FC94B}">
-              <ma14:wrappingTextBoxFlag xmlns:ma14="http://schemas.microsoft.com/office/mac/drawingml/2011/main" val="1"/>
+              <ma14:wrappingTextBoxFlag xmlns:ma14="http://schemas.microsoft.com/office/mac/drawingml/2011/main" xmlns:a14="http://schemas.microsoft.com/office/drawing/2010/main" xmlns:m="http://schemas.openxmlformats.org/officeDocument/2006/math" xmlns="" val="1"/>
             </a:ext>
           </a:extLst>
         </p:spPr>
@@ -9875,8 +10210,10 @@
           <a:bodyPr/>
           <a:lstStyle/>
           <a:p>
-            <a:pPr/>
-            <a:fld id="{86CB4B4D-7CA3-9044-876B-883B54F8677D}" type="slidenum"/>
+            <a:fld id="{86CB4B4D-7CA3-9044-876B-883B54F8677D}" type="slidenum">
+              <a:t>19</a:t>
+            </a:fld>
+            <a:endParaRPr/>
           </a:p>
         </p:txBody>
       </p:sp>
@@ -9885,12 +10222,12 @@
   <p:clrMapOvr>
     <a:masterClrMapping/>
   </p:clrMapOvr>
-  <p:transition xmlns:p14="http://schemas.microsoft.com/office/powerpoint/2010/main" spd="med" advClick="1"/>
+  <p:transition spd="med"/>
 </p:sld>
 </file>
 
 <file path=ppt/slides/slide2.xml><?xml version="1.0" encoding="utf-8"?>
-<p:sld xmlns:a="http://schemas.openxmlformats.org/drawingml/2006/main" xmlns:r="http://schemas.openxmlformats.org/officeDocument/2006/relationships" xmlns:p="http://schemas.openxmlformats.org/presentationml/2006/main" xmlns:m="http://schemas.openxmlformats.org/officeDocument/2006/math" xmlns:a14="http://schemas.microsoft.com/office/drawing/2010/main" showMasterSp="1" showMasterPhAnim="1">
+<p:sld xmlns:a="http://schemas.openxmlformats.org/drawingml/2006/main" xmlns:r="http://schemas.openxmlformats.org/officeDocument/2006/relationships" xmlns:p="http://schemas.openxmlformats.org/presentationml/2006/main">
   <p:cSld>
     <p:spTree>
       <p:nvGrpSpPr>
@@ -9909,7 +10246,9 @@
       <p:sp>
         <p:nvSpPr>
           <p:cNvPr id="126" name="Title 3"/>
-          <p:cNvSpPr txBox="1"/>
+          <p:cNvSpPr txBox="1">
+            <a:spLocks noGrp="1"/>
+          </p:cNvSpPr>
           <p:nvPr>
             <p:ph type="title"/>
           </p:nvPr>
@@ -9931,7 +10270,6 @@
             </a:lvl1pPr>
           </a:lstStyle>
           <a:p>
-            <a:pPr/>
             <a:r>
               <a:t>The Problem:</a:t>
             </a:r>
@@ -9941,7 +10279,9 @@
       <p:sp>
         <p:nvSpPr>
           <p:cNvPr id="127" name="Content Placeholder 4"/>
-          <p:cNvSpPr txBox="1"/>
+          <p:cNvSpPr txBox="1">
+            <a:spLocks noGrp="1"/>
+          </p:cNvSpPr>
           <p:nvPr>
             <p:ph type="body" idx="1"/>
           </p:nvPr>
@@ -10001,7 +10341,6 @@
               <a:rPr b="0"/>
               <a:t> problems. The Publisher and the Subscriber have to know of each other, and a Subscriber can't be collected by the GC if it's connected with the Publisher with strong event reference.</a:t>
             </a:r>
-            <a:endParaRPr b="0"/>
           </a:p>
           <a:p>
             <a:pPr algn="l">
@@ -10035,7 +10374,6 @@
               <a:rPr b="0"/>
               <a:t>and we need a generic one. Also, we cannot use it everywhere even if the project is in Unity.</a:t>
             </a:r>
-            <a:endParaRPr b="0"/>
           </a:p>
           <a:p>
             <a:pPr algn="l">
@@ -10057,7 +10395,9 @@
       <p:sp>
         <p:nvSpPr>
           <p:cNvPr id="128" name="Slide Number Placeholder 1"/>
-          <p:cNvSpPr txBox="1"/>
+          <p:cNvSpPr txBox="1">
+            <a:spLocks noGrp="1"/>
+          </p:cNvSpPr>
           <p:nvPr>
             <p:ph type="sldNum" sz="quarter" idx="4294967295"/>
           </p:nvPr>
@@ -10072,7 +10412,7 @@
           </a:prstGeom>
           <a:extLst>
             <a:ext uri="{C572A759-6A51-4108-AA02-DFA0A04FC94B}">
-              <ma14:wrappingTextBoxFlag xmlns:ma14="http://schemas.microsoft.com/office/mac/drawingml/2011/main" val="1"/>
+              <ma14:wrappingTextBoxFlag xmlns:ma14="http://schemas.microsoft.com/office/mac/drawingml/2011/main" xmlns:a14="http://schemas.microsoft.com/office/drawing/2010/main" xmlns:m="http://schemas.openxmlformats.org/officeDocument/2006/math" xmlns="" val="1"/>
             </a:ext>
           </a:extLst>
         </p:spPr>
@@ -10080,8 +10420,10 @@
           <a:bodyPr/>
           <a:lstStyle/>
           <a:p>
-            <a:pPr/>
-            <a:fld id="{86CB4B4D-7CA3-9044-876B-883B54F8677D}" type="slidenum"/>
+            <a:fld id="{86CB4B4D-7CA3-9044-876B-883B54F8677D}" type="slidenum">
+              <a:t>2</a:t>
+            </a:fld>
+            <a:endParaRPr/>
           </a:p>
         </p:txBody>
       </p:sp>
@@ -10090,12 +10432,12 @@
   <p:clrMapOvr>
     <a:masterClrMapping/>
   </p:clrMapOvr>
-  <p:transition xmlns:p14="http://schemas.microsoft.com/office/powerpoint/2010/main" spd="med" advClick="1"/>
+  <p:transition spd="med"/>
 </p:sld>
 </file>
 
 <file path=ppt/slides/slide3.xml><?xml version="1.0" encoding="utf-8"?>
-<p:sld xmlns:a="http://schemas.openxmlformats.org/drawingml/2006/main" xmlns:r="http://schemas.openxmlformats.org/officeDocument/2006/relationships" xmlns:p="http://schemas.openxmlformats.org/presentationml/2006/main" xmlns:m="http://schemas.openxmlformats.org/officeDocument/2006/math" xmlns:a14="http://schemas.microsoft.com/office/drawing/2010/main" showMasterSp="1" showMasterPhAnim="1">
+<p:sld xmlns:a="http://schemas.openxmlformats.org/drawingml/2006/main" xmlns:r="http://schemas.openxmlformats.org/officeDocument/2006/relationships" xmlns:p="http://schemas.openxmlformats.org/presentationml/2006/main">
   <p:cSld>
     <p:spTree>
       <p:nvGrpSpPr>
@@ -10114,7 +10456,9 @@
       <p:sp>
         <p:nvSpPr>
           <p:cNvPr id="130" name="Title 3"/>
-          <p:cNvSpPr txBox="1"/>
+          <p:cNvSpPr txBox="1">
+            <a:spLocks noGrp="1"/>
+          </p:cNvSpPr>
           <p:nvPr>
             <p:ph type="title"/>
           </p:nvPr>
@@ -10136,7 +10480,6 @@
             </a:lvl1pPr>
           </a:lstStyle>
           <a:p>
-            <a:pPr/>
             <a:r>
               <a:t>The Problem:</a:t>
             </a:r>
@@ -10146,7 +10489,9 @@
       <p:sp>
         <p:nvSpPr>
           <p:cNvPr id="131" name="Slide Number Placeholder 1"/>
-          <p:cNvSpPr txBox="1"/>
+          <p:cNvSpPr txBox="1">
+            <a:spLocks noGrp="1"/>
+          </p:cNvSpPr>
           <p:nvPr>
             <p:ph type="sldNum" sz="quarter" idx="4294967295"/>
           </p:nvPr>
@@ -10161,7 +10506,7 @@
           </a:prstGeom>
           <a:extLst>
             <a:ext uri="{C572A759-6A51-4108-AA02-DFA0A04FC94B}">
-              <ma14:wrappingTextBoxFlag xmlns:ma14="http://schemas.microsoft.com/office/mac/drawingml/2011/main" val="1"/>
+              <ma14:wrappingTextBoxFlag xmlns:ma14="http://schemas.microsoft.com/office/mac/drawingml/2011/main" xmlns:a14="http://schemas.microsoft.com/office/drawing/2010/main" xmlns:m="http://schemas.openxmlformats.org/officeDocument/2006/math" xmlns="" val="1"/>
             </a:ext>
           </a:extLst>
         </p:spPr>
@@ -10169,8 +10514,10 @@
           <a:bodyPr/>
           <a:lstStyle/>
           <a:p>
-            <a:pPr/>
-            <a:fld id="{86CB4B4D-7CA3-9044-876B-883B54F8677D}" type="slidenum"/>
+            <a:fld id="{86CB4B4D-7CA3-9044-876B-883B54F8677D}" type="slidenum">
+              <a:t>3</a:t>
+            </a:fld>
+            <a:endParaRPr/>
           </a:p>
         </p:txBody>
       </p:sp>
@@ -10193,7 +10540,7 @@
           </a:ln>
           <a:extLst>
             <a:ext uri="{C572A759-6A51-4108-AA02-DFA0A04FC94B}">
-              <ma14:wrappingTextBoxFlag xmlns:ma14="http://schemas.microsoft.com/office/mac/drawingml/2011/main" val="1"/>
+              <ma14:wrappingTextBoxFlag xmlns:ma14="http://schemas.microsoft.com/office/mac/drawingml/2011/main" xmlns:a14="http://schemas.microsoft.com/office/drawing/2010/main" xmlns:m="http://schemas.openxmlformats.org/officeDocument/2006/math" xmlns="" val="1"/>
             </a:ext>
           </a:extLst>
         </p:spPr>
@@ -10225,11 +10572,6 @@
               </a:rPr>
               <a:t>ClassA</a:t>
             </a:r>
-            <a:endParaRPr>
-              <a:solidFill>
-                <a:srgbClr val="4EC9B0"/>
-              </a:solidFill>
-            </a:endParaRPr>
           </a:p>
           <a:p>
             <a:pPr algn="l" defTabSz="457200">
@@ -10326,11 +10668,6 @@
               </a:rPr>
               <a:t>&gt; EventA;</a:t>
             </a:r>
-            <a:endParaRPr>
-              <a:solidFill>
-                <a:srgbClr val="DCDCDC"/>
-              </a:solidFill>
-            </a:endParaRPr>
           </a:p>
           <a:p>
             <a:pPr algn="l" defTabSz="457200">
@@ -10427,11 +10764,6 @@
               </a:rPr>
               <a:t>&gt; EventB;</a:t>
             </a:r>
-            <a:endParaRPr>
-              <a:solidFill>
-                <a:srgbClr val="DCDCDC"/>
-              </a:solidFill>
-            </a:endParaRPr>
           </a:p>
           <a:p>
             <a:pPr algn="l" defTabSz="457200">
@@ -10470,7 +10802,7 @@
           </a:ln>
           <a:extLst>
             <a:ext uri="{C572A759-6A51-4108-AA02-DFA0A04FC94B}">
-              <ma14:wrappingTextBoxFlag xmlns:ma14="http://schemas.microsoft.com/office/mac/drawingml/2011/main" val="1"/>
+              <ma14:wrappingTextBoxFlag xmlns:ma14="http://schemas.microsoft.com/office/mac/drawingml/2011/main" xmlns:a14="http://schemas.microsoft.com/office/drawing/2010/main" xmlns:m="http://schemas.openxmlformats.org/officeDocument/2006/math" xmlns="" val="1"/>
             </a:ext>
           </a:extLst>
         </p:spPr>
@@ -10495,7 +10827,6 @@
             </a:lvl1pPr>
           </a:lstStyle>
           <a:p>
-            <a:pPr/>
             <a:r>
               <a:t>Example of common usages of events in C#:</a:t>
             </a:r>
@@ -10521,7 +10852,7 @@
           </a:ln>
           <a:extLst>
             <a:ext uri="{C572A759-6A51-4108-AA02-DFA0A04FC94B}">
-              <ma14:wrappingTextBoxFlag xmlns:ma14="http://schemas.microsoft.com/office/mac/drawingml/2011/main" val="1"/>
+              <ma14:wrappingTextBoxFlag xmlns:ma14="http://schemas.microsoft.com/office/mac/drawingml/2011/main" xmlns:a14="http://schemas.microsoft.com/office/drawing/2010/main" xmlns:m="http://schemas.openxmlformats.org/officeDocument/2006/math" xmlns="" val="1"/>
             </a:ext>
           </a:extLst>
         </p:spPr>
@@ -10553,11 +10884,6 @@
               </a:rPr>
               <a:t>ClassB</a:t>
             </a:r>
-            <a:endParaRPr>
-              <a:solidFill>
-                <a:srgbClr val="4EC9B0"/>
-              </a:solidFill>
-            </a:endParaRPr>
           </a:p>
           <a:p>
             <a:pPr algn="l" defTabSz="457200">
@@ -10646,11 +10972,6 @@
               </a:rPr>
               <a:t>objA) { }</a:t>
             </a:r>
-            <a:endParaRPr>
-              <a:solidFill>
-                <a:srgbClr val="DCDCDC"/>
-              </a:solidFill>
-            </a:endParaRPr>
           </a:p>
           <a:p>
             <a:pPr algn="l" defTabSz="457200">
@@ -10689,7 +11010,7 @@
           </a:ln>
           <a:extLst>
             <a:ext uri="{C572A759-6A51-4108-AA02-DFA0A04FC94B}">
-              <ma14:wrappingTextBoxFlag xmlns:ma14="http://schemas.microsoft.com/office/mac/drawingml/2011/main" val="1"/>
+              <ma14:wrappingTextBoxFlag xmlns:ma14="http://schemas.microsoft.com/office/mac/drawingml/2011/main" xmlns:a14="http://schemas.microsoft.com/office/drawing/2010/main" xmlns:m="http://schemas.openxmlformats.org/officeDocument/2006/math" xmlns="" val="1"/>
             </a:ext>
           </a:extLst>
         </p:spPr>
@@ -10782,11 +11103,6 @@
               </a:rPr>
               <a:t>_objA;</a:t>
             </a:r>
-            <a:endParaRPr>
-              <a:solidFill>
-                <a:srgbClr val="DCDCDC"/>
-              </a:solidFill>
-            </a:endParaRPr>
           </a:p>
           <a:p>
             <a:pPr algn="l" defTabSz="457200">
@@ -10827,11 +11143,6 @@
               </a:rPr>
               <a:t>_objB;</a:t>
             </a:r>
-            <a:endParaRPr>
-              <a:solidFill>
-                <a:srgbClr val="DCDCDC"/>
-              </a:solidFill>
-            </a:endParaRPr>
           </a:p>
           <a:p>
             <a:pPr algn="l" defTabSz="457200">
@@ -10872,11 +11183,6 @@
               </a:rPr>
               <a:t>_objC;</a:t>
             </a:r>
-            <a:endParaRPr>
-              <a:solidFill>
-                <a:srgbClr val="DCDCDC"/>
-              </a:solidFill>
-            </a:endParaRPr>
           </a:p>
           <a:p>
             <a:pPr algn="l" defTabSz="457200">
@@ -10890,6 +11196,11 @@
                 <a:sym typeface="Helvetica"/>
               </a:defRPr>
             </a:pPr>
+            <a:endParaRPr>
+              <a:solidFill>
+                <a:srgbClr val="DCDCDC"/>
+              </a:solidFill>
+            </a:endParaRPr>
           </a:p>
           <a:p>
             <a:pPr algn="l" defTabSz="457200">
@@ -10935,11 +11246,6 @@
               </a:rPr>
               <a:t>()</a:t>
             </a:r>
-            <a:endParaRPr>
-              <a:solidFill>
-                <a:srgbClr val="DCDCDC"/>
-              </a:solidFill>
-            </a:endParaRPr>
           </a:p>
           <a:p>
             <a:pPr algn="l" defTabSz="457200">
@@ -11238,7 +11544,7 @@
               <a:round/>
             </a:ln>
             <a:effectLst>
-              <a:outerShdw sx="100000" sy="100000" kx="0" ky="0" algn="b" rotWithShape="0" blurRad="63500" dist="50800" dir="5400000">
+              <a:outerShdw blurRad="63500" dist="50800" dir="5400000" rotWithShape="0">
                 <a:srgbClr val="000000">
                   <a:alpha val="48000"/>
                 </a:srgbClr>
@@ -11246,7 +11552,7 @@
             </a:effectLst>
             <a:extLst>
               <a:ext uri="{C572A759-6A51-4108-AA02-DFA0A04FC94B}">
-                <ma14:wrappingTextBoxFlag xmlns:ma14="http://schemas.microsoft.com/office/mac/drawingml/2011/main" val="1"/>
+                <ma14:wrappingTextBoxFlag xmlns:ma14="http://schemas.microsoft.com/office/mac/drawingml/2011/main" xmlns:a14="http://schemas.microsoft.com/office/drawing/2010/main" xmlns:m="http://schemas.openxmlformats.org/officeDocument/2006/math" xmlns="" val="1"/>
               </a:ext>
             </a:extLst>
           </p:spPr>
@@ -11260,7 +11566,6 @@
               </a:lvl1pPr>
             </a:lstStyle>
             <a:p>
-              <a:pPr/>
               <a:r>
                 <a:t>ClassA</a:t>
               </a:r>
@@ -11294,7 +11599,7 @@
               <a:round/>
             </a:ln>
             <a:effectLst>
-              <a:outerShdw sx="100000" sy="100000" kx="0" ky="0" algn="b" rotWithShape="0" blurRad="63500" dist="50800" dir="5400000">
+              <a:outerShdw blurRad="63500" dist="50800" dir="5400000" rotWithShape="0">
                 <a:srgbClr val="000000">
                   <a:alpha val="48000"/>
                 </a:srgbClr>
@@ -11302,7 +11607,7 @@
             </a:effectLst>
             <a:extLst>
               <a:ext uri="{C572A759-6A51-4108-AA02-DFA0A04FC94B}">
-                <ma14:wrappingTextBoxFlag xmlns:ma14="http://schemas.microsoft.com/office/mac/drawingml/2011/main" val="1"/>
+                <ma14:wrappingTextBoxFlag xmlns:ma14="http://schemas.microsoft.com/office/mac/drawingml/2011/main" xmlns:a14="http://schemas.microsoft.com/office/drawing/2010/main" xmlns:m="http://schemas.openxmlformats.org/officeDocument/2006/math" xmlns="" val="1"/>
               </a:ext>
             </a:extLst>
           </p:spPr>
@@ -11316,7 +11621,6 @@
               </a:lvl1pPr>
             </a:lstStyle>
             <a:p>
-              <a:pPr/>
               <a:r>
                 <a:t>ObjC</a:t>
               </a:r>
@@ -11347,7 +11651,7 @@
               <a:tailEnd type="triangle" w="med" len="med"/>
             </a:ln>
             <a:effectLst>
-              <a:outerShdw sx="100000" sy="100000" kx="0" ky="0" algn="b" rotWithShape="0" blurRad="63500" dist="50800" dir="5400000">
+              <a:outerShdw blurRad="63500" dist="50800" dir="5400000" rotWithShape="0">
                 <a:srgbClr val="000000">
                   <a:alpha val="48000"/>
                 </a:srgbClr>
@@ -11360,7 +11664,7 @@
             </a:bodyPr>
             <a:lstStyle/>
             <a:p>
-              <a:pPr/>
+              <a:endParaRPr/>
             </a:p>
           </p:txBody>
         </p:sp>
@@ -11386,7 +11690,7 @@
             <a:effectLst/>
             <a:extLst>
               <a:ext uri="{C572A759-6A51-4108-AA02-DFA0A04FC94B}">
-                <ma14:wrappingTextBoxFlag xmlns:ma14="http://schemas.microsoft.com/office/mac/drawingml/2011/main" val="1"/>
+                <ma14:wrappingTextBoxFlag xmlns:ma14="http://schemas.microsoft.com/office/mac/drawingml/2011/main" xmlns:a14="http://schemas.microsoft.com/office/drawing/2010/main" xmlns:m="http://schemas.openxmlformats.org/officeDocument/2006/math" xmlns="" val="1"/>
               </a:ext>
             </a:extLst>
           </p:spPr>
@@ -11404,7 +11708,6 @@
               </a:lvl1pPr>
             </a:lstStyle>
             <a:p>
-              <a:pPr/>
               <a:r>
                 <a:t>EventB</a:t>
               </a:r>
@@ -11453,7 +11756,7 @@
               <a:round/>
             </a:ln>
             <a:effectLst>
-              <a:outerShdw sx="100000" sy="100000" kx="0" ky="0" algn="b" rotWithShape="0" blurRad="63500" dist="50800" dir="5400000">
+              <a:outerShdw blurRad="63500" dist="50800" dir="5400000" rotWithShape="0">
                 <a:srgbClr val="000000">
                   <a:alpha val="48000"/>
                 </a:srgbClr>
@@ -11461,7 +11764,7 @@
             </a:effectLst>
             <a:extLst>
               <a:ext uri="{C572A759-6A51-4108-AA02-DFA0A04FC94B}">
-                <ma14:wrappingTextBoxFlag xmlns:ma14="http://schemas.microsoft.com/office/mac/drawingml/2011/main" val="1"/>
+                <ma14:wrappingTextBoxFlag xmlns:ma14="http://schemas.microsoft.com/office/mac/drawingml/2011/main" xmlns:a14="http://schemas.microsoft.com/office/drawing/2010/main" xmlns:m="http://schemas.openxmlformats.org/officeDocument/2006/math" xmlns="" val="1"/>
               </a:ext>
             </a:extLst>
           </p:spPr>
@@ -11475,7 +11778,6 @@
               </a:lvl1pPr>
             </a:lstStyle>
             <a:p>
-              <a:pPr/>
               <a:r>
                 <a:t>ObjA</a:t>
               </a:r>
@@ -11509,7 +11811,7 @@
               <a:round/>
             </a:ln>
             <a:effectLst>
-              <a:outerShdw sx="100000" sy="100000" kx="0" ky="0" algn="b" rotWithShape="0" blurRad="63500" dist="50800" dir="5400000">
+              <a:outerShdw blurRad="63500" dist="50800" dir="5400000" rotWithShape="0">
                 <a:srgbClr val="000000">
                   <a:alpha val="48000"/>
                 </a:srgbClr>
@@ -11517,7 +11819,7 @@
             </a:effectLst>
             <a:extLst>
               <a:ext uri="{C572A759-6A51-4108-AA02-DFA0A04FC94B}">
-                <ma14:wrappingTextBoxFlag xmlns:ma14="http://schemas.microsoft.com/office/mac/drawingml/2011/main" val="1"/>
+                <ma14:wrappingTextBoxFlag xmlns:ma14="http://schemas.microsoft.com/office/mac/drawingml/2011/main" xmlns:a14="http://schemas.microsoft.com/office/drawing/2010/main" xmlns:m="http://schemas.openxmlformats.org/officeDocument/2006/math" xmlns="" val="1"/>
               </a:ext>
             </a:extLst>
           </p:spPr>
@@ -11531,7 +11833,6 @@
               </a:lvl1pPr>
             </a:lstStyle>
             <a:p>
-              <a:pPr/>
               <a:r>
                 <a:t>ObjB</a:t>
               </a:r>
@@ -11562,7 +11863,7 @@
               <a:tailEnd type="triangle" w="med" len="med"/>
             </a:ln>
             <a:effectLst>
-              <a:outerShdw sx="100000" sy="100000" kx="0" ky="0" algn="b" rotWithShape="0" blurRad="63500" dist="50800" dir="5400000">
+              <a:outerShdw blurRad="63500" dist="50800" dir="5400000" rotWithShape="0">
                 <a:srgbClr val="000000">
                   <a:alpha val="48000"/>
                 </a:srgbClr>
@@ -11575,7 +11876,7 @@
             </a:bodyPr>
             <a:lstStyle/>
             <a:p>
-              <a:pPr/>
+              <a:endParaRPr/>
             </a:p>
           </p:txBody>
         </p:sp>
@@ -11601,7 +11902,7 @@
             <a:effectLst/>
             <a:extLst>
               <a:ext uri="{C572A759-6A51-4108-AA02-DFA0A04FC94B}">
-                <ma14:wrappingTextBoxFlag xmlns:ma14="http://schemas.microsoft.com/office/mac/drawingml/2011/main" val="1"/>
+                <ma14:wrappingTextBoxFlag xmlns:ma14="http://schemas.microsoft.com/office/mac/drawingml/2011/main" xmlns:a14="http://schemas.microsoft.com/office/drawing/2010/main" xmlns:m="http://schemas.openxmlformats.org/officeDocument/2006/math" xmlns="" val="1"/>
               </a:ext>
             </a:extLst>
           </p:spPr>
@@ -11619,7 +11920,6 @@
               </a:lvl1pPr>
             </a:lstStyle>
             <a:p>
-              <a:pPr/>
               <a:r>
                 <a:t>EventA</a:t>
               </a:r>
@@ -11632,12 +11932,12 @@
   <p:clrMapOvr>
     <a:masterClrMapping/>
   </p:clrMapOvr>
-  <p:transition xmlns:p14="http://schemas.microsoft.com/office/powerpoint/2010/main" spd="med" advClick="1"/>
+  <p:transition spd="med"/>
 </p:sld>
 </file>
 
 <file path=ppt/slides/slide4.xml><?xml version="1.0" encoding="utf-8"?>
-<p:sld xmlns:a="http://schemas.openxmlformats.org/drawingml/2006/main" xmlns:r="http://schemas.openxmlformats.org/officeDocument/2006/relationships" xmlns:p="http://schemas.openxmlformats.org/presentationml/2006/main" xmlns:m="http://schemas.openxmlformats.org/officeDocument/2006/math" xmlns:a14="http://schemas.microsoft.com/office/drawing/2010/main" showMasterSp="1" showMasterPhAnim="1">
+<p:sld xmlns:a="http://schemas.openxmlformats.org/drawingml/2006/main" xmlns:r="http://schemas.openxmlformats.org/officeDocument/2006/relationships" xmlns:p="http://schemas.openxmlformats.org/presentationml/2006/main">
   <p:cSld>
     <p:spTree>
       <p:nvGrpSpPr>
@@ -11672,7 +11972,7 @@
           </a:ln>
           <a:extLst>
             <a:ext uri="{C572A759-6A51-4108-AA02-DFA0A04FC94B}">
-              <ma14:wrappingTextBoxFlag xmlns:ma14="http://schemas.microsoft.com/office/mac/drawingml/2011/main" val="1"/>
+              <ma14:wrappingTextBoxFlag xmlns:ma14="http://schemas.microsoft.com/office/mac/drawingml/2011/main" xmlns:a14="http://schemas.microsoft.com/office/drawing/2010/main" xmlns:m="http://schemas.openxmlformats.org/officeDocument/2006/math" xmlns="" val="1"/>
             </a:ext>
           </a:extLst>
         </p:spPr>
@@ -11692,12 +11992,12 @@
               <a:buSzPct val="100000"/>
               <a:buFont typeface="Arial"/>
               <a:buChar char="✓"/>
-              <a:defRPr b="1" sz="2800">
+              <a:defRPr sz="2800" b="1">
                 <a:solidFill>
                   <a:srgbClr val="FFFFFF"/>
                 </a:solidFill>
                 <a:effectLst>
-                  <a:outerShdw sx="100000" sy="100000" kx="0" ky="0" algn="b" rotWithShape="0" blurRad="38100" dist="38100" dir="2700000">
+                  <a:outerShdw blurRad="38100" dist="38100" dir="2700000" rotWithShape="0">
                     <a:srgbClr val="000000">
                       <a:alpha val="43137"/>
                     </a:srgbClr>
@@ -11827,7 +12127,6 @@
               <a:rPr b="0"/>
               <a:t> way.</a:t>
             </a:r>
-            <a:endParaRPr b="0"/>
           </a:p>
           <a:p>
             <a:pPr marL="525780" indent="-480059" algn="l">
@@ -11840,12 +12139,12 @@
               <a:buSzPct val="100000"/>
               <a:buFont typeface="Arial"/>
               <a:buChar char="✓"/>
-              <a:defRPr b="1" sz="2800">
+              <a:defRPr sz="2800" b="1">
                 <a:solidFill>
                   <a:srgbClr val="FFFFFF"/>
                 </a:solidFill>
                 <a:effectLst>
-                  <a:outerShdw sx="100000" sy="100000" kx="0" ky="0" algn="b" rotWithShape="0" blurRad="38100" dist="38100" dir="2700000">
+                  <a:outerShdw blurRad="38100" dist="38100" dir="2700000" rotWithShape="0">
                     <a:srgbClr val="000000">
                       <a:alpha val="43137"/>
                     </a:srgbClr>
@@ -11870,12 +12169,12 @@
               <a:buSzPct val="100000"/>
               <a:buFont typeface="Arial"/>
               <a:buChar char="✓"/>
-              <a:defRPr b="1" sz="2800">
+              <a:defRPr sz="2800" b="1">
                 <a:solidFill>
                   <a:srgbClr val="FFFFFF"/>
                 </a:solidFill>
                 <a:effectLst>
-                  <a:outerShdw sx="100000" sy="100000" kx="0" ky="0" algn="b" rotWithShape="0" blurRad="38100" dist="38100" dir="2700000">
+                  <a:outerShdw blurRad="38100" dist="38100" dir="2700000" rotWithShape="0">
                     <a:srgbClr val="000000">
                       <a:alpha val="43137"/>
                     </a:srgbClr>
@@ -11891,7 +12190,6 @@
               <a:rPr b="0"/>
               <a:t>Instead of passing objects or modules, pass small Payloads (Data/Messages) that are relevant for the specific cases/events.</a:t>
             </a:r>
-            <a:endParaRPr b="0"/>
           </a:p>
           <a:p>
             <a:pPr marL="525780" indent="-480059" algn="l">
@@ -11904,12 +12202,12 @@
               <a:buSzPct val="100000"/>
               <a:buFont typeface="Arial"/>
               <a:buChar char="✓"/>
-              <a:defRPr b="1" sz="2800">
+              <a:defRPr sz="2800" b="1">
                 <a:solidFill>
                   <a:srgbClr val="FFFFFF"/>
                 </a:solidFill>
                 <a:effectLst>
-                  <a:outerShdw sx="100000" sy="100000" kx="0" ky="0" algn="b" rotWithShape="0" blurRad="38100" dist="38100" dir="2700000">
+                  <a:outerShdw blurRad="38100" dist="38100" dir="2700000" rotWithShape="0">
                     <a:srgbClr val="000000">
                       <a:alpha val="43137"/>
                     </a:srgbClr>
@@ -11934,12 +12232,12 @@
               <a:buSzPct val="100000"/>
               <a:buFont typeface="Arial"/>
               <a:buChar char="✓"/>
-              <a:defRPr b="1" sz="2800">
+              <a:defRPr sz="2800" b="1">
                 <a:solidFill>
                   <a:srgbClr val="FFFFFF"/>
                 </a:solidFill>
                 <a:effectLst>
-                  <a:outerShdw sx="100000" sy="100000" kx="0" ky="0" algn="b" rotWithShape="0" blurRad="38100" dist="38100" dir="2700000">
+                  <a:outerShdw blurRad="38100" dist="38100" dir="2700000" rotWithShape="0">
                     <a:srgbClr val="000000">
                       <a:alpha val="43137"/>
                     </a:srgbClr>
@@ -11955,7 +12253,6 @@
               <a:rPr b="0"/>
               <a:t>Classes/Modules will not be “familiar” with each other = better encapsulation and less dependencies.</a:t>
             </a:r>
-            <a:endParaRPr b="0"/>
           </a:p>
           <a:p>
             <a:pPr marL="525780" indent="-480059" algn="l">
@@ -11968,12 +12265,12 @@
               <a:buSzPct val="100000"/>
               <a:buFont typeface="Arial"/>
               <a:buChar char="✓"/>
-              <a:defRPr b="1" sz="2800">
+              <a:defRPr sz="2800" b="1">
                 <a:solidFill>
                   <a:srgbClr val="FFFFFF"/>
                 </a:solidFill>
                 <a:effectLst>
-                  <a:outerShdw sx="100000" sy="100000" kx="0" ky="0" algn="b" rotWithShape="0" blurRad="38100" dist="38100" dir="2700000">
+                  <a:outerShdw blurRad="38100" dist="38100" dir="2700000" rotWithShape="0">
                     <a:srgbClr val="000000">
                       <a:alpha val="43137"/>
                     </a:srgbClr>
@@ -11998,12 +12295,12 @@
               <a:buSzPct val="100000"/>
               <a:buFont typeface="Arial"/>
               <a:buChar char="✓"/>
-              <a:defRPr b="1" sz="2800">
+              <a:defRPr sz="2800" b="1">
                 <a:solidFill>
                   <a:srgbClr val="FFFFFF"/>
                 </a:solidFill>
                 <a:effectLst>
-                  <a:outerShdw sx="100000" sy="100000" kx="0" ky="0" algn="b" rotWithShape="0" blurRad="38100" dist="38100" dir="2700000">
+                  <a:outerShdw blurRad="38100" dist="38100" dir="2700000" rotWithShape="0">
                     <a:srgbClr val="000000">
                       <a:alpha val="43137"/>
                     </a:srgbClr>
@@ -12019,7 +12316,6 @@
               <a:rPr b="0"/>
               <a:t>In case of subscriber’s destruction, it will be removed automatically from Messenger’s list, since it is via Weak Reference.</a:t>
             </a:r>
-            <a:endParaRPr b="0"/>
           </a:p>
           <a:p>
             <a:pPr marL="525780" indent="-480059" algn="l">
@@ -12032,12 +12328,12 @@
               <a:buSzPct val="100000"/>
               <a:buFont typeface="Arial"/>
               <a:buChar char="✓"/>
-              <a:defRPr b="1" sz="2800">
+              <a:defRPr sz="2800" b="1">
                 <a:solidFill>
                   <a:srgbClr val="FFFFFF"/>
                 </a:solidFill>
                 <a:effectLst>
-                  <a:outerShdw sx="100000" sy="100000" kx="0" ky="0" algn="b" rotWithShape="0" blurRad="38100" dist="38100" dir="2700000">
+                  <a:outerShdw blurRad="38100" dist="38100" dir="2700000" rotWithShape="0">
                     <a:srgbClr val="000000">
                       <a:alpha val="43137"/>
                     </a:srgbClr>
@@ -12062,12 +12358,12 @@
               <a:buSzPct val="100000"/>
               <a:buFont typeface="Arial"/>
               <a:buChar char="✓"/>
-              <a:defRPr b="1" sz="2800">
+              <a:defRPr sz="2800" b="1">
                 <a:solidFill>
                   <a:srgbClr val="FFFFFF"/>
                 </a:solidFill>
                 <a:effectLst>
-                  <a:outerShdw sx="100000" sy="100000" kx="0" ky="0" algn="b" rotWithShape="0" blurRad="38100" dist="38100" dir="2700000">
+                  <a:outerShdw blurRad="38100" dist="38100" dir="2700000" rotWithShape="0">
                     <a:srgbClr val="000000">
                       <a:alpha val="43137"/>
                     </a:srgbClr>
@@ -12105,7 +12401,7 @@
           </a:ln>
           <a:extLst>
             <a:ext uri="{C572A759-6A51-4108-AA02-DFA0A04FC94B}">
-              <ma14:wrappingTextBoxFlag xmlns:ma14="http://schemas.microsoft.com/office/mac/drawingml/2011/main" val="1"/>
+              <ma14:wrappingTextBoxFlag xmlns:ma14="http://schemas.microsoft.com/office/mac/drawingml/2011/main" xmlns:a14="http://schemas.microsoft.com/office/drawing/2010/main" xmlns:m="http://schemas.openxmlformats.org/officeDocument/2006/math" xmlns="" val="1"/>
             </a:ext>
           </a:extLst>
         </p:spPr>
@@ -12120,7 +12416,7 @@
                   <a:srgbClr val="FF8600"/>
                 </a:solidFill>
                 <a:effectLst>
-                  <a:outerShdw sx="100000" sy="100000" kx="0" ky="0" algn="b" rotWithShape="0" blurRad="38100" dist="38100" dir="2700000">
+                  <a:outerShdw blurRad="38100" dist="38100" dir="2700000" rotWithShape="0">
                     <a:srgbClr val="000000">
                       <a:alpha val="43137"/>
                     </a:srgbClr>
@@ -12134,7 +12430,6 @@
             </a:lvl1pPr>
           </a:lstStyle>
           <a:p>
-            <a:pPr/>
             <a:r>
               <a:t>The Solution:</a:t>
             </a:r>
@@ -12144,7 +12439,9 @@
       <p:sp>
         <p:nvSpPr>
           <p:cNvPr id="149" name="Slide Number Placeholder 1"/>
-          <p:cNvSpPr txBox="1"/>
+          <p:cNvSpPr txBox="1">
+            <a:spLocks noGrp="1"/>
+          </p:cNvSpPr>
           <p:nvPr>
             <p:ph type="sldNum" sz="quarter" idx="4294967295"/>
           </p:nvPr>
@@ -12159,7 +12456,7 @@
           </a:prstGeom>
           <a:extLst>
             <a:ext uri="{C572A759-6A51-4108-AA02-DFA0A04FC94B}">
-              <ma14:wrappingTextBoxFlag xmlns:ma14="http://schemas.microsoft.com/office/mac/drawingml/2011/main" val="1"/>
+              <ma14:wrappingTextBoxFlag xmlns:ma14="http://schemas.microsoft.com/office/mac/drawingml/2011/main" xmlns:a14="http://schemas.microsoft.com/office/drawing/2010/main" xmlns:m="http://schemas.openxmlformats.org/officeDocument/2006/math" xmlns="" val="1"/>
             </a:ext>
           </a:extLst>
         </p:spPr>
@@ -12167,8 +12464,10 @@
           <a:bodyPr/>
           <a:lstStyle/>
           <a:p>
-            <a:pPr/>
-            <a:fld id="{86CB4B4D-7CA3-9044-876B-883B54F8677D}" type="slidenum"/>
+            <a:fld id="{86CB4B4D-7CA3-9044-876B-883B54F8677D}" type="slidenum">
+              <a:t>4</a:t>
+            </a:fld>
+            <a:endParaRPr/>
           </a:p>
         </p:txBody>
       </p:sp>
@@ -12177,12 +12476,12 @@
   <p:clrMapOvr>
     <a:masterClrMapping/>
   </p:clrMapOvr>
-  <p:transition xmlns:p14="http://schemas.microsoft.com/office/powerpoint/2010/main" spd="med" advClick="1"/>
+  <p:transition spd="med"/>
 </p:sld>
 </file>
 
 <file path=ppt/slides/slide5.xml><?xml version="1.0" encoding="utf-8"?>
-<p:sld xmlns:a="http://schemas.openxmlformats.org/drawingml/2006/main" xmlns:r="http://schemas.openxmlformats.org/officeDocument/2006/relationships" xmlns:p="http://schemas.openxmlformats.org/presentationml/2006/main" xmlns:m="http://schemas.openxmlformats.org/officeDocument/2006/math" xmlns:a14="http://schemas.microsoft.com/office/drawing/2010/main" showMasterSp="1" showMasterPhAnim="1">
+<p:sld xmlns:a="http://schemas.openxmlformats.org/drawingml/2006/main" xmlns:r="http://schemas.openxmlformats.org/officeDocument/2006/relationships" xmlns:p="http://schemas.openxmlformats.org/presentationml/2006/main">
   <p:cSld>
     <p:spTree>
       <p:nvGrpSpPr>
@@ -12217,7 +12516,7 @@
           </a:ln>
           <a:extLst>
             <a:ext uri="{C572A759-6A51-4108-AA02-DFA0A04FC94B}">
-              <ma14:wrappingTextBoxFlag xmlns:ma14="http://schemas.microsoft.com/office/mac/drawingml/2011/main" val="1"/>
+              <ma14:wrappingTextBoxFlag xmlns:ma14="http://schemas.microsoft.com/office/mac/drawingml/2011/main" xmlns:a14="http://schemas.microsoft.com/office/drawing/2010/main" xmlns:m="http://schemas.openxmlformats.org/officeDocument/2006/math" xmlns="" val="1"/>
             </a:ext>
           </a:extLst>
         </p:spPr>
@@ -12232,7 +12531,7 @@
                   <a:srgbClr val="FF8600"/>
                 </a:solidFill>
                 <a:effectLst>
-                  <a:outerShdw sx="100000" sy="100000" kx="0" ky="0" algn="b" rotWithShape="0" blurRad="38100" dist="38100" dir="2700000">
+                  <a:outerShdw blurRad="38100" dist="38100" dir="2700000" rotWithShape="0">
                     <a:srgbClr val="000000">
                       <a:alpha val="43137"/>
                     </a:srgbClr>
@@ -12246,7 +12545,6 @@
             </a:lvl1pPr>
           </a:lstStyle>
           <a:p>
-            <a:pPr/>
             <a:r>
               <a:t>The Solution:</a:t>
             </a:r>
@@ -12256,7 +12554,9 @@
       <p:sp>
         <p:nvSpPr>
           <p:cNvPr id="152" name="Slide Number Placeholder 1"/>
-          <p:cNvSpPr txBox="1"/>
+          <p:cNvSpPr txBox="1">
+            <a:spLocks noGrp="1"/>
+          </p:cNvSpPr>
           <p:nvPr>
             <p:ph type="sldNum" sz="quarter" idx="4294967295"/>
           </p:nvPr>
@@ -12271,7 +12571,7 @@
           </a:prstGeom>
           <a:extLst>
             <a:ext uri="{C572A759-6A51-4108-AA02-DFA0A04FC94B}">
-              <ma14:wrappingTextBoxFlag xmlns:ma14="http://schemas.microsoft.com/office/mac/drawingml/2011/main" val="1"/>
+              <ma14:wrappingTextBoxFlag xmlns:ma14="http://schemas.microsoft.com/office/mac/drawingml/2011/main" xmlns:a14="http://schemas.microsoft.com/office/drawing/2010/main" xmlns:m="http://schemas.openxmlformats.org/officeDocument/2006/math" xmlns="" val="1"/>
             </a:ext>
           </a:extLst>
         </p:spPr>
@@ -12279,8 +12579,10 @@
           <a:bodyPr/>
           <a:lstStyle/>
           <a:p>
-            <a:pPr/>
-            <a:fld id="{86CB4B4D-7CA3-9044-876B-883B54F8677D}" type="slidenum"/>
+            <a:fld id="{86CB4B4D-7CA3-9044-876B-883B54F8677D}" type="slidenum">
+              <a:t>5</a:t>
+            </a:fld>
+            <a:endParaRPr/>
           </a:p>
         </p:txBody>
       </p:sp>
@@ -12303,7 +12605,7 @@
           </a:ln>
           <a:extLst>
             <a:ext uri="{C572A759-6A51-4108-AA02-DFA0A04FC94B}">
-              <ma14:wrappingTextBoxFlag xmlns:ma14="http://schemas.microsoft.com/office/mac/drawingml/2011/main" val="1"/>
+              <ma14:wrappingTextBoxFlag xmlns:ma14="http://schemas.microsoft.com/office/mac/drawingml/2011/main" xmlns:a14="http://schemas.microsoft.com/office/drawing/2010/main" xmlns:m="http://schemas.openxmlformats.org/officeDocument/2006/math" xmlns="" val="1"/>
             </a:ext>
           </a:extLst>
         </p:spPr>
@@ -12335,11 +12637,6 @@
               </a:rPr>
               <a:t>ClassB</a:t>
             </a:r>
-            <a:endParaRPr>
-              <a:solidFill>
-                <a:srgbClr val="4EC9B0"/>
-              </a:solidFill>
-            </a:endParaRPr>
           </a:p>
           <a:p>
             <a:pPr algn="l" defTabSz="457200">
@@ -12461,7 +12758,7 @@
           </a:ln>
           <a:extLst>
             <a:ext uri="{C572A759-6A51-4108-AA02-DFA0A04FC94B}">
-              <ma14:wrappingTextBoxFlag xmlns:ma14="http://schemas.microsoft.com/office/mac/drawingml/2011/main" val="1"/>
+              <ma14:wrappingTextBoxFlag xmlns:ma14="http://schemas.microsoft.com/office/mac/drawingml/2011/main" xmlns:a14="http://schemas.microsoft.com/office/drawing/2010/main" xmlns:m="http://schemas.openxmlformats.org/officeDocument/2006/math" xmlns="" val="1"/>
             </a:ext>
           </a:extLst>
         </p:spPr>
@@ -12493,11 +12790,6 @@
               </a:rPr>
               <a:t>PayloadA</a:t>
             </a:r>
-            <a:endParaRPr>
-              <a:solidFill>
-                <a:srgbClr val="4EC9B0"/>
-              </a:solidFill>
-            </a:endParaRPr>
           </a:p>
           <a:p>
             <a:pPr algn="l" defTabSz="457200">
@@ -12568,11 +12860,6 @@
               </a:rPr>
               <a:t>; }</a:t>
             </a:r>
-            <a:endParaRPr>
-              <a:solidFill>
-                <a:srgbClr val="DCDCDC"/>
-              </a:solidFill>
-            </a:endParaRPr>
           </a:p>
           <a:p>
             <a:pPr algn="l" defTabSz="457200">
@@ -12627,11 +12914,6 @@
               </a:rPr>
               <a:t>; }</a:t>
             </a:r>
-            <a:endParaRPr>
-              <a:solidFill>
-                <a:srgbClr val="DCDCDC"/>
-              </a:solidFill>
-            </a:endParaRPr>
           </a:p>
           <a:p>
             <a:pPr algn="l" defTabSz="457200">
@@ -12670,7 +12952,7 @@
           </a:ln>
           <a:extLst>
             <a:ext uri="{C572A759-6A51-4108-AA02-DFA0A04FC94B}">
-              <ma14:wrappingTextBoxFlag xmlns:ma14="http://schemas.microsoft.com/office/mac/drawingml/2011/main" val="1"/>
+              <ma14:wrappingTextBoxFlag xmlns:ma14="http://schemas.microsoft.com/office/mac/drawingml/2011/main" xmlns:a14="http://schemas.microsoft.com/office/drawing/2010/main" xmlns:m="http://schemas.openxmlformats.org/officeDocument/2006/math" xmlns="" val="1"/>
             </a:ext>
           </a:extLst>
         </p:spPr>
@@ -12695,7 +12977,6 @@
             </a:lvl1pPr>
           </a:lstStyle>
           <a:p>
-            <a:pPr/>
             <a:r>
               <a:t>Usage of Messenger as Pub/Sub mechanism:</a:t>
             </a:r>
@@ -12721,7 +13002,7 @@
           </a:ln>
           <a:extLst>
             <a:ext uri="{C572A759-6A51-4108-AA02-DFA0A04FC94B}">
-              <ma14:wrappingTextBoxFlag xmlns:ma14="http://schemas.microsoft.com/office/mac/drawingml/2011/main" val="1"/>
+              <ma14:wrappingTextBoxFlag xmlns:ma14="http://schemas.microsoft.com/office/mac/drawingml/2011/main" xmlns:a14="http://schemas.microsoft.com/office/drawing/2010/main" xmlns:m="http://schemas.openxmlformats.org/officeDocument/2006/math" xmlns="" val="1"/>
             </a:ext>
           </a:extLst>
         </p:spPr>
@@ -12814,11 +13095,6 @@
               </a:rPr>
               <a:t>_objA;</a:t>
             </a:r>
-            <a:endParaRPr>
-              <a:solidFill>
-                <a:srgbClr val="DCDCDC"/>
-              </a:solidFill>
-            </a:endParaRPr>
           </a:p>
           <a:p>
             <a:pPr algn="l" defTabSz="457200">
@@ -12859,11 +13135,6 @@
               </a:rPr>
               <a:t>_objB;</a:t>
             </a:r>
-            <a:endParaRPr>
-              <a:solidFill>
-                <a:srgbClr val="DCDCDC"/>
-              </a:solidFill>
-            </a:endParaRPr>
           </a:p>
           <a:p>
             <a:pPr algn="l" defTabSz="457200">
@@ -12904,11 +13175,6 @@
               </a:rPr>
               <a:t>_objC;</a:t>
             </a:r>
-            <a:endParaRPr>
-              <a:solidFill>
-                <a:srgbClr val="DCDCDC"/>
-              </a:solidFill>
-            </a:endParaRPr>
           </a:p>
           <a:p>
             <a:pPr algn="l" defTabSz="457200">
@@ -12922,6 +13188,11 @@
                 <a:sym typeface="Helvetica"/>
               </a:defRPr>
             </a:pPr>
+            <a:endParaRPr>
+              <a:solidFill>
+                <a:srgbClr val="DCDCDC"/>
+              </a:solidFill>
+            </a:endParaRPr>
           </a:p>
           <a:p>
             <a:pPr algn="l" defTabSz="457200">
@@ -12967,11 +13238,6 @@
               </a:rPr>
               <a:t>()</a:t>
             </a:r>
-            <a:endParaRPr>
-              <a:solidFill>
-                <a:srgbClr val="DCDCDC"/>
-              </a:solidFill>
-            </a:endParaRPr>
           </a:p>
           <a:p>
             <a:pPr algn="l" defTabSz="457200">
@@ -13167,6 +13433,7 @@
                 <a:sym typeface="Helvetica"/>
               </a:defRPr>
             </a:pPr>
+            <a:endParaRPr/>
           </a:p>
           <a:p>
             <a:pPr algn="l" defTabSz="457200">
@@ -13221,11 +13488,6 @@
               </a:rPr>
               <a:t>}</a:t>
             </a:r>
-            <a:endParaRPr>
-              <a:solidFill>
-                <a:srgbClr val="FFFFFF"/>
-              </a:solidFill>
-            </a:endParaRPr>
           </a:p>
           <a:p>
             <a:pPr algn="l" defTabSz="457200">
@@ -13264,7 +13526,7 @@
           </a:ln>
           <a:extLst>
             <a:ext uri="{C572A759-6A51-4108-AA02-DFA0A04FC94B}">
-              <ma14:wrappingTextBoxFlag xmlns:ma14="http://schemas.microsoft.com/office/mac/drawingml/2011/main" val="1"/>
+              <ma14:wrappingTextBoxFlag xmlns:ma14="http://schemas.microsoft.com/office/mac/drawingml/2011/main" xmlns:a14="http://schemas.microsoft.com/office/drawing/2010/main" xmlns:m="http://schemas.openxmlformats.org/officeDocument/2006/math" xmlns="" val="1"/>
             </a:ext>
           </a:extLst>
         </p:spPr>
@@ -13362,11 +13624,6 @@
               </a:rPr>
               <a:t>()</a:t>
             </a:r>
-            <a:endParaRPr>
-              <a:solidFill>
-                <a:srgbClr val="DCDCDC"/>
-              </a:solidFill>
-            </a:endParaRPr>
           </a:p>
           <a:p>
             <a:pPr algn="l" defTabSz="457200">
@@ -13526,9 +13783,9 @@
         <p:grpSpPr>
           <a:xfrm>
             <a:off x="7839658" y="5181076"/>
-            <a:ext cx="4540066" cy="4197559"/>
+            <a:ext cx="4540067" cy="4197560"/>
             <a:chOff x="0" y="0"/>
-            <a:chExt cx="4540064" cy="4197558"/>
+            <a:chExt cx="4540065" cy="4197559"/>
           </a:xfrm>
         </p:grpSpPr>
         <p:grpSp>
@@ -13572,7 +13829,7 @@
                 <a:round/>
               </a:ln>
               <a:effectLst>
-                <a:outerShdw sx="100000" sy="100000" kx="0" ky="0" algn="b" rotWithShape="0" blurRad="63500" dist="50800" dir="5400000">
+                <a:outerShdw blurRad="63500" dist="50800" dir="5400000" rotWithShape="0">
                   <a:srgbClr val="000000">
                     <a:alpha val="48000"/>
                   </a:srgbClr>
@@ -13580,7 +13837,7 @@
               </a:effectLst>
               <a:extLst>
                 <a:ext uri="{C572A759-6A51-4108-AA02-DFA0A04FC94B}">
-                  <ma14:wrappingTextBoxFlag xmlns:ma14="http://schemas.microsoft.com/office/mac/drawingml/2011/main" val="1"/>
+                  <ma14:wrappingTextBoxFlag xmlns:ma14="http://schemas.microsoft.com/office/mac/drawingml/2011/main" xmlns:a14="http://schemas.microsoft.com/office/drawing/2010/main" xmlns:m="http://schemas.openxmlformats.org/officeDocument/2006/math" xmlns="" val="1"/>
                 </a:ext>
               </a:extLst>
             </p:spPr>
@@ -13598,7 +13855,6 @@
                 </a:lvl1pPr>
               </a:lstStyle>
               <a:p>
-                <a:pPr/>
                 <a:r>
                   <a:t>Messenger</a:t>
                 </a:r>
@@ -13632,7 +13888,7 @@
                 <a:round/>
               </a:ln>
               <a:effectLst>
-                <a:outerShdw sx="100000" sy="100000" kx="0" ky="0" algn="b" rotWithShape="0" blurRad="63500" dist="50800" dir="5400000">
+                <a:outerShdw blurRad="63500" dist="50800" dir="5400000" rotWithShape="0">
                   <a:srgbClr val="000000">
                     <a:alpha val="48000"/>
                   </a:srgbClr>
@@ -13640,7 +13896,7 @@
               </a:effectLst>
               <a:extLst>
                 <a:ext uri="{C572A759-6A51-4108-AA02-DFA0A04FC94B}">
-                  <ma14:wrappingTextBoxFlag xmlns:ma14="http://schemas.microsoft.com/office/mac/drawingml/2011/main" val="1"/>
+                  <ma14:wrappingTextBoxFlag xmlns:ma14="http://schemas.microsoft.com/office/mac/drawingml/2011/main" xmlns:a14="http://schemas.microsoft.com/office/drawing/2010/main" xmlns:m="http://schemas.openxmlformats.org/officeDocument/2006/math" xmlns="" val="1"/>
                 </a:ext>
               </a:extLst>
             </p:spPr>
@@ -13654,7 +13910,6 @@
                 </a:lvl1pPr>
               </a:lstStyle>
               <a:p>
-                <a:pPr/>
                 <a:r>
                   <a:t>ObjB</a:t>
                 </a:r>
@@ -13687,7 +13942,7 @@
                 <a:tailEnd type="triangle" w="med" len="med"/>
               </a:ln>
               <a:effectLst>
-                <a:outerShdw sx="100000" sy="100000" kx="0" ky="0" algn="b" rotWithShape="0" blurRad="63500" dist="50800" dir="5400000">
+                <a:outerShdw blurRad="63500" dist="50800" dir="5400000" rotWithShape="0">
                   <a:srgbClr val="000000">
                     <a:alpha val="48000"/>
                   </a:srgbClr>
@@ -13700,7 +13955,7 @@
               </a:bodyPr>
               <a:lstStyle/>
               <a:p>
-                <a:pPr/>
+                <a:endParaRPr/>
               </a:p>
             </p:txBody>
           </p:sp>
@@ -13726,7 +13981,7 @@
               <a:effectLst/>
               <a:extLst>
                 <a:ext uri="{C572A759-6A51-4108-AA02-DFA0A04FC94B}">
-                  <ma14:wrappingTextBoxFlag xmlns:ma14="http://schemas.microsoft.com/office/mac/drawingml/2011/main" val="1"/>
+                  <ma14:wrappingTextBoxFlag xmlns:ma14="http://schemas.microsoft.com/office/mac/drawingml/2011/main" xmlns:a14="http://schemas.microsoft.com/office/drawing/2010/main" xmlns:m="http://schemas.openxmlformats.org/officeDocument/2006/math" xmlns="" val="1"/>
                 </a:ext>
               </a:extLst>
             </p:spPr>
@@ -13744,7 +13999,6 @@
                 </a:lvl1pPr>
               </a:lstStyle>
               <a:p>
-                <a:pPr/>
                 <a:r>
                   <a:t>PayloadA</a:t>
                 </a:r>
@@ -13778,7 +14032,7 @@
                 <a:round/>
               </a:ln>
               <a:effectLst>
-                <a:outerShdw sx="100000" sy="100000" kx="0" ky="0" algn="b" rotWithShape="0" blurRad="63500" dist="50800" dir="5400000">
+                <a:outerShdw blurRad="63500" dist="50800" dir="5400000" rotWithShape="0">
                   <a:srgbClr val="000000">
                     <a:alpha val="48000"/>
                   </a:srgbClr>
@@ -13786,7 +14040,7 @@
               </a:effectLst>
               <a:extLst>
                 <a:ext uri="{C572A759-6A51-4108-AA02-DFA0A04FC94B}">
-                  <ma14:wrappingTextBoxFlag xmlns:ma14="http://schemas.microsoft.com/office/mac/drawingml/2011/main" val="1"/>
+                  <ma14:wrappingTextBoxFlag xmlns:ma14="http://schemas.microsoft.com/office/mac/drawingml/2011/main" xmlns:a14="http://schemas.microsoft.com/office/drawing/2010/main" xmlns:m="http://schemas.openxmlformats.org/officeDocument/2006/math" xmlns="" val="1"/>
                 </a:ext>
               </a:extLst>
             </p:spPr>
@@ -13800,7 +14054,6 @@
                 </a:lvl1pPr>
               </a:lstStyle>
               <a:p>
-                <a:pPr/>
                 <a:r>
                   <a:t>ObjC</a:t>
                 </a:r>
@@ -13833,7 +14086,7 @@
                 <a:tailEnd type="triangle" w="med" len="med"/>
               </a:ln>
               <a:effectLst>
-                <a:outerShdw sx="100000" sy="100000" kx="0" ky="0" algn="b" rotWithShape="0" blurRad="63500" dist="50800" dir="5400000">
+                <a:outerShdw blurRad="63500" dist="50800" dir="5400000" rotWithShape="0">
                   <a:srgbClr val="000000">
                     <a:alpha val="48000"/>
                   </a:srgbClr>
@@ -13846,7 +14099,7 @@
               </a:bodyPr>
               <a:lstStyle/>
               <a:p>
-                <a:pPr/>
+                <a:endParaRPr/>
               </a:p>
             </p:txBody>
           </p:sp>
@@ -13872,7 +14125,7 @@
               <a:effectLst/>
               <a:extLst>
                 <a:ext uri="{C572A759-6A51-4108-AA02-DFA0A04FC94B}">
-                  <ma14:wrappingTextBoxFlag xmlns:ma14="http://schemas.microsoft.com/office/mac/drawingml/2011/main" val="1"/>
+                  <ma14:wrappingTextBoxFlag xmlns:ma14="http://schemas.microsoft.com/office/mac/drawingml/2011/main" xmlns:a14="http://schemas.microsoft.com/office/drawing/2010/main" xmlns:m="http://schemas.openxmlformats.org/officeDocument/2006/math" xmlns="" val="1"/>
                 </a:ext>
               </a:extLst>
             </p:spPr>
@@ -13890,7 +14143,6 @@
                 </a:lvl1pPr>
               </a:lstStyle>
               <a:p>
-                <a:pPr/>
                 <a:r>
                   <a:t>PayloadA</a:t>
                 </a:r>
@@ -13924,7 +14176,7 @@
                 <a:round/>
               </a:ln>
               <a:effectLst>
-                <a:outerShdw sx="100000" sy="100000" kx="0" ky="0" algn="b" rotWithShape="0" blurRad="63500" dist="50800" dir="5400000">
+                <a:outerShdw blurRad="63500" dist="50800" dir="5400000" rotWithShape="0">
                   <a:srgbClr val="000000">
                     <a:alpha val="48000"/>
                   </a:srgbClr>
@@ -13932,7 +14184,7 @@
               </a:effectLst>
               <a:extLst>
                 <a:ext uri="{C572A759-6A51-4108-AA02-DFA0A04FC94B}">
-                  <ma14:wrappingTextBoxFlag xmlns:ma14="http://schemas.microsoft.com/office/mac/drawingml/2011/main" val="1"/>
+                  <ma14:wrappingTextBoxFlag xmlns:ma14="http://schemas.microsoft.com/office/mac/drawingml/2011/main" xmlns:a14="http://schemas.microsoft.com/office/drawing/2010/main" xmlns:m="http://schemas.openxmlformats.org/officeDocument/2006/math" xmlns="" val="1"/>
                 </a:ext>
               </a:extLst>
             </p:spPr>
@@ -13946,7 +14198,6 @@
                 </a:lvl1pPr>
               </a:lstStyle>
               <a:p>
-                <a:pPr/>
                 <a:r>
                   <a:t>ObjA</a:t>
                 </a:r>
@@ -13979,7 +14230,7 @@
                 <a:tailEnd type="triangle" w="med" len="med"/>
               </a:ln>
               <a:effectLst>
-                <a:outerShdw sx="100000" sy="100000" kx="0" ky="0" algn="b" rotWithShape="0" blurRad="63500" dist="50800" dir="5400000">
+                <a:outerShdw blurRad="63500" dist="50800" dir="5400000" rotWithShape="0">
                   <a:srgbClr val="000000">
                     <a:alpha val="48000"/>
                   </a:srgbClr>
@@ -13992,7 +14243,7 @@
               </a:bodyPr>
               <a:lstStyle/>
               <a:p>
-                <a:pPr/>
+                <a:endParaRPr/>
               </a:p>
             </p:txBody>
           </p:sp>
@@ -14018,7 +14269,7 @@
               <a:effectLst/>
               <a:extLst>
                 <a:ext uri="{C572A759-6A51-4108-AA02-DFA0A04FC94B}">
-                  <ma14:wrappingTextBoxFlag xmlns:ma14="http://schemas.microsoft.com/office/mac/drawingml/2011/main" val="1"/>
+                  <ma14:wrappingTextBoxFlag xmlns:ma14="http://schemas.microsoft.com/office/mac/drawingml/2011/main" xmlns:a14="http://schemas.microsoft.com/office/drawing/2010/main" xmlns:m="http://schemas.openxmlformats.org/officeDocument/2006/math" xmlns="" val="1"/>
                 </a:ext>
               </a:extLst>
             </p:spPr>
@@ -14036,7 +14287,6 @@
                 </a:lvl1pPr>
               </a:lstStyle>
               <a:p>
-                <a:pPr/>
                 <a:r>
                   <a:t>PayloadA</a:t>
                 </a:r>
@@ -14075,7 +14325,7 @@
               </a:cxnLst>
               <a:rect l="0" t="0" r="r" b="b"/>
               <a:pathLst>
-                <a:path w="21600" h="21600" fill="norm" stroke="1" extrusionOk="0">
+                <a:path w="21600" h="21600" extrusionOk="0">
                   <a:moveTo>
                     <a:pt x="21600" y="0"/>
                   </a:moveTo>
@@ -14125,7 +14375,7 @@
               <a:miter lim="400000"/>
             </a:ln>
             <a:effectLst>
-              <a:outerShdw sx="100000" sy="100000" kx="0" ky="0" algn="b" rotWithShape="0" blurRad="63500" dist="50800" dir="5400000">
+              <a:outerShdw blurRad="63500" dist="50800" dir="5400000" rotWithShape="0">
                 <a:srgbClr val="000000">
                   <a:alpha val="48000"/>
                 </a:srgbClr>
@@ -14133,7 +14383,7 @@
             </a:effectLst>
             <a:extLst>
               <a:ext uri="{C572A759-6A51-4108-AA02-DFA0A04FC94B}">
-                <ma14:wrappingTextBoxFlag xmlns:ma14="http://schemas.microsoft.com/office/mac/drawingml/2011/main" val="1"/>
+                <ma14:wrappingTextBoxFlag xmlns:ma14="http://schemas.microsoft.com/office/mac/drawingml/2011/main" xmlns:a14="http://schemas.microsoft.com/office/drawing/2010/main" xmlns:m="http://schemas.openxmlformats.org/officeDocument/2006/math" xmlns="" val="1"/>
               </a:ext>
             </a:extLst>
           </p:spPr>
@@ -14154,9 +14404,49 @@
                   <a:sym typeface="Arial"/>
                 </a:defRPr>
               </a:pPr>
-              <a:r>
-                <a:t>WeakRef</a:t>
-              </a:r>
+              <a:endParaRPr lang="en-GB" dirty="0"/>
+            </a:p>
+            <a:p>
+              <a:pPr algn="ctr" defTabSz="1300162">
+                <a:defRPr sz="1300">
+                  <a:solidFill>
+                    <a:srgbClr val="FFFFFF"/>
+                  </a:solidFill>
+                  <a:latin typeface="Arial"/>
+                  <a:ea typeface="Arial"/>
+                  <a:cs typeface="Arial"/>
+                  <a:sym typeface="Arial"/>
+                </a:defRPr>
+              </a:pPr>
+              <a:endParaRPr lang="en-GB" dirty="0"/>
+            </a:p>
+            <a:p>
+              <a:pPr algn="ctr" defTabSz="1300162">
+                <a:defRPr sz="1300">
+                  <a:solidFill>
+                    <a:srgbClr val="FFFFFF"/>
+                  </a:solidFill>
+                  <a:latin typeface="Arial"/>
+                  <a:ea typeface="Arial"/>
+                  <a:cs typeface="Arial"/>
+                  <a:sym typeface="Arial"/>
+                </a:defRPr>
+              </a:pPr>
+              <a:endParaRPr lang="en-GB" dirty="0"/>
+            </a:p>
+            <a:p>
+              <a:pPr algn="ctr" defTabSz="1300162">
+                <a:defRPr sz="1300">
+                  <a:solidFill>
+                    <a:srgbClr val="FFFFFF"/>
+                  </a:solidFill>
+                  <a:latin typeface="Arial"/>
+                  <a:ea typeface="Arial"/>
+                  <a:cs typeface="Arial"/>
+                  <a:sym typeface="Arial"/>
+                </a:defRPr>
+              </a:pPr>
+              <a:endParaRPr lang="en-GB" dirty="0"/>
             </a:p>
             <a:p>
               <a:pPr algn="ctr" defTabSz="1300162">
@@ -14171,7 +14461,30 @@
                 </a:defRPr>
               </a:pPr>
               <a:r>
-                <a:t>Full Encapsulation</a:t>
+                <a:rPr dirty="0" err="1"/>
+                <a:t>WeakRef</a:t>
+              </a:r>
+              <a:endParaRPr dirty="0"/>
+            </a:p>
+            <a:p>
+              <a:pPr algn="ctr" defTabSz="1300162">
+                <a:defRPr sz="1300">
+                  <a:solidFill>
+                    <a:srgbClr val="FFFFFF"/>
+                  </a:solidFill>
+                  <a:latin typeface="Arial"/>
+                  <a:ea typeface="Arial"/>
+                  <a:cs typeface="Arial"/>
+                  <a:sym typeface="Arial"/>
+                </a:defRPr>
+              </a:pPr>
+              <a:r>
+                <a:rPr lang="en-GB" sz="1100" dirty="0"/>
+                <a:t>+</a:t>
+              </a:r>
+              <a:r>
+                <a:rPr sz="1100" dirty="0"/>
+                <a:t> Encapsulation</a:t>
               </a:r>
             </a:p>
           </p:txBody>
@@ -14182,12 +14495,12 @@
   <p:clrMapOvr>
     <a:masterClrMapping/>
   </p:clrMapOvr>
-  <p:transition xmlns:p14="http://schemas.microsoft.com/office/powerpoint/2010/main" spd="med" advClick="1"/>
+  <p:transition spd="med"/>
 </p:sld>
 </file>
 
 <file path=ppt/slides/slide6.xml><?xml version="1.0" encoding="utf-8"?>
-<p:sld xmlns:a="http://schemas.openxmlformats.org/drawingml/2006/main" xmlns:r="http://schemas.openxmlformats.org/officeDocument/2006/relationships" xmlns:p="http://schemas.openxmlformats.org/presentationml/2006/main" xmlns:m="http://schemas.openxmlformats.org/officeDocument/2006/math" xmlns:a14="http://schemas.microsoft.com/office/drawing/2010/main" showMasterSp="1" showMasterPhAnim="1">
+<p:sld xmlns:a="http://schemas.openxmlformats.org/drawingml/2006/main" xmlns:r="http://schemas.openxmlformats.org/officeDocument/2006/relationships" xmlns:p="http://schemas.openxmlformats.org/presentationml/2006/main">
   <p:cSld>
     <p:spTree>
       <p:nvGrpSpPr>
@@ -14206,7 +14519,9 @@
       <p:sp>
         <p:nvSpPr>
           <p:cNvPr id="172" name="Title 3"/>
-          <p:cNvSpPr txBox="1"/>
+          <p:cNvSpPr txBox="1">
+            <a:spLocks noGrp="1"/>
+          </p:cNvSpPr>
           <p:nvPr>
             <p:ph type="title"/>
           </p:nvPr>
@@ -14228,7 +14543,6 @@
             </a:lvl1pPr>
           </a:lstStyle>
           <a:p>
-            <a:pPr/>
             <a:r>
               <a:t>Event Routing by Pub\Sub Messenger</a:t>
             </a:r>
@@ -14294,7 +14608,7 @@
                 </a:cxnLst>
                 <a:rect l="0" t="0" r="r" b="b"/>
                 <a:pathLst>
-                  <a:path w="21600" h="21600" fill="norm" stroke="1" extrusionOk="0">
+                  <a:path w="21600" h="21600" extrusionOk="0">
                     <a:moveTo>
                       <a:pt x="0" y="3600"/>
                     </a:moveTo>
@@ -14342,7 +14656,7 @@
                 <a:miter lim="400000"/>
               </a:ln>
               <a:effectLst>
-                <a:outerShdw sx="100000" sy="100000" kx="0" ky="0" algn="b" rotWithShape="0" blurRad="63500" dist="50800" dir="5400000">
+                <a:outerShdw blurRad="63500" dist="50800" dir="5400000" rotWithShape="0">
                   <a:srgbClr val="000000">
                     <a:alpha val="48000"/>
                   </a:srgbClr>
@@ -14362,12 +14676,12 @@
                   <a:spcBef>
                     <a:spcPts val="1000"/>
                   </a:spcBef>
-                  <a:defRPr b="1" sz="2200">
+                  <a:defRPr sz="2200" b="1">
                     <a:solidFill>
                       <a:srgbClr val="FFFFFF"/>
                     </a:solidFill>
                     <a:effectLst>
-                      <a:outerShdw sx="100000" sy="100000" kx="0" ky="0" algn="b" rotWithShape="0" blurRad="38100" dist="38100" dir="2700000">
+                      <a:outerShdw blurRad="38100" dist="38100" dir="2700000" rotWithShape="0">
                         <a:srgbClr val="000000">
                           <a:alpha val="43137"/>
                         </a:srgbClr>
@@ -14379,6 +14693,7 @@
                     <a:sym typeface="Arial"/>
                   </a:defRPr>
                 </a:pPr>
+                <a:endParaRPr/>
               </a:p>
             </p:txBody>
           </p:sp>
@@ -14404,7 +14719,7 @@
               <a:effectLst/>
               <a:extLst>
                 <a:ext uri="{C572A759-6A51-4108-AA02-DFA0A04FC94B}">
-                  <ma14:wrappingTextBoxFlag xmlns:ma14="http://schemas.microsoft.com/office/mac/drawingml/2011/main" val="1"/>
+                  <ma14:wrappingTextBoxFlag xmlns:ma14="http://schemas.microsoft.com/office/mac/drawingml/2011/main" xmlns:a14="http://schemas.microsoft.com/office/drawing/2010/main" xmlns:m="http://schemas.openxmlformats.org/officeDocument/2006/math" xmlns="" val="1"/>
                 </a:ext>
               </a:extLst>
             </p:spPr>
@@ -14420,12 +14735,12 @@
                   <a:spcBef>
                     <a:spcPts val="900"/>
                   </a:spcBef>
-                  <a:defRPr b="1" sz="2200">
+                  <a:defRPr sz="2200" b="1">
                     <a:solidFill>
                       <a:srgbClr val="FFFFFF"/>
                     </a:solidFill>
                     <a:effectLst>
-                      <a:outerShdw sx="100000" sy="100000" kx="0" ky="0" algn="b" rotWithShape="0" blurRad="38100" dist="38100" dir="2700000">
+                      <a:outerShdw blurRad="38100" dist="38100" dir="2700000" rotWithShape="0">
                         <a:srgbClr val="000000">
                           <a:alpha val="43137"/>
                         </a:srgbClr>
@@ -14439,7 +14754,6 @@
                 </a:lvl1pPr>
               </a:lstStyle>
               <a:p>
-                <a:pPr/>
                 <a:r>
                   <a:t>Event Messenger</a:t>
                 </a:r>
@@ -14478,7 +14792,7 @@
             </a:bodyPr>
             <a:lstStyle/>
             <a:p>
-              <a:pPr/>
+              <a:endParaRPr/>
             </a:p>
           </p:txBody>
         </p:sp>
@@ -14527,7 +14841,7 @@
                 </a:cxnLst>
                 <a:rect l="0" t="0" r="r" b="b"/>
                 <a:pathLst>
-                  <a:path w="21600" h="21600" fill="norm" stroke="1" extrusionOk="0">
+                  <a:path w="21600" h="21600" extrusionOk="0">
                     <a:moveTo>
                       <a:pt x="0" y="3600"/>
                     </a:moveTo>
@@ -14575,7 +14889,7 @@
                 <a:miter lim="400000"/>
               </a:ln>
               <a:effectLst>
-                <a:outerShdw sx="100000" sy="100000" kx="0" ky="0" algn="b" rotWithShape="0" blurRad="63500" dist="50800" dir="5400000">
+                <a:outerShdw blurRad="63500" dist="50800" dir="5400000" rotWithShape="0">
                   <a:srgbClr val="000000">
                     <a:alpha val="48000"/>
                   </a:srgbClr>
@@ -14595,12 +14909,12 @@
                   <a:spcBef>
                     <a:spcPts val="1000"/>
                   </a:spcBef>
-                  <a:defRPr b="1" sz="1600">
+                  <a:defRPr sz="1600" b="1">
                     <a:solidFill>
                       <a:srgbClr val="FFFFFF"/>
                     </a:solidFill>
                     <a:effectLst>
-                      <a:outerShdw sx="100000" sy="100000" kx="0" ky="0" algn="b" rotWithShape="0" blurRad="38100" dist="38100" dir="2700000">
+                      <a:outerShdw blurRad="38100" dist="38100" dir="2700000" rotWithShape="0">
                         <a:srgbClr val="000000">
                           <a:alpha val="43137"/>
                         </a:srgbClr>
@@ -14612,6 +14926,7 @@
                     <a:sym typeface="Arial"/>
                   </a:defRPr>
                 </a:pPr>
+                <a:endParaRPr/>
               </a:p>
             </p:txBody>
           </p:sp>
@@ -14637,7 +14952,7 @@
               <a:effectLst/>
               <a:extLst>
                 <a:ext uri="{C572A759-6A51-4108-AA02-DFA0A04FC94B}">
-                  <ma14:wrappingTextBoxFlag xmlns:ma14="http://schemas.microsoft.com/office/mac/drawingml/2011/main" val="1"/>
+                  <ma14:wrappingTextBoxFlag xmlns:ma14="http://schemas.microsoft.com/office/mac/drawingml/2011/main" xmlns:a14="http://schemas.microsoft.com/office/drawing/2010/main" xmlns:m="http://schemas.openxmlformats.org/officeDocument/2006/math" xmlns="" val="1"/>
                 </a:ext>
               </a:extLst>
             </p:spPr>
@@ -14653,12 +14968,12 @@
                   <a:spcBef>
                     <a:spcPts val="700"/>
                   </a:spcBef>
-                  <a:defRPr b="1" sz="1600">
+                  <a:defRPr sz="1600" b="1">
                     <a:solidFill>
                       <a:srgbClr val="FFFFFF"/>
                     </a:solidFill>
                     <a:effectLst>
-                      <a:outerShdw sx="100000" sy="100000" kx="0" ky="0" algn="b" rotWithShape="0" blurRad="38100" dist="38100" dir="2700000">
+                      <a:outerShdw blurRad="38100" dist="38100" dir="2700000" rotWithShape="0">
                         <a:srgbClr val="000000">
                           <a:alpha val="43137"/>
                         </a:srgbClr>
@@ -14672,7 +14987,6 @@
                 </a:lvl1pPr>
               </a:lstStyle>
               <a:p>
-                <a:pPr/>
                 <a:r>
                   <a:t>Publisher</a:t>
                 </a:r>
@@ -14711,7 +15025,7 @@
             </a:bodyPr>
             <a:lstStyle/>
             <a:p>
-              <a:pPr/>
+              <a:endParaRPr/>
             </a:p>
           </p:txBody>
         </p:sp>
@@ -14760,7 +15074,7 @@
                 </a:cxnLst>
                 <a:rect l="0" t="0" r="r" b="b"/>
                 <a:pathLst>
-                  <a:path w="21600" h="21600" fill="norm" stroke="1" extrusionOk="0">
+                  <a:path w="21600" h="21600" extrusionOk="0">
                     <a:moveTo>
                       <a:pt x="0" y="3600"/>
                     </a:moveTo>
@@ -14819,7 +15133,7 @@
                 <a:miter lim="400000"/>
               </a:ln>
               <a:effectLst>
-                <a:outerShdw sx="100000" sy="100000" kx="0" ky="0" algn="b" rotWithShape="0" blurRad="63500" dist="50800" dir="5400000">
+                <a:outerShdw blurRad="63500" dist="50800" dir="5400000" rotWithShape="0">
                   <a:srgbClr val="000000">
                     <a:alpha val="48000"/>
                   </a:srgbClr>
@@ -14839,12 +15153,12 @@
                   <a:spcBef>
                     <a:spcPts val="1000"/>
                   </a:spcBef>
-                  <a:defRPr b="1" sz="1600">
+                  <a:defRPr sz="1600" b="1">
                     <a:solidFill>
                       <a:srgbClr val="FFFFFF"/>
                     </a:solidFill>
                     <a:effectLst>
-                      <a:outerShdw sx="100000" sy="100000" kx="0" ky="0" algn="b" rotWithShape="0" blurRad="38100" dist="38100" dir="2700000">
+                      <a:outerShdw blurRad="38100" dist="38100" dir="2700000" rotWithShape="0">
                         <a:srgbClr val="000000">
                           <a:alpha val="43137"/>
                         </a:srgbClr>
@@ -14856,6 +15170,7 @@
                     <a:sym typeface="Arial"/>
                   </a:defRPr>
                 </a:pPr>
+                <a:endParaRPr/>
               </a:p>
             </p:txBody>
           </p:sp>
@@ -14881,7 +15196,7 @@
               <a:effectLst/>
               <a:extLst>
                 <a:ext uri="{C572A759-6A51-4108-AA02-DFA0A04FC94B}">
-                  <ma14:wrappingTextBoxFlag xmlns:ma14="http://schemas.microsoft.com/office/mac/drawingml/2011/main" val="1"/>
+                  <ma14:wrappingTextBoxFlag xmlns:ma14="http://schemas.microsoft.com/office/mac/drawingml/2011/main" xmlns:a14="http://schemas.microsoft.com/office/drawing/2010/main" xmlns:m="http://schemas.openxmlformats.org/officeDocument/2006/math" xmlns="" val="1"/>
                 </a:ext>
               </a:extLst>
             </p:spPr>
@@ -14897,12 +15212,12 @@
                   <a:spcBef>
                     <a:spcPts val="700"/>
                   </a:spcBef>
-                  <a:defRPr b="1" sz="1600">
+                  <a:defRPr sz="1600" b="1">
                     <a:solidFill>
                       <a:srgbClr val="FFFFFF"/>
                     </a:solidFill>
                     <a:effectLst>
-                      <a:outerShdw sx="100000" sy="100000" kx="0" ky="0" algn="b" rotWithShape="0" blurRad="38100" dist="38100" dir="2700000">
+                      <a:outerShdw blurRad="38100" dist="38100" dir="2700000" rotWithShape="0">
                         <a:srgbClr val="000000">
                           <a:alpha val="43137"/>
                         </a:srgbClr>
@@ -14916,7 +15231,6 @@
                 </a:lvl1pPr>
               </a:lstStyle>
               <a:p>
-                <a:pPr/>
                 <a:r>
                   <a:t>Subscriber 1</a:t>
                 </a:r>
@@ -14955,7 +15269,7 @@
             </a:bodyPr>
             <a:lstStyle/>
             <a:p>
-              <a:pPr/>
+              <a:endParaRPr/>
             </a:p>
           </p:txBody>
         </p:sp>
@@ -15004,7 +15318,7 @@
                 </a:cxnLst>
                 <a:rect l="0" t="0" r="r" b="b"/>
                 <a:pathLst>
-                  <a:path w="21600" h="21600" fill="norm" stroke="1" extrusionOk="0">
+                  <a:path w="21600" h="21600" extrusionOk="0">
                     <a:moveTo>
                       <a:pt x="0" y="3600"/>
                     </a:moveTo>
@@ -15052,7 +15366,7 @@
                 <a:miter lim="400000"/>
               </a:ln>
               <a:effectLst>
-                <a:outerShdw sx="100000" sy="100000" kx="0" ky="0" algn="b" rotWithShape="0" blurRad="63500" dist="50800" dir="5400000">
+                <a:outerShdw blurRad="63500" dist="50800" dir="5400000" rotWithShape="0">
                   <a:srgbClr val="000000">
                     <a:alpha val="48000"/>
                   </a:srgbClr>
@@ -15072,12 +15386,12 @@
                   <a:spcBef>
                     <a:spcPts val="1000"/>
                   </a:spcBef>
-                  <a:defRPr b="1" sz="1600">
+                  <a:defRPr sz="1600" b="1">
                     <a:solidFill>
                       <a:srgbClr val="FFFFFF"/>
                     </a:solidFill>
                     <a:effectLst>
-                      <a:outerShdw sx="100000" sy="100000" kx="0" ky="0" algn="b" rotWithShape="0" blurRad="38100" dist="38100" dir="2700000">
+                      <a:outerShdw blurRad="38100" dist="38100" dir="2700000" rotWithShape="0">
                         <a:srgbClr val="000000">
                           <a:alpha val="43137"/>
                         </a:srgbClr>
@@ -15089,6 +15403,7 @@
                     <a:sym typeface="Arial"/>
                   </a:defRPr>
                 </a:pPr>
+                <a:endParaRPr/>
               </a:p>
             </p:txBody>
           </p:sp>
@@ -15114,7 +15429,7 @@
               <a:effectLst/>
               <a:extLst>
                 <a:ext uri="{C572A759-6A51-4108-AA02-DFA0A04FC94B}">
-                  <ma14:wrappingTextBoxFlag xmlns:ma14="http://schemas.microsoft.com/office/mac/drawingml/2011/main" val="1"/>
+                  <ma14:wrappingTextBoxFlag xmlns:ma14="http://schemas.microsoft.com/office/mac/drawingml/2011/main" xmlns:a14="http://schemas.microsoft.com/office/drawing/2010/main" xmlns:m="http://schemas.openxmlformats.org/officeDocument/2006/math" xmlns="" val="1"/>
                 </a:ext>
               </a:extLst>
             </p:spPr>
@@ -15130,12 +15445,12 @@
                   <a:spcBef>
                     <a:spcPts val="700"/>
                   </a:spcBef>
-                  <a:defRPr b="1" sz="1600">
+                  <a:defRPr sz="1600" b="1">
                     <a:solidFill>
                       <a:srgbClr val="FFFFFF"/>
                     </a:solidFill>
                     <a:effectLst>
-                      <a:outerShdw sx="100000" sy="100000" kx="0" ky="0" algn="b" rotWithShape="0" blurRad="38100" dist="38100" dir="2700000">
+                      <a:outerShdw blurRad="38100" dist="38100" dir="2700000" rotWithShape="0">
                         <a:srgbClr val="000000">
                           <a:alpha val="43137"/>
                         </a:srgbClr>
@@ -15149,7 +15464,6 @@
                 </a:lvl1pPr>
               </a:lstStyle>
               <a:p>
-                <a:pPr/>
                 <a:r>
                   <a:t>Subscriber 3</a:t>
                 </a:r>
@@ -15188,7 +15502,7 @@
             </a:bodyPr>
             <a:lstStyle/>
             <a:p>
-              <a:pPr/>
+              <a:endParaRPr/>
             </a:p>
           </p:txBody>
         </p:sp>
@@ -15237,7 +15551,7 @@
                 </a:cxnLst>
                 <a:rect l="0" t="0" r="r" b="b"/>
                 <a:pathLst>
-                  <a:path w="21600" h="21600" fill="norm" stroke="1" extrusionOk="0">
+                  <a:path w="21600" h="21600" extrusionOk="0">
                     <a:moveTo>
                       <a:pt x="0" y="3600"/>
                     </a:moveTo>
@@ -15285,7 +15599,7 @@
                 <a:miter lim="400000"/>
               </a:ln>
               <a:effectLst>
-                <a:outerShdw sx="100000" sy="100000" kx="0" ky="0" algn="b" rotWithShape="0" blurRad="63500" dist="50800" dir="5400000">
+                <a:outerShdw blurRad="63500" dist="50800" dir="5400000" rotWithShape="0">
                   <a:srgbClr val="000000">
                     <a:alpha val="48000"/>
                   </a:srgbClr>
@@ -15305,12 +15619,12 @@
                   <a:spcBef>
                     <a:spcPts val="1000"/>
                   </a:spcBef>
-                  <a:defRPr b="1" sz="1600">
+                  <a:defRPr sz="1600" b="1">
                     <a:solidFill>
                       <a:srgbClr val="FFFFFF"/>
                     </a:solidFill>
                     <a:effectLst>
-                      <a:outerShdw sx="100000" sy="100000" kx="0" ky="0" algn="b" rotWithShape="0" blurRad="38100" dist="38100" dir="2700000">
+                      <a:outerShdw blurRad="38100" dist="38100" dir="2700000" rotWithShape="0">
                         <a:srgbClr val="000000">
                           <a:alpha val="43137"/>
                         </a:srgbClr>
@@ -15322,6 +15636,7 @@
                     <a:sym typeface="Arial"/>
                   </a:defRPr>
                 </a:pPr>
+                <a:endParaRPr/>
               </a:p>
             </p:txBody>
           </p:sp>
@@ -15347,7 +15662,7 @@
               <a:effectLst/>
               <a:extLst>
                 <a:ext uri="{C572A759-6A51-4108-AA02-DFA0A04FC94B}">
-                  <ma14:wrappingTextBoxFlag xmlns:ma14="http://schemas.microsoft.com/office/mac/drawingml/2011/main" val="1"/>
+                  <ma14:wrappingTextBoxFlag xmlns:ma14="http://schemas.microsoft.com/office/mac/drawingml/2011/main" xmlns:a14="http://schemas.microsoft.com/office/drawing/2010/main" xmlns:m="http://schemas.openxmlformats.org/officeDocument/2006/math" xmlns="" val="1"/>
                 </a:ext>
               </a:extLst>
             </p:spPr>
@@ -15363,12 +15678,12 @@
                   <a:spcBef>
                     <a:spcPts val="700"/>
                   </a:spcBef>
-                  <a:defRPr b="1" sz="1600">
+                  <a:defRPr sz="1600" b="1">
                     <a:solidFill>
                       <a:srgbClr val="FFFFFF"/>
                     </a:solidFill>
                     <a:effectLst>
-                      <a:outerShdw sx="100000" sy="100000" kx="0" ky="0" algn="b" rotWithShape="0" blurRad="38100" dist="38100" dir="2700000">
+                      <a:outerShdw blurRad="38100" dist="38100" dir="2700000" rotWithShape="0">
                         <a:srgbClr val="000000">
                           <a:alpha val="43137"/>
                         </a:srgbClr>
@@ -15382,7 +15697,6 @@
                 </a:lvl1pPr>
               </a:lstStyle>
               <a:p>
-                <a:pPr/>
                 <a:r>
                   <a:t>Subscriber 2</a:t>
                 </a:r>
@@ -15435,7 +15749,7 @@
                 </a:cxnLst>
                 <a:rect l="0" t="0" r="r" b="b"/>
                 <a:pathLst>
-                  <a:path w="21600" h="21600" fill="norm" stroke="1" extrusionOk="0">
+                  <a:path w="21600" h="21600" extrusionOk="0">
                     <a:moveTo>
                       <a:pt x="0" y="0"/>
                     </a:moveTo>
@@ -15465,7 +15779,7 @@
                 <a:round/>
               </a:ln>
               <a:effectLst>
-                <a:outerShdw sx="100000" sy="100000" kx="0" ky="0" algn="b" rotWithShape="0" blurRad="63500" dist="50800" dir="5400000">
+                <a:outerShdw blurRad="63500" dist="50800" dir="5400000" rotWithShape="0">
                   <a:srgbClr val="000000">
                     <a:alpha val="48000"/>
                   </a:srgbClr>
@@ -15489,6 +15803,7 @@
                     <a:sym typeface="Arial"/>
                   </a:defRPr>
                 </a:pPr>
+                <a:endParaRPr/>
               </a:p>
             </p:txBody>
           </p:sp>
@@ -15519,7 +15834,7 @@
                 <a:round/>
               </a:ln>
               <a:effectLst>
-                <a:outerShdw sx="100000" sy="100000" kx="0" ky="0" algn="b" rotWithShape="0" blurRad="63500" dist="50800" dir="5400000">
+                <a:outerShdw blurRad="63500" dist="50800" dir="5400000" rotWithShape="0">
                   <a:srgbClr val="000000">
                     <a:alpha val="48000"/>
                   </a:srgbClr>
@@ -15543,6 +15858,7 @@
                     <a:sym typeface="Arial"/>
                   </a:defRPr>
                 </a:pPr>
+                <a:endParaRPr/>
               </a:p>
             </p:txBody>
           </p:sp>
@@ -15592,7 +15908,7 @@
                 </a:cxnLst>
                 <a:rect l="0" t="0" r="r" b="b"/>
                 <a:pathLst>
-                  <a:path w="21600" h="21600" fill="norm" stroke="1" extrusionOk="0">
+                  <a:path w="21600" h="21600" extrusionOk="0">
                     <a:moveTo>
                       <a:pt x="7937" y="11632"/>
                     </a:moveTo>
@@ -15663,7 +15979,7 @@
                 <a:round/>
               </a:ln>
               <a:effectLst>
-                <a:outerShdw sx="100000" sy="100000" kx="0" ky="0" algn="b" rotWithShape="0" blurRad="63500" dist="50800" dir="5400000">
+                <a:outerShdw blurRad="63500" dist="50800" dir="5400000" rotWithShape="0">
                   <a:srgbClr val="000000">
                     <a:alpha val="28000"/>
                   </a:srgbClr>
@@ -15679,7 +15995,7 @@
                 <a:pPr algn="ctr">
                   <a:defRPr sz="1600">
                     <a:effectLst>
-                      <a:outerShdw sx="100000" sy="100000" kx="0" ky="0" algn="b" rotWithShape="0" blurRad="38100" dist="38100" dir="2700000">
+                      <a:outerShdw blurRad="38100" dist="38100" dir="2700000" rotWithShape="0">
                         <a:srgbClr val="000000">
                           <a:alpha val="43137"/>
                         </a:srgbClr>
@@ -15691,6 +16007,7 @@
                     <a:sym typeface="Arial"/>
                   </a:defRPr>
                 </a:pPr>
+                <a:endParaRPr/>
               </a:p>
             </p:txBody>
           </p:sp>
@@ -15716,7 +16033,7 @@
               <a:effectLst/>
               <a:extLst>
                 <a:ext uri="{C572A759-6A51-4108-AA02-DFA0A04FC94B}">
-                  <ma14:wrappingTextBoxFlag xmlns:ma14="http://schemas.microsoft.com/office/mac/drawingml/2011/main" val="1"/>
+                  <ma14:wrappingTextBoxFlag xmlns:ma14="http://schemas.microsoft.com/office/mac/drawingml/2011/main" xmlns:a14="http://schemas.microsoft.com/office/drawing/2010/main" xmlns:m="http://schemas.openxmlformats.org/officeDocument/2006/math" xmlns="" val="1"/>
                 </a:ext>
               </a:extLst>
             </p:spPr>
@@ -15728,7 +16045,7 @@
                 <a:lvl1pPr algn="ctr">
                   <a:defRPr sz="1600">
                     <a:effectLst>
-                      <a:outerShdw sx="100000" sy="100000" kx="0" ky="0" algn="b" rotWithShape="0" blurRad="38100" dist="38100" dir="2700000">
+                      <a:outerShdw blurRad="38100" dist="38100" dir="2700000" rotWithShape="0">
                         <a:srgbClr val="000000">
                           <a:alpha val="43137"/>
                         </a:srgbClr>
@@ -15742,7 +16059,6 @@
                 </a:lvl1pPr>
               </a:lstStyle>
               <a:p>
-                <a:pPr/>
                 <a:r>
                   <a:t>Filtered Subscription</a:t>
                 </a:r>
@@ -15754,7 +16070,9 @@
       <p:sp>
         <p:nvSpPr>
           <p:cNvPr id="199" name="Slide Number Placeholder 2"/>
-          <p:cNvSpPr txBox="1"/>
+          <p:cNvSpPr txBox="1">
+            <a:spLocks noGrp="1"/>
+          </p:cNvSpPr>
           <p:nvPr>
             <p:ph type="sldNum" sz="quarter" idx="4294967295"/>
           </p:nvPr>
@@ -15769,7 +16087,7 @@
           </a:prstGeom>
           <a:extLst>
             <a:ext uri="{C572A759-6A51-4108-AA02-DFA0A04FC94B}">
-              <ma14:wrappingTextBoxFlag xmlns:ma14="http://schemas.microsoft.com/office/mac/drawingml/2011/main" val="1"/>
+              <ma14:wrappingTextBoxFlag xmlns:ma14="http://schemas.microsoft.com/office/mac/drawingml/2011/main" xmlns:a14="http://schemas.microsoft.com/office/drawing/2010/main" xmlns:m="http://schemas.openxmlformats.org/officeDocument/2006/math" xmlns="" val="1"/>
             </a:ext>
           </a:extLst>
         </p:spPr>
@@ -15777,8 +16095,10 @@
           <a:bodyPr/>
           <a:lstStyle/>
           <a:p>
-            <a:pPr/>
-            <a:fld id="{86CB4B4D-7CA3-9044-876B-883B54F8677D}" type="slidenum"/>
+            <a:fld id="{86CB4B4D-7CA3-9044-876B-883B54F8677D}" type="slidenum">
+              <a:t>6</a:t>
+            </a:fld>
+            <a:endParaRPr/>
           </a:p>
         </p:txBody>
       </p:sp>
@@ -15787,12 +16107,12 @@
   <p:clrMapOvr>
     <a:masterClrMapping/>
   </p:clrMapOvr>
-  <p:transition xmlns:p14="http://schemas.microsoft.com/office/powerpoint/2010/main" spd="med" advClick="1"/>
+  <p:transition spd="med"/>
 </p:sld>
 </file>
 
 <file path=ppt/slides/slide7.xml><?xml version="1.0" encoding="utf-8"?>
-<p:sld xmlns:a="http://schemas.openxmlformats.org/drawingml/2006/main" xmlns:r="http://schemas.openxmlformats.org/officeDocument/2006/relationships" xmlns:p="http://schemas.openxmlformats.org/presentationml/2006/main" xmlns:m="http://schemas.openxmlformats.org/officeDocument/2006/math" xmlns:a14="http://schemas.microsoft.com/office/drawing/2010/main" showMasterSp="1" showMasterPhAnim="1">
+<p:sld xmlns:a="http://schemas.openxmlformats.org/drawingml/2006/main" xmlns:r="http://schemas.openxmlformats.org/officeDocument/2006/relationships" xmlns:p="http://schemas.openxmlformats.org/presentationml/2006/main">
   <p:cSld>
     <p:spTree>
       <p:nvGrpSpPr>
@@ -15811,7 +16131,9 @@
       <p:sp>
         <p:nvSpPr>
           <p:cNvPr id="201" name="Title 3"/>
-          <p:cNvSpPr txBox="1"/>
+          <p:cNvSpPr txBox="1">
+            <a:spLocks noGrp="1"/>
+          </p:cNvSpPr>
           <p:nvPr>
             <p:ph type="title"/>
           </p:nvPr>
@@ -15833,7 +16155,6 @@
             </a:lvl1pPr>
           </a:lstStyle>
           <a:p>
-            <a:pPr/>
             <a:r>
               <a:t>Use Cases for Pub\Sub Messenger:</a:t>
             </a:r>
@@ -15843,7 +16164,9 @@
       <p:sp>
         <p:nvSpPr>
           <p:cNvPr id="202" name="Content Placeholder 4"/>
-          <p:cNvSpPr txBox="1"/>
+          <p:cNvSpPr txBox="1">
+            <a:spLocks noGrp="1"/>
+          </p:cNvSpPr>
           <p:nvPr>
             <p:ph type="body" idx="1"/>
           </p:nvPr>
@@ -15867,7 +16190,7 @@
               </a:spcBef>
               <a:buFont typeface="Arial"/>
               <a:buChar char="✓"/>
-              <a:defRPr b="1" sz="3400"/>
+              <a:defRPr sz="3400" b="1"/>
             </a:pPr>
             <a:r>
               <a:rPr>
@@ -15895,7 +16218,7 @@
               </a:buClr>
               <a:buFont typeface="Arial"/>
               <a:buChar char="✓"/>
-              <a:defRPr b="1" sz="3400"/>
+              <a:defRPr sz="3400" b="1"/>
             </a:pPr>
             <a:r>
               <a:rPr>
@@ -15923,7 +16246,7 @@
               </a:buClr>
               <a:buFont typeface="Arial"/>
               <a:buChar char="✓"/>
-              <a:defRPr b="1" sz="3400"/>
+              <a:defRPr sz="3400" b="1"/>
             </a:pPr>
             <a:r>
               <a:rPr>
@@ -15948,7 +16271,7 @@
               </a:buClr>
               <a:buFont typeface="Arial"/>
               <a:buChar char="✓"/>
-              <a:defRPr b="1" sz="3400"/>
+              <a:defRPr sz="3400" b="1"/>
             </a:pPr>
             <a:r>
               <a:rPr>
@@ -15973,7 +16296,7 @@
               </a:buClr>
               <a:buFont typeface="Arial"/>
               <a:buChar char="✓"/>
-              <a:defRPr b="1" sz="3400"/>
+              <a:defRPr sz="3400" b="1"/>
             </a:pPr>
             <a:r>
               <a:rPr>
@@ -15993,7 +16316,9 @@
       <p:sp>
         <p:nvSpPr>
           <p:cNvPr id="203" name="Slide Number Placeholder 1"/>
-          <p:cNvSpPr txBox="1"/>
+          <p:cNvSpPr txBox="1">
+            <a:spLocks noGrp="1"/>
+          </p:cNvSpPr>
           <p:nvPr>
             <p:ph type="sldNum" sz="quarter" idx="4294967295"/>
           </p:nvPr>
@@ -16008,7 +16333,7 @@
           </a:prstGeom>
           <a:extLst>
             <a:ext uri="{C572A759-6A51-4108-AA02-DFA0A04FC94B}">
-              <ma14:wrappingTextBoxFlag xmlns:ma14="http://schemas.microsoft.com/office/mac/drawingml/2011/main" val="1"/>
+              <ma14:wrappingTextBoxFlag xmlns:ma14="http://schemas.microsoft.com/office/mac/drawingml/2011/main" xmlns:a14="http://schemas.microsoft.com/office/drawing/2010/main" xmlns:m="http://schemas.openxmlformats.org/officeDocument/2006/math" xmlns="" val="1"/>
             </a:ext>
           </a:extLst>
         </p:spPr>
@@ -16016,8 +16341,10 @@
           <a:bodyPr/>
           <a:lstStyle/>
           <a:p>
-            <a:pPr/>
-            <a:fld id="{86CB4B4D-7CA3-9044-876B-883B54F8677D}" type="slidenum"/>
+            <a:fld id="{86CB4B4D-7CA3-9044-876B-883B54F8677D}" type="slidenum">
+              <a:t>7</a:t>
+            </a:fld>
+            <a:endParaRPr/>
           </a:p>
         </p:txBody>
       </p:sp>
@@ -16026,12 +16353,12 @@
   <p:clrMapOvr>
     <a:masterClrMapping/>
   </p:clrMapOvr>
-  <p:transition xmlns:p14="http://schemas.microsoft.com/office/powerpoint/2010/main" spd="med" advClick="1"/>
+  <p:transition spd="med"/>
 </p:sld>
 </file>
 
 <file path=ppt/slides/slide8.xml><?xml version="1.0" encoding="utf-8"?>
-<p:sld xmlns:a="http://schemas.openxmlformats.org/drawingml/2006/main" xmlns:r="http://schemas.openxmlformats.org/officeDocument/2006/relationships" xmlns:p="http://schemas.openxmlformats.org/presentationml/2006/main" xmlns:m="http://schemas.openxmlformats.org/officeDocument/2006/math" xmlns:a14="http://schemas.microsoft.com/office/drawing/2010/main" showMasterSp="1" showMasterPhAnim="1">
+<p:sld xmlns:a="http://schemas.openxmlformats.org/drawingml/2006/main" xmlns:r="http://schemas.openxmlformats.org/officeDocument/2006/relationships" xmlns:p="http://schemas.openxmlformats.org/presentationml/2006/main">
   <p:cSld>
     <p:spTree>
       <p:nvGrpSpPr>
@@ -16050,7 +16377,9 @@
       <p:sp>
         <p:nvSpPr>
           <p:cNvPr id="205" name="Title 3"/>
-          <p:cNvSpPr txBox="1"/>
+          <p:cNvSpPr txBox="1">
+            <a:spLocks noGrp="1"/>
+          </p:cNvSpPr>
           <p:nvPr>
             <p:ph type="title"/>
           </p:nvPr>
@@ -16072,7 +16401,6 @@
             </a:lvl1pPr>
           </a:lstStyle>
           <a:p>
-            <a:pPr/>
             <a:r>
               <a:t>Messenger API:</a:t>
             </a:r>
@@ -16082,7 +16410,9 @@
       <p:sp>
         <p:nvSpPr>
           <p:cNvPr id="206" name="Content Placeholder 4"/>
-          <p:cNvSpPr txBox="1"/>
+          <p:cNvSpPr txBox="1">
+            <a:spLocks noGrp="1"/>
+          </p:cNvSpPr>
           <p:nvPr>
             <p:ph type="body" idx="1"/>
           </p:nvPr>
@@ -16106,14 +16436,14 @@
               </a:spcBef>
               <a:buFont typeface="Arial"/>
               <a:buChar char="✓"/>
-              <a:defRPr b="1" sz="1800"/>
+              <a:defRPr sz="1800" b="1"/>
             </a:pPr>
             <a:r>
               <a:t>Messenger</a:t>
             </a:r>
           </a:p>
           <a:p>
-            <a:pPr lvl="1" marL="0" indent="320040" algn="l">
+            <a:pPr marL="0" lvl="1" indent="320040" algn="l">
               <a:spcBef>
                 <a:spcPts val="400"/>
               </a:spcBef>
@@ -16132,9 +16462,10 @@
               <a:buNone/>
               <a:defRPr sz="1800"/>
             </a:pPr>
-          </a:p>
-          <a:p>
-            <a:pPr lvl="2" marL="0" indent="502919" algn="l">
+            <a:endParaRPr sz="2400"/>
+          </a:p>
+          <a:p>
+            <a:pPr marL="0" lvl="2" indent="502919" algn="l">
               <a:spcBef>
                 <a:spcPts val="300"/>
               </a:spcBef>
@@ -16184,7 +16515,7 @@
             </a:endParaRPr>
           </a:p>
           <a:p>
-            <a:pPr lvl="2" marL="0" indent="502919" algn="l">
+            <a:pPr marL="0" lvl="2" indent="502919" algn="l">
               <a:spcBef>
                 <a:spcPts val="300"/>
               </a:spcBef>
@@ -16210,7 +16541,7 @@
             </a:endParaRPr>
           </a:p>
           <a:p>
-            <a:pPr lvl="2" marL="0" indent="502919" algn="l">
+            <a:pPr marL="0" lvl="2" indent="502919" algn="l">
               <a:spcBef>
                 <a:spcPts val="300"/>
               </a:spcBef>
@@ -16260,13 +16591,13 @@
             </a:endParaRPr>
           </a:p>
           <a:p>
-            <a:pPr lvl="2" marL="0" indent="502919" algn="l">
+            <a:pPr marL="0" lvl="2" indent="502919" algn="l">
               <a:spcBef>
                 <a:spcPts val="300"/>
               </a:spcBef>
               <a:buSzTx/>
               <a:buNone/>
-              <a:defRPr b="1" sz="1400">
+              <a:defRPr sz="1400" b="1">
                 <a:solidFill>
                   <a:srgbClr val="569CD6"/>
                 </a:solidFill>
@@ -16313,13 +16644,13 @@
             </a:endParaRPr>
           </a:p>
           <a:p>
-            <a:pPr lvl="2" marL="0" indent="502919" algn="l">
+            <a:pPr marL="0" lvl="2" indent="502919" algn="l">
               <a:spcBef>
                 <a:spcPts val="300"/>
               </a:spcBef>
               <a:buSzTx/>
               <a:buNone/>
-              <a:defRPr b="1" sz="1400">
+              <a:defRPr sz="1400" b="1">
                 <a:solidFill>
                   <a:srgbClr val="D4D4D4"/>
                 </a:solidFill>
@@ -16335,7 +16666,7 @@
             <a:endParaRPr sz="2200"/>
           </a:p>
           <a:p>
-            <a:pPr lvl="3" marL="0" indent="731519" algn="l">
+            <a:pPr marL="0" lvl="3" indent="731519" algn="l">
               <a:spcBef>
                 <a:spcPts val="300"/>
               </a:spcBef>
@@ -16385,7 +16716,7 @@
             </a:endParaRPr>
           </a:p>
           <a:p>
-            <a:pPr lvl="3" marL="0" indent="731519" algn="l">
+            <a:pPr marL="0" lvl="3" indent="731519" algn="l">
               <a:spcBef>
                 <a:spcPts val="300"/>
               </a:spcBef>
@@ -16411,7 +16742,7 @@
             </a:endParaRPr>
           </a:p>
           <a:p>
-            <a:pPr lvl="3" marL="0" indent="731519" algn="l">
+            <a:pPr marL="0" lvl="3" indent="731519" algn="l">
               <a:spcBef>
                 <a:spcPts val="300"/>
               </a:spcBef>
@@ -16461,7 +16792,7 @@
             </a:endParaRPr>
           </a:p>
           <a:p>
-            <a:pPr lvl="3" marL="0" indent="731519" algn="l">
+            <a:pPr marL="0" lvl="3" indent="731519" algn="l">
               <a:spcBef>
                 <a:spcPts val="300"/>
               </a:spcBef>
@@ -16560,7 +16891,7 @@
             </a:endParaRPr>
           </a:p>
           <a:p>
-            <a:pPr lvl="3" marL="0" indent="731519" algn="l">
+            <a:pPr marL="0" lvl="3" indent="731519" algn="l">
               <a:spcBef>
                 <a:spcPts val="300"/>
               </a:spcBef>
@@ -16659,13 +16990,13 @@
             </a:endParaRPr>
           </a:p>
           <a:p>
-            <a:pPr lvl="3" marL="0" indent="731519" algn="l">
+            <a:pPr marL="0" lvl="3" indent="731519" algn="l">
               <a:spcBef>
                 <a:spcPts val="300"/>
               </a:spcBef>
               <a:buSzTx/>
               <a:buNone/>
-              <a:defRPr b="1" sz="1400">
+              <a:defRPr sz="1400" b="1">
                 <a:solidFill>
                   <a:srgbClr val="569CD6"/>
                 </a:solidFill>
@@ -16753,7 +17084,7 @@
             <a:endParaRPr sz="1800"/>
           </a:p>
           <a:p>
-            <a:pPr lvl="3" marL="0" indent="731519" algn="l">
+            <a:pPr marL="0" lvl="3" indent="731519" algn="l">
               <a:spcBef>
                 <a:spcPts val="300"/>
               </a:spcBef>
@@ -16776,7 +17107,7 @@
             </a:endParaRPr>
           </a:p>
           <a:p>
-            <a:pPr lvl="3" marL="0" indent="731519" algn="l">
+            <a:pPr marL="0" lvl="3" indent="731519" algn="l">
               <a:spcBef>
                 <a:spcPts val="300"/>
               </a:spcBef>
@@ -16827,7 +17158,7 @@
             <a:endParaRPr sz="1400"/>
           </a:p>
           <a:p>
-            <a:pPr lvl="3" marL="0" indent="731519" algn="l">
+            <a:pPr marL="0" lvl="3" indent="731519" algn="l">
               <a:spcBef>
                 <a:spcPts val="300"/>
               </a:spcBef>
@@ -16853,7 +17184,7 @@
             </a:endParaRPr>
           </a:p>
           <a:p>
-            <a:pPr lvl="3" marL="0" indent="731519" algn="l">
+            <a:pPr marL="0" lvl="3" indent="731519" algn="l">
               <a:spcBef>
                 <a:spcPts val="300"/>
               </a:spcBef>
@@ -16903,7 +17234,7 @@
             </a:endParaRPr>
           </a:p>
           <a:p>
-            <a:pPr lvl="3" marL="0" indent="731519" algn="l">
+            <a:pPr marL="0" lvl="3" indent="731519" algn="l">
               <a:spcBef>
                 <a:spcPts val="300"/>
               </a:spcBef>
@@ -17002,7 +17333,7 @@
             </a:endParaRPr>
           </a:p>
           <a:p>
-            <a:pPr lvl="3" marL="0" indent="731519" algn="l">
+            <a:pPr marL="0" lvl="3" indent="731519" algn="l">
               <a:spcBef>
                 <a:spcPts val="300"/>
               </a:spcBef>
@@ -17101,7 +17432,7 @@
             </a:endParaRPr>
           </a:p>
           <a:p>
-            <a:pPr lvl="3" marL="0" indent="731519" algn="l">
+            <a:pPr marL="0" lvl="3" indent="731519" algn="l">
               <a:spcBef>
                 <a:spcPts val="300"/>
               </a:spcBef>
@@ -17200,13 +17531,13 @@
             </a:endParaRPr>
           </a:p>
           <a:p>
-            <a:pPr lvl="3" marL="0" indent="731519" algn="l">
+            <a:pPr marL="0" lvl="3" indent="731519" algn="l">
               <a:spcBef>
                 <a:spcPts val="300"/>
               </a:spcBef>
               <a:buSzTx/>
               <a:buNone/>
-              <a:defRPr b="1" sz="1400">
+              <a:defRPr sz="1400" b="1">
                 <a:solidFill>
                   <a:srgbClr val="569CD6"/>
                 </a:solidFill>
@@ -17369,7 +17700,7 @@
             <a:endParaRPr sz="1800"/>
           </a:p>
           <a:p>
-            <a:pPr lvl="3" marL="0" indent="731519" algn="l">
+            <a:pPr marL="0" lvl="3" indent="731519" algn="l">
               <a:spcBef>
                 <a:spcPts val="300"/>
               </a:spcBef>
@@ -17392,7 +17723,7 @@
             </a:endParaRPr>
           </a:p>
           <a:p>
-            <a:pPr lvl="3" marL="0" indent="731519" algn="l">
+            <a:pPr marL="0" lvl="3" indent="731519" algn="l">
               <a:spcBef>
                 <a:spcPts val="300"/>
               </a:spcBef>
@@ -17443,7 +17774,7 @@
             <a:endParaRPr sz="1400"/>
           </a:p>
           <a:p>
-            <a:pPr lvl="1" marL="0" indent="731519" algn="l">
+            <a:pPr marL="0" lvl="1" indent="731519" algn="l">
               <a:spcBef>
                 <a:spcPts val="300"/>
               </a:spcBef>
@@ -17469,7 +17800,7 @@
             </a:endParaRPr>
           </a:p>
           <a:p>
-            <a:pPr lvl="3" marL="0" indent="731519" algn="l">
+            <a:pPr marL="0" lvl="3" indent="731519" algn="l">
               <a:spcBef>
                 <a:spcPts val="300"/>
               </a:spcBef>
@@ -17519,7 +17850,7 @@
             </a:endParaRPr>
           </a:p>
           <a:p>
-            <a:pPr lvl="3" marL="0" indent="731519" algn="l">
+            <a:pPr marL="0" lvl="3" indent="731519" algn="l">
               <a:spcBef>
                 <a:spcPts val="300"/>
               </a:spcBef>
@@ -17618,7 +17949,7 @@
             </a:endParaRPr>
           </a:p>
           <a:p>
-            <a:pPr lvl="3" marL="0" indent="731519" algn="l">
+            <a:pPr marL="0" lvl="3" indent="731519" algn="l">
               <a:spcBef>
                 <a:spcPts val="300"/>
               </a:spcBef>
@@ -17717,13 +18048,13 @@
             </a:endParaRPr>
           </a:p>
           <a:p>
-            <a:pPr lvl="3" marL="0" indent="731519" algn="l">
+            <a:pPr marL="0" lvl="3" indent="731519" algn="l">
               <a:spcBef>
                 <a:spcPts val="300"/>
               </a:spcBef>
               <a:buSzTx/>
               <a:buNone/>
-              <a:defRPr b="1" sz="1400">
+              <a:defRPr sz="1400" b="1">
                 <a:solidFill>
                   <a:srgbClr val="569CD6"/>
                 </a:solidFill>
@@ -17827,13 +18158,13 @@
             <a:endParaRPr sz="1800"/>
           </a:p>
           <a:p>
-            <a:pPr lvl="2" marL="0" indent="502919" algn="l">
+            <a:pPr marL="0" lvl="2" indent="502919" algn="l">
               <a:spcBef>
                 <a:spcPts val="300"/>
               </a:spcBef>
               <a:buSzTx/>
               <a:buNone/>
-              <a:defRPr b="1" sz="1400">
+              <a:defRPr sz="1400" b="1">
                 <a:solidFill>
                   <a:srgbClr val="D4D4D4"/>
                 </a:solidFill>
@@ -17852,7 +18183,9 @@
       <p:sp>
         <p:nvSpPr>
           <p:cNvPr id="207" name="Slide Number Placeholder 5"/>
-          <p:cNvSpPr txBox="1"/>
+          <p:cNvSpPr txBox="1">
+            <a:spLocks noGrp="1"/>
+          </p:cNvSpPr>
           <p:nvPr>
             <p:ph type="sldNum" sz="quarter" idx="4294967295"/>
           </p:nvPr>
@@ -17867,7 +18200,7 @@
           </a:prstGeom>
           <a:extLst>
             <a:ext uri="{C572A759-6A51-4108-AA02-DFA0A04FC94B}">
-              <ma14:wrappingTextBoxFlag xmlns:ma14="http://schemas.microsoft.com/office/mac/drawingml/2011/main" val="1"/>
+              <ma14:wrappingTextBoxFlag xmlns:ma14="http://schemas.microsoft.com/office/mac/drawingml/2011/main" xmlns:a14="http://schemas.microsoft.com/office/drawing/2010/main" xmlns:m="http://schemas.openxmlformats.org/officeDocument/2006/math" xmlns="" val="1"/>
             </a:ext>
           </a:extLst>
         </p:spPr>
@@ -17875,8 +18208,10 @@
           <a:bodyPr/>
           <a:lstStyle/>
           <a:p>
-            <a:pPr/>
-            <a:fld id="{86CB4B4D-7CA3-9044-876B-883B54F8677D}" type="slidenum"/>
+            <a:fld id="{86CB4B4D-7CA3-9044-876B-883B54F8677D}" type="slidenum">
+              <a:t>8</a:t>
+            </a:fld>
+            <a:endParaRPr/>
           </a:p>
         </p:txBody>
       </p:sp>
@@ -17885,12 +18220,12 @@
   <p:clrMapOvr>
     <a:masterClrMapping/>
   </p:clrMapOvr>
-  <p:transition xmlns:p14="http://schemas.microsoft.com/office/powerpoint/2010/main" spd="med" advClick="1"/>
+  <p:transition spd="med"/>
 </p:sld>
 </file>
 
 <file path=ppt/slides/slide9.xml><?xml version="1.0" encoding="utf-8"?>
-<p:sld xmlns:a="http://schemas.openxmlformats.org/drawingml/2006/main" xmlns:r="http://schemas.openxmlformats.org/officeDocument/2006/relationships" xmlns:p="http://schemas.openxmlformats.org/presentationml/2006/main" xmlns:m="http://schemas.openxmlformats.org/officeDocument/2006/math" xmlns:a14="http://schemas.microsoft.com/office/drawing/2010/main" showMasterSp="1" showMasterPhAnim="1">
+<p:sld xmlns:a="http://schemas.openxmlformats.org/drawingml/2006/main" xmlns:r="http://schemas.openxmlformats.org/officeDocument/2006/relationships" xmlns:p="http://schemas.openxmlformats.org/presentationml/2006/main">
   <p:cSld>
     <p:spTree>
       <p:nvGrpSpPr>
@@ -17909,7 +18244,9 @@
       <p:sp>
         <p:nvSpPr>
           <p:cNvPr id="209" name="Content Placeholder 4"/>
-          <p:cNvSpPr txBox="1"/>
+          <p:cNvSpPr txBox="1">
+            <a:spLocks noGrp="1"/>
+          </p:cNvSpPr>
           <p:nvPr>
             <p:ph type="body" idx="1"/>
           </p:nvPr>
@@ -17933,15 +18270,16 @@
               </a:spcBef>
               <a:buFont typeface="Arial"/>
               <a:buChar char="✓"/>
-              <a:defRPr b="1" sz="1800"/>
+              <a:defRPr sz="1800" b="1"/>
             </a:pPr>
             <a:r>
               <a:t>Messenger</a:t>
             </a:r>
             <a:br/>
-          </a:p>
-          <a:p>
-            <a:pPr lvl="1" marL="0" indent="320040" algn="l">
+            <a:endParaRPr/>
+          </a:p>
+          <a:p>
+            <a:pPr marL="0" lvl="1" indent="320040" algn="l">
               <a:spcBef>
                 <a:spcPts val="400"/>
               </a:spcBef>
@@ -18005,8 +18343,17 @@
               </a:spcBef>
               <a:buFont typeface="Arial"/>
               <a:buChar char="✓"/>
-              <a:defRPr b="1" sz="1800"/>
+              <a:defRPr sz="1800" b="1"/>
             </a:pPr>
+            <a:endParaRPr>
+              <a:solidFill>
+                <a:srgbClr val="D4D4D4"/>
+              </a:solidFill>
+              <a:latin typeface="Menlo Regular"/>
+              <a:ea typeface="Menlo Regular"/>
+              <a:cs typeface="Menlo Regular"/>
+              <a:sym typeface="Menlo Regular"/>
+            </a:endParaRPr>
           </a:p>
           <a:p>
             <a:pPr marL="280851" indent="-235130" algn="l">
@@ -18015,7 +18362,7 @@
               </a:spcBef>
               <a:buFont typeface="Arial"/>
               <a:buChar char="✓"/>
-              <a:defRPr b="1" sz="1800"/>
+              <a:defRPr sz="1800" b="1"/>
             </a:pPr>
             <a:r>
               <a:t>Publish</a:t>
@@ -18032,7 +18379,7 @@
             </a:endParaRPr>
           </a:p>
           <a:p>
-            <a:pPr lvl="1" marL="0" indent="320040" algn="l">
+            <a:pPr marL="0" lvl="1" indent="320040" algn="l">
               <a:spcBef>
                 <a:spcPts val="400"/>
               </a:spcBef>
@@ -18150,14 +18497,9 @@
               </a:rPr>
               <a:t> });</a:t>
             </a:r>
-            <a:endParaRPr>
-              <a:solidFill>
-                <a:srgbClr val="D4D4D4"/>
-              </a:solidFill>
-            </a:endParaRPr>
-          </a:p>
-          <a:p>
-            <a:pPr lvl="1" marL="0" indent="320040" algn="l">
+          </a:p>
+          <a:p>
+            <a:pPr marL="0" lvl="1" indent="320040" algn="l">
               <a:buSzTx/>
               <a:buNone/>
               <a:defRPr sz="1600">
@@ -18170,9 +18512,14 @@
                 <a:sym typeface="Menlo Regular"/>
               </a:defRPr>
             </a:pPr>
-          </a:p>
-          <a:p>
-            <a:pPr lvl="1" marL="0" indent="320040" algn="l">
+            <a:endParaRPr>
+              <a:solidFill>
+                <a:srgbClr val="D4D4D4"/>
+              </a:solidFill>
+            </a:endParaRPr>
+          </a:p>
+          <a:p>
+            <a:pPr marL="0" lvl="1" indent="320040" algn="l">
               <a:spcBef>
                 <a:spcPts val="400"/>
               </a:spcBef>
@@ -18197,7 +18544,9 @@
       <p:sp>
         <p:nvSpPr>
           <p:cNvPr id="210" name="Title 3"/>
-          <p:cNvSpPr txBox="1"/>
+          <p:cNvSpPr txBox="1">
+            <a:spLocks noGrp="1"/>
+          </p:cNvSpPr>
           <p:nvPr>
             <p:ph type="title"/>
           </p:nvPr>
@@ -18219,7 +18568,6 @@
             </a:lvl1pPr>
           </a:lstStyle>
           <a:p>
-            <a:pPr/>
             <a:r>
               <a:t>Messenger API:</a:t>
             </a:r>
@@ -18229,7 +18577,9 @@
       <p:sp>
         <p:nvSpPr>
           <p:cNvPr id="211" name="Slide Number Placeholder 3"/>
-          <p:cNvSpPr txBox="1"/>
+          <p:cNvSpPr txBox="1">
+            <a:spLocks noGrp="1"/>
+          </p:cNvSpPr>
           <p:nvPr>
             <p:ph type="sldNum" sz="quarter" idx="4294967295"/>
           </p:nvPr>
@@ -18244,7 +18594,7 @@
           </a:prstGeom>
           <a:extLst>
             <a:ext uri="{C572A759-6A51-4108-AA02-DFA0A04FC94B}">
-              <ma14:wrappingTextBoxFlag xmlns:ma14="http://schemas.microsoft.com/office/mac/drawingml/2011/main" val="1"/>
+              <ma14:wrappingTextBoxFlag xmlns:ma14="http://schemas.microsoft.com/office/mac/drawingml/2011/main" xmlns:a14="http://schemas.microsoft.com/office/drawing/2010/main" xmlns:m="http://schemas.openxmlformats.org/officeDocument/2006/math" xmlns="" val="1"/>
             </a:ext>
           </a:extLst>
         </p:spPr>
@@ -18252,8 +18602,10 @@
           <a:bodyPr/>
           <a:lstStyle/>
           <a:p>
-            <a:pPr/>
-            <a:fld id="{86CB4B4D-7CA3-9044-876B-883B54F8677D}" type="slidenum"/>
+            <a:fld id="{86CB4B4D-7CA3-9044-876B-883B54F8677D}" type="slidenum">
+              <a:t>9</a:t>
+            </a:fld>
+            <a:endParaRPr/>
           </a:p>
         </p:txBody>
       </p:sp>
@@ -18262,12 +18614,12 @@
   <p:clrMapOvr>
     <a:masterClrMapping/>
   </p:clrMapOvr>
-  <p:transition xmlns:p14="http://schemas.microsoft.com/office/powerpoint/2010/main" spd="med" advClick="1"/>
+  <p:transition spd="med"/>
 </p:sld>
 </file>
 
 <file path=ppt/theme/theme1.xml><?xml version="1.0" encoding="utf-8"?>
-<a:theme xmlns:a="http://schemas.openxmlformats.org/drawingml/2006/main" xmlns:r="http://schemas.openxmlformats.org/officeDocument/2006/relationships" name="Perspective">
+<a:theme xmlns:a="http://schemas.openxmlformats.org/drawingml/2006/main" name="Perspective">
   <a:themeElements>
     <a:clrScheme name="Perspective">
       <a:dk1>
@@ -18393,7 +18745,7 @@
       <a:effectStyleLst>
         <a:effectStyle>
           <a:effectLst>
-            <a:outerShdw sx="100000" sy="100000" kx="0" ky="0" algn="b" rotWithShape="0" blurRad="63500" dist="50800" dir="5400000">
+            <a:outerShdw blurRad="63500" dist="50800" dir="5400000" rotWithShape="0">
               <a:srgbClr val="000000">
                 <a:alpha val="48000"/>
               </a:srgbClr>
@@ -18402,7 +18754,7 @@
         </a:effectStyle>
         <a:effectStyle>
           <a:effectLst>
-            <a:outerShdw sx="100000" sy="100000" kx="0" ky="0" algn="b" rotWithShape="0" blurRad="63500" dist="50800" dir="5400000">
+            <a:outerShdw blurRad="63500" dist="50800" dir="5400000" rotWithShape="0">
               <a:srgbClr val="000000">
                 <a:alpha val="48000"/>
               </a:srgbClr>
@@ -18411,7 +18763,7 @@
         </a:effectStyle>
         <a:effectStyle>
           <a:effectLst>
-            <a:outerShdw sx="100000" sy="100000" kx="0" ky="0" algn="b" rotWithShape="0" blurRad="63500" dist="50800" dir="5400000">
+            <a:outerShdw blurRad="63500" dist="50800" dir="5400000" rotWithShape="0">
               <a:srgbClr val="000000">
                 <a:alpha val="48000"/>
               </a:srgbClr>
@@ -18485,7 +18837,7 @@
           <a:round/>
         </a:ln>
         <a:effectLst>
-          <a:outerShdw sx="100000" sy="100000" kx="0" ky="0" algn="b" rotWithShape="0" blurRad="63500" dist="50800" dir="5400000">
+          <a:outerShdw blurRad="63500" dist="50800" dir="5400000" rotWithShape="0">
             <a:srgbClr val="000000">
               <a:alpha val="48000"/>
             </a:srgbClr>
@@ -18493,7 +18845,7 @@
         </a:effectLst>
         <a:sp3d/>
       </a:spPr>
-      <a:bodyPr rot="0" spcFirstLastPara="1" vertOverflow="overflow" horzOverflow="overflow" vert="horz" wrap="square" lIns="65022" tIns="65022" rIns="65022" bIns="65022" numCol="1" spcCol="38100" rtlCol="0" anchor="ctr" upright="0">
+      <a:bodyPr rot="0" spcFirstLastPara="1" vertOverflow="overflow" horzOverflow="overflow" vert="horz" wrap="square" lIns="65022" tIns="65022" rIns="65022" bIns="65022" numCol="1" spcCol="38100" rtlCol="0" anchor="ctr">
         <a:spAutoFit/>
       </a:bodyPr>
       <a:lstStyle>
@@ -18512,7 +18864,7 @@
           <a:buFontTx/>
           <a:buNone/>
           <a:tabLst/>
-          <a:defRPr b="0" baseline="0" cap="none" i="0" spc="0" strike="noStrike" sz="2400" u="none" kumimoji="0" normalizeH="0">
+          <a:defRPr kumimoji="0" sz="2400" b="0" i="0" u="none" strike="noStrike" cap="none" spc="0" normalizeH="0" baseline="0">
             <a:ln>
               <a:noFill/>
             </a:ln>
@@ -18542,7 +18894,7 @@
           <a:buFontTx/>
           <a:buNone/>
           <a:tabLst/>
-          <a:defRPr b="0" baseline="0" cap="none" i="0" spc="0" strike="noStrike" sz="1800" u="none" kumimoji="0" normalizeH="0">
+          <a:defRPr kumimoji="0" sz="1800" b="0" i="0" u="none" strike="noStrike" cap="none" spc="0" normalizeH="0" baseline="0">
             <a:ln>
               <a:noFill/>
             </a:ln>
@@ -18568,7 +18920,7 @@
           <a:buFontTx/>
           <a:buNone/>
           <a:tabLst/>
-          <a:defRPr b="0" baseline="0" cap="none" i="0" spc="0" strike="noStrike" sz="1800" u="none" kumimoji="0" normalizeH="0">
+          <a:defRPr kumimoji="0" sz="1800" b="0" i="0" u="none" strike="noStrike" cap="none" spc="0" normalizeH="0" baseline="0">
             <a:ln>
               <a:noFill/>
             </a:ln>
@@ -18594,7 +18946,7 @@
           <a:buFontTx/>
           <a:buNone/>
           <a:tabLst/>
-          <a:defRPr b="0" baseline="0" cap="none" i="0" spc="0" strike="noStrike" sz="1800" u="none" kumimoji="0" normalizeH="0">
+          <a:defRPr kumimoji="0" sz="1800" b="0" i="0" u="none" strike="noStrike" cap="none" spc="0" normalizeH="0" baseline="0">
             <a:ln>
               <a:noFill/>
             </a:ln>
@@ -18620,7 +18972,7 @@
           <a:buFontTx/>
           <a:buNone/>
           <a:tabLst/>
-          <a:defRPr b="0" baseline="0" cap="none" i="0" spc="0" strike="noStrike" sz="1800" u="none" kumimoji="0" normalizeH="0">
+          <a:defRPr kumimoji="0" sz="1800" b="0" i="0" u="none" strike="noStrike" cap="none" spc="0" normalizeH="0" baseline="0">
             <a:ln>
               <a:noFill/>
             </a:ln>
@@ -18646,7 +18998,7 @@
           <a:buFontTx/>
           <a:buNone/>
           <a:tabLst/>
-          <a:defRPr b="0" baseline="0" cap="none" i="0" spc="0" strike="noStrike" sz="1800" u="none" kumimoji="0" normalizeH="0">
+          <a:defRPr kumimoji="0" sz="1800" b="0" i="0" u="none" strike="noStrike" cap="none" spc="0" normalizeH="0" baseline="0">
             <a:ln>
               <a:noFill/>
             </a:ln>
@@ -18672,7 +19024,7 @@
           <a:buFontTx/>
           <a:buNone/>
           <a:tabLst/>
-          <a:defRPr b="0" baseline="0" cap="none" i="0" spc="0" strike="noStrike" sz="1800" u="none" kumimoji="0" normalizeH="0">
+          <a:defRPr kumimoji="0" sz="1800" b="0" i="0" u="none" strike="noStrike" cap="none" spc="0" normalizeH="0" baseline="0">
             <a:ln>
               <a:noFill/>
             </a:ln>
@@ -18698,7 +19050,7 @@
           <a:buFontTx/>
           <a:buNone/>
           <a:tabLst/>
-          <a:defRPr b="0" baseline="0" cap="none" i="0" spc="0" strike="noStrike" sz="1800" u="none" kumimoji="0" normalizeH="0">
+          <a:defRPr kumimoji="0" sz="1800" b="0" i="0" u="none" strike="noStrike" cap="none" spc="0" normalizeH="0" baseline="0">
             <a:ln>
               <a:noFill/>
             </a:ln>
@@ -18724,7 +19076,7 @@
           <a:buFontTx/>
           <a:buNone/>
           <a:tabLst/>
-          <a:defRPr b="0" baseline="0" cap="none" i="0" spc="0" strike="noStrike" sz="1800" u="none" kumimoji="0" normalizeH="0">
+          <a:defRPr kumimoji="0" sz="1800" b="0" i="0" u="none" strike="noStrike" cap="none" spc="0" normalizeH="0" baseline="0">
             <a:ln>
               <a:noFill/>
             </a:ln>
@@ -18750,7 +19102,7 @@
           <a:buFontTx/>
           <a:buNone/>
           <a:tabLst/>
-          <a:defRPr b="0" baseline="0" cap="none" i="0" spc="0" strike="noStrike" sz="1800" u="none" kumimoji="0" normalizeH="0">
+          <a:defRPr kumimoji="0" sz="1800" b="0" i="0" u="none" strike="noStrike" cap="none" spc="0" normalizeH="0" baseline="0">
             <a:ln>
               <a:noFill/>
             </a:ln>
@@ -18763,9 +19115,15 @@
         </a:lvl9pPr>
       </a:lstStyle>
       <a:style>
-        <a:lnRef idx="0"/>
-        <a:fillRef idx="0"/>
-        <a:effectRef idx="0"/>
+        <a:lnRef idx="0">
+          <a:scrgbClr r="0" g="0" b="0"/>
+        </a:lnRef>
+        <a:fillRef idx="0">
+          <a:scrgbClr r="0" g="0" b="0"/>
+        </a:fillRef>
+        <a:effectRef idx="0">
+          <a:scrgbClr r="0" g="0" b="0"/>
+        </a:effectRef>
         <a:fontRef idx="none"/>
       </a:style>
     </a:spDef>
@@ -18780,7 +19138,7 @@
           <a:round/>
         </a:ln>
         <a:effectLst>
-          <a:outerShdw sx="100000" sy="100000" kx="0" ky="0" algn="b" rotWithShape="0" blurRad="63500" dist="50800" dir="5400000">
+          <a:outerShdw blurRad="63500" dist="50800" dir="5400000" rotWithShape="0">
             <a:srgbClr val="000000">
               <a:alpha val="48000"/>
             </a:srgbClr>
@@ -18788,7 +19146,7 @@
         </a:effectLst>
         <a:sp3d/>
       </a:spPr>
-      <a:bodyPr rot="0" spcFirstLastPara="1" vertOverflow="overflow" horzOverflow="overflow" vert="horz" wrap="square" lIns="91439" tIns="45719" rIns="91439" bIns="45719" numCol="1" spcCol="38100" rtlCol="0" anchor="t" upright="0">
+      <a:bodyPr rot="0" spcFirstLastPara="1" vertOverflow="overflow" horzOverflow="overflow" vert="horz" wrap="square" lIns="91439" tIns="45719" rIns="91439" bIns="45719" numCol="1" spcCol="38100" rtlCol="0" anchor="t">
         <a:noAutofit/>
       </a:bodyPr>
       <a:lstStyle>
@@ -18807,7 +19165,7 @@
           <a:buFontTx/>
           <a:buNone/>
           <a:tabLst/>
-          <a:defRPr b="0" baseline="0" cap="none" i="0" spc="0" strike="noStrike" sz="1800" u="none" kumimoji="0" normalizeH="0">
+          <a:defRPr kumimoji="0" sz="1800" b="0" i="0" u="none" strike="noStrike" cap="none" spc="0" normalizeH="0" baseline="0">
             <a:ln>
               <a:noFill/>
             </a:ln>
@@ -18833,7 +19191,7 @@
           <a:buFontTx/>
           <a:buNone/>
           <a:tabLst/>
-          <a:defRPr b="0" baseline="0" cap="none" i="0" spc="0" strike="noStrike" sz="1800" u="none" kumimoji="0" normalizeH="0">
+          <a:defRPr kumimoji="0" sz="1800" b="0" i="0" u="none" strike="noStrike" cap="none" spc="0" normalizeH="0" baseline="0">
             <a:ln>
               <a:noFill/>
             </a:ln>
@@ -18859,7 +19217,7 @@
           <a:buFontTx/>
           <a:buNone/>
           <a:tabLst/>
-          <a:defRPr b="0" baseline="0" cap="none" i="0" spc="0" strike="noStrike" sz="1800" u="none" kumimoji="0" normalizeH="0">
+          <a:defRPr kumimoji="0" sz="1800" b="0" i="0" u="none" strike="noStrike" cap="none" spc="0" normalizeH="0" baseline="0">
             <a:ln>
               <a:noFill/>
             </a:ln>
@@ -18885,7 +19243,7 @@
           <a:buFontTx/>
           <a:buNone/>
           <a:tabLst/>
-          <a:defRPr b="0" baseline="0" cap="none" i="0" spc="0" strike="noStrike" sz="1800" u="none" kumimoji="0" normalizeH="0">
+          <a:defRPr kumimoji="0" sz="1800" b="0" i="0" u="none" strike="noStrike" cap="none" spc="0" normalizeH="0" baseline="0">
             <a:ln>
               <a:noFill/>
             </a:ln>
@@ -18911,7 +19269,7 @@
           <a:buFontTx/>
           <a:buNone/>
           <a:tabLst/>
-          <a:defRPr b="0" baseline="0" cap="none" i="0" spc="0" strike="noStrike" sz="1800" u="none" kumimoji="0" normalizeH="0">
+          <a:defRPr kumimoji="0" sz="1800" b="0" i="0" u="none" strike="noStrike" cap="none" spc="0" normalizeH="0" baseline="0">
             <a:ln>
               <a:noFill/>
             </a:ln>
@@ -18937,7 +19295,7 @@
           <a:buFontTx/>
           <a:buNone/>
           <a:tabLst/>
-          <a:defRPr b="0" baseline="0" cap="none" i="0" spc="0" strike="noStrike" sz="1800" u="none" kumimoji="0" normalizeH="0">
+          <a:defRPr kumimoji="0" sz="1800" b="0" i="0" u="none" strike="noStrike" cap="none" spc="0" normalizeH="0" baseline="0">
             <a:ln>
               <a:noFill/>
             </a:ln>
@@ -18963,7 +19321,7 @@
           <a:buFontTx/>
           <a:buNone/>
           <a:tabLst/>
-          <a:defRPr b="0" baseline="0" cap="none" i="0" spc="0" strike="noStrike" sz="1800" u="none" kumimoji="0" normalizeH="0">
+          <a:defRPr kumimoji="0" sz="1800" b="0" i="0" u="none" strike="noStrike" cap="none" spc="0" normalizeH="0" baseline="0">
             <a:ln>
               <a:noFill/>
             </a:ln>
@@ -18989,7 +19347,7 @@
           <a:buFontTx/>
           <a:buNone/>
           <a:tabLst/>
-          <a:defRPr b="0" baseline="0" cap="none" i="0" spc="0" strike="noStrike" sz="1800" u="none" kumimoji="0" normalizeH="0">
+          <a:defRPr kumimoji="0" sz="1800" b="0" i="0" u="none" strike="noStrike" cap="none" spc="0" normalizeH="0" baseline="0">
             <a:ln>
               <a:noFill/>
             </a:ln>
@@ -19015,7 +19373,7 @@
           <a:buFontTx/>
           <a:buNone/>
           <a:tabLst/>
-          <a:defRPr b="0" baseline="0" cap="none" i="0" spc="0" strike="noStrike" sz="1800" u="none" kumimoji="0" normalizeH="0">
+          <a:defRPr kumimoji="0" sz="1800" b="0" i="0" u="none" strike="noStrike" cap="none" spc="0" normalizeH="0" baseline="0">
             <a:ln>
               <a:noFill/>
             </a:ln>
@@ -19041,7 +19399,7 @@
           <a:buFontTx/>
           <a:buNone/>
           <a:tabLst/>
-          <a:defRPr b="0" baseline="0" cap="none" i="0" spc="0" strike="noStrike" sz="1800" u="none" kumimoji="0" normalizeH="0">
+          <a:defRPr kumimoji="0" sz="1800" b="0" i="0" u="none" strike="noStrike" cap="none" spc="0" normalizeH="0" baseline="0">
             <a:ln>
               <a:noFill/>
             </a:ln>
@@ -19054,9 +19412,15 @@
         </a:lvl9pPr>
       </a:lstStyle>
       <a:style>
-        <a:lnRef idx="0"/>
-        <a:fillRef idx="0"/>
-        <a:effectRef idx="0"/>
+        <a:lnRef idx="0">
+          <a:scrgbClr r="0" g="0" b="0"/>
+        </a:lnRef>
+        <a:fillRef idx="0">
+          <a:scrgbClr r="0" g="0" b="0"/>
+        </a:fillRef>
+        <a:effectRef idx="0">
+          <a:scrgbClr r="0" g="0" b="0"/>
+        </a:effectRef>
         <a:fontRef idx="none"/>
       </a:style>
     </a:lnDef>
@@ -19070,7 +19434,7 @@
         <a:effectLst/>
         <a:sp3d/>
       </a:spPr>
-      <a:bodyPr rot="0" spcFirstLastPara="1" vertOverflow="overflow" horzOverflow="overflow" vert="horz" wrap="square" lIns="65022" tIns="65022" rIns="65022" bIns="65022" numCol="1" spcCol="38100" rtlCol="0" anchor="t" upright="0">
+      <a:bodyPr rot="0" spcFirstLastPara="1" vertOverflow="overflow" horzOverflow="overflow" vert="horz" wrap="square" lIns="65022" tIns="65022" rIns="65022" bIns="65022" numCol="1" spcCol="38100" rtlCol="0" anchor="t">
         <a:spAutoFit/>
       </a:bodyPr>
       <a:lstStyle>
@@ -19089,7 +19453,7 @@
           <a:buFontTx/>
           <a:buNone/>
           <a:tabLst/>
-          <a:defRPr b="0" baseline="0" cap="none" i="0" spc="0" strike="noStrike" sz="2400" u="none" kumimoji="0" normalizeH="0">
+          <a:defRPr kumimoji="0" sz="2400" b="0" i="0" u="none" strike="noStrike" cap="none" spc="0" normalizeH="0" baseline="0">
             <a:ln>
               <a:noFill/>
             </a:ln>
@@ -19119,7 +19483,7 @@
           <a:buFontTx/>
           <a:buNone/>
           <a:tabLst/>
-          <a:defRPr b="0" baseline="0" cap="none" i="0" spc="0" strike="noStrike" sz="1800" u="none" kumimoji="0" normalizeH="0">
+          <a:defRPr kumimoji="0" sz="1800" b="0" i="0" u="none" strike="noStrike" cap="none" spc="0" normalizeH="0" baseline="0">
             <a:ln>
               <a:noFill/>
             </a:ln>
@@ -19145,7 +19509,7 @@
           <a:buFontTx/>
           <a:buNone/>
           <a:tabLst/>
-          <a:defRPr b="0" baseline="0" cap="none" i="0" spc="0" strike="noStrike" sz="1800" u="none" kumimoji="0" normalizeH="0">
+          <a:defRPr kumimoji="0" sz="1800" b="0" i="0" u="none" strike="noStrike" cap="none" spc="0" normalizeH="0" baseline="0">
             <a:ln>
               <a:noFill/>
             </a:ln>
@@ -19171,7 +19535,7 @@
           <a:buFontTx/>
           <a:buNone/>
           <a:tabLst/>
-          <a:defRPr b="0" baseline="0" cap="none" i="0" spc="0" strike="noStrike" sz="1800" u="none" kumimoji="0" normalizeH="0">
+          <a:defRPr kumimoji="0" sz="1800" b="0" i="0" u="none" strike="noStrike" cap="none" spc="0" normalizeH="0" baseline="0">
             <a:ln>
               <a:noFill/>
             </a:ln>
@@ -19197,7 +19561,7 @@
           <a:buFontTx/>
           <a:buNone/>
           <a:tabLst/>
-          <a:defRPr b="0" baseline="0" cap="none" i="0" spc="0" strike="noStrike" sz="1800" u="none" kumimoji="0" normalizeH="0">
+          <a:defRPr kumimoji="0" sz="1800" b="0" i="0" u="none" strike="noStrike" cap="none" spc="0" normalizeH="0" baseline="0">
             <a:ln>
               <a:noFill/>
             </a:ln>
@@ -19223,7 +19587,7 @@
           <a:buFontTx/>
           <a:buNone/>
           <a:tabLst/>
-          <a:defRPr b="0" baseline="0" cap="none" i="0" spc="0" strike="noStrike" sz="1800" u="none" kumimoji="0" normalizeH="0">
+          <a:defRPr kumimoji="0" sz="1800" b="0" i="0" u="none" strike="noStrike" cap="none" spc="0" normalizeH="0" baseline="0">
             <a:ln>
               <a:noFill/>
             </a:ln>
@@ -19249,7 +19613,7 @@
           <a:buFontTx/>
           <a:buNone/>
           <a:tabLst/>
-          <a:defRPr b="0" baseline="0" cap="none" i="0" spc="0" strike="noStrike" sz="1800" u="none" kumimoji="0" normalizeH="0">
+          <a:defRPr kumimoji="0" sz="1800" b="0" i="0" u="none" strike="noStrike" cap="none" spc="0" normalizeH="0" baseline="0">
             <a:ln>
               <a:noFill/>
             </a:ln>
@@ -19275,7 +19639,7 @@
           <a:buFontTx/>
           <a:buNone/>
           <a:tabLst/>
-          <a:defRPr b="0" baseline="0" cap="none" i="0" spc="0" strike="noStrike" sz="1800" u="none" kumimoji="0" normalizeH="0">
+          <a:defRPr kumimoji="0" sz="1800" b="0" i="0" u="none" strike="noStrike" cap="none" spc="0" normalizeH="0" baseline="0">
             <a:ln>
               <a:noFill/>
             </a:ln>
@@ -19301,7 +19665,7 @@
           <a:buFontTx/>
           <a:buNone/>
           <a:tabLst/>
-          <a:defRPr b="0" baseline="0" cap="none" i="0" spc="0" strike="noStrike" sz="1800" u="none" kumimoji="0" normalizeH="0">
+          <a:defRPr kumimoji="0" sz="1800" b="0" i="0" u="none" strike="noStrike" cap="none" spc="0" normalizeH="0" baseline="0">
             <a:ln>
               <a:noFill/>
             </a:ln>
@@ -19327,7 +19691,7 @@
           <a:buFontTx/>
           <a:buNone/>
           <a:tabLst/>
-          <a:defRPr b="0" baseline="0" cap="none" i="0" spc="0" strike="noStrike" sz="1800" u="none" kumimoji="0" normalizeH="0">
+          <a:defRPr kumimoji="0" sz="1800" b="0" i="0" u="none" strike="noStrike" cap="none" spc="0" normalizeH="0" baseline="0">
             <a:ln>
               <a:noFill/>
             </a:ln>
@@ -19340,18 +19704,25 @@
         </a:lvl9pPr>
       </a:lstStyle>
       <a:style>
-        <a:lnRef idx="0"/>
-        <a:fillRef idx="0"/>
-        <a:effectRef idx="0"/>
+        <a:lnRef idx="0">
+          <a:scrgbClr r="0" g="0" b="0"/>
+        </a:lnRef>
+        <a:fillRef idx="0">
+          <a:scrgbClr r="0" g="0" b="0"/>
+        </a:fillRef>
+        <a:effectRef idx="0">
+          <a:scrgbClr r="0" g="0" b="0"/>
+        </a:effectRef>
         <a:fontRef idx="none"/>
       </a:style>
     </a:txDef>
   </a:objectDefaults>
+  <a:extraClrSchemeLst/>
 </a:theme>
 </file>
 
 <file path=ppt/theme/theme2.xml><?xml version="1.0" encoding="utf-8"?>
-<a:theme xmlns:a="http://schemas.openxmlformats.org/drawingml/2006/main" xmlns:r="http://schemas.openxmlformats.org/officeDocument/2006/relationships" name="Perspective">
+<a:theme xmlns:a="http://schemas.openxmlformats.org/drawingml/2006/main" name="Perspective">
   <a:themeElements>
     <a:clrScheme name="Perspective">
       <a:dk1>
@@ -19477,7 +19848,7 @@
       <a:effectStyleLst>
         <a:effectStyle>
           <a:effectLst>
-            <a:outerShdw sx="100000" sy="100000" kx="0" ky="0" algn="b" rotWithShape="0" blurRad="63500" dist="50800" dir="5400000">
+            <a:outerShdw blurRad="63500" dist="50800" dir="5400000" rotWithShape="0">
               <a:srgbClr val="000000">
                 <a:alpha val="48000"/>
               </a:srgbClr>
@@ -19486,7 +19857,7 @@
         </a:effectStyle>
         <a:effectStyle>
           <a:effectLst>
-            <a:outerShdw sx="100000" sy="100000" kx="0" ky="0" algn="b" rotWithShape="0" blurRad="63500" dist="50800" dir="5400000">
+            <a:outerShdw blurRad="63500" dist="50800" dir="5400000" rotWithShape="0">
               <a:srgbClr val="000000">
                 <a:alpha val="48000"/>
               </a:srgbClr>
@@ -19495,7 +19866,7 @@
         </a:effectStyle>
         <a:effectStyle>
           <a:effectLst>
-            <a:outerShdw sx="100000" sy="100000" kx="0" ky="0" algn="b" rotWithShape="0" blurRad="63500" dist="50800" dir="5400000">
+            <a:outerShdw blurRad="63500" dist="50800" dir="5400000" rotWithShape="0">
               <a:srgbClr val="000000">
                 <a:alpha val="48000"/>
               </a:srgbClr>
@@ -19569,7 +19940,7 @@
           <a:round/>
         </a:ln>
         <a:effectLst>
-          <a:outerShdw sx="100000" sy="100000" kx="0" ky="0" algn="b" rotWithShape="0" blurRad="63500" dist="50800" dir="5400000">
+          <a:outerShdw blurRad="63500" dist="50800" dir="5400000" rotWithShape="0">
             <a:srgbClr val="000000">
               <a:alpha val="48000"/>
             </a:srgbClr>
@@ -19577,7 +19948,7 @@
         </a:effectLst>
         <a:sp3d/>
       </a:spPr>
-      <a:bodyPr rot="0" spcFirstLastPara="1" vertOverflow="overflow" horzOverflow="overflow" vert="horz" wrap="square" lIns="65022" tIns="65022" rIns="65022" bIns="65022" numCol="1" spcCol="38100" rtlCol="0" anchor="ctr" upright="0">
+      <a:bodyPr rot="0" spcFirstLastPara="1" vertOverflow="overflow" horzOverflow="overflow" vert="horz" wrap="square" lIns="65022" tIns="65022" rIns="65022" bIns="65022" numCol="1" spcCol="38100" rtlCol="0" anchor="ctr">
         <a:spAutoFit/>
       </a:bodyPr>
       <a:lstStyle>
@@ -19596,7 +19967,7 @@
           <a:buFontTx/>
           <a:buNone/>
           <a:tabLst/>
-          <a:defRPr b="0" baseline="0" cap="none" i="0" spc="0" strike="noStrike" sz="2400" u="none" kumimoji="0" normalizeH="0">
+          <a:defRPr kumimoji="0" sz="2400" b="0" i="0" u="none" strike="noStrike" cap="none" spc="0" normalizeH="0" baseline="0">
             <a:ln>
               <a:noFill/>
             </a:ln>
@@ -19626,7 +19997,7 @@
           <a:buFontTx/>
           <a:buNone/>
           <a:tabLst/>
-          <a:defRPr b="0" baseline="0" cap="none" i="0" spc="0" strike="noStrike" sz="1800" u="none" kumimoji="0" normalizeH="0">
+          <a:defRPr kumimoji="0" sz="1800" b="0" i="0" u="none" strike="noStrike" cap="none" spc="0" normalizeH="0" baseline="0">
             <a:ln>
               <a:noFill/>
             </a:ln>
@@ -19652,7 +20023,7 @@
           <a:buFontTx/>
           <a:buNone/>
           <a:tabLst/>
-          <a:defRPr b="0" baseline="0" cap="none" i="0" spc="0" strike="noStrike" sz="1800" u="none" kumimoji="0" normalizeH="0">
+          <a:defRPr kumimoji="0" sz="1800" b="0" i="0" u="none" strike="noStrike" cap="none" spc="0" normalizeH="0" baseline="0">
             <a:ln>
               <a:noFill/>
             </a:ln>
@@ -19678,7 +20049,7 @@
           <a:buFontTx/>
           <a:buNone/>
           <a:tabLst/>
-          <a:defRPr b="0" baseline="0" cap="none" i="0" spc="0" strike="noStrike" sz="1800" u="none" kumimoji="0" normalizeH="0">
+          <a:defRPr kumimoji="0" sz="1800" b="0" i="0" u="none" strike="noStrike" cap="none" spc="0" normalizeH="0" baseline="0">
             <a:ln>
               <a:noFill/>
             </a:ln>
@@ -19704,7 +20075,7 @@
           <a:buFontTx/>
           <a:buNone/>
           <a:tabLst/>
-          <a:defRPr b="0" baseline="0" cap="none" i="0" spc="0" strike="noStrike" sz="1800" u="none" kumimoji="0" normalizeH="0">
+          <a:defRPr kumimoji="0" sz="1800" b="0" i="0" u="none" strike="noStrike" cap="none" spc="0" normalizeH="0" baseline="0">
             <a:ln>
               <a:noFill/>
             </a:ln>
@@ -19730,7 +20101,7 @@
           <a:buFontTx/>
           <a:buNone/>
           <a:tabLst/>
-          <a:defRPr b="0" baseline="0" cap="none" i="0" spc="0" strike="noStrike" sz="1800" u="none" kumimoji="0" normalizeH="0">
+          <a:defRPr kumimoji="0" sz="1800" b="0" i="0" u="none" strike="noStrike" cap="none" spc="0" normalizeH="0" baseline="0">
             <a:ln>
               <a:noFill/>
             </a:ln>
@@ -19756,7 +20127,7 @@
           <a:buFontTx/>
           <a:buNone/>
           <a:tabLst/>
-          <a:defRPr b="0" baseline="0" cap="none" i="0" spc="0" strike="noStrike" sz="1800" u="none" kumimoji="0" normalizeH="0">
+          <a:defRPr kumimoji="0" sz="1800" b="0" i="0" u="none" strike="noStrike" cap="none" spc="0" normalizeH="0" baseline="0">
             <a:ln>
               <a:noFill/>
             </a:ln>
@@ -19782,7 +20153,7 @@
           <a:buFontTx/>
           <a:buNone/>
           <a:tabLst/>
-          <a:defRPr b="0" baseline="0" cap="none" i="0" spc="0" strike="noStrike" sz="1800" u="none" kumimoji="0" normalizeH="0">
+          <a:defRPr kumimoji="0" sz="1800" b="0" i="0" u="none" strike="noStrike" cap="none" spc="0" normalizeH="0" baseline="0">
             <a:ln>
               <a:noFill/>
             </a:ln>
@@ -19808,7 +20179,7 @@
           <a:buFontTx/>
           <a:buNone/>
           <a:tabLst/>
-          <a:defRPr b="0" baseline="0" cap="none" i="0" spc="0" strike="noStrike" sz="1800" u="none" kumimoji="0" normalizeH="0">
+          <a:defRPr kumimoji="0" sz="1800" b="0" i="0" u="none" strike="noStrike" cap="none" spc="0" normalizeH="0" baseline="0">
             <a:ln>
               <a:noFill/>
             </a:ln>
@@ -19834,7 +20205,7 @@
           <a:buFontTx/>
           <a:buNone/>
           <a:tabLst/>
-          <a:defRPr b="0" baseline="0" cap="none" i="0" spc="0" strike="noStrike" sz="1800" u="none" kumimoji="0" normalizeH="0">
+          <a:defRPr kumimoji="0" sz="1800" b="0" i="0" u="none" strike="noStrike" cap="none" spc="0" normalizeH="0" baseline="0">
             <a:ln>
               <a:noFill/>
             </a:ln>
@@ -19847,9 +20218,15 @@
         </a:lvl9pPr>
       </a:lstStyle>
       <a:style>
-        <a:lnRef idx="0"/>
-        <a:fillRef idx="0"/>
-        <a:effectRef idx="0"/>
+        <a:lnRef idx="0">
+          <a:scrgbClr r="0" g="0" b="0"/>
+        </a:lnRef>
+        <a:fillRef idx="0">
+          <a:scrgbClr r="0" g="0" b="0"/>
+        </a:fillRef>
+        <a:effectRef idx="0">
+          <a:scrgbClr r="0" g="0" b="0"/>
+        </a:effectRef>
         <a:fontRef idx="none"/>
       </a:style>
     </a:spDef>
@@ -19864,7 +20241,7 @@
           <a:round/>
         </a:ln>
         <a:effectLst>
-          <a:outerShdw sx="100000" sy="100000" kx="0" ky="0" algn="b" rotWithShape="0" blurRad="63500" dist="50800" dir="5400000">
+          <a:outerShdw blurRad="63500" dist="50800" dir="5400000" rotWithShape="0">
             <a:srgbClr val="000000">
               <a:alpha val="48000"/>
             </a:srgbClr>
@@ -19872,7 +20249,7 @@
         </a:effectLst>
         <a:sp3d/>
       </a:spPr>
-      <a:bodyPr rot="0" spcFirstLastPara="1" vertOverflow="overflow" horzOverflow="overflow" vert="horz" wrap="square" lIns="91439" tIns="45719" rIns="91439" bIns="45719" numCol="1" spcCol="38100" rtlCol="0" anchor="t" upright="0">
+      <a:bodyPr rot="0" spcFirstLastPara="1" vertOverflow="overflow" horzOverflow="overflow" vert="horz" wrap="square" lIns="91439" tIns="45719" rIns="91439" bIns="45719" numCol="1" spcCol="38100" rtlCol="0" anchor="t">
         <a:noAutofit/>
       </a:bodyPr>
       <a:lstStyle>
@@ -19891,7 +20268,7 @@
           <a:buFontTx/>
           <a:buNone/>
           <a:tabLst/>
-          <a:defRPr b="0" baseline="0" cap="none" i="0" spc="0" strike="noStrike" sz="1800" u="none" kumimoji="0" normalizeH="0">
+          <a:defRPr kumimoji="0" sz="1800" b="0" i="0" u="none" strike="noStrike" cap="none" spc="0" normalizeH="0" baseline="0">
             <a:ln>
               <a:noFill/>
             </a:ln>
@@ -19917,7 +20294,7 @@
           <a:buFontTx/>
           <a:buNone/>
           <a:tabLst/>
-          <a:defRPr b="0" baseline="0" cap="none" i="0" spc="0" strike="noStrike" sz="1800" u="none" kumimoji="0" normalizeH="0">
+          <a:defRPr kumimoji="0" sz="1800" b="0" i="0" u="none" strike="noStrike" cap="none" spc="0" normalizeH="0" baseline="0">
             <a:ln>
               <a:noFill/>
             </a:ln>
@@ -19943,7 +20320,7 @@
           <a:buFontTx/>
           <a:buNone/>
           <a:tabLst/>
-          <a:defRPr b="0" baseline="0" cap="none" i="0" spc="0" strike="noStrike" sz="1800" u="none" kumimoji="0" normalizeH="0">
+          <a:defRPr kumimoji="0" sz="1800" b="0" i="0" u="none" strike="noStrike" cap="none" spc="0" normalizeH="0" baseline="0">
             <a:ln>
               <a:noFill/>
             </a:ln>
@@ -19969,7 +20346,7 @@
           <a:buFontTx/>
           <a:buNone/>
           <a:tabLst/>
-          <a:defRPr b="0" baseline="0" cap="none" i="0" spc="0" strike="noStrike" sz="1800" u="none" kumimoji="0" normalizeH="0">
+          <a:defRPr kumimoji="0" sz="1800" b="0" i="0" u="none" strike="noStrike" cap="none" spc="0" normalizeH="0" baseline="0">
             <a:ln>
               <a:noFill/>
             </a:ln>
@@ -19995,7 +20372,7 @@
           <a:buFontTx/>
           <a:buNone/>
           <a:tabLst/>
-          <a:defRPr b="0" baseline="0" cap="none" i="0" spc="0" strike="noStrike" sz="1800" u="none" kumimoji="0" normalizeH="0">
+          <a:defRPr kumimoji="0" sz="1800" b="0" i="0" u="none" strike="noStrike" cap="none" spc="0" normalizeH="0" baseline="0">
             <a:ln>
               <a:noFill/>
             </a:ln>
@@ -20021,7 +20398,7 @@
           <a:buFontTx/>
           <a:buNone/>
           <a:tabLst/>
-          <a:defRPr b="0" baseline="0" cap="none" i="0" spc="0" strike="noStrike" sz="1800" u="none" kumimoji="0" normalizeH="0">
+          <a:defRPr kumimoji="0" sz="1800" b="0" i="0" u="none" strike="noStrike" cap="none" spc="0" normalizeH="0" baseline="0">
             <a:ln>
               <a:noFill/>
             </a:ln>
@@ -20047,7 +20424,7 @@
           <a:buFontTx/>
           <a:buNone/>
           <a:tabLst/>
-          <a:defRPr b="0" baseline="0" cap="none" i="0" spc="0" strike="noStrike" sz="1800" u="none" kumimoji="0" normalizeH="0">
+          <a:defRPr kumimoji="0" sz="1800" b="0" i="0" u="none" strike="noStrike" cap="none" spc="0" normalizeH="0" baseline="0">
             <a:ln>
               <a:noFill/>
             </a:ln>
@@ -20073,7 +20450,7 @@
           <a:buFontTx/>
           <a:buNone/>
           <a:tabLst/>
-          <a:defRPr b="0" baseline="0" cap="none" i="0" spc="0" strike="noStrike" sz="1800" u="none" kumimoji="0" normalizeH="0">
+          <a:defRPr kumimoji="0" sz="1800" b="0" i="0" u="none" strike="noStrike" cap="none" spc="0" normalizeH="0" baseline="0">
             <a:ln>
               <a:noFill/>
             </a:ln>
@@ -20099,7 +20476,7 @@
           <a:buFontTx/>
           <a:buNone/>
           <a:tabLst/>
-          <a:defRPr b="0" baseline="0" cap="none" i="0" spc="0" strike="noStrike" sz="1800" u="none" kumimoji="0" normalizeH="0">
+          <a:defRPr kumimoji="0" sz="1800" b="0" i="0" u="none" strike="noStrike" cap="none" spc="0" normalizeH="0" baseline="0">
             <a:ln>
               <a:noFill/>
             </a:ln>
@@ -20125,7 +20502,7 @@
           <a:buFontTx/>
           <a:buNone/>
           <a:tabLst/>
-          <a:defRPr b="0" baseline="0" cap="none" i="0" spc="0" strike="noStrike" sz="1800" u="none" kumimoji="0" normalizeH="0">
+          <a:defRPr kumimoji="0" sz="1800" b="0" i="0" u="none" strike="noStrike" cap="none" spc="0" normalizeH="0" baseline="0">
             <a:ln>
               <a:noFill/>
             </a:ln>
@@ -20138,9 +20515,15 @@
         </a:lvl9pPr>
       </a:lstStyle>
       <a:style>
-        <a:lnRef idx="0"/>
-        <a:fillRef idx="0"/>
-        <a:effectRef idx="0"/>
+        <a:lnRef idx="0">
+          <a:scrgbClr r="0" g="0" b="0"/>
+        </a:lnRef>
+        <a:fillRef idx="0">
+          <a:scrgbClr r="0" g="0" b="0"/>
+        </a:fillRef>
+        <a:effectRef idx="0">
+          <a:scrgbClr r="0" g="0" b="0"/>
+        </a:effectRef>
         <a:fontRef idx="none"/>
       </a:style>
     </a:lnDef>
@@ -20154,7 +20537,7 @@
         <a:effectLst/>
         <a:sp3d/>
       </a:spPr>
-      <a:bodyPr rot="0" spcFirstLastPara="1" vertOverflow="overflow" horzOverflow="overflow" vert="horz" wrap="square" lIns="65022" tIns="65022" rIns="65022" bIns="65022" numCol="1" spcCol="38100" rtlCol="0" anchor="t" upright="0">
+      <a:bodyPr rot="0" spcFirstLastPara="1" vertOverflow="overflow" horzOverflow="overflow" vert="horz" wrap="square" lIns="65022" tIns="65022" rIns="65022" bIns="65022" numCol="1" spcCol="38100" rtlCol="0" anchor="t">
         <a:spAutoFit/>
       </a:bodyPr>
       <a:lstStyle>
@@ -20173,7 +20556,7 @@
           <a:buFontTx/>
           <a:buNone/>
           <a:tabLst/>
-          <a:defRPr b="0" baseline="0" cap="none" i="0" spc="0" strike="noStrike" sz="2400" u="none" kumimoji="0" normalizeH="0">
+          <a:defRPr kumimoji="0" sz="2400" b="0" i="0" u="none" strike="noStrike" cap="none" spc="0" normalizeH="0" baseline="0">
             <a:ln>
               <a:noFill/>
             </a:ln>
@@ -20203,7 +20586,7 @@
           <a:buFontTx/>
           <a:buNone/>
           <a:tabLst/>
-          <a:defRPr b="0" baseline="0" cap="none" i="0" spc="0" strike="noStrike" sz="1800" u="none" kumimoji="0" normalizeH="0">
+          <a:defRPr kumimoji="0" sz="1800" b="0" i="0" u="none" strike="noStrike" cap="none" spc="0" normalizeH="0" baseline="0">
             <a:ln>
               <a:noFill/>
             </a:ln>
@@ -20229,7 +20612,7 @@
           <a:buFontTx/>
           <a:buNone/>
           <a:tabLst/>
-          <a:defRPr b="0" baseline="0" cap="none" i="0" spc="0" strike="noStrike" sz="1800" u="none" kumimoji="0" normalizeH="0">
+          <a:defRPr kumimoji="0" sz="1800" b="0" i="0" u="none" strike="noStrike" cap="none" spc="0" normalizeH="0" baseline="0">
             <a:ln>
               <a:noFill/>
             </a:ln>
@@ -20255,7 +20638,7 @@
           <a:buFontTx/>
           <a:buNone/>
           <a:tabLst/>
-          <a:defRPr b="0" baseline="0" cap="none" i="0" spc="0" strike="noStrike" sz="1800" u="none" kumimoji="0" normalizeH="0">
+          <a:defRPr kumimoji="0" sz="1800" b="0" i="0" u="none" strike="noStrike" cap="none" spc="0" normalizeH="0" baseline="0">
             <a:ln>
               <a:noFill/>
             </a:ln>
@@ -20281,7 +20664,7 @@
           <a:buFontTx/>
           <a:buNone/>
           <a:tabLst/>
-          <a:defRPr b="0" baseline="0" cap="none" i="0" spc="0" strike="noStrike" sz="1800" u="none" kumimoji="0" normalizeH="0">
+          <a:defRPr kumimoji="0" sz="1800" b="0" i="0" u="none" strike="noStrike" cap="none" spc="0" normalizeH="0" baseline="0">
             <a:ln>
               <a:noFill/>
             </a:ln>
@@ -20307,7 +20690,7 @@
           <a:buFontTx/>
           <a:buNone/>
           <a:tabLst/>
-          <a:defRPr b="0" baseline="0" cap="none" i="0" spc="0" strike="noStrike" sz="1800" u="none" kumimoji="0" normalizeH="0">
+          <a:defRPr kumimoji="0" sz="1800" b="0" i="0" u="none" strike="noStrike" cap="none" spc="0" normalizeH="0" baseline="0">
             <a:ln>
               <a:noFill/>
             </a:ln>
@@ -20333,7 +20716,7 @@
           <a:buFontTx/>
           <a:buNone/>
           <a:tabLst/>
-          <a:defRPr b="0" baseline="0" cap="none" i="0" spc="0" strike="noStrike" sz="1800" u="none" kumimoji="0" normalizeH="0">
+          <a:defRPr kumimoji="0" sz="1800" b="0" i="0" u="none" strike="noStrike" cap="none" spc="0" normalizeH="0" baseline="0">
             <a:ln>
               <a:noFill/>
             </a:ln>
@@ -20359,7 +20742,7 @@
           <a:buFontTx/>
           <a:buNone/>
           <a:tabLst/>
-          <a:defRPr b="0" baseline="0" cap="none" i="0" spc="0" strike="noStrike" sz="1800" u="none" kumimoji="0" normalizeH="0">
+          <a:defRPr kumimoji="0" sz="1800" b="0" i="0" u="none" strike="noStrike" cap="none" spc="0" normalizeH="0" baseline="0">
             <a:ln>
               <a:noFill/>
             </a:ln>
@@ -20385,7 +20768,7 @@
           <a:buFontTx/>
           <a:buNone/>
           <a:tabLst/>
-          <a:defRPr b="0" baseline="0" cap="none" i="0" spc="0" strike="noStrike" sz="1800" u="none" kumimoji="0" normalizeH="0">
+          <a:defRPr kumimoji="0" sz="1800" b="0" i="0" u="none" strike="noStrike" cap="none" spc="0" normalizeH="0" baseline="0">
             <a:ln>
               <a:noFill/>
             </a:ln>
@@ -20411,7 +20794,7 @@
           <a:buFontTx/>
           <a:buNone/>
           <a:tabLst/>
-          <a:defRPr b="0" baseline="0" cap="none" i="0" spc="0" strike="noStrike" sz="1800" u="none" kumimoji="0" normalizeH="0">
+          <a:defRPr kumimoji="0" sz="1800" b="0" i="0" u="none" strike="noStrike" cap="none" spc="0" normalizeH="0" baseline="0">
             <a:ln>
               <a:noFill/>
             </a:ln>
@@ -20424,12 +20807,19 @@
         </a:lvl9pPr>
       </a:lstStyle>
       <a:style>
-        <a:lnRef idx="0"/>
-        <a:fillRef idx="0"/>
-        <a:effectRef idx="0"/>
+        <a:lnRef idx="0">
+          <a:scrgbClr r="0" g="0" b="0"/>
+        </a:lnRef>
+        <a:fillRef idx="0">
+          <a:scrgbClr r="0" g="0" b="0"/>
+        </a:fillRef>
+        <a:effectRef idx="0">
+          <a:scrgbClr r="0" g="0" b="0"/>
+        </a:effectRef>
         <a:fontRef idx="none"/>
       </a:style>
     </a:txDef>
   </a:objectDefaults>
+  <a:extraClrSchemeLst/>
 </a:theme>
 </file>